--- a/trunk/slides/sep2017/05-smartptrs.pptx
+++ b/trunk/slides/sep2017/05-smartptrs.pptx
@@ -36,8 +36,34 @@
     <p:sldId id="287" r:id="rId30"/>
     <p:sldId id="279" r:id="rId31"/>
     <p:sldId id="289" r:id="rId32"/>
-    <p:sldId id="288" r:id="rId33"/>
-    <p:sldId id="258" r:id="rId34"/>
+    <p:sldId id="292" r:id="rId33"/>
+    <p:sldId id="288" r:id="rId34"/>
+    <p:sldId id="293" r:id="rId35"/>
+    <p:sldId id="294" r:id="rId36"/>
+    <p:sldId id="295" r:id="rId37"/>
+    <p:sldId id="299" r:id="rId38"/>
+    <p:sldId id="316" r:id="rId39"/>
+    <p:sldId id="314" r:id="rId40"/>
+    <p:sldId id="315" r:id="rId41"/>
+    <p:sldId id="297" r:id="rId42"/>
+    <p:sldId id="298" r:id="rId43"/>
+    <p:sldId id="317" r:id="rId44"/>
+    <p:sldId id="296" r:id="rId45"/>
+    <p:sldId id="300" r:id="rId46"/>
+    <p:sldId id="301" r:id="rId47"/>
+    <p:sldId id="302" r:id="rId48"/>
+    <p:sldId id="303" r:id="rId49"/>
+    <p:sldId id="304" r:id="rId50"/>
+    <p:sldId id="305" r:id="rId51"/>
+    <p:sldId id="306" r:id="rId52"/>
+    <p:sldId id="308" r:id="rId53"/>
+    <p:sldId id="307" r:id="rId54"/>
+    <p:sldId id="310" r:id="rId55"/>
+    <p:sldId id="313" r:id="rId56"/>
+    <p:sldId id="309" r:id="rId57"/>
+    <p:sldId id="311" r:id="rId58"/>
+    <p:sldId id="312" r:id="rId59"/>
+    <p:sldId id="258" r:id="rId60"/>
   </p:sldIdLst>
   <p:sldSz cx="12192000" cy="6858000"/>
   <p:notesSz cx="6858000" cy="9144000"/>
@@ -341,7 +367,7 @@
             <a:fld id="{96DFF08F-DC6B-4601-B491-B0F83F6DD2DA}" type="datetimeFigureOut">
               <a:rPr lang="en-US" dirty="0"/>
               <a:pPr/>
-              <a:t>8/29/2017</a:t>
+              <a:t>8/31/2017</a:t>
             </a:fld>
             <a:endParaRPr lang="en-US" dirty="0"/>
           </a:p>
@@ -558,7 +584,7 @@
           <a:p>
             <a:fld id="{96DFF08F-DC6B-4601-B491-B0F83F6DD2DA}" type="datetimeFigureOut">
               <a:rPr lang="en-US" dirty="0"/>
-              <a:t>8/29/2017</a:t>
+              <a:t>8/31/2017</a:t>
             </a:fld>
             <a:endParaRPr lang="en-US" dirty="0"/>
           </a:p>
@@ -733,7 +759,7 @@
           <a:p>
             <a:fld id="{96DFF08F-DC6B-4601-B491-B0F83F6DD2DA}" type="datetimeFigureOut">
               <a:rPr lang="en-US" dirty="0"/>
-              <a:t>8/29/2017</a:t>
+              <a:t>8/31/2017</a:t>
             </a:fld>
             <a:endParaRPr lang="en-US" dirty="0"/>
           </a:p>
@@ -898,7 +924,7 @@
           <a:p>
             <a:fld id="{96DFF08F-DC6B-4601-B491-B0F83F6DD2DA}" type="datetimeFigureOut">
               <a:rPr lang="en-US" dirty="0"/>
-              <a:t>8/29/2017</a:t>
+              <a:t>8/31/2017</a:t>
             </a:fld>
             <a:endParaRPr lang="en-US" dirty="0"/>
           </a:p>
@@ -1144,7 +1170,7 @@
           <a:p>
             <a:fld id="{96DFF08F-DC6B-4601-B491-B0F83F6DD2DA}" type="datetimeFigureOut">
               <a:rPr lang="en-US" dirty="0"/>
-              <a:t>8/29/2017</a:t>
+              <a:t>8/31/2017</a:t>
             </a:fld>
             <a:endParaRPr lang="en-US" dirty="0"/>
           </a:p>
@@ -1462,7 +1488,7 @@
           <a:p>
             <a:fld id="{96DFF08F-DC6B-4601-B491-B0F83F6DD2DA}" type="datetimeFigureOut">
               <a:rPr lang="en-US" dirty="0"/>
-              <a:t>8/29/2017</a:t>
+              <a:t>8/31/2017</a:t>
             </a:fld>
             <a:endParaRPr lang="en-US" dirty="0"/>
           </a:p>
@@ -1881,7 +1907,7 @@
           <a:p>
             <a:fld id="{96DFF08F-DC6B-4601-B491-B0F83F6DD2DA}" type="datetimeFigureOut">
               <a:rPr lang="en-US" dirty="0"/>
-              <a:t>8/29/2017</a:t>
+              <a:t>8/31/2017</a:t>
             </a:fld>
             <a:endParaRPr lang="en-US" dirty="0"/>
           </a:p>
@@ -1994,7 +2020,7 @@
           <a:p>
             <a:fld id="{96DFF08F-DC6B-4601-B491-B0F83F6DD2DA}" type="datetimeFigureOut">
               <a:rPr lang="en-US" dirty="0"/>
-              <a:t>8/29/2017</a:t>
+              <a:t>8/31/2017</a:t>
             </a:fld>
             <a:endParaRPr lang="en-US" dirty="0"/>
           </a:p>
@@ -2084,7 +2110,7 @@
           <a:p>
             <a:fld id="{96DFF08F-DC6B-4601-B491-B0F83F6DD2DA}" type="datetimeFigureOut">
               <a:rPr lang="en-US" dirty="0"/>
-              <a:t>8/29/2017</a:t>
+              <a:t>8/31/2017</a:t>
             </a:fld>
             <a:endParaRPr lang="en-US" dirty="0"/>
           </a:p>
@@ -2369,7 +2395,7 @@
           <a:p>
             <a:fld id="{96DFF08F-DC6B-4601-B491-B0F83F6DD2DA}" type="datetimeFigureOut">
               <a:rPr lang="en-US" dirty="0"/>
-              <a:t>8/29/2017</a:t>
+              <a:t>8/31/2017</a:t>
             </a:fld>
             <a:endParaRPr lang="en-US" dirty="0"/>
           </a:p>
@@ -2636,7 +2662,7 @@
           <a:p>
             <a:fld id="{96DFF08F-DC6B-4601-B491-B0F83F6DD2DA}" type="datetimeFigureOut">
               <a:rPr lang="en-US" dirty="0"/>
-              <a:t>8/29/2017</a:t>
+              <a:t>8/31/2017</a:t>
             </a:fld>
             <a:endParaRPr lang="en-US" dirty="0"/>
           </a:p>
@@ -2885,7 +2911,7 @@
             <a:fld id="{96DFF08F-DC6B-4601-B491-B0F83F6DD2DA}" type="datetimeFigureOut">
               <a:rPr lang="en-US" dirty="0"/>
               <a:pPr/>
-              <a:t>8/29/2017</a:t>
+              <a:t>8/31/2017</a:t>
             </a:fld>
             <a:endParaRPr lang="en-US" dirty="0"/>
           </a:p>
@@ -5039,13 +5065,8 @@
             </a:r>
             <a:r>
               <a:rPr lang="ru-RU" smtClean="0"/>
-              <a:t>возможность с помощью него разрушать внешне вполне законные контексты поражает </a:t>
-            </a:r>
-            <a:r>
-              <a:rPr lang="ru-RU" smtClean="0"/>
-              <a:t>воображение</a:t>
-            </a:r>
-            <a:endParaRPr lang="ru-RU" smtClean="0"/>
+              <a:t>возможность с помощью него разрушать внешне вполне законные контексты поражает воображение</a:t>
+            </a:r>
           </a:p>
           <a:p>
             <a:r>
@@ -6900,15 +6921,7 @@
           <a:p>
             <a:r>
               <a:rPr lang="ru-RU" smtClean="0"/>
-              <a:t>В</a:t>
-            </a:r>
-            <a:r>
-              <a:rPr lang="ru-RU" smtClean="0"/>
-              <a:t> </a:t>
-            </a:r>
-            <a:r>
-              <a:rPr lang="ru-RU" smtClean="0"/>
-              <a:t>чём по вашему состоит грубая ошибка в первой строке?</a:t>
+              <a:t>В чём по вашему состоит грубая ошибка в первой строке?</a:t>
             </a:r>
           </a:p>
           <a:p>
@@ -7105,64 +7118,34 @@
               </a:rPr>
               <a:t>URAIIPtr&amp; rhs) = delete;</a:t>
             </a:r>
-            <a:r>
+            <a:br>
               <a:rPr lang="en-US">
                 <a:latin typeface="Consolas" panose="020B0609020204030204" pitchFamily="49" charset="0"/>
               </a:rPr>
-              <a:t/>
-            </a:r>
-            <a:br>
+            </a:br>
+            <a:r>
+              <a:rPr lang="en-US" smtClean="0">
+                <a:latin typeface="Consolas" panose="020B0609020204030204" pitchFamily="49" charset="0"/>
+              </a:rPr>
+              <a:t>  URAIIPtr(URAIIPtr</a:t>
+            </a:r>
+            <a:r>
               <a:rPr lang="en-US">
                 <a:latin typeface="Consolas" panose="020B0609020204030204" pitchFamily="49" charset="0"/>
               </a:rPr>
-            </a:br>
-            <a:r>
-              <a:rPr lang="en-US" smtClean="0">
-                <a:latin typeface="Consolas" panose="020B0609020204030204" pitchFamily="49" charset="0"/>
-              </a:rPr>
-              <a:t>  URAIIPtr(URAIIPtr</a:t>
+              <a:t>&amp;&amp; rhs) : ptr_(rhs.ptr_) </a:t>
+            </a:r>
+            <a:r>
+              <a:rPr lang="en-US" smtClean="0">
+                <a:latin typeface="Consolas" panose="020B0609020204030204" pitchFamily="49" charset="0"/>
+              </a:rPr>
+              <a:t>{ rhs.ptr</a:t>
             </a:r>
             <a:r>
               <a:rPr lang="en-US">
                 <a:latin typeface="Consolas" panose="020B0609020204030204" pitchFamily="49" charset="0"/>
               </a:rPr>
-              <a:t>&amp;&amp; rhs) : ptr_(rhs.ptr</a:t>
-            </a:r>
-            <a:r>
-              <a:rPr lang="en-US">
-                <a:latin typeface="Consolas" panose="020B0609020204030204" pitchFamily="49" charset="0"/>
-              </a:rPr>
-              <a:t>_) </a:t>
-            </a:r>
-            <a:r>
-              <a:rPr lang="en-US" smtClean="0">
-                <a:latin typeface="Consolas" panose="020B0609020204030204" pitchFamily="49" charset="0"/>
-              </a:rPr>
-              <a:t>{</a:t>
-            </a:r>
-            <a:r>
-              <a:rPr lang="en-US" smtClean="0">
-                <a:latin typeface="Consolas" panose="020B0609020204030204" pitchFamily="49" charset="0"/>
-              </a:rPr>
-              <a:t> </a:t>
-            </a:r>
-            <a:r>
-              <a:rPr lang="en-US" smtClean="0">
-                <a:latin typeface="Consolas" panose="020B0609020204030204" pitchFamily="49" charset="0"/>
-              </a:rPr>
-              <a:t>rhs.ptr</a:t>
-            </a:r>
-            <a:r>
-              <a:rPr lang="en-US">
-                <a:latin typeface="Consolas" panose="020B0609020204030204" pitchFamily="49" charset="0"/>
-              </a:rPr>
-              <a:t>_ = </a:t>
-            </a:r>
-            <a:r>
-              <a:rPr lang="en-US">
-                <a:latin typeface="Consolas" panose="020B0609020204030204" pitchFamily="49" charset="0"/>
-              </a:rPr>
-              <a:t>nullptr</a:t>
+              <a:t>_ = nullptr</a:t>
             </a:r>
             <a:r>
               <a:rPr lang="en-US" smtClean="0">
@@ -7249,16 +7232,7 @@
                 </a:solidFill>
                 <a:latin typeface="Consolas" panose="020B0609020204030204" pitchFamily="49" charset="0"/>
               </a:rPr>
-              <a:t>new </a:t>
-            </a:r>
-            <a:r>
-              <a:rPr lang="en-US">
-                <a:solidFill>
-                  <a:srgbClr val="FF0000"/>
-                </a:solidFill>
-                <a:latin typeface="Consolas" panose="020B0609020204030204" pitchFamily="49" charset="0"/>
-              </a:rPr>
-              <a:t>int[1000</a:t>
+              <a:t>new int[1000</a:t>
             </a:r>
             <a:r>
               <a:rPr lang="en-US" smtClean="0">
@@ -7384,91 +7358,90 @@
               <a:rPr lang="en-US">
                 <a:latin typeface="Consolas" panose="020B0609020204030204" pitchFamily="49" charset="0"/>
               </a:rPr>
-              <a:t>template &lt;</a:t>
+              <a:t>template &lt;typename </a:t>
+            </a:r>
+            <a:r>
+              <a:rPr lang="en-US" smtClean="0">
+                <a:latin typeface="Consolas" panose="020B0609020204030204" pitchFamily="49" charset="0"/>
+              </a:rPr>
+              <a:t>T, </a:t>
+            </a:r>
+            <a:r>
+              <a:rPr lang="en-US" smtClean="0">
+                <a:solidFill>
+                  <a:srgbClr val="0000FF"/>
+                </a:solidFill>
+                <a:latin typeface="Consolas" panose="020B0609020204030204" pitchFamily="49" charset="0"/>
+              </a:rPr>
+              <a:t>typename Deleter = default_delete&lt;T&gt;</a:t>
+            </a:r>
+            <a:r>
+              <a:rPr lang="en-US" smtClean="0">
+                <a:latin typeface="Consolas" panose="020B0609020204030204" pitchFamily="49" charset="0"/>
+              </a:rPr>
+              <a:t>&gt; </a:t>
+            </a:r>
+            <a:br>
+              <a:rPr lang="en-US" smtClean="0">
+                <a:latin typeface="Consolas" panose="020B0609020204030204" pitchFamily="49" charset="0"/>
+              </a:rPr>
+            </a:br>
+            <a:r>
+              <a:rPr lang="en-US" smtClean="0">
+                <a:latin typeface="Consolas" panose="020B0609020204030204" pitchFamily="49" charset="0"/>
+              </a:rPr>
+              <a:t>class </a:t>
             </a:r>
             <a:r>
               <a:rPr lang="en-US">
                 <a:latin typeface="Consolas" panose="020B0609020204030204" pitchFamily="49" charset="0"/>
               </a:rPr>
-              <a:t>typename </a:t>
-            </a:r>
-            <a:r>
-              <a:rPr lang="en-US" smtClean="0">
-                <a:latin typeface="Consolas" panose="020B0609020204030204" pitchFamily="49" charset="0"/>
-              </a:rPr>
-              <a:t>T, </a:t>
-            </a:r>
-            <a:r>
-              <a:rPr lang="en-US" smtClean="0">
-                <a:solidFill>
-                  <a:srgbClr val="0000FF"/>
-                </a:solidFill>
-                <a:latin typeface="Consolas" panose="020B0609020204030204" pitchFamily="49" charset="0"/>
-              </a:rPr>
-              <a:t>typename Deleter = default_delete&lt;T&gt;</a:t>
-            </a:r>
-            <a:r>
-              <a:rPr lang="en-US" smtClean="0">
-                <a:latin typeface="Consolas" panose="020B0609020204030204" pitchFamily="49" charset="0"/>
-              </a:rPr>
-              <a:t>&gt; </a:t>
-            </a:r>
-            <a:br>
-              <a:rPr lang="en-US" smtClean="0">
-                <a:latin typeface="Consolas" panose="020B0609020204030204" pitchFamily="49" charset="0"/>
-              </a:rPr>
-            </a:br>
-            <a:r>
-              <a:rPr lang="en-US" smtClean="0">
-                <a:latin typeface="Consolas" panose="020B0609020204030204" pitchFamily="49" charset="0"/>
-              </a:rPr>
-              <a:t>class </a:t>
-            </a:r>
-            <a:r>
+              <a:t>URAIIPtr {</a:t>
+            </a:r>
+            <a:br>
               <a:rPr lang="en-US">
                 <a:latin typeface="Consolas" panose="020B0609020204030204" pitchFamily="49" charset="0"/>
               </a:rPr>
-              <a:t>URAIIPtr {</a:t>
-            </a:r>
-            <a:br>
+            </a:br>
+            <a:r>
               <a:rPr lang="en-US">
                 <a:latin typeface="Consolas" panose="020B0609020204030204" pitchFamily="49" charset="0"/>
               </a:rPr>
-            </a:br>
+              <a:t>  T *ptr</a:t>
+            </a:r>
+            <a:r>
+              <a:rPr lang="en-US" smtClean="0">
+                <a:latin typeface="Consolas" panose="020B0609020204030204" pitchFamily="49" charset="0"/>
+              </a:rPr>
+              <a:t>_;</a:t>
+            </a:r>
+            <a:br>
+              <a:rPr lang="en-US" smtClean="0">
+                <a:latin typeface="Consolas" panose="020B0609020204030204" pitchFamily="49" charset="0"/>
+              </a:rPr>
+            </a:br>
+            <a:r>
+              <a:rPr lang="en-US" smtClean="0">
+                <a:latin typeface="Consolas" panose="020B0609020204030204" pitchFamily="49" charset="0"/>
+              </a:rPr>
+              <a:t>  Deleter del_;</a:t>
+            </a:r>
             <a:r>
               <a:rPr lang="en-US">
                 <a:latin typeface="Consolas" panose="020B0609020204030204" pitchFamily="49" charset="0"/>
               </a:rPr>
-              <a:t>  T *</a:t>
-            </a:r>
-            <a:r>
+              <a:t/>
+            </a:r>
+            <a:br>
               <a:rPr lang="en-US">
                 <a:latin typeface="Consolas" panose="020B0609020204030204" pitchFamily="49" charset="0"/>
               </a:rPr>
-              <a:t>ptr</a:t>
-            </a:r>
-            <a:r>
-              <a:rPr lang="en-US" smtClean="0">
-                <a:latin typeface="Consolas" panose="020B0609020204030204" pitchFamily="49" charset="0"/>
-              </a:rPr>
-              <a:t>_;</a:t>
-            </a:r>
-            <a:br>
-              <a:rPr lang="en-US" smtClean="0">
-                <a:latin typeface="Consolas" panose="020B0609020204030204" pitchFamily="49" charset="0"/>
-              </a:rPr>
-            </a:br>
-            <a:r>
-              <a:rPr lang="en-US" smtClean="0">
-                <a:latin typeface="Consolas" panose="020B0609020204030204" pitchFamily="49" charset="0"/>
-              </a:rPr>
-              <a:t>  Deleter del_;</a:t>
-            </a:r>
+            </a:br>
             <a:r>
               <a:rPr lang="en-US">
                 <a:latin typeface="Consolas" panose="020B0609020204030204" pitchFamily="49" charset="0"/>
               </a:rPr>
-              <a:t/>
+              <a:t>public:</a:t>
             </a:r>
             <a:br>
               <a:rPr lang="en-US">
@@ -7479,53 +7452,30 @@
               <a:rPr lang="en-US">
                 <a:latin typeface="Consolas" panose="020B0609020204030204" pitchFamily="49" charset="0"/>
               </a:rPr>
-              <a:t>public:</a:t>
-            </a:r>
-            <a:br>
+              <a:t>  URAIIPtr(T *ptr = </a:t>
+            </a:r>
+            <a:r>
+              <a:rPr lang="en-US" smtClean="0">
+                <a:latin typeface="Consolas" panose="020B0609020204030204" pitchFamily="49" charset="0"/>
+              </a:rPr>
+              <a:t>nullptr, Deleter del = Deleter()) :</a:t>
+            </a:r>
+            <a:br>
+              <a:rPr lang="en-US" smtClean="0">
+                <a:latin typeface="Consolas" panose="020B0609020204030204" pitchFamily="49" charset="0"/>
+              </a:rPr>
+            </a:br>
+            <a:r>
+              <a:rPr lang="en-US" smtClean="0">
+                <a:latin typeface="Consolas" panose="020B0609020204030204" pitchFamily="49" charset="0"/>
+              </a:rPr>
+              <a:t>    ptr</a:t>
+            </a:r>
+            <a:r>
               <a:rPr lang="en-US">
                 <a:latin typeface="Consolas" panose="020B0609020204030204" pitchFamily="49" charset="0"/>
               </a:rPr>
-            </a:br>
-            <a:r>
-              <a:rPr lang="en-US">
-                <a:latin typeface="Consolas" panose="020B0609020204030204" pitchFamily="49" charset="0"/>
-              </a:rPr>
-              <a:t>  URAIIPtr(T *ptr </a:t>
-            </a:r>
-            <a:r>
-              <a:rPr lang="en-US">
-                <a:latin typeface="Consolas" panose="020B0609020204030204" pitchFamily="49" charset="0"/>
-              </a:rPr>
-              <a:t>= </a:t>
-            </a:r>
-            <a:r>
-              <a:rPr lang="en-US" smtClean="0">
-                <a:latin typeface="Consolas" panose="020B0609020204030204" pitchFamily="49" charset="0"/>
-              </a:rPr>
-              <a:t>nullptr, Deleter del = Deleter()) :</a:t>
-            </a:r>
-            <a:br>
-              <a:rPr lang="en-US" smtClean="0">
-                <a:latin typeface="Consolas" panose="020B0609020204030204" pitchFamily="49" charset="0"/>
-              </a:rPr>
-            </a:br>
-            <a:r>
-              <a:rPr lang="en-US" smtClean="0">
-                <a:latin typeface="Consolas" panose="020B0609020204030204" pitchFamily="49" charset="0"/>
-              </a:rPr>
-              <a:t>    ptr</a:t>
-            </a:r>
-            <a:r>
-              <a:rPr lang="en-US">
-                <a:latin typeface="Consolas" panose="020B0609020204030204" pitchFamily="49" charset="0"/>
-              </a:rPr>
-              <a:t>_(</a:t>
-            </a:r>
-            <a:r>
-              <a:rPr lang="en-US">
-                <a:latin typeface="Consolas" panose="020B0609020204030204" pitchFamily="49" charset="0"/>
-              </a:rPr>
-              <a:t>ptr</a:t>
+              <a:t>_(ptr</a:t>
             </a:r>
             <a:r>
               <a:rPr lang="en-US" smtClean="0">
@@ -7533,9 +7483,6 @@
               </a:rPr>
               <a:t>), del_(del) {}</a:t>
             </a:r>
-            <a:endParaRPr lang="en-US" smtClean="0">
-              <a:latin typeface="Consolas" panose="020B0609020204030204" pitchFamily="49" charset="0"/>
-            </a:endParaRPr>
           </a:p>
           <a:p>
             <a:pPr marL="45720" indent="0">
@@ -7557,13 +7504,7 @@
               <a:rPr lang="en-US">
                 <a:latin typeface="Consolas" panose="020B0609020204030204" pitchFamily="49" charset="0"/>
               </a:rPr>
-              <a:t>URAIIPtr() </a:t>
-            </a:r>
-            <a:r>
-              <a:rPr lang="en-US">
-                <a:latin typeface="Consolas" panose="020B0609020204030204" pitchFamily="49" charset="0"/>
-              </a:rPr>
-              <a:t>{ </a:t>
+              <a:t>URAIIPtr() { </a:t>
             </a:r>
             <a:r>
               <a:rPr lang="en-US" smtClean="0">
@@ -7748,105 +7689,84 @@
               <a:rPr lang="en-US">
                 <a:latin typeface="Consolas" panose="020B0609020204030204" pitchFamily="49" charset="0"/>
               </a:rPr>
-              <a:t>template &lt;typename T&gt; </a:t>
-            </a:r>
+              <a:t>template &lt;typename T&gt; struct </a:t>
+            </a:r>
+            <a:r>
+              <a:rPr lang="en-US" smtClean="0">
+                <a:latin typeface="Consolas" panose="020B0609020204030204" pitchFamily="49" charset="0"/>
+              </a:rPr>
+              <a:t>default_delete&lt;</a:t>
+            </a:r>
+            <a:r>
+              <a:rPr lang="en-US" smtClean="0">
+                <a:solidFill>
+                  <a:srgbClr val="0000FF"/>
+                </a:solidFill>
+                <a:latin typeface="Consolas" panose="020B0609020204030204" pitchFamily="49" charset="0"/>
+              </a:rPr>
+              <a:t>T[]</a:t>
+            </a:r>
+            <a:r>
+              <a:rPr lang="en-US" smtClean="0">
+                <a:latin typeface="Consolas" panose="020B0609020204030204" pitchFamily="49" charset="0"/>
+              </a:rPr>
+              <a:t>&gt; {</a:t>
+            </a:r>
+            <a:br>
+              <a:rPr lang="en-US" smtClean="0">
+                <a:latin typeface="Consolas" panose="020B0609020204030204" pitchFamily="49" charset="0"/>
+              </a:rPr>
+            </a:br>
             <a:r>
               <a:rPr lang="en-US">
                 <a:latin typeface="Consolas" panose="020B0609020204030204" pitchFamily="49" charset="0"/>
               </a:rPr>
-              <a:t>struct </a:t>
-            </a:r>
-            <a:r>
-              <a:rPr lang="en-US" smtClean="0">
-                <a:latin typeface="Consolas" panose="020B0609020204030204" pitchFamily="49" charset="0"/>
-              </a:rPr>
-              <a:t>default_delete&lt;</a:t>
-            </a:r>
-            <a:r>
-              <a:rPr lang="en-US" smtClean="0">
+              <a:t> void operator() (T *ptr) {</a:t>
+            </a:r>
+            <a:r>
+              <a:rPr lang="en-US">
                 <a:solidFill>
                   <a:srgbClr val="0000FF"/>
                 </a:solidFill>
                 <a:latin typeface="Consolas" panose="020B0609020204030204" pitchFamily="49" charset="0"/>
               </a:rPr>
-              <a:t>T[]</a:t>
-            </a:r>
-            <a:r>
-              <a:rPr lang="en-US" smtClean="0">
-                <a:latin typeface="Consolas" panose="020B0609020204030204" pitchFamily="49" charset="0"/>
-              </a:rPr>
-              <a:t>&gt; {</a:t>
-            </a:r>
-            <a:br>
-              <a:rPr lang="en-US" smtClean="0">
-                <a:latin typeface="Consolas" panose="020B0609020204030204" pitchFamily="49" charset="0"/>
-              </a:rPr>
-            </a:br>
+              <a:t> </a:t>
+            </a:r>
+            <a:r>
+              <a:rPr lang="en-US" smtClean="0">
+                <a:solidFill>
+                  <a:srgbClr val="0000FF"/>
+                </a:solidFill>
+                <a:latin typeface="Consolas" panose="020B0609020204030204" pitchFamily="49" charset="0"/>
+              </a:rPr>
+              <a:t>delete</a:t>
+            </a:r>
+            <a:r>
+              <a:rPr lang="ru-RU" smtClean="0">
+                <a:solidFill>
+                  <a:srgbClr val="0000FF"/>
+                </a:solidFill>
+                <a:latin typeface="Consolas" panose="020B0609020204030204" pitchFamily="49" charset="0"/>
+              </a:rPr>
+              <a:t> </a:t>
+            </a:r>
+            <a:r>
+              <a:rPr lang="en-US" smtClean="0">
+                <a:solidFill>
+                  <a:srgbClr val="0000FF"/>
+                </a:solidFill>
+                <a:latin typeface="Consolas" panose="020B0609020204030204" pitchFamily="49" charset="0"/>
+              </a:rPr>
+              <a:t>[] </a:t>
+            </a:r>
             <a:r>
               <a:rPr lang="en-US">
-                <a:latin typeface="Consolas" panose="020B0609020204030204" pitchFamily="49" charset="0"/>
-              </a:rPr>
-              <a:t> void operator() (T *ptr) </a:t>
-            </a:r>
-            <a:r>
-              <a:rPr lang="en-US">
-                <a:latin typeface="Consolas" panose="020B0609020204030204" pitchFamily="49" charset="0"/>
-              </a:rPr>
-              <a:t>{</a:t>
-            </a:r>
-            <a:r>
-              <a:rPr lang="en-US">
                 <a:solidFill>
                   <a:srgbClr val="0000FF"/>
                 </a:solidFill>
                 <a:latin typeface="Consolas" panose="020B0609020204030204" pitchFamily="49" charset="0"/>
               </a:rPr>
-              <a:t> </a:t>
-            </a:r>
-            <a:r>
-              <a:rPr lang="en-US" smtClean="0">
-                <a:solidFill>
-                  <a:srgbClr val="0000FF"/>
-                </a:solidFill>
-                <a:latin typeface="Consolas" panose="020B0609020204030204" pitchFamily="49" charset="0"/>
-              </a:rPr>
-              <a:t>delete</a:t>
-            </a:r>
-            <a:r>
-              <a:rPr lang="ru-RU" smtClean="0">
-                <a:solidFill>
-                  <a:srgbClr val="0000FF"/>
-                </a:solidFill>
-                <a:latin typeface="Consolas" panose="020B0609020204030204" pitchFamily="49" charset="0"/>
-              </a:rPr>
-              <a:t> </a:t>
-            </a:r>
-            <a:r>
-              <a:rPr lang="en-US" smtClean="0">
-                <a:solidFill>
-                  <a:srgbClr val="0000FF"/>
-                </a:solidFill>
-                <a:latin typeface="Consolas" panose="020B0609020204030204" pitchFamily="49" charset="0"/>
-              </a:rPr>
-              <a:t>[] </a:t>
-            </a:r>
-            <a:r>
-              <a:rPr lang="en-US">
-                <a:solidFill>
-                  <a:srgbClr val="0000FF"/>
-                </a:solidFill>
-                <a:latin typeface="Consolas" panose="020B0609020204030204" pitchFamily="49" charset="0"/>
-              </a:rPr>
-              <a:t>ptr</a:t>
-            </a:r>
-            <a:r>
-              <a:rPr lang="en-US">
-                <a:solidFill>
-                  <a:srgbClr val="0000FF"/>
-                </a:solidFill>
-                <a:latin typeface="Consolas" panose="020B0609020204030204" pitchFamily="49" charset="0"/>
-              </a:rPr>
-              <a:t>; </a:t>
+              <a:t>ptr; </a:t>
             </a:r>
             <a:r>
               <a:rPr lang="en-US" smtClean="0">
@@ -7953,11 +7873,7 @@
           <a:p>
             <a:r>
               <a:rPr lang="ru-RU" smtClean="0"/>
-              <a:t>Массив против скаляра это пример того, что разные ресурсы может быть нужно по разному </a:t>
-            </a:r>
-            <a:r>
-              <a:rPr lang="ru-RU" smtClean="0"/>
-              <a:t>удалять</a:t>
+              <a:t>Массив против скаляра это пример того, что разные ресурсы может быть нужно по разному удалять</a:t>
             </a:r>
             <a:r>
               <a:rPr lang="en-US" smtClean="0"/>
@@ -8153,9 +8069,6 @@
               </a:rPr>
               <a:t>unique_ptr&lt;void&gt; u;</a:t>
             </a:r>
-            <a:endParaRPr lang="en-US" smtClean="0">
-              <a:latin typeface="Consolas" panose="020B0609020204030204" pitchFamily="49" charset="0"/>
-            </a:endParaRPr>
           </a:p>
           <a:p>
             <a:r>
@@ -8263,11 +8176,7 @@
           <a:p>
             <a:r>
               <a:rPr lang="ru-RU" smtClean="0"/>
-              <a:t>Хорошо известна проблема </a:t>
-            </a:r>
-            <a:r>
-              <a:rPr lang="ru-RU" smtClean="0"/>
-              <a:t>следующего вида:</a:t>
+              <a:t>Хорошо известна проблема следующего вида:</a:t>
             </a:r>
           </a:p>
           <a:p>
@@ -8372,25 +8281,7 @@
                 </a:solidFill>
                 <a:latin typeface="Consolas" panose="020B0609020204030204" pitchFamily="49" charset="0"/>
               </a:rPr>
-              <a:t>увы, </a:t>
-            </a:r>
-            <a:r>
-              <a:rPr lang="ru-RU" smtClean="0">
-                <a:solidFill>
-                  <a:srgbClr val="FF0000"/>
-                </a:solidFill>
-                <a:latin typeface="Consolas" panose="020B0609020204030204" pitchFamily="49" charset="0"/>
-              </a:rPr>
-              <a:t>не </a:t>
-            </a:r>
-            <a:r>
-              <a:rPr lang="ru-RU" smtClean="0">
-                <a:solidFill>
-                  <a:srgbClr val="FF0000"/>
-                </a:solidFill>
-                <a:latin typeface="Consolas" panose="020B0609020204030204" pitchFamily="49" charset="0"/>
-              </a:rPr>
-              <a:t>компилируется</a:t>
+              <a:t>увы, не компилируется</a:t>
             </a:r>
             <a:r>
               <a:rPr lang="en-US" smtClean="0">
@@ -8428,7 +8319,6 @@
               <a:rPr lang="en-US" smtClean="0"/>
               <a:t>unique_ptr&lt;void&gt;</a:t>
             </a:r>
-            <a:endParaRPr lang="en-US" smtClean="0"/>
           </a:p>
         </p:txBody>
       </p:sp>
@@ -8525,19 +8415,7 @@
               <a:rPr lang="en-US" smtClean="0">
                 <a:latin typeface="Consolas" panose="020B0609020204030204" pitchFamily="49" charset="0"/>
               </a:rPr>
-              <a:t>class </a:t>
-            </a:r>
-            <a:r>
-              <a:rPr lang="en-US" smtClean="0">
-                <a:latin typeface="Consolas" panose="020B0609020204030204" pitchFamily="49" charset="0"/>
-              </a:rPr>
-              <a:t>Ifacade </a:t>
-            </a:r>
-            <a:r>
-              <a:rPr lang="en-US" smtClean="0">
-                <a:latin typeface="Consolas" panose="020B0609020204030204" pitchFamily="49" charset="0"/>
-              </a:rPr>
-              <a:t>{</a:t>
+              <a:t>class Ifacade {</a:t>
             </a:r>
             <a:r>
               <a:rPr lang="ru-RU">
@@ -8576,31 +8454,7 @@
               <a:rPr lang="en-US" smtClean="0">
                 <a:latin typeface="Consolas" panose="020B0609020204030204" pitchFamily="49" charset="0"/>
               </a:rPr>
-              <a:t>  </a:t>
-            </a:r>
-            <a:r>
-              <a:rPr lang="en-US" smtClean="0">
-                <a:latin typeface="Consolas" panose="020B0609020204030204" pitchFamily="49" charset="0"/>
-              </a:rPr>
-              <a:t>Ifacad</a:t>
-            </a:r>
-            <a:r>
-              <a:rPr lang="en-US" smtClean="0">
-                <a:latin typeface="Consolas" panose="020B0609020204030204" pitchFamily="49" charset="0"/>
-              </a:rPr>
-              <a:t>e</a:t>
-            </a:r>
-            <a:r>
-              <a:rPr lang="en-US" smtClean="0">
-                <a:latin typeface="Consolas" panose="020B0609020204030204" pitchFamily="49" charset="0"/>
-              </a:rPr>
-              <a:t>() </a:t>
-            </a:r>
-            <a:r>
-              <a:rPr lang="en-US" smtClean="0">
-                <a:latin typeface="Consolas" panose="020B0609020204030204" pitchFamily="49" charset="0"/>
-              </a:rPr>
-              <a:t>: impl_(new CImpl) {}</a:t>
+              <a:t>  Ifacade() : impl_(new CImpl) {}</a:t>
             </a:r>
             <a:br>
               <a:rPr lang="en-US" smtClean="0">
@@ -8773,19 +8627,7 @@
               <a:rPr lang="en-US" smtClean="0">
                 <a:latin typeface="Consolas" panose="020B0609020204030204" pitchFamily="49" charset="0"/>
               </a:rPr>
-              <a:t>class </a:t>
-            </a:r>
-            <a:r>
-              <a:rPr lang="en-US" smtClean="0">
-                <a:latin typeface="Consolas" panose="020B0609020204030204" pitchFamily="49" charset="0"/>
-              </a:rPr>
-              <a:t>Ifacade </a:t>
-            </a:r>
-            <a:r>
-              <a:rPr lang="en-US" smtClean="0">
-                <a:latin typeface="Consolas" panose="020B0609020204030204" pitchFamily="49" charset="0"/>
-              </a:rPr>
-              <a:t>{</a:t>
+              <a:t>class Ifacade {</a:t>
             </a:r>
             <a:r>
               <a:rPr lang="ru-RU">
@@ -8824,19 +8666,7 @@
               <a:rPr lang="en-US" smtClean="0">
                 <a:latin typeface="Consolas" panose="020B0609020204030204" pitchFamily="49" charset="0"/>
               </a:rPr>
-              <a:t>  </a:t>
-            </a:r>
-            <a:r>
-              <a:rPr lang="en-US" smtClean="0">
-                <a:latin typeface="Consolas" panose="020B0609020204030204" pitchFamily="49" charset="0"/>
-              </a:rPr>
-              <a:t>Ifacade() </a:t>
-            </a:r>
-            <a:r>
-              <a:rPr lang="en-US" smtClean="0">
-                <a:latin typeface="Consolas" panose="020B0609020204030204" pitchFamily="49" charset="0"/>
-              </a:rPr>
-              <a:t>: impl_(new CImpl) {}</a:t>
+              <a:t>  Ifacade() : impl_(new CImpl) {}</a:t>
             </a:r>
             <a:br>
               <a:rPr lang="en-US" smtClean="0">
@@ -8928,7 +8758,6 @@
               <a:rPr lang="en-US" smtClean="0"/>
               <a:t>boost::scoped_ptr</a:t>
             </a:r>
-            <a:endParaRPr lang="en-US" smtClean="0"/>
           </a:p>
         </p:txBody>
       </p:sp>
@@ -9213,7 +9042,7 @@
           <a:p>
             <a:r>
               <a:rPr lang="ru-RU" smtClean="0"/>
-              <a:t>Практическое упражнение: дерево</a:t>
+              <a:t>Дерево из уникальных указателей</a:t>
             </a:r>
             <a:endParaRPr lang="en-US"/>
           </a:p>
@@ -9236,19 +9065,172 @@
           <a:p>
             <a:r>
               <a:rPr lang="ru-RU" smtClean="0"/>
-              <a:t>Тут про </a:t>
+              <a:t>Для дерева естественным типом владения является уникальное владение</a:t>
+            </a:r>
+          </a:p>
+          <a:p>
+            <a:pPr marL="45720" indent="0">
+              <a:buNone/>
+            </a:pPr>
+            <a:r>
+              <a:rPr lang="en-US" smtClean="0">
+                <a:latin typeface="Consolas" panose="020B0609020204030204" pitchFamily="49" charset="0"/>
+              </a:rPr>
+              <a:t>template &lt;typename Data&gt; class Tree {</a:t>
+            </a:r>
+            <a:br>
+              <a:rPr lang="en-US" smtClean="0">
+                <a:latin typeface="Consolas" panose="020B0609020204030204" pitchFamily="49" charset="0"/>
+              </a:rPr>
+            </a:br>
+            <a:r>
+              <a:rPr lang="en-US" smtClean="0">
+                <a:latin typeface="Consolas" panose="020B0609020204030204" pitchFamily="49" charset="0"/>
+              </a:rPr>
+              <a:t>  struct Node {</a:t>
+            </a:r>
+            <a:br>
+              <a:rPr lang="en-US" smtClean="0">
+                <a:latin typeface="Consolas" panose="020B0609020204030204" pitchFamily="49" charset="0"/>
+              </a:rPr>
+            </a:br>
+            <a:r>
+              <a:rPr lang="en-US" smtClean="0">
+                <a:latin typeface="Consolas" panose="020B0609020204030204" pitchFamily="49" charset="0"/>
+              </a:rPr>
+              <a:t>    unique_ptr&lt;Node&gt; left, right;</a:t>
+            </a:r>
+            <a:br>
+              <a:rPr lang="en-US" smtClean="0">
+                <a:latin typeface="Consolas" panose="020B0609020204030204" pitchFamily="49" charset="0"/>
+              </a:rPr>
+            </a:br>
+            <a:r>
+              <a:rPr lang="en-US" smtClean="0">
+                <a:latin typeface="Consolas" panose="020B0609020204030204" pitchFamily="49" charset="0"/>
+              </a:rPr>
+              <a:t>    Data d;</a:t>
+            </a:r>
+            <a:r>
+              <a:rPr lang="ru-RU" smtClean="0">
+                <a:latin typeface="Consolas" panose="020B0609020204030204" pitchFamily="49" charset="0"/>
+              </a:rPr>
+              <a:t/>
+            </a:r>
+            <a:br>
+              <a:rPr lang="ru-RU" smtClean="0">
+                <a:latin typeface="Consolas" panose="020B0609020204030204" pitchFamily="49" charset="0"/>
+              </a:rPr>
+            </a:br>
+            <a:r>
+              <a:rPr lang="en-US" smtClean="0">
+                <a:latin typeface="Consolas" panose="020B0609020204030204" pitchFamily="49" charset="0"/>
+              </a:rPr>
+              <a:t>  };</a:t>
+            </a:r>
+            <a:r>
+              <a:rPr lang="ru-RU" smtClean="0">
+                <a:latin typeface="Consolas" panose="020B0609020204030204" pitchFamily="49" charset="0"/>
+              </a:rPr>
+              <a:t/>
+            </a:r>
+            <a:br>
+              <a:rPr lang="ru-RU" smtClean="0">
+                <a:latin typeface="Consolas" panose="020B0609020204030204" pitchFamily="49" charset="0"/>
+              </a:rPr>
+            </a:br>
+            <a:r>
+              <a:rPr lang="ru-RU" smtClean="0">
+                <a:latin typeface="Consolas" panose="020B0609020204030204" pitchFamily="49" charset="0"/>
+              </a:rPr>
+              <a:t>  </a:t>
+            </a:r>
+            <a:r>
+              <a:rPr lang="en-US" smtClean="0">
+                <a:latin typeface="Consolas" panose="020B0609020204030204" pitchFamily="49" charset="0"/>
+              </a:rPr>
+              <a:t>unique_ptr&lt;Node&gt; top_;</a:t>
+            </a:r>
+            <a:br>
+              <a:rPr lang="en-US" smtClean="0">
+                <a:latin typeface="Consolas" panose="020B0609020204030204" pitchFamily="49" charset="0"/>
+              </a:rPr>
+            </a:br>
+            <a:r>
+              <a:rPr lang="en-US" smtClean="0">
+                <a:latin typeface="Consolas" panose="020B0609020204030204" pitchFamily="49" charset="0"/>
+              </a:rPr>
+              <a:t>  </a:t>
+            </a:r>
+            <a:r>
+              <a:rPr lang="en-US" smtClean="0">
+                <a:solidFill>
+                  <a:srgbClr val="0000FF"/>
+                </a:solidFill>
+                <a:latin typeface="Consolas" panose="020B0609020204030204" pitchFamily="49" charset="0"/>
+              </a:rPr>
+              <a:t>void release_node(unique_ptr&lt;Node&gt; u) {}</a:t>
+            </a:r>
+            <a:r>
+              <a:rPr lang="ru-RU">
+                <a:latin typeface="Consolas" panose="020B0609020204030204" pitchFamily="49" charset="0"/>
+              </a:rPr>
+              <a:t/>
+            </a:r>
+            <a:br>
+              <a:rPr lang="ru-RU">
+                <a:latin typeface="Consolas" panose="020B0609020204030204" pitchFamily="49" charset="0"/>
+              </a:rPr>
+            </a:br>
+            <a:r>
+              <a:rPr lang="en-US" smtClean="0">
+                <a:latin typeface="Consolas" panose="020B0609020204030204" pitchFamily="49" charset="0"/>
+              </a:rPr>
+              <a:t>// </a:t>
+            </a:r>
+            <a:r>
+              <a:rPr lang="ru-RU" smtClean="0">
+                <a:latin typeface="Consolas" panose="020B0609020204030204" pitchFamily="49" charset="0"/>
+              </a:rPr>
+              <a:t>дальше 42 открытых метода</a:t>
+            </a:r>
+            <a:r>
+              <a:rPr lang="en-US" smtClean="0">
+                <a:latin typeface="Consolas" panose="020B0609020204030204" pitchFamily="49" charset="0"/>
+              </a:rPr>
+              <a:t/>
+            </a:r>
+            <a:br>
+              <a:rPr lang="en-US" smtClean="0">
+                <a:latin typeface="Consolas" panose="020B0609020204030204" pitchFamily="49" charset="0"/>
+              </a:rPr>
+            </a:br>
+            <a:r>
+              <a:rPr lang="en-US" smtClean="0">
+                <a:latin typeface="Consolas" panose="020B0609020204030204" pitchFamily="49" charset="0"/>
+              </a:rPr>
+              <a:t>};</a:t>
+            </a:r>
+          </a:p>
+          <a:p>
+            <a:r>
+              <a:rPr lang="ru-RU" smtClean="0"/>
+              <a:t>Понимаете ли вы почему тело </a:t>
             </a:r>
             <a:r>
               <a:rPr lang="en-US" smtClean="0"/>
-              <a:t>Tree </a:t>
-            </a:r>
-            <a:r>
-              <a:rPr lang="ru-RU" smtClean="0"/>
-              <a:t>состоящее из </a:t>
-            </a:r>
-            <a:r>
-              <a:rPr lang="en-US" smtClean="0"/>
-              <a:t>unique_ptrs</a:t>
+              <a:t>release_node </a:t>
+            </a:r>
+            <a:r>
+              <a:rPr lang="ru-RU" smtClean="0"/>
+              <a:t>пустое?</a:t>
+            </a:r>
+            <a:endParaRPr lang="en-US" smtClean="0"/>
+          </a:p>
+          <a:p>
+            <a:r>
+              <a:rPr lang="ru-RU" smtClean="0"/>
+              <a:t>Есть ли тут какие-то проблемы?</a:t>
             </a:r>
             <a:endParaRPr lang="en-US"/>
           </a:p>
@@ -9370,6 +9352,37 @@
       </p:grpSpPr>
       <p:sp>
         <p:nvSpPr>
+          <p:cNvPr id="2" name="Title 1"/>
+          <p:cNvSpPr>
+            <a:spLocks noGrp="1"/>
+          </p:cNvSpPr>
+          <p:nvPr>
+            <p:ph type="title"/>
+          </p:nvPr>
+        </p:nvSpPr>
+        <p:spPr/>
+        <p:txBody>
+          <a:bodyPr/>
+          <a:lstStyle/>
+          <a:p>
+            <a:r>
+              <a:rPr lang="ru-RU" smtClean="0"/>
+              <a:t>Проблема метода </a:t>
+            </a:r>
+            <a:r>
+              <a:rPr lang="en-US" smtClean="0"/>
+              <a:t>find </a:t>
+            </a:r>
+            <a:r>
+              <a:rPr lang="ru-RU" smtClean="0"/>
+              <a:t>в дереве</a:t>
+            </a:r>
+            <a:endParaRPr lang="en-US"/>
+          </a:p>
+        </p:txBody>
+      </p:sp>
+      <p:sp>
+        <p:nvSpPr>
           <p:cNvPr id="3" name="Content Placeholder 2"/>
           <p:cNvSpPr>
             <a:spLocks noGrp="1"/>
@@ -9378,80 +9391,173 @@
             <p:ph idx="1"/>
           </p:nvPr>
         </p:nvSpPr>
-        <p:spPr>
-          <a:xfrm>
-            <a:off x="1143000" y="742122"/>
-            <a:ext cx="9872871" cy="5353878"/>
-          </a:xfrm>
-        </p:spPr>
-        <p:txBody>
-          <a:bodyPr>
-            <a:noAutofit/>
-          </a:bodyPr>
-          <a:lstStyle/>
-          <a:p>
-            <a:pPr>
-              <a:lnSpc>
-                <a:spcPct val="150000"/>
-              </a:lnSpc>
-              <a:buFont typeface="Wingdings" panose="05000000000000000000" pitchFamily="2" charset="2"/>
-              <a:buChar char="q"/>
+        <p:spPr/>
+        <p:txBody>
+          <a:bodyPr/>
+          <a:lstStyle/>
+          <a:p>
+            <a:r>
+              <a:rPr lang="ru-RU" smtClean="0"/>
+              <a:t>Представим, что дерево предоставляет интерфейс к поиску данных</a:t>
+            </a:r>
+          </a:p>
+          <a:p>
+            <a:pPr marL="45720" indent="0">
+              <a:buNone/>
             </a:pPr>
             <a:r>
-              <a:rPr lang="ru-RU" sz="4800" smtClean="0"/>
-              <a:t> Постановка и история вопроса</a:t>
-            </a:r>
-          </a:p>
-          <a:p>
-            <a:pPr>
-              <a:lnSpc>
-                <a:spcPct val="150000"/>
-              </a:lnSpc>
-              <a:buFont typeface="Wingdings" panose="05000000000000000000" pitchFamily="2" charset="2"/>
-              <a:buChar char="q"/>
-            </a:pPr>
-            <a:r>
-              <a:rPr lang="ru-RU" sz="4800" smtClean="0"/>
-              <a:t> Уникальное владение</a:t>
-            </a:r>
-          </a:p>
-          <a:p>
-            <a:pPr>
-              <a:lnSpc>
-                <a:spcPct val="150000"/>
-              </a:lnSpc>
-              <a:buFont typeface="Wingdings" panose="05000000000000000000" pitchFamily="2" charset="2"/>
-              <a:buChar char="Ø"/>
-            </a:pPr>
-            <a:r>
-              <a:rPr lang="ru-RU" sz="4800" smtClean="0"/>
-              <a:t> Совместное владение</a:t>
-            </a:r>
-            <a:endParaRPr lang="en-US" sz="4800" smtClean="0"/>
-          </a:p>
-          <a:p>
-            <a:pPr>
-              <a:lnSpc>
-                <a:spcPct val="150000"/>
-              </a:lnSpc>
-              <a:buFont typeface="Wingdings" panose="05000000000000000000" pitchFamily="2" charset="2"/>
-              <a:buChar char="q"/>
-            </a:pPr>
-            <a:r>
-              <a:rPr lang="en-US" sz="4800"/>
-              <a:t> </a:t>
-            </a:r>
-            <a:r>
-              <a:rPr lang="ru-RU" sz="4800" smtClean="0"/>
-              <a:t>Закольцованный мир</a:t>
-            </a:r>
+              <a:rPr lang="en-US">
+                <a:latin typeface="Consolas" panose="020B0609020204030204" pitchFamily="49" charset="0"/>
+              </a:rPr>
+              <a:t>template &lt;typename Data&gt; class Tree {</a:t>
+            </a:r>
+            <a:br>
+              <a:rPr lang="en-US">
+                <a:latin typeface="Consolas" panose="020B0609020204030204" pitchFamily="49" charset="0"/>
+              </a:rPr>
+            </a:br>
+            <a:r>
+              <a:rPr lang="en-US">
+                <a:latin typeface="Consolas" panose="020B0609020204030204" pitchFamily="49" charset="0"/>
+              </a:rPr>
+              <a:t>  struct Node {</a:t>
+            </a:r>
+            <a:br>
+              <a:rPr lang="en-US">
+                <a:latin typeface="Consolas" panose="020B0609020204030204" pitchFamily="49" charset="0"/>
+              </a:rPr>
+            </a:br>
+            <a:r>
+              <a:rPr lang="en-US">
+                <a:latin typeface="Consolas" panose="020B0609020204030204" pitchFamily="49" charset="0"/>
+              </a:rPr>
+              <a:t>    unique_ptr&lt;Node&gt; left, right;</a:t>
+            </a:r>
+            <a:br>
+              <a:rPr lang="en-US">
+                <a:latin typeface="Consolas" panose="020B0609020204030204" pitchFamily="49" charset="0"/>
+              </a:rPr>
+            </a:br>
+            <a:r>
+              <a:rPr lang="en-US">
+                <a:latin typeface="Consolas" panose="020B0609020204030204" pitchFamily="49" charset="0"/>
+              </a:rPr>
+              <a:t>    Data d;</a:t>
+            </a:r>
+            <a:r>
+              <a:rPr lang="ru-RU">
+                <a:latin typeface="Consolas" panose="020B0609020204030204" pitchFamily="49" charset="0"/>
+              </a:rPr>
+              <a:t/>
+            </a:r>
+            <a:br>
+              <a:rPr lang="ru-RU">
+                <a:latin typeface="Consolas" panose="020B0609020204030204" pitchFamily="49" charset="0"/>
+              </a:rPr>
+            </a:br>
+            <a:r>
+              <a:rPr lang="en-US">
+                <a:latin typeface="Consolas" panose="020B0609020204030204" pitchFamily="49" charset="0"/>
+              </a:rPr>
+              <a:t>  </a:t>
+            </a:r>
+            <a:r>
+              <a:rPr lang="en-US" smtClean="0">
+                <a:latin typeface="Consolas" panose="020B0609020204030204" pitchFamily="49" charset="0"/>
+              </a:rPr>
+              <a:t>};</a:t>
+            </a:r>
+            <a:r>
+              <a:rPr lang="ru-RU" smtClean="0">
+                <a:latin typeface="Consolas" panose="020B0609020204030204" pitchFamily="49" charset="0"/>
+              </a:rPr>
+              <a:t/>
+            </a:r>
+            <a:br>
+              <a:rPr lang="ru-RU" smtClean="0">
+                <a:latin typeface="Consolas" panose="020B0609020204030204" pitchFamily="49" charset="0"/>
+              </a:rPr>
+            </a:br>
+            <a:r>
+              <a:rPr lang="ru-RU" smtClean="0">
+                <a:latin typeface="Consolas" panose="020B0609020204030204" pitchFamily="49" charset="0"/>
+              </a:rPr>
+              <a:t>  </a:t>
+            </a:r>
+            <a:r>
+              <a:rPr lang="en-US" smtClean="0">
+                <a:latin typeface="Consolas" panose="020B0609020204030204" pitchFamily="49" charset="0"/>
+              </a:rPr>
+              <a:t>unique_ptr&lt;Node&gt; top_;</a:t>
+            </a:r>
+            <a:r>
+              <a:rPr lang="ru-RU">
+                <a:latin typeface="Consolas" panose="020B0609020204030204" pitchFamily="49" charset="0"/>
+              </a:rPr>
+              <a:t/>
+            </a:r>
+            <a:br>
+              <a:rPr lang="ru-RU">
+                <a:latin typeface="Consolas" panose="020B0609020204030204" pitchFamily="49" charset="0"/>
+              </a:rPr>
+            </a:br>
+            <a:r>
+              <a:rPr lang="en-US" smtClean="0">
+                <a:latin typeface="Consolas" panose="020B0609020204030204" pitchFamily="49" charset="0"/>
+              </a:rPr>
+              <a:t>public: </a:t>
+            </a:r>
+            <a:br>
+              <a:rPr lang="en-US" smtClean="0">
+                <a:latin typeface="Consolas" panose="020B0609020204030204" pitchFamily="49" charset="0"/>
+              </a:rPr>
+            </a:br>
+            <a:r>
+              <a:rPr lang="en-US" smtClean="0">
+                <a:solidFill>
+                  <a:srgbClr val="FF0000"/>
+                </a:solidFill>
+                <a:latin typeface="Consolas" panose="020B0609020204030204" pitchFamily="49" charset="0"/>
+              </a:rPr>
+              <a:t>  ??? find (int inorder_pos);</a:t>
+            </a:r>
+            <a:endParaRPr lang="en-US" smtClean="0">
+              <a:solidFill>
+                <a:srgbClr val="FF0000"/>
+              </a:solidFill>
+            </a:endParaRPr>
+          </a:p>
+          <a:p>
+            <a:r>
+              <a:rPr lang="ru-RU" smtClean="0"/>
+              <a:t>Что должен возвращать метод </a:t>
+            </a:r>
+            <a:r>
+              <a:rPr lang="en-US" smtClean="0"/>
+              <a:t>find?</a:t>
+            </a:r>
+          </a:p>
+          <a:p>
+            <a:r>
+              <a:rPr lang="ru-RU" smtClean="0"/>
+              <a:t>Предполагаем, что </a:t>
+            </a:r>
+            <a:r>
+              <a:rPr lang="en-US" smtClean="0"/>
+              <a:t>Node* </a:t>
+            </a:r>
+            <a:r>
+              <a:rPr lang="ru-RU" smtClean="0"/>
+              <a:t>плохой вариант, так как утечёт сырой указатель</a:t>
+            </a:r>
+            <a:endParaRPr lang="en-US"/>
           </a:p>
         </p:txBody>
       </p:sp>
     </p:spTree>
     <p:extLst>
       <p:ext uri="{BB962C8B-B14F-4D97-AF65-F5344CB8AC3E}">
-        <p14:creationId xmlns:p14="http://schemas.microsoft.com/office/powerpoint/2010/main" val="587482197"/>
+        <p14:creationId xmlns:p14="http://schemas.microsoft.com/office/powerpoint/2010/main" val="2935977604"/>
       </p:ext>
     </p:extLst>
   </p:cSld>
@@ -9480,6 +9586,116 @@
       </p:grpSpPr>
       <p:sp>
         <p:nvSpPr>
+          <p:cNvPr id="3" name="Content Placeholder 2"/>
+          <p:cNvSpPr>
+            <a:spLocks noGrp="1"/>
+          </p:cNvSpPr>
+          <p:nvPr>
+            <p:ph idx="1"/>
+          </p:nvPr>
+        </p:nvSpPr>
+        <p:spPr>
+          <a:xfrm>
+            <a:off x="1143000" y="742122"/>
+            <a:ext cx="9872871" cy="5353878"/>
+          </a:xfrm>
+        </p:spPr>
+        <p:txBody>
+          <a:bodyPr>
+            <a:noAutofit/>
+          </a:bodyPr>
+          <a:lstStyle/>
+          <a:p>
+            <a:pPr>
+              <a:lnSpc>
+                <a:spcPct val="150000"/>
+              </a:lnSpc>
+              <a:buFont typeface="Wingdings" panose="05000000000000000000" pitchFamily="2" charset="2"/>
+              <a:buChar char="q"/>
+            </a:pPr>
+            <a:r>
+              <a:rPr lang="ru-RU" sz="4800" smtClean="0"/>
+              <a:t> Постановка и история вопроса</a:t>
+            </a:r>
+          </a:p>
+          <a:p>
+            <a:pPr>
+              <a:lnSpc>
+                <a:spcPct val="150000"/>
+              </a:lnSpc>
+              <a:buFont typeface="Wingdings" panose="05000000000000000000" pitchFamily="2" charset="2"/>
+              <a:buChar char="q"/>
+            </a:pPr>
+            <a:r>
+              <a:rPr lang="ru-RU" sz="4800" smtClean="0"/>
+              <a:t> Уникальное владение</a:t>
+            </a:r>
+          </a:p>
+          <a:p>
+            <a:pPr>
+              <a:lnSpc>
+                <a:spcPct val="150000"/>
+              </a:lnSpc>
+              <a:buFont typeface="Wingdings" panose="05000000000000000000" pitchFamily="2" charset="2"/>
+              <a:buChar char="Ø"/>
+            </a:pPr>
+            <a:r>
+              <a:rPr lang="ru-RU" sz="4800" smtClean="0"/>
+              <a:t> Совместное владение</a:t>
+            </a:r>
+            <a:endParaRPr lang="en-US" sz="4800" smtClean="0"/>
+          </a:p>
+          <a:p>
+            <a:pPr>
+              <a:lnSpc>
+                <a:spcPct val="150000"/>
+              </a:lnSpc>
+              <a:buFont typeface="Wingdings" panose="05000000000000000000" pitchFamily="2" charset="2"/>
+              <a:buChar char="q"/>
+            </a:pPr>
+            <a:r>
+              <a:rPr lang="en-US" sz="4800"/>
+              <a:t> </a:t>
+            </a:r>
+            <a:r>
+              <a:rPr lang="ru-RU" sz="4800" smtClean="0"/>
+              <a:t>Закольцованный мир</a:t>
+            </a:r>
+          </a:p>
+        </p:txBody>
+      </p:sp>
+    </p:spTree>
+    <p:extLst>
+      <p:ext uri="{BB962C8B-B14F-4D97-AF65-F5344CB8AC3E}">
+        <p14:creationId xmlns:p14="http://schemas.microsoft.com/office/powerpoint/2010/main" val="587482197"/>
+      </p:ext>
+    </p:extLst>
+  </p:cSld>
+  <p:clrMapOvr>
+    <a:masterClrMapping/>
+  </p:clrMapOvr>
+</p:sld>
+</file>
+
+<file path=ppt/slides/slide34.xml><?xml version="1.0" encoding="utf-8"?>
+<p:sld xmlns:a="http://schemas.openxmlformats.org/drawingml/2006/main" xmlns:r="http://schemas.openxmlformats.org/officeDocument/2006/relationships" xmlns:p="http://schemas.openxmlformats.org/presentationml/2006/main">
+  <p:cSld>
+    <p:spTree>
+      <p:nvGrpSpPr>
+        <p:cNvPr id="1" name=""/>
+        <p:cNvGrpSpPr/>
+        <p:nvPr/>
+      </p:nvGrpSpPr>
+      <p:grpSpPr>
+        <a:xfrm>
+          <a:off x="0" y="0"/>
+          <a:ext cx="0" cy="0"/>
+          <a:chOff x="0" y="0"/>
+          <a:chExt cx="0" cy="0"/>
+        </a:xfrm>
+      </p:grpSpPr>
+      <p:sp>
+        <p:nvSpPr>
           <p:cNvPr id="2" name="Title 1"/>
           <p:cNvSpPr>
             <a:spLocks noGrp="1"/>
@@ -9494,10 +9710,18 @@
           <a:lstStyle/>
           <a:p>
             <a:r>
-              <a:rPr lang="ru-RU" dirty="0" smtClean="0"/>
-              <a:t>Литература</a:t>
-            </a:r>
-            <a:endParaRPr lang="en-US" dirty="0"/>
+              <a:rPr lang="ru-RU" smtClean="0"/>
+              <a:t>Проблема метода </a:t>
+            </a:r>
+            <a:r>
+              <a:rPr lang="en-US" smtClean="0"/>
+              <a:t>find </a:t>
+            </a:r>
+            <a:r>
+              <a:rPr lang="ru-RU" smtClean="0"/>
+              <a:t>в дереве</a:t>
+            </a:r>
+            <a:endParaRPr lang="en-US"/>
           </a:p>
         </p:txBody>
       </p:sp>
@@ -9516,34 +9740,2286 @@
           <a:bodyPr/>
           <a:lstStyle/>
           <a:p>
-            <a:pPr lvl="0"/>
-            <a:r>
-              <a:rPr lang="en-US" dirty="0"/>
-              <a:t>ISO/IEC, "Information technology -- Programming languages – C++", ISO/IEC 14882:2014, 2014</a:t>
-            </a:r>
-          </a:p>
-          <a:p>
-            <a:pPr lvl="0"/>
-            <a:r>
-              <a:rPr lang="en-US" dirty="0"/>
-              <a:t>The C++ Programming Language (4th </a:t>
-            </a:r>
-            <a:r>
-              <a:rPr lang="en-US"/>
-              <a:t>Edition</a:t>
-            </a:r>
-            <a:r>
-              <a:rPr lang="en-US" smtClean="0"/>
-              <a:t>)</a:t>
-            </a:r>
-            <a:endParaRPr lang="en-US" dirty="0"/>
+            <a:r>
+              <a:rPr lang="ru-RU" smtClean="0"/>
+              <a:t>Вариант с совместным владением требует перестройки дерева под себя</a:t>
+            </a:r>
+          </a:p>
+          <a:p>
+            <a:pPr marL="45720" indent="0">
+              <a:buNone/>
+            </a:pPr>
+            <a:r>
+              <a:rPr lang="en-US">
+                <a:latin typeface="Consolas" panose="020B0609020204030204" pitchFamily="49" charset="0"/>
+              </a:rPr>
+              <a:t>template &lt;typename Data&gt; class Tree {</a:t>
+            </a:r>
+            <a:br>
+              <a:rPr lang="en-US">
+                <a:latin typeface="Consolas" panose="020B0609020204030204" pitchFamily="49" charset="0"/>
+              </a:rPr>
+            </a:br>
+            <a:r>
+              <a:rPr lang="en-US">
+                <a:latin typeface="Consolas" panose="020B0609020204030204" pitchFamily="49" charset="0"/>
+              </a:rPr>
+              <a:t>  struct Node {</a:t>
+            </a:r>
+            <a:br>
+              <a:rPr lang="en-US">
+                <a:latin typeface="Consolas" panose="020B0609020204030204" pitchFamily="49" charset="0"/>
+              </a:rPr>
+            </a:br>
+            <a:r>
+              <a:rPr lang="en-US">
+                <a:latin typeface="Consolas" panose="020B0609020204030204" pitchFamily="49" charset="0"/>
+              </a:rPr>
+              <a:t>    </a:t>
+            </a:r>
+            <a:r>
+              <a:rPr lang="en-US" smtClean="0">
+                <a:solidFill>
+                  <a:srgbClr val="0000FF"/>
+                </a:solidFill>
+                <a:latin typeface="Consolas" panose="020B0609020204030204" pitchFamily="49" charset="0"/>
+              </a:rPr>
+              <a:t>shared_ptr&lt;Node</a:t>
+            </a:r>
+            <a:r>
+              <a:rPr lang="en-US">
+                <a:solidFill>
+                  <a:srgbClr val="0000FF"/>
+                </a:solidFill>
+                <a:latin typeface="Consolas" panose="020B0609020204030204" pitchFamily="49" charset="0"/>
+              </a:rPr>
+              <a:t>&gt;</a:t>
+            </a:r>
+            <a:r>
+              <a:rPr lang="en-US">
+                <a:latin typeface="Consolas" panose="020B0609020204030204" pitchFamily="49" charset="0"/>
+              </a:rPr>
+              <a:t> left, right;</a:t>
+            </a:r>
+            <a:br>
+              <a:rPr lang="en-US">
+                <a:latin typeface="Consolas" panose="020B0609020204030204" pitchFamily="49" charset="0"/>
+              </a:rPr>
+            </a:br>
+            <a:r>
+              <a:rPr lang="en-US">
+                <a:latin typeface="Consolas" panose="020B0609020204030204" pitchFamily="49" charset="0"/>
+              </a:rPr>
+              <a:t>    Data d;</a:t>
+            </a:r>
+            <a:r>
+              <a:rPr lang="ru-RU">
+                <a:latin typeface="Consolas" panose="020B0609020204030204" pitchFamily="49" charset="0"/>
+              </a:rPr>
+              <a:t/>
+            </a:r>
+            <a:br>
+              <a:rPr lang="ru-RU">
+                <a:latin typeface="Consolas" panose="020B0609020204030204" pitchFamily="49" charset="0"/>
+              </a:rPr>
+            </a:br>
+            <a:r>
+              <a:rPr lang="en-US">
+                <a:latin typeface="Consolas" panose="020B0609020204030204" pitchFamily="49" charset="0"/>
+              </a:rPr>
+              <a:t>  </a:t>
+            </a:r>
+            <a:r>
+              <a:rPr lang="en-US" smtClean="0">
+                <a:latin typeface="Consolas" panose="020B0609020204030204" pitchFamily="49" charset="0"/>
+              </a:rPr>
+              <a:t>};</a:t>
+            </a:r>
+            <a:br>
+              <a:rPr lang="en-US" smtClean="0">
+                <a:latin typeface="Consolas" panose="020B0609020204030204" pitchFamily="49" charset="0"/>
+              </a:rPr>
+            </a:br>
+            <a:r>
+              <a:rPr lang="en-US" smtClean="0">
+                <a:latin typeface="Consolas" panose="020B0609020204030204" pitchFamily="49" charset="0"/>
+              </a:rPr>
+              <a:t>  </a:t>
+            </a:r>
+            <a:r>
+              <a:rPr lang="en-US" smtClean="0">
+                <a:solidFill>
+                  <a:srgbClr val="0000FF"/>
+                </a:solidFill>
+                <a:latin typeface="Consolas" panose="020B0609020204030204" pitchFamily="49" charset="0"/>
+              </a:rPr>
+              <a:t>shared_ptr&lt;Node&gt;</a:t>
+            </a:r>
+            <a:r>
+              <a:rPr lang="en-US" smtClean="0">
+                <a:latin typeface="Consolas" panose="020B0609020204030204" pitchFamily="49" charset="0"/>
+              </a:rPr>
+              <a:t> top_;</a:t>
+            </a:r>
+            <a:r>
+              <a:rPr lang="ru-RU">
+                <a:latin typeface="Consolas" panose="020B0609020204030204" pitchFamily="49" charset="0"/>
+              </a:rPr>
+              <a:t/>
+            </a:r>
+            <a:br>
+              <a:rPr lang="ru-RU">
+                <a:latin typeface="Consolas" panose="020B0609020204030204" pitchFamily="49" charset="0"/>
+              </a:rPr>
+            </a:br>
+            <a:r>
+              <a:rPr lang="en-US" smtClean="0">
+                <a:latin typeface="Consolas" panose="020B0609020204030204" pitchFamily="49" charset="0"/>
+              </a:rPr>
+              <a:t>public: </a:t>
+            </a:r>
+            <a:br>
+              <a:rPr lang="en-US" smtClean="0">
+                <a:latin typeface="Consolas" panose="020B0609020204030204" pitchFamily="49" charset="0"/>
+              </a:rPr>
+            </a:br>
+            <a:r>
+              <a:rPr lang="en-US" smtClean="0">
+                <a:latin typeface="Consolas" panose="020B0609020204030204" pitchFamily="49" charset="0"/>
+              </a:rPr>
+              <a:t>  </a:t>
+            </a:r>
+            <a:r>
+              <a:rPr lang="en-US" smtClean="0">
+                <a:solidFill>
+                  <a:srgbClr val="0000FF"/>
+                </a:solidFill>
+                <a:latin typeface="Consolas" panose="020B0609020204030204" pitchFamily="49" charset="0"/>
+              </a:rPr>
+              <a:t>shared_ptr&lt;Node&gt; </a:t>
+            </a:r>
+            <a:r>
+              <a:rPr lang="en-US" smtClean="0">
+                <a:latin typeface="Consolas" panose="020B0609020204030204" pitchFamily="49" charset="0"/>
+              </a:rPr>
+              <a:t>find (int inorder_pos) {</a:t>
+            </a:r>
+            <a:r>
+              <a:rPr lang="ru-RU" smtClean="0">
+                <a:latin typeface="Consolas" panose="020B0609020204030204" pitchFamily="49" charset="0"/>
+              </a:rPr>
+              <a:t/>
+            </a:r>
+            <a:br>
+              <a:rPr lang="ru-RU" smtClean="0">
+                <a:latin typeface="Consolas" panose="020B0609020204030204" pitchFamily="49" charset="0"/>
+              </a:rPr>
+            </a:br>
+            <a:r>
+              <a:rPr lang="ru-RU" smtClean="0">
+                <a:latin typeface="Consolas" panose="020B0609020204030204" pitchFamily="49" charset="0"/>
+              </a:rPr>
+              <a:t>    </a:t>
+            </a:r>
+            <a:r>
+              <a:rPr lang="en-US" smtClean="0">
+                <a:latin typeface="Consolas" panose="020B0609020204030204" pitchFamily="49" charset="0"/>
+              </a:rPr>
+              <a:t>// </a:t>
+            </a:r>
+            <a:r>
+              <a:rPr lang="ru-RU" smtClean="0">
+                <a:latin typeface="Consolas" panose="020B0609020204030204" pitchFamily="49" charset="0"/>
+              </a:rPr>
+              <a:t>тут поиск</a:t>
+            </a:r>
+            <a:r>
+              <a:rPr lang="en-US" smtClean="0">
+                <a:latin typeface="Consolas" panose="020B0609020204030204" pitchFamily="49" charset="0"/>
+              </a:rPr>
+              <a:t>, shared_ptr&lt;Node&gt; spn</a:t>
+            </a:r>
+            <a:br>
+              <a:rPr lang="en-US" smtClean="0">
+                <a:latin typeface="Consolas" panose="020B0609020204030204" pitchFamily="49" charset="0"/>
+              </a:rPr>
+            </a:br>
+            <a:r>
+              <a:rPr lang="ru-RU" smtClean="0">
+                <a:latin typeface="Consolas" panose="020B0609020204030204" pitchFamily="49" charset="0"/>
+              </a:rPr>
+              <a:t>    </a:t>
+            </a:r>
+            <a:r>
+              <a:rPr lang="en-US" smtClean="0">
+                <a:latin typeface="Consolas" panose="020B0609020204030204" pitchFamily="49" charset="0"/>
+              </a:rPr>
+              <a:t>return spn;</a:t>
+            </a:r>
+            <a:br>
+              <a:rPr lang="en-US" smtClean="0">
+                <a:latin typeface="Consolas" panose="020B0609020204030204" pitchFamily="49" charset="0"/>
+              </a:rPr>
+            </a:br>
+            <a:r>
+              <a:rPr lang="en-US" smtClean="0">
+                <a:latin typeface="Consolas" panose="020B0609020204030204" pitchFamily="49" charset="0"/>
+              </a:rPr>
+              <a:t>  }</a:t>
+            </a:r>
+            <a:endParaRPr lang="en-US" smtClean="0"/>
           </a:p>
         </p:txBody>
       </p:sp>
     </p:spTree>
     <p:extLst>
       <p:ext uri="{BB962C8B-B14F-4D97-AF65-F5344CB8AC3E}">
-        <p14:creationId xmlns:p14="http://schemas.microsoft.com/office/powerpoint/2010/main" val="1719869055"/>
+        <p14:creationId xmlns:p14="http://schemas.microsoft.com/office/powerpoint/2010/main" val="89600975"/>
+      </p:ext>
+    </p:extLst>
+  </p:cSld>
+  <p:clrMapOvr>
+    <a:masterClrMapping/>
+  </p:clrMapOvr>
+</p:sld>
+</file>
+
+<file path=ppt/slides/slide35.xml><?xml version="1.0" encoding="utf-8"?>
+<p:sld xmlns:a="http://schemas.openxmlformats.org/drawingml/2006/main" xmlns:r="http://schemas.openxmlformats.org/officeDocument/2006/relationships" xmlns:p="http://schemas.openxmlformats.org/presentationml/2006/main">
+  <p:cSld>
+    <p:spTree>
+      <p:nvGrpSpPr>
+        <p:cNvPr id="1" name=""/>
+        <p:cNvGrpSpPr/>
+        <p:nvPr/>
+      </p:nvGrpSpPr>
+      <p:grpSpPr>
+        <a:xfrm>
+          <a:off x="0" y="0"/>
+          <a:ext cx="0" cy="0"/>
+          <a:chOff x="0" y="0"/>
+          <a:chExt cx="0" cy="0"/>
+        </a:xfrm>
+      </p:grpSpPr>
+      <p:sp>
+        <p:nvSpPr>
+          <p:cNvPr id="2" name="Title 1"/>
+          <p:cNvSpPr>
+            <a:spLocks noGrp="1"/>
+          </p:cNvSpPr>
+          <p:nvPr>
+            <p:ph type="title"/>
+          </p:nvPr>
+        </p:nvSpPr>
+        <p:spPr/>
+        <p:txBody>
+          <a:bodyPr/>
+          <a:lstStyle/>
+          <a:p>
+            <a:r>
+              <a:rPr lang="ru-RU" smtClean="0"/>
+              <a:t>Идея для </a:t>
+            </a:r>
+            <a:r>
+              <a:rPr lang="en-US" smtClean="0"/>
+              <a:t>shared_ptr</a:t>
+            </a:r>
+            <a:endParaRPr lang="en-US"/>
+          </a:p>
+        </p:txBody>
+      </p:sp>
+      <p:sp>
+        <p:nvSpPr>
+          <p:cNvPr id="3" name="Content Placeholder 2"/>
+          <p:cNvSpPr>
+            <a:spLocks noGrp="1"/>
+          </p:cNvSpPr>
+          <p:nvPr>
+            <p:ph idx="1"/>
+          </p:nvPr>
+        </p:nvSpPr>
+        <p:spPr>
+          <a:xfrm>
+            <a:off x="1143000" y="2057400"/>
+            <a:ext cx="10396728" cy="4038600"/>
+          </a:xfrm>
+        </p:spPr>
+        <p:txBody>
+          <a:bodyPr/>
+          <a:lstStyle/>
+          <a:p>
+            <a:r>
+              <a:rPr lang="ru-RU" smtClean="0"/>
+              <a:t>Вспомним базовую проблему </a:t>
+            </a:r>
+            <a:r>
+              <a:rPr lang="en-US" smtClean="0"/>
+              <a:t>RAII: </a:t>
+            </a:r>
+            <a:r>
+              <a:rPr lang="ru-RU" smtClean="0"/>
+              <a:t>копирование.</a:t>
+            </a:r>
+          </a:p>
+          <a:p>
+            <a:r>
+              <a:rPr lang="ru-RU" smtClean="0"/>
+              <a:t>Пока что были рассмотрены такие варианты</a:t>
+            </a:r>
+          </a:p>
+          <a:p>
+            <a:pPr marL="731520" lvl="1" indent="-457200">
+              <a:buFont typeface="+mj-lt"/>
+              <a:buAutoNum type="arabicPeriod"/>
+            </a:pPr>
+            <a:r>
+              <a:rPr lang="ru-RU" smtClean="0"/>
+              <a:t>Отказ от копирования: </a:t>
+            </a:r>
+            <a:r>
+              <a:rPr lang="en-US" smtClean="0"/>
+              <a:t>scoped_ptr, const unique_ptr</a:t>
+            </a:r>
+          </a:p>
+          <a:p>
+            <a:pPr marL="731520" lvl="1" indent="-457200">
+              <a:buFont typeface="+mj-lt"/>
+              <a:buAutoNum type="arabicPeriod"/>
+            </a:pPr>
+            <a:r>
+              <a:rPr lang="ru-RU" smtClean="0"/>
+              <a:t>Копирование с передачей владения: </a:t>
+            </a:r>
+            <a:r>
+              <a:rPr lang="en-US" smtClean="0"/>
+              <a:t>auto_ptr</a:t>
+            </a:r>
+          </a:p>
+          <a:p>
+            <a:pPr marL="731520" lvl="1" indent="-457200">
+              <a:buFont typeface="+mj-lt"/>
+              <a:buAutoNum type="arabicPeriod"/>
+            </a:pPr>
+            <a:r>
+              <a:rPr lang="ru-RU" smtClean="0"/>
+              <a:t>Отказ от копирования и семантика перемещения: </a:t>
+            </a:r>
+            <a:r>
+              <a:rPr lang="en-US" smtClean="0"/>
+              <a:t>unique_ptr</a:t>
+            </a:r>
+          </a:p>
+          <a:p>
+            <a:r>
+              <a:rPr lang="ru-RU" smtClean="0"/>
+              <a:t>Все эти варианты не предусматривают совместного владения (нет копирования </a:t>
+            </a:r>
+            <a:r>
+              <a:rPr lang="ru-RU" smtClean="0">
+                <a:latin typeface="Corbel" panose="020B0503020204020204" pitchFamily="34" charset="0"/>
+              </a:rPr>
+              <a:t>–</a:t>
+            </a:r>
+            <a:r>
+              <a:rPr lang="ru-RU" smtClean="0"/>
+              <a:t> нет совместного владения</a:t>
+            </a:r>
+          </a:p>
+          <a:p>
+            <a:r>
+              <a:rPr lang="ru-RU" smtClean="0"/>
+              <a:t>Основная идея </a:t>
+            </a:r>
+            <a:r>
+              <a:rPr lang="en-US" smtClean="0"/>
+              <a:t>shared_ptr: </a:t>
+            </a:r>
+            <a:r>
+              <a:rPr lang="ru-RU" smtClean="0"/>
+              <a:t>подсчёт ссылок</a:t>
+            </a:r>
+          </a:p>
+          <a:p>
+            <a:pPr marL="731520" lvl="1" indent="-457200">
+              <a:buFont typeface="+mj-lt"/>
+              <a:buAutoNum type="arabicPeriod" startAt="4"/>
+            </a:pPr>
+            <a:r>
+              <a:rPr lang="ru-RU" smtClean="0"/>
+              <a:t>Копирование с подсчётом ссылок и уничтожение объекта при обнулении счётчика</a:t>
+            </a:r>
+          </a:p>
+          <a:p>
+            <a:r>
+              <a:rPr lang="ru-RU" smtClean="0"/>
+              <a:t>Это должно быть подозрительно похоже на </a:t>
+            </a:r>
+            <a:r>
+              <a:rPr lang="en-US" smtClean="0"/>
+              <a:t>COW </a:t>
+            </a:r>
+            <a:r>
+              <a:rPr lang="ru-RU" smtClean="0"/>
+              <a:t>для строк!</a:t>
+            </a:r>
+            <a:endParaRPr lang="en-US"/>
+          </a:p>
+        </p:txBody>
+      </p:sp>
+    </p:spTree>
+    <p:extLst>
+      <p:ext uri="{BB962C8B-B14F-4D97-AF65-F5344CB8AC3E}">
+        <p14:creationId xmlns:p14="http://schemas.microsoft.com/office/powerpoint/2010/main" val="4074186893"/>
+      </p:ext>
+    </p:extLst>
+  </p:cSld>
+  <p:clrMapOvr>
+    <a:masterClrMapping/>
+  </p:clrMapOvr>
+</p:sld>
+</file>
+
+<file path=ppt/slides/slide36.xml><?xml version="1.0" encoding="utf-8"?>
+<p:sld xmlns:a="http://schemas.openxmlformats.org/drawingml/2006/main" xmlns:r="http://schemas.openxmlformats.org/officeDocument/2006/relationships" xmlns:p="http://schemas.openxmlformats.org/presentationml/2006/main">
+  <p:cSld>
+    <p:spTree>
+      <p:nvGrpSpPr>
+        <p:cNvPr id="1" name=""/>
+        <p:cNvGrpSpPr/>
+        <p:nvPr/>
+      </p:nvGrpSpPr>
+      <p:grpSpPr>
+        <a:xfrm>
+          <a:off x="0" y="0"/>
+          <a:ext cx="0" cy="0"/>
+          <a:chOff x="0" y="0"/>
+          <a:chExt cx="0" cy="0"/>
+        </a:xfrm>
+      </p:grpSpPr>
+      <p:sp>
+        <p:nvSpPr>
+          <p:cNvPr id="2" name="Title 1"/>
+          <p:cNvSpPr>
+            <a:spLocks noGrp="1"/>
+          </p:cNvSpPr>
+          <p:nvPr>
+            <p:ph type="title"/>
+          </p:nvPr>
+        </p:nvSpPr>
+        <p:spPr/>
+        <p:txBody>
+          <a:bodyPr/>
+          <a:lstStyle/>
+          <a:p>
+            <a:r>
+              <a:rPr lang="ru-RU" smtClean="0"/>
+              <a:t>Как может быть устроен </a:t>
+            </a:r>
+            <a:r>
+              <a:rPr lang="en-US" smtClean="0"/>
+              <a:t>shared_ptr</a:t>
+            </a:r>
+            <a:endParaRPr lang="en-US"/>
+          </a:p>
+        </p:txBody>
+      </p:sp>
+      <p:sp>
+        <p:nvSpPr>
+          <p:cNvPr id="3" name="Content Placeholder 2"/>
+          <p:cNvSpPr>
+            <a:spLocks noGrp="1"/>
+          </p:cNvSpPr>
+          <p:nvPr>
+            <p:ph idx="1"/>
+          </p:nvPr>
+        </p:nvSpPr>
+        <p:spPr>
+          <a:xfrm>
+            <a:off x="1145649" y="5858510"/>
+            <a:ext cx="10172591" cy="506730"/>
+          </a:xfrm>
+        </p:spPr>
+        <p:txBody>
+          <a:bodyPr>
+            <a:normAutofit/>
+          </a:bodyPr>
+          <a:lstStyle/>
+          <a:p>
+            <a:r>
+              <a:rPr lang="ru-RU" sz="2400" smtClean="0"/>
+              <a:t>Этой картинке не стоит слишком уж верить, она скоро будет дополнена</a:t>
+            </a:r>
+            <a:endParaRPr lang="en-US" sz="2400"/>
+          </a:p>
+        </p:txBody>
+      </p:sp>
+      <p:sp>
+        <p:nvSpPr>
+          <p:cNvPr id="4" name="Rectangle 3"/>
+          <p:cNvSpPr/>
+          <p:nvPr/>
+        </p:nvSpPr>
+        <p:spPr>
+          <a:xfrm>
+            <a:off x="8163560" y="3403600"/>
+            <a:ext cx="1371600" cy="802640"/>
+          </a:xfrm>
+          <a:prstGeom prst="rect">
+            <a:avLst/>
+          </a:prstGeom>
+          <a:ln>
+            <a:solidFill>
+              <a:schemeClr val="tx1"/>
+            </a:solidFill>
+          </a:ln>
+          <a:effectLst/>
+        </p:spPr>
+        <p:style>
+          <a:lnRef idx="2">
+            <a:schemeClr val="dk1"/>
+          </a:lnRef>
+          <a:fillRef idx="1">
+            <a:schemeClr val="lt1"/>
+          </a:fillRef>
+          <a:effectRef idx="0">
+            <a:schemeClr val="dk1"/>
+          </a:effectRef>
+          <a:fontRef idx="minor">
+            <a:schemeClr val="dk1"/>
+          </a:fontRef>
+        </p:style>
+        <p:txBody>
+          <a:bodyPr rtlCol="0" anchor="ctr"/>
+          <a:lstStyle/>
+          <a:p>
+            <a:pPr algn="ctr"/>
+            <a:r>
+              <a:rPr lang="en-US" smtClean="0">
+                <a:ln>
+                  <a:solidFill>
+                    <a:schemeClr val="tx1"/>
+                  </a:solidFill>
+                </a:ln>
+              </a:rPr>
+              <a:t>Data pointer</a:t>
+            </a:r>
+            <a:endParaRPr lang="en-US">
+              <a:ln>
+                <a:solidFill>
+                  <a:schemeClr val="tx1"/>
+                </a:solidFill>
+              </a:ln>
+            </a:endParaRPr>
+          </a:p>
+        </p:txBody>
+      </p:sp>
+      <p:sp>
+        <p:nvSpPr>
+          <p:cNvPr id="5" name="Rectangle 4"/>
+          <p:cNvSpPr/>
+          <p:nvPr/>
+        </p:nvSpPr>
+        <p:spPr>
+          <a:xfrm>
+            <a:off x="5487670" y="4549140"/>
+            <a:ext cx="1513840" cy="802640"/>
+          </a:xfrm>
+          <a:prstGeom prst="rect">
+            <a:avLst/>
+          </a:prstGeom>
+          <a:ln>
+            <a:solidFill>
+              <a:schemeClr val="tx1"/>
+            </a:solidFill>
+          </a:ln>
+          <a:effectLst/>
+        </p:spPr>
+        <p:style>
+          <a:lnRef idx="2">
+            <a:schemeClr val="dk1"/>
+          </a:lnRef>
+          <a:fillRef idx="1">
+            <a:schemeClr val="lt1"/>
+          </a:fillRef>
+          <a:effectRef idx="0">
+            <a:schemeClr val="dk1"/>
+          </a:effectRef>
+          <a:fontRef idx="minor">
+            <a:schemeClr val="dk1"/>
+          </a:fontRef>
+        </p:style>
+        <p:txBody>
+          <a:bodyPr rtlCol="0" anchor="ctr"/>
+          <a:lstStyle/>
+          <a:p>
+            <a:pPr algn="ctr"/>
+            <a:r>
+              <a:rPr lang="en-US" smtClean="0">
+                <a:ln>
+                  <a:solidFill>
+                    <a:schemeClr val="tx1"/>
+                  </a:solidFill>
+                </a:ln>
+              </a:rPr>
+              <a:t>Control block pointer</a:t>
+            </a:r>
+            <a:endParaRPr lang="en-US">
+              <a:ln>
+                <a:solidFill>
+                  <a:schemeClr val="tx1"/>
+                </a:solidFill>
+              </a:ln>
+            </a:endParaRPr>
+          </a:p>
+        </p:txBody>
+      </p:sp>
+      <p:sp>
+        <p:nvSpPr>
+          <p:cNvPr id="6" name="Rectangle 5"/>
+          <p:cNvSpPr/>
+          <p:nvPr/>
+        </p:nvSpPr>
+        <p:spPr>
+          <a:xfrm>
+            <a:off x="10022840" y="2029460"/>
+            <a:ext cx="1488440" cy="802640"/>
+          </a:xfrm>
+          <a:prstGeom prst="rect">
+            <a:avLst/>
+          </a:prstGeom>
+          <a:ln>
+            <a:solidFill>
+              <a:schemeClr val="tx1"/>
+            </a:solidFill>
+          </a:ln>
+          <a:effectLst/>
+        </p:spPr>
+        <p:style>
+          <a:lnRef idx="2">
+            <a:schemeClr val="dk1"/>
+          </a:lnRef>
+          <a:fillRef idx="1">
+            <a:schemeClr val="lt1"/>
+          </a:fillRef>
+          <a:effectRef idx="0">
+            <a:schemeClr val="dk1"/>
+          </a:effectRef>
+          <a:fontRef idx="minor">
+            <a:schemeClr val="dk1"/>
+          </a:fontRef>
+        </p:style>
+        <p:txBody>
+          <a:bodyPr rtlCol="0" anchor="ctr"/>
+          <a:lstStyle/>
+          <a:p>
+            <a:pPr algn="ctr"/>
+            <a:r>
+              <a:rPr lang="en-US" smtClean="0">
+                <a:ln>
+                  <a:solidFill>
+                    <a:schemeClr val="tx1"/>
+                  </a:solidFill>
+                </a:ln>
+              </a:rPr>
+              <a:t>Node</a:t>
+            </a:r>
+          </a:p>
+        </p:txBody>
+      </p:sp>
+      <p:cxnSp>
+        <p:nvCxnSpPr>
+          <p:cNvPr id="7" name="Straight Arrow Connector 8"/>
+          <p:cNvCxnSpPr>
+            <a:stCxn id="4" idx="3"/>
+            <a:endCxn id="6" idx="2"/>
+          </p:cNvCxnSpPr>
+          <p:nvPr/>
+        </p:nvCxnSpPr>
+        <p:spPr>
+          <a:xfrm flipV="1">
+            <a:off x="9535160" y="2832100"/>
+            <a:ext cx="1231900" cy="972820"/>
+          </a:xfrm>
+          <a:prstGeom prst="curvedConnector2">
+            <a:avLst/>
+          </a:prstGeom>
+          <a:ln w="28575">
+            <a:solidFill>
+              <a:schemeClr val="tx1"/>
+            </a:solidFill>
+            <a:tailEnd type="triangle" w="lg" len="lg"/>
+          </a:ln>
+        </p:spPr>
+        <p:style>
+          <a:lnRef idx="1">
+            <a:schemeClr val="accent1"/>
+          </a:lnRef>
+          <a:fillRef idx="0">
+            <a:schemeClr val="accent1"/>
+          </a:fillRef>
+          <a:effectRef idx="0">
+            <a:schemeClr val="accent1"/>
+          </a:effectRef>
+          <a:fontRef idx="minor">
+            <a:schemeClr val="tx1"/>
+          </a:fontRef>
+        </p:style>
+      </p:cxnSp>
+      <p:sp>
+        <p:nvSpPr>
+          <p:cNvPr id="8" name="Rectangle 7"/>
+          <p:cNvSpPr/>
+          <p:nvPr/>
+        </p:nvSpPr>
+        <p:spPr>
+          <a:xfrm>
+            <a:off x="8163560" y="4206240"/>
+            <a:ext cx="1371600" cy="802640"/>
+          </a:xfrm>
+          <a:prstGeom prst="rect">
+            <a:avLst/>
+          </a:prstGeom>
+          <a:ln>
+            <a:solidFill>
+              <a:schemeClr val="tx1"/>
+            </a:solidFill>
+          </a:ln>
+          <a:effectLst/>
+        </p:spPr>
+        <p:style>
+          <a:lnRef idx="2">
+            <a:schemeClr val="dk1"/>
+          </a:lnRef>
+          <a:fillRef idx="1">
+            <a:schemeClr val="lt1"/>
+          </a:fillRef>
+          <a:effectRef idx="0">
+            <a:schemeClr val="dk1"/>
+          </a:effectRef>
+          <a:fontRef idx="minor">
+            <a:schemeClr val="dk1"/>
+          </a:fontRef>
+        </p:style>
+        <p:txBody>
+          <a:bodyPr rtlCol="0" anchor="ctr"/>
+          <a:lstStyle/>
+          <a:p>
+            <a:pPr algn="ctr"/>
+            <a:r>
+              <a:rPr lang="en-US" smtClean="0">
+                <a:ln>
+                  <a:solidFill>
+                    <a:schemeClr val="tx1"/>
+                  </a:solidFill>
+                </a:ln>
+              </a:rPr>
+              <a:t>Reference counter</a:t>
+            </a:r>
+            <a:endParaRPr lang="en-US">
+              <a:ln>
+                <a:solidFill>
+                  <a:schemeClr val="tx1"/>
+                </a:solidFill>
+              </a:ln>
+            </a:endParaRPr>
+          </a:p>
+        </p:txBody>
+      </p:sp>
+      <p:cxnSp>
+        <p:nvCxnSpPr>
+          <p:cNvPr id="10" name="Straight Arrow Connector 8"/>
+          <p:cNvCxnSpPr>
+            <a:stCxn id="5" idx="3"/>
+          </p:cNvCxnSpPr>
+          <p:nvPr/>
+        </p:nvCxnSpPr>
+        <p:spPr>
+          <a:xfrm flipV="1">
+            <a:off x="7001510" y="4726940"/>
+            <a:ext cx="892810" cy="223520"/>
+          </a:xfrm>
+          <a:prstGeom prst="straightConnector1">
+            <a:avLst/>
+          </a:prstGeom>
+          <a:ln w="28575">
+            <a:solidFill>
+              <a:schemeClr val="tx1"/>
+            </a:solidFill>
+            <a:tailEnd type="triangle" w="lg" len="lg"/>
+          </a:ln>
+        </p:spPr>
+        <p:style>
+          <a:lnRef idx="1">
+            <a:schemeClr val="accent1"/>
+          </a:lnRef>
+          <a:fillRef idx="0">
+            <a:schemeClr val="accent1"/>
+          </a:fillRef>
+          <a:effectRef idx="0">
+            <a:schemeClr val="accent1"/>
+          </a:effectRef>
+          <a:fontRef idx="minor">
+            <a:schemeClr val="tx1"/>
+          </a:fontRef>
+        </p:style>
+      </p:cxnSp>
+      <p:sp>
+        <p:nvSpPr>
+          <p:cNvPr id="11" name="Rectangle 10"/>
+          <p:cNvSpPr/>
+          <p:nvPr/>
+        </p:nvSpPr>
+        <p:spPr>
+          <a:xfrm>
+            <a:off x="7894320" y="2837180"/>
+            <a:ext cx="1925320" cy="2406650"/>
+          </a:xfrm>
+          <a:prstGeom prst="rect">
+            <a:avLst/>
+          </a:prstGeom>
+          <a:noFill/>
+          <a:ln>
+            <a:solidFill>
+              <a:schemeClr val="tx1"/>
+            </a:solidFill>
+          </a:ln>
+          <a:effectLst/>
+        </p:spPr>
+        <p:style>
+          <a:lnRef idx="2">
+            <a:schemeClr val="dk1"/>
+          </a:lnRef>
+          <a:fillRef idx="1">
+            <a:schemeClr val="lt1"/>
+          </a:fillRef>
+          <a:effectRef idx="0">
+            <a:schemeClr val="dk1"/>
+          </a:effectRef>
+          <a:fontRef idx="minor">
+            <a:schemeClr val="dk1"/>
+          </a:fontRef>
+        </p:style>
+        <p:txBody>
+          <a:bodyPr rtlCol="0" anchor="t" anchorCtr="0"/>
+          <a:lstStyle/>
+          <a:p>
+            <a:pPr algn="ctr"/>
+            <a:r>
+              <a:rPr lang="en-US" smtClean="0">
+                <a:ln>
+                  <a:solidFill>
+                    <a:schemeClr val="tx1"/>
+                  </a:solidFill>
+                </a:ln>
+              </a:rPr>
+              <a:t>Control block</a:t>
+            </a:r>
+            <a:endParaRPr lang="en-US">
+              <a:ln>
+                <a:solidFill>
+                  <a:schemeClr val="tx1"/>
+                </a:solidFill>
+              </a:ln>
+            </a:endParaRPr>
+          </a:p>
+        </p:txBody>
+      </p:sp>
+      <p:sp>
+        <p:nvSpPr>
+          <p:cNvPr id="12" name="Rectangle 11"/>
+          <p:cNvSpPr/>
+          <p:nvPr/>
+        </p:nvSpPr>
+        <p:spPr>
+          <a:xfrm>
+            <a:off x="5151120" y="4084320"/>
+            <a:ext cx="2103120" cy="1480820"/>
+          </a:xfrm>
+          <a:prstGeom prst="rect">
+            <a:avLst/>
+          </a:prstGeom>
+          <a:noFill/>
+          <a:ln>
+            <a:solidFill>
+              <a:schemeClr val="tx1"/>
+            </a:solidFill>
+          </a:ln>
+          <a:effectLst/>
+        </p:spPr>
+        <p:style>
+          <a:lnRef idx="2">
+            <a:schemeClr val="dk1"/>
+          </a:lnRef>
+          <a:fillRef idx="1">
+            <a:schemeClr val="lt1"/>
+          </a:fillRef>
+          <a:effectRef idx="0">
+            <a:schemeClr val="dk1"/>
+          </a:effectRef>
+          <a:fontRef idx="minor">
+            <a:schemeClr val="dk1"/>
+          </a:fontRef>
+        </p:style>
+        <p:txBody>
+          <a:bodyPr rtlCol="0" anchor="t" anchorCtr="0"/>
+          <a:lstStyle/>
+          <a:p>
+            <a:pPr algn="ctr"/>
+            <a:r>
+              <a:rPr lang="en-US" smtClean="0">
+                <a:ln>
+                  <a:solidFill>
+                    <a:schemeClr val="tx1"/>
+                  </a:solidFill>
+                </a:ln>
+              </a:rPr>
+              <a:t>shared_ptr&lt;Node&gt;</a:t>
+            </a:r>
+            <a:endParaRPr lang="en-US">
+              <a:ln>
+                <a:solidFill>
+                  <a:schemeClr val="tx1"/>
+                </a:solidFill>
+              </a:ln>
+            </a:endParaRPr>
+          </a:p>
+        </p:txBody>
+      </p:sp>
+      <p:sp>
+        <p:nvSpPr>
+          <p:cNvPr id="13" name="Rectangle 12"/>
+          <p:cNvSpPr/>
+          <p:nvPr/>
+        </p:nvSpPr>
+        <p:spPr>
+          <a:xfrm>
+            <a:off x="5487670" y="2649220"/>
+            <a:ext cx="1513840" cy="802640"/>
+          </a:xfrm>
+          <a:prstGeom prst="rect">
+            <a:avLst/>
+          </a:prstGeom>
+          <a:ln>
+            <a:solidFill>
+              <a:schemeClr val="tx1"/>
+            </a:solidFill>
+          </a:ln>
+          <a:effectLst/>
+        </p:spPr>
+        <p:style>
+          <a:lnRef idx="2">
+            <a:schemeClr val="dk1"/>
+          </a:lnRef>
+          <a:fillRef idx="1">
+            <a:schemeClr val="lt1"/>
+          </a:fillRef>
+          <a:effectRef idx="0">
+            <a:schemeClr val="dk1"/>
+          </a:effectRef>
+          <a:fontRef idx="minor">
+            <a:schemeClr val="dk1"/>
+          </a:fontRef>
+        </p:style>
+        <p:txBody>
+          <a:bodyPr rtlCol="0" anchor="ctr"/>
+          <a:lstStyle/>
+          <a:p>
+            <a:pPr algn="ctr"/>
+            <a:r>
+              <a:rPr lang="en-US" smtClean="0">
+                <a:ln>
+                  <a:solidFill>
+                    <a:schemeClr val="tx1"/>
+                  </a:solidFill>
+                </a:ln>
+              </a:rPr>
+              <a:t>Control block pointer</a:t>
+            </a:r>
+            <a:endParaRPr lang="en-US">
+              <a:ln>
+                <a:solidFill>
+                  <a:schemeClr val="tx1"/>
+                </a:solidFill>
+              </a:ln>
+            </a:endParaRPr>
+          </a:p>
+        </p:txBody>
+      </p:sp>
+      <p:cxnSp>
+        <p:nvCxnSpPr>
+          <p:cNvPr id="15" name="Straight Arrow Connector 8"/>
+          <p:cNvCxnSpPr>
+            <a:stCxn id="13" idx="3"/>
+          </p:cNvCxnSpPr>
+          <p:nvPr/>
+        </p:nvCxnSpPr>
+        <p:spPr>
+          <a:xfrm>
+            <a:off x="7001510" y="3050540"/>
+            <a:ext cx="902970" cy="326390"/>
+          </a:xfrm>
+          <a:prstGeom prst="straightConnector1">
+            <a:avLst/>
+          </a:prstGeom>
+          <a:ln w="28575">
+            <a:solidFill>
+              <a:schemeClr val="tx1"/>
+            </a:solidFill>
+            <a:tailEnd type="triangle" w="lg" len="lg"/>
+          </a:ln>
+        </p:spPr>
+        <p:style>
+          <a:lnRef idx="1">
+            <a:schemeClr val="accent1"/>
+          </a:lnRef>
+          <a:fillRef idx="0">
+            <a:schemeClr val="accent1"/>
+          </a:fillRef>
+          <a:effectRef idx="0">
+            <a:schemeClr val="accent1"/>
+          </a:effectRef>
+          <a:fontRef idx="minor">
+            <a:schemeClr val="tx1"/>
+          </a:fontRef>
+        </p:style>
+      </p:cxnSp>
+      <p:sp>
+        <p:nvSpPr>
+          <p:cNvPr id="17" name="Rectangle 16"/>
+          <p:cNvSpPr/>
+          <p:nvPr/>
+        </p:nvSpPr>
+        <p:spPr>
+          <a:xfrm>
+            <a:off x="5222240" y="2232660"/>
+            <a:ext cx="2103120" cy="1480820"/>
+          </a:xfrm>
+          <a:prstGeom prst="rect">
+            <a:avLst/>
+          </a:prstGeom>
+          <a:noFill/>
+          <a:ln>
+            <a:solidFill>
+              <a:schemeClr val="tx1"/>
+            </a:solidFill>
+          </a:ln>
+          <a:effectLst/>
+        </p:spPr>
+        <p:style>
+          <a:lnRef idx="2">
+            <a:schemeClr val="dk1"/>
+          </a:lnRef>
+          <a:fillRef idx="1">
+            <a:schemeClr val="lt1"/>
+          </a:fillRef>
+          <a:effectRef idx="0">
+            <a:schemeClr val="dk1"/>
+          </a:effectRef>
+          <a:fontRef idx="minor">
+            <a:schemeClr val="dk1"/>
+          </a:fontRef>
+        </p:style>
+        <p:txBody>
+          <a:bodyPr rtlCol="0" anchor="t" anchorCtr="0"/>
+          <a:lstStyle/>
+          <a:p>
+            <a:pPr algn="ctr"/>
+            <a:r>
+              <a:rPr lang="en-US" smtClean="0">
+                <a:ln>
+                  <a:solidFill>
+                    <a:schemeClr val="tx1"/>
+                  </a:solidFill>
+                </a:ln>
+              </a:rPr>
+              <a:t>shared_ptr&lt;Node&gt;</a:t>
+            </a:r>
+            <a:endParaRPr lang="en-US">
+              <a:ln>
+                <a:solidFill>
+                  <a:schemeClr val="tx1"/>
+                </a:solidFill>
+              </a:ln>
+            </a:endParaRPr>
+          </a:p>
+        </p:txBody>
+      </p:sp>
+      <p:sp>
+        <p:nvSpPr>
+          <p:cNvPr id="26" name="TextBox 25"/>
+          <p:cNvSpPr txBox="1"/>
+          <p:nvPr/>
+        </p:nvSpPr>
+        <p:spPr>
+          <a:xfrm>
+            <a:off x="814070" y="2211606"/>
+            <a:ext cx="3430270" cy="2308324"/>
+          </a:xfrm>
+          <a:prstGeom prst="rect">
+            <a:avLst/>
+          </a:prstGeom>
+          <a:noFill/>
+        </p:spPr>
+        <p:txBody>
+          <a:bodyPr wrap="square" rtlCol="0">
+            <a:spAutoFit/>
+          </a:bodyPr>
+          <a:lstStyle/>
+          <a:p>
+            <a:r>
+              <a:rPr lang="ru-RU" sz="2400" smtClean="0"/>
+              <a:t>Пока счётчик ссылок не нулевой, данные </a:t>
+            </a:r>
+            <a:r>
+              <a:rPr lang="en-US" sz="2400" smtClean="0"/>
+              <a:t>Node</a:t>
+            </a:r>
+            <a:r>
+              <a:rPr lang="ru-RU" sz="2400" smtClean="0"/>
+              <a:t> сохраняются в куче и все владеющие указатели могут читать и изменять их</a:t>
+            </a:r>
+            <a:endParaRPr lang="en-US" sz="2400"/>
+          </a:p>
+        </p:txBody>
+      </p:sp>
+    </p:spTree>
+    <p:extLst>
+      <p:ext uri="{BB962C8B-B14F-4D97-AF65-F5344CB8AC3E}">
+        <p14:creationId xmlns:p14="http://schemas.microsoft.com/office/powerpoint/2010/main" val="3950040904"/>
+      </p:ext>
+    </p:extLst>
+  </p:cSld>
+  <p:clrMapOvr>
+    <a:masterClrMapping/>
+  </p:clrMapOvr>
+</p:sld>
+</file>
+
+<file path=ppt/slides/slide37.xml><?xml version="1.0" encoding="utf-8"?>
+<p:sld xmlns:a="http://schemas.openxmlformats.org/drawingml/2006/main" xmlns:r="http://schemas.openxmlformats.org/officeDocument/2006/relationships" xmlns:p="http://schemas.openxmlformats.org/presentationml/2006/main">
+  <p:cSld>
+    <p:spTree>
+      <p:nvGrpSpPr>
+        <p:cNvPr id="1" name=""/>
+        <p:cNvGrpSpPr/>
+        <p:nvPr/>
+      </p:nvGrpSpPr>
+      <p:grpSpPr>
+        <a:xfrm>
+          <a:off x="0" y="0"/>
+          <a:ext cx="0" cy="0"/>
+          <a:chOff x="0" y="0"/>
+          <a:chExt cx="0" cy="0"/>
+        </a:xfrm>
+      </p:grpSpPr>
+      <p:sp>
+        <p:nvSpPr>
+          <p:cNvPr id="2" name="Title 1"/>
+          <p:cNvSpPr>
+            <a:spLocks noGrp="1"/>
+          </p:cNvSpPr>
+          <p:nvPr>
+            <p:ph type="title"/>
+          </p:nvPr>
+        </p:nvSpPr>
+        <p:spPr/>
+        <p:txBody>
+          <a:bodyPr/>
+          <a:lstStyle/>
+          <a:p>
+            <a:r>
+              <a:rPr lang="ru-RU" smtClean="0"/>
+              <a:t>Правильное создание</a:t>
+            </a:r>
+            <a:endParaRPr lang="en-US"/>
+          </a:p>
+        </p:txBody>
+      </p:sp>
+      <p:sp>
+        <p:nvSpPr>
+          <p:cNvPr id="3" name="Content Placeholder 2"/>
+          <p:cNvSpPr>
+            <a:spLocks noGrp="1"/>
+          </p:cNvSpPr>
+          <p:nvPr>
+            <p:ph idx="1"/>
+          </p:nvPr>
+        </p:nvSpPr>
+        <p:spPr/>
+        <p:txBody>
+          <a:bodyPr/>
+          <a:lstStyle/>
+          <a:p>
+            <a:r>
+              <a:rPr lang="ru-RU" smtClean="0"/>
+              <a:t>Существует</a:t>
+            </a:r>
+            <a:r>
+              <a:rPr lang="en-US" smtClean="0"/>
+              <a:t> (</a:t>
+            </a:r>
+            <a:r>
+              <a:rPr lang="ru-RU" smtClean="0"/>
+              <a:t>начиная с 2014 года) два способа создать умный указатель</a:t>
+            </a:r>
+          </a:p>
+          <a:p>
+            <a:pPr marL="45720" indent="0">
+              <a:buNone/>
+            </a:pPr>
+            <a:r>
+              <a:rPr lang="en-US" smtClean="0">
+                <a:latin typeface="Consolas" panose="020B0609020204030204" pitchFamily="49" charset="0"/>
+              </a:rPr>
+              <a:t>shared_ptr&lt;Node&gt; </a:t>
+            </a:r>
+            <a:r>
+              <a:rPr lang="en-US">
+                <a:latin typeface="Consolas" panose="020B0609020204030204" pitchFamily="49" charset="0"/>
+              </a:rPr>
+              <a:t>p1 </a:t>
+            </a:r>
+            <a:r>
+              <a:rPr lang="en-US">
+                <a:latin typeface="Consolas" panose="020B0609020204030204" pitchFamily="49" charset="0"/>
+              </a:rPr>
+              <a:t>= </a:t>
+            </a:r>
+            <a:r>
+              <a:rPr lang="en-US" smtClean="0">
+                <a:latin typeface="Consolas" panose="020B0609020204030204" pitchFamily="49" charset="0"/>
+              </a:rPr>
+              <a:t>make_shared&lt;Node&gt;();</a:t>
+            </a:r>
+            <a:endParaRPr lang="en-US">
+              <a:latin typeface="Consolas" panose="020B0609020204030204" pitchFamily="49" charset="0"/>
+            </a:endParaRPr>
+          </a:p>
+          <a:p>
+            <a:pPr marL="45720" indent="0">
+              <a:buNone/>
+            </a:pPr>
+            <a:r>
+              <a:rPr lang="en-US" smtClean="0">
+                <a:latin typeface="Consolas" panose="020B0609020204030204" pitchFamily="49" charset="0"/>
+              </a:rPr>
+              <a:t>shared_ptr&lt;Node&gt; </a:t>
+            </a:r>
+            <a:r>
+              <a:rPr lang="en-US">
+                <a:latin typeface="Consolas" panose="020B0609020204030204" pitchFamily="49" charset="0"/>
+              </a:rPr>
+              <a:t>p2(new </a:t>
+            </a:r>
+            <a:r>
+              <a:rPr lang="en-US" smtClean="0">
+                <a:latin typeface="Consolas" panose="020B0609020204030204" pitchFamily="49" charset="0"/>
+              </a:rPr>
+              <a:t>Node());</a:t>
+            </a:r>
+            <a:endParaRPr lang="ru-RU" smtClean="0">
+              <a:latin typeface="Consolas" panose="020B0609020204030204" pitchFamily="49" charset="0"/>
+            </a:endParaRPr>
+          </a:p>
+          <a:p>
+            <a:r>
+              <a:rPr lang="ru-RU" smtClean="0"/>
+              <a:t>В первом случае одним выделением памяти создаётся и контрольный блок и данные</a:t>
+            </a:r>
+          </a:p>
+          <a:p>
+            <a:r>
+              <a:rPr lang="ru-RU" smtClean="0"/>
+              <a:t>Во втором случае сначала создаются данные, а потом в конструкторе контрольный блок</a:t>
+            </a:r>
+          </a:p>
+          <a:p>
+            <a:r>
+              <a:rPr lang="ru-RU" smtClean="0"/>
+              <a:t>Второй вариант менее эффективен и менее безопасен относительно исключений</a:t>
+            </a:r>
+            <a:endParaRPr lang="en-US"/>
+          </a:p>
+        </p:txBody>
+      </p:sp>
+    </p:spTree>
+    <p:extLst>
+      <p:ext uri="{BB962C8B-B14F-4D97-AF65-F5344CB8AC3E}">
+        <p14:creationId xmlns:p14="http://schemas.microsoft.com/office/powerpoint/2010/main" val="1982009691"/>
+      </p:ext>
+    </p:extLst>
+  </p:cSld>
+  <p:clrMapOvr>
+    <a:masterClrMapping/>
+  </p:clrMapOvr>
+</p:sld>
+</file>
+
+<file path=ppt/slides/slide38.xml><?xml version="1.0" encoding="utf-8"?>
+<p:sld xmlns:a="http://schemas.openxmlformats.org/drawingml/2006/main" xmlns:r="http://schemas.openxmlformats.org/officeDocument/2006/relationships" xmlns:p="http://schemas.openxmlformats.org/presentationml/2006/main">
+  <p:cSld>
+    <p:spTree>
+      <p:nvGrpSpPr>
+        <p:cNvPr id="1" name=""/>
+        <p:cNvGrpSpPr/>
+        <p:nvPr/>
+      </p:nvGrpSpPr>
+      <p:grpSpPr>
+        <a:xfrm>
+          <a:off x="0" y="0"/>
+          <a:ext cx="0" cy="0"/>
+          <a:chOff x="0" y="0"/>
+          <a:chExt cx="0" cy="0"/>
+        </a:xfrm>
+      </p:grpSpPr>
+      <p:sp>
+        <p:nvSpPr>
+          <p:cNvPr id="2" name="Title 1"/>
+          <p:cNvSpPr>
+            <a:spLocks noGrp="1"/>
+          </p:cNvSpPr>
+          <p:nvPr>
+            <p:ph type="title"/>
+          </p:nvPr>
+        </p:nvSpPr>
+        <p:spPr/>
+        <p:txBody>
+          <a:bodyPr/>
+          <a:lstStyle/>
+          <a:p>
+            <a:r>
+              <a:rPr lang="ru-RU" smtClean="0"/>
+              <a:t>Как может быть устроен </a:t>
+            </a:r>
+            <a:r>
+              <a:rPr lang="en-US" smtClean="0"/>
+              <a:t>shared_ptr</a:t>
+            </a:r>
+            <a:endParaRPr lang="en-US"/>
+          </a:p>
+        </p:txBody>
+      </p:sp>
+      <p:sp>
+        <p:nvSpPr>
+          <p:cNvPr id="3" name="Content Placeholder 2"/>
+          <p:cNvSpPr>
+            <a:spLocks noGrp="1"/>
+          </p:cNvSpPr>
+          <p:nvPr>
+            <p:ph idx="1"/>
+          </p:nvPr>
+        </p:nvSpPr>
+        <p:spPr>
+          <a:xfrm>
+            <a:off x="1145649" y="5858510"/>
+            <a:ext cx="10172591" cy="506730"/>
+          </a:xfrm>
+        </p:spPr>
+        <p:txBody>
+          <a:bodyPr>
+            <a:normAutofit/>
+          </a:bodyPr>
+          <a:lstStyle/>
+          <a:p>
+            <a:r>
+              <a:rPr lang="ru-RU" sz="2400" smtClean="0"/>
+              <a:t>Этой картинке не стоит слишком уж верить, она скоро будет дополнена</a:t>
+            </a:r>
+            <a:endParaRPr lang="en-US" sz="2400"/>
+          </a:p>
+        </p:txBody>
+      </p:sp>
+      <p:sp>
+        <p:nvSpPr>
+          <p:cNvPr id="5" name="Rectangle 4"/>
+          <p:cNvSpPr/>
+          <p:nvPr/>
+        </p:nvSpPr>
+        <p:spPr>
+          <a:xfrm>
+            <a:off x="5487670" y="4549140"/>
+            <a:ext cx="1513840" cy="802640"/>
+          </a:xfrm>
+          <a:prstGeom prst="rect">
+            <a:avLst/>
+          </a:prstGeom>
+          <a:ln>
+            <a:solidFill>
+              <a:schemeClr val="tx1"/>
+            </a:solidFill>
+          </a:ln>
+          <a:effectLst/>
+        </p:spPr>
+        <p:style>
+          <a:lnRef idx="2">
+            <a:schemeClr val="dk1"/>
+          </a:lnRef>
+          <a:fillRef idx="1">
+            <a:schemeClr val="lt1"/>
+          </a:fillRef>
+          <a:effectRef idx="0">
+            <a:schemeClr val="dk1"/>
+          </a:effectRef>
+          <a:fontRef idx="minor">
+            <a:schemeClr val="dk1"/>
+          </a:fontRef>
+        </p:style>
+        <p:txBody>
+          <a:bodyPr rtlCol="0" anchor="ctr"/>
+          <a:lstStyle/>
+          <a:p>
+            <a:pPr algn="ctr"/>
+            <a:r>
+              <a:rPr lang="en-US" smtClean="0">
+                <a:ln>
+                  <a:solidFill>
+                    <a:schemeClr val="tx1"/>
+                  </a:solidFill>
+                </a:ln>
+              </a:rPr>
+              <a:t>Control block pointer</a:t>
+            </a:r>
+            <a:endParaRPr lang="en-US">
+              <a:ln>
+                <a:solidFill>
+                  <a:schemeClr val="tx1"/>
+                </a:solidFill>
+              </a:ln>
+            </a:endParaRPr>
+          </a:p>
+        </p:txBody>
+      </p:sp>
+      <p:sp>
+        <p:nvSpPr>
+          <p:cNvPr id="6" name="Rectangle 5"/>
+          <p:cNvSpPr/>
+          <p:nvPr/>
+        </p:nvSpPr>
+        <p:spPr>
+          <a:xfrm>
+            <a:off x="8161020" y="3406140"/>
+            <a:ext cx="1374140" cy="802640"/>
+          </a:xfrm>
+          <a:prstGeom prst="rect">
+            <a:avLst/>
+          </a:prstGeom>
+          <a:ln>
+            <a:solidFill>
+              <a:schemeClr val="tx1"/>
+            </a:solidFill>
+          </a:ln>
+          <a:effectLst/>
+        </p:spPr>
+        <p:style>
+          <a:lnRef idx="2">
+            <a:schemeClr val="dk1"/>
+          </a:lnRef>
+          <a:fillRef idx="1">
+            <a:schemeClr val="lt1"/>
+          </a:fillRef>
+          <a:effectRef idx="0">
+            <a:schemeClr val="dk1"/>
+          </a:effectRef>
+          <a:fontRef idx="minor">
+            <a:schemeClr val="dk1"/>
+          </a:fontRef>
+        </p:style>
+        <p:txBody>
+          <a:bodyPr rtlCol="0" anchor="ctr"/>
+          <a:lstStyle/>
+          <a:p>
+            <a:pPr algn="ctr"/>
+            <a:r>
+              <a:rPr lang="en-US" smtClean="0">
+                <a:ln>
+                  <a:solidFill>
+                    <a:schemeClr val="tx1"/>
+                  </a:solidFill>
+                </a:ln>
+              </a:rPr>
+              <a:t>Node</a:t>
+            </a:r>
+          </a:p>
+        </p:txBody>
+      </p:sp>
+      <p:sp>
+        <p:nvSpPr>
+          <p:cNvPr id="8" name="Rectangle 7"/>
+          <p:cNvSpPr/>
+          <p:nvPr/>
+        </p:nvSpPr>
+        <p:spPr>
+          <a:xfrm>
+            <a:off x="8161020" y="4206240"/>
+            <a:ext cx="1374140" cy="802640"/>
+          </a:xfrm>
+          <a:prstGeom prst="rect">
+            <a:avLst/>
+          </a:prstGeom>
+          <a:ln>
+            <a:solidFill>
+              <a:schemeClr val="tx1"/>
+            </a:solidFill>
+          </a:ln>
+          <a:effectLst/>
+        </p:spPr>
+        <p:style>
+          <a:lnRef idx="2">
+            <a:schemeClr val="dk1"/>
+          </a:lnRef>
+          <a:fillRef idx="1">
+            <a:schemeClr val="lt1"/>
+          </a:fillRef>
+          <a:effectRef idx="0">
+            <a:schemeClr val="dk1"/>
+          </a:effectRef>
+          <a:fontRef idx="minor">
+            <a:schemeClr val="dk1"/>
+          </a:fontRef>
+        </p:style>
+        <p:txBody>
+          <a:bodyPr rtlCol="0" anchor="ctr"/>
+          <a:lstStyle/>
+          <a:p>
+            <a:pPr algn="ctr"/>
+            <a:r>
+              <a:rPr lang="en-US" smtClean="0">
+                <a:ln>
+                  <a:solidFill>
+                    <a:schemeClr val="tx1"/>
+                  </a:solidFill>
+                </a:ln>
+              </a:rPr>
+              <a:t>Reference counter</a:t>
+            </a:r>
+            <a:endParaRPr lang="en-US">
+              <a:ln>
+                <a:solidFill>
+                  <a:schemeClr val="tx1"/>
+                </a:solidFill>
+              </a:ln>
+            </a:endParaRPr>
+          </a:p>
+        </p:txBody>
+      </p:sp>
+      <p:cxnSp>
+        <p:nvCxnSpPr>
+          <p:cNvPr id="10" name="Straight Arrow Connector 8"/>
+          <p:cNvCxnSpPr>
+            <a:stCxn id="5" idx="3"/>
+          </p:cNvCxnSpPr>
+          <p:nvPr/>
+        </p:nvCxnSpPr>
+        <p:spPr>
+          <a:xfrm flipV="1">
+            <a:off x="7001510" y="4726940"/>
+            <a:ext cx="892810" cy="223520"/>
+          </a:xfrm>
+          <a:prstGeom prst="straightConnector1">
+            <a:avLst/>
+          </a:prstGeom>
+          <a:ln w="28575">
+            <a:solidFill>
+              <a:schemeClr val="tx1"/>
+            </a:solidFill>
+            <a:tailEnd type="triangle" w="lg" len="lg"/>
+          </a:ln>
+        </p:spPr>
+        <p:style>
+          <a:lnRef idx="1">
+            <a:schemeClr val="accent1"/>
+          </a:lnRef>
+          <a:fillRef idx="0">
+            <a:schemeClr val="accent1"/>
+          </a:fillRef>
+          <a:effectRef idx="0">
+            <a:schemeClr val="accent1"/>
+          </a:effectRef>
+          <a:fontRef idx="minor">
+            <a:schemeClr val="tx1"/>
+          </a:fontRef>
+        </p:style>
+      </p:cxnSp>
+      <p:sp>
+        <p:nvSpPr>
+          <p:cNvPr id="11" name="Rectangle 10"/>
+          <p:cNvSpPr/>
+          <p:nvPr/>
+        </p:nvSpPr>
+        <p:spPr>
+          <a:xfrm>
+            <a:off x="7894320" y="2837180"/>
+            <a:ext cx="1925320" cy="2406650"/>
+          </a:xfrm>
+          <a:prstGeom prst="rect">
+            <a:avLst/>
+          </a:prstGeom>
+          <a:noFill/>
+          <a:ln>
+            <a:solidFill>
+              <a:schemeClr val="tx1"/>
+            </a:solidFill>
+          </a:ln>
+          <a:effectLst/>
+        </p:spPr>
+        <p:style>
+          <a:lnRef idx="2">
+            <a:schemeClr val="dk1"/>
+          </a:lnRef>
+          <a:fillRef idx="1">
+            <a:schemeClr val="lt1"/>
+          </a:fillRef>
+          <a:effectRef idx="0">
+            <a:schemeClr val="dk1"/>
+          </a:effectRef>
+          <a:fontRef idx="minor">
+            <a:schemeClr val="dk1"/>
+          </a:fontRef>
+        </p:style>
+        <p:txBody>
+          <a:bodyPr rtlCol="0" anchor="t" anchorCtr="0"/>
+          <a:lstStyle/>
+          <a:p>
+            <a:pPr algn="ctr"/>
+            <a:r>
+              <a:rPr lang="en-US" smtClean="0">
+                <a:ln>
+                  <a:solidFill>
+                    <a:schemeClr val="tx1"/>
+                  </a:solidFill>
+                </a:ln>
+              </a:rPr>
+              <a:t>Control block</a:t>
+            </a:r>
+            <a:endParaRPr lang="en-US">
+              <a:ln>
+                <a:solidFill>
+                  <a:schemeClr val="tx1"/>
+                </a:solidFill>
+              </a:ln>
+            </a:endParaRPr>
+          </a:p>
+        </p:txBody>
+      </p:sp>
+      <p:sp>
+        <p:nvSpPr>
+          <p:cNvPr id="12" name="Rectangle 11"/>
+          <p:cNvSpPr/>
+          <p:nvPr/>
+        </p:nvSpPr>
+        <p:spPr>
+          <a:xfrm>
+            <a:off x="5151120" y="4084320"/>
+            <a:ext cx="2103120" cy="1480820"/>
+          </a:xfrm>
+          <a:prstGeom prst="rect">
+            <a:avLst/>
+          </a:prstGeom>
+          <a:noFill/>
+          <a:ln>
+            <a:solidFill>
+              <a:schemeClr val="tx1"/>
+            </a:solidFill>
+          </a:ln>
+          <a:effectLst/>
+        </p:spPr>
+        <p:style>
+          <a:lnRef idx="2">
+            <a:schemeClr val="dk1"/>
+          </a:lnRef>
+          <a:fillRef idx="1">
+            <a:schemeClr val="lt1"/>
+          </a:fillRef>
+          <a:effectRef idx="0">
+            <a:schemeClr val="dk1"/>
+          </a:effectRef>
+          <a:fontRef idx="minor">
+            <a:schemeClr val="dk1"/>
+          </a:fontRef>
+        </p:style>
+        <p:txBody>
+          <a:bodyPr rtlCol="0" anchor="t" anchorCtr="0"/>
+          <a:lstStyle/>
+          <a:p>
+            <a:pPr algn="ctr"/>
+            <a:r>
+              <a:rPr lang="en-US" smtClean="0">
+                <a:ln>
+                  <a:solidFill>
+                    <a:schemeClr val="tx1"/>
+                  </a:solidFill>
+                </a:ln>
+              </a:rPr>
+              <a:t>shared_ptr&lt;Node&gt;</a:t>
+            </a:r>
+            <a:endParaRPr lang="en-US">
+              <a:ln>
+                <a:solidFill>
+                  <a:schemeClr val="tx1"/>
+                </a:solidFill>
+              </a:ln>
+            </a:endParaRPr>
+          </a:p>
+        </p:txBody>
+      </p:sp>
+      <p:sp>
+        <p:nvSpPr>
+          <p:cNvPr id="13" name="Rectangle 12"/>
+          <p:cNvSpPr/>
+          <p:nvPr/>
+        </p:nvSpPr>
+        <p:spPr>
+          <a:xfrm>
+            <a:off x="5487670" y="2649220"/>
+            <a:ext cx="1513840" cy="802640"/>
+          </a:xfrm>
+          <a:prstGeom prst="rect">
+            <a:avLst/>
+          </a:prstGeom>
+          <a:ln>
+            <a:solidFill>
+              <a:schemeClr val="tx1"/>
+            </a:solidFill>
+          </a:ln>
+          <a:effectLst/>
+        </p:spPr>
+        <p:style>
+          <a:lnRef idx="2">
+            <a:schemeClr val="dk1"/>
+          </a:lnRef>
+          <a:fillRef idx="1">
+            <a:schemeClr val="lt1"/>
+          </a:fillRef>
+          <a:effectRef idx="0">
+            <a:schemeClr val="dk1"/>
+          </a:effectRef>
+          <a:fontRef idx="minor">
+            <a:schemeClr val="dk1"/>
+          </a:fontRef>
+        </p:style>
+        <p:txBody>
+          <a:bodyPr rtlCol="0" anchor="ctr"/>
+          <a:lstStyle/>
+          <a:p>
+            <a:pPr algn="ctr"/>
+            <a:r>
+              <a:rPr lang="en-US" smtClean="0">
+                <a:ln>
+                  <a:solidFill>
+                    <a:schemeClr val="tx1"/>
+                  </a:solidFill>
+                </a:ln>
+              </a:rPr>
+              <a:t>Control block pointer</a:t>
+            </a:r>
+            <a:endParaRPr lang="en-US">
+              <a:ln>
+                <a:solidFill>
+                  <a:schemeClr val="tx1"/>
+                </a:solidFill>
+              </a:ln>
+            </a:endParaRPr>
+          </a:p>
+        </p:txBody>
+      </p:sp>
+      <p:cxnSp>
+        <p:nvCxnSpPr>
+          <p:cNvPr id="15" name="Straight Arrow Connector 8"/>
+          <p:cNvCxnSpPr>
+            <a:stCxn id="13" idx="3"/>
+          </p:cNvCxnSpPr>
+          <p:nvPr/>
+        </p:nvCxnSpPr>
+        <p:spPr>
+          <a:xfrm>
+            <a:off x="7001510" y="3050540"/>
+            <a:ext cx="902970" cy="326390"/>
+          </a:xfrm>
+          <a:prstGeom prst="straightConnector1">
+            <a:avLst/>
+          </a:prstGeom>
+          <a:ln w="28575">
+            <a:solidFill>
+              <a:schemeClr val="tx1"/>
+            </a:solidFill>
+            <a:tailEnd type="triangle" w="lg" len="lg"/>
+          </a:ln>
+        </p:spPr>
+        <p:style>
+          <a:lnRef idx="1">
+            <a:schemeClr val="accent1"/>
+          </a:lnRef>
+          <a:fillRef idx="0">
+            <a:schemeClr val="accent1"/>
+          </a:fillRef>
+          <a:effectRef idx="0">
+            <a:schemeClr val="accent1"/>
+          </a:effectRef>
+          <a:fontRef idx="minor">
+            <a:schemeClr val="tx1"/>
+          </a:fontRef>
+        </p:style>
+      </p:cxnSp>
+      <p:sp>
+        <p:nvSpPr>
+          <p:cNvPr id="17" name="Rectangle 16"/>
+          <p:cNvSpPr/>
+          <p:nvPr/>
+        </p:nvSpPr>
+        <p:spPr>
+          <a:xfrm>
+            <a:off x="5222240" y="2232660"/>
+            <a:ext cx="2103120" cy="1480820"/>
+          </a:xfrm>
+          <a:prstGeom prst="rect">
+            <a:avLst/>
+          </a:prstGeom>
+          <a:noFill/>
+          <a:ln>
+            <a:solidFill>
+              <a:schemeClr val="tx1"/>
+            </a:solidFill>
+          </a:ln>
+          <a:effectLst/>
+        </p:spPr>
+        <p:style>
+          <a:lnRef idx="2">
+            <a:schemeClr val="dk1"/>
+          </a:lnRef>
+          <a:fillRef idx="1">
+            <a:schemeClr val="lt1"/>
+          </a:fillRef>
+          <a:effectRef idx="0">
+            <a:schemeClr val="dk1"/>
+          </a:effectRef>
+          <a:fontRef idx="minor">
+            <a:schemeClr val="dk1"/>
+          </a:fontRef>
+        </p:style>
+        <p:txBody>
+          <a:bodyPr rtlCol="0" anchor="t" anchorCtr="0"/>
+          <a:lstStyle/>
+          <a:p>
+            <a:pPr algn="ctr"/>
+            <a:r>
+              <a:rPr lang="en-US" smtClean="0">
+                <a:ln>
+                  <a:solidFill>
+                    <a:schemeClr val="tx1"/>
+                  </a:solidFill>
+                </a:ln>
+              </a:rPr>
+              <a:t>shared_ptr&lt;Node&gt;</a:t>
+            </a:r>
+            <a:endParaRPr lang="en-US">
+              <a:ln>
+                <a:solidFill>
+                  <a:schemeClr val="tx1"/>
+                </a:solidFill>
+              </a:ln>
+            </a:endParaRPr>
+          </a:p>
+        </p:txBody>
+      </p:sp>
+      <p:sp>
+        <p:nvSpPr>
+          <p:cNvPr id="26" name="TextBox 25"/>
+          <p:cNvSpPr txBox="1"/>
+          <p:nvPr/>
+        </p:nvSpPr>
+        <p:spPr>
+          <a:xfrm>
+            <a:off x="814070" y="2211606"/>
+            <a:ext cx="3430270" cy="2308324"/>
+          </a:xfrm>
+          <a:prstGeom prst="rect">
+            <a:avLst/>
+          </a:prstGeom>
+          <a:noFill/>
+        </p:spPr>
+        <p:txBody>
+          <a:bodyPr wrap="square" rtlCol="0">
+            <a:spAutoFit/>
+          </a:bodyPr>
+          <a:lstStyle/>
+          <a:p>
+            <a:r>
+              <a:rPr lang="ru-RU" sz="2400" smtClean="0"/>
+              <a:t>Благодаря </a:t>
+            </a:r>
+            <a:r>
+              <a:rPr lang="en-US" sz="2400" smtClean="0"/>
+              <a:t>make_shared, </a:t>
+            </a:r>
+            <a:r>
+              <a:rPr lang="ru-RU" sz="2400" smtClean="0"/>
+              <a:t>данные </a:t>
+            </a:r>
+            <a:r>
+              <a:rPr lang="en-US" sz="2400" smtClean="0"/>
+              <a:t>Node </a:t>
+            </a:r>
+            <a:r>
+              <a:rPr lang="ru-RU" sz="2400" smtClean="0"/>
+              <a:t>могут быть внесены в контрольный блок и выделяться в одну аллокацию</a:t>
+            </a:r>
+            <a:endParaRPr lang="en-US" sz="2400"/>
+          </a:p>
+        </p:txBody>
+      </p:sp>
+    </p:spTree>
+    <p:extLst>
+      <p:ext uri="{BB962C8B-B14F-4D97-AF65-F5344CB8AC3E}">
+        <p14:creationId xmlns:p14="http://schemas.microsoft.com/office/powerpoint/2010/main" val="948450400"/>
+      </p:ext>
+    </p:extLst>
+  </p:cSld>
+  <p:clrMapOvr>
+    <a:masterClrMapping/>
+  </p:clrMapOvr>
+</p:sld>
+</file>
+
+<file path=ppt/slides/slide39.xml><?xml version="1.0" encoding="utf-8"?>
+<p:sld xmlns:a="http://schemas.openxmlformats.org/drawingml/2006/main" xmlns:r="http://schemas.openxmlformats.org/officeDocument/2006/relationships" xmlns:p="http://schemas.openxmlformats.org/presentationml/2006/main">
+  <p:cSld>
+    <p:spTree>
+      <p:nvGrpSpPr>
+        <p:cNvPr id="1" name=""/>
+        <p:cNvGrpSpPr/>
+        <p:nvPr/>
+      </p:nvGrpSpPr>
+      <p:grpSpPr>
+        <a:xfrm>
+          <a:off x="0" y="0"/>
+          <a:ext cx="0" cy="0"/>
+          <a:chOff x="0" y="0"/>
+          <a:chExt cx="0" cy="0"/>
+        </a:xfrm>
+      </p:grpSpPr>
+      <p:sp>
+        <p:nvSpPr>
+          <p:cNvPr id="2" name="Title 1"/>
+          <p:cNvSpPr>
+            <a:spLocks noGrp="1"/>
+          </p:cNvSpPr>
+          <p:nvPr>
+            <p:ph type="title"/>
+          </p:nvPr>
+        </p:nvSpPr>
+        <p:spPr/>
+        <p:txBody>
+          <a:bodyPr/>
+          <a:lstStyle/>
+          <a:p>
+            <a:r>
+              <a:rPr lang="ru-RU" smtClean="0"/>
+              <a:t>Проблема доступа</a:t>
+            </a:r>
+            <a:endParaRPr lang="en-US"/>
+          </a:p>
+        </p:txBody>
+      </p:sp>
+      <p:sp>
+        <p:nvSpPr>
+          <p:cNvPr id="3" name="Content Placeholder 2"/>
+          <p:cNvSpPr>
+            <a:spLocks noGrp="1"/>
+          </p:cNvSpPr>
+          <p:nvPr>
+            <p:ph idx="1"/>
+          </p:nvPr>
+        </p:nvSpPr>
+        <p:spPr>
+          <a:xfrm>
+            <a:off x="1143000" y="2057400"/>
+            <a:ext cx="10297160" cy="4038600"/>
+          </a:xfrm>
+        </p:spPr>
+        <p:txBody>
+          <a:bodyPr/>
+          <a:lstStyle/>
+          <a:p>
+            <a:r>
+              <a:rPr lang="ru-RU" smtClean="0"/>
+              <a:t>Если в классе есть закрытые конструкторы, </a:t>
+            </a:r>
+            <a:r>
+              <a:rPr lang="en-US" smtClean="0"/>
+              <a:t>make_shared </a:t>
+            </a:r>
+            <a:r>
+              <a:rPr lang="ru-RU" smtClean="0"/>
+              <a:t>не сработает</a:t>
+            </a:r>
+          </a:p>
+          <a:p>
+            <a:pPr marL="45720" indent="0">
+              <a:buNone/>
+            </a:pPr>
+            <a:r>
+              <a:rPr lang="en-US">
+                <a:latin typeface="Consolas" panose="020B0609020204030204" pitchFamily="49" charset="0"/>
+              </a:rPr>
+              <a:t>class </a:t>
+            </a:r>
+            <a:r>
+              <a:rPr lang="en-US">
+                <a:latin typeface="Consolas" panose="020B0609020204030204" pitchFamily="49" charset="0"/>
+              </a:rPr>
+              <a:t>A </a:t>
+            </a:r>
+            <a:r>
+              <a:rPr lang="en-US" smtClean="0">
+                <a:latin typeface="Consolas" panose="020B0609020204030204" pitchFamily="49" charset="0"/>
+              </a:rPr>
+              <a:t>{</a:t>
+            </a:r>
+            <a:r>
+              <a:rPr lang="ru-RU" smtClean="0">
+                <a:latin typeface="Consolas" panose="020B0609020204030204" pitchFamily="49" charset="0"/>
+              </a:rPr>
+              <a:t/>
+            </a:r>
+            <a:br>
+              <a:rPr lang="ru-RU" smtClean="0">
+                <a:latin typeface="Consolas" panose="020B0609020204030204" pitchFamily="49" charset="0"/>
+              </a:rPr>
+            </a:br>
+            <a:r>
+              <a:rPr lang="en-US" smtClean="0">
+                <a:latin typeface="Consolas" panose="020B0609020204030204" pitchFamily="49" charset="0"/>
+              </a:rPr>
+              <a:t>  </a:t>
+            </a:r>
+            <a:r>
+              <a:rPr lang="en-US">
+                <a:latin typeface="Consolas" panose="020B0609020204030204" pitchFamily="49" charset="0"/>
+              </a:rPr>
+              <a:t>int </a:t>
+            </a:r>
+            <a:r>
+              <a:rPr lang="en-US">
+                <a:latin typeface="Consolas" panose="020B0609020204030204" pitchFamily="49" charset="0"/>
+              </a:rPr>
+              <a:t>val</a:t>
+            </a:r>
+            <a:r>
+              <a:rPr lang="en-US" smtClean="0">
+                <a:latin typeface="Consolas" panose="020B0609020204030204" pitchFamily="49" charset="0"/>
+              </a:rPr>
+              <a:t>;</a:t>
+            </a:r>
+            <a:r>
+              <a:rPr lang="ru-RU" smtClean="0">
+                <a:latin typeface="Consolas" panose="020B0609020204030204" pitchFamily="49" charset="0"/>
+              </a:rPr>
+              <a:t/>
+            </a:r>
+            <a:br>
+              <a:rPr lang="ru-RU" smtClean="0">
+                <a:latin typeface="Consolas" panose="020B0609020204030204" pitchFamily="49" charset="0"/>
+              </a:rPr>
+            </a:br>
+            <a:r>
+              <a:rPr lang="en-US" smtClean="0">
+                <a:latin typeface="Consolas" panose="020B0609020204030204" pitchFamily="49" charset="0"/>
+              </a:rPr>
+              <a:t>  </a:t>
+            </a:r>
+            <a:r>
+              <a:rPr lang="en-US">
+                <a:latin typeface="Consolas" panose="020B0609020204030204" pitchFamily="49" charset="0"/>
+              </a:rPr>
+              <a:t>A(int v): </a:t>
+            </a:r>
+            <a:r>
+              <a:rPr lang="en-US">
+                <a:latin typeface="Consolas" panose="020B0609020204030204" pitchFamily="49" charset="0"/>
+              </a:rPr>
+              <a:t>val(v</a:t>
+            </a:r>
+            <a:r>
+              <a:rPr lang="en-US" smtClean="0">
+                <a:latin typeface="Consolas" panose="020B0609020204030204" pitchFamily="49" charset="0"/>
+              </a:rPr>
+              <a:t>){}</a:t>
+            </a:r>
+            <a:r>
+              <a:rPr lang="ru-RU" smtClean="0">
+                <a:latin typeface="Consolas" panose="020B0609020204030204" pitchFamily="49" charset="0"/>
+              </a:rPr>
+              <a:t/>
+            </a:r>
+            <a:br>
+              <a:rPr lang="ru-RU" smtClean="0">
+                <a:latin typeface="Consolas" panose="020B0609020204030204" pitchFamily="49" charset="0"/>
+              </a:rPr>
+            </a:br>
+            <a:r>
+              <a:rPr lang="en-US" smtClean="0">
+                <a:latin typeface="Consolas" panose="020B0609020204030204" pitchFamily="49" charset="0"/>
+              </a:rPr>
+              <a:t>public:</a:t>
+            </a:r>
+            <a:r>
+              <a:rPr lang="ru-RU" smtClean="0">
+                <a:latin typeface="Consolas" panose="020B0609020204030204" pitchFamily="49" charset="0"/>
+              </a:rPr>
+              <a:t/>
+            </a:r>
+            <a:br>
+              <a:rPr lang="ru-RU" smtClean="0">
+                <a:latin typeface="Consolas" panose="020B0609020204030204" pitchFamily="49" charset="0"/>
+              </a:rPr>
+            </a:br>
+            <a:r>
+              <a:rPr lang="en-US" smtClean="0">
+                <a:latin typeface="Consolas" panose="020B0609020204030204" pitchFamily="49" charset="0"/>
+              </a:rPr>
+              <a:t>  </a:t>
+            </a:r>
+            <a:r>
+              <a:rPr lang="en-US">
+                <a:latin typeface="Consolas" panose="020B0609020204030204" pitchFamily="49" charset="0"/>
+              </a:rPr>
+              <a:t>// </a:t>
+            </a:r>
+            <a:r>
+              <a:rPr lang="ru-RU" smtClean="0">
+                <a:latin typeface="Consolas" panose="020B0609020204030204" pitchFamily="49" charset="0"/>
+              </a:rPr>
+              <a:t>Это не сработает</a:t>
+            </a:r>
+            <a:br>
+              <a:rPr lang="ru-RU" smtClean="0">
+                <a:latin typeface="Consolas" panose="020B0609020204030204" pitchFamily="49" charset="0"/>
+              </a:rPr>
+            </a:br>
+            <a:r>
+              <a:rPr lang="en-US" smtClean="0">
+                <a:latin typeface="Consolas" panose="020B0609020204030204" pitchFamily="49" charset="0"/>
+              </a:rPr>
+              <a:t>  </a:t>
+            </a:r>
+            <a:r>
+              <a:rPr lang="en-US">
+                <a:latin typeface="Consolas" panose="020B0609020204030204" pitchFamily="49" charset="0"/>
+              </a:rPr>
+              <a:t>shared_ptr&lt;A&gt; createNext(){ return make_shared&lt;A&gt;(val</a:t>
+            </a:r>
+            <a:r>
+              <a:rPr lang="en-US">
+                <a:latin typeface="Consolas" panose="020B0609020204030204" pitchFamily="49" charset="0"/>
+              </a:rPr>
+              <a:t>); </a:t>
+            </a:r>
+            <a:r>
+              <a:rPr lang="en-US" smtClean="0">
+                <a:latin typeface="Consolas" panose="020B0609020204030204" pitchFamily="49" charset="0"/>
+              </a:rPr>
+              <a:t>}</a:t>
+            </a:r>
+          </a:p>
+          <a:p>
+            <a:pPr marL="45720" indent="0">
+              <a:buNone/>
+            </a:pPr>
+            <a:r>
+              <a:rPr lang="en-US" smtClean="0">
+                <a:latin typeface="Consolas" panose="020B0609020204030204" pitchFamily="49" charset="0"/>
+              </a:rPr>
+              <a:t>  </a:t>
+            </a:r>
+            <a:r>
+              <a:rPr lang="en-US">
+                <a:latin typeface="Consolas" panose="020B0609020204030204" pitchFamily="49" charset="0"/>
+              </a:rPr>
+              <a:t>// </a:t>
+            </a:r>
+            <a:r>
+              <a:rPr lang="ru-RU" smtClean="0">
+                <a:latin typeface="Consolas" panose="020B0609020204030204" pitchFamily="49" charset="0"/>
+              </a:rPr>
+              <a:t>Это сработает</a:t>
+            </a:r>
+            <a:r>
+              <a:rPr lang="en-US" smtClean="0">
+                <a:latin typeface="Consolas" panose="020B0609020204030204" pitchFamily="49" charset="0"/>
+              </a:rPr>
+              <a:t/>
+            </a:r>
+            <a:br>
+              <a:rPr lang="en-US" smtClean="0">
+                <a:latin typeface="Consolas" panose="020B0609020204030204" pitchFamily="49" charset="0"/>
+              </a:rPr>
+            </a:br>
+            <a:r>
+              <a:rPr lang="en-US" smtClean="0">
+                <a:latin typeface="Consolas" panose="020B0609020204030204" pitchFamily="49" charset="0"/>
+              </a:rPr>
+              <a:t>  shared_ptr&lt;A</a:t>
+            </a:r>
+            <a:r>
+              <a:rPr lang="en-US">
+                <a:latin typeface="Consolas" panose="020B0609020204030204" pitchFamily="49" charset="0"/>
+              </a:rPr>
+              <a:t>&gt; createNext(){ return shared_ptr&lt;A&gt;(new A(val</a:t>
+            </a:r>
+            <a:r>
+              <a:rPr lang="en-US">
+                <a:latin typeface="Consolas" panose="020B0609020204030204" pitchFamily="49" charset="0"/>
+              </a:rPr>
+              <a:t>)); </a:t>
+            </a:r>
+            <a:r>
+              <a:rPr lang="en-US" smtClean="0">
+                <a:latin typeface="Consolas" panose="020B0609020204030204" pitchFamily="49" charset="0"/>
+              </a:rPr>
+              <a:t>}</a:t>
+            </a:r>
+            <a:r>
+              <a:rPr lang="ru-RU" smtClean="0">
+                <a:latin typeface="Consolas" panose="020B0609020204030204" pitchFamily="49" charset="0"/>
+              </a:rPr>
+              <a:t/>
+            </a:r>
+            <a:br>
+              <a:rPr lang="ru-RU" smtClean="0">
+                <a:latin typeface="Consolas" panose="020B0609020204030204" pitchFamily="49" charset="0"/>
+              </a:rPr>
+            </a:br>
+            <a:r>
+              <a:rPr lang="en-US" smtClean="0">
+                <a:latin typeface="Consolas" panose="020B0609020204030204" pitchFamily="49" charset="0"/>
+              </a:rPr>
+              <a:t>};</a:t>
+            </a:r>
+            <a:endParaRPr lang="ru-RU" smtClean="0">
+              <a:latin typeface="Consolas" panose="020B0609020204030204" pitchFamily="49" charset="0"/>
+            </a:endParaRPr>
+          </a:p>
+          <a:p>
+            <a:r>
+              <a:rPr lang="ru-RU" smtClean="0"/>
+              <a:t>Идея в том, что функция </a:t>
+            </a:r>
+            <a:r>
+              <a:rPr lang="en-US" smtClean="0"/>
+              <a:t>make_shared </a:t>
+            </a:r>
+            <a:r>
+              <a:rPr lang="ru-RU" smtClean="0"/>
+              <a:t>должна иметь доступ к конструктору, который она собирается вызвать</a:t>
+            </a:r>
+            <a:endParaRPr lang="en-US"/>
+          </a:p>
+        </p:txBody>
+      </p:sp>
+    </p:spTree>
+    <p:extLst>
+      <p:ext uri="{BB962C8B-B14F-4D97-AF65-F5344CB8AC3E}">
+        <p14:creationId xmlns:p14="http://schemas.microsoft.com/office/powerpoint/2010/main" val="781055760"/>
       </p:ext>
     </p:extLst>
   </p:cSld>
@@ -9851,6 +12327,2178 @@
 </p:sld>
 </file>
 
+<file path=ppt/slides/slide40.xml><?xml version="1.0" encoding="utf-8"?>
+<p:sld xmlns:a="http://schemas.openxmlformats.org/drawingml/2006/main" xmlns:r="http://schemas.openxmlformats.org/officeDocument/2006/relationships" xmlns:p="http://schemas.openxmlformats.org/presentationml/2006/main">
+  <p:cSld>
+    <p:spTree>
+      <p:nvGrpSpPr>
+        <p:cNvPr id="1" name=""/>
+        <p:cNvGrpSpPr/>
+        <p:nvPr/>
+      </p:nvGrpSpPr>
+      <p:grpSpPr>
+        <a:xfrm>
+          <a:off x="0" y="0"/>
+          <a:ext cx="0" cy="0"/>
+          <a:chOff x="0" y="0"/>
+          <a:chExt cx="0" cy="0"/>
+        </a:xfrm>
+      </p:grpSpPr>
+      <p:sp>
+        <p:nvSpPr>
+          <p:cNvPr id="2" name="Title 1"/>
+          <p:cNvSpPr>
+            <a:spLocks noGrp="1"/>
+          </p:cNvSpPr>
+          <p:nvPr>
+            <p:ph type="title"/>
+          </p:nvPr>
+        </p:nvSpPr>
+        <p:spPr/>
+        <p:txBody>
+          <a:bodyPr/>
+          <a:lstStyle/>
+          <a:p>
+            <a:r>
+              <a:rPr lang="ru-RU" smtClean="0"/>
+              <a:t>Обсуждение</a:t>
+            </a:r>
+            <a:endParaRPr lang="en-US"/>
+          </a:p>
+        </p:txBody>
+      </p:sp>
+      <p:sp>
+        <p:nvSpPr>
+          <p:cNvPr id="3" name="Content Placeholder 2"/>
+          <p:cNvSpPr>
+            <a:spLocks noGrp="1"/>
+          </p:cNvSpPr>
+          <p:nvPr>
+            <p:ph idx="1"/>
+          </p:nvPr>
+        </p:nvSpPr>
+        <p:spPr/>
+        <p:txBody>
+          <a:bodyPr/>
+          <a:lstStyle/>
+          <a:p>
+            <a:r>
+              <a:rPr lang="ru-RU" smtClean="0"/>
+              <a:t>Интересно, что </a:t>
+            </a:r>
+            <a:r>
+              <a:rPr lang="en-US" smtClean="0"/>
+              <a:t>make</a:t>
+            </a:r>
+            <a:r>
+              <a:rPr lang="ru-RU" smtClean="0"/>
+              <a:t>_</a:t>
+            </a:r>
+            <a:r>
+              <a:rPr lang="en-US" smtClean="0"/>
+              <a:t>unique </a:t>
+            </a:r>
+            <a:r>
+              <a:rPr lang="ru-RU" smtClean="0"/>
+              <a:t>было стилистической фитюлькой, а вот </a:t>
+            </a:r>
+            <a:r>
+              <a:rPr lang="en-US" smtClean="0"/>
+              <a:t>make_shared </a:t>
+            </a:r>
+            <a:r>
+              <a:rPr lang="ru-RU" smtClean="0"/>
+              <a:t>имеет весомые аргументы как за, так и против </a:t>
+            </a:r>
+          </a:p>
+          <a:p>
+            <a:r>
+              <a:rPr lang="ru-RU"/>
+              <a:t>И</a:t>
+            </a:r>
+            <a:r>
+              <a:rPr lang="ru-RU" smtClean="0"/>
+              <a:t> мы ещё даже не приступили к серьёзной критике, проблема закрытого конструктора во-первых была и в </a:t>
+            </a:r>
+            <a:r>
+              <a:rPr lang="en-US" smtClean="0"/>
+              <a:t>make_unique, </a:t>
+            </a:r>
+            <a:r>
+              <a:rPr lang="ru-RU" smtClean="0"/>
+              <a:t>во вторых </a:t>
+            </a:r>
+            <a:r>
+              <a:rPr lang="ru-RU" smtClean="0">
+                <a:latin typeface="Corbel" panose="020B0503020204020204" pitchFamily="34" charset="0"/>
+              </a:rPr>
+              <a:t>–</a:t>
+            </a:r>
+            <a:r>
+              <a:rPr lang="ru-RU" smtClean="0"/>
+              <a:t> не проблема</a:t>
+            </a:r>
+          </a:p>
+          <a:p>
+            <a:r>
+              <a:rPr lang="ru-RU" smtClean="0"/>
+              <a:t>И главное </a:t>
+            </a:r>
+            <a:r>
+              <a:rPr lang="ru-RU">
+                <a:latin typeface="Corbel" panose="020B0503020204020204" pitchFamily="34" charset="0"/>
+              </a:rPr>
+              <a:t>–</a:t>
+            </a:r>
+            <a:r>
+              <a:rPr lang="ru-RU"/>
+              <a:t> </a:t>
+            </a:r>
+            <a:r>
+              <a:rPr lang="ru-RU" smtClean="0"/>
+              <a:t>кажется, подсчёт ссылок открывает ещё одну возможность выделять разделяемый указатель</a:t>
+            </a:r>
+            <a:endParaRPr lang="en-US"/>
+          </a:p>
+        </p:txBody>
+      </p:sp>
+    </p:spTree>
+    <p:extLst>
+      <p:ext uri="{BB962C8B-B14F-4D97-AF65-F5344CB8AC3E}">
+        <p14:creationId xmlns:p14="http://schemas.microsoft.com/office/powerpoint/2010/main" val="393647008"/>
+      </p:ext>
+    </p:extLst>
+  </p:cSld>
+  <p:clrMapOvr>
+    <a:masterClrMapping/>
+  </p:clrMapOvr>
+</p:sld>
+</file>
+
+<file path=ppt/slides/slide41.xml><?xml version="1.0" encoding="utf-8"?>
+<p:sld xmlns:a="http://schemas.openxmlformats.org/drawingml/2006/main" xmlns:r="http://schemas.openxmlformats.org/officeDocument/2006/relationships" xmlns:p="http://schemas.openxmlformats.org/presentationml/2006/main">
+  <p:cSld>
+    <p:spTree>
+      <p:nvGrpSpPr>
+        <p:cNvPr id="1" name=""/>
+        <p:cNvGrpSpPr/>
+        <p:nvPr/>
+      </p:nvGrpSpPr>
+      <p:grpSpPr>
+        <a:xfrm>
+          <a:off x="0" y="0"/>
+          <a:ext cx="0" cy="0"/>
+          <a:chOff x="0" y="0"/>
+          <a:chExt cx="0" cy="0"/>
+        </a:xfrm>
+      </p:grpSpPr>
+      <p:sp>
+        <p:nvSpPr>
+          <p:cNvPr id="2" name="Title 1"/>
+          <p:cNvSpPr>
+            <a:spLocks noGrp="1"/>
+          </p:cNvSpPr>
+          <p:nvPr>
+            <p:ph type="title"/>
+          </p:nvPr>
+        </p:nvSpPr>
+        <p:spPr/>
+        <p:txBody>
+          <a:bodyPr/>
+          <a:lstStyle/>
+          <a:p>
+            <a:r>
+              <a:rPr lang="ru-RU" smtClean="0"/>
+              <a:t>Проблема метода </a:t>
+            </a:r>
+            <a:r>
+              <a:rPr lang="en-US" smtClean="0"/>
+              <a:t>find </a:t>
+            </a:r>
+            <a:r>
+              <a:rPr lang="ru-RU" smtClean="0"/>
+              <a:t>возвращается</a:t>
+            </a:r>
+            <a:endParaRPr lang="en-US"/>
+          </a:p>
+        </p:txBody>
+      </p:sp>
+      <p:sp>
+        <p:nvSpPr>
+          <p:cNvPr id="3" name="Content Placeholder 2"/>
+          <p:cNvSpPr>
+            <a:spLocks noGrp="1"/>
+          </p:cNvSpPr>
+          <p:nvPr>
+            <p:ph idx="1"/>
+          </p:nvPr>
+        </p:nvSpPr>
+        <p:spPr/>
+        <p:txBody>
+          <a:bodyPr/>
+          <a:lstStyle/>
+          <a:p>
+            <a:pPr marL="45720" indent="0">
+              <a:buNone/>
+            </a:pPr>
+            <a:r>
+              <a:rPr lang="en-US" smtClean="0">
+                <a:latin typeface="Consolas" panose="020B0609020204030204" pitchFamily="49" charset="0"/>
+              </a:rPr>
+              <a:t>template </a:t>
+            </a:r>
+            <a:r>
+              <a:rPr lang="en-US">
+                <a:latin typeface="Consolas" panose="020B0609020204030204" pitchFamily="49" charset="0"/>
+              </a:rPr>
+              <a:t>&lt;typename Data&gt; class Tree {</a:t>
+            </a:r>
+            <a:br>
+              <a:rPr lang="en-US">
+                <a:latin typeface="Consolas" panose="020B0609020204030204" pitchFamily="49" charset="0"/>
+              </a:rPr>
+            </a:br>
+            <a:r>
+              <a:rPr lang="en-US">
+                <a:latin typeface="Consolas" panose="020B0609020204030204" pitchFamily="49" charset="0"/>
+              </a:rPr>
+              <a:t>  struct Node {</a:t>
+            </a:r>
+            <a:br>
+              <a:rPr lang="en-US">
+                <a:latin typeface="Consolas" panose="020B0609020204030204" pitchFamily="49" charset="0"/>
+              </a:rPr>
+            </a:br>
+            <a:r>
+              <a:rPr lang="en-US">
+                <a:latin typeface="Consolas" panose="020B0609020204030204" pitchFamily="49" charset="0"/>
+              </a:rPr>
+              <a:t>    </a:t>
+            </a:r>
+            <a:r>
+              <a:rPr lang="en-US" smtClean="0">
+                <a:solidFill>
+                  <a:srgbClr val="0000FF"/>
+                </a:solidFill>
+                <a:latin typeface="Consolas" panose="020B0609020204030204" pitchFamily="49" charset="0"/>
+              </a:rPr>
+              <a:t>shared_ptr&lt;Node</a:t>
+            </a:r>
+            <a:r>
+              <a:rPr lang="en-US">
+                <a:solidFill>
+                  <a:srgbClr val="0000FF"/>
+                </a:solidFill>
+                <a:latin typeface="Consolas" panose="020B0609020204030204" pitchFamily="49" charset="0"/>
+              </a:rPr>
+              <a:t>&gt;</a:t>
+            </a:r>
+            <a:r>
+              <a:rPr lang="en-US">
+                <a:latin typeface="Consolas" panose="020B0609020204030204" pitchFamily="49" charset="0"/>
+              </a:rPr>
+              <a:t> left, right;</a:t>
+            </a:r>
+            <a:br>
+              <a:rPr lang="en-US">
+                <a:latin typeface="Consolas" panose="020B0609020204030204" pitchFamily="49" charset="0"/>
+              </a:rPr>
+            </a:br>
+            <a:r>
+              <a:rPr lang="en-US">
+                <a:latin typeface="Consolas" panose="020B0609020204030204" pitchFamily="49" charset="0"/>
+              </a:rPr>
+              <a:t>    Data d;</a:t>
+            </a:r>
+            <a:r>
+              <a:rPr lang="ru-RU">
+                <a:latin typeface="Consolas" panose="020B0609020204030204" pitchFamily="49" charset="0"/>
+              </a:rPr>
+              <a:t/>
+            </a:r>
+            <a:br>
+              <a:rPr lang="ru-RU">
+                <a:latin typeface="Consolas" panose="020B0609020204030204" pitchFamily="49" charset="0"/>
+              </a:rPr>
+            </a:br>
+            <a:r>
+              <a:rPr lang="en-US">
+                <a:latin typeface="Consolas" panose="020B0609020204030204" pitchFamily="49" charset="0"/>
+              </a:rPr>
+              <a:t>  </a:t>
+            </a:r>
+            <a:r>
+              <a:rPr lang="en-US" smtClean="0">
+                <a:latin typeface="Consolas" panose="020B0609020204030204" pitchFamily="49" charset="0"/>
+              </a:rPr>
+              <a:t>};</a:t>
+            </a:r>
+            <a:br>
+              <a:rPr lang="en-US" smtClean="0">
+                <a:latin typeface="Consolas" panose="020B0609020204030204" pitchFamily="49" charset="0"/>
+              </a:rPr>
+            </a:br>
+            <a:r>
+              <a:rPr lang="en-US" smtClean="0">
+                <a:latin typeface="Consolas" panose="020B0609020204030204" pitchFamily="49" charset="0"/>
+              </a:rPr>
+              <a:t>  </a:t>
+            </a:r>
+            <a:r>
+              <a:rPr lang="en-US" smtClean="0">
+                <a:solidFill>
+                  <a:srgbClr val="0000FF"/>
+                </a:solidFill>
+                <a:latin typeface="Consolas" panose="020B0609020204030204" pitchFamily="49" charset="0"/>
+              </a:rPr>
+              <a:t>shared_ptr&lt;Node&gt;</a:t>
+            </a:r>
+            <a:r>
+              <a:rPr lang="en-US" smtClean="0">
+                <a:latin typeface="Consolas" panose="020B0609020204030204" pitchFamily="49" charset="0"/>
+              </a:rPr>
+              <a:t> top_;</a:t>
+            </a:r>
+            <a:r>
+              <a:rPr lang="ru-RU">
+                <a:latin typeface="Consolas" panose="020B0609020204030204" pitchFamily="49" charset="0"/>
+              </a:rPr>
+              <a:t/>
+            </a:r>
+            <a:br>
+              <a:rPr lang="ru-RU">
+                <a:latin typeface="Consolas" panose="020B0609020204030204" pitchFamily="49" charset="0"/>
+              </a:rPr>
+            </a:br>
+            <a:r>
+              <a:rPr lang="en-US" smtClean="0">
+                <a:latin typeface="Consolas" panose="020B0609020204030204" pitchFamily="49" charset="0"/>
+              </a:rPr>
+              <a:t>public: </a:t>
+            </a:r>
+            <a:br>
+              <a:rPr lang="en-US" smtClean="0">
+                <a:latin typeface="Consolas" panose="020B0609020204030204" pitchFamily="49" charset="0"/>
+              </a:rPr>
+            </a:br>
+            <a:r>
+              <a:rPr lang="en-US" smtClean="0">
+                <a:latin typeface="Consolas" panose="020B0609020204030204" pitchFamily="49" charset="0"/>
+              </a:rPr>
+              <a:t>  </a:t>
+            </a:r>
+            <a:r>
+              <a:rPr lang="en-US" smtClean="0">
+                <a:solidFill>
+                  <a:srgbClr val="FF0000"/>
+                </a:solidFill>
+                <a:latin typeface="Consolas" panose="020B0609020204030204" pitchFamily="49" charset="0"/>
+              </a:rPr>
+              <a:t>shared_ptr&lt;Node&gt; </a:t>
+            </a:r>
+            <a:r>
+              <a:rPr lang="en-US" smtClean="0">
+                <a:latin typeface="Consolas" panose="020B0609020204030204" pitchFamily="49" charset="0"/>
+              </a:rPr>
+              <a:t>find (int inorder_pos) {</a:t>
+            </a:r>
+            <a:r>
+              <a:rPr lang="ru-RU" smtClean="0">
+                <a:latin typeface="Consolas" panose="020B0609020204030204" pitchFamily="49" charset="0"/>
+              </a:rPr>
+              <a:t/>
+            </a:r>
+            <a:br>
+              <a:rPr lang="ru-RU" smtClean="0">
+                <a:latin typeface="Consolas" panose="020B0609020204030204" pitchFamily="49" charset="0"/>
+              </a:rPr>
+            </a:br>
+            <a:r>
+              <a:rPr lang="ru-RU" smtClean="0">
+                <a:latin typeface="Consolas" panose="020B0609020204030204" pitchFamily="49" charset="0"/>
+              </a:rPr>
+              <a:t>    </a:t>
+            </a:r>
+            <a:r>
+              <a:rPr lang="en-US" smtClean="0">
+                <a:latin typeface="Consolas" panose="020B0609020204030204" pitchFamily="49" charset="0"/>
+              </a:rPr>
+              <a:t>// </a:t>
+            </a:r>
+            <a:r>
+              <a:rPr lang="ru-RU" smtClean="0">
+                <a:latin typeface="Consolas" panose="020B0609020204030204" pitchFamily="49" charset="0"/>
+              </a:rPr>
+              <a:t>тут поиск</a:t>
+            </a:r>
+            <a:r>
+              <a:rPr lang="en-US" smtClean="0">
+                <a:latin typeface="Consolas" panose="020B0609020204030204" pitchFamily="49" charset="0"/>
+              </a:rPr>
+              <a:t>, shared_ptr&lt;Node&gt; spn</a:t>
+            </a:r>
+            <a:br>
+              <a:rPr lang="en-US" smtClean="0">
+                <a:latin typeface="Consolas" panose="020B0609020204030204" pitchFamily="49" charset="0"/>
+              </a:rPr>
+            </a:br>
+            <a:r>
+              <a:rPr lang="ru-RU" smtClean="0">
+                <a:latin typeface="Consolas" panose="020B0609020204030204" pitchFamily="49" charset="0"/>
+              </a:rPr>
+              <a:t>    </a:t>
+            </a:r>
+            <a:r>
+              <a:rPr lang="en-US" smtClean="0">
+                <a:latin typeface="Consolas" panose="020B0609020204030204" pitchFamily="49" charset="0"/>
+              </a:rPr>
+              <a:t>return spn;</a:t>
+            </a:r>
+            <a:br>
+              <a:rPr lang="en-US" smtClean="0">
+                <a:latin typeface="Consolas" panose="020B0609020204030204" pitchFamily="49" charset="0"/>
+              </a:rPr>
+            </a:br>
+            <a:r>
+              <a:rPr lang="en-US" smtClean="0">
+                <a:latin typeface="Consolas" panose="020B0609020204030204" pitchFamily="49" charset="0"/>
+              </a:rPr>
+              <a:t>  }</a:t>
+            </a:r>
+            <a:endParaRPr lang="ru-RU" smtClean="0">
+              <a:latin typeface="Consolas" panose="020B0609020204030204" pitchFamily="49" charset="0"/>
+            </a:endParaRPr>
+          </a:p>
+          <a:p>
+            <a:r>
+              <a:rPr lang="ru-RU" smtClean="0"/>
+              <a:t>Проблема тут в том, что хочется не </a:t>
+            </a:r>
+            <a:r>
+              <a:rPr lang="en-US" smtClean="0"/>
+              <a:t>Node, </a:t>
+            </a:r>
+            <a:r>
+              <a:rPr lang="ru-RU" smtClean="0"/>
+              <a:t>а только данные из ноды</a:t>
+            </a:r>
+            <a:endParaRPr lang="en-US" smtClean="0"/>
+          </a:p>
+        </p:txBody>
+      </p:sp>
+    </p:spTree>
+    <p:extLst>
+      <p:ext uri="{BB962C8B-B14F-4D97-AF65-F5344CB8AC3E}">
+        <p14:creationId xmlns:p14="http://schemas.microsoft.com/office/powerpoint/2010/main" val="2456966066"/>
+      </p:ext>
+    </p:extLst>
+  </p:cSld>
+  <p:clrMapOvr>
+    <a:masterClrMapping/>
+  </p:clrMapOvr>
+</p:sld>
+</file>
+
+<file path=ppt/slides/slide42.xml><?xml version="1.0" encoding="utf-8"?>
+<p:sld xmlns:a="http://schemas.openxmlformats.org/drawingml/2006/main" xmlns:r="http://schemas.openxmlformats.org/officeDocument/2006/relationships" xmlns:p="http://schemas.openxmlformats.org/presentationml/2006/main">
+  <p:cSld>
+    <p:spTree>
+      <p:nvGrpSpPr>
+        <p:cNvPr id="1" name=""/>
+        <p:cNvGrpSpPr/>
+        <p:nvPr/>
+      </p:nvGrpSpPr>
+      <p:grpSpPr>
+        <a:xfrm>
+          <a:off x="0" y="0"/>
+          <a:ext cx="0" cy="0"/>
+          <a:chOff x="0" y="0"/>
+          <a:chExt cx="0" cy="0"/>
+        </a:xfrm>
+      </p:grpSpPr>
+      <p:sp>
+        <p:nvSpPr>
+          <p:cNvPr id="2" name="Title 1"/>
+          <p:cNvSpPr>
+            <a:spLocks noGrp="1"/>
+          </p:cNvSpPr>
+          <p:nvPr>
+            <p:ph type="title"/>
+          </p:nvPr>
+        </p:nvSpPr>
+        <p:spPr/>
+        <p:txBody>
+          <a:bodyPr/>
+          <a:lstStyle/>
+          <a:p>
+            <a:r>
+              <a:rPr lang="ru-RU" smtClean="0"/>
+              <a:t>Решение: </a:t>
+            </a:r>
+            <a:r>
+              <a:rPr lang="en-US" smtClean="0"/>
+              <a:t>aliasing ctors</a:t>
+            </a:r>
+            <a:endParaRPr lang="en-US"/>
+          </a:p>
+        </p:txBody>
+      </p:sp>
+      <p:sp>
+        <p:nvSpPr>
+          <p:cNvPr id="3" name="Content Placeholder 2"/>
+          <p:cNvSpPr>
+            <a:spLocks noGrp="1"/>
+          </p:cNvSpPr>
+          <p:nvPr>
+            <p:ph idx="1"/>
+          </p:nvPr>
+        </p:nvSpPr>
+        <p:spPr/>
+        <p:txBody>
+          <a:bodyPr/>
+          <a:lstStyle/>
+          <a:p>
+            <a:pPr marL="45720" indent="0">
+              <a:buNone/>
+            </a:pPr>
+            <a:r>
+              <a:rPr lang="en-US" smtClean="0">
+                <a:latin typeface="Consolas" panose="020B0609020204030204" pitchFamily="49" charset="0"/>
+              </a:rPr>
+              <a:t>template </a:t>
+            </a:r>
+            <a:r>
+              <a:rPr lang="en-US">
+                <a:latin typeface="Consolas" panose="020B0609020204030204" pitchFamily="49" charset="0"/>
+              </a:rPr>
+              <a:t>&lt;typename Data&gt; class Tree {</a:t>
+            </a:r>
+            <a:br>
+              <a:rPr lang="en-US">
+                <a:latin typeface="Consolas" panose="020B0609020204030204" pitchFamily="49" charset="0"/>
+              </a:rPr>
+            </a:br>
+            <a:r>
+              <a:rPr lang="en-US">
+                <a:latin typeface="Consolas" panose="020B0609020204030204" pitchFamily="49" charset="0"/>
+              </a:rPr>
+              <a:t>  struct Node {</a:t>
+            </a:r>
+            <a:br>
+              <a:rPr lang="en-US">
+                <a:latin typeface="Consolas" panose="020B0609020204030204" pitchFamily="49" charset="0"/>
+              </a:rPr>
+            </a:br>
+            <a:r>
+              <a:rPr lang="en-US" smtClean="0">
+                <a:latin typeface="Consolas" panose="020B0609020204030204" pitchFamily="49" charset="0"/>
+              </a:rPr>
+              <a:t>    </a:t>
+            </a:r>
+            <a:r>
+              <a:rPr lang="en-US" smtClean="0">
+                <a:solidFill>
+                  <a:srgbClr val="FF0000"/>
+                </a:solidFill>
+                <a:latin typeface="Consolas" panose="020B0609020204030204" pitchFamily="49" charset="0"/>
+              </a:rPr>
+              <a:t>shared_ptr&lt;Node&gt; </a:t>
+            </a:r>
+            <a:r>
+              <a:rPr lang="en-US" smtClean="0">
+                <a:latin typeface="Consolas" panose="020B0609020204030204" pitchFamily="49" charset="0"/>
+              </a:rPr>
+              <a:t>left</a:t>
+            </a:r>
+            <a:r>
+              <a:rPr lang="en-US">
+                <a:latin typeface="Consolas" panose="020B0609020204030204" pitchFamily="49" charset="0"/>
+              </a:rPr>
+              <a:t>, right;</a:t>
+            </a:r>
+            <a:br>
+              <a:rPr lang="en-US">
+                <a:latin typeface="Consolas" panose="020B0609020204030204" pitchFamily="49" charset="0"/>
+              </a:rPr>
+            </a:br>
+            <a:r>
+              <a:rPr lang="en-US">
+                <a:latin typeface="Consolas" panose="020B0609020204030204" pitchFamily="49" charset="0"/>
+              </a:rPr>
+              <a:t>    Data d</a:t>
+            </a:r>
+            <a:r>
+              <a:rPr lang="en-US" smtClean="0">
+                <a:latin typeface="Consolas" panose="020B0609020204030204" pitchFamily="49" charset="0"/>
+              </a:rPr>
+              <a:t>;</a:t>
+            </a:r>
+            <a:r>
+              <a:rPr lang="ru-RU">
+                <a:latin typeface="Consolas" panose="020B0609020204030204" pitchFamily="49" charset="0"/>
+              </a:rPr>
+              <a:t/>
+            </a:r>
+            <a:br>
+              <a:rPr lang="ru-RU">
+                <a:latin typeface="Consolas" panose="020B0609020204030204" pitchFamily="49" charset="0"/>
+              </a:rPr>
+            </a:br>
+            <a:r>
+              <a:rPr lang="en-US">
+                <a:latin typeface="Consolas" panose="020B0609020204030204" pitchFamily="49" charset="0"/>
+              </a:rPr>
+              <a:t>  </a:t>
+            </a:r>
+            <a:r>
+              <a:rPr lang="en-US" smtClean="0">
+                <a:latin typeface="Consolas" panose="020B0609020204030204" pitchFamily="49" charset="0"/>
+              </a:rPr>
+              <a:t>};</a:t>
+            </a:r>
+            <a:br>
+              <a:rPr lang="en-US" smtClean="0">
+                <a:latin typeface="Consolas" panose="020B0609020204030204" pitchFamily="49" charset="0"/>
+              </a:rPr>
+            </a:br>
+            <a:r>
+              <a:rPr lang="en-US" smtClean="0">
+                <a:latin typeface="Consolas" panose="020B0609020204030204" pitchFamily="49" charset="0"/>
+              </a:rPr>
+              <a:t>  </a:t>
+            </a:r>
+            <a:r>
+              <a:rPr lang="en-US" smtClean="0">
+                <a:solidFill>
+                  <a:srgbClr val="FF0000"/>
+                </a:solidFill>
+                <a:latin typeface="Consolas" panose="020B0609020204030204" pitchFamily="49" charset="0"/>
+              </a:rPr>
+              <a:t>shared_ptr&lt;Node&gt; </a:t>
+            </a:r>
+            <a:r>
+              <a:rPr lang="en-US" smtClean="0">
+                <a:latin typeface="Consolas" panose="020B0609020204030204" pitchFamily="49" charset="0"/>
+              </a:rPr>
+              <a:t>top_;</a:t>
+            </a:r>
+            <a:r>
+              <a:rPr lang="ru-RU">
+                <a:latin typeface="Consolas" panose="020B0609020204030204" pitchFamily="49" charset="0"/>
+              </a:rPr>
+              <a:t/>
+            </a:r>
+            <a:br>
+              <a:rPr lang="ru-RU">
+                <a:latin typeface="Consolas" panose="020B0609020204030204" pitchFamily="49" charset="0"/>
+              </a:rPr>
+            </a:br>
+            <a:r>
+              <a:rPr lang="en-US" smtClean="0">
+                <a:latin typeface="Consolas" panose="020B0609020204030204" pitchFamily="49" charset="0"/>
+              </a:rPr>
+              <a:t>public: </a:t>
+            </a:r>
+            <a:br>
+              <a:rPr lang="en-US" smtClean="0">
+                <a:latin typeface="Consolas" panose="020B0609020204030204" pitchFamily="49" charset="0"/>
+              </a:rPr>
+            </a:br>
+            <a:r>
+              <a:rPr lang="en-US" smtClean="0">
+                <a:latin typeface="Consolas" panose="020B0609020204030204" pitchFamily="49" charset="0"/>
+              </a:rPr>
+              <a:t>  </a:t>
+            </a:r>
+            <a:r>
+              <a:rPr lang="en-US" smtClean="0">
+                <a:solidFill>
+                  <a:srgbClr val="0000FF"/>
+                </a:solidFill>
+                <a:latin typeface="Consolas" panose="020B0609020204030204" pitchFamily="49" charset="0"/>
+              </a:rPr>
+              <a:t>shared_ptr&lt;Data&gt; </a:t>
+            </a:r>
+            <a:r>
+              <a:rPr lang="en-US" smtClean="0">
+                <a:latin typeface="Consolas" panose="020B0609020204030204" pitchFamily="49" charset="0"/>
+              </a:rPr>
+              <a:t>find (int inorder_pos) {</a:t>
+            </a:r>
+            <a:r>
+              <a:rPr lang="ru-RU" smtClean="0">
+                <a:latin typeface="Consolas" panose="020B0609020204030204" pitchFamily="49" charset="0"/>
+              </a:rPr>
+              <a:t/>
+            </a:r>
+            <a:br>
+              <a:rPr lang="ru-RU" smtClean="0">
+                <a:latin typeface="Consolas" panose="020B0609020204030204" pitchFamily="49" charset="0"/>
+              </a:rPr>
+            </a:br>
+            <a:r>
+              <a:rPr lang="ru-RU" smtClean="0">
+                <a:latin typeface="Consolas" panose="020B0609020204030204" pitchFamily="49" charset="0"/>
+              </a:rPr>
+              <a:t>    </a:t>
+            </a:r>
+            <a:r>
+              <a:rPr lang="en-US" smtClean="0">
+                <a:latin typeface="Consolas" panose="020B0609020204030204" pitchFamily="49" charset="0"/>
+              </a:rPr>
+              <a:t>// </a:t>
+            </a:r>
+            <a:r>
+              <a:rPr lang="ru-RU" smtClean="0">
+                <a:latin typeface="Consolas" panose="020B0609020204030204" pitchFamily="49" charset="0"/>
+              </a:rPr>
+              <a:t>тут поиск</a:t>
+            </a:r>
+            <a:r>
+              <a:rPr lang="en-US" smtClean="0">
+                <a:latin typeface="Consolas" panose="020B0609020204030204" pitchFamily="49" charset="0"/>
+              </a:rPr>
+              <a:t>, shared_ptr&lt;Node&gt; spn</a:t>
+            </a:r>
+            <a:br>
+              <a:rPr lang="en-US" smtClean="0">
+                <a:latin typeface="Consolas" panose="020B0609020204030204" pitchFamily="49" charset="0"/>
+              </a:rPr>
+            </a:br>
+            <a:r>
+              <a:rPr lang="ru-RU" smtClean="0">
+                <a:latin typeface="Consolas" panose="020B0609020204030204" pitchFamily="49" charset="0"/>
+              </a:rPr>
+              <a:t>    </a:t>
+            </a:r>
+            <a:r>
+              <a:rPr lang="en-US" smtClean="0">
+                <a:latin typeface="Consolas" panose="020B0609020204030204" pitchFamily="49" charset="0"/>
+              </a:rPr>
+              <a:t>return </a:t>
+            </a:r>
+            <a:r>
+              <a:rPr lang="en-US" smtClean="0">
+                <a:solidFill>
+                  <a:srgbClr val="0000FF"/>
+                </a:solidFill>
+                <a:latin typeface="Consolas" panose="020B0609020204030204" pitchFamily="49" charset="0"/>
+              </a:rPr>
+              <a:t>{spn, &amp;(spn-&gt;d)}</a:t>
+            </a:r>
+            <a:r>
+              <a:rPr lang="en-US" smtClean="0">
+                <a:latin typeface="Consolas" panose="020B0609020204030204" pitchFamily="49" charset="0"/>
+              </a:rPr>
+              <a:t>;</a:t>
+            </a:r>
+            <a:br>
+              <a:rPr lang="en-US" smtClean="0">
+                <a:latin typeface="Consolas" panose="020B0609020204030204" pitchFamily="49" charset="0"/>
+              </a:rPr>
+            </a:br>
+            <a:r>
+              <a:rPr lang="en-US" smtClean="0">
+                <a:latin typeface="Consolas" panose="020B0609020204030204" pitchFamily="49" charset="0"/>
+              </a:rPr>
+              <a:t>  }</a:t>
+            </a:r>
+            <a:endParaRPr lang="ru-RU" smtClean="0">
+              <a:latin typeface="Consolas" panose="020B0609020204030204" pitchFamily="49" charset="0"/>
+            </a:endParaRPr>
+          </a:p>
+          <a:p>
+            <a:r>
+              <a:rPr lang="ru-RU" smtClean="0"/>
+              <a:t>Этого можно добиться с помощью управляемого алиасинга</a:t>
+            </a:r>
+            <a:endParaRPr lang="en-US" smtClean="0"/>
+          </a:p>
+        </p:txBody>
+      </p:sp>
+    </p:spTree>
+    <p:extLst>
+      <p:ext uri="{BB962C8B-B14F-4D97-AF65-F5344CB8AC3E}">
+        <p14:creationId xmlns:p14="http://schemas.microsoft.com/office/powerpoint/2010/main" val="1745032392"/>
+      </p:ext>
+    </p:extLst>
+  </p:cSld>
+  <p:clrMapOvr>
+    <a:masterClrMapping/>
+  </p:clrMapOvr>
+</p:sld>
+</file>
+
+<file path=ppt/slides/slide43.xml><?xml version="1.0" encoding="utf-8"?>
+<p:sld xmlns:a="http://schemas.openxmlformats.org/drawingml/2006/main" xmlns:r="http://schemas.openxmlformats.org/officeDocument/2006/relationships" xmlns:p="http://schemas.openxmlformats.org/presentationml/2006/main">
+  <p:cSld>
+    <p:spTree>
+      <p:nvGrpSpPr>
+        <p:cNvPr id="1" name=""/>
+        <p:cNvGrpSpPr/>
+        <p:nvPr/>
+      </p:nvGrpSpPr>
+      <p:grpSpPr>
+        <a:xfrm>
+          <a:off x="0" y="0"/>
+          <a:ext cx="0" cy="0"/>
+          <a:chOff x="0" y="0"/>
+          <a:chExt cx="0" cy="0"/>
+        </a:xfrm>
+      </p:grpSpPr>
+      <p:sp>
+        <p:nvSpPr>
+          <p:cNvPr id="2" name="Title 1"/>
+          <p:cNvSpPr>
+            <a:spLocks noGrp="1"/>
+          </p:cNvSpPr>
+          <p:nvPr>
+            <p:ph type="title"/>
+          </p:nvPr>
+        </p:nvSpPr>
+        <p:spPr/>
+        <p:txBody>
+          <a:bodyPr/>
+          <a:lstStyle/>
+          <a:p>
+            <a:r>
+              <a:rPr lang="ru-RU" smtClean="0"/>
+              <a:t>Как может быть устроен </a:t>
+            </a:r>
+            <a:r>
+              <a:rPr lang="en-US" smtClean="0"/>
+              <a:t>shared_ptr</a:t>
+            </a:r>
+            <a:endParaRPr lang="en-US"/>
+          </a:p>
+        </p:txBody>
+      </p:sp>
+      <p:sp>
+        <p:nvSpPr>
+          <p:cNvPr id="3" name="Content Placeholder 2"/>
+          <p:cNvSpPr>
+            <a:spLocks noGrp="1"/>
+          </p:cNvSpPr>
+          <p:nvPr>
+            <p:ph idx="1"/>
+          </p:nvPr>
+        </p:nvSpPr>
+        <p:spPr>
+          <a:xfrm>
+            <a:off x="1145649" y="5858510"/>
+            <a:ext cx="10172591" cy="506730"/>
+          </a:xfrm>
+        </p:spPr>
+        <p:txBody>
+          <a:bodyPr>
+            <a:normAutofit/>
+          </a:bodyPr>
+          <a:lstStyle/>
+          <a:p>
+            <a:r>
+              <a:rPr lang="ru-RU" sz="2400" smtClean="0"/>
+              <a:t>Этой картинке не стоит слишком уж верить, она скоро будет дополнена</a:t>
+            </a:r>
+            <a:endParaRPr lang="en-US" sz="2400"/>
+          </a:p>
+        </p:txBody>
+      </p:sp>
+      <p:sp>
+        <p:nvSpPr>
+          <p:cNvPr id="6" name="Rectangle 5"/>
+          <p:cNvSpPr/>
+          <p:nvPr/>
+        </p:nvSpPr>
+        <p:spPr>
+          <a:xfrm>
+            <a:off x="8152130" y="3202702"/>
+            <a:ext cx="1374140" cy="1334770"/>
+          </a:xfrm>
+          <a:prstGeom prst="rect">
+            <a:avLst/>
+          </a:prstGeom>
+          <a:ln>
+            <a:solidFill>
+              <a:schemeClr val="tx1"/>
+            </a:solidFill>
+          </a:ln>
+          <a:effectLst/>
+        </p:spPr>
+        <p:style>
+          <a:lnRef idx="2">
+            <a:schemeClr val="dk1"/>
+          </a:lnRef>
+          <a:fillRef idx="1">
+            <a:schemeClr val="lt1"/>
+          </a:fillRef>
+          <a:effectRef idx="0">
+            <a:schemeClr val="dk1"/>
+          </a:effectRef>
+          <a:fontRef idx="minor">
+            <a:schemeClr val="dk1"/>
+          </a:fontRef>
+        </p:style>
+        <p:txBody>
+          <a:bodyPr rtlCol="0" anchor="t" anchorCtr="0"/>
+          <a:lstStyle/>
+          <a:p>
+            <a:pPr algn="ctr"/>
+            <a:r>
+              <a:rPr lang="en-US" smtClean="0">
+                <a:ln>
+                  <a:solidFill>
+                    <a:schemeClr val="tx1"/>
+                  </a:solidFill>
+                </a:ln>
+              </a:rPr>
+              <a:t>Node</a:t>
+            </a:r>
+          </a:p>
+        </p:txBody>
+      </p:sp>
+      <p:sp>
+        <p:nvSpPr>
+          <p:cNvPr id="8" name="Rectangle 7"/>
+          <p:cNvSpPr/>
+          <p:nvPr/>
+        </p:nvSpPr>
+        <p:spPr>
+          <a:xfrm>
+            <a:off x="8152130" y="4534932"/>
+            <a:ext cx="1374140" cy="802640"/>
+          </a:xfrm>
+          <a:prstGeom prst="rect">
+            <a:avLst/>
+          </a:prstGeom>
+          <a:ln>
+            <a:solidFill>
+              <a:schemeClr val="tx1"/>
+            </a:solidFill>
+          </a:ln>
+          <a:effectLst/>
+        </p:spPr>
+        <p:style>
+          <a:lnRef idx="2">
+            <a:schemeClr val="dk1"/>
+          </a:lnRef>
+          <a:fillRef idx="1">
+            <a:schemeClr val="lt1"/>
+          </a:fillRef>
+          <a:effectRef idx="0">
+            <a:schemeClr val="dk1"/>
+          </a:effectRef>
+          <a:fontRef idx="minor">
+            <a:schemeClr val="dk1"/>
+          </a:fontRef>
+        </p:style>
+        <p:txBody>
+          <a:bodyPr rtlCol="0" anchor="ctr"/>
+          <a:lstStyle/>
+          <a:p>
+            <a:pPr algn="ctr"/>
+            <a:r>
+              <a:rPr lang="en-US" smtClean="0">
+                <a:ln>
+                  <a:solidFill>
+                    <a:schemeClr val="tx1"/>
+                  </a:solidFill>
+                </a:ln>
+              </a:rPr>
+              <a:t>Reference counter</a:t>
+            </a:r>
+            <a:endParaRPr lang="en-US">
+              <a:ln>
+                <a:solidFill>
+                  <a:schemeClr val="tx1"/>
+                </a:solidFill>
+              </a:ln>
+            </a:endParaRPr>
+          </a:p>
+        </p:txBody>
+      </p:sp>
+      <p:sp>
+        <p:nvSpPr>
+          <p:cNvPr id="11" name="Rectangle 10"/>
+          <p:cNvSpPr/>
+          <p:nvPr/>
+        </p:nvSpPr>
+        <p:spPr>
+          <a:xfrm>
+            <a:off x="7894320" y="2641600"/>
+            <a:ext cx="1925320" cy="2923540"/>
+          </a:xfrm>
+          <a:prstGeom prst="rect">
+            <a:avLst/>
+          </a:prstGeom>
+          <a:noFill/>
+          <a:ln>
+            <a:solidFill>
+              <a:schemeClr val="tx1"/>
+            </a:solidFill>
+          </a:ln>
+          <a:effectLst/>
+        </p:spPr>
+        <p:style>
+          <a:lnRef idx="2">
+            <a:schemeClr val="dk1"/>
+          </a:lnRef>
+          <a:fillRef idx="1">
+            <a:schemeClr val="lt1"/>
+          </a:fillRef>
+          <a:effectRef idx="0">
+            <a:schemeClr val="dk1"/>
+          </a:effectRef>
+          <a:fontRef idx="minor">
+            <a:schemeClr val="dk1"/>
+          </a:fontRef>
+        </p:style>
+        <p:txBody>
+          <a:bodyPr rtlCol="0" anchor="t" anchorCtr="0"/>
+          <a:lstStyle/>
+          <a:p>
+            <a:pPr algn="ctr"/>
+            <a:r>
+              <a:rPr lang="en-US" smtClean="0">
+                <a:ln>
+                  <a:solidFill>
+                    <a:schemeClr val="tx1"/>
+                  </a:solidFill>
+                </a:ln>
+              </a:rPr>
+              <a:t>Control block</a:t>
+            </a:r>
+            <a:endParaRPr lang="en-US">
+              <a:ln>
+                <a:solidFill>
+                  <a:schemeClr val="tx1"/>
+                </a:solidFill>
+              </a:ln>
+            </a:endParaRPr>
+          </a:p>
+        </p:txBody>
+      </p:sp>
+      <p:sp>
+        <p:nvSpPr>
+          <p:cNvPr id="13" name="Rectangle 12"/>
+          <p:cNvSpPr/>
+          <p:nvPr/>
+        </p:nvSpPr>
+        <p:spPr>
+          <a:xfrm>
+            <a:off x="5506720" y="2871232"/>
+            <a:ext cx="1513840" cy="802640"/>
+          </a:xfrm>
+          <a:prstGeom prst="rect">
+            <a:avLst/>
+          </a:prstGeom>
+          <a:ln>
+            <a:solidFill>
+              <a:schemeClr val="tx1"/>
+            </a:solidFill>
+          </a:ln>
+          <a:effectLst/>
+        </p:spPr>
+        <p:style>
+          <a:lnRef idx="2">
+            <a:schemeClr val="dk1"/>
+          </a:lnRef>
+          <a:fillRef idx="1">
+            <a:schemeClr val="lt1"/>
+          </a:fillRef>
+          <a:effectRef idx="0">
+            <a:schemeClr val="dk1"/>
+          </a:effectRef>
+          <a:fontRef idx="minor">
+            <a:schemeClr val="dk1"/>
+          </a:fontRef>
+        </p:style>
+        <p:txBody>
+          <a:bodyPr rtlCol="0" anchor="ctr"/>
+          <a:lstStyle/>
+          <a:p>
+            <a:pPr algn="ctr"/>
+            <a:r>
+              <a:rPr lang="en-US" smtClean="0">
+                <a:ln>
+                  <a:solidFill>
+                    <a:schemeClr val="tx1"/>
+                  </a:solidFill>
+                </a:ln>
+              </a:rPr>
+              <a:t>Control block pointer</a:t>
+            </a:r>
+            <a:endParaRPr lang="en-US">
+              <a:ln>
+                <a:solidFill>
+                  <a:schemeClr val="tx1"/>
+                </a:solidFill>
+              </a:ln>
+            </a:endParaRPr>
+          </a:p>
+        </p:txBody>
+      </p:sp>
+      <p:cxnSp>
+        <p:nvCxnSpPr>
+          <p:cNvPr id="15" name="Straight Arrow Connector 8"/>
+          <p:cNvCxnSpPr>
+            <a:stCxn id="13" idx="3"/>
+          </p:cNvCxnSpPr>
+          <p:nvPr/>
+        </p:nvCxnSpPr>
+        <p:spPr>
+          <a:xfrm>
+            <a:off x="7020560" y="3272552"/>
+            <a:ext cx="892810" cy="0"/>
+          </a:xfrm>
+          <a:prstGeom prst="straightConnector1">
+            <a:avLst/>
+          </a:prstGeom>
+          <a:ln w="28575">
+            <a:solidFill>
+              <a:schemeClr val="tx1"/>
+            </a:solidFill>
+            <a:tailEnd type="triangle" w="lg" len="lg"/>
+          </a:ln>
+        </p:spPr>
+        <p:style>
+          <a:lnRef idx="1">
+            <a:schemeClr val="accent1"/>
+          </a:lnRef>
+          <a:fillRef idx="0">
+            <a:schemeClr val="accent1"/>
+          </a:fillRef>
+          <a:effectRef idx="0">
+            <a:schemeClr val="accent1"/>
+          </a:effectRef>
+          <a:fontRef idx="minor">
+            <a:schemeClr val="tx1"/>
+          </a:fontRef>
+        </p:style>
+      </p:cxnSp>
+      <p:sp>
+        <p:nvSpPr>
+          <p:cNvPr id="17" name="Rectangle 16"/>
+          <p:cNvSpPr/>
+          <p:nvPr/>
+        </p:nvSpPr>
+        <p:spPr>
+          <a:xfrm>
+            <a:off x="5222240" y="2232660"/>
+            <a:ext cx="2103120" cy="2633980"/>
+          </a:xfrm>
+          <a:prstGeom prst="rect">
+            <a:avLst/>
+          </a:prstGeom>
+          <a:noFill/>
+          <a:ln>
+            <a:solidFill>
+              <a:schemeClr val="tx1"/>
+            </a:solidFill>
+          </a:ln>
+          <a:effectLst/>
+        </p:spPr>
+        <p:style>
+          <a:lnRef idx="2">
+            <a:schemeClr val="dk1"/>
+          </a:lnRef>
+          <a:fillRef idx="1">
+            <a:schemeClr val="lt1"/>
+          </a:fillRef>
+          <a:effectRef idx="0">
+            <a:schemeClr val="dk1"/>
+          </a:effectRef>
+          <a:fontRef idx="minor">
+            <a:schemeClr val="dk1"/>
+          </a:fontRef>
+        </p:style>
+        <p:txBody>
+          <a:bodyPr rtlCol="0" anchor="t" anchorCtr="0"/>
+          <a:lstStyle/>
+          <a:p>
+            <a:pPr algn="ctr"/>
+            <a:r>
+              <a:rPr lang="en-US" smtClean="0">
+                <a:ln>
+                  <a:solidFill>
+                    <a:schemeClr val="tx1"/>
+                  </a:solidFill>
+                </a:ln>
+              </a:rPr>
+              <a:t>shared_ptr&lt;Node&gt;</a:t>
+            </a:r>
+            <a:endParaRPr lang="en-US">
+              <a:ln>
+                <a:solidFill>
+                  <a:schemeClr val="tx1"/>
+                </a:solidFill>
+              </a:ln>
+            </a:endParaRPr>
+          </a:p>
+        </p:txBody>
+      </p:sp>
+      <p:sp>
+        <p:nvSpPr>
+          <p:cNvPr id="26" name="TextBox 25"/>
+          <p:cNvSpPr txBox="1"/>
+          <p:nvPr/>
+        </p:nvSpPr>
+        <p:spPr>
+          <a:xfrm>
+            <a:off x="814070" y="2211606"/>
+            <a:ext cx="3430270" cy="1938992"/>
+          </a:xfrm>
+          <a:prstGeom prst="rect">
+            <a:avLst/>
+          </a:prstGeom>
+          <a:noFill/>
+        </p:spPr>
+        <p:txBody>
+          <a:bodyPr wrap="square" rtlCol="0">
+            <a:spAutoFit/>
+          </a:bodyPr>
+          <a:lstStyle/>
+          <a:p>
+            <a:r>
+              <a:rPr lang="ru-RU" sz="2400" smtClean="0"/>
+              <a:t>Благодаря созданию с алиасингом, данные могут ссылаться не на все, а на часть данных контрольного блока</a:t>
+            </a:r>
+            <a:endParaRPr lang="en-US" sz="2400"/>
+          </a:p>
+        </p:txBody>
+      </p:sp>
+      <p:sp>
+        <p:nvSpPr>
+          <p:cNvPr id="14" name="Rectangle 13"/>
+          <p:cNvSpPr/>
+          <p:nvPr/>
+        </p:nvSpPr>
+        <p:spPr>
+          <a:xfrm>
+            <a:off x="8385810" y="3815477"/>
+            <a:ext cx="924560" cy="530860"/>
+          </a:xfrm>
+          <a:prstGeom prst="rect">
+            <a:avLst/>
+          </a:prstGeom>
+          <a:ln>
+            <a:solidFill>
+              <a:schemeClr val="tx1"/>
+            </a:solidFill>
+          </a:ln>
+          <a:effectLst/>
+        </p:spPr>
+        <p:style>
+          <a:lnRef idx="2">
+            <a:schemeClr val="dk1"/>
+          </a:lnRef>
+          <a:fillRef idx="1">
+            <a:schemeClr val="lt1"/>
+          </a:fillRef>
+          <a:effectRef idx="0">
+            <a:schemeClr val="dk1"/>
+          </a:effectRef>
+          <a:fontRef idx="minor">
+            <a:schemeClr val="dk1"/>
+          </a:fontRef>
+        </p:style>
+        <p:txBody>
+          <a:bodyPr rtlCol="0" anchor="ctr"/>
+          <a:lstStyle/>
+          <a:p>
+            <a:pPr algn="ctr"/>
+            <a:r>
+              <a:rPr lang="en-US" smtClean="0">
+                <a:ln>
+                  <a:solidFill>
+                    <a:schemeClr val="tx1"/>
+                  </a:solidFill>
+                </a:ln>
+              </a:rPr>
+              <a:t>Data</a:t>
+            </a:r>
+            <a:endParaRPr lang="en-US">
+              <a:ln>
+                <a:solidFill>
+                  <a:schemeClr val="tx1"/>
+                </a:solidFill>
+              </a:ln>
+            </a:endParaRPr>
+          </a:p>
+        </p:txBody>
+      </p:sp>
+      <p:sp>
+        <p:nvSpPr>
+          <p:cNvPr id="16" name="Rectangle 15"/>
+          <p:cNvSpPr/>
+          <p:nvPr/>
+        </p:nvSpPr>
+        <p:spPr>
+          <a:xfrm>
+            <a:off x="5506720" y="3678952"/>
+            <a:ext cx="1513840" cy="802640"/>
+          </a:xfrm>
+          <a:prstGeom prst="rect">
+            <a:avLst/>
+          </a:prstGeom>
+          <a:ln>
+            <a:solidFill>
+              <a:schemeClr val="tx1"/>
+            </a:solidFill>
+          </a:ln>
+          <a:effectLst/>
+        </p:spPr>
+        <p:style>
+          <a:lnRef idx="2">
+            <a:schemeClr val="dk1"/>
+          </a:lnRef>
+          <a:fillRef idx="1">
+            <a:schemeClr val="lt1"/>
+          </a:fillRef>
+          <a:effectRef idx="0">
+            <a:schemeClr val="dk1"/>
+          </a:effectRef>
+          <a:fontRef idx="minor">
+            <a:schemeClr val="dk1"/>
+          </a:fontRef>
+        </p:style>
+        <p:txBody>
+          <a:bodyPr rtlCol="0" anchor="ctr"/>
+          <a:lstStyle/>
+          <a:p>
+            <a:pPr algn="ctr"/>
+            <a:r>
+              <a:rPr lang="en-US" smtClean="0">
+                <a:ln>
+                  <a:solidFill>
+                    <a:schemeClr val="tx1"/>
+                  </a:solidFill>
+                </a:ln>
+              </a:rPr>
+              <a:t>Data pointer</a:t>
+            </a:r>
+            <a:endParaRPr lang="en-US">
+              <a:ln>
+                <a:solidFill>
+                  <a:schemeClr val="tx1"/>
+                </a:solidFill>
+              </a:ln>
+            </a:endParaRPr>
+          </a:p>
+        </p:txBody>
+      </p:sp>
+      <p:cxnSp>
+        <p:nvCxnSpPr>
+          <p:cNvPr id="18" name="Straight Arrow Connector 8"/>
+          <p:cNvCxnSpPr>
+            <a:stCxn id="16" idx="3"/>
+            <a:endCxn id="14" idx="1"/>
+          </p:cNvCxnSpPr>
+          <p:nvPr/>
+        </p:nvCxnSpPr>
+        <p:spPr>
+          <a:xfrm>
+            <a:off x="7020560" y="4080272"/>
+            <a:ext cx="1365250" cy="635"/>
+          </a:xfrm>
+          <a:prstGeom prst="straightConnector1">
+            <a:avLst/>
+          </a:prstGeom>
+          <a:ln w="28575">
+            <a:solidFill>
+              <a:schemeClr val="tx1"/>
+            </a:solidFill>
+            <a:tailEnd type="triangle" w="lg" len="lg"/>
+          </a:ln>
+        </p:spPr>
+        <p:style>
+          <a:lnRef idx="1">
+            <a:schemeClr val="accent1"/>
+          </a:lnRef>
+          <a:fillRef idx="0">
+            <a:schemeClr val="accent1"/>
+          </a:fillRef>
+          <a:effectRef idx="0">
+            <a:schemeClr val="accent1"/>
+          </a:effectRef>
+          <a:fontRef idx="minor">
+            <a:schemeClr val="tx1"/>
+          </a:fontRef>
+        </p:style>
+      </p:cxnSp>
+    </p:spTree>
+    <p:extLst>
+      <p:ext uri="{BB962C8B-B14F-4D97-AF65-F5344CB8AC3E}">
+        <p14:creationId xmlns:p14="http://schemas.microsoft.com/office/powerpoint/2010/main" val="3994538778"/>
+      </p:ext>
+    </p:extLst>
+  </p:cSld>
+  <p:clrMapOvr>
+    <a:masterClrMapping/>
+  </p:clrMapOvr>
+</p:sld>
+</file>
+
+<file path=ppt/slides/slide44.xml><?xml version="1.0" encoding="utf-8"?>
+<p:sld xmlns:a="http://schemas.openxmlformats.org/drawingml/2006/main" xmlns:r="http://schemas.openxmlformats.org/officeDocument/2006/relationships" xmlns:p="http://schemas.openxmlformats.org/presentationml/2006/main">
+  <p:cSld>
+    <p:spTree>
+      <p:nvGrpSpPr>
+        <p:cNvPr id="1" name=""/>
+        <p:cNvGrpSpPr/>
+        <p:nvPr/>
+      </p:nvGrpSpPr>
+      <p:grpSpPr>
+        <a:xfrm>
+          <a:off x="0" y="0"/>
+          <a:ext cx="0" cy="0"/>
+          <a:chOff x="0" y="0"/>
+          <a:chExt cx="0" cy="0"/>
+        </a:xfrm>
+      </p:grpSpPr>
+      <p:sp>
+        <p:nvSpPr>
+          <p:cNvPr id="2" name="Title 1"/>
+          <p:cNvSpPr>
+            <a:spLocks noGrp="1"/>
+          </p:cNvSpPr>
+          <p:nvPr>
+            <p:ph type="title"/>
+          </p:nvPr>
+        </p:nvSpPr>
+        <p:spPr/>
+        <p:txBody>
+          <a:bodyPr/>
+          <a:lstStyle/>
+          <a:p>
+            <a:r>
+              <a:rPr lang="ru-RU" smtClean="0"/>
+              <a:t>Пошарить самого себя</a:t>
+            </a:r>
+            <a:endParaRPr lang="en-US"/>
+          </a:p>
+        </p:txBody>
+      </p:sp>
+      <p:sp>
+        <p:nvSpPr>
+          <p:cNvPr id="3" name="Content Placeholder 2"/>
+          <p:cNvSpPr>
+            <a:spLocks noGrp="1"/>
+          </p:cNvSpPr>
+          <p:nvPr>
+            <p:ph idx="1"/>
+          </p:nvPr>
+        </p:nvSpPr>
+        <p:spPr/>
+        <p:txBody>
+          <a:bodyPr/>
+          <a:lstStyle/>
+          <a:p>
+            <a:r>
+              <a:rPr lang="ru-RU" smtClean="0"/>
+              <a:t>Совместное владение предполагает иной подход к копированию</a:t>
+            </a:r>
+          </a:p>
+          <a:p>
+            <a:pPr marL="45720" indent="0">
+              <a:buNone/>
+            </a:pPr>
+            <a:r>
+              <a:rPr lang="en-US"/>
+              <a:t>struct </a:t>
+            </a:r>
+            <a:r>
+              <a:rPr lang="en-US" smtClean="0"/>
+              <a:t>Bad</a:t>
+            </a:r>
+            <a:r>
+              <a:rPr lang="ru-RU"/>
+              <a:t> </a:t>
+            </a:r>
+            <a:r>
+              <a:rPr lang="en-US" smtClean="0"/>
+              <a:t>{</a:t>
+            </a:r>
+            <a:r>
+              <a:rPr lang="ru-RU" smtClean="0"/>
+              <a:t/>
+            </a:r>
+            <a:br>
+              <a:rPr lang="ru-RU" smtClean="0"/>
+            </a:br>
+            <a:r>
+              <a:rPr lang="en-US" smtClean="0"/>
+              <a:t>    </a:t>
+            </a:r>
+            <a:r>
+              <a:rPr lang="en-US"/>
+              <a:t>std::shared_ptr&lt;Bad&gt; getptr() </a:t>
+            </a:r>
+            <a:r>
+              <a:rPr lang="en-US" smtClean="0"/>
+              <a:t>{</a:t>
+            </a:r>
+            <a:r>
+              <a:rPr lang="ru-RU" smtClean="0"/>
+              <a:t/>
+            </a:r>
+            <a:br>
+              <a:rPr lang="ru-RU" smtClean="0"/>
+            </a:br>
+            <a:r>
+              <a:rPr lang="en-US" smtClean="0"/>
+              <a:t>        </a:t>
+            </a:r>
+            <a:r>
+              <a:rPr lang="en-US"/>
+              <a:t>return std::shared_ptr&lt;Bad&gt;(this</a:t>
+            </a:r>
+            <a:r>
+              <a:rPr lang="en-US" smtClean="0"/>
+              <a:t>);</a:t>
+            </a:r>
+            <a:r>
+              <a:rPr lang="ru-RU" smtClean="0"/>
+              <a:t/>
+            </a:r>
+            <a:br>
+              <a:rPr lang="ru-RU" smtClean="0"/>
+            </a:br>
+            <a:r>
+              <a:rPr lang="en-US" smtClean="0"/>
+              <a:t>    }</a:t>
+            </a:r>
+            <a:r>
+              <a:rPr lang="ru-RU"/>
+              <a:t/>
+            </a:r>
+            <a:br>
+              <a:rPr lang="ru-RU"/>
+            </a:br>
+            <a:r>
+              <a:rPr lang="en-US" smtClean="0"/>
+              <a:t>};</a:t>
+            </a:r>
+            <a:endParaRPr lang="en-US"/>
+          </a:p>
+          <a:p>
+            <a:pPr marL="45720" indent="0">
+              <a:buNone/>
+            </a:pPr>
+            <a:r>
+              <a:rPr lang="en-US"/>
+              <a:t> </a:t>
+            </a:r>
+            <a:r>
+              <a:rPr lang="en-US" smtClean="0"/>
+              <a:t>std</a:t>
+            </a:r>
+            <a:r>
+              <a:rPr lang="en-US"/>
+              <a:t>::shared_ptr&lt;Bad&gt; bp1 = std::make_shared&lt;Bad</a:t>
+            </a:r>
+            <a:r>
+              <a:rPr lang="en-US" smtClean="0"/>
+              <a:t>&gt;();</a:t>
+            </a:r>
+            <a:r>
+              <a:rPr lang="ru-RU" smtClean="0"/>
+              <a:t/>
+            </a:r>
+            <a:br>
+              <a:rPr lang="ru-RU" smtClean="0"/>
+            </a:br>
+            <a:r>
+              <a:rPr lang="en-US" smtClean="0"/>
+              <a:t> </a:t>
+            </a:r>
+            <a:r>
+              <a:rPr lang="en-US"/>
+              <a:t>std::shared_ptr&lt;Bad&gt; bp2 = bp1-&gt;getptr();</a:t>
+            </a:r>
+          </a:p>
+        </p:txBody>
+      </p:sp>
+    </p:spTree>
+    <p:extLst>
+      <p:ext uri="{BB962C8B-B14F-4D97-AF65-F5344CB8AC3E}">
+        <p14:creationId xmlns:p14="http://schemas.microsoft.com/office/powerpoint/2010/main" val="2413327544"/>
+      </p:ext>
+    </p:extLst>
+  </p:cSld>
+  <p:clrMapOvr>
+    <a:masterClrMapping/>
+  </p:clrMapOvr>
+</p:sld>
+</file>
+
+<file path=ppt/slides/slide45.xml><?xml version="1.0" encoding="utf-8"?>
+<p:sld xmlns:a="http://schemas.openxmlformats.org/drawingml/2006/main" xmlns:r="http://schemas.openxmlformats.org/officeDocument/2006/relationships" xmlns:p="http://schemas.openxmlformats.org/presentationml/2006/main">
+  <p:cSld>
+    <p:spTree>
+      <p:nvGrpSpPr>
+        <p:cNvPr id="1" name=""/>
+        <p:cNvGrpSpPr/>
+        <p:nvPr/>
+      </p:nvGrpSpPr>
+      <p:grpSpPr>
+        <a:xfrm>
+          <a:off x="0" y="0"/>
+          <a:ext cx="0" cy="0"/>
+          <a:chOff x="0" y="0"/>
+          <a:chExt cx="0" cy="0"/>
+        </a:xfrm>
+      </p:grpSpPr>
+      <p:sp>
+        <p:nvSpPr>
+          <p:cNvPr id="2" name="Title 1"/>
+          <p:cNvSpPr>
+            <a:spLocks noGrp="1"/>
+          </p:cNvSpPr>
+          <p:nvPr>
+            <p:ph type="title"/>
+          </p:nvPr>
+        </p:nvSpPr>
+        <p:spPr/>
+        <p:txBody>
+          <a:bodyPr/>
+          <a:lstStyle/>
+          <a:p>
+            <a:r>
+              <a:rPr lang="ru-RU" smtClean="0"/>
+              <a:t>Правильный вариант</a:t>
+            </a:r>
+            <a:endParaRPr lang="en-US"/>
+          </a:p>
+        </p:txBody>
+      </p:sp>
+      <p:sp>
+        <p:nvSpPr>
+          <p:cNvPr id="3" name="Content Placeholder 2"/>
+          <p:cNvSpPr>
+            <a:spLocks noGrp="1"/>
+          </p:cNvSpPr>
+          <p:nvPr>
+            <p:ph idx="1"/>
+          </p:nvPr>
+        </p:nvSpPr>
+        <p:spPr/>
+        <p:txBody>
+          <a:bodyPr/>
+          <a:lstStyle/>
+          <a:p>
+            <a:pPr marL="45720" indent="0">
+              <a:buNone/>
+            </a:pPr>
+            <a:r>
+              <a:rPr lang="en-US"/>
+              <a:t>struct Good: std::enable_shared_from_this&lt;Good&gt; </a:t>
+            </a:r>
+            <a:r>
+              <a:rPr lang="en-US" smtClean="0"/>
+              <a:t>{</a:t>
+            </a:r>
+            <a:r>
+              <a:rPr lang="ru-RU" smtClean="0"/>
+              <a:t/>
+            </a:r>
+            <a:br>
+              <a:rPr lang="ru-RU" smtClean="0"/>
+            </a:br>
+            <a:r>
+              <a:rPr lang="en-US" smtClean="0"/>
+              <a:t>    </a:t>
+            </a:r>
+            <a:r>
+              <a:rPr lang="en-US"/>
+              <a:t>std::shared_ptr&lt;Good&gt; getptr() </a:t>
+            </a:r>
+            <a:r>
+              <a:rPr lang="en-US" smtClean="0"/>
+              <a:t>{</a:t>
+            </a:r>
+            <a:r>
+              <a:rPr lang="ru-RU" smtClean="0"/>
+              <a:t/>
+            </a:r>
+            <a:br>
+              <a:rPr lang="ru-RU" smtClean="0"/>
+            </a:br>
+            <a:r>
+              <a:rPr lang="en-US" smtClean="0"/>
+              <a:t>        </a:t>
+            </a:r>
+            <a:r>
+              <a:rPr lang="en-US"/>
+              <a:t>return shared_from_this</a:t>
+            </a:r>
+            <a:r>
+              <a:rPr lang="en-US" smtClean="0"/>
+              <a:t>();</a:t>
+            </a:r>
+            <a:r>
+              <a:rPr lang="ru-RU" smtClean="0"/>
+              <a:t/>
+            </a:r>
+            <a:br>
+              <a:rPr lang="ru-RU" smtClean="0"/>
+            </a:br>
+            <a:r>
+              <a:rPr lang="en-US" smtClean="0"/>
+              <a:t>    }</a:t>
+            </a:r>
+            <a:r>
+              <a:rPr lang="ru-RU" smtClean="0"/>
+              <a:t/>
+            </a:r>
+            <a:br>
+              <a:rPr lang="ru-RU" smtClean="0"/>
+            </a:br>
+            <a:r>
+              <a:rPr lang="en-US" smtClean="0"/>
+              <a:t>};</a:t>
+            </a:r>
+            <a:endParaRPr lang="en-US"/>
+          </a:p>
+          <a:p>
+            <a:pPr marL="45720" indent="0">
+              <a:buNone/>
+            </a:pPr>
+            <a:endParaRPr lang="en-US"/>
+          </a:p>
+        </p:txBody>
+      </p:sp>
+    </p:spTree>
+    <p:extLst>
+      <p:ext uri="{BB962C8B-B14F-4D97-AF65-F5344CB8AC3E}">
+        <p14:creationId xmlns:p14="http://schemas.microsoft.com/office/powerpoint/2010/main" val="167209330"/>
+      </p:ext>
+    </p:extLst>
+  </p:cSld>
+  <p:clrMapOvr>
+    <a:masterClrMapping/>
+  </p:clrMapOvr>
+</p:sld>
+</file>
+
+<file path=ppt/slides/slide46.xml><?xml version="1.0" encoding="utf-8"?>
+<p:sld xmlns:a="http://schemas.openxmlformats.org/drawingml/2006/main" xmlns:r="http://schemas.openxmlformats.org/officeDocument/2006/relationships" xmlns:p="http://schemas.openxmlformats.org/presentationml/2006/main">
+  <p:cSld>
+    <p:spTree>
+      <p:nvGrpSpPr>
+        <p:cNvPr id="1" name=""/>
+        <p:cNvGrpSpPr/>
+        <p:nvPr/>
+      </p:nvGrpSpPr>
+      <p:grpSpPr>
+        <a:xfrm>
+          <a:off x="0" y="0"/>
+          <a:ext cx="0" cy="0"/>
+          <a:chOff x="0" y="0"/>
+          <a:chExt cx="0" cy="0"/>
+        </a:xfrm>
+      </p:grpSpPr>
+      <p:sp>
+        <p:nvSpPr>
+          <p:cNvPr id="2" name="Title 1"/>
+          <p:cNvSpPr>
+            <a:spLocks noGrp="1"/>
+          </p:cNvSpPr>
+          <p:nvPr>
+            <p:ph type="title"/>
+          </p:nvPr>
+        </p:nvSpPr>
+        <p:spPr/>
+        <p:txBody>
+          <a:bodyPr/>
+          <a:lstStyle/>
+          <a:p>
+            <a:r>
+              <a:rPr lang="ru-RU" smtClean="0"/>
+              <a:t>Неправильное использование</a:t>
+            </a:r>
+            <a:endParaRPr lang="en-US"/>
+          </a:p>
+        </p:txBody>
+      </p:sp>
+      <p:sp>
+        <p:nvSpPr>
+          <p:cNvPr id="3" name="Content Placeholder 2"/>
+          <p:cNvSpPr>
+            <a:spLocks noGrp="1"/>
+          </p:cNvSpPr>
+          <p:nvPr>
+            <p:ph idx="1"/>
+          </p:nvPr>
+        </p:nvSpPr>
+        <p:spPr/>
+        <p:txBody>
+          <a:bodyPr/>
+          <a:lstStyle/>
+          <a:p>
+            <a:pPr marL="45720" indent="0">
+              <a:buNone/>
+            </a:pPr>
+            <a:endParaRPr lang="en-US"/>
+          </a:p>
+          <a:p>
+            <a:pPr marL="45720" indent="0">
+              <a:buNone/>
+            </a:pPr>
+            <a:r>
+              <a:rPr lang="en-US" smtClean="0"/>
+              <a:t>Good not_so_good;</a:t>
+            </a:r>
+            <a:r>
+              <a:rPr lang="ru-RU" smtClean="0"/>
+              <a:t/>
+            </a:r>
+            <a:br>
+              <a:rPr lang="ru-RU" smtClean="0"/>
+            </a:br>
+            <a:r>
+              <a:rPr lang="en-US" smtClean="0"/>
+              <a:t>std</a:t>
+            </a:r>
+            <a:r>
+              <a:rPr lang="en-US"/>
+              <a:t>::shared_ptr&lt;Good&gt; gp1 = not_so_good.getptr</a:t>
+            </a:r>
+            <a:r>
+              <a:rPr lang="en-US" smtClean="0"/>
+              <a:t>();</a:t>
+            </a:r>
+          </a:p>
+          <a:p>
+            <a:pPr marL="45720" indent="0">
+              <a:buNone/>
+            </a:pPr>
+            <a:r>
+              <a:rPr lang="ru-RU" smtClean="0"/>
+              <a:t>В С++14 это </a:t>
+            </a:r>
+            <a:r>
+              <a:rPr lang="en-US" smtClean="0"/>
+              <a:t>UB</a:t>
+            </a:r>
+            <a:endParaRPr lang="ru-RU" smtClean="0"/>
+          </a:p>
+          <a:p>
+            <a:pPr marL="45720" indent="0">
+              <a:buNone/>
+            </a:pPr>
+            <a:r>
+              <a:rPr lang="ru-RU" smtClean="0"/>
+              <a:t>В </a:t>
+            </a:r>
+            <a:r>
+              <a:rPr lang="en-US" smtClean="0"/>
+              <a:t>C++17 </a:t>
+            </a:r>
+            <a:r>
+              <a:rPr lang="ru-RU" smtClean="0"/>
+              <a:t>это приводит к выбросу исключения </a:t>
+            </a:r>
+            <a:r>
+              <a:rPr lang="en-US" smtClean="0"/>
+              <a:t>std::bad_weak_ptr</a:t>
+            </a:r>
+            <a:endParaRPr lang="ru-RU"/>
+          </a:p>
+        </p:txBody>
+      </p:sp>
+    </p:spTree>
+    <p:extLst>
+      <p:ext uri="{BB962C8B-B14F-4D97-AF65-F5344CB8AC3E}">
+        <p14:creationId xmlns:p14="http://schemas.microsoft.com/office/powerpoint/2010/main" val="884013084"/>
+      </p:ext>
+    </p:extLst>
+  </p:cSld>
+  <p:clrMapOvr>
+    <a:masterClrMapping/>
+  </p:clrMapOvr>
+</p:sld>
+</file>
+
+<file path=ppt/slides/slide47.xml><?xml version="1.0" encoding="utf-8"?>
+<p:sld xmlns:a="http://schemas.openxmlformats.org/drawingml/2006/main" xmlns:r="http://schemas.openxmlformats.org/officeDocument/2006/relationships" xmlns:p="http://schemas.openxmlformats.org/presentationml/2006/main">
+  <p:cSld>
+    <p:spTree>
+      <p:nvGrpSpPr>
+        <p:cNvPr id="1" name=""/>
+        <p:cNvGrpSpPr/>
+        <p:nvPr/>
+      </p:nvGrpSpPr>
+      <p:grpSpPr>
+        <a:xfrm>
+          <a:off x="0" y="0"/>
+          <a:ext cx="0" cy="0"/>
+          <a:chOff x="0" y="0"/>
+          <a:chExt cx="0" cy="0"/>
+        </a:xfrm>
+      </p:grpSpPr>
+      <p:sp>
+        <p:nvSpPr>
+          <p:cNvPr id="2" name="Title 1"/>
+          <p:cNvSpPr>
+            <a:spLocks noGrp="1"/>
+          </p:cNvSpPr>
+          <p:nvPr>
+            <p:ph type="title"/>
+          </p:nvPr>
+        </p:nvSpPr>
+        <p:spPr/>
+        <p:txBody>
+          <a:bodyPr/>
+          <a:lstStyle/>
+          <a:p>
+            <a:r>
+              <a:rPr lang="ru-RU" smtClean="0"/>
+              <a:t>Приведение</a:t>
+            </a:r>
+            <a:endParaRPr lang="en-US"/>
+          </a:p>
+        </p:txBody>
+      </p:sp>
+      <p:sp>
+        <p:nvSpPr>
+          <p:cNvPr id="3" name="Content Placeholder 2"/>
+          <p:cNvSpPr>
+            <a:spLocks noGrp="1"/>
+          </p:cNvSpPr>
+          <p:nvPr>
+            <p:ph idx="1"/>
+          </p:nvPr>
+        </p:nvSpPr>
+        <p:spPr/>
+        <p:txBody>
+          <a:bodyPr/>
+          <a:lstStyle/>
+          <a:p>
+            <a:r>
+              <a:rPr lang="ru-RU" smtClean="0"/>
+              <a:t>Тут про </a:t>
+            </a:r>
+            <a:r>
+              <a:rPr lang="en-US" smtClean="0"/>
+              <a:t>static_pointer_cast</a:t>
+            </a:r>
+            <a:endParaRPr lang="en-US"/>
+          </a:p>
+        </p:txBody>
+      </p:sp>
+    </p:spTree>
+    <p:extLst>
+      <p:ext uri="{BB962C8B-B14F-4D97-AF65-F5344CB8AC3E}">
+        <p14:creationId xmlns:p14="http://schemas.microsoft.com/office/powerpoint/2010/main" val="444166757"/>
+      </p:ext>
+    </p:extLst>
+  </p:cSld>
+  <p:clrMapOvr>
+    <a:masterClrMapping/>
+  </p:clrMapOvr>
+</p:sld>
+</file>
+
+<file path=ppt/slides/slide48.xml><?xml version="1.0" encoding="utf-8"?>
+<p:sld xmlns:a="http://schemas.openxmlformats.org/drawingml/2006/main" xmlns:r="http://schemas.openxmlformats.org/officeDocument/2006/relationships" xmlns:p="http://schemas.openxmlformats.org/presentationml/2006/main">
+  <p:cSld>
+    <p:spTree>
+      <p:nvGrpSpPr>
+        <p:cNvPr id="1" name=""/>
+        <p:cNvGrpSpPr/>
+        <p:nvPr/>
+      </p:nvGrpSpPr>
+      <p:grpSpPr>
+        <a:xfrm>
+          <a:off x="0" y="0"/>
+          <a:ext cx="0" cy="0"/>
+          <a:chOff x="0" y="0"/>
+          <a:chExt cx="0" cy="0"/>
+        </a:xfrm>
+      </p:grpSpPr>
+      <p:sp>
+        <p:nvSpPr>
+          <p:cNvPr id="2" name="Title 1"/>
+          <p:cNvSpPr>
+            <a:spLocks noGrp="1"/>
+          </p:cNvSpPr>
+          <p:nvPr>
+            <p:ph type="title"/>
+          </p:nvPr>
+        </p:nvSpPr>
+        <p:spPr/>
+        <p:txBody>
+          <a:bodyPr/>
+          <a:lstStyle/>
+          <a:p>
+            <a:r>
+              <a:rPr lang="ru-RU" smtClean="0"/>
+              <a:t>Обсуждение</a:t>
+            </a:r>
+            <a:endParaRPr lang="en-US"/>
+          </a:p>
+        </p:txBody>
+      </p:sp>
+      <p:sp>
+        <p:nvSpPr>
+          <p:cNvPr id="3" name="Content Placeholder 2"/>
+          <p:cNvSpPr>
+            <a:spLocks noGrp="1"/>
+          </p:cNvSpPr>
+          <p:nvPr>
+            <p:ph idx="1"/>
+          </p:nvPr>
+        </p:nvSpPr>
+        <p:spPr/>
+        <p:txBody>
+          <a:bodyPr/>
+          <a:lstStyle/>
+          <a:p>
+            <a:r>
+              <a:rPr lang="ru-RU" smtClean="0"/>
+              <a:t>Во многих языках нет ничего, кроме </a:t>
+            </a:r>
+            <a:r>
+              <a:rPr lang="en-US" smtClean="0"/>
+              <a:t>shared_pointers </a:t>
+            </a:r>
+            <a:r>
+              <a:rPr lang="ru-RU" smtClean="0"/>
+              <a:t>и люди ничего, живут</a:t>
+            </a:r>
+          </a:p>
+          <a:p>
+            <a:r>
+              <a:rPr lang="ru-RU" smtClean="0"/>
+              <a:t>Какие основные проблемы создаёт копирование и подсчёт ссылок?</a:t>
+            </a:r>
+            <a:endParaRPr lang="en-US"/>
+          </a:p>
+        </p:txBody>
+      </p:sp>
+    </p:spTree>
+    <p:extLst>
+      <p:ext uri="{BB962C8B-B14F-4D97-AF65-F5344CB8AC3E}">
+        <p14:creationId xmlns:p14="http://schemas.microsoft.com/office/powerpoint/2010/main" val="573304325"/>
+      </p:ext>
+    </p:extLst>
+  </p:cSld>
+  <p:clrMapOvr>
+    <a:masterClrMapping/>
+  </p:clrMapOvr>
+</p:sld>
+</file>
+
+<file path=ppt/slides/slide49.xml><?xml version="1.0" encoding="utf-8"?>
+<p:sld xmlns:a="http://schemas.openxmlformats.org/drawingml/2006/main" xmlns:r="http://schemas.openxmlformats.org/officeDocument/2006/relationships" xmlns:p="http://schemas.openxmlformats.org/presentationml/2006/main">
+  <p:cSld>
+    <p:spTree>
+      <p:nvGrpSpPr>
+        <p:cNvPr id="1" name=""/>
+        <p:cNvGrpSpPr/>
+        <p:nvPr/>
+      </p:nvGrpSpPr>
+      <p:grpSpPr>
+        <a:xfrm>
+          <a:off x="0" y="0"/>
+          <a:ext cx="0" cy="0"/>
+          <a:chOff x="0" y="0"/>
+          <a:chExt cx="0" cy="0"/>
+        </a:xfrm>
+      </p:grpSpPr>
+      <p:sp>
+        <p:nvSpPr>
+          <p:cNvPr id="3" name="Content Placeholder 2"/>
+          <p:cNvSpPr>
+            <a:spLocks noGrp="1"/>
+          </p:cNvSpPr>
+          <p:nvPr>
+            <p:ph idx="1"/>
+          </p:nvPr>
+        </p:nvSpPr>
+        <p:spPr>
+          <a:xfrm>
+            <a:off x="1143000" y="742122"/>
+            <a:ext cx="9872871" cy="5353878"/>
+          </a:xfrm>
+        </p:spPr>
+        <p:txBody>
+          <a:bodyPr>
+            <a:noAutofit/>
+          </a:bodyPr>
+          <a:lstStyle/>
+          <a:p>
+            <a:pPr>
+              <a:lnSpc>
+                <a:spcPct val="150000"/>
+              </a:lnSpc>
+              <a:buFont typeface="Wingdings" panose="05000000000000000000" pitchFamily="2" charset="2"/>
+              <a:buChar char="q"/>
+            </a:pPr>
+            <a:r>
+              <a:rPr lang="ru-RU" sz="4800" smtClean="0"/>
+              <a:t> Постановка и история вопроса</a:t>
+            </a:r>
+          </a:p>
+          <a:p>
+            <a:pPr>
+              <a:lnSpc>
+                <a:spcPct val="150000"/>
+              </a:lnSpc>
+              <a:buFont typeface="Wingdings" panose="05000000000000000000" pitchFamily="2" charset="2"/>
+              <a:buChar char="q"/>
+            </a:pPr>
+            <a:r>
+              <a:rPr lang="ru-RU" sz="4800" smtClean="0"/>
+              <a:t> Уникальное владение</a:t>
+            </a:r>
+          </a:p>
+          <a:p>
+            <a:pPr>
+              <a:lnSpc>
+                <a:spcPct val="150000"/>
+              </a:lnSpc>
+              <a:buFont typeface="Wingdings" panose="05000000000000000000" pitchFamily="2" charset="2"/>
+              <a:buChar char="q"/>
+            </a:pPr>
+            <a:r>
+              <a:rPr lang="ru-RU" sz="4800" smtClean="0"/>
+              <a:t> Совместное владение</a:t>
+            </a:r>
+            <a:endParaRPr lang="en-US" sz="4800" smtClean="0"/>
+          </a:p>
+          <a:p>
+            <a:pPr>
+              <a:lnSpc>
+                <a:spcPct val="150000"/>
+              </a:lnSpc>
+              <a:buFont typeface="Wingdings" panose="05000000000000000000" pitchFamily="2" charset="2"/>
+              <a:buChar char="Ø"/>
+            </a:pPr>
+            <a:r>
+              <a:rPr lang="en-US" sz="4800"/>
+              <a:t> </a:t>
+            </a:r>
+            <a:r>
+              <a:rPr lang="ru-RU" sz="4800" smtClean="0"/>
+              <a:t>Закольцованный мир</a:t>
+            </a:r>
+          </a:p>
+        </p:txBody>
+      </p:sp>
+    </p:spTree>
+    <p:extLst>
+      <p:ext uri="{BB962C8B-B14F-4D97-AF65-F5344CB8AC3E}">
+        <p14:creationId xmlns:p14="http://schemas.microsoft.com/office/powerpoint/2010/main" val="2764664819"/>
+      </p:ext>
+    </p:extLst>
+  </p:cSld>
+  <p:clrMapOvr>
+    <a:masterClrMapping/>
+  </p:clrMapOvr>
+</p:sld>
+</file>
+
 <file path=ppt/slides/slide5.xml><?xml version="1.0" encoding="utf-8"?>
 <p:sld xmlns:a="http://schemas.openxmlformats.org/drawingml/2006/main" xmlns:r="http://schemas.openxmlformats.org/officeDocument/2006/relationships" xmlns:p="http://schemas.openxmlformats.org/presentationml/2006/main">
   <p:cSld>
@@ -10073,6 +14721,3931 @@
     <p:extLst>
       <p:ext uri="{BB962C8B-B14F-4D97-AF65-F5344CB8AC3E}">
         <p14:creationId xmlns:p14="http://schemas.microsoft.com/office/powerpoint/2010/main" val="2707104984"/>
+      </p:ext>
+    </p:extLst>
+  </p:cSld>
+  <p:clrMapOvr>
+    <a:masterClrMapping/>
+  </p:clrMapOvr>
+</p:sld>
+</file>
+
+<file path=ppt/slides/slide50.xml><?xml version="1.0" encoding="utf-8"?>
+<p:sld xmlns:a="http://schemas.openxmlformats.org/drawingml/2006/main" xmlns:r="http://schemas.openxmlformats.org/officeDocument/2006/relationships" xmlns:p="http://schemas.openxmlformats.org/presentationml/2006/main">
+  <p:cSld>
+    <p:spTree>
+      <p:nvGrpSpPr>
+        <p:cNvPr id="1" name=""/>
+        <p:cNvGrpSpPr/>
+        <p:nvPr/>
+      </p:nvGrpSpPr>
+      <p:grpSpPr>
+        <a:xfrm>
+          <a:off x="0" y="0"/>
+          <a:ext cx="0" cy="0"/>
+          <a:chOff x="0" y="0"/>
+          <a:chExt cx="0" cy="0"/>
+        </a:xfrm>
+      </p:grpSpPr>
+      <p:sp>
+        <p:nvSpPr>
+          <p:cNvPr id="2" name="Title 1"/>
+          <p:cNvSpPr>
+            <a:spLocks noGrp="1"/>
+          </p:cNvSpPr>
+          <p:nvPr>
+            <p:ph type="title"/>
+          </p:nvPr>
+        </p:nvSpPr>
+        <p:spPr/>
+        <p:txBody>
+          <a:bodyPr/>
+          <a:lstStyle/>
+          <a:p>
+            <a:r>
+              <a:rPr lang="ru-RU" smtClean="0"/>
+              <a:t>Закольцованные указатели</a:t>
+            </a:r>
+            <a:endParaRPr lang="en-US"/>
+          </a:p>
+        </p:txBody>
+      </p:sp>
+      <p:sp>
+        <p:nvSpPr>
+          <p:cNvPr id="3" name="Content Placeholder 2"/>
+          <p:cNvSpPr>
+            <a:spLocks noGrp="1"/>
+          </p:cNvSpPr>
+          <p:nvPr>
+            <p:ph idx="1"/>
+          </p:nvPr>
+        </p:nvSpPr>
+        <p:spPr>
+          <a:xfrm>
+            <a:off x="1143000" y="2057400"/>
+            <a:ext cx="9872871" cy="4270248"/>
+          </a:xfrm>
+        </p:spPr>
+        <p:txBody>
+          <a:bodyPr/>
+          <a:lstStyle/>
+          <a:p>
+            <a:r>
+              <a:rPr lang="ru-RU" smtClean="0"/>
+              <a:t>Главная проблема указателей с совместным владением это возможность циркулярных ссылок</a:t>
+            </a:r>
+          </a:p>
+          <a:p>
+            <a:pPr marL="45720" indent="0">
+              <a:buNone/>
+            </a:pPr>
+            <a:r>
+              <a:rPr lang="en-US" smtClean="0">
+                <a:latin typeface="Consolas" panose="020B0609020204030204" pitchFamily="49" charset="0"/>
+              </a:rPr>
+              <a:t>struct Node {</a:t>
+            </a:r>
+            <a:br>
+              <a:rPr lang="en-US" smtClean="0">
+                <a:latin typeface="Consolas" panose="020B0609020204030204" pitchFamily="49" charset="0"/>
+              </a:rPr>
+            </a:br>
+            <a:r>
+              <a:rPr lang="en-US" smtClean="0">
+                <a:latin typeface="Consolas" panose="020B0609020204030204" pitchFamily="49" charset="0"/>
+              </a:rPr>
+              <a:t>  shared_ptr&lt;Node&gt; parent, left, right;</a:t>
+            </a:r>
+            <a:br>
+              <a:rPr lang="en-US" smtClean="0">
+                <a:latin typeface="Consolas" panose="020B0609020204030204" pitchFamily="49" charset="0"/>
+              </a:rPr>
+            </a:br>
+            <a:r>
+              <a:rPr lang="en-US" smtClean="0">
+                <a:latin typeface="Consolas" panose="020B0609020204030204" pitchFamily="49" charset="0"/>
+              </a:rPr>
+              <a:t>};</a:t>
+            </a:r>
+          </a:p>
+          <a:p>
+            <a:pPr marL="45720" indent="0">
+              <a:buNone/>
+            </a:pPr>
+            <a:r>
+              <a:rPr lang="en-US">
+                <a:latin typeface="Consolas" panose="020B0609020204030204" pitchFamily="49" charset="0"/>
+              </a:rPr>
+              <a:t>{</a:t>
+            </a:r>
+            <a:r>
+              <a:rPr lang="ru-RU" smtClean="0">
+                <a:latin typeface="Consolas" panose="020B0609020204030204" pitchFamily="49" charset="0"/>
+              </a:rPr>
+              <a:t/>
+            </a:r>
+            <a:br>
+              <a:rPr lang="ru-RU" smtClean="0">
+                <a:latin typeface="Consolas" panose="020B0609020204030204" pitchFamily="49" charset="0"/>
+              </a:rPr>
+            </a:br>
+            <a:r>
+              <a:rPr lang="en-US" smtClean="0">
+                <a:latin typeface="Consolas" panose="020B0609020204030204" pitchFamily="49" charset="0"/>
+              </a:rPr>
+              <a:t>  shared_ptr&lt;Node</a:t>
+            </a:r>
+            <a:r>
+              <a:rPr lang="en-US">
+                <a:latin typeface="Consolas" panose="020B0609020204030204" pitchFamily="49" charset="0"/>
+              </a:rPr>
+              <a:t>&gt; </a:t>
+            </a:r>
+            <a:r>
+              <a:rPr lang="en-US" smtClean="0">
+                <a:latin typeface="Consolas" panose="020B0609020204030204" pitchFamily="49" charset="0"/>
+              </a:rPr>
+              <a:t>master </a:t>
+            </a:r>
+            <a:r>
+              <a:rPr lang="en-US">
+                <a:latin typeface="Consolas" panose="020B0609020204030204" pitchFamily="49" charset="0"/>
+              </a:rPr>
+              <a:t>= </a:t>
+            </a:r>
+            <a:r>
+              <a:rPr lang="en-US">
+                <a:latin typeface="Consolas" panose="020B0609020204030204" pitchFamily="49" charset="0"/>
+              </a:rPr>
+              <a:t>make_shared&lt;Node</a:t>
+            </a:r>
+            <a:r>
+              <a:rPr lang="en-US" smtClean="0">
+                <a:latin typeface="Consolas" panose="020B0609020204030204" pitchFamily="49" charset="0"/>
+              </a:rPr>
+              <a:t>&gt;(); // </a:t>
+            </a:r>
+            <a:r>
+              <a:rPr lang="ru-RU" smtClean="0">
+                <a:latin typeface="Consolas" panose="020B0609020204030204" pitchFamily="49" charset="0"/>
+              </a:rPr>
+              <a:t>счётчик</a:t>
+            </a:r>
+            <a:r>
+              <a:rPr lang="en-US">
+                <a:latin typeface="Consolas" panose="020B0609020204030204" pitchFamily="49" charset="0"/>
+              </a:rPr>
+              <a:t>:</a:t>
+            </a:r>
+            <a:r>
+              <a:rPr lang="en-US" smtClean="0">
+                <a:latin typeface="Consolas" panose="020B0609020204030204" pitchFamily="49" charset="0"/>
+              </a:rPr>
+              <a:t>1</a:t>
+            </a:r>
+            <a:br>
+              <a:rPr lang="en-US" smtClean="0">
+                <a:latin typeface="Consolas" panose="020B0609020204030204" pitchFamily="49" charset="0"/>
+              </a:rPr>
+            </a:br>
+            <a:r>
+              <a:rPr lang="en-US" smtClean="0">
+                <a:latin typeface="Consolas" panose="020B0609020204030204" pitchFamily="49" charset="0"/>
+              </a:rPr>
+              <a:t>  shared_ptr&lt;Node&gt; slave = make_shared&lt;Node&gt;(); // </a:t>
+            </a:r>
+            <a:r>
+              <a:rPr lang="ru-RU" smtClean="0">
+                <a:latin typeface="Consolas" panose="020B0609020204030204" pitchFamily="49" charset="0"/>
+              </a:rPr>
+              <a:t>счётчик:</a:t>
+            </a:r>
+            <a:r>
+              <a:rPr lang="en-US" smtClean="0">
+                <a:latin typeface="Consolas" panose="020B0609020204030204" pitchFamily="49" charset="0"/>
+              </a:rPr>
+              <a:t>1</a:t>
+            </a:r>
+            <a:br>
+              <a:rPr lang="en-US" smtClean="0">
+                <a:latin typeface="Consolas" panose="020B0609020204030204" pitchFamily="49" charset="0"/>
+              </a:rPr>
+            </a:br>
+            <a:r>
+              <a:rPr lang="en-US" smtClean="0">
+                <a:latin typeface="Consolas" panose="020B0609020204030204" pitchFamily="49" charset="0"/>
+              </a:rPr>
+              <a:t>  slave.parent = master;</a:t>
+            </a:r>
+            <a:r>
+              <a:rPr lang="ru-RU" smtClean="0">
+                <a:latin typeface="Consolas" panose="020B0609020204030204" pitchFamily="49" charset="0"/>
+              </a:rPr>
+              <a:t> </a:t>
+            </a:r>
+            <a:r>
+              <a:rPr lang="en-US" smtClean="0">
+                <a:latin typeface="Consolas" panose="020B0609020204030204" pitchFamily="49" charset="0"/>
+              </a:rPr>
+              <a:t>// </a:t>
+            </a:r>
+            <a:r>
+              <a:rPr lang="ru-RU" smtClean="0">
+                <a:latin typeface="Consolas" panose="020B0609020204030204" pitchFamily="49" charset="0"/>
+              </a:rPr>
+              <a:t>счётчик:2</a:t>
+            </a:r>
+            <a:r>
+              <a:rPr lang="en-US" smtClean="0">
+                <a:latin typeface="Consolas" panose="020B0609020204030204" pitchFamily="49" charset="0"/>
+              </a:rPr>
+              <a:t/>
+            </a:r>
+            <a:br>
+              <a:rPr lang="en-US" smtClean="0">
+                <a:latin typeface="Consolas" panose="020B0609020204030204" pitchFamily="49" charset="0"/>
+              </a:rPr>
+            </a:br>
+            <a:r>
+              <a:rPr lang="en-US" smtClean="0">
+                <a:latin typeface="Consolas" panose="020B0609020204030204" pitchFamily="49" charset="0"/>
+              </a:rPr>
+              <a:t>  master.left = slave;</a:t>
+            </a:r>
+            <a:r>
+              <a:rPr lang="ru-RU" smtClean="0">
+                <a:latin typeface="Consolas" panose="020B0609020204030204" pitchFamily="49" charset="0"/>
+              </a:rPr>
+              <a:t> </a:t>
+            </a:r>
+            <a:r>
+              <a:rPr lang="en-US" smtClean="0">
+                <a:latin typeface="Consolas" panose="020B0609020204030204" pitchFamily="49" charset="0"/>
+              </a:rPr>
+              <a:t>// </a:t>
+            </a:r>
+            <a:r>
+              <a:rPr lang="ru-RU" smtClean="0">
+                <a:latin typeface="Consolas" panose="020B0609020204030204" pitchFamily="49" charset="0"/>
+              </a:rPr>
+              <a:t>счётчик:2</a:t>
+            </a:r>
+            <a:r>
+              <a:rPr lang="en-US" smtClean="0">
+                <a:latin typeface="Consolas" panose="020B0609020204030204" pitchFamily="49" charset="0"/>
+              </a:rPr>
+              <a:t/>
+            </a:r>
+            <a:br>
+              <a:rPr lang="en-US" smtClean="0">
+                <a:latin typeface="Consolas" panose="020B0609020204030204" pitchFamily="49" charset="0"/>
+              </a:rPr>
+            </a:br>
+            <a:r>
+              <a:rPr lang="en-US" smtClean="0">
+                <a:latin typeface="Consolas" panose="020B0609020204030204" pitchFamily="49" charset="0"/>
+              </a:rPr>
+              <a:t>} </a:t>
+            </a:r>
+            <a:r>
+              <a:rPr lang="en-US" smtClean="0">
+                <a:solidFill>
+                  <a:srgbClr val="FF0000"/>
+                </a:solidFill>
+                <a:latin typeface="Consolas" panose="020B0609020204030204" pitchFamily="49" charset="0"/>
+              </a:rPr>
+              <a:t>// LEAK</a:t>
+            </a:r>
+            <a:endParaRPr lang="ru-RU" smtClean="0">
+              <a:solidFill>
+                <a:srgbClr val="FF0000"/>
+              </a:solidFill>
+              <a:latin typeface="Consolas" panose="020B0609020204030204" pitchFamily="49" charset="0"/>
+            </a:endParaRPr>
+          </a:p>
+          <a:p>
+            <a:r>
+              <a:rPr lang="ru-RU" smtClean="0"/>
+              <a:t>Теперь эта сладкая пара не умрёт</a:t>
+            </a:r>
+            <a:r>
+              <a:rPr lang="en-US" smtClean="0"/>
+              <a:t> </a:t>
+            </a:r>
+            <a:r>
+              <a:rPr lang="ru-RU" smtClean="0"/>
+              <a:t>на выходе из области видимости</a:t>
+            </a:r>
+            <a:r>
+              <a:rPr lang="en-US" smtClean="0"/>
+              <a:t>.</a:t>
+            </a:r>
+            <a:endParaRPr lang="en-US"/>
+          </a:p>
+        </p:txBody>
+      </p:sp>
+    </p:spTree>
+    <p:extLst>
+      <p:ext uri="{BB962C8B-B14F-4D97-AF65-F5344CB8AC3E}">
+        <p14:creationId xmlns:p14="http://schemas.microsoft.com/office/powerpoint/2010/main" val="2811232442"/>
+      </p:ext>
+    </p:extLst>
+  </p:cSld>
+  <p:clrMapOvr>
+    <a:masterClrMapping/>
+  </p:clrMapOvr>
+</p:sld>
+</file>
+
+<file path=ppt/slides/slide51.xml><?xml version="1.0" encoding="utf-8"?>
+<p:sld xmlns:a="http://schemas.openxmlformats.org/drawingml/2006/main" xmlns:r="http://schemas.openxmlformats.org/officeDocument/2006/relationships" xmlns:p="http://schemas.openxmlformats.org/presentationml/2006/main">
+  <p:cSld>
+    <p:spTree>
+      <p:nvGrpSpPr>
+        <p:cNvPr id="1" name=""/>
+        <p:cNvGrpSpPr/>
+        <p:nvPr/>
+      </p:nvGrpSpPr>
+      <p:grpSpPr>
+        <a:xfrm>
+          <a:off x="0" y="0"/>
+          <a:ext cx="0" cy="0"/>
+          <a:chOff x="0" y="0"/>
+          <a:chExt cx="0" cy="0"/>
+        </a:xfrm>
+      </p:grpSpPr>
+      <p:sp>
+        <p:nvSpPr>
+          <p:cNvPr id="2" name="Title 1"/>
+          <p:cNvSpPr>
+            <a:spLocks noGrp="1"/>
+          </p:cNvSpPr>
+          <p:nvPr>
+            <p:ph type="title"/>
+          </p:nvPr>
+        </p:nvSpPr>
+        <p:spPr/>
+        <p:txBody>
+          <a:bodyPr/>
+          <a:lstStyle/>
+          <a:p>
+            <a:r>
+              <a:rPr lang="ru-RU" smtClean="0"/>
+              <a:t>Решение: слабые указатели</a:t>
+            </a:r>
+            <a:endParaRPr lang="en-US"/>
+          </a:p>
+        </p:txBody>
+      </p:sp>
+      <p:sp>
+        <p:nvSpPr>
+          <p:cNvPr id="3" name="Content Placeholder 2"/>
+          <p:cNvSpPr>
+            <a:spLocks noGrp="1"/>
+          </p:cNvSpPr>
+          <p:nvPr>
+            <p:ph idx="1"/>
+          </p:nvPr>
+        </p:nvSpPr>
+        <p:spPr>
+          <a:xfrm>
+            <a:off x="1143000" y="2057400"/>
+            <a:ext cx="9872871" cy="4270248"/>
+          </a:xfrm>
+        </p:spPr>
+        <p:txBody>
+          <a:bodyPr/>
+          <a:lstStyle/>
+          <a:p>
+            <a:r>
+              <a:rPr lang="ru-RU" smtClean="0"/>
+              <a:t>Слабый указатель не владеет объектом, на который указывает</a:t>
+            </a:r>
+          </a:p>
+          <a:p>
+            <a:pPr marL="45720" indent="0">
+              <a:buNone/>
+            </a:pPr>
+            <a:r>
+              <a:rPr lang="en-US" smtClean="0">
+                <a:latin typeface="Consolas" panose="020B0609020204030204" pitchFamily="49" charset="0"/>
+              </a:rPr>
+              <a:t>struct Node {</a:t>
+            </a:r>
+            <a:br>
+              <a:rPr lang="en-US" smtClean="0">
+                <a:latin typeface="Consolas" panose="020B0609020204030204" pitchFamily="49" charset="0"/>
+              </a:rPr>
+            </a:br>
+            <a:r>
+              <a:rPr lang="en-US" smtClean="0">
+                <a:latin typeface="Consolas" panose="020B0609020204030204" pitchFamily="49" charset="0"/>
+              </a:rPr>
+              <a:t>  weak_ptr&lt;Node&gt; parent</a:t>
+            </a:r>
+            <a:r>
+              <a:rPr lang="ru-RU" smtClean="0">
+                <a:latin typeface="Consolas" panose="020B0609020204030204" pitchFamily="49" charset="0"/>
+              </a:rPr>
+              <a:t/>
+            </a:r>
+            <a:br>
+              <a:rPr lang="ru-RU" smtClean="0">
+                <a:latin typeface="Consolas" panose="020B0609020204030204" pitchFamily="49" charset="0"/>
+              </a:rPr>
+            </a:br>
+            <a:r>
+              <a:rPr lang="ru-RU" smtClean="0">
+                <a:latin typeface="Consolas" panose="020B0609020204030204" pitchFamily="49" charset="0"/>
+              </a:rPr>
+              <a:t> </a:t>
+            </a:r>
+            <a:r>
+              <a:rPr lang="en-US" smtClean="0">
+                <a:latin typeface="Consolas" panose="020B0609020204030204" pitchFamily="49" charset="0"/>
+              </a:rPr>
+              <a:t> shared_ptr&lt;Node</a:t>
+            </a:r>
+            <a:r>
+              <a:rPr lang="en-US">
+                <a:latin typeface="Consolas" panose="020B0609020204030204" pitchFamily="49" charset="0"/>
+              </a:rPr>
+              <a:t>&gt; </a:t>
+            </a:r>
+            <a:r>
+              <a:rPr lang="en-US" smtClean="0">
+                <a:latin typeface="Consolas" panose="020B0609020204030204" pitchFamily="49" charset="0"/>
+              </a:rPr>
+              <a:t>left, right;</a:t>
+            </a:r>
+            <a:br>
+              <a:rPr lang="en-US" smtClean="0">
+                <a:latin typeface="Consolas" panose="020B0609020204030204" pitchFamily="49" charset="0"/>
+              </a:rPr>
+            </a:br>
+            <a:r>
+              <a:rPr lang="en-US" smtClean="0">
+                <a:latin typeface="Consolas" panose="020B0609020204030204" pitchFamily="49" charset="0"/>
+              </a:rPr>
+              <a:t>};</a:t>
+            </a:r>
+          </a:p>
+          <a:p>
+            <a:pPr marL="45720" indent="0">
+              <a:buNone/>
+            </a:pPr>
+            <a:r>
+              <a:rPr lang="en-US">
+                <a:latin typeface="Consolas" panose="020B0609020204030204" pitchFamily="49" charset="0"/>
+              </a:rPr>
+              <a:t>{</a:t>
+            </a:r>
+            <a:r>
+              <a:rPr lang="ru-RU" smtClean="0">
+                <a:latin typeface="Consolas" panose="020B0609020204030204" pitchFamily="49" charset="0"/>
+              </a:rPr>
+              <a:t/>
+            </a:r>
+            <a:br>
+              <a:rPr lang="ru-RU" smtClean="0">
+                <a:latin typeface="Consolas" panose="020B0609020204030204" pitchFamily="49" charset="0"/>
+              </a:rPr>
+            </a:br>
+            <a:r>
+              <a:rPr lang="en-US" smtClean="0">
+                <a:latin typeface="Consolas" panose="020B0609020204030204" pitchFamily="49" charset="0"/>
+              </a:rPr>
+              <a:t>  shared_ptr&lt;Node</a:t>
+            </a:r>
+            <a:r>
+              <a:rPr lang="en-US">
+                <a:latin typeface="Consolas" panose="020B0609020204030204" pitchFamily="49" charset="0"/>
+              </a:rPr>
+              <a:t>&gt; </a:t>
+            </a:r>
+            <a:r>
+              <a:rPr lang="en-US" smtClean="0">
+                <a:latin typeface="Consolas" panose="020B0609020204030204" pitchFamily="49" charset="0"/>
+              </a:rPr>
+              <a:t>master </a:t>
+            </a:r>
+            <a:r>
+              <a:rPr lang="en-US">
+                <a:latin typeface="Consolas" panose="020B0609020204030204" pitchFamily="49" charset="0"/>
+              </a:rPr>
+              <a:t>= </a:t>
+            </a:r>
+            <a:r>
+              <a:rPr lang="en-US">
+                <a:latin typeface="Consolas" panose="020B0609020204030204" pitchFamily="49" charset="0"/>
+              </a:rPr>
+              <a:t>make_shared&lt;Node</a:t>
+            </a:r>
+            <a:r>
+              <a:rPr lang="en-US" smtClean="0">
+                <a:latin typeface="Consolas" panose="020B0609020204030204" pitchFamily="49" charset="0"/>
+              </a:rPr>
+              <a:t>&gt;(); // </a:t>
+            </a:r>
+            <a:r>
+              <a:rPr lang="ru-RU" smtClean="0">
+                <a:latin typeface="Consolas" panose="020B0609020204030204" pitchFamily="49" charset="0"/>
+              </a:rPr>
+              <a:t>счётчик</a:t>
+            </a:r>
+            <a:r>
+              <a:rPr lang="en-US">
+                <a:latin typeface="Consolas" panose="020B0609020204030204" pitchFamily="49" charset="0"/>
+              </a:rPr>
+              <a:t>:</a:t>
+            </a:r>
+            <a:r>
+              <a:rPr lang="en-US" smtClean="0">
+                <a:latin typeface="Consolas" panose="020B0609020204030204" pitchFamily="49" charset="0"/>
+              </a:rPr>
+              <a:t>1</a:t>
+            </a:r>
+            <a:br>
+              <a:rPr lang="en-US" smtClean="0">
+                <a:latin typeface="Consolas" panose="020B0609020204030204" pitchFamily="49" charset="0"/>
+              </a:rPr>
+            </a:br>
+            <a:r>
+              <a:rPr lang="en-US" smtClean="0">
+                <a:latin typeface="Consolas" panose="020B0609020204030204" pitchFamily="49" charset="0"/>
+              </a:rPr>
+              <a:t>  shared_ptr&lt;Node&gt; slave = make_shared&lt;Node&gt;(); // </a:t>
+            </a:r>
+            <a:r>
+              <a:rPr lang="ru-RU" smtClean="0">
+                <a:latin typeface="Consolas" panose="020B0609020204030204" pitchFamily="49" charset="0"/>
+              </a:rPr>
+              <a:t>счётчик:</a:t>
+            </a:r>
+            <a:r>
+              <a:rPr lang="en-US" smtClean="0">
+                <a:latin typeface="Consolas" panose="020B0609020204030204" pitchFamily="49" charset="0"/>
+              </a:rPr>
+              <a:t>1</a:t>
+            </a:r>
+            <a:br>
+              <a:rPr lang="en-US" smtClean="0">
+                <a:latin typeface="Consolas" panose="020B0609020204030204" pitchFamily="49" charset="0"/>
+              </a:rPr>
+            </a:br>
+            <a:r>
+              <a:rPr lang="en-US" smtClean="0">
+                <a:latin typeface="Consolas" panose="020B0609020204030204" pitchFamily="49" charset="0"/>
+              </a:rPr>
+              <a:t>  slave.parent = master;</a:t>
+            </a:r>
+            <a:r>
+              <a:rPr lang="ru-RU" smtClean="0">
+                <a:latin typeface="Consolas" panose="020B0609020204030204" pitchFamily="49" charset="0"/>
+              </a:rPr>
+              <a:t> </a:t>
+            </a:r>
+            <a:r>
+              <a:rPr lang="en-US" smtClean="0">
+                <a:solidFill>
+                  <a:srgbClr val="0000FF"/>
+                </a:solidFill>
+                <a:latin typeface="Consolas" panose="020B0609020204030204" pitchFamily="49" charset="0"/>
+              </a:rPr>
+              <a:t>// </a:t>
+            </a:r>
+            <a:r>
+              <a:rPr lang="ru-RU" smtClean="0">
+                <a:solidFill>
+                  <a:srgbClr val="0000FF"/>
+                </a:solidFill>
+                <a:latin typeface="Consolas" panose="020B0609020204030204" pitchFamily="49" charset="0"/>
+              </a:rPr>
+              <a:t>счётчик:</a:t>
+            </a:r>
+            <a:r>
+              <a:rPr lang="en-US" smtClean="0">
+                <a:solidFill>
+                  <a:srgbClr val="0000FF"/>
+                </a:solidFill>
+                <a:latin typeface="Consolas" panose="020B0609020204030204" pitchFamily="49" charset="0"/>
+              </a:rPr>
+              <a:t>1</a:t>
+            </a:r>
+            <a:r>
+              <a:rPr lang="en-US" smtClean="0">
+                <a:latin typeface="Consolas" panose="020B0609020204030204" pitchFamily="49" charset="0"/>
+              </a:rPr>
+              <a:t/>
+            </a:r>
+            <a:br>
+              <a:rPr lang="en-US" smtClean="0">
+                <a:latin typeface="Consolas" panose="020B0609020204030204" pitchFamily="49" charset="0"/>
+              </a:rPr>
+            </a:br>
+            <a:r>
+              <a:rPr lang="en-US" smtClean="0">
+                <a:latin typeface="Consolas" panose="020B0609020204030204" pitchFamily="49" charset="0"/>
+              </a:rPr>
+              <a:t>  master.left = slave;</a:t>
+            </a:r>
+            <a:r>
+              <a:rPr lang="ru-RU" smtClean="0">
+                <a:latin typeface="Consolas" panose="020B0609020204030204" pitchFamily="49" charset="0"/>
+              </a:rPr>
+              <a:t> </a:t>
+            </a:r>
+            <a:r>
+              <a:rPr lang="en-US" smtClean="0">
+                <a:latin typeface="Consolas" panose="020B0609020204030204" pitchFamily="49" charset="0"/>
+              </a:rPr>
+              <a:t>// </a:t>
+            </a:r>
+            <a:r>
+              <a:rPr lang="ru-RU" smtClean="0">
+                <a:latin typeface="Consolas" panose="020B0609020204030204" pitchFamily="49" charset="0"/>
+              </a:rPr>
+              <a:t>счётчик:2</a:t>
+            </a:r>
+            <a:r>
+              <a:rPr lang="en-US" smtClean="0">
+                <a:latin typeface="Consolas" panose="020B0609020204030204" pitchFamily="49" charset="0"/>
+              </a:rPr>
+              <a:t/>
+            </a:r>
+            <a:br>
+              <a:rPr lang="en-US" smtClean="0">
+                <a:latin typeface="Consolas" panose="020B0609020204030204" pitchFamily="49" charset="0"/>
+              </a:rPr>
+            </a:br>
+            <a:r>
+              <a:rPr lang="en-US" smtClean="0">
+                <a:latin typeface="Consolas" panose="020B0609020204030204" pitchFamily="49" charset="0"/>
+              </a:rPr>
+              <a:t>} </a:t>
+            </a:r>
+            <a:r>
+              <a:rPr lang="en-US" smtClean="0">
+                <a:solidFill>
+                  <a:srgbClr val="0000FF"/>
+                </a:solidFill>
+                <a:latin typeface="Consolas" panose="020B0609020204030204" pitchFamily="49" charset="0"/>
+              </a:rPr>
+              <a:t>// OK, </a:t>
+            </a:r>
+            <a:r>
+              <a:rPr lang="ru-RU" smtClean="0">
+                <a:solidFill>
+                  <a:srgbClr val="0000FF"/>
+                </a:solidFill>
+                <a:latin typeface="Consolas" panose="020B0609020204030204" pitchFamily="49" charset="0"/>
+              </a:rPr>
+              <a:t>уничтожен </a:t>
+            </a:r>
+            <a:r>
+              <a:rPr lang="en-US" smtClean="0">
+                <a:solidFill>
+                  <a:srgbClr val="0000FF"/>
+                </a:solidFill>
+                <a:latin typeface="Consolas" panose="020B0609020204030204" pitchFamily="49" charset="0"/>
+              </a:rPr>
+              <a:t>master, </a:t>
+            </a:r>
+            <a:r>
+              <a:rPr lang="ru-RU" smtClean="0">
+                <a:solidFill>
+                  <a:srgbClr val="0000FF"/>
+                </a:solidFill>
+                <a:latin typeface="Consolas" panose="020B0609020204030204" pitchFamily="49" charset="0"/>
+              </a:rPr>
+              <a:t>после чего </a:t>
+            </a:r>
+            <a:r>
+              <a:rPr lang="en-US" smtClean="0">
+                <a:solidFill>
+                  <a:srgbClr val="0000FF"/>
+                </a:solidFill>
+                <a:latin typeface="Consolas" panose="020B0609020204030204" pitchFamily="49" charset="0"/>
+              </a:rPr>
+              <a:t>slave</a:t>
+            </a:r>
+            <a:endParaRPr lang="ru-RU" smtClean="0">
+              <a:solidFill>
+                <a:srgbClr val="0000FF"/>
+              </a:solidFill>
+              <a:latin typeface="Consolas" panose="020B0609020204030204" pitchFamily="49" charset="0"/>
+            </a:endParaRPr>
+          </a:p>
+          <a:p>
+            <a:r>
+              <a:rPr lang="ru-RU" smtClean="0"/>
+              <a:t>Теперь всё хорошо за счёт слабого владения</a:t>
+            </a:r>
+            <a:endParaRPr lang="en-US"/>
+          </a:p>
+        </p:txBody>
+      </p:sp>
+    </p:spTree>
+    <p:extLst>
+      <p:ext uri="{BB962C8B-B14F-4D97-AF65-F5344CB8AC3E}">
+        <p14:creationId xmlns:p14="http://schemas.microsoft.com/office/powerpoint/2010/main" val="2496597853"/>
+      </p:ext>
+    </p:extLst>
+  </p:cSld>
+  <p:clrMapOvr>
+    <a:masterClrMapping/>
+  </p:clrMapOvr>
+</p:sld>
+</file>
+
+<file path=ppt/slides/slide52.xml><?xml version="1.0" encoding="utf-8"?>
+<p:sld xmlns:a="http://schemas.openxmlformats.org/drawingml/2006/main" xmlns:r="http://schemas.openxmlformats.org/officeDocument/2006/relationships" xmlns:p="http://schemas.openxmlformats.org/presentationml/2006/main">
+  <p:cSld>
+    <p:spTree>
+      <p:nvGrpSpPr>
+        <p:cNvPr id="1" name=""/>
+        <p:cNvGrpSpPr/>
+        <p:nvPr/>
+      </p:nvGrpSpPr>
+      <p:grpSpPr>
+        <a:xfrm>
+          <a:off x="0" y="0"/>
+          <a:ext cx="0" cy="0"/>
+          <a:chOff x="0" y="0"/>
+          <a:chExt cx="0" cy="0"/>
+        </a:xfrm>
+      </p:grpSpPr>
+      <p:sp>
+        <p:nvSpPr>
+          <p:cNvPr id="2" name="Title 1"/>
+          <p:cNvSpPr>
+            <a:spLocks noGrp="1"/>
+          </p:cNvSpPr>
+          <p:nvPr>
+            <p:ph type="title"/>
+          </p:nvPr>
+        </p:nvSpPr>
+        <p:spPr/>
+        <p:txBody>
+          <a:bodyPr/>
+          <a:lstStyle/>
+          <a:p>
+            <a:r>
+              <a:rPr lang="ru-RU" smtClean="0"/>
+              <a:t>Слабый указатель нельзя разыменовать</a:t>
+            </a:r>
+            <a:endParaRPr lang="en-US"/>
+          </a:p>
+        </p:txBody>
+      </p:sp>
+      <p:sp>
+        <p:nvSpPr>
+          <p:cNvPr id="3" name="Content Placeholder 2"/>
+          <p:cNvSpPr>
+            <a:spLocks noGrp="1"/>
+          </p:cNvSpPr>
+          <p:nvPr>
+            <p:ph idx="1"/>
+          </p:nvPr>
+        </p:nvSpPr>
+        <p:spPr/>
+        <p:txBody>
+          <a:bodyPr/>
+          <a:lstStyle/>
+          <a:p>
+            <a:r>
+              <a:rPr lang="ru-RU" smtClean="0"/>
+              <a:t>Простое разыменование не сработает</a:t>
+            </a:r>
+          </a:p>
+          <a:p>
+            <a:pPr marL="45720" indent="0">
+              <a:buNone/>
+            </a:pPr>
+            <a:r>
+              <a:rPr lang="en-US" smtClean="0">
+                <a:latin typeface="Consolas" panose="020B0609020204030204" pitchFamily="49" charset="0"/>
+              </a:rPr>
+              <a:t>auto t = make_shared&lt;int&gt;(42);</a:t>
+            </a:r>
+            <a:br>
+              <a:rPr lang="en-US" smtClean="0">
+                <a:latin typeface="Consolas" panose="020B0609020204030204" pitchFamily="49" charset="0"/>
+              </a:rPr>
+            </a:br>
+            <a:r>
+              <a:rPr lang="en-US" smtClean="0">
+                <a:latin typeface="Consolas" panose="020B0609020204030204" pitchFamily="49" charset="0"/>
+              </a:rPr>
+              <a:t>weak_ptr&lt;int&gt; w = t;</a:t>
+            </a:r>
+            <a:br>
+              <a:rPr lang="en-US" smtClean="0">
+                <a:latin typeface="Consolas" panose="020B0609020204030204" pitchFamily="49" charset="0"/>
+              </a:rPr>
+            </a:br>
+            <a:r>
+              <a:rPr lang="en-US" smtClean="0">
+                <a:latin typeface="Consolas" panose="020B0609020204030204" pitchFamily="49" charset="0"/>
+              </a:rPr>
+              <a:t>int xt = *t; // ok</a:t>
+            </a:r>
+            <a:br>
+              <a:rPr lang="en-US" smtClean="0">
+                <a:latin typeface="Consolas" panose="020B0609020204030204" pitchFamily="49" charset="0"/>
+              </a:rPr>
+            </a:br>
+            <a:r>
+              <a:rPr lang="en-US" smtClean="0">
+                <a:latin typeface="Consolas" panose="020B0609020204030204" pitchFamily="49" charset="0"/>
+              </a:rPr>
+              <a:t>// </a:t>
+            </a:r>
+            <a:r>
+              <a:rPr lang="ru-RU" smtClean="0">
+                <a:latin typeface="Consolas" panose="020B0609020204030204" pitchFamily="49" charset="0"/>
+              </a:rPr>
+              <a:t>сделать</a:t>
+            </a:r>
+            <a:r>
+              <a:rPr lang="en-US" smtClean="0">
+                <a:latin typeface="Consolas" panose="020B0609020204030204" pitchFamily="49" charset="0"/>
+              </a:rPr>
+              <a:t> int xw =</a:t>
+            </a:r>
+            <a:r>
+              <a:rPr lang="ru-RU" smtClean="0">
+                <a:latin typeface="Consolas" panose="020B0609020204030204" pitchFamily="49" charset="0"/>
+              </a:rPr>
+              <a:t> </a:t>
+            </a:r>
+            <a:r>
+              <a:rPr lang="en-US" smtClean="0">
+                <a:latin typeface="Consolas" panose="020B0609020204030204" pitchFamily="49" charset="0"/>
+              </a:rPr>
+              <a:t>*w</a:t>
+            </a:r>
+            <a:r>
+              <a:rPr lang="ru-RU" smtClean="0">
+                <a:latin typeface="Consolas" panose="020B0609020204030204" pitchFamily="49" charset="0"/>
+              </a:rPr>
+              <a:t> нельзя</a:t>
+            </a:r>
+          </a:p>
+          <a:p>
+            <a:r>
+              <a:rPr lang="ru-RU" smtClean="0"/>
+              <a:t>Зато его можно превратить в сильный указатель и потом разыменовать</a:t>
+            </a:r>
+          </a:p>
+          <a:p>
+            <a:pPr marL="45720" indent="0">
+              <a:buNone/>
+            </a:pPr>
+            <a:r>
+              <a:rPr lang="en-US" smtClean="0">
+                <a:latin typeface="Consolas" panose="020B0609020204030204" pitchFamily="49" charset="0"/>
+              </a:rPr>
+              <a:t>auto tprime = w.lock();</a:t>
+            </a:r>
+            <a:br>
+              <a:rPr lang="en-US" smtClean="0">
+                <a:latin typeface="Consolas" panose="020B0609020204030204" pitchFamily="49" charset="0"/>
+              </a:rPr>
+            </a:br>
+            <a:r>
+              <a:rPr lang="en-US" smtClean="0">
+                <a:latin typeface="Consolas" panose="020B0609020204030204" pitchFamily="49" charset="0"/>
+              </a:rPr>
+              <a:t>int xtp = *tprime;</a:t>
+            </a:r>
+            <a:endParaRPr lang="ru-RU">
+              <a:latin typeface="Consolas" panose="020B0609020204030204" pitchFamily="49" charset="0"/>
+            </a:endParaRPr>
+          </a:p>
+          <a:p>
+            <a:r>
+              <a:rPr lang="ru-RU" smtClean="0"/>
+              <a:t>Защёлкивание не вовремя может создать те же проблемы циклической ссылки, но они более контролируемы</a:t>
+            </a:r>
+            <a:endParaRPr lang="en-US"/>
+          </a:p>
+        </p:txBody>
+      </p:sp>
+    </p:spTree>
+    <p:extLst>
+      <p:ext uri="{BB962C8B-B14F-4D97-AF65-F5344CB8AC3E}">
+        <p14:creationId xmlns:p14="http://schemas.microsoft.com/office/powerpoint/2010/main" val="193473503"/>
+      </p:ext>
+    </p:extLst>
+  </p:cSld>
+  <p:clrMapOvr>
+    <a:masterClrMapping/>
+  </p:clrMapOvr>
+</p:sld>
+</file>
+
+<file path=ppt/slides/slide53.xml><?xml version="1.0" encoding="utf-8"?>
+<p:sld xmlns:a="http://schemas.openxmlformats.org/drawingml/2006/main" xmlns:r="http://schemas.openxmlformats.org/officeDocument/2006/relationships" xmlns:p="http://schemas.openxmlformats.org/presentationml/2006/main">
+  <p:cSld>
+    <p:spTree>
+      <p:nvGrpSpPr>
+        <p:cNvPr id="1" name=""/>
+        <p:cNvGrpSpPr/>
+        <p:nvPr/>
+      </p:nvGrpSpPr>
+      <p:grpSpPr>
+        <a:xfrm>
+          <a:off x="0" y="0"/>
+          <a:ext cx="0" cy="0"/>
+          <a:chOff x="0" y="0"/>
+          <a:chExt cx="0" cy="0"/>
+        </a:xfrm>
+      </p:grpSpPr>
+      <p:sp>
+        <p:nvSpPr>
+          <p:cNvPr id="2" name="Title 1"/>
+          <p:cNvSpPr>
+            <a:spLocks noGrp="1"/>
+          </p:cNvSpPr>
+          <p:nvPr>
+            <p:ph type="title"/>
+          </p:nvPr>
+        </p:nvSpPr>
+        <p:spPr/>
+        <p:txBody>
+          <a:bodyPr/>
+          <a:lstStyle/>
+          <a:p>
+            <a:r>
+              <a:rPr lang="ru-RU" smtClean="0"/>
+              <a:t>Слабый указатель не может повиснуть</a:t>
+            </a:r>
+            <a:endParaRPr lang="en-US"/>
+          </a:p>
+        </p:txBody>
+      </p:sp>
+      <p:sp>
+        <p:nvSpPr>
+          <p:cNvPr id="3" name="Content Placeholder 2"/>
+          <p:cNvSpPr>
+            <a:spLocks noGrp="1"/>
+          </p:cNvSpPr>
+          <p:nvPr>
+            <p:ph idx="1"/>
+          </p:nvPr>
+        </p:nvSpPr>
+        <p:spPr/>
+        <p:txBody>
+          <a:bodyPr/>
+          <a:lstStyle/>
+          <a:p>
+            <a:r>
+              <a:rPr lang="ru-RU" smtClean="0"/>
+              <a:t>Зато он может закончится. Типичный случай, приводящий к подвисанию обычных указателей</a:t>
+            </a:r>
+          </a:p>
+          <a:p>
+            <a:pPr marL="45720" indent="0">
+              <a:buNone/>
+            </a:pPr>
+            <a:r>
+              <a:rPr lang="en-US" smtClean="0">
+                <a:latin typeface="Consolas" panose="020B0609020204030204" pitchFamily="49" charset="0"/>
+              </a:rPr>
+              <a:t>weak_ptr&lt;int&gt; foo () {</a:t>
+            </a:r>
+            <a:br>
+              <a:rPr lang="en-US" smtClean="0">
+                <a:latin typeface="Consolas" panose="020B0609020204030204" pitchFamily="49" charset="0"/>
+              </a:rPr>
+            </a:br>
+            <a:r>
+              <a:rPr lang="en-US" smtClean="0">
+                <a:latin typeface="Consolas" panose="020B0609020204030204" pitchFamily="49" charset="0"/>
+              </a:rPr>
+              <a:t>  auto res = make_shared&lt;int&gt;(42);</a:t>
+            </a:r>
+            <a:br>
+              <a:rPr lang="en-US" smtClean="0">
+                <a:latin typeface="Consolas" panose="020B0609020204030204" pitchFamily="49" charset="0"/>
+              </a:rPr>
+            </a:br>
+            <a:r>
+              <a:rPr lang="en-US" smtClean="0">
+                <a:latin typeface="Consolas" panose="020B0609020204030204" pitchFamily="49" charset="0"/>
+              </a:rPr>
+              <a:t>  return res;</a:t>
+            </a:r>
+            <a:br>
+              <a:rPr lang="en-US" smtClean="0">
+                <a:latin typeface="Consolas" panose="020B0609020204030204" pitchFamily="49" charset="0"/>
+              </a:rPr>
+            </a:br>
+            <a:r>
+              <a:rPr lang="en-US" smtClean="0">
+                <a:latin typeface="Consolas" panose="020B0609020204030204" pitchFamily="49" charset="0"/>
+              </a:rPr>
+              <a:t>} // </a:t>
+            </a:r>
+            <a:r>
+              <a:rPr lang="ru-RU" smtClean="0">
+                <a:latin typeface="Consolas" panose="020B0609020204030204" pitchFamily="49" charset="0"/>
+              </a:rPr>
+              <a:t>в этот момент память была освобождена</a:t>
+            </a:r>
+            <a:endParaRPr lang="en-US" smtClean="0">
+              <a:latin typeface="Consolas" panose="020B0609020204030204" pitchFamily="49" charset="0"/>
+            </a:endParaRPr>
+          </a:p>
+          <a:p>
+            <a:pPr marL="45720" indent="0">
+              <a:buNone/>
+            </a:pPr>
+            <a:r>
+              <a:rPr lang="en-US" smtClean="0">
+                <a:latin typeface="Consolas" panose="020B0609020204030204" pitchFamily="49" charset="0"/>
+              </a:rPr>
+              <a:t>weak_ptr&lt;int&gt; result = foo();</a:t>
+            </a:r>
+            <a:br>
+              <a:rPr lang="en-US" smtClean="0">
+                <a:latin typeface="Consolas" panose="020B0609020204030204" pitchFamily="49" charset="0"/>
+              </a:rPr>
+            </a:br>
+            <a:r>
+              <a:rPr lang="en-US" smtClean="0">
+                <a:latin typeface="Consolas" panose="020B0609020204030204" pitchFamily="49" charset="0"/>
+              </a:rPr>
+              <a:t>assert (result.expired());</a:t>
+            </a:r>
+            <a:r>
+              <a:rPr lang="en-US">
+                <a:latin typeface="Consolas" panose="020B0609020204030204" pitchFamily="49" charset="0"/>
+              </a:rPr>
+              <a:t/>
+            </a:r>
+            <a:br>
+              <a:rPr lang="en-US">
+                <a:latin typeface="Consolas" panose="020B0609020204030204" pitchFamily="49" charset="0"/>
+              </a:rPr>
+            </a:br>
+            <a:r>
+              <a:rPr lang="en-US" smtClean="0">
+                <a:latin typeface="Consolas" panose="020B0609020204030204" pitchFamily="49" charset="0"/>
+              </a:rPr>
+              <a:t>assert (result.lock() == nullptr);</a:t>
+            </a:r>
+          </a:p>
+          <a:p>
+            <a:r>
+              <a:rPr lang="ru-RU" smtClean="0"/>
+              <a:t>Это создаёт возможность контроля валидности состояния слабых указателей</a:t>
+            </a:r>
+            <a:endParaRPr lang="en-US" smtClean="0"/>
+          </a:p>
+        </p:txBody>
+      </p:sp>
+    </p:spTree>
+    <p:extLst>
+      <p:ext uri="{BB962C8B-B14F-4D97-AF65-F5344CB8AC3E}">
+        <p14:creationId xmlns:p14="http://schemas.microsoft.com/office/powerpoint/2010/main" val="2628118524"/>
+      </p:ext>
+    </p:extLst>
+  </p:cSld>
+  <p:clrMapOvr>
+    <a:masterClrMapping/>
+  </p:clrMapOvr>
+</p:sld>
+</file>
+
+<file path=ppt/slides/slide54.xml><?xml version="1.0" encoding="utf-8"?>
+<p:sld xmlns:a="http://schemas.openxmlformats.org/drawingml/2006/main" xmlns:r="http://schemas.openxmlformats.org/officeDocument/2006/relationships" xmlns:p="http://schemas.openxmlformats.org/presentationml/2006/main">
+  <p:cSld>
+    <p:spTree>
+      <p:nvGrpSpPr>
+        <p:cNvPr id="1" name=""/>
+        <p:cNvGrpSpPr/>
+        <p:nvPr/>
+      </p:nvGrpSpPr>
+      <p:grpSpPr>
+        <a:xfrm>
+          <a:off x="0" y="0"/>
+          <a:ext cx="0" cy="0"/>
+          <a:chOff x="0" y="0"/>
+          <a:chExt cx="0" cy="0"/>
+        </a:xfrm>
+      </p:grpSpPr>
+      <p:sp>
+        <p:nvSpPr>
+          <p:cNvPr id="2" name="Title 1"/>
+          <p:cNvSpPr>
+            <a:spLocks noGrp="1"/>
+          </p:cNvSpPr>
+          <p:nvPr>
+            <p:ph type="title"/>
+          </p:nvPr>
+        </p:nvSpPr>
+        <p:spPr/>
+        <p:txBody>
+          <a:bodyPr/>
+          <a:lstStyle/>
+          <a:p>
+            <a:r>
+              <a:rPr lang="ru-RU" smtClean="0"/>
+              <a:t>Как на самом деле устроен </a:t>
+            </a:r>
+            <a:r>
+              <a:rPr lang="en-US" smtClean="0"/>
+              <a:t>shared_ptr</a:t>
+            </a:r>
+            <a:endParaRPr lang="en-US"/>
+          </a:p>
+        </p:txBody>
+      </p:sp>
+      <p:sp>
+        <p:nvSpPr>
+          <p:cNvPr id="5" name="Rectangle 4"/>
+          <p:cNvSpPr/>
+          <p:nvPr/>
+        </p:nvSpPr>
+        <p:spPr>
+          <a:xfrm>
+            <a:off x="7066280" y="3065780"/>
+            <a:ext cx="1371600" cy="802640"/>
+          </a:xfrm>
+          <a:prstGeom prst="rect">
+            <a:avLst/>
+          </a:prstGeom>
+          <a:ln>
+            <a:solidFill>
+              <a:schemeClr val="tx1"/>
+            </a:solidFill>
+          </a:ln>
+          <a:effectLst/>
+        </p:spPr>
+        <p:style>
+          <a:lnRef idx="2">
+            <a:schemeClr val="dk1"/>
+          </a:lnRef>
+          <a:fillRef idx="1">
+            <a:schemeClr val="lt1"/>
+          </a:fillRef>
+          <a:effectRef idx="0">
+            <a:schemeClr val="dk1"/>
+          </a:effectRef>
+          <a:fontRef idx="minor">
+            <a:schemeClr val="dk1"/>
+          </a:fontRef>
+        </p:style>
+        <p:txBody>
+          <a:bodyPr rtlCol="0" anchor="ctr"/>
+          <a:lstStyle/>
+          <a:p>
+            <a:pPr algn="ctr"/>
+            <a:r>
+              <a:rPr lang="en-US" smtClean="0">
+                <a:ln>
+                  <a:solidFill>
+                    <a:schemeClr val="tx1"/>
+                  </a:solidFill>
+                </a:ln>
+              </a:rPr>
+              <a:t>Data pointer</a:t>
+            </a:r>
+            <a:endParaRPr lang="en-US">
+              <a:ln>
+                <a:solidFill>
+                  <a:schemeClr val="tx1"/>
+                </a:solidFill>
+              </a:ln>
+            </a:endParaRPr>
+          </a:p>
+        </p:txBody>
+      </p:sp>
+      <p:sp>
+        <p:nvSpPr>
+          <p:cNvPr id="6" name="Rectangle 5"/>
+          <p:cNvSpPr/>
+          <p:nvPr/>
+        </p:nvSpPr>
+        <p:spPr>
+          <a:xfrm>
+            <a:off x="4380230" y="5269230"/>
+            <a:ext cx="1513840" cy="802640"/>
+          </a:xfrm>
+          <a:prstGeom prst="rect">
+            <a:avLst/>
+          </a:prstGeom>
+          <a:ln>
+            <a:solidFill>
+              <a:schemeClr val="tx1"/>
+            </a:solidFill>
+          </a:ln>
+          <a:effectLst/>
+        </p:spPr>
+        <p:style>
+          <a:lnRef idx="2">
+            <a:schemeClr val="dk1"/>
+          </a:lnRef>
+          <a:fillRef idx="1">
+            <a:schemeClr val="lt1"/>
+          </a:fillRef>
+          <a:effectRef idx="0">
+            <a:schemeClr val="dk1"/>
+          </a:effectRef>
+          <a:fontRef idx="minor">
+            <a:schemeClr val="dk1"/>
+          </a:fontRef>
+        </p:style>
+        <p:txBody>
+          <a:bodyPr rtlCol="0" anchor="ctr"/>
+          <a:lstStyle/>
+          <a:p>
+            <a:pPr algn="ctr"/>
+            <a:r>
+              <a:rPr lang="en-US" smtClean="0">
+                <a:ln>
+                  <a:solidFill>
+                    <a:schemeClr val="tx1"/>
+                  </a:solidFill>
+                </a:ln>
+              </a:rPr>
+              <a:t>Control block pointer</a:t>
+            </a:r>
+            <a:endParaRPr lang="en-US">
+              <a:ln>
+                <a:solidFill>
+                  <a:schemeClr val="tx1"/>
+                </a:solidFill>
+              </a:ln>
+            </a:endParaRPr>
+          </a:p>
+        </p:txBody>
+      </p:sp>
+      <p:sp>
+        <p:nvSpPr>
+          <p:cNvPr id="7" name="Rectangle 6"/>
+          <p:cNvSpPr/>
+          <p:nvPr/>
+        </p:nvSpPr>
+        <p:spPr>
+          <a:xfrm>
+            <a:off x="9560560" y="2150110"/>
+            <a:ext cx="1584960" cy="802640"/>
+          </a:xfrm>
+          <a:prstGeom prst="rect">
+            <a:avLst/>
+          </a:prstGeom>
+          <a:ln>
+            <a:solidFill>
+              <a:schemeClr val="tx1"/>
+            </a:solidFill>
+          </a:ln>
+          <a:effectLst/>
+        </p:spPr>
+        <p:style>
+          <a:lnRef idx="2">
+            <a:schemeClr val="dk1"/>
+          </a:lnRef>
+          <a:fillRef idx="1">
+            <a:schemeClr val="lt1"/>
+          </a:fillRef>
+          <a:effectRef idx="0">
+            <a:schemeClr val="dk1"/>
+          </a:effectRef>
+          <a:fontRef idx="minor">
+            <a:schemeClr val="dk1"/>
+          </a:fontRef>
+        </p:style>
+        <p:txBody>
+          <a:bodyPr rtlCol="0" anchor="ctr"/>
+          <a:lstStyle/>
+          <a:p>
+            <a:pPr algn="ctr"/>
+            <a:r>
+              <a:rPr lang="en-US" smtClean="0">
+                <a:ln>
+                  <a:solidFill>
+                    <a:schemeClr val="tx1"/>
+                  </a:solidFill>
+                </a:ln>
+              </a:rPr>
+              <a:t>Data</a:t>
+            </a:r>
+          </a:p>
+        </p:txBody>
+      </p:sp>
+      <p:cxnSp>
+        <p:nvCxnSpPr>
+          <p:cNvPr id="9" name="Straight Arrow Connector 8"/>
+          <p:cNvCxnSpPr>
+            <a:stCxn id="5" idx="3"/>
+            <a:endCxn id="7" idx="2"/>
+          </p:cNvCxnSpPr>
+          <p:nvPr/>
+        </p:nvCxnSpPr>
+        <p:spPr>
+          <a:xfrm flipV="1">
+            <a:off x="8437880" y="2952750"/>
+            <a:ext cx="1915160" cy="514350"/>
+          </a:xfrm>
+          <a:prstGeom prst="curvedConnector2">
+            <a:avLst/>
+          </a:prstGeom>
+          <a:ln w="28575">
+            <a:solidFill>
+              <a:schemeClr val="tx1"/>
+            </a:solidFill>
+            <a:tailEnd type="triangle" w="lg" len="lg"/>
+          </a:ln>
+        </p:spPr>
+        <p:style>
+          <a:lnRef idx="1">
+            <a:schemeClr val="accent1"/>
+          </a:lnRef>
+          <a:fillRef idx="0">
+            <a:schemeClr val="accent1"/>
+          </a:fillRef>
+          <a:effectRef idx="0">
+            <a:schemeClr val="accent1"/>
+          </a:effectRef>
+          <a:fontRef idx="minor">
+            <a:schemeClr val="tx1"/>
+          </a:fontRef>
+        </p:style>
+      </p:cxnSp>
+      <p:sp>
+        <p:nvSpPr>
+          <p:cNvPr id="13" name="Rectangle 12"/>
+          <p:cNvSpPr/>
+          <p:nvPr/>
+        </p:nvSpPr>
+        <p:spPr>
+          <a:xfrm>
+            <a:off x="7066280" y="3868420"/>
+            <a:ext cx="1371600" cy="802640"/>
+          </a:xfrm>
+          <a:prstGeom prst="rect">
+            <a:avLst/>
+          </a:prstGeom>
+          <a:ln>
+            <a:solidFill>
+              <a:schemeClr val="tx1"/>
+            </a:solidFill>
+          </a:ln>
+          <a:effectLst/>
+        </p:spPr>
+        <p:style>
+          <a:lnRef idx="2">
+            <a:schemeClr val="dk1"/>
+          </a:lnRef>
+          <a:fillRef idx="1">
+            <a:schemeClr val="lt1"/>
+          </a:fillRef>
+          <a:effectRef idx="0">
+            <a:schemeClr val="dk1"/>
+          </a:effectRef>
+          <a:fontRef idx="minor">
+            <a:schemeClr val="dk1"/>
+          </a:fontRef>
+        </p:style>
+        <p:txBody>
+          <a:bodyPr rtlCol="0" anchor="ctr"/>
+          <a:lstStyle/>
+          <a:p>
+            <a:pPr algn="ctr"/>
+            <a:r>
+              <a:rPr lang="en-US" smtClean="0">
+                <a:ln>
+                  <a:solidFill>
+                    <a:schemeClr val="tx1"/>
+                  </a:solidFill>
+                </a:ln>
+              </a:rPr>
+              <a:t>Reference counter</a:t>
+            </a:r>
+            <a:endParaRPr lang="en-US">
+              <a:ln>
+                <a:solidFill>
+                  <a:schemeClr val="tx1"/>
+                </a:solidFill>
+              </a:ln>
+            </a:endParaRPr>
+          </a:p>
+        </p:txBody>
+      </p:sp>
+      <p:sp>
+        <p:nvSpPr>
+          <p:cNvPr id="14" name="Rectangle 13"/>
+          <p:cNvSpPr/>
+          <p:nvPr/>
+        </p:nvSpPr>
+        <p:spPr>
+          <a:xfrm>
+            <a:off x="7066280" y="4671060"/>
+            <a:ext cx="1371600" cy="955040"/>
+          </a:xfrm>
+          <a:prstGeom prst="rect">
+            <a:avLst/>
+          </a:prstGeom>
+          <a:ln>
+            <a:solidFill>
+              <a:schemeClr val="tx1"/>
+            </a:solidFill>
+          </a:ln>
+          <a:effectLst/>
+        </p:spPr>
+        <p:style>
+          <a:lnRef idx="2">
+            <a:schemeClr val="dk1"/>
+          </a:lnRef>
+          <a:fillRef idx="1">
+            <a:schemeClr val="lt1"/>
+          </a:fillRef>
+          <a:effectRef idx="0">
+            <a:schemeClr val="dk1"/>
+          </a:effectRef>
+          <a:fontRef idx="minor">
+            <a:schemeClr val="dk1"/>
+          </a:fontRef>
+        </p:style>
+        <p:txBody>
+          <a:bodyPr rtlCol="0" anchor="ctr"/>
+          <a:lstStyle/>
+          <a:p>
+            <a:pPr algn="ctr"/>
+            <a:r>
+              <a:rPr lang="en-US" smtClean="0">
+                <a:ln>
+                  <a:solidFill>
+                    <a:schemeClr val="tx1"/>
+                  </a:solidFill>
+                </a:ln>
+              </a:rPr>
+              <a:t>Weak reference counter</a:t>
+            </a:r>
+            <a:endParaRPr lang="en-US">
+              <a:ln>
+                <a:solidFill>
+                  <a:schemeClr val="tx1"/>
+                </a:solidFill>
+              </a:ln>
+            </a:endParaRPr>
+          </a:p>
+        </p:txBody>
+      </p:sp>
+      <p:cxnSp>
+        <p:nvCxnSpPr>
+          <p:cNvPr id="20" name="Straight Arrow Connector 8"/>
+          <p:cNvCxnSpPr>
+            <a:stCxn id="6" idx="3"/>
+          </p:cNvCxnSpPr>
+          <p:nvPr/>
+        </p:nvCxnSpPr>
+        <p:spPr>
+          <a:xfrm flipV="1">
+            <a:off x="5894070" y="4969510"/>
+            <a:ext cx="882650" cy="701040"/>
+          </a:xfrm>
+          <a:prstGeom prst="straightConnector1">
+            <a:avLst/>
+          </a:prstGeom>
+          <a:ln w="28575">
+            <a:solidFill>
+              <a:schemeClr val="tx1"/>
+            </a:solidFill>
+            <a:tailEnd type="triangle" w="lg" len="lg"/>
+          </a:ln>
+        </p:spPr>
+        <p:style>
+          <a:lnRef idx="1">
+            <a:schemeClr val="accent1"/>
+          </a:lnRef>
+          <a:fillRef idx="0">
+            <a:schemeClr val="accent1"/>
+          </a:fillRef>
+          <a:effectRef idx="0">
+            <a:schemeClr val="accent1"/>
+          </a:effectRef>
+          <a:fontRef idx="minor">
+            <a:schemeClr val="tx1"/>
+          </a:fontRef>
+        </p:style>
+      </p:cxnSp>
+      <p:sp>
+        <p:nvSpPr>
+          <p:cNvPr id="27" name="Rectangle 26"/>
+          <p:cNvSpPr/>
+          <p:nvPr/>
+        </p:nvSpPr>
+        <p:spPr>
+          <a:xfrm>
+            <a:off x="6786880" y="2599690"/>
+            <a:ext cx="1925320" cy="3364230"/>
+          </a:xfrm>
+          <a:prstGeom prst="rect">
+            <a:avLst/>
+          </a:prstGeom>
+          <a:noFill/>
+          <a:ln>
+            <a:solidFill>
+              <a:schemeClr val="tx1"/>
+            </a:solidFill>
+          </a:ln>
+          <a:effectLst/>
+        </p:spPr>
+        <p:style>
+          <a:lnRef idx="2">
+            <a:schemeClr val="dk1"/>
+          </a:lnRef>
+          <a:fillRef idx="1">
+            <a:schemeClr val="lt1"/>
+          </a:fillRef>
+          <a:effectRef idx="0">
+            <a:schemeClr val="dk1"/>
+          </a:effectRef>
+          <a:fontRef idx="minor">
+            <a:schemeClr val="dk1"/>
+          </a:fontRef>
+        </p:style>
+        <p:txBody>
+          <a:bodyPr rtlCol="0" anchor="t" anchorCtr="0"/>
+          <a:lstStyle/>
+          <a:p>
+            <a:pPr algn="ctr"/>
+            <a:r>
+              <a:rPr lang="en-US" smtClean="0">
+                <a:ln>
+                  <a:solidFill>
+                    <a:schemeClr val="tx1"/>
+                  </a:solidFill>
+                </a:ln>
+              </a:rPr>
+              <a:t>Control block</a:t>
+            </a:r>
+            <a:endParaRPr lang="en-US">
+              <a:ln>
+                <a:solidFill>
+                  <a:schemeClr val="tx1"/>
+                </a:solidFill>
+              </a:ln>
+            </a:endParaRPr>
+          </a:p>
+        </p:txBody>
+      </p:sp>
+      <p:sp>
+        <p:nvSpPr>
+          <p:cNvPr id="32" name="Rectangle 31"/>
+          <p:cNvSpPr/>
+          <p:nvPr/>
+        </p:nvSpPr>
+        <p:spPr>
+          <a:xfrm>
+            <a:off x="4094480" y="4733290"/>
+            <a:ext cx="2103120" cy="1480820"/>
+          </a:xfrm>
+          <a:prstGeom prst="rect">
+            <a:avLst/>
+          </a:prstGeom>
+          <a:noFill/>
+          <a:ln>
+            <a:solidFill>
+              <a:schemeClr val="tx1"/>
+            </a:solidFill>
+          </a:ln>
+          <a:effectLst/>
+        </p:spPr>
+        <p:style>
+          <a:lnRef idx="2">
+            <a:schemeClr val="dk1"/>
+          </a:lnRef>
+          <a:fillRef idx="1">
+            <a:schemeClr val="lt1"/>
+          </a:fillRef>
+          <a:effectRef idx="0">
+            <a:schemeClr val="dk1"/>
+          </a:effectRef>
+          <a:fontRef idx="minor">
+            <a:schemeClr val="dk1"/>
+          </a:fontRef>
+        </p:style>
+        <p:txBody>
+          <a:bodyPr rtlCol="0" anchor="t" anchorCtr="0"/>
+          <a:lstStyle/>
+          <a:p>
+            <a:pPr algn="ctr"/>
+            <a:r>
+              <a:rPr lang="en-US" smtClean="0">
+                <a:ln>
+                  <a:solidFill>
+                    <a:schemeClr val="tx1"/>
+                  </a:solidFill>
+                </a:ln>
+              </a:rPr>
+              <a:t>shared_ptr&lt;Data&gt;</a:t>
+            </a:r>
+            <a:endParaRPr lang="en-US">
+              <a:ln>
+                <a:solidFill>
+                  <a:schemeClr val="tx1"/>
+                </a:solidFill>
+              </a:ln>
+            </a:endParaRPr>
+          </a:p>
+        </p:txBody>
+      </p:sp>
+      <p:sp>
+        <p:nvSpPr>
+          <p:cNvPr id="37" name="Rectangle 36"/>
+          <p:cNvSpPr/>
+          <p:nvPr/>
+        </p:nvSpPr>
+        <p:spPr>
+          <a:xfrm>
+            <a:off x="4221480" y="3331210"/>
+            <a:ext cx="1513840" cy="802640"/>
+          </a:xfrm>
+          <a:prstGeom prst="rect">
+            <a:avLst/>
+          </a:prstGeom>
+          <a:ln>
+            <a:solidFill>
+              <a:schemeClr val="tx1"/>
+            </a:solidFill>
+          </a:ln>
+          <a:effectLst/>
+        </p:spPr>
+        <p:style>
+          <a:lnRef idx="2">
+            <a:schemeClr val="dk1"/>
+          </a:lnRef>
+          <a:fillRef idx="1">
+            <a:schemeClr val="lt1"/>
+          </a:fillRef>
+          <a:effectRef idx="0">
+            <a:schemeClr val="dk1"/>
+          </a:effectRef>
+          <a:fontRef idx="minor">
+            <a:schemeClr val="dk1"/>
+          </a:fontRef>
+        </p:style>
+        <p:txBody>
+          <a:bodyPr rtlCol="0" anchor="ctr"/>
+          <a:lstStyle/>
+          <a:p>
+            <a:pPr algn="ctr"/>
+            <a:r>
+              <a:rPr lang="en-US" smtClean="0">
+                <a:ln>
+                  <a:solidFill>
+                    <a:schemeClr val="tx1"/>
+                  </a:solidFill>
+                </a:ln>
+              </a:rPr>
+              <a:t>Control block pointer</a:t>
+            </a:r>
+            <a:endParaRPr lang="en-US">
+              <a:ln>
+                <a:solidFill>
+                  <a:schemeClr val="tx1"/>
+                </a:solidFill>
+              </a:ln>
+            </a:endParaRPr>
+          </a:p>
+        </p:txBody>
+      </p:sp>
+      <p:sp>
+        <p:nvSpPr>
+          <p:cNvPr id="38" name="Rectangle 37"/>
+          <p:cNvSpPr/>
+          <p:nvPr/>
+        </p:nvSpPr>
+        <p:spPr>
+          <a:xfrm>
+            <a:off x="9560560" y="4301490"/>
+            <a:ext cx="2103120" cy="1480820"/>
+          </a:xfrm>
+          <a:prstGeom prst="rect">
+            <a:avLst/>
+          </a:prstGeom>
+          <a:noFill/>
+          <a:ln>
+            <a:solidFill>
+              <a:schemeClr val="tx1"/>
+            </a:solidFill>
+          </a:ln>
+          <a:effectLst/>
+        </p:spPr>
+        <p:style>
+          <a:lnRef idx="2">
+            <a:schemeClr val="dk1"/>
+          </a:lnRef>
+          <a:fillRef idx="1">
+            <a:schemeClr val="lt1"/>
+          </a:fillRef>
+          <a:effectRef idx="0">
+            <a:schemeClr val="dk1"/>
+          </a:effectRef>
+          <a:fontRef idx="minor">
+            <a:schemeClr val="dk1"/>
+          </a:fontRef>
+        </p:style>
+        <p:txBody>
+          <a:bodyPr rtlCol="0" anchor="t" anchorCtr="0"/>
+          <a:lstStyle/>
+          <a:p>
+            <a:pPr algn="ctr"/>
+            <a:r>
+              <a:rPr lang="en-US" smtClean="0">
+                <a:ln>
+                  <a:solidFill>
+                    <a:schemeClr val="tx1"/>
+                  </a:solidFill>
+                </a:ln>
+              </a:rPr>
+              <a:t>weak_ptr&lt;Data&gt;</a:t>
+            </a:r>
+            <a:endParaRPr lang="en-US">
+              <a:ln>
+                <a:solidFill>
+                  <a:schemeClr val="tx1"/>
+                </a:solidFill>
+              </a:ln>
+            </a:endParaRPr>
+          </a:p>
+        </p:txBody>
+      </p:sp>
+      <p:cxnSp>
+        <p:nvCxnSpPr>
+          <p:cNvPr id="40" name="Straight Arrow Connector 8"/>
+          <p:cNvCxnSpPr>
+            <a:stCxn id="37" idx="3"/>
+          </p:cNvCxnSpPr>
+          <p:nvPr/>
+        </p:nvCxnSpPr>
+        <p:spPr>
+          <a:xfrm flipV="1">
+            <a:off x="5735320" y="3681730"/>
+            <a:ext cx="1051560" cy="50800"/>
+          </a:xfrm>
+          <a:prstGeom prst="straightConnector1">
+            <a:avLst/>
+          </a:prstGeom>
+          <a:ln w="28575">
+            <a:solidFill>
+              <a:schemeClr val="tx1"/>
+            </a:solidFill>
+            <a:tailEnd type="triangle" w="lg" len="lg"/>
+          </a:ln>
+        </p:spPr>
+        <p:style>
+          <a:lnRef idx="1">
+            <a:schemeClr val="accent1"/>
+          </a:lnRef>
+          <a:fillRef idx="0">
+            <a:schemeClr val="accent1"/>
+          </a:fillRef>
+          <a:effectRef idx="0">
+            <a:schemeClr val="accent1"/>
+          </a:effectRef>
+          <a:fontRef idx="minor">
+            <a:schemeClr val="tx1"/>
+          </a:fontRef>
+        </p:style>
+      </p:cxnSp>
+      <p:sp>
+        <p:nvSpPr>
+          <p:cNvPr id="47" name="Rectangle 46"/>
+          <p:cNvSpPr/>
+          <p:nvPr/>
+        </p:nvSpPr>
+        <p:spPr>
+          <a:xfrm>
+            <a:off x="9964420" y="4792980"/>
+            <a:ext cx="1513840" cy="802640"/>
+          </a:xfrm>
+          <a:prstGeom prst="rect">
+            <a:avLst/>
+          </a:prstGeom>
+          <a:ln>
+            <a:solidFill>
+              <a:schemeClr val="tx1"/>
+            </a:solidFill>
+          </a:ln>
+          <a:effectLst/>
+        </p:spPr>
+        <p:style>
+          <a:lnRef idx="2">
+            <a:schemeClr val="dk1"/>
+          </a:lnRef>
+          <a:fillRef idx="1">
+            <a:schemeClr val="lt1"/>
+          </a:fillRef>
+          <a:effectRef idx="0">
+            <a:schemeClr val="dk1"/>
+          </a:effectRef>
+          <a:fontRef idx="minor">
+            <a:schemeClr val="dk1"/>
+          </a:fontRef>
+        </p:style>
+        <p:txBody>
+          <a:bodyPr rtlCol="0" anchor="ctr"/>
+          <a:lstStyle/>
+          <a:p>
+            <a:pPr algn="ctr"/>
+            <a:r>
+              <a:rPr lang="en-US" smtClean="0">
+                <a:ln>
+                  <a:solidFill>
+                    <a:schemeClr val="tx1"/>
+                  </a:solidFill>
+                </a:ln>
+              </a:rPr>
+              <a:t>Control block pointer</a:t>
+            </a:r>
+            <a:endParaRPr lang="en-US">
+              <a:ln>
+                <a:solidFill>
+                  <a:schemeClr val="tx1"/>
+                </a:solidFill>
+              </a:ln>
+            </a:endParaRPr>
+          </a:p>
+        </p:txBody>
+      </p:sp>
+      <p:sp>
+        <p:nvSpPr>
+          <p:cNvPr id="48" name="Rectangle 47"/>
+          <p:cNvSpPr/>
+          <p:nvPr/>
+        </p:nvSpPr>
+        <p:spPr>
+          <a:xfrm>
+            <a:off x="4114800" y="2952750"/>
+            <a:ext cx="2103120" cy="1480820"/>
+          </a:xfrm>
+          <a:prstGeom prst="rect">
+            <a:avLst/>
+          </a:prstGeom>
+          <a:noFill/>
+          <a:ln>
+            <a:solidFill>
+              <a:schemeClr val="tx1"/>
+            </a:solidFill>
+          </a:ln>
+          <a:effectLst/>
+        </p:spPr>
+        <p:style>
+          <a:lnRef idx="2">
+            <a:schemeClr val="dk1"/>
+          </a:lnRef>
+          <a:fillRef idx="1">
+            <a:schemeClr val="lt1"/>
+          </a:fillRef>
+          <a:effectRef idx="0">
+            <a:schemeClr val="dk1"/>
+          </a:effectRef>
+          <a:fontRef idx="minor">
+            <a:schemeClr val="dk1"/>
+          </a:fontRef>
+        </p:style>
+        <p:txBody>
+          <a:bodyPr rtlCol="0" anchor="t" anchorCtr="0"/>
+          <a:lstStyle/>
+          <a:p>
+            <a:pPr algn="ctr"/>
+            <a:r>
+              <a:rPr lang="en-US" smtClean="0">
+                <a:ln>
+                  <a:solidFill>
+                    <a:schemeClr val="tx1"/>
+                  </a:solidFill>
+                </a:ln>
+              </a:rPr>
+              <a:t>shared_ptr&lt;Data&gt;</a:t>
+            </a:r>
+            <a:endParaRPr lang="en-US">
+              <a:ln>
+                <a:solidFill>
+                  <a:schemeClr val="tx1"/>
+                </a:solidFill>
+              </a:ln>
+            </a:endParaRPr>
+          </a:p>
+        </p:txBody>
+      </p:sp>
+      <p:cxnSp>
+        <p:nvCxnSpPr>
+          <p:cNvPr id="50" name="Straight Arrow Connector 8"/>
+          <p:cNvCxnSpPr>
+            <a:stCxn id="47" idx="1"/>
+          </p:cNvCxnSpPr>
+          <p:nvPr/>
+        </p:nvCxnSpPr>
+        <p:spPr>
+          <a:xfrm flipH="1" flipV="1">
+            <a:off x="8712200" y="4792980"/>
+            <a:ext cx="1252220" cy="401320"/>
+          </a:xfrm>
+          <a:prstGeom prst="straightConnector1">
+            <a:avLst/>
+          </a:prstGeom>
+          <a:ln w="28575">
+            <a:solidFill>
+              <a:schemeClr val="tx1"/>
+            </a:solidFill>
+            <a:tailEnd type="triangle" w="lg" len="lg"/>
+          </a:ln>
+        </p:spPr>
+        <p:style>
+          <a:lnRef idx="1">
+            <a:schemeClr val="accent1"/>
+          </a:lnRef>
+          <a:fillRef idx="0">
+            <a:schemeClr val="accent1"/>
+          </a:fillRef>
+          <a:effectRef idx="0">
+            <a:schemeClr val="accent1"/>
+          </a:effectRef>
+          <a:fontRef idx="minor">
+            <a:schemeClr val="tx1"/>
+          </a:fontRef>
+        </p:style>
+      </p:cxnSp>
+      <p:sp>
+        <p:nvSpPr>
+          <p:cNvPr id="57" name="TextBox 56"/>
+          <p:cNvSpPr txBox="1"/>
+          <p:nvPr/>
+        </p:nvSpPr>
+        <p:spPr>
+          <a:xfrm>
+            <a:off x="762000" y="2211070"/>
+            <a:ext cx="3028950" cy="3046988"/>
+          </a:xfrm>
+          <a:prstGeom prst="rect">
+            <a:avLst/>
+          </a:prstGeom>
+          <a:noFill/>
+        </p:spPr>
+        <p:txBody>
+          <a:bodyPr wrap="square" rtlCol="0">
+            <a:spAutoFit/>
+          </a:bodyPr>
+          <a:lstStyle/>
+          <a:p>
+            <a:r>
+              <a:rPr lang="ru-RU" sz="2400" smtClean="0"/>
+              <a:t>Пока есть сильные ссылки, данные </a:t>
+            </a:r>
+            <a:r>
+              <a:rPr lang="en-US" sz="2400" smtClean="0"/>
+              <a:t>Data</a:t>
+            </a:r>
+            <a:r>
+              <a:rPr lang="ru-RU" sz="2400" smtClean="0"/>
+              <a:t> сохраняются в куче и слабые указатели могут с помощью </a:t>
+            </a:r>
+            <a:r>
+              <a:rPr lang="en-US" sz="2400" smtClean="0"/>
+              <a:t>lock() </a:t>
+            </a:r>
+            <a:r>
+              <a:rPr lang="ru-RU" sz="2400" smtClean="0"/>
+              <a:t>получить к ним доступ</a:t>
+            </a:r>
+            <a:r>
+              <a:rPr lang="en-US" sz="2400" smtClean="0"/>
+              <a:t>, </a:t>
+            </a:r>
+            <a:r>
+              <a:rPr lang="ru-RU" sz="2400" smtClean="0"/>
+              <a:t>так как </a:t>
+            </a:r>
+            <a:r>
+              <a:rPr lang="en-US" sz="2400" smtClean="0"/>
+              <a:t>Data pointer </a:t>
+            </a:r>
+            <a:r>
+              <a:rPr lang="ru-RU" sz="2400" smtClean="0"/>
+              <a:t>не </a:t>
+            </a:r>
+            <a:r>
+              <a:rPr lang="en-US" sz="2400" smtClean="0"/>
+              <a:t>nullptr</a:t>
+            </a:r>
+            <a:endParaRPr lang="en-US" sz="2400"/>
+          </a:p>
+        </p:txBody>
+      </p:sp>
+    </p:spTree>
+    <p:extLst>
+      <p:ext uri="{BB962C8B-B14F-4D97-AF65-F5344CB8AC3E}">
+        <p14:creationId xmlns:p14="http://schemas.microsoft.com/office/powerpoint/2010/main" val="2684039681"/>
+      </p:ext>
+    </p:extLst>
+  </p:cSld>
+  <p:clrMapOvr>
+    <a:masterClrMapping/>
+  </p:clrMapOvr>
+</p:sld>
+</file>
+
+<file path=ppt/slides/slide55.xml><?xml version="1.0" encoding="utf-8"?>
+<p:sld xmlns:a="http://schemas.openxmlformats.org/drawingml/2006/main" xmlns:r="http://schemas.openxmlformats.org/officeDocument/2006/relationships" xmlns:p="http://schemas.openxmlformats.org/presentationml/2006/main">
+  <p:cSld>
+    <p:spTree>
+      <p:nvGrpSpPr>
+        <p:cNvPr id="1" name=""/>
+        <p:cNvGrpSpPr/>
+        <p:nvPr/>
+      </p:nvGrpSpPr>
+      <p:grpSpPr>
+        <a:xfrm>
+          <a:off x="0" y="0"/>
+          <a:ext cx="0" cy="0"/>
+          <a:chOff x="0" y="0"/>
+          <a:chExt cx="0" cy="0"/>
+        </a:xfrm>
+      </p:grpSpPr>
+      <p:sp>
+        <p:nvSpPr>
+          <p:cNvPr id="2" name="Title 1"/>
+          <p:cNvSpPr>
+            <a:spLocks noGrp="1"/>
+          </p:cNvSpPr>
+          <p:nvPr>
+            <p:ph type="title"/>
+          </p:nvPr>
+        </p:nvSpPr>
+        <p:spPr/>
+        <p:txBody>
+          <a:bodyPr/>
+          <a:lstStyle/>
+          <a:p>
+            <a:r>
+              <a:rPr lang="ru-RU" smtClean="0"/>
+              <a:t>Как на самом деле устроен </a:t>
+            </a:r>
+            <a:r>
+              <a:rPr lang="en-US" smtClean="0"/>
+              <a:t>shared_ptr</a:t>
+            </a:r>
+            <a:endParaRPr lang="en-US"/>
+          </a:p>
+        </p:txBody>
+      </p:sp>
+      <p:sp>
+        <p:nvSpPr>
+          <p:cNvPr id="5" name="Rectangle 4"/>
+          <p:cNvSpPr/>
+          <p:nvPr/>
+        </p:nvSpPr>
+        <p:spPr>
+          <a:xfrm>
+            <a:off x="6802120" y="3126740"/>
+            <a:ext cx="1371600" cy="802640"/>
+          </a:xfrm>
+          <a:prstGeom prst="rect">
+            <a:avLst/>
+          </a:prstGeom>
+          <a:ln>
+            <a:solidFill>
+              <a:schemeClr val="tx1"/>
+            </a:solidFill>
+          </a:ln>
+          <a:effectLst/>
+        </p:spPr>
+        <p:style>
+          <a:lnRef idx="2">
+            <a:schemeClr val="dk1"/>
+          </a:lnRef>
+          <a:fillRef idx="1">
+            <a:schemeClr val="lt1"/>
+          </a:fillRef>
+          <a:effectRef idx="0">
+            <a:schemeClr val="dk1"/>
+          </a:effectRef>
+          <a:fontRef idx="minor">
+            <a:schemeClr val="dk1"/>
+          </a:fontRef>
+        </p:style>
+        <p:txBody>
+          <a:bodyPr rtlCol="0" anchor="ctr"/>
+          <a:lstStyle/>
+          <a:p>
+            <a:pPr algn="ctr"/>
+            <a:r>
+              <a:rPr lang="en-US" smtClean="0">
+                <a:ln>
+                  <a:solidFill>
+                    <a:schemeClr val="tx1"/>
+                  </a:solidFill>
+                </a:ln>
+              </a:rPr>
+              <a:t>Data pointer</a:t>
+            </a:r>
+            <a:endParaRPr lang="en-US">
+              <a:ln>
+                <a:solidFill>
+                  <a:schemeClr val="tx1"/>
+                </a:solidFill>
+              </a:ln>
+            </a:endParaRPr>
+          </a:p>
+        </p:txBody>
+      </p:sp>
+      <p:sp>
+        <p:nvSpPr>
+          <p:cNvPr id="7" name="Rectangle 6"/>
+          <p:cNvSpPr/>
+          <p:nvPr/>
+        </p:nvSpPr>
+        <p:spPr>
+          <a:xfrm>
+            <a:off x="9296400" y="2211070"/>
+            <a:ext cx="1584960" cy="802640"/>
+          </a:xfrm>
+          <a:prstGeom prst="rect">
+            <a:avLst/>
+          </a:prstGeom>
+          <a:pattFill prst="dotGrid">
+            <a:fgClr>
+              <a:schemeClr val="tx1"/>
+            </a:fgClr>
+            <a:bgClr>
+              <a:schemeClr val="bg1"/>
+            </a:bgClr>
+          </a:pattFill>
+          <a:ln>
+            <a:solidFill>
+              <a:schemeClr val="tx1"/>
+            </a:solidFill>
+          </a:ln>
+          <a:effectLst/>
+        </p:spPr>
+        <p:style>
+          <a:lnRef idx="2">
+            <a:schemeClr val="dk1"/>
+          </a:lnRef>
+          <a:fillRef idx="1">
+            <a:schemeClr val="lt1"/>
+          </a:fillRef>
+          <a:effectRef idx="0">
+            <a:schemeClr val="dk1"/>
+          </a:effectRef>
+          <a:fontRef idx="minor">
+            <a:schemeClr val="dk1"/>
+          </a:fontRef>
+        </p:style>
+        <p:txBody>
+          <a:bodyPr rtlCol="0" anchor="ctr"/>
+          <a:lstStyle/>
+          <a:p>
+            <a:pPr algn="ctr"/>
+            <a:endParaRPr lang="en-US" smtClean="0">
+              <a:ln>
+                <a:solidFill>
+                  <a:schemeClr val="tx1"/>
+                </a:solidFill>
+              </a:ln>
+            </a:endParaRPr>
+          </a:p>
+        </p:txBody>
+      </p:sp>
+      <p:cxnSp>
+        <p:nvCxnSpPr>
+          <p:cNvPr id="9" name="Straight Arrow Connector 8"/>
+          <p:cNvCxnSpPr>
+            <a:stCxn id="5" idx="3"/>
+            <a:endCxn id="7" idx="2"/>
+          </p:cNvCxnSpPr>
+          <p:nvPr/>
+        </p:nvCxnSpPr>
+        <p:spPr>
+          <a:xfrm flipV="1">
+            <a:off x="8173720" y="3013710"/>
+            <a:ext cx="1915160" cy="514350"/>
+          </a:xfrm>
+          <a:prstGeom prst="curvedConnector2">
+            <a:avLst/>
+          </a:prstGeom>
+          <a:ln w="28575">
+            <a:solidFill>
+              <a:schemeClr val="tx1"/>
+            </a:solidFill>
+            <a:tailEnd type="triangle" w="lg" len="lg"/>
+          </a:ln>
+        </p:spPr>
+        <p:style>
+          <a:lnRef idx="1">
+            <a:schemeClr val="accent1"/>
+          </a:lnRef>
+          <a:fillRef idx="0">
+            <a:schemeClr val="accent1"/>
+          </a:fillRef>
+          <a:effectRef idx="0">
+            <a:schemeClr val="accent1"/>
+          </a:effectRef>
+          <a:fontRef idx="minor">
+            <a:schemeClr val="tx1"/>
+          </a:fontRef>
+        </p:style>
+      </p:cxnSp>
+      <p:sp>
+        <p:nvSpPr>
+          <p:cNvPr id="13" name="Rectangle 12"/>
+          <p:cNvSpPr/>
+          <p:nvPr/>
+        </p:nvSpPr>
+        <p:spPr>
+          <a:xfrm>
+            <a:off x="6802120" y="3929380"/>
+            <a:ext cx="1371600" cy="802640"/>
+          </a:xfrm>
+          <a:prstGeom prst="rect">
+            <a:avLst/>
+          </a:prstGeom>
+          <a:ln>
+            <a:solidFill>
+              <a:schemeClr val="tx1"/>
+            </a:solidFill>
+          </a:ln>
+          <a:effectLst/>
+        </p:spPr>
+        <p:style>
+          <a:lnRef idx="2">
+            <a:schemeClr val="dk1"/>
+          </a:lnRef>
+          <a:fillRef idx="1">
+            <a:schemeClr val="lt1"/>
+          </a:fillRef>
+          <a:effectRef idx="0">
+            <a:schemeClr val="dk1"/>
+          </a:effectRef>
+          <a:fontRef idx="minor">
+            <a:schemeClr val="dk1"/>
+          </a:fontRef>
+        </p:style>
+        <p:txBody>
+          <a:bodyPr rtlCol="0" anchor="ctr"/>
+          <a:lstStyle/>
+          <a:p>
+            <a:pPr algn="ctr"/>
+            <a:r>
+              <a:rPr lang="en-US" smtClean="0">
+                <a:ln>
+                  <a:solidFill>
+                    <a:schemeClr val="tx1"/>
+                  </a:solidFill>
+                </a:ln>
+              </a:rPr>
+              <a:t>Reference counter</a:t>
+            </a:r>
+            <a:endParaRPr lang="en-US">
+              <a:ln>
+                <a:solidFill>
+                  <a:schemeClr val="tx1"/>
+                </a:solidFill>
+              </a:ln>
+            </a:endParaRPr>
+          </a:p>
+        </p:txBody>
+      </p:sp>
+      <p:sp>
+        <p:nvSpPr>
+          <p:cNvPr id="14" name="Rectangle 13"/>
+          <p:cNvSpPr/>
+          <p:nvPr/>
+        </p:nvSpPr>
+        <p:spPr>
+          <a:xfrm>
+            <a:off x="6802120" y="4732020"/>
+            <a:ext cx="1371600" cy="955040"/>
+          </a:xfrm>
+          <a:prstGeom prst="rect">
+            <a:avLst/>
+          </a:prstGeom>
+          <a:ln>
+            <a:solidFill>
+              <a:schemeClr val="tx1"/>
+            </a:solidFill>
+          </a:ln>
+          <a:effectLst/>
+        </p:spPr>
+        <p:style>
+          <a:lnRef idx="2">
+            <a:schemeClr val="dk1"/>
+          </a:lnRef>
+          <a:fillRef idx="1">
+            <a:schemeClr val="lt1"/>
+          </a:fillRef>
+          <a:effectRef idx="0">
+            <a:schemeClr val="dk1"/>
+          </a:effectRef>
+          <a:fontRef idx="minor">
+            <a:schemeClr val="dk1"/>
+          </a:fontRef>
+        </p:style>
+        <p:txBody>
+          <a:bodyPr rtlCol="0" anchor="ctr"/>
+          <a:lstStyle/>
+          <a:p>
+            <a:pPr algn="ctr"/>
+            <a:r>
+              <a:rPr lang="en-US" smtClean="0">
+                <a:ln>
+                  <a:solidFill>
+                    <a:schemeClr val="tx1"/>
+                  </a:solidFill>
+                </a:ln>
+              </a:rPr>
+              <a:t>Weak reference counter</a:t>
+            </a:r>
+            <a:endParaRPr lang="en-US">
+              <a:ln>
+                <a:solidFill>
+                  <a:schemeClr val="tx1"/>
+                </a:solidFill>
+              </a:ln>
+            </a:endParaRPr>
+          </a:p>
+        </p:txBody>
+      </p:sp>
+      <p:sp>
+        <p:nvSpPr>
+          <p:cNvPr id="27" name="Rectangle 26"/>
+          <p:cNvSpPr/>
+          <p:nvPr/>
+        </p:nvSpPr>
+        <p:spPr>
+          <a:xfrm>
+            <a:off x="6522720" y="2660650"/>
+            <a:ext cx="1925320" cy="3364230"/>
+          </a:xfrm>
+          <a:prstGeom prst="rect">
+            <a:avLst/>
+          </a:prstGeom>
+          <a:noFill/>
+          <a:ln>
+            <a:solidFill>
+              <a:schemeClr val="tx1"/>
+            </a:solidFill>
+          </a:ln>
+          <a:effectLst/>
+        </p:spPr>
+        <p:style>
+          <a:lnRef idx="2">
+            <a:schemeClr val="dk1"/>
+          </a:lnRef>
+          <a:fillRef idx="1">
+            <a:schemeClr val="lt1"/>
+          </a:fillRef>
+          <a:effectRef idx="0">
+            <a:schemeClr val="dk1"/>
+          </a:effectRef>
+          <a:fontRef idx="minor">
+            <a:schemeClr val="dk1"/>
+          </a:fontRef>
+        </p:style>
+        <p:txBody>
+          <a:bodyPr rtlCol="0" anchor="t" anchorCtr="0"/>
+          <a:lstStyle/>
+          <a:p>
+            <a:pPr algn="ctr"/>
+            <a:r>
+              <a:rPr lang="en-US" smtClean="0">
+                <a:ln>
+                  <a:solidFill>
+                    <a:schemeClr val="tx1"/>
+                  </a:solidFill>
+                </a:ln>
+              </a:rPr>
+              <a:t>Control block</a:t>
+            </a:r>
+            <a:endParaRPr lang="en-US">
+              <a:ln>
+                <a:solidFill>
+                  <a:schemeClr val="tx1"/>
+                </a:solidFill>
+              </a:ln>
+            </a:endParaRPr>
+          </a:p>
+        </p:txBody>
+      </p:sp>
+      <p:sp>
+        <p:nvSpPr>
+          <p:cNvPr id="38" name="Rectangle 37"/>
+          <p:cNvSpPr/>
+          <p:nvPr/>
+        </p:nvSpPr>
+        <p:spPr>
+          <a:xfrm>
+            <a:off x="9296400" y="4362450"/>
+            <a:ext cx="2103120" cy="1480820"/>
+          </a:xfrm>
+          <a:prstGeom prst="rect">
+            <a:avLst/>
+          </a:prstGeom>
+          <a:noFill/>
+          <a:ln>
+            <a:solidFill>
+              <a:schemeClr val="tx1"/>
+            </a:solidFill>
+          </a:ln>
+          <a:effectLst/>
+        </p:spPr>
+        <p:style>
+          <a:lnRef idx="2">
+            <a:schemeClr val="dk1"/>
+          </a:lnRef>
+          <a:fillRef idx="1">
+            <a:schemeClr val="lt1"/>
+          </a:fillRef>
+          <a:effectRef idx="0">
+            <a:schemeClr val="dk1"/>
+          </a:effectRef>
+          <a:fontRef idx="minor">
+            <a:schemeClr val="dk1"/>
+          </a:fontRef>
+        </p:style>
+        <p:txBody>
+          <a:bodyPr rtlCol="0" anchor="t" anchorCtr="0"/>
+          <a:lstStyle/>
+          <a:p>
+            <a:pPr algn="ctr"/>
+            <a:r>
+              <a:rPr lang="en-US" smtClean="0">
+                <a:ln>
+                  <a:solidFill>
+                    <a:schemeClr val="tx1"/>
+                  </a:solidFill>
+                </a:ln>
+              </a:rPr>
+              <a:t>weak_ptr&lt;Data&gt;</a:t>
+            </a:r>
+            <a:endParaRPr lang="en-US">
+              <a:ln>
+                <a:solidFill>
+                  <a:schemeClr val="tx1"/>
+                </a:solidFill>
+              </a:ln>
+            </a:endParaRPr>
+          </a:p>
+        </p:txBody>
+      </p:sp>
+      <p:sp>
+        <p:nvSpPr>
+          <p:cNvPr id="47" name="Rectangle 46"/>
+          <p:cNvSpPr/>
+          <p:nvPr/>
+        </p:nvSpPr>
+        <p:spPr>
+          <a:xfrm>
+            <a:off x="9700260" y="4853940"/>
+            <a:ext cx="1513840" cy="802640"/>
+          </a:xfrm>
+          <a:prstGeom prst="rect">
+            <a:avLst/>
+          </a:prstGeom>
+          <a:ln>
+            <a:solidFill>
+              <a:schemeClr val="tx1"/>
+            </a:solidFill>
+          </a:ln>
+          <a:effectLst/>
+        </p:spPr>
+        <p:style>
+          <a:lnRef idx="2">
+            <a:schemeClr val="dk1"/>
+          </a:lnRef>
+          <a:fillRef idx="1">
+            <a:schemeClr val="lt1"/>
+          </a:fillRef>
+          <a:effectRef idx="0">
+            <a:schemeClr val="dk1"/>
+          </a:effectRef>
+          <a:fontRef idx="minor">
+            <a:schemeClr val="dk1"/>
+          </a:fontRef>
+        </p:style>
+        <p:txBody>
+          <a:bodyPr rtlCol="0" anchor="ctr"/>
+          <a:lstStyle/>
+          <a:p>
+            <a:pPr algn="ctr"/>
+            <a:r>
+              <a:rPr lang="en-US" smtClean="0">
+                <a:ln>
+                  <a:solidFill>
+                    <a:schemeClr val="tx1"/>
+                  </a:solidFill>
+                </a:ln>
+              </a:rPr>
+              <a:t>Control block pointer</a:t>
+            </a:r>
+            <a:endParaRPr lang="en-US">
+              <a:ln>
+                <a:solidFill>
+                  <a:schemeClr val="tx1"/>
+                </a:solidFill>
+              </a:ln>
+            </a:endParaRPr>
+          </a:p>
+        </p:txBody>
+      </p:sp>
+      <p:cxnSp>
+        <p:nvCxnSpPr>
+          <p:cNvPr id="50" name="Straight Arrow Connector 8"/>
+          <p:cNvCxnSpPr>
+            <a:stCxn id="47" idx="1"/>
+          </p:cNvCxnSpPr>
+          <p:nvPr/>
+        </p:nvCxnSpPr>
+        <p:spPr>
+          <a:xfrm flipH="1" flipV="1">
+            <a:off x="8448040" y="4853940"/>
+            <a:ext cx="1252220" cy="401320"/>
+          </a:xfrm>
+          <a:prstGeom prst="straightConnector1">
+            <a:avLst/>
+          </a:prstGeom>
+          <a:ln w="28575">
+            <a:solidFill>
+              <a:schemeClr val="tx1"/>
+            </a:solidFill>
+            <a:tailEnd type="triangle" w="lg" len="lg"/>
+          </a:ln>
+        </p:spPr>
+        <p:style>
+          <a:lnRef idx="1">
+            <a:schemeClr val="accent1"/>
+          </a:lnRef>
+          <a:fillRef idx="0">
+            <a:schemeClr val="accent1"/>
+          </a:fillRef>
+          <a:effectRef idx="0">
+            <a:schemeClr val="accent1"/>
+          </a:effectRef>
+          <a:fontRef idx="minor">
+            <a:schemeClr val="tx1"/>
+          </a:fontRef>
+        </p:style>
+      </p:cxnSp>
+      <p:sp>
+        <p:nvSpPr>
+          <p:cNvPr id="3" name="TextBox 2"/>
+          <p:cNvSpPr txBox="1"/>
+          <p:nvPr/>
+        </p:nvSpPr>
+        <p:spPr>
+          <a:xfrm>
+            <a:off x="762000" y="2211070"/>
+            <a:ext cx="5110480" cy="3416320"/>
+          </a:xfrm>
+          <a:prstGeom prst="rect">
+            <a:avLst/>
+          </a:prstGeom>
+          <a:noFill/>
+        </p:spPr>
+        <p:txBody>
+          <a:bodyPr wrap="square" rtlCol="0">
+            <a:spAutoFit/>
+          </a:bodyPr>
+          <a:lstStyle/>
+          <a:p>
+            <a:pPr marL="342900" indent="-342900">
+              <a:buFont typeface="Arial" panose="020B0604020202020204" pitchFamily="34" charset="0"/>
+              <a:buChar char="•"/>
+            </a:pPr>
+            <a:r>
+              <a:rPr lang="ru-RU" sz="2400" smtClean="0"/>
+              <a:t>Если не остаётся ни одной сильной ссылки, то </a:t>
+            </a:r>
+          </a:p>
+          <a:p>
+            <a:pPr marL="800100" lvl="1" indent="-342900">
+              <a:buFont typeface="Arial" panose="020B0604020202020204" pitchFamily="34" charset="0"/>
+              <a:buChar char="•"/>
+            </a:pPr>
+            <a:r>
+              <a:rPr lang="en-US" sz="2400" smtClean="0"/>
+              <a:t>control block </a:t>
+            </a:r>
+            <a:r>
+              <a:rPr lang="ru-RU" sz="2400" smtClean="0"/>
+              <a:t>живёт пока есть слабые ссылки</a:t>
+            </a:r>
+          </a:p>
+          <a:p>
+            <a:pPr marL="800100" lvl="1" indent="-342900">
+              <a:buFont typeface="Arial" panose="020B0604020202020204" pitchFamily="34" charset="0"/>
+              <a:buChar char="•"/>
+            </a:pPr>
+            <a:r>
+              <a:rPr lang="en-US" sz="2400" smtClean="0"/>
+              <a:t>Data </a:t>
+            </a:r>
+            <a:r>
+              <a:rPr lang="ru-RU" sz="2400" smtClean="0"/>
+              <a:t>освобождается</a:t>
+            </a:r>
+          </a:p>
+          <a:p>
+            <a:pPr marL="800100" lvl="1" indent="-342900">
+              <a:buFont typeface="Arial" panose="020B0604020202020204" pitchFamily="34" charset="0"/>
+              <a:buChar char="•"/>
+            </a:pPr>
+            <a:r>
+              <a:rPr lang="en-US" sz="2400" smtClean="0"/>
+              <a:t>Data pointer </a:t>
+            </a:r>
+            <a:r>
+              <a:rPr lang="ru-RU" sz="2400" smtClean="0"/>
+              <a:t>становится </a:t>
+            </a:r>
+            <a:r>
+              <a:rPr lang="en-US" sz="2400" smtClean="0"/>
+              <a:t>nullptr</a:t>
+            </a:r>
+            <a:endParaRPr lang="ru-RU" sz="2400" smtClean="0"/>
+          </a:p>
+          <a:p>
+            <a:pPr marL="800100" lvl="1" indent="-342900">
+              <a:buFont typeface="Arial" panose="020B0604020202020204" pitchFamily="34" charset="0"/>
+              <a:buChar char="•"/>
+            </a:pPr>
+            <a:r>
+              <a:rPr lang="ru-RU" sz="2400" smtClean="0"/>
+              <a:t>Если </a:t>
+            </a:r>
+            <a:r>
+              <a:rPr lang="en-US" sz="2400" smtClean="0"/>
+              <a:t>weak pointer </a:t>
+            </a:r>
+            <a:r>
+              <a:rPr lang="ru-RU" sz="2400" smtClean="0"/>
+              <a:t>указывает на </a:t>
+            </a:r>
+            <a:r>
+              <a:rPr lang="en-US" sz="2400" smtClean="0"/>
+              <a:t>control block </a:t>
+            </a:r>
+            <a:r>
+              <a:rPr lang="ru-RU" sz="2400" smtClean="0"/>
+              <a:t>без сильных ссылок, то он </a:t>
+            </a:r>
+            <a:r>
+              <a:rPr lang="en-US" sz="2400" smtClean="0"/>
+              <a:t>expired</a:t>
+            </a:r>
+            <a:endParaRPr lang="en-US" sz="2400"/>
+          </a:p>
+        </p:txBody>
+      </p:sp>
+    </p:spTree>
+    <p:extLst>
+      <p:ext uri="{BB962C8B-B14F-4D97-AF65-F5344CB8AC3E}">
+        <p14:creationId xmlns:p14="http://schemas.microsoft.com/office/powerpoint/2010/main" val="2225470375"/>
+      </p:ext>
+    </p:extLst>
+  </p:cSld>
+  <p:clrMapOvr>
+    <a:masterClrMapping/>
+  </p:clrMapOvr>
+</p:sld>
+</file>
+
+<file path=ppt/slides/slide56.xml><?xml version="1.0" encoding="utf-8"?>
+<p:sld xmlns:a="http://schemas.openxmlformats.org/drawingml/2006/main" xmlns:r="http://schemas.openxmlformats.org/officeDocument/2006/relationships" xmlns:p="http://schemas.openxmlformats.org/presentationml/2006/main">
+  <p:cSld>
+    <p:spTree>
+      <p:nvGrpSpPr>
+        <p:cNvPr id="1" name=""/>
+        <p:cNvGrpSpPr/>
+        <p:nvPr/>
+      </p:nvGrpSpPr>
+      <p:grpSpPr>
+        <a:xfrm>
+          <a:off x="0" y="0"/>
+          <a:ext cx="0" cy="0"/>
+          <a:chOff x="0" y="0"/>
+          <a:chExt cx="0" cy="0"/>
+        </a:xfrm>
+      </p:grpSpPr>
+      <p:sp>
+        <p:nvSpPr>
+          <p:cNvPr id="2" name="Title 1"/>
+          <p:cNvSpPr>
+            <a:spLocks noGrp="1"/>
+          </p:cNvSpPr>
+          <p:nvPr>
+            <p:ph type="title"/>
+          </p:nvPr>
+        </p:nvSpPr>
+        <p:spPr/>
+        <p:txBody>
+          <a:bodyPr/>
+          <a:lstStyle/>
+          <a:p>
+            <a:r>
+              <a:rPr lang="ru-RU" smtClean="0"/>
+              <a:t>Кэш Майерса</a:t>
+            </a:r>
+            <a:endParaRPr lang="en-US"/>
+          </a:p>
+        </p:txBody>
+      </p:sp>
+      <p:sp>
+        <p:nvSpPr>
+          <p:cNvPr id="3" name="Content Placeholder 2"/>
+          <p:cNvSpPr>
+            <a:spLocks noGrp="1"/>
+          </p:cNvSpPr>
+          <p:nvPr>
+            <p:ph idx="1"/>
+          </p:nvPr>
+        </p:nvSpPr>
+        <p:spPr>
+          <a:xfrm>
+            <a:off x="1143000" y="2057400"/>
+            <a:ext cx="10405872" cy="4038600"/>
+          </a:xfrm>
+        </p:spPr>
+        <p:txBody>
+          <a:bodyPr/>
+          <a:lstStyle/>
+          <a:p>
+            <a:r>
+              <a:rPr lang="ru-RU" smtClean="0"/>
+              <a:t>Майерс в книге </a:t>
+            </a:r>
+            <a:r>
+              <a:rPr lang="en-US" smtClean="0"/>
+              <a:t>"Effective Modern C++" </a:t>
+            </a:r>
+            <a:r>
+              <a:rPr lang="ru-RU" smtClean="0"/>
+              <a:t>описывает кэширующую фабрику</a:t>
+            </a:r>
+          </a:p>
+          <a:p>
+            <a:pPr marL="45720" indent="0">
+              <a:buNone/>
+            </a:pPr>
+            <a:r>
+              <a:rPr lang="en-US" smtClean="0">
+                <a:latin typeface="Consolas" panose="020B0609020204030204" pitchFamily="49" charset="0"/>
+              </a:rPr>
+              <a:t>template &lt;typename T&gt; shared_ptr&lt;T&gt; getObject(int id) {</a:t>
+            </a:r>
+            <a:br>
+              <a:rPr lang="en-US" smtClean="0">
+                <a:latin typeface="Consolas" panose="020B0609020204030204" pitchFamily="49" charset="0"/>
+              </a:rPr>
+            </a:br>
+            <a:r>
+              <a:rPr lang="en-US" smtClean="0">
+                <a:latin typeface="Consolas" panose="020B0609020204030204" pitchFamily="49" charset="0"/>
+              </a:rPr>
+              <a:t>  static unordered_map&lt;int, </a:t>
+            </a:r>
+            <a:r>
+              <a:rPr lang="en-US" smtClean="0">
+                <a:solidFill>
+                  <a:srgbClr val="0000FF"/>
+                </a:solidFill>
+                <a:latin typeface="Consolas" panose="020B0609020204030204" pitchFamily="49" charset="0"/>
+              </a:rPr>
+              <a:t>weak_ptr&lt;T&gt;</a:t>
+            </a:r>
+            <a:r>
+              <a:rPr lang="en-US" smtClean="0">
+                <a:latin typeface="Consolas" panose="020B0609020204030204" pitchFamily="49" charset="0"/>
+              </a:rPr>
+              <a:t>&gt; cache;</a:t>
+            </a:r>
+            <a:br>
+              <a:rPr lang="en-US" smtClean="0">
+                <a:latin typeface="Consolas" panose="020B0609020204030204" pitchFamily="49" charset="0"/>
+              </a:rPr>
+            </a:br>
+            <a:r>
+              <a:rPr lang="en-US" smtClean="0">
+                <a:latin typeface="Consolas" panose="020B0609020204030204" pitchFamily="49" charset="0"/>
+              </a:rPr>
+              <a:t>  auto result = cache[id].lock();</a:t>
+            </a:r>
+            <a:br>
+              <a:rPr lang="en-US" smtClean="0">
+                <a:latin typeface="Consolas" panose="020B0609020204030204" pitchFamily="49" charset="0"/>
+              </a:rPr>
+            </a:br>
+            <a:r>
+              <a:rPr lang="en-US" smtClean="0">
+                <a:latin typeface="Consolas" panose="020B0609020204030204" pitchFamily="49" charset="0"/>
+              </a:rPr>
+              <a:t>  if (!result) </a:t>
+            </a:r>
+            <a:br>
+              <a:rPr lang="en-US" smtClean="0">
+                <a:latin typeface="Consolas" panose="020B0609020204030204" pitchFamily="49" charset="0"/>
+              </a:rPr>
+            </a:br>
+            <a:r>
+              <a:rPr lang="en-US" smtClean="0">
+                <a:latin typeface="Consolas" panose="020B0609020204030204" pitchFamily="49" charset="0"/>
+              </a:rPr>
+              <a:t>    cache[id] = result = createObject&lt;T&gt;(id); </a:t>
+            </a:r>
+            <a:br>
+              <a:rPr lang="en-US" smtClean="0">
+                <a:latin typeface="Consolas" panose="020B0609020204030204" pitchFamily="49" charset="0"/>
+              </a:rPr>
+            </a:br>
+            <a:r>
+              <a:rPr lang="en-US" smtClean="0">
+                <a:latin typeface="Consolas" panose="020B0609020204030204" pitchFamily="49" charset="0"/>
+              </a:rPr>
+              <a:t>  return result;</a:t>
+            </a:r>
+            <a:br>
+              <a:rPr lang="en-US" smtClean="0">
+                <a:latin typeface="Consolas" panose="020B0609020204030204" pitchFamily="49" charset="0"/>
+              </a:rPr>
+            </a:br>
+            <a:r>
+              <a:rPr lang="en-US" smtClean="0">
+                <a:latin typeface="Consolas" panose="020B0609020204030204" pitchFamily="49" charset="0"/>
+              </a:rPr>
+              <a:t>}</a:t>
+            </a:r>
+          </a:p>
+          <a:p>
+            <a:r>
+              <a:rPr lang="ru-RU" smtClean="0"/>
+              <a:t>Вы понимаете как это работает?</a:t>
+            </a:r>
+          </a:p>
+          <a:p>
+            <a:r>
+              <a:rPr lang="ru-RU" smtClean="0"/>
+              <a:t>Вы видите здесь какие-нибудь проблемы?</a:t>
+            </a:r>
+            <a:endParaRPr lang="en-US"/>
+          </a:p>
+        </p:txBody>
+      </p:sp>
+      <p:sp>
+        <p:nvSpPr>
+          <p:cNvPr id="4" name="Rectangle 3"/>
+          <p:cNvSpPr/>
+          <p:nvPr/>
+        </p:nvSpPr>
+        <p:spPr>
+          <a:xfrm>
+            <a:off x="8494776" y="5850636"/>
+            <a:ext cx="493776" cy="577596"/>
+          </a:xfrm>
+          <a:prstGeom prst="rect">
+            <a:avLst/>
+          </a:prstGeom>
+        </p:spPr>
+        <p:style>
+          <a:lnRef idx="3">
+            <a:schemeClr val="lt1"/>
+          </a:lnRef>
+          <a:fillRef idx="1">
+            <a:schemeClr val="accent4"/>
+          </a:fillRef>
+          <a:effectRef idx="1">
+            <a:schemeClr val="accent4"/>
+          </a:effectRef>
+          <a:fontRef idx="minor">
+            <a:schemeClr val="lt1"/>
+          </a:fontRef>
+        </p:style>
+        <p:txBody>
+          <a:bodyPr rtlCol="0" anchor="ctr"/>
+          <a:lstStyle/>
+          <a:p>
+            <a:pPr algn="ctr"/>
+            <a:endParaRPr lang="en-US"/>
+          </a:p>
+        </p:txBody>
+      </p:sp>
+      <p:sp>
+        <p:nvSpPr>
+          <p:cNvPr id="5" name="Rectangle 4"/>
+          <p:cNvSpPr/>
+          <p:nvPr/>
+        </p:nvSpPr>
+        <p:spPr>
+          <a:xfrm>
+            <a:off x="9372600" y="4817364"/>
+            <a:ext cx="512064" cy="411480"/>
+          </a:xfrm>
+          <a:prstGeom prst="rect">
+            <a:avLst/>
+          </a:prstGeom>
+          <a:ln/>
+        </p:spPr>
+        <p:style>
+          <a:lnRef idx="2">
+            <a:schemeClr val="accent4"/>
+          </a:lnRef>
+          <a:fillRef idx="1">
+            <a:schemeClr val="lt1"/>
+          </a:fillRef>
+          <a:effectRef idx="0">
+            <a:schemeClr val="accent4"/>
+          </a:effectRef>
+          <a:fontRef idx="minor">
+            <a:schemeClr val="dk1"/>
+          </a:fontRef>
+        </p:style>
+        <p:txBody>
+          <a:bodyPr rtlCol="0" anchor="ctr"/>
+          <a:lstStyle/>
+          <a:p>
+            <a:pPr algn="ctr"/>
+            <a:endParaRPr lang="en-US">
+              <a:ln w="28575">
+                <a:solidFill>
+                  <a:schemeClr val="tx1"/>
+                </a:solidFill>
+              </a:ln>
+            </a:endParaRPr>
+          </a:p>
+        </p:txBody>
+      </p:sp>
+      <p:sp>
+        <p:nvSpPr>
+          <p:cNvPr id="6" name="Rectangle 5"/>
+          <p:cNvSpPr/>
+          <p:nvPr/>
+        </p:nvSpPr>
+        <p:spPr>
+          <a:xfrm>
+            <a:off x="10094976" y="5382006"/>
+            <a:ext cx="512064" cy="411480"/>
+          </a:xfrm>
+          <a:prstGeom prst="rect">
+            <a:avLst/>
+          </a:prstGeom>
+          <a:ln/>
+        </p:spPr>
+        <p:style>
+          <a:lnRef idx="2">
+            <a:schemeClr val="accent4"/>
+          </a:lnRef>
+          <a:fillRef idx="1">
+            <a:schemeClr val="lt1"/>
+          </a:fillRef>
+          <a:effectRef idx="0">
+            <a:schemeClr val="accent4"/>
+          </a:effectRef>
+          <a:fontRef idx="minor">
+            <a:schemeClr val="dk1"/>
+          </a:fontRef>
+        </p:style>
+        <p:txBody>
+          <a:bodyPr rtlCol="0" anchor="ctr"/>
+          <a:lstStyle/>
+          <a:p>
+            <a:pPr algn="ctr"/>
+            <a:endParaRPr lang="en-US">
+              <a:ln w="28575">
+                <a:solidFill>
+                  <a:schemeClr val="tx1"/>
+                </a:solidFill>
+              </a:ln>
+            </a:endParaRPr>
+          </a:p>
+        </p:txBody>
+      </p:sp>
+      <p:sp>
+        <p:nvSpPr>
+          <p:cNvPr id="7" name="Rectangle 6"/>
+          <p:cNvSpPr/>
+          <p:nvPr/>
+        </p:nvSpPr>
+        <p:spPr>
+          <a:xfrm>
+            <a:off x="10762488" y="5933694"/>
+            <a:ext cx="512064" cy="411480"/>
+          </a:xfrm>
+          <a:prstGeom prst="rect">
+            <a:avLst/>
+          </a:prstGeom>
+          <a:pattFill prst="dotGrid">
+            <a:fgClr>
+              <a:schemeClr val="tx1"/>
+            </a:fgClr>
+            <a:bgClr>
+              <a:schemeClr val="bg1"/>
+            </a:bgClr>
+          </a:pattFill>
+          <a:ln/>
+        </p:spPr>
+        <p:style>
+          <a:lnRef idx="2">
+            <a:schemeClr val="accent4"/>
+          </a:lnRef>
+          <a:fillRef idx="1">
+            <a:schemeClr val="lt1"/>
+          </a:fillRef>
+          <a:effectRef idx="0">
+            <a:schemeClr val="accent4"/>
+          </a:effectRef>
+          <a:fontRef idx="minor">
+            <a:schemeClr val="dk1"/>
+          </a:fontRef>
+        </p:style>
+        <p:txBody>
+          <a:bodyPr rtlCol="0" anchor="ctr"/>
+          <a:lstStyle/>
+          <a:p>
+            <a:pPr algn="ctr"/>
+            <a:endParaRPr lang="en-US">
+              <a:ln w="28575">
+                <a:solidFill>
+                  <a:schemeClr val="tx1"/>
+                </a:solidFill>
+              </a:ln>
+            </a:endParaRPr>
+          </a:p>
+        </p:txBody>
+      </p:sp>
+      <p:cxnSp>
+        <p:nvCxnSpPr>
+          <p:cNvPr id="9" name="Straight Arrow Connector 8"/>
+          <p:cNvCxnSpPr>
+            <a:stCxn id="13" idx="3"/>
+            <a:endCxn id="5" idx="1"/>
+          </p:cNvCxnSpPr>
+          <p:nvPr/>
+        </p:nvCxnSpPr>
+        <p:spPr>
+          <a:xfrm>
+            <a:off x="8988552" y="5023104"/>
+            <a:ext cx="384048" cy="0"/>
+          </a:xfrm>
+          <a:prstGeom prst="straightConnector1">
+            <a:avLst/>
+          </a:prstGeom>
+          <a:ln w="38100">
+            <a:solidFill>
+              <a:schemeClr val="accent4"/>
+            </a:solidFill>
+            <a:tailEnd type="triangle"/>
+          </a:ln>
+        </p:spPr>
+        <p:style>
+          <a:lnRef idx="1">
+            <a:schemeClr val="accent1"/>
+          </a:lnRef>
+          <a:fillRef idx="0">
+            <a:schemeClr val="accent1"/>
+          </a:fillRef>
+          <a:effectRef idx="0">
+            <a:schemeClr val="accent1"/>
+          </a:effectRef>
+          <a:fontRef idx="minor">
+            <a:schemeClr val="tx1"/>
+          </a:fontRef>
+        </p:style>
+      </p:cxnSp>
+      <p:sp>
+        <p:nvSpPr>
+          <p:cNvPr id="12" name="Rectangle 11"/>
+          <p:cNvSpPr/>
+          <p:nvPr/>
+        </p:nvSpPr>
+        <p:spPr>
+          <a:xfrm>
+            <a:off x="8494776" y="5298948"/>
+            <a:ext cx="493776" cy="577596"/>
+          </a:xfrm>
+          <a:prstGeom prst="rect">
+            <a:avLst/>
+          </a:prstGeom>
+        </p:spPr>
+        <p:style>
+          <a:lnRef idx="3">
+            <a:schemeClr val="lt1"/>
+          </a:lnRef>
+          <a:fillRef idx="1">
+            <a:schemeClr val="accent4"/>
+          </a:fillRef>
+          <a:effectRef idx="1">
+            <a:schemeClr val="accent4"/>
+          </a:effectRef>
+          <a:fontRef idx="minor">
+            <a:schemeClr val="lt1"/>
+          </a:fontRef>
+        </p:style>
+        <p:txBody>
+          <a:bodyPr rtlCol="0" anchor="ctr"/>
+          <a:lstStyle/>
+          <a:p>
+            <a:pPr algn="ctr"/>
+            <a:endParaRPr lang="en-US"/>
+          </a:p>
+        </p:txBody>
+      </p:sp>
+      <p:sp>
+        <p:nvSpPr>
+          <p:cNvPr id="13" name="Rectangle 12"/>
+          <p:cNvSpPr/>
+          <p:nvPr/>
+        </p:nvSpPr>
+        <p:spPr>
+          <a:xfrm>
+            <a:off x="8494776" y="4734306"/>
+            <a:ext cx="493776" cy="577596"/>
+          </a:xfrm>
+          <a:prstGeom prst="rect">
+            <a:avLst/>
+          </a:prstGeom>
+        </p:spPr>
+        <p:style>
+          <a:lnRef idx="3">
+            <a:schemeClr val="lt1"/>
+          </a:lnRef>
+          <a:fillRef idx="1">
+            <a:schemeClr val="accent4"/>
+          </a:fillRef>
+          <a:effectRef idx="1">
+            <a:schemeClr val="accent4"/>
+          </a:effectRef>
+          <a:fontRef idx="minor">
+            <a:schemeClr val="lt1"/>
+          </a:fontRef>
+        </p:style>
+        <p:txBody>
+          <a:bodyPr rtlCol="0" anchor="ctr"/>
+          <a:lstStyle/>
+          <a:p>
+            <a:pPr algn="ctr"/>
+            <a:endParaRPr lang="en-US"/>
+          </a:p>
+        </p:txBody>
+      </p:sp>
+      <p:cxnSp>
+        <p:nvCxnSpPr>
+          <p:cNvPr id="17" name="Straight Arrow Connector 16"/>
+          <p:cNvCxnSpPr>
+            <a:stCxn id="12" idx="3"/>
+            <a:endCxn id="6" idx="1"/>
+          </p:cNvCxnSpPr>
+          <p:nvPr/>
+        </p:nvCxnSpPr>
+        <p:spPr>
+          <a:xfrm>
+            <a:off x="8988552" y="5587746"/>
+            <a:ext cx="1106424" cy="0"/>
+          </a:xfrm>
+          <a:prstGeom prst="straightConnector1">
+            <a:avLst/>
+          </a:prstGeom>
+          <a:ln w="38100">
+            <a:solidFill>
+              <a:schemeClr val="accent4"/>
+            </a:solidFill>
+            <a:tailEnd type="triangle"/>
+          </a:ln>
+        </p:spPr>
+        <p:style>
+          <a:lnRef idx="1">
+            <a:schemeClr val="accent1"/>
+          </a:lnRef>
+          <a:fillRef idx="0">
+            <a:schemeClr val="accent1"/>
+          </a:fillRef>
+          <a:effectRef idx="0">
+            <a:schemeClr val="accent1"/>
+          </a:effectRef>
+          <a:fontRef idx="minor">
+            <a:schemeClr val="tx1"/>
+          </a:fontRef>
+        </p:style>
+      </p:cxnSp>
+      <p:cxnSp>
+        <p:nvCxnSpPr>
+          <p:cNvPr id="18" name="Straight Arrow Connector 17"/>
+          <p:cNvCxnSpPr>
+            <a:stCxn id="4" idx="3"/>
+            <a:endCxn id="7" idx="1"/>
+          </p:cNvCxnSpPr>
+          <p:nvPr/>
+        </p:nvCxnSpPr>
+        <p:spPr>
+          <a:xfrm>
+            <a:off x="8988552" y="6139434"/>
+            <a:ext cx="1773936" cy="0"/>
+          </a:xfrm>
+          <a:prstGeom prst="straightConnector1">
+            <a:avLst/>
+          </a:prstGeom>
+          <a:ln w="38100">
+            <a:solidFill>
+              <a:schemeClr val="accent4"/>
+            </a:solidFill>
+            <a:tailEnd type="triangle"/>
+          </a:ln>
+        </p:spPr>
+        <p:style>
+          <a:lnRef idx="1">
+            <a:schemeClr val="accent1"/>
+          </a:lnRef>
+          <a:fillRef idx="0">
+            <a:schemeClr val="accent1"/>
+          </a:fillRef>
+          <a:effectRef idx="0">
+            <a:schemeClr val="accent1"/>
+          </a:effectRef>
+          <a:fontRef idx="minor">
+            <a:schemeClr val="tx1"/>
+          </a:fontRef>
+        </p:style>
+      </p:cxnSp>
+      <p:cxnSp>
+        <p:nvCxnSpPr>
+          <p:cNvPr id="25" name="Straight Arrow Connector 24"/>
+          <p:cNvCxnSpPr>
+            <a:stCxn id="26" idx="2"/>
+          </p:cNvCxnSpPr>
+          <p:nvPr/>
+        </p:nvCxnSpPr>
+        <p:spPr>
+          <a:xfrm>
+            <a:off x="9628632" y="4400931"/>
+            <a:ext cx="0" cy="416433"/>
+          </a:xfrm>
+          <a:prstGeom prst="straightConnector1">
+            <a:avLst/>
+          </a:prstGeom>
+          <a:ln w="38100">
+            <a:solidFill>
+              <a:schemeClr val="tx1"/>
+            </a:solidFill>
+            <a:tailEnd type="triangle"/>
+          </a:ln>
+        </p:spPr>
+        <p:style>
+          <a:lnRef idx="1">
+            <a:schemeClr val="accent1"/>
+          </a:lnRef>
+          <a:fillRef idx="0">
+            <a:schemeClr val="accent1"/>
+          </a:fillRef>
+          <a:effectRef idx="0">
+            <a:schemeClr val="accent1"/>
+          </a:effectRef>
+          <a:fontRef idx="minor">
+            <a:schemeClr val="tx1"/>
+          </a:fontRef>
+        </p:style>
+      </p:cxnSp>
+      <p:sp>
+        <p:nvSpPr>
+          <p:cNvPr id="26" name="Rectangle 25"/>
+          <p:cNvSpPr/>
+          <p:nvPr/>
+        </p:nvSpPr>
+        <p:spPr>
+          <a:xfrm>
+            <a:off x="9228582" y="3843908"/>
+            <a:ext cx="800100" cy="557023"/>
+          </a:xfrm>
+          <a:prstGeom prst="rect">
+            <a:avLst/>
+          </a:prstGeom>
+          <a:solidFill>
+            <a:schemeClr val="tx1"/>
+          </a:solidFill>
+        </p:spPr>
+        <p:style>
+          <a:lnRef idx="3">
+            <a:schemeClr val="lt1"/>
+          </a:lnRef>
+          <a:fillRef idx="1">
+            <a:schemeClr val="accent4"/>
+          </a:fillRef>
+          <a:effectRef idx="1">
+            <a:schemeClr val="accent4"/>
+          </a:effectRef>
+          <a:fontRef idx="minor">
+            <a:schemeClr val="lt1"/>
+          </a:fontRef>
+        </p:style>
+        <p:txBody>
+          <a:bodyPr rtlCol="0" anchor="ctr"/>
+          <a:lstStyle/>
+          <a:p>
+            <a:pPr algn="ctr"/>
+            <a:endParaRPr lang="en-US"/>
+          </a:p>
+        </p:txBody>
+      </p:sp>
+      <p:sp>
+        <p:nvSpPr>
+          <p:cNvPr id="29" name="Rectangle 28"/>
+          <p:cNvSpPr/>
+          <p:nvPr/>
+        </p:nvSpPr>
+        <p:spPr>
+          <a:xfrm>
+            <a:off x="9950958" y="3004564"/>
+            <a:ext cx="800100" cy="557023"/>
+          </a:xfrm>
+          <a:prstGeom prst="rect">
+            <a:avLst/>
+          </a:prstGeom>
+          <a:solidFill>
+            <a:schemeClr val="tx1"/>
+          </a:solidFill>
+        </p:spPr>
+        <p:style>
+          <a:lnRef idx="3">
+            <a:schemeClr val="lt1"/>
+          </a:lnRef>
+          <a:fillRef idx="1">
+            <a:schemeClr val="accent4"/>
+          </a:fillRef>
+          <a:effectRef idx="1">
+            <a:schemeClr val="accent4"/>
+          </a:effectRef>
+          <a:fontRef idx="minor">
+            <a:schemeClr val="lt1"/>
+          </a:fontRef>
+        </p:style>
+        <p:txBody>
+          <a:bodyPr rtlCol="0" anchor="ctr"/>
+          <a:lstStyle/>
+          <a:p>
+            <a:pPr algn="ctr"/>
+            <a:endParaRPr lang="en-US"/>
+          </a:p>
+        </p:txBody>
+      </p:sp>
+      <p:cxnSp>
+        <p:nvCxnSpPr>
+          <p:cNvPr id="30" name="Straight Arrow Connector 29"/>
+          <p:cNvCxnSpPr>
+            <a:stCxn id="29" idx="2"/>
+            <a:endCxn id="6" idx="0"/>
+          </p:cNvCxnSpPr>
+          <p:nvPr/>
+        </p:nvCxnSpPr>
+        <p:spPr>
+          <a:xfrm>
+            <a:off x="10351008" y="3561587"/>
+            <a:ext cx="0" cy="1820419"/>
+          </a:xfrm>
+          <a:prstGeom prst="straightConnector1">
+            <a:avLst/>
+          </a:prstGeom>
+          <a:ln w="38100">
+            <a:solidFill>
+              <a:schemeClr val="tx1"/>
+            </a:solidFill>
+            <a:tailEnd type="triangle"/>
+          </a:ln>
+        </p:spPr>
+        <p:style>
+          <a:lnRef idx="1">
+            <a:schemeClr val="accent1"/>
+          </a:lnRef>
+          <a:fillRef idx="0">
+            <a:schemeClr val="accent1"/>
+          </a:fillRef>
+          <a:effectRef idx="0">
+            <a:schemeClr val="accent1"/>
+          </a:effectRef>
+          <a:fontRef idx="minor">
+            <a:schemeClr val="tx1"/>
+          </a:fontRef>
+        </p:style>
+      </p:cxnSp>
+    </p:spTree>
+    <p:extLst>
+      <p:ext uri="{BB962C8B-B14F-4D97-AF65-F5344CB8AC3E}">
+        <p14:creationId xmlns:p14="http://schemas.microsoft.com/office/powerpoint/2010/main" val="2629819590"/>
+      </p:ext>
+    </p:extLst>
+  </p:cSld>
+  <p:clrMapOvr>
+    <a:masterClrMapping/>
+  </p:clrMapOvr>
+</p:sld>
+</file>
+
+<file path=ppt/slides/slide57.xml><?xml version="1.0" encoding="utf-8"?>
+<p:sld xmlns:a="http://schemas.openxmlformats.org/drawingml/2006/main" xmlns:r="http://schemas.openxmlformats.org/officeDocument/2006/relationships" xmlns:p="http://schemas.openxmlformats.org/presentationml/2006/main">
+  <p:cSld>
+    <p:spTree>
+      <p:nvGrpSpPr>
+        <p:cNvPr id="1" name=""/>
+        <p:cNvGrpSpPr/>
+        <p:nvPr/>
+      </p:nvGrpSpPr>
+      <p:grpSpPr>
+        <a:xfrm>
+          <a:off x="0" y="0"/>
+          <a:ext cx="0" cy="0"/>
+          <a:chOff x="0" y="0"/>
+          <a:chExt cx="0" cy="0"/>
+        </a:xfrm>
+      </p:grpSpPr>
+      <p:sp>
+        <p:nvSpPr>
+          <p:cNvPr id="2" name="Title 1"/>
+          <p:cNvSpPr>
+            <a:spLocks noGrp="1"/>
+          </p:cNvSpPr>
+          <p:nvPr>
+            <p:ph type="title"/>
+          </p:nvPr>
+        </p:nvSpPr>
+        <p:spPr/>
+        <p:txBody>
+          <a:bodyPr/>
+          <a:lstStyle/>
+          <a:p>
+            <a:r>
+              <a:rPr lang="ru-RU" smtClean="0"/>
+              <a:t>Проблема-тизер</a:t>
+            </a:r>
+            <a:endParaRPr lang="en-US"/>
+          </a:p>
+        </p:txBody>
+      </p:sp>
+      <p:sp>
+        <p:nvSpPr>
+          <p:cNvPr id="3" name="Content Placeholder 2"/>
+          <p:cNvSpPr>
+            <a:spLocks noGrp="1"/>
+          </p:cNvSpPr>
+          <p:nvPr>
+            <p:ph idx="1"/>
+          </p:nvPr>
+        </p:nvSpPr>
+        <p:spPr/>
+        <p:txBody>
+          <a:bodyPr/>
+          <a:lstStyle/>
+          <a:p>
+            <a:r>
+              <a:rPr lang="ru-RU" smtClean="0"/>
+              <a:t>Безопасность относительно потоков</a:t>
+            </a:r>
+          </a:p>
+          <a:p>
+            <a:pPr marL="45720" indent="0">
+              <a:buNone/>
+            </a:pPr>
+            <a:r>
+              <a:rPr lang="en-US">
+                <a:latin typeface="Consolas" panose="020B0609020204030204" pitchFamily="49" charset="0"/>
+              </a:rPr>
+              <a:t>template &lt;typename T&gt; shared_ptr&lt;T&gt; getObject(int id) {</a:t>
+            </a:r>
+            <a:br>
+              <a:rPr lang="en-US">
+                <a:latin typeface="Consolas" panose="020B0609020204030204" pitchFamily="49" charset="0"/>
+              </a:rPr>
+            </a:br>
+            <a:r>
+              <a:rPr lang="en-US">
+                <a:latin typeface="Consolas" panose="020B0609020204030204" pitchFamily="49" charset="0"/>
+              </a:rPr>
+              <a:t>  </a:t>
+            </a:r>
+            <a:r>
+              <a:rPr lang="en-US">
+                <a:solidFill>
+                  <a:srgbClr val="FF0000"/>
+                </a:solidFill>
+                <a:latin typeface="Consolas" panose="020B0609020204030204" pitchFamily="49" charset="0"/>
+              </a:rPr>
+              <a:t>static</a:t>
+            </a:r>
+            <a:r>
+              <a:rPr lang="en-US">
+                <a:latin typeface="Consolas" panose="020B0609020204030204" pitchFamily="49" charset="0"/>
+              </a:rPr>
+              <a:t> unordered_map&lt;int, </a:t>
+            </a:r>
+            <a:r>
+              <a:rPr lang="en-US">
+                <a:solidFill>
+                  <a:srgbClr val="0000FF"/>
+                </a:solidFill>
+                <a:latin typeface="Consolas" panose="020B0609020204030204" pitchFamily="49" charset="0"/>
+              </a:rPr>
+              <a:t>weak_ptr&lt;T&gt;</a:t>
+            </a:r>
+            <a:r>
+              <a:rPr lang="en-US">
+                <a:latin typeface="Consolas" panose="020B0609020204030204" pitchFamily="49" charset="0"/>
+              </a:rPr>
+              <a:t>&gt; cache;</a:t>
+            </a:r>
+            <a:br>
+              <a:rPr lang="en-US">
+                <a:latin typeface="Consolas" panose="020B0609020204030204" pitchFamily="49" charset="0"/>
+              </a:rPr>
+            </a:br>
+            <a:r>
+              <a:rPr lang="en-US">
+                <a:latin typeface="Consolas" panose="020B0609020204030204" pitchFamily="49" charset="0"/>
+              </a:rPr>
+              <a:t>  auto result = cache[id].lock();</a:t>
+            </a:r>
+            <a:br>
+              <a:rPr lang="en-US">
+                <a:latin typeface="Consolas" panose="020B0609020204030204" pitchFamily="49" charset="0"/>
+              </a:rPr>
+            </a:br>
+            <a:r>
+              <a:rPr lang="en-US">
+                <a:latin typeface="Consolas" panose="020B0609020204030204" pitchFamily="49" charset="0"/>
+              </a:rPr>
+              <a:t>  if (!result) </a:t>
+            </a:r>
+            <a:br>
+              <a:rPr lang="en-US">
+                <a:latin typeface="Consolas" panose="020B0609020204030204" pitchFamily="49" charset="0"/>
+              </a:rPr>
+            </a:br>
+            <a:r>
+              <a:rPr lang="en-US">
+                <a:latin typeface="Consolas" panose="020B0609020204030204" pitchFamily="49" charset="0"/>
+              </a:rPr>
+              <a:t>    cache[id] = result = createObject&lt;T&gt;(id); </a:t>
+            </a:r>
+            <a:br>
+              <a:rPr lang="en-US">
+                <a:latin typeface="Consolas" panose="020B0609020204030204" pitchFamily="49" charset="0"/>
+              </a:rPr>
+            </a:br>
+            <a:r>
+              <a:rPr lang="en-US">
+                <a:latin typeface="Consolas" panose="020B0609020204030204" pitchFamily="49" charset="0"/>
+              </a:rPr>
+              <a:t>  return result;</a:t>
+            </a:r>
+            <a:br>
+              <a:rPr lang="en-US">
+                <a:latin typeface="Consolas" panose="020B0609020204030204" pitchFamily="49" charset="0"/>
+              </a:rPr>
+            </a:br>
+            <a:r>
+              <a:rPr lang="en-US">
+                <a:latin typeface="Consolas" panose="020B0609020204030204" pitchFamily="49" charset="0"/>
+              </a:rPr>
+              <a:t>}</a:t>
+            </a:r>
+          </a:p>
+          <a:p>
+            <a:r>
+              <a:rPr lang="ru-RU" smtClean="0"/>
+              <a:t>Каждый раз, когда в коде встречается статическая или глобальная переменная, необходимо думать о возможной безопасности относительно потоков</a:t>
+            </a:r>
+            <a:endParaRPr lang="en-US"/>
+          </a:p>
+        </p:txBody>
+      </p:sp>
+    </p:spTree>
+    <p:extLst>
+      <p:ext uri="{BB962C8B-B14F-4D97-AF65-F5344CB8AC3E}">
+        <p14:creationId xmlns:p14="http://schemas.microsoft.com/office/powerpoint/2010/main" val="1401492076"/>
+      </p:ext>
+    </p:extLst>
+  </p:cSld>
+  <p:clrMapOvr>
+    <a:masterClrMapping/>
+  </p:clrMapOvr>
+</p:sld>
+</file>
+
+<file path=ppt/slides/slide58.xml><?xml version="1.0" encoding="utf-8"?>
+<p:sld xmlns:a="http://schemas.openxmlformats.org/drawingml/2006/main" xmlns:r="http://schemas.openxmlformats.org/officeDocument/2006/relationships" xmlns:p="http://schemas.openxmlformats.org/presentationml/2006/main">
+  <p:cSld>
+    <p:spTree>
+      <p:nvGrpSpPr>
+        <p:cNvPr id="1" name=""/>
+        <p:cNvGrpSpPr/>
+        <p:nvPr/>
+      </p:nvGrpSpPr>
+      <p:grpSpPr>
+        <a:xfrm>
+          <a:off x="0" y="0"/>
+          <a:ext cx="0" cy="0"/>
+          <a:chOff x="0" y="0"/>
+          <a:chExt cx="0" cy="0"/>
+        </a:xfrm>
+      </p:grpSpPr>
+      <p:sp>
+        <p:nvSpPr>
+          <p:cNvPr id="2" name="Title 1"/>
+          <p:cNvSpPr>
+            <a:spLocks noGrp="1"/>
+          </p:cNvSpPr>
+          <p:nvPr>
+            <p:ph type="title"/>
+          </p:nvPr>
+        </p:nvSpPr>
+        <p:spPr/>
+        <p:txBody>
+          <a:bodyPr/>
+          <a:lstStyle/>
+          <a:p>
+            <a:r>
+              <a:rPr lang="ru-RU" smtClean="0"/>
+              <a:t>Решение-тизер</a:t>
+            </a:r>
+            <a:endParaRPr lang="en-US"/>
+          </a:p>
+        </p:txBody>
+      </p:sp>
+      <p:sp>
+        <p:nvSpPr>
+          <p:cNvPr id="3" name="Content Placeholder 2"/>
+          <p:cNvSpPr>
+            <a:spLocks noGrp="1"/>
+          </p:cNvSpPr>
+          <p:nvPr>
+            <p:ph idx="1"/>
+          </p:nvPr>
+        </p:nvSpPr>
+        <p:spPr>
+          <a:xfrm>
+            <a:off x="1143000" y="2057400"/>
+            <a:ext cx="9872871" cy="4272280"/>
+          </a:xfrm>
+        </p:spPr>
+        <p:txBody>
+          <a:bodyPr/>
+          <a:lstStyle/>
+          <a:p>
+            <a:r>
+              <a:rPr lang="ru-RU" smtClean="0"/>
+              <a:t>Пока что без экскурсий в глубину</a:t>
+            </a:r>
+          </a:p>
+          <a:p>
+            <a:pPr marL="45720" indent="0">
+              <a:buNone/>
+            </a:pPr>
+            <a:r>
+              <a:rPr lang="en-US">
+                <a:latin typeface="Consolas" panose="020B0609020204030204" pitchFamily="49" charset="0"/>
+              </a:rPr>
+              <a:t>template &lt;typename T&gt; shared_ptr&lt;T&gt; getObject(int id) {</a:t>
+            </a:r>
+            <a:br>
+              <a:rPr lang="en-US">
+                <a:latin typeface="Consolas" panose="020B0609020204030204" pitchFamily="49" charset="0"/>
+              </a:rPr>
+            </a:br>
+            <a:r>
+              <a:rPr lang="en-US">
+                <a:latin typeface="Consolas" panose="020B0609020204030204" pitchFamily="49" charset="0"/>
+              </a:rPr>
+              <a:t>  static unordered_map&lt;int, weak_ptr&lt;T&gt;&gt; </a:t>
+            </a:r>
+            <a:r>
+              <a:rPr lang="en-US">
+                <a:latin typeface="Consolas" panose="020B0609020204030204" pitchFamily="49" charset="0"/>
+              </a:rPr>
+              <a:t>cache</a:t>
+            </a:r>
+            <a:r>
+              <a:rPr lang="en-US" smtClean="0">
+                <a:latin typeface="Consolas" panose="020B0609020204030204" pitchFamily="49" charset="0"/>
+              </a:rPr>
+              <a:t>;</a:t>
+            </a:r>
+            <a:r>
+              <a:rPr lang="ru-RU" smtClean="0">
+                <a:latin typeface="Consolas" panose="020B0609020204030204" pitchFamily="49" charset="0"/>
+              </a:rPr>
+              <a:t/>
+            </a:r>
+            <a:br>
+              <a:rPr lang="ru-RU" smtClean="0">
+                <a:latin typeface="Consolas" panose="020B0609020204030204" pitchFamily="49" charset="0"/>
+              </a:rPr>
+            </a:br>
+            <a:r>
+              <a:rPr lang="ru-RU" smtClean="0">
+                <a:solidFill>
+                  <a:srgbClr val="0000FF"/>
+                </a:solidFill>
+                <a:latin typeface="Consolas" panose="020B0609020204030204" pitchFamily="49" charset="0"/>
+              </a:rPr>
+              <a:t>  </a:t>
+            </a:r>
+            <a:r>
+              <a:rPr lang="en-US" smtClean="0">
+                <a:solidFill>
+                  <a:srgbClr val="0000FF"/>
+                </a:solidFill>
+                <a:latin typeface="Consolas" panose="020B0609020204030204" pitchFamily="49" charset="0"/>
+              </a:rPr>
+              <a:t>static mutex mcache;</a:t>
+            </a:r>
+          </a:p>
+          <a:p>
+            <a:pPr marL="45720" indent="0">
+              <a:buNone/>
+            </a:pPr>
+            <a:r>
+              <a:rPr lang="en-US" smtClean="0">
+                <a:solidFill>
+                  <a:srgbClr val="0000FF"/>
+                </a:solidFill>
+                <a:latin typeface="Consolas" panose="020B0609020204030204" pitchFamily="49" charset="0"/>
+              </a:rPr>
+              <a:t>  lock_guard&lt;mutex&gt; hold(mcache);</a:t>
+            </a:r>
+          </a:p>
+          <a:p>
+            <a:pPr marL="45720" indent="0">
+              <a:buNone/>
+            </a:pPr>
+            <a:r>
+              <a:rPr lang="en-US" smtClean="0">
+                <a:latin typeface="Consolas" panose="020B0609020204030204" pitchFamily="49" charset="0"/>
+              </a:rPr>
+              <a:t>  </a:t>
+            </a:r>
+            <a:r>
+              <a:rPr lang="en-US">
+                <a:latin typeface="Consolas" panose="020B0609020204030204" pitchFamily="49" charset="0"/>
+              </a:rPr>
+              <a:t>auto result = cache[id].lock();</a:t>
+            </a:r>
+            <a:br>
+              <a:rPr lang="en-US">
+                <a:latin typeface="Consolas" panose="020B0609020204030204" pitchFamily="49" charset="0"/>
+              </a:rPr>
+            </a:br>
+            <a:r>
+              <a:rPr lang="en-US">
+                <a:latin typeface="Consolas" panose="020B0609020204030204" pitchFamily="49" charset="0"/>
+              </a:rPr>
+              <a:t>  if (!result) </a:t>
+            </a:r>
+            <a:br>
+              <a:rPr lang="en-US">
+                <a:latin typeface="Consolas" panose="020B0609020204030204" pitchFamily="49" charset="0"/>
+              </a:rPr>
+            </a:br>
+            <a:r>
+              <a:rPr lang="en-US">
+                <a:latin typeface="Consolas" panose="020B0609020204030204" pitchFamily="49" charset="0"/>
+              </a:rPr>
+              <a:t>    cache[id] = result = createObject&lt;T&gt;(id); </a:t>
+            </a:r>
+            <a:br>
+              <a:rPr lang="en-US">
+                <a:latin typeface="Consolas" panose="020B0609020204030204" pitchFamily="49" charset="0"/>
+              </a:rPr>
+            </a:br>
+            <a:r>
+              <a:rPr lang="en-US">
+                <a:latin typeface="Consolas" panose="020B0609020204030204" pitchFamily="49" charset="0"/>
+              </a:rPr>
+              <a:t>  return result;</a:t>
+            </a:r>
+            <a:r>
+              <a:rPr lang="en-US">
+                <a:latin typeface="Consolas" panose="020B0609020204030204" pitchFamily="49" charset="0"/>
+              </a:rPr>
+              <a:t/>
+            </a:r>
+            <a:br>
+              <a:rPr lang="en-US">
+                <a:latin typeface="Consolas" panose="020B0609020204030204" pitchFamily="49" charset="0"/>
+              </a:rPr>
+            </a:br>
+            <a:r>
+              <a:rPr lang="en-US" smtClean="0">
+                <a:latin typeface="Consolas" panose="020B0609020204030204" pitchFamily="49" charset="0"/>
+              </a:rPr>
+              <a:t>}</a:t>
+            </a:r>
+          </a:p>
+          <a:p>
+            <a:r>
+              <a:rPr lang="ru-RU" smtClean="0"/>
+              <a:t>У нас будет лекция (и не одна) про то, как это делать правильно</a:t>
+            </a:r>
+            <a:endParaRPr lang="en-US"/>
+          </a:p>
+        </p:txBody>
+      </p:sp>
+    </p:spTree>
+    <p:extLst>
+      <p:ext uri="{BB962C8B-B14F-4D97-AF65-F5344CB8AC3E}">
+        <p14:creationId xmlns:p14="http://schemas.microsoft.com/office/powerpoint/2010/main" val="3050857568"/>
+      </p:ext>
+    </p:extLst>
+  </p:cSld>
+  <p:clrMapOvr>
+    <a:masterClrMapping/>
+  </p:clrMapOvr>
+</p:sld>
+</file>
+
+<file path=ppt/slides/slide59.xml><?xml version="1.0" encoding="utf-8"?>
+<p:sld xmlns:a="http://schemas.openxmlformats.org/drawingml/2006/main" xmlns:r="http://schemas.openxmlformats.org/officeDocument/2006/relationships" xmlns:p="http://schemas.openxmlformats.org/presentationml/2006/main">
+  <p:cSld>
+    <p:spTree>
+      <p:nvGrpSpPr>
+        <p:cNvPr id="1" name=""/>
+        <p:cNvGrpSpPr/>
+        <p:nvPr/>
+      </p:nvGrpSpPr>
+      <p:grpSpPr>
+        <a:xfrm>
+          <a:off x="0" y="0"/>
+          <a:ext cx="0" cy="0"/>
+          <a:chOff x="0" y="0"/>
+          <a:chExt cx="0" cy="0"/>
+        </a:xfrm>
+      </p:grpSpPr>
+      <p:sp>
+        <p:nvSpPr>
+          <p:cNvPr id="2" name="Title 1"/>
+          <p:cNvSpPr>
+            <a:spLocks noGrp="1"/>
+          </p:cNvSpPr>
+          <p:nvPr>
+            <p:ph type="title"/>
+          </p:nvPr>
+        </p:nvSpPr>
+        <p:spPr/>
+        <p:txBody>
+          <a:bodyPr/>
+          <a:lstStyle/>
+          <a:p>
+            <a:r>
+              <a:rPr lang="ru-RU" dirty="0" smtClean="0"/>
+              <a:t>Литература</a:t>
+            </a:r>
+            <a:endParaRPr lang="en-US" dirty="0"/>
+          </a:p>
+        </p:txBody>
+      </p:sp>
+      <p:sp>
+        <p:nvSpPr>
+          <p:cNvPr id="3" name="Content Placeholder 2"/>
+          <p:cNvSpPr>
+            <a:spLocks noGrp="1"/>
+          </p:cNvSpPr>
+          <p:nvPr>
+            <p:ph idx="1"/>
+          </p:nvPr>
+        </p:nvSpPr>
+        <p:spPr/>
+        <p:txBody>
+          <a:bodyPr/>
+          <a:lstStyle/>
+          <a:p>
+            <a:pPr lvl="0"/>
+            <a:r>
+              <a:rPr lang="en-US" dirty="0"/>
+              <a:t>ISO/IEC, "Information technology -- Programming languages – C++", ISO/IEC 14882:2014, 2014</a:t>
+            </a:r>
+          </a:p>
+          <a:p>
+            <a:pPr lvl="0"/>
+            <a:r>
+              <a:rPr lang="en-US" dirty="0"/>
+              <a:t>The C++ Programming Language (4th </a:t>
+            </a:r>
+            <a:r>
+              <a:rPr lang="en-US"/>
+              <a:t>Edition</a:t>
+            </a:r>
+            <a:r>
+              <a:rPr lang="en-US" smtClean="0"/>
+              <a:t>)</a:t>
+            </a:r>
+            <a:endParaRPr lang="en-US" dirty="0"/>
+          </a:p>
+        </p:txBody>
+      </p:sp>
+    </p:spTree>
+    <p:extLst>
+      <p:ext uri="{BB962C8B-B14F-4D97-AF65-F5344CB8AC3E}">
+        <p14:creationId xmlns:p14="http://schemas.microsoft.com/office/powerpoint/2010/main" val="1719869055"/>
       </p:ext>
     </p:extLst>
   </p:cSld>

--- a/trunk/slides/sep2017/05-smartptrs.pptx
+++ b/trunk/slides/sep2017/05-smartptrs.pptx
@@ -32,38 +32,44 @@
     <p:sldId id="280" r:id="rId26"/>
     <p:sldId id="278" r:id="rId27"/>
     <p:sldId id="275" r:id="rId28"/>
-    <p:sldId id="276" r:id="rId29"/>
-    <p:sldId id="287" r:id="rId30"/>
-    <p:sldId id="279" r:id="rId31"/>
-    <p:sldId id="289" r:id="rId32"/>
-    <p:sldId id="292" r:id="rId33"/>
-    <p:sldId id="288" r:id="rId34"/>
-    <p:sldId id="293" r:id="rId35"/>
-    <p:sldId id="294" r:id="rId36"/>
-    <p:sldId id="295" r:id="rId37"/>
-    <p:sldId id="299" r:id="rId38"/>
-    <p:sldId id="316" r:id="rId39"/>
-    <p:sldId id="314" r:id="rId40"/>
-    <p:sldId id="315" r:id="rId41"/>
+    <p:sldId id="318" r:id="rId29"/>
+    <p:sldId id="276" r:id="rId30"/>
+    <p:sldId id="287" r:id="rId31"/>
+    <p:sldId id="279" r:id="rId32"/>
+    <p:sldId id="289" r:id="rId33"/>
+    <p:sldId id="292" r:id="rId34"/>
+    <p:sldId id="288" r:id="rId35"/>
+    <p:sldId id="293" r:id="rId36"/>
+    <p:sldId id="294" r:id="rId37"/>
+    <p:sldId id="295" r:id="rId38"/>
+    <p:sldId id="299" r:id="rId39"/>
+    <p:sldId id="316" r:id="rId40"/>
+    <p:sldId id="314" r:id="rId41"/>
     <p:sldId id="297" r:id="rId42"/>
     <p:sldId id="298" r:id="rId43"/>
     <p:sldId id="317" r:id="rId44"/>
-    <p:sldId id="296" r:id="rId45"/>
-    <p:sldId id="300" r:id="rId46"/>
-    <p:sldId id="301" r:id="rId47"/>
-    <p:sldId id="302" r:id="rId48"/>
-    <p:sldId id="303" r:id="rId49"/>
-    <p:sldId id="304" r:id="rId50"/>
-    <p:sldId id="305" r:id="rId51"/>
-    <p:sldId id="306" r:id="rId52"/>
-    <p:sldId id="308" r:id="rId53"/>
-    <p:sldId id="307" r:id="rId54"/>
-    <p:sldId id="310" r:id="rId55"/>
-    <p:sldId id="313" r:id="rId56"/>
-    <p:sldId id="309" r:id="rId57"/>
-    <p:sldId id="311" r:id="rId58"/>
-    <p:sldId id="312" r:id="rId59"/>
-    <p:sldId id="258" r:id="rId60"/>
+    <p:sldId id="320" r:id="rId45"/>
+    <p:sldId id="296" r:id="rId46"/>
+    <p:sldId id="300" r:id="rId47"/>
+    <p:sldId id="321" r:id="rId48"/>
+    <p:sldId id="302" r:id="rId49"/>
+    <p:sldId id="324" r:id="rId50"/>
+    <p:sldId id="322" r:id="rId51"/>
+    <p:sldId id="323" r:id="rId52"/>
+    <p:sldId id="303" r:id="rId53"/>
+    <p:sldId id="304" r:id="rId54"/>
+    <p:sldId id="305" r:id="rId55"/>
+    <p:sldId id="306" r:id="rId56"/>
+    <p:sldId id="308" r:id="rId57"/>
+    <p:sldId id="307" r:id="rId58"/>
+    <p:sldId id="310" r:id="rId59"/>
+    <p:sldId id="313" r:id="rId60"/>
+    <p:sldId id="319" r:id="rId61"/>
+    <p:sldId id="315" r:id="rId62"/>
+    <p:sldId id="309" r:id="rId63"/>
+    <p:sldId id="311" r:id="rId64"/>
+    <p:sldId id="312" r:id="rId65"/>
+    <p:sldId id="258" r:id="rId66"/>
   </p:sldIdLst>
   <p:sldSz cx="12192000" cy="6858000"/>
   <p:notesSz cx="6858000" cy="9144000"/>
@@ -367,7 +373,7 @@
             <a:fld id="{96DFF08F-DC6B-4601-B491-B0F83F6DD2DA}" type="datetimeFigureOut">
               <a:rPr lang="en-US" dirty="0"/>
               <a:pPr/>
-              <a:t>8/31/2017</a:t>
+              <a:t>9/2/2017</a:t>
             </a:fld>
             <a:endParaRPr lang="en-US" dirty="0"/>
           </a:p>
@@ -584,7 +590,7 @@
           <a:p>
             <a:fld id="{96DFF08F-DC6B-4601-B491-B0F83F6DD2DA}" type="datetimeFigureOut">
               <a:rPr lang="en-US" dirty="0"/>
-              <a:t>8/31/2017</a:t>
+              <a:t>9/2/2017</a:t>
             </a:fld>
             <a:endParaRPr lang="en-US" dirty="0"/>
           </a:p>
@@ -759,7 +765,7 @@
           <a:p>
             <a:fld id="{96DFF08F-DC6B-4601-B491-B0F83F6DD2DA}" type="datetimeFigureOut">
               <a:rPr lang="en-US" dirty="0"/>
-              <a:t>8/31/2017</a:t>
+              <a:t>9/2/2017</a:t>
             </a:fld>
             <a:endParaRPr lang="en-US" dirty="0"/>
           </a:p>
@@ -924,7 +930,7 @@
           <a:p>
             <a:fld id="{96DFF08F-DC6B-4601-B491-B0F83F6DD2DA}" type="datetimeFigureOut">
               <a:rPr lang="en-US" dirty="0"/>
-              <a:t>8/31/2017</a:t>
+              <a:t>9/2/2017</a:t>
             </a:fld>
             <a:endParaRPr lang="en-US" dirty="0"/>
           </a:p>
@@ -1170,7 +1176,7 @@
           <a:p>
             <a:fld id="{96DFF08F-DC6B-4601-B491-B0F83F6DD2DA}" type="datetimeFigureOut">
               <a:rPr lang="en-US" dirty="0"/>
-              <a:t>8/31/2017</a:t>
+              <a:t>9/2/2017</a:t>
             </a:fld>
             <a:endParaRPr lang="en-US" dirty="0"/>
           </a:p>
@@ -1488,7 +1494,7 @@
           <a:p>
             <a:fld id="{96DFF08F-DC6B-4601-B491-B0F83F6DD2DA}" type="datetimeFigureOut">
               <a:rPr lang="en-US" dirty="0"/>
-              <a:t>8/31/2017</a:t>
+              <a:t>9/2/2017</a:t>
             </a:fld>
             <a:endParaRPr lang="en-US" dirty="0"/>
           </a:p>
@@ -1907,7 +1913,7 @@
           <a:p>
             <a:fld id="{96DFF08F-DC6B-4601-B491-B0F83F6DD2DA}" type="datetimeFigureOut">
               <a:rPr lang="en-US" dirty="0"/>
-              <a:t>8/31/2017</a:t>
+              <a:t>9/2/2017</a:t>
             </a:fld>
             <a:endParaRPr lang="en-US" dirty="0"/>
           </a:p>
@@ -2020,7 +2026,7 @@
           <a:p>
             <a:fld id="{96DFF08F-DC6B-4601-B491-B0F83F6DD2DA}" type="datetimeFigureOut">
               <a:rPr lang="en-US" dirty="0"/>
-              <a:t>8/31/2017</a:t>
+              <a:t>9/2/2017</a:t>
             </a:fld>
             <a:endParaRPr lang="en-US" dirty="0"/>
           </a:p>
@@ -2110,7 +2116,7 @@
           <a:p>
             <a:fld id="{96DFF08F-DC6B-4601-B491-B0F83F6DD2DA}" type="datetimeFigureOut">
               <a:rPr lang="en-US" dirty="0"/>
-              <a:t>8/31/2017</a:t>
+              <a:t>9/2/2017</a:t>
             </a:fld>
             <a:endParaRPr lang="en-US" dirty="0"/>
           </a:p>
@@ -2395,7 +2401,7 @@
           <a:p>
             <a:fld id="{96DFF08F-DC6B-4601-B491-B0F83F6DD2DA}" type="datetimeFigureOut">
               <a:rPr lang="en-US" dirty="0"/>
-              <a:t>8/31/2017</a:t>
+              <a:t>9/2/2017</a:t>
             </a:fld>
             <a:endParaRPr lang="en-US" dirty="0"/>
           </a:p>
@@ -2662,7 +2668,7 @@
           <a:p>
             <a:fld id="{96DFF08F-DC6B-4601-B491-B0F83F6DD2DA}" type="datetimeFigureOut">
               <a:rPr lang="en-US" dirty="0"/>
-              <a:t>8/31/2017</a:t>
+              <a:t>9/2/2017</a:t>
             </a:fld>
             <a:endParaRPr lang="en-US" dirty="0"/>
           </a:p>
@@ -2911,7 +2917,7 @@
             <a:fld id="{96DFF08F-DC6B-4601-B491-B0F83F6DD2DA}" type="datetimeFigureOut">
               <a:rPr lang="en-US" dirty="0"/>
               <a:pPr/>
-              <a:t>8/31/2017</a:t>
+              <a:t>9/2/2017</a:t>
             </a:fld>
             <a:endParaRPr lang="en-US" dirty="0"/>
           </a:p>
@@ -5380,19 +5386,7 @@
               <a:rPr lang="en-US" sz="2400" smtClean="0">
                 <a:latin typeface="Consolas" panose="020B0609020204030204" pitchFamily="49" charset="0"/>
               </a:rPr>
-              <a:t>URAIIPtr </a:t>
-            </a:r>
-            <a:r>
-              <a:rPr lang="en-US" sz="2400">
-                <a:latin typeface="Consolas" panose="020B0609020204030204" pitchFamily="49" charset="0"/>
-              </a:rPr>
-              <a:t>rhs</a:t>
-            </a:r>
-            <a:r>
-              <a:rPr lang="en-US" sz="2400" smtClean="0">
-                <a:latin typeface="Consolas" panose="020B0609020204030204" pitchFamily="49" charset="0"/>
-              </a:rPr>
-              <a:t>) { </a:t>
+              <a:t>URAIIPtr &amp;&amp;rhs) { </a:t>
             </a:r>
             <a:br>
               <a:rPr lang="en-US" sz="2400" smtClean="0">
@@ -8221,7 +8215,30 @@
               <a:rPr lang="ru-RU" smtClean="0">
                 <a:latin typeface="Consolas" panose="020B0609020204030204" pitchFamily="49" charset="0"/>
               </a:rPr>
-              <a:t>это ок</a:t>
+              <a:t>это </a:t>
+            </a:r>
+            <a:r>
+              <a:rPr lang="ru-RU" smtClean="0">
+                <a:latin typeface="Consolas" panose="020B0609020204030204" pitchFamily="49" charset="0"/>
+              </a:rPr>
+              <a:t>ок</a:t>
+            </a:r>
+            <a:r>
+              <a:rPr lang="en-US">
+                <a:latin typeface="Consolas" panose="020B0609020204030204" pitchFamily="49" charset="0"/>
+              </a:rPr>
+              <a:t/>
+            </a:r>
+            <a:br>
+              <a:rPr lang="en-US">
+                <a:latin typeface="Consolas" panose="020B0609020204030204" pitchFamily="49" charset="0"/>
+              </a:rPr>
+            </a:br>
+            <a:r>
+              <a:rPr lang="en-US" smtClean="0">
+                <a:latin typeface="Consolas" panose="020B0609020204030204" pitchFamily="49" charset="0"/>
+              </a:rPr>
+              <a:t>  MyWrapper() : c(nullptr) {};</a:t>
             </a:r>
             <a:r>
               <a:rPr lang="en-US" smtClean="0">
@@ -8267,41 +8284,79 @@
             </a:br>
             <a:r>
               <a:rPr lang="en-US" smtClean="0">
+                <a:latin typeface="Consolas" panose="020B0609020204030204" pitchFamily="49" charset="0"/>
+              </a:rPr>
+              <a:t>  unique_ptr&lt;MyClass&gt; c; </a:t>
+            </a:r>
+            <a:br>
+              <a:rPr lang="en-US" smtClean="0">
+                <a:latin typeface="Consolas" panose="020B0609020204030204" pitchFamily="49" charset="0"/>
+              </a:rPr>
+            </a:br>
+            <a:r>
+              <a:rPr lang="en-US" smtClean="0">
                 <a:solidFill>
                   <a:srgbClr val="FF0000"/>
                 </a:solidFill>
                 <a:latin typeface="Consolas" panose="020B0609020204030204" pitchFamily="49" charset="0"/>
               </a:rPr>
-              <a:t>  unique_ptr&lt;MyClass&gt; c; // </a:t>
-            </a:r>
-            <a:r>
-              <a:rPr lang="ru-RU" smtClean="0">
+              <a:t> </a:t>
+            </a:r>
+            <a:r>
+              <a:rPr lang="en-US" smtClean="0">
+                <a:latin typeface="Consolas" panose="020B0609020204030204" pitchFamily="49" charset="0"/>
+              </a:rPr>
+              <a:t> MySafeWrapper</a:t>
+            </a:r>
+            <a:r>
+              <a:rPr lang="en-US">
+                <a:latin typeface="Consolas" panose="020B0609020204030204" pitchFamily="49" charset="0"/>
+              </a:rPr>
+              <a:t>() : c(nullptr</a:t>
+            </a:r>
+            <a:r>
+              <a:rPr lang="en-US">
+                <a:latin typeface="Consolas" panose="020B0609020204030204" pitchFamily="49" charset="0"/>
+              </a:rPr>
+              <a:t>) </a:t>
+            </a:r>
+            <a:r>
+              <a:rPr lang="en-US" smtClean="0">
+                <a:latin typeface="Consolas" panose="020B0609020204030204" pitchFamily="49" charset="0"/>
+              </a:rPr>
+              <a:t>{}; </a:t>
+            </a:r>
+            <a:r>
+              <a:rPr lang="en-US">
                 <a:solidFill>
                   <a:srgbClr val="FF0000"/>
                 </a:solidFill>
                 <a:latin typeface="Consolas" panose="020B0609020204030204" pitchFamily="49" charset="0"/>
               </a:rPr>
+              <a:t>// </a:t>
+            </a:r>
+            <a:r>
+              <a:rPr lang="ru-RU">
+                <a:solidFill>
+                  <a:srgbClr val="FF0000"/>
+                </a:solidFill>
+                <a:latin typeface="Consolas" panose="020B0609020204030204" pitchFamily="49" charset="0"/>
+              </a:rPr>
               <a:t>увы, не компилируется</a:t>
             </a:r>
             <a:r>
-              <a:rPr lang="en-US" smtClean="0">
-                <a:solidFill>
-                  <a:srgbClr val="FF0000"/>
-                </a:solidFill>
+              <a:rPr lang="en-US">
                 <a:latin typeface="Consolas" panose="020B0609020204030204" pitchFamily="49" charset="0"/>
               </a:rPr>
               <a:t/>
             </a:r>
             <a:br>
-              <a:rPr lang="en-US" smtClean="0">
-                <a:solidFill>
-                  <a:srgbClr val="FF0000"/>
-                </a:solidFill>
-                <a:latin typeface="Consolas" panose="020B0609020204030204" pitchFamily="49" charset="0"/>
-              </a:rPr>
-            </a:br>
-            <a:r>
-              <a:rPr lang="en-US" smtClean="0">
+              <a:rPr lang="en-US">
+                <a:latin typeface="Consolas" panose="020B0609020204030204" pitchFamily="49" charset="0"/>
+              </a:rPr>
+            </a:br>
+            <a:r>
+              <a:rPr lang="en-US">
                 <a:latin typeface="Consolas" panose="020B0609020204030204" pitchFamily="49" charset="0"/>
               </a:rPr>
               <a:t>};</a:t>
@@ -8369,11 +8424,7 @@
           <a:p>
             <a:r>
               <a:rPr lang="ru-RU" smtClean="0"/>
-              <a:t>Обсуждение: идиома </a:t>
-            </a:r>
-            <a:r>
-              <a:rPr lang="en-US" smtClean="0"/>
-              <a:t>PImpl</a:t>
+              <a:t>Решение: пользовательский делетер</a:t>
             </a:r>
             <a:endParaRPr lang="en-US"/>
           </a:p>
@@ -8396,15 +8447,7 @@
           <a:p>
             <a:r>
               <a:rPr lang="ru-RU" smtClean="0"/>
-              <a:t>Идиома </a:t>
-            </a:r>
-            <a:r>
-              <a:rPr lang="en-US" smtClean="0"/>
-              <a:t>PImpl </a:t>
-            </a:r>
-            <a:r>
-              <a:rPr lang="ru-RU" smtClean="0"/>
-              <a:t>предполагает единичное владение</a:t>
+              <a:t>Как уже стало привычным, хорошо работает пользовательский удалитель</a:t>
             </a:r>
           </a:p>
           <a:p>
@@ -8412,75 +8455,166 @@
               <a:buNone/>
             </a:pPr>
             <a:r>
-              <a:rPr lang="en-US" smtClean="0">
-                <a:latin typeface="Consolas" panose="020B0609020204030204" pitchFamily="49" charset="0"/>
-              </a:rPr>
-              <a:t>class Ifacade {</a:t>
+              <a:rPr lang="en-US">
+                <a:latin typeface="Consolas" panose="020B0609020204030204" pitchFamily="49" charset="0"/>
+              </a:rPr>
+              <a:t>class MyClass; // </a:t>
             </a:r>
             <a:r>
               <a:rPr lang="ru-RU">
                 <a:latin typeface="Consolas" panose="020B0609020204030204" pitchFamily="49" charset="0"/>
               </a:rPr>
+              <a:t>предварительное объявление</a:t>
+            </a:r>
+          </a:p>
+          <a:p>
+            <a:pPr marL="45720" indent="0">
+              <a:buNone/>
+            </a:pPr>
+            <a:r>
+              <a:rPr lang="en-US">
+                <a:latin typeface="Consolas" panose="020B0609020204030204" pitchFamily="49" charset="0"/>
+              </a:rPr>
+              <a:t>struct </a:t>
+            </a:r>
+            <a:r>
+              <a:rPr lang="en-US" smtClean="0">
+                <a:latin typeface="Consolas" panose="020B0609020204030204" pitchFamily="49" charset="0"/>
+              </a:rPr>
+              <a:t>MyClassDeleter {</a:t>
+            </a:r>
+            <a:br>
+              <a:rPr lang="en-US" smtClean="0">
+                <a:latin typeface="Consolas" panose="020B0609020204030204" pitchFamily="49" charset="0"/>
+              </a:rPr>
+            </a:br>
+            <a:r>
+              <a:rPr lang="en-US" smtClean="0">
+                <a:latin typeface="Consolas" panose="020B0609020204030204" pitchFamily="49" charset="0"/>
+              </a:rPr>
+              <a:t>  void operator()(MyClass *); // </a:t>
+            </a:r>
+            <a:r>
+              <a:rPr lang="ru-RU" smtClean="0">
+                <a:latin typeface="Consolas" panose="020B0609020204030204" pitchFamily="49" charset="0"/>
+              </a:rPr>
+              <a:t>определён где-то ещё</a:t>
+            </a:r>
+            <a:r>
+              <a:rPr lang="en-US">
+                <a:latin typeface="Consolas" panose="020B0609020204030204" pitchFamily="49" charset="0"/>
+              </a:rPr>
               <a:t/>
             </a:r>
             <a:br>
-              <a:rPr lang="ru-RU">
-                <a:latin typeface="Consolas" panose="020B0609020204030204" pitchFamily="49" charset="0"/>
-              </a:rPr>
-            </a:br>
-            <a:r>
-              <a:rPr lang="en-US" smtClean="0">
-                <a:latin typeface="Consolas" panose="020B0609020204030204" pitchFamily="49" charset="0"/>
-              </a:rPr>
-              <a:t>  CImpl *const impl_;</a:t>
-            </a:r>
-            <a:br>
-              <a:rPr lang="en-US" smtClean="0">
-                <a:latin typeface="Consolas" panose="020B0609020204030204" pitchFamily="49" charset="0"/>
-              </a:rPr>
-            </a:br>
-            <a:r>
-              <a:rPr lang="en-US" smtClean="0">
-                <a:latin typeface="Consolas" panose="020B0609020204030204" pitchFamily="49" charset="0"/>
-              </a:rPr>
-              <a:t>public:</a:t>
-            </a:r>
-            <a:br>
-              <a:rPr lang="en-US" smtClean="0">
-                <a:latin typeface="Consolas" panose="020B0609020204030204" pitchFamily="49" charset="0"/>
-              </a:rPr>
-            </a:br>
-            <a:r>
-              <a:rPr lang="en-US" smtClean="0">
-                <a:latin typeface="Consolas" panose="020B0609020204030204" pitchFamily="49" charset="0"/>
-              </a:rPr>
-              <a:t>  Ifacade() : impl_(new CImpl) {}</a:t>
-            </a:r>
-            <a:br>
-              <a:rPr lang="en-US" smtClean="0">
-                <a:latin typeface="Consolas" panose="020B0609020204030204" pitchFamily="49" charset="0"/>
-              </a:rPr>
-            </a:br>
-            <a:r>
-              <a:rPr lang="en-US" smtClean="0">
-                <a:latin typeface="Consolas" panose="020B0609020204030204" pitchFamily="49" charset="0"/>
-              </a:rPr>
-              <a:t>  // </a:t>
-            </a:r>
-            <a:r>
-              <a:rPr lang="ru-RU" smtClean="0">
-                <a:latin typeface="Consolas" panose="020B0609020204030204" pitchFamily="49" charset="0"/>
-              </a:rPr>
-              <a:t>методы</a:t>
-            </a:r>
-            <a:r>
-              <a:rPr lang="en-US" smtClean="0">
+              <a:rPr lang="en-US">
+                <a:latin typeface="Consolas" panose="020B0609020204030204" pitchFamily="49" charset="0"/>
+              </a:rPr>
+            </a:br>
+            <a:r>
+              <a:rPr lang="en-US" smtClean="0">
+                <a:latin typeface="Consolas" panose="020B0609020204030204" pitchFamily="49" charset="0"/>
+              </a:rPr>
+              <a:t>};</a:t>
+            </a:r>
+            <a:endParaRPr lang="ru-RU">
+              <a:latin typeface="Consolas" panose="020B0609020204030204" pitchFamily="49" charset="0"/>
+            </a:endParaRPr>
+          </a:p>
+          <a:p>
+            <a:pPr marL="45720" indent="0">
+              <a:buNone/>
+            </a:pPr>
+            <a:r>
+              <a:rPr lang="en-US">
+                <a:latin typeface="Consolas" panose="020B0609020204030204" pitchFamily="49" charset="0"/>
+              </a:rPr>
+              <a:t>struct MySafeWrapper {</a:t>
+            </a:r>
+            <a:br>
+              <a:rPr lang="en-US">
+                <a:latin typeface="Consolas" panose="020B0609020204030204" pitchFamily="49" charset="0"/>
+              </a:rPr>
+            </a:br>
+            <a:r>
+              <a:rPr lang="en-US">
+                <a:latin typeface="Consolas" panose="020B0609020204030204" pitchFamily="49" charset="0"/>
+              </a:rPr>
+              <a:t>  </a:t>
+            </a:r>
+            <a:r>
+              <a:rPr lang="en-US" smtClean="0">
+                <a:latin typeface="Consolas" panose="020B0609020204030204" pitchFamily="49" charset="0"/>
+              </a:rPr>
+              <a:t>unique_ptr&lt;MyClass, </a:t>
+            </a:r>
+            <a:r>
+              <a:rPr lang="en-US" smtClean="0">
+                <a:solidFill>
+                  <a:srgbClr val="0000FF"/>
+                </a:solidFill>
+                <a:latin typeface="Consolas" panose="020B0609020204030204" pitchFamily="49" charset="0"/>
+              </a:rPr>
+              <a:t>MyClassDeleter</a:t>
+            </a:r>
+            <a:r>
+              <a:rPr lang="en-US" smtClean="0">
+                <a:latin typeface="Consolas" panose="020B0609020204030204" pitchFamily="49" charset="0"/>
+              </a:rPr>
+              <a:t>&gt; </a:t>
+            </a:r>
+            <a:r>
+              <a:rPr lang="en-US">
+                <a:latin typeface="Consolas" panose="020B0609020204030204" pitchFamily="49" charset="0"/>
+              </a:rPr>
+              <a:t>c; </a:t>
+            </a:r>
+            <a:br>
+              <a:rPr lang="en-US">
+                <a:latin typeface="Consolas" panose="020B0609020204030204" pitchFamily="49" charset="0"/>
+              </a:rPr>
+            </a:br>
+            <a:r>
+              <a:rPr lang="en-US">
+                <a:solidFill>
+                  <a:srgbClr val="FF0000"/>
+                </a:solidFill>
+                <a:latin typeface="Consolas" panose="020B0609020204030204" pitchFamily="49" charset="0"/>
+              </a:rPr>
+              <a:t> </a:t>
+            </a:r>
+            <a:r>
+              <a:rPr lang="en-US">
+                <a:latin typeface="Consolas" panose="020B0609020204030204" pitchFamily="49" charset="0"/>
+              </a:rPr>
+              <a:t> MySafeWrapper() : c(nullptr) {}; </a:t>
+            </a:r>
+            <a:r>
+              <a:rPr lang="en-US">
+                <a:solidFill>
+                  <a:srgbClr val="0000FF"/>
+                </a:solidFill>
+                <a:latin typeface="Consolas" panose="020B0609020204030204" pitchFamily="49" charset="0"/>
+              </a:rPr>
+              <a:t>// </a:t>
+            </a:r>
+            <a:r>
+              <a:rPr lang="en-US" smtClean="0">
+                <a:solidFill>
+                  <a:srgbClr val="0000FF"/>
+                </a:solidFill>
+                <a:latin typeface="Consolas" panose="020B0609020204030204" pitchFamily="49" charset="0"/>
+              </a:rPr>
+              <a:t>ok</a:t>
+            </a:r>
+            <a:r>
+              <a:rPr lang="en-US">
                 <a:latin typeface="Consolas" panose="020B0609020204030204" pitchFamily="49" charset="0"/>
               </a:rPr>
               <a:t/>
             </a:r>
             <a:br>
-              <a:rPr lang="en-US" smtClean="0">
+              <a:rPr lang="en-US">
                 <a:latin typeface="Consolas" panose="020B0609020204030204" pitchFamily="49" charset="0"/>
               </a:rPr>
             </a:br>
@@ -8490,49 +8624,37 @@
               </a:rPr>
               <a:t>};</a:t>
             </a:r>
-          </a:p>
-          <a:p>
-            <a:r>
-              <a:rPr lang="ru-RU" smtClean="0"/>
-              <a:t>Эта</a:t>
+            <a:endParaRPr lang="ru-RU" smtClean="0"/>
+          </a:p>
+          <a:p>
+            <a:r>
+              <a:rPr lang="ru-RU" smtClean="0"/>
+              <a:t>В данном случае</a:t>
+            </a:r>
+            <a:r>
+              <a:rPr lang="ru-RU"/>
+              <a:t> </a:t>
+            </a:r>
+            <a:r>
+              <a:rPr lang="ru-RU" smtClean="0"/>
+              <a:t>проблема была в том, что </a:t>
             </a:r>
             <a:r>
               <a:rPr lang="en-US" smtClean="0"/>
-              <a:t> </a:t>
-            </a:r>
-            <a:r>
-              <a:rPr lang="ru-RU" smtClean="0"/>
-              <a:t>идиома очень полезна: в частности она позволяет всегда иметь объект класса одного и того же размера, что может быть очень важно в </a:t>
-            </a:r>
-            <a:r>
-              <a:rPr lang="en-US" smtClean="0"/>
-              <a:t>ABI.</a:t>
-            </a:r>
-          </a:p>
-          <a:p>
-            <a:r>
-              <a:rPr lang="ru-RU" smtClean="0"/>
-              <a:t>Хорошей ли идеей является здесь заменить </a:t>
-            </a:r>
-            <a:r>
-              <a:rPr lang="en-US" smtClean="0"/>
-              <a:t>Impl * const </a:t>
-            </a:r>
-            <a:r>
-              <a:rPr lang="ru-RU" smtClean="0"/>
-              <a:t>на </a:t>
-            </a:r>
-            <a:r>
-              <a:rPr lang="en-US" smtClean="0"/>
-              <a:t>unique_ptr?</a:t>
-            </a:r>
+              <a:t>delete </a:t>
+            </a:r>
+            <a:r>
+              <a:rPr lang="ru-RU" smtClean="0"/>
+              <a:t>проникает в хедер при использовании стандартного удалителя</a:t>
+            </a:r>
+            <a:endParaRPr lang="en-US"/>
           </a:p>
         </p:txBody>
       </p:sp>
     </p:spTree>
     <p:extLst>
       <p:ext uri="{BB962C8B-B14F-4D97-AF65-F5344CB8AC3E}">
-        <p14:creationId xmlns:p14="http://schemas.microsoft.com/office/powerpoint/2010/main" val="3133431279"/>
+        <p14:creationId xmlns:p14="http://schemas.microsoft.com/office/powerpoint/2010/main" val="467135425"/>
       </p:ext>
     </p:extLst>
   </p:cSld>
@@ -8596,12 +8718,7 @@
             <p:ph idx="1"/>
           </p:nvPr>
         </p:nvSpPr>
-        <p:spPr>
-          <a:xfrm>
-            <a:off x="1143000" y="2057400"/>
-            <a:ext cx="9872871" cy="4471416"/>
-          </a:xfrm>
-        </p:spPr>
+        <p:spPr/>
         <p:txBody>
           <a:bodyPr/>
           <a:lstStyle/>
@@ -8644,7 +8761,7 @@
               <a:rPr lang="en-US" smtClean="0">
                 <a:latin typeface="Consolas" panose="020B0609020204030204" pitchFamily="49" charset="0"/>
               </a:rPr>
-              <a:t>  const unique_ptr&lt;CImpl&gt; impl_;</a:t>
+              <a:t>  CImpl *const impl_;</a:t>
             </a:r>
             <a:br>
               <a:rPr lang="en-US" smtClean="0">
@@ -8706,57 +8823,37 @@
           <a:p>
             <a:r>
               <a:rPr lang="ru-RU" smtClean="0"/>
-              <a:t>При ответе на этот вопрос важно спросили ли вы сначала зачем там вообще был константный указатель</a:t>
-            </a:r>
-            <a:endParaRPr lang="en-US" smtClean="0"/>
-          </a:p>
-          <a:p>
-            <a:r>
-              <a:rPr lang="ru-RU" smtClean="0"/>
-              <a:t>Хорошая идея тут это </a:t>
+              <a:t>Эта</a:t>
             </a:r>
             <a:r>
               <a:rPr lang="en-US" smtClean="0"/>
-              <a:t>const unique_ptr </a:t>
-            </a:r>
-            <a:r>
-              <a:rPr lang="ru-RU" smtClean="0"/>
-              <a:t>чтобы продолжать блокировать </a:t>
+              <a:t> </a:t>
+            </a:r>
+            <a:r>
+              <a:rPr lang="ru-RU" smtClean="0"/>
+              <a:t>идиома очень полезна: в частности она позволяет всегда иметь объект класса одного и того же размера, что может быть очень важно в </a:t>
             </a:r>
             <a:r>
               <a:rPr lang="en-US" smtClean="0"/>
-              <a:t>default move ctor </a:t>
-            </a:r>
-            <a:r>
-              <a:rPr lang="ru-RU" smtClean="0"/>
-              <a:t>и не забыть инициализировать в конструкторе </a:t>
-            </a:r>
-            <a:endParaRPr lang="en-US" smtClean="0"/>
-          </a:p>
-          <a:p>
-            <a:r>
-              <a:rPr lang="ru-RU" smtClean="0"/>
-              <a:t>Вообще </a:t>
+              <a:t>ABI.</a:t>
+            </a:r>
+          </a:p>
+          <a:p>
+            <a:r>
+              <a:rPr lang="ru-RU" smtClean="0"/>
+              <a:t>Хорошей ли идеей является здесь заменить </a:t>
             </a:r>
             <a:r>
               <a:rPr lang="en-US" smtClean="0"/>
-              <a:t>const unique_ptr </a:t>
-            </a:r>
-            <a:r>
-              <a:rPr lang="ru-RU" smtClean="0"/>
-              <a:t>это лучший </a:t>
+              <a:t>Impl * const </a:t>
+            </a:r>
+            <a:r>
+              <a:rPr lang="ru-RU" smtClean="0"/>
+              <a:t>на </a:t>
             </a:r>
             <a:r>
               <a:rPr lang="en-US" smtClean="0"/>
-              <a:t>scoped_ptr, </a:t>
-            </a:r>
-            <a:r>
-              <a:rPr lang="ru-RU" smtClean="0"/>
-              <a:t>чем сам </a:t>
-            </a:r>
-            <a:r>
-              <a:rPr lang="en-US" smtClean="0"/>
-              <a:t>boost::scoped_ptr</a:t>
+              <a:t>unique_ptr?</a:t>
             </a:r>
           </a:p>
         </p:txBody>
@@ -8764,7 +8861,7 @@
     </p:spTree>
     <p:extLst>
       <p:ext uri="{BB962C8B-B14F-4D97-AF65-F5344CB8AC3E}">
-        <p14:creationId xmlns:p14="http://schemas.microsoft.com/office/powerpoint/2010/main" val="3789039655"/>
+        <p14:creationId xmlns:p14="http://schemas.microsoft.com/office/powerpoint/2010/main" val="3133431279"/>
       </p:ext>
     </p:extLst>
   </p:cSld>
@@ -9042,7 +9139,11 @@
           <a:p>
             <a:r>
               <a:rPr lang="ru-RU" smtClean="0"/>
-              <a:t>Дерево из уникальных указателей</a:t>
+              <a:t>Обсуждение: идиома </a:t>
+            </a:r>
+            <a:r>
+              <a:rPr lang="en-US" smtClean="0"/>
+              <a:t>PImpl</a:t>
             </a:r>
             <a:endParaRPr lang="en-US"/>
           </a:p>
@@ -9058,14 +9159,27 @@
             <p:ph idx="1"/>
           </p:nvPr>
         </p:nvSpPr>
-        <p:spPr/>
+        <p:spPr>
+          <a:xfrm>
+            <a:off x="1143000" y="2057400"/>
+            <a:ext cx="9872871" cy="4471416"/>
+          </a:xfrm>
+        </p:spPr>
         <p:txBody>
           <a:bodyPr/>
           <a:lstStyle/>
           <a:p>
             <a:r>
               <a:rPr lang="ru-RU" smtClean="0"/>
-              <a:t>Для дерева естественным типом владения является уникальное владение</a:t>
+              <a:t>Идиома </a:t>
+            </a:r>
+            <a:r>
+              <a:rPr lang="en-US" smtClean="0"/>
+              <a:t>PImpl </a:t>
+            </a:r>
+            <a:r>
+              <a:rPr lang="ru-RU" smtClean="0"/>
+              <a:t>предполагает единичное владение</a:t>
             </a:r>
           </a:p>
           <a:p>
@@ -9076,131 +9190,71 @@
               <a:rPr lang="en-US" smtClean="0">
                 <a:latin typeface="Consolas" panose="020B0609020204030204" pitchFamily="49" charset="0"/>
               </a:rPr>
-              <a:t>template &lt;typename Data&gt; class Tree {</a:t>
-            </a:r>
-            <a:br>
-              <a:rPr lang="en-US" smtClean="0">
-                <a:latin typeface="Consolas" panose="020B0609020204030204" pitchFamily="49" charset="0"/>
-              </a:rPr>
-            </a:br>
-            <a:r>
-              <a:rPr lang="en-US" smtClean="0">
-                <a:latin typeface="Consolas" panose="020B0609020204030204" pitchFamily="49" charset="0"/>
-              </a:rPr>
-              <a:t>  struct Node {</a:t>
-            </a:r>
-            <a:br>
-              <a:rPr lang="en-US" smtClean="0">
-                <a:latin typeface="Consolas" panose="020B0609020204030204" pitchFamily="49" charset="0"/>
-              </a:rPr>
-            </a:br>
-            <a:r>
-              <a:rPr lang="en-US" smtClean="0">
-                <a:latin typeface="Consolas" panose="020B0609020204030204" pitchFamily="49" charset="0"/>
-              </a:rPr>
-              <a:t>    unique_ptr&lt;Node&gt; left, right;</a:t>
-            </a:r>
-            <a:br>
-              <a:rPr lang="en-US" smtClean="0">
-                <a:latin typeface="Consolas" panose="020B0609020204030204" pitchFamily="49" charset="0"/>
-              </a:rPr>
-            </a:br>
-            <a:r>
-              <a:rPr lang="en-US" smtClean="0">
-                <a:latin typeface="Consolas" panose="020B0609020204030204" pitchFamily="49" charset="0"/>
-              </a:rPr>
-              <a:t>    Data d;</a:t>
+              <a:t>class Ifacade {</a:t>
+            </a:r>
+            <a:r>
+              <a:rPr lang="ru-RU">
+                <a:latin typeface="Consolas" panose="020B0609020204030204" pitchFamily="49" charset="0"/>
+              </a:rPr>
+              <a:t/>
+            </a:r>
+            <a:br>
+              <a:rPr lang="ru-RU">
+                <a:latin typeface="Consolas" panose="020B0609020204030204" pitchFamily="49" charset="0"/>
+              </a:rPr>
+            </a:br>
+            <a:r>
+              <a:rPr lang="en-US" smtClean="0">
+                <a:latin typeface="Consolas" panose="020B0609020204030204" pitchFamily="49" charset="0"/>
+              </a:rPr>
+              <a:t>  const unique_ptr&lt;CImpl&gt; impl_;</a:t>
+            </a:r>
+            <a:br>
+              <a:rPr lang="en-US" smtClean="0">
+                <a:latin typeface="Consolas" panose="020B0609020204030204" pitchFamily="49" charset="0"/>
+              </a:rPr>
+            </a:br>
+            <a:r>
+              <a:rPr lang="en-US" smtClean="0">
+                <a:latin typeface="Consolas" panose="020B0609020204030204" pitchFamily="49" charset="0"/>
+              </a:rPr>
+              <a:t>public:</a:t>
+            </a:r>
+            <a:br>
+              <a:rPr lang="en-US" smtClean="0">
+                <a:latin typeface="Consolas" panose="020B0609020204030204" pitchFamily="49" charset="0"/>
+              </a:rPr>
+            </a:br>
+            <a:r>
+              <a:rPr lang="en-US" smtClean="0">
+                <a:latin typeface="Consolas" panose="020B0609020204030204" pitchFamily="49" charset="0"/>
+              </a:rPr>
+              <a:t>  Ifacade() : impl_(new CImpl) {}</a:t>
+            </a:r>
+            <a:br>
+              <a:rPr lang="en-US" smtClean="0">
+                <a:latin typeface="Consolas" panose="020B0609020204030204" pitchFamily="49" charset="0"/>
+              </a:rPr>
+            </a:br>
+            <a:r>
+              <a:rPr lang="en-US" smtClean="0">
+                <a:latin typeface="Consolas" panose="020B0609020204030204" pitchFamily="49" charset="0"/>
+              </a:rPr>
+              <a:t>  // </a:t>
             </a:r>
             <a:r>
               <a:rPr lang="ru-RU" smtClean="0">
                 <a:latin typeface="Consolas" panose="020B0609020204030204" pitchFamily="49" charset="0"/>
               </a:rPr>
+              <a:t>методы</a:t>
+            </a:r>
+            <a:r>
+              <a:rPr lang="en-US" smtClean="0">
+                <a:latin typeface="Consolas" panose="020B0609020204030204" pitchFamily="49" charset="0"/>
+              </a:rPr>
               <a:t/>
             </a:r>
             <a:br>
-              <a:rPr lang="ru-RU" smtClean="0">
-                <a:latin typeface="Consolas" panose="020B0609020204030204" pitchFamily="49" charset="0"/>
-              </a:rPr>
-            </a:br>
-            <a:r>
-              <a:rPr lang="en-US" smtClean="0">
-                <a:latin typeface="Consolas" panose="020B0609020204030204" pitchFamily="49" charset="0"/>
-              </a:rPr>
-              <a:t>  };</a:t>
-            </a:r>
-            <a:r>
-              <a:rPr lang="ru-RU" smtClean="0">
-                <a:latin typeface="Consolas" panose="020B0609020204030204" pitchFamily="49" charset="0"/>
-              </a:rPr>
-              <a:t/>
-            </a:r>
-            <a:br>
-              <a:rPr lang="ru-RU" smtClean="0">
-                <a:latin typeface="Consolas" panose="020B0609020204030204" pitchFamily="49" charset="0"/>
-              </a:rPr>
-            </a:br>
-            <a:r>
-              <a:rPr lang="ru-RU" smtClean="0">
-                <a:latin typeface="Consolas" panose="020B0609020204030204" pitchFamily="49" charset="0"/>
-              </a:rPr>
-              <a:t>  </a:t>
-            </a:r>
-            <a:r>
-              <a:rPr lang="en-US" smtClean="0">
-                <a:latin typeface="Consolas" panose="020B0609020204030204" pitchFamily="49" charset="0"/>
-              </a:rPr>
-              <a:t>unique_ptr&lt;Node&gt; top_;</a:t>
-            </a:r>
-            <a:br>
-              <a:rPr lang="en-US" smtClean="0">
-                <a:latin typeface="Consolas" panose="020B0609020204030204" pitchFamily="49" charset="0"/>
-              </a:rPr>
-            </a:br>
-            <a:r>
-              <a:rPr lang="en-US" smtClean="0">
-                <a:latin typeface="Consolas" panose="020B0609020204030204" pitchFamily="49" charset="0"/>
-              </a:rPr>
-              <a:t>  </a:t>
-            </a:r>
-            <a:r>
-              <a:rPr lang="en-US" smtClean="0">
-                <a:solidFill>
-                  <a:srgbClr val="0000FF"/>
-                </a:solidFill>
-                <a:latin typeface="Consolas" panose="020B0609020204030204" pitchFamily="49" charset="0"/>
-              </a:rPr>
-              <a:t>void release_node(unique_ptr&lt;Node&gt; u) {}</a:t>
-            </a:r>
-            <a:r>
-              <a:rPr lang="ru-RU">
-                <a:latin typeface="Consolas" panose="020B0609020204030204" pitchFamily="49" charset="0"/>
-              </a:rPr>
-              <a:t/>
-            </a:r>
-            <a:br>
-              <a:rPr lang="ru-RU">
-                <a:latin typeface="Consolas" panose="020B0609020204030204" pitchFamily="49" charset="0"/>
-              </a:rPr>
-            </a:br>
-            <a:r>
-              <a:rPr lang="en-US" smtClean="0">
-                <a:latin typeface="Consolas" panose="020B0609020204030204" pitchFamily="49" charset="0"/>
-              </a:rPr>
-              <a:t>// </a:t>
-            </a:r>
-            <a:r>
-              <a:rPr lang="ru-RU" smtClean="0">
-                <a:latin typeface="Consolas" panose="020B0609020204030204" pitchFamily="49" charset="0"/>
-              </a:rPr>
-              <a:t>дальше 42 открытых метода</a:t>
-            </a:r>
-            <a:r>
-              <a:rPr lang="en-US" smtClean="0">
-                <a:latin typeface="Consolas" panose="020B0609020204030204" pitchFamily="49" charset="0"/>
-              </a:rPr>
-              <a:t/>
-            </a:r>
-            <a:br>
               <a:rPr lang="en-US" smtClean="0">
                 <a:latin typeface="Consolas" panose="020B0609020204030204" pitchFamily="49" charset="0"/>
               </a:rPr>
@@ -9215,31 +9269,65 @@
           <a:p>
             <a:r>
               <a:rPr lang="ru-RU" smtClean="0"/>
-              <a:t>Понимаете ли вы почему тело </a:t>
+              <a:t>При ответе на этот вопрос важно спросили ли вы сначала зачем там вообще был константный указатель</a:t>
+            </a:r>
+            <a:endParaRPr lang="en-US" smtClean="0"/>
+          </a:p>
+          <a:p>
+            <a:r>
+              <a:rPr lang="ru-RU" smtClean="0"/>
+              <a:t>Хорошая идея тут это </a:t>
             </a:r>
             <a:r>
               <a:rPr lang="en-US" smtClean="0"/>
-              <a:t>release_node </a:t>
-            </a:r>
-            <a:r>
-              <a:rPr lang="ru-RU" smtClean="0"/>
-              <a:t>пустое?</a:t>
+              <a:t>const unique_ptr </a:t>
+            </a:r>
+            <a:r>
+              <a:rPr lang="ru-RU" smtClean="0"/>
+              <a:t>чтобы продолжать блокировать </a:t>
+            </a:r>
+            <a:r>
+              <a:rPr lang="en-US" smtClean="0"/>
+              <a:t>default move ctor </a:t>
+            </a:r>
+            <a:r>
+              <a:rPr lang="ru-RU" smtClean="0"/>
+              <a:t>и не забыть инициализировать в конструкторе </a:t>
             </a:r>
             <a:endParaRPr lang="en-US" smtClean="0"/>
           </a:p>
           <a:p>
             <a:r>
               <a:rPr lang="ru-RU" smtClean="0"/>
-              <a:t>Есть ли тут какие-то проблемы?</a:t>
-            </a:r>
-            <a:endParaRPr lang="en-US"/>
+              <a:t>Вообще </a:t>
+            </a:r>
+            <a:r>
+              <a:rPr lang="en-US" smtClean="0"/>
+              <a:t>const unique_ptr </a:t>
+            </a:r>
+            <a:r>
+              <a:rPr lang="ru-RU" smtClean="0"/>
+              <a:t>это лучший </a:t>
+            </a:r>
+            <a:r>
+              <a:rPr lang="en-US" smtClean="0"/>
+              <a:t>scoped_ptr, </a:t>
+            </a:r>
+            <a:r>
+              <a:rPr lang="ru-RU" smtClean="0"/>
+              <a:t>чем сам </a:t>
+            </a:r>
+            <a:r>
+              <a:rPr lang="en-US" smtClean="0"/>
+              <a:t>boost::scoped_ptr</a:t>
+            </a:r>
           </a:p>
         </p:txBody>
       </p:sp>
     </p:spTree>
     <p:extLst>
       <p:ext uri="{BB962C8B-B14F-4D97-AF65-F5344CB8AC3E}">
-        <p14:creationId xmlns:p14="http://schemas.microsoft.com/office/powerpoint/2010/main" val="987787424"/>
+        <p14:creationId xmlns:p14="http://schemas.microsoft.com/office/powerpoint/2010/main" val="3789039655"/>
       </p:ext>
     </p:extLst>
   </p:cSld>
@@ -9283,7 +9371,7 @@
           <a:p>
             <a:r>
               <a:rPr lang="ru-RU" smtClean="0"/>
-              <a:t>Обсуждение</a:t>
+              <a:t>Дерево из уникальных указателей</a:t>
             </a:r>
             <a:endParaRPr lang="en-US"/>
           </a:p>
@@ -9306,15 +9394,172 @@
           <a:p>
             <a:r>
               <a:rPr lang="ru-RU" smtClean="0"/>
-              <a:t>Можно ли (если да то как и если нет, то почему) сделать на </a:t>
+              <a:t>Для дерева естественным типом владения является уникальное владение</a:t>
+            </a:r>
+          </a:p>
+          <a:p>
+            <a:pPr marL="45720" indent="0">
+              <a:buNone/>
+            </a:pPr>
+            <a:r>
+              <a:rPr lang="en-US" smtClean="0">
+                <a:latin typeface="Consolas" panose="020B0609020204030204" pitchFamily="49" charset="0"/>
+              </a:rPr>
+              <a:t>template &lt;typename Data&gt; class Tree {</a:t>
+            </a:r>
+            <a:br>
+              <a:rPr lang="en-US" smtClean="0">
+                <a:latin typeface="Consolas" panose="020B0609020204030204" pitchFamily="49" charset="0"/>
+              </a:rPr>
+            </a:br>
+            <a:r>
+              <a:rPr lang="en-US" smtClean="0">
+                <a:latin typeface="Consolas" panose="020B0609020204030204" pitchFamily="49" charset="0"/>
+              </a:rPr>
+              <a:t>  struct Node {</a:t>
+            </a:r>
+            <a:br>
+              <a:rPr lang="en-US" smtClean="0">
+                <a:latin typeface="Consolas" panose="020B0609020204030204" pitchFamily="49" charset="0"/>
+              </a:rPr>
+            </a:br>
+            <a:r>
+              <a:rPr lang="en-US" smtClean="0">
+                <a:latin typeface="Consolas" panose="020B0609020204030204" pitchFamily="49" charset="0"/>
+              </a:rPr>
+              <a:t>    unique_ptr&lt;Node&gt; left, right;</a:t>
+            </a:r>
+            <a:br>
+              <a:rPr lang="en-US" smtClean="0">
+                <a:latin typeface="Consolas" panose="020B0609020204030204" pitchFamily="49" charset="0"/>
+              </a:rPr>
+            </a:br>
+            <a:r>
+              <a:rPr lang="en-US" smtClean="0">
+                <a:latin typeface="Consolas" panose="020B0609020204030204" pitchFamily="49" charset="0"/>
+              </a:rPr>
+              <a:t>    Data d;</a:t>
+            </a:r>
+            <a:r>
+              <a:rPr lang="ru-RU" smtClean="0">
+                <a:latin typeface="Consolas" panose="020B0609020204030204" pitchFamily="49" charset="0"/>
+              </a:rPr>
+              <a:t/>
+            </a:r>
+            <a:br>
+              <a:rPr lang="ru-RU" smtClean="0">
+                <a:latin typeface="Consolas" panose="020B0609020204030204" pitchFamily="49" charset="0"/>
+              </a:rPr>
+            </a:br>
+            <a:r>
+              <a:rPr lang="en-US" smtClean="0">
+                <a:latin typeface="Consolas" panose="020B0609020204030204" pitchFamily="49" charset="0"/>
+              </a:rPr>
+              <a:t>  };</a:t>
+            </a:r>
+            <a:r>
+              <a:rPr lang="ru-RU" smtClean="0">
+                <a:latin typeface="Consolas" panose="020B0609020204030204" pitchFamily="49" charset="0"/>
+              </a:rPr>
+              <a:t/>
+            </a:r>
+            <a:br>
+              <a:rPr lang="ru-RU" smtClean="0">
+                <a:latin typeface="Consolas" panose="020B0609020204030204" pitchFamily="49" charset="0"/>
+              </a:rPr>
+            </a:br>
+            <a:r>
+              <a:rPr lang="ru-RU" smtClean="0">
+                <a:latin typeface="Consolas" panose="020B0609020204030204" pitchFamily="49" charset="0"/>
+              </a:rPr>
+              <a:t>  </a:t>
+            </a:r>
+            <a:r>
+              <a:rPr lang="en-US" smtClean="0">
+                <a:latin typeface="Consolas" panose="020B0609020204030204" pitchFamily="49" charset="0"/>
+              </a:rPr>
+              <a:t>unique_ptr&lt;Node&gt; top_;</a:t>
+            </a:r>
+            <a:br>
+              <a:rPr lang="en-US" smtClean="0">
+                <a:latin typeface="Consolas" panose="020B0609020204030204" pitchFamily="49" charset="0"/>
+              </a:rPr>
+            </a:br>
+            <a:r>
+              <a:rPr lang="en-US" smtClean="0">
+                <a:latin typeface="Consolas" panose="020B0609020204030204" pitchFamily="49" charset="0"/>
+              </a:rPr>
+              <a:t>  </a:t>
+            </a:r>
+            <a:r>
+              <a:rPr lang="en-US" smtClean="0">
+                <a:solidFill>
+                  <a:srgbClr val="0000FF"/>
+                </a:solidFill>
+                <a:latin typeface="Consolas" panose="020B0609020204030204" pitchFamily="49" charset="0"/>
+              </a:rPr>
+              <a:t>void release_node(unique_ptr&lt;Node&gt; u) {}</a:t>
+            </a:r>
+            <a:r>
+              <a:rPr lang="ru-RU">
+                <a:latin typeface="Consolas" panose="020B0609020204030204" pitchFamily="49" charset="0"/>
+              </a:rPr>
+              <a:t/>
+            </a:r>
+            <a:br>
+              <a:rPr lang="ru-RU">
+                <a:latin typeface="Consolas" panose="020B0609020204030204" pitchFamily="49" charset="0"/>
+              </a:rPr>
+            </a:br>
+            <a:r>
+              <a:rPr lang="en-US" smtClean="0">
+                <a:latin typeface="Consolas" panose="020B0609020204030204" pitchFamily="49" charset="0"/>
+              </a:rPr>
+              <a:t>// </a:t>
+            </a:r>
+            <a:r>
+              <a:rPr lang="ru-RU" smtClean="0">
+                <a:latin typeface="Consolas" panose="020B0609020204030204" pitchFamily="49" charset="0"/>
+              </a:rPr>
+              <a:t>дальше 42 открытых метода</a:t>
+            </a:r>
+            <a:r>
+              <a:rPr lang="en-US" smtClean="0">
+                <a:latin typeface="Consolas" panose="020B0609020204030204" pitchFamily="49" charset="0"/>
+              </a:rPr>
+              <a:t/>
+            </a:r>
+            <a:br>
+              <a:rPr lang="en-US" smtClean="0">
+                <a:latin typeface="Consolas" panose="020B0609020204030204" pitchFamily="49" charset="0"/>
+              </a:rPr>
+            </a:br>
+            <a:r>
+              <a:rPr lang="en-US" smtClean="0">
+                <a:latin typeface="Consolas" panose="020B0609020204030204" pitchFamily="49" charset="0"/>
+              </a:rPr>
+              <a:t>};</a:t>
+            </a:r>
+          </a:p>
+          <a:p>
+            <a:r>
+              <a:rPr lang="ru-RU" smtClean="0"/>
+              <a:t>Понимаете ли вы почему тело </a:t>
             </a:r>
             <a:r>
               <a:rPr lang="en-US" smtClean="0"/>
-              <a:t>unique_ptrs </a:t>
-            </a:r>
-            <a:r>
-              <a:rPr lang="ru-RU" smtClean="0"/>
-              <a:t>направленный ациклический граф?</a:t>
+              <a:t>release_node </a:t>
+            </a:r>
+            <a:r>
+              <a:rPr lang="ru-RU" smtClean="0"/>
+              <a:t>пустое?</a:t>
+            </a:r>
+            <a:endParaRPr lang="en-US" smtClean="0"/>
+          </a:p>
+          <a:p>
+            <a:r>
+              <a:rPr lang="ru-RU" smtClean="0"/>
+              <a:t>Есть ли тут какие-то проблемы?</a:t>
             </a:r>
             <a:endParaRPr lang="en-US"/>
           </a:p>
@@ -9323,7 +9568,7 @@
     </p:spTree>
     <p:extLst>
       <p:ext uri="{BB962C8B-B14F-4D97-AF65-F5344CB8AC3E}">
-        <p14:creationId xmlns:p14="http://schemas.microsoft.com/office/powerpoint/2010/main" val="2660627464"/>
+        <p14:creationId xmlns:p14="http://schemas.microsoft.com/office/powerpoint/2010/main" val="987787424"/>
       </p:ext>
     </p:extLst>
   </p:cSld>
@@ -9367,15 +9612,7 @@
           <a:p>
             <a:r>
               <a:rPr lang="ru-RU" smtClean="0"/>
-              <a:t>Проблема метода </a:t>
-            </a:r>
-            <a:r>
-              <a:rPr lang="en-US" smtClean="0"/>
-              <a:t>find </a:t>
-            </a:r>
-            <a:r>
-              <a:rPr lang="ru-RU" smtClean="0"/>
-              <a:t>в дереве</a:t>
+              <a:t>Обсуждение</a:t>
             </a:r>
             <a:endParaRPr lang="en-US"/>
           </a:p>
@@ -9398,157 +9635,15 @@
           <a:p>
             <a:r>
               <a:rPr lang="ru-RU" smtClean="0"/>
-              <a:t>Представим, что дерево предоставляет интерфейс к поиску данных</a:t>
-            </a:r>
-          </a:p>
-          <a:p>
-            <a:pPr marL="45720" indent="0">
-              <a:buNone/>
-            </a:pPr>
-            <a:r>
-              <a:rPr lang="en-US">
-                <a:latin typeface="Consolas" panose="020B0609020204030204" pitchFamily="49" charset="0"/>
-              </a:rPr>
-              <a:t>template &lt;typename Data&gt; class Tree {</a:t>
-            </a:r>
-            <a:br>
-              <a:rPr lang="en-US">
-                <a:latin typeface="Consolas" panose="020B0609020204030204" pitchFamily="49" charset="0"/>
-              </a:rPr>
-            </a:br>
-            <a:r>
-              <a:rPr lang="en-US">
-                <a:latin typeface="Consolas" panose="020B0609020204030204" pitchFamily="49" charset="0"/>
-              </a:rPr>
-              <a:t>  struct Node {</a:t>
-            </a:r>
-            <a:br>
-              <a:rPr lang="en-US">
-                <a:latin typeface="Consolas" panose="020B0609020204030204" pitchFamily="49" charset="0"/>
-              </a:rPr>
-            </a:br>
-            <a:r>
-              <a:rPr lang="en-US">
-                <a:latin typeface="Consolas" panose="020B0609020204030204" pitchFamily="49" charset="0"/>
-              </a:rPr>
-              <a:t>    unique_ptr&lt;Node&gt; left, right;</a:t>
-            </a:r>
-            <a:br>
-              <a:rPr lang="en-US">
-                <a:latin typeface="Consolas" panose="020B0609020204030204" pitchFamily="49" charset="0"/>
-              </a:rPr>
-            </a:br>
-            <a:r>
-              <a:rPr lang="en-US">
-                <a:latin typeface="Consolas" panose="020B0609020204030204" pitchFamily="49" charset="0"/>
-              </a:rPr>
-              <a:t>    Data d;</a:t>
-            </a:r>
-            <a:r>
-              <a:rPr lang="ru-RU">
-                <a:latin typeface="Consolas" panose="020B0609020204030204" pitchFamily="49" charset="0"/>
-              </a:rPr>
-              <a:t/>
-            </a:r>
-            <a:br>
-              <a:rPr lang="ru-RU">
-                <a:latin typeface="Consolas" panose="020B0609020204030204" pitchFamily="49" charset="0"/>
-              </a:rPr>
-            </a:br>
-            <a:r>
-              <a:rPr lang="en-US">
-                <a:latin typeface="Consolas" panose="020B0609020204030204" pitchFamily="49" charset="0"/>
-              </a:rPr>
-              <a:t>  </a:t>
-            </a:r>
-            <a:r>
-              <a:rPr lang="en-US" smtClean="0">
-                <a:latin typeface="Consolas" panose="020B0609020204030204" pitchFamily="49" charset="0"/>
-              </a:rPr>
-              <a:t>};</a:t>
-            </a:r>
-            <a:r>
-              <a:rPr lang="ru-RU" smtClean="0">
-                <a:latin typeface="Consolas" panose="020B0609020204030204" pitchFamily="49" charset="0"/>
-              </a:rPr>
-              <a:t/>
-            </a:r>
-            <a:br>
-              <a:rPr lang="ru-RU" smtClean="0">
-                <a:latin typeface="Consolas" panose="020B0609020204030204" pitchFamily="49" charset="0"/>
-              </a:rPr>
-            </a:br>
-            <a:r>
-              <a:rPr lang="ru-RU" smtClean="0">
-                <a:latin typeface="Consolas" panose="020B0609020204030204" pitchFamily="49" charset="0"/>
-              </a:rPr>
-              <a:t>  </a:t>
-            </a:r>
-            <a:r>
-              <a:rPr lang="en-US" smtClean="0">
-                <a:latin typeface="Consolas" panose="020B0609020204030204" pitchFamily="49" charset="0"/>
-              </a:rPr>
-              <a:t>unique_ptr&lt;Node&gt; top_;</a:t>
-            </a:r>
-            <a:r>
-              <a:rPr lang="ru-RU">
-                <a:latin typeface="Consolas" panose="020B0609020204030204" pitchFamily="49" charset="0"/>
-              </a:rPr>
-              <a:t/>
-            </a:r>
-            <a:br>
-              <a:rPr lang="ru-RU">
-                <a:latin typeface="Consolas" panose="020B0609020204030204" pitchFamily="49" charset="0"/>
-              </a:rPr>
-            </a:br>
-            <a:r>
-              <a:rPr lang="en-US" smtClean="0">
-                <a:latin typeface="Consolas" panose="020B0609020204030204" pitchFamily="49" charset="0"/>
-              </a:rPr>
-              <a:t>public: </a:t>
-            </a:r>
-            <a:br>
-              <a:rPr lang="en-US" smtClean="0">
-                <a:latin typeface="Consolas" panose="020B0609020204030204" pitchFamily="49" charset="0"/>
-              </a:rPr>
-            </a:br>
-            <a:r>
-              <a:rPr lang="en-US" smtClean="0">
-                <a:solidFill>
-                  <a:srgbClr val="FF0000"/>
-                </a:solidFill>
-                <a:latin typeface="Consolas" panose="020B0609020204030204" pitchFamily="49" charset="0"/>
-              </a:rPr>
-              <a:t>  ??? find (int inorder_pos);</a:t>
-            </a:r>
-            <a:endParaRPr lang="en-US" smtClean="0">
-              <a:solidFill>
-                <a:srgbClr val="FF0000"/>
-              </a:solidFill>
-            </a:endParaRPr>
-          </a:p>
-          <a:p>
-            <a:r>
-              <a:rPr lang="ru-RU" smtClean="0"/>
-              <a:t>Что должен возвращать метод </a:t>
+              <a:t>Можно ли (если да то как и если нет, то почему) сделать на </a:t>
             </a:r>
             <a:r>
               <a:rPr lang="en-US" smtClean="0"/>
-              <a:t>find?</a:t>
-            </a:r>
-          </a:p>
-          <a:p>
-            <a:r>
-              <a:rPr lang="ru-RU" smtClean="0"/>
-              <a:t>Предполагаем, что </a:t>
-            </a:r>
-            <a:r>
-              <a:rPr lang="en-US" smtClean="0"/>
-              <a:t>Node* </a:t>
-            </a:r>
-            <a:r>
-              <a:rPr lang="ru-RU" smtClean="0"/>
-              <a:t>плохой вариант, так как утечёт сырой указатель</a:t>
+              <a:t>unique_ptrs </a:t>
+            </a:r>
+            <a:r>
+              <a:rPr lang="ru-RU" smtClean="0"/>
+              <a:t>направленный ациклический граф?</a:t>
             </a:r>
             <a:endParaRPr lang="en-US"/>
           </a:p>
@@ -9557,7 +9652,7 @@
     </p:spTree>
     <p:extLst>
       <p:ext uri="{BB962C8B-B14F-4D97-AF65-F5344CB8AC3E}">
-        <p14:creationId xmlns:p14="http://schemas.microsoft.com/office/powerpoint/2010/main" val="2935977604"/>
+        <p14:creationId xmlns:p14="http://schemas.microsoft.com/office/powerpoint/2010/main" val="2660627464"/>
       </p:ext>
     </p:extLst>
   </p:cSld>
@@ -9586,6 +9681,37 @@
       </p:grpSpPr>
       <p:sp>
         <p:nvSpPr>
+          <p:cNvPr id="2" name="Title 1"/>
+          <p:cNvSpPr>
+            <a:spLocks noGrp="1"/>
+          </p:cNvSpPr>
+          <p:nvPr>
+            <p:ph type="title"/>
+          </p:nvPr>
+        </p:nvSpPr>
+        <p:spPr/>
+        <p:txBody>
+          <a:bodyPr/>
+          <a:lstStyle/>
+          <a:p>
+            <a:r>
+              <a:rPr lang="ru-RU" smtClean="0"/>
+              <a:t>Проблема метода </a:t>
+            </a:r>
+            <a:r>
+              <a:rPr lang="en-US" smtClean="0"/>
+              <a:t>find </a:t>
+            </a:r>
+            <a:r>
+              <a:rPr lang="ru-RU" smtClean="0"/>
+              <a:t>в дереве</a:t>
+            </a:r>
+            <a:endParaRPr lang="en-US"/>
+          </a:p>
+        </p:txBody>
+      </p:sp>
+      <p:sp>
+        <p:nvSpPr>
           <p:cNvPr id="3" name="Content Placeholder 2"/>
           <p:cNvSpPr>
             <a:spLocks noGrp="1"/>
@@ -9594,80 +9720,173 @@
             <p:ph idx="1"/>
           </p:nvPr>
         </p:nvSpPr>
-        <p:spPr>
-          <a:xfrm>
-            <a:off x="1143000" y="742122"/>
-            <a:ext cx="9872871" cy="5353878"/>
-          </a:xfrm>
-        </p:spPr>
-        <p:txBody>
-          <a:bodyPr>
-            <a:noAutofit/>
-          </a:bodyPr>
-          <a:lstStyle/>
-          <a:p>
-            <a:pPr>
-              <a:lnSpc>
-                <a:spcPct val="150000"/>
-              </a:lnSpc>
-              <a:buFont typeface="Wingdings" panose="05000000000000000000" pitchFamily="2" charset="2"/>
-              <a:buChar char="q"/>
+        <p:spPr/>
+        <p:txBody>
+          <a:bodyPr/>
+          <a:lstStyle/>
+          <a:p>
+            <a:r>
+              <a:rPr lang="ru-RU" smtClean="0"/>
+              <a:t>Представим, что дерево предоставляет интерфейс к поиску данных</a:t>
+            </a:r>
+          </a:p>
+          <a:p>
+            <a:pPr marL="45720" indent="0">
+              <a:buNone/>
             </a:pPr>
             <a:r>
-              <a:rPr lang="ru-RU" sz="4800" smtClean="0"/>
-              <a:t> Постановка и история вопроса</a:t>
-            </a:r>
-          </a:p>
-          <a:p>
-            <a:pPr>
-              <a:lnSpc>
-                <a:spcPct val="150000"/>
-              </a:lnSpc>
-              <a:buFont typeface="Wingdings" panose="05000000000000000000" pitchFamily="2" charset="2"/>
-              <a:buChar char="q"/>
-            </a:pPr>
-            <a:r>
-              <a:rPr lang="ru-RU" sz="4800" smtClean="0"/>
-              <a:t> Уникальное владение</a:t>
-            </a:r>
-          </a:p>
-          <a:p>
-            <a:pPr>
-              <a:lnSpc>
-                <a:spcPct val="150000"/>
-              </a:lnSpc>
-              <a:buFont typeface="Wingdings" panose="05000000000000000000" pitchFamily="2" charset="2"/>
-              <a:buChar char="Ø"/>
-            </a:pPr>
-            <a:r>
-              <a:rPr lang="ru-RU" sz="4800" smtClean="0"/>
-              <a:t> Совместное владение</a:t>
-            </a:r>
-            <a:endParaRPr lang="en-US" sz="4800" smtClean="0"/>
-          </a:p>
-          <a:p>
-            <a:pPr>
-              <a:lnSpc>
-                <a:spcPct val="150000"/>
-              </a:lnSpc>
-              <a:buFont typeface="Wingdings" panose="05000000000000000000" pitchFamily="2" charset="2"/>
-              <a:buChar char="q"/>
-            </a:pPr>
-            <a:r>
-              <a:rPr lang="en-US" sz="4800"/>
-              <a:t> </a:t>
-            </a:r>
-            <a:r>
-              <a:rPr lang="ru-RU" sz="4800" smtClean="0"/>
-              <a:t>Закольцованный мир</a:t>
-            </a:r>
+              <a:rPr lang="en-US">
+                <a:latin typeface="Consolas" panose="020B0609020204030204" pitchFamily="49" charset="0"/>
+              </a:rPr>
+              <a:t>template &lt;typename Data&gt; class Tree {</a:t>
+            </a:r>
+            <a:br>
+              <a:rPr lang="en-US">
+                <a:latin typeface="Consolas" panose="020B0609020204030204" pitchFamily="49" charset="0"/>
+              </a:rPr>
+            </a:br>
+            <a:r>
+              <a:rPr lang="en-US">
+                <a:latin typeface="Consolas" panose="020B0609020204030204" pitchFamily="49" charset="0"/>
+              </a:rPr>
+              <a:t>  struct Node {</a:t>
+            </a:r>
+            <a:br>
+              <a:rPr lang="en-US">
+                <a:latin typeface="Consolas" panose="020B0609020204030204" pitchFamily="49" charset="0"/>
+              </a:rPr>
+            </a:br>
+            <a:r>
+              <a:rPr lang="en-US">
+                <a:latin typeface="Consolas" panose="020B0609020204030204" pitchFamily="49" charset="0"/>
+              </a:rPr>
+              <a:t>    unique_ptr&lt;Node&gt; left, right;</a:t>
+            </a:r>
+            <a:br>
+              <a:rPr lang="en-US">
+                <a:latin typeface="Consolas" panose="020B0609020204030204" pitchFamily="49" charset="0"/>
+              </a:rPr>
+            </a:br>
+            <a:r>
+              <a:rPr lang="en-US">
+                <a:latin typeface="Consolas" panose="020B0609020204030204" pitchFamily="49" charset="0"/>
+              </a:rPr>
+              <a:t>    Data d;</a:t>
+            </a:r>
+            <a:r>
+              <a:rPr lang="ru-RU">
+                <a:latin typeface="Consolas" panose="020B0609020204030204" pitchFamily="49" charset="0"/>
+              </a:rPr>
+              <a:t/>
+            </a:r>
+            <a:br>
+              <a:rPr lang="ru-RU">
+                <a:latin typeface="Consolas" panose="020B0609020204030204" pitchFamily="49" charset="0"/>
+              </a:rPr>
+            </a:br>
+            <a:r>
+              <a:rPr lang="en-US">
+                <a:latin typeface="Consolas" panose="020B0609020204030204" pitchFamily="49" charset="0"/>
+              </a:rPr>
+              <a:t>  </a:t>
+            </a:r>
+            <a:r>
+              <a:rPr lang="en-US" smtClean="0">
+                <a:latin typeface="Consolas" panose="020B0609020204030204" pitchFamily="49" charset="0"/>
+              </a:rPr>
+              <a:t>};</a:t>
+            </a:r>
+            <a:r>
+              <a:rPr lang="ru-RU" smtClean="0">
+                <a:latin typeface="Consolas" panose="020B0609020204030204" pitchFamily="49" charset="0"/>
+              </a:rPr>
+              <a:t/>
+            </a:r>
+            <a:br>
+              <a:rPr lang="ru-RU" smtClean="0">
+                <a:latin typeface="Consolas" panose="020B0609020204030204" pitchFamily="49" charset="0"/>
+              </a:rPr>
+            </a:br>
+            <a:r>
+              <a:rPr lang="ru-RU" smtClean="0">
+                <a:latin typeface="Consolas" panose="020B0609020204030204" pitchFamily="49" charset="0"/>
+              </a:rPr>
+              <a:t>  </a:t>
+            </a:r>
+            <a:r>
+              <a:rPr lang="en-US" smtClean="0">
+                <a:latin typeface="Consolas" panose="020B0609020204030204" pitchFamily="49" charset="0"/>
+              </a:rPr>
+              <a:t>unique_ptr&lt;Node&gt; top_;</a:t>
+            </a:r>
+            <a:r>
+              <a:rPr lang="ru-RU">
+                <a:latin typeface="Consolas" panose="020B0609020204030204" pitchFamily="49" charset="0"/>
+              </a:rPr>
+              <a:t/>
+            </a:r>
+            <a:br>
+              <a:rPr lang="ru-RU">
+                <a:latin typeface="Consolas" panose="020B0609020204030204" pitchFamily="49" charset="0"/>
+              </a:rPr>
+            </a:br>
+            <a:r>
+              <a:rPr lang="en-US" smtClean="0">
+                <a:latin typeface="Consolas" panose="020B0609020204030204" pitchFamily="49" charset="0"/>
+              </a:rPr>
+              <a:t>public: </a:t>
+            </a:r>
+            <a:br>
+              <a:rPr lang="en-US" smtClean="0">
+                <a:latin typeface="Consolas" panose="020B0609020204030204" pitchFamily="49" charset="0"/>
+              </a:rPr>
+            </a:br>
+            <a:r>
+              <a:rPr lang="en-US" smtClean="0">
+                <a:solidFill>
+                  <a:srgbClr val="FF0000"/>
+                </a:solidFill>
+                <a:latin typeface="Consolas" panose="020B0609020204030204" pitchFamily="49" charset="0"/>
+              </a:rPr>
+              <a:t>  ??? find (int inorder_pos);</a:t>
+            </a:r>
+            <a:endParaRPr lang="en-US" smtClean="0">
+              <a:solidFill>
+                <a:srgbClr val="FF0000"/>
+              </a:solidFill>
+            </a:endParaRPr>
+          </a:p>
+          <a:p>
+            <a:r>
+              <a:rPr lang="ru-RU" smtClean="0"/>
+              <a:t>Что должен возвращать метод </a:t>
+            </a:r>
+            <a:r>
+              <a:rPr lang="en-US" smtClean="0"/>
+              <a:t>find?</a:t>
+            </a:r>
+          </a:p>
+          <a:p>
+            <a:r>
+              <a:rPr lang="ru-RU" smtClean="0"/>
+              <a:t>Предполагаем, что </a:t>
+            </a:r>
+            <a:r>
+              <a:rPr lang="en-US" smtClean="0"/>
+              <a:t>Node* </a:t>
+            </a:r>
+            <a:r>
+              <a:rPr lang="ru-RU" smtClean="0"/>
+              <a:t>плохой вариант, так как утечёт сырой указатель</a:t>
+            </a:r>
+            <a:endParaRPr lang="en-US"/>
           </a:p>
         </p:txBody>
       </p:sp>
     </p:spTree>
     <p:extLst>
       <p:ext uri="{BB962C8B-B14F-4D97-AF65-F5344CB8AC3E}">
-        <p14:creationId xmlns:p14="http://schemas.microsoft.com/office/powerpoint/2010/main" val="587482197"/>
+        <p14:creationId xmlns:p14="http://schemas.microsoft.com/office/powerpoint/2010/main" val="2935977604"/>
       </p:ext>
     </p:extLst>
   </p:cSld>
@@ -9696,37 +9915,6 @@
       </p:grpSpPr>
       <p:sp>
         <p:nvSpPr>
-          <p:cNvPr id="2" name="Title 1"/>
-          <p:cNvSpPr>
-            <a:spLocks noGrp="1"/>
-          </p:cNvSpPr>
-          <p:nvPr>
-            <p:ph type="title"/>
-          </p:nvPr>
-        </p:nvSpPr>
-        <p:spPr/>
-        <p:txBody>
-          <a:bodyPr/>
-          <a:lstStyle/>
-          <a:p>
-            <a:r>
-              <a:rPr lang="ru-RU" smtClean="0"/>
-              <a:t>Проблема метода </a:t>
-            </a:r>
-            <a:r>
-              <a:rPr lang="en-US" smtClean="0"/>
-              <a:t>find </a:t>
-            </a:r>
-            <a:r>
-              <a:rPr lang="ru-RU" smtClean="0"/>
-              <a:t>в дереве</a:t>
-            </a:r>
-            <a:endParaRPr lang="en-US"/>
-          </a:p>
-        </p:txBody>
-      </p:sp>
-      <p:sp>
-        <p:nvSpPr>
           <p:cNvPr id="3" name="Content Placeholder 2"/>
           <p:cNvSpPr>
             <a:spLocks noGrp="1"/>
@@ -9735,246 +9923,80 @@
             <p:ph idx="1"/>
           </p:nvPr>
         </p:nvSpPr>
-        <p:spPr/>
-        <p:txBody>
-          <a:bodyPr/>
-          <a:lstStyle/>
-          <a:p>
-            <a:r>
-              <a:rPr lang="ru-RU" smtClean="0"/>
-              <a:t>Вариант с совместным владением требует перестройки дерева под себя</a:t>
-            </a:r>
-          </a:p>
-          <a:p>
-            <a:pPr marL="45720" indent="0">
-              <a:buNone/>
+        <p:spPr>
+          <a:xfrm>
+            <a:off x="1143000" y="742122"/>
+            <a:ext cx="9872871" cy="5353878"/>
+          </a:xfrm>
+        </p:spPr>
+        <p:txBody>
+          <a:bodyPr>
+            <a:noAutofit/>
+          </a:bodyPr>
+          <a:lstStyle/>
+          <a:p>
+            <a:pPr>
+              <a:lnSpc>
+                <a:spcPct val="150000"/>
+              </a:lnSpc>
+              <a:buFont typeface="Wingdings" panose="05000000000000000000" pitchFamily="2" charset="2"/>
+              <a:buChar char="q"/>
             </a:pPr>
             <a:r>
-              <a:rPr lang="en-US">
-                <a:latin typeface="Consolas" panose="020B0609020204030204" pitchFamily="49" charset="0"/>
-              </a:rPr>
-              <a:t>template &lt;typename Data&gt; class Tree {</a:t>
-            </a:r>
-            <a:br>
-              <a:rPr lang="en-US">
-                <a:latin typeface="Consolas" panose="020B0609020204030204" pitchFamily="49" charset="0"/>
-              </a:rPr>
-            </a:br>
-            <a:r>
-              <a:rPr lang="en-US">
-                <a:latin typeface="Consolas" panose="020B0609020204030204" pitchFamily="49" charset="0"/>
-              </a:rPr>
-              <a:t>  struct Node {</a:t>
-            </a:r>
-            <a:br>
-              <a:rPr lang="en-US">
-                <a:latin typeface="Consolas" panose="020B0609020204030204" pitchFamily="49" charset="0"/>
-              </a:rPr>
-            </a:br>
-            <a:r>
-              <a:rPr lang="en-US">
-                <a:latin typeface="Consolas" panose="020B0609020204030204" pitchFamily="49" charset="0"/>
-              </a:rPr>
-              <a:t>    </a:t>
-            </a:r>
-            <a:r>
-              <a:rPr lang="en-US" smtClean="0">
-                <a:solidFill>
-                  <a:srgbClr val="0000FF"/>
-                </a:solidFill>
-                <a:latin typeface="Consolas" panose="020B0609020204030204" pitchFamily="49" charset="0"/>
-              </a:rPr>
-              <a:t>shared_ptr&lt;Node</a:t>
-            </a:r>
-            <a:r>
-              <a:rPr lang="en-US">
-                <a:solidFill>
-                  <a:srgbClr val="0000FF"/>
-                </a:solidFill>
-                <a:latin typeface="Consolas" panose="020B0609020204030204" pitchFamily="49" charset="0"/>
-              </a:rPr>
-              <a:t>&gt;</a:t>
-            </a:r>
-            <a:r>
-              <a:rPr lang="en-US">
-                <a:latin typeface="Consolas" panose="020B0609020204030204" pitchFamily="49" charset="0"/>
-              </a:rPr>
-              <a:t> left, right;</a:t>
-            </a:r>
-            <a:br>
-              <a:rPr lang="en-US">
-                <a:latin typeface="Consolas" panose="020B0609020204030204" pitchFamily="49" charset="0"/>
-              </a:rPr>
-            </a:br>
-            <a:r>
-              <a:rPr lang="en-US">
-                <a:latin typeface="Consolas" panose="020B0609020204030204" pitchFamily="49" charset="0"/>
-              </a:rPr>
-              <a:t>    Data d;</a:t>
-            </a:r>
-            <a:r>
-              <a:rPr lang="ru-RU">
-                <a:latin typeface="Consolas" panose="020B0609020204030204" pitchFamily="49" charset="0"/>
-              </a:rPr>
-              <a:t/>
-            </a:r>
-            <a:br>
-              <a:rPr lang="ru-RU">
-                <a:latin typeface="Consolas" panose="020B0609020204030204" pitchFamily="49" charset="0"/>
-              </a:rPr>
-            </a:br>
-            <a:r>
-              <a:rPr lang="en-US">
-                <a:latin typeface="Consolas" panose="020B0609020204030204" pitchFamily="49" charset="0"/>
-              </a:rPr>
-              <a:t>  </a:t>
-            </a:r>
-            <a:r>
-              <a:rPr lang="en-US" smtClean="0">
-                <a:latin typeface="Consolas" panose="020B0609020204030204" pitchFamily="49" charset="0"/>
-              </a:rPr>
-              <a:t>};</a:t>
-            </a:r>
-            <a:br>
-              <a:rPr lang="en-US" smtClean="0">
-                <a:latin typeface="Consolas" panose="020B0609020204030204" pitchFamily="49" charset="0"/>
-              </a:rPr>
-            </a:br>
-            <a:r>
-              <a:rPr lang="en-US" smtClean="0">
-                <a:latin typeface="Consolas" panose="020B0609020204030204" pitchFamily="49" charset="0"/>
-              </a:rPr>
-              <a:t>  </a:t>
-            </a:r>
-            <a:r>
-              <a:rPr lang="en-US" smtClean="0">
-                <a:solidFill>
-                  <a:srgbClr val="0000FF"/>
-                </a:solidFill>
-                <a:latin typeface="Consolas" panose="020B0609020204030204" pitchFamily="49" charset="0"/>
-              </a:rPr>
-              <a:t>shared_ptr&lt;Node&gt;</a:t>
-            </a:r>
-            <a:r>
-              <a:rPr lang="en-US" smtClean="0">
-                <a:latin typeface="Consolas" panose="020B0609020204030204" pitchFamily="49" charset="0"/>
-              </a:rPr>
-              <a:t> top_;</a:t>
-            </a:r>
-            <a:r>
-              <a:rPr lang="ru-RU">
-                <a:latin typeface="Consolas" panose="020B0609020204030204" pitchFamily="49" charset="0"/>
-              </a:rPr>
-              <a:t/>
-            </a:r>
-            <a:br>
-              <a:rPr lang="ru-RU">
-                <a:latin typeface="Consolas" panose="020B0609020204030204" pitchFamily="49" charset="0"/>
-              </a:rPr>
-            </a:br>
-            <a:r>
-              <a:rPr lang="en-US" smtClean="0">
-                <a:latin typeface="Consolas" panose="020B0609020204030204" pitchFamily="49" charset="0"/>
-              </a:rPr>
-              <a:t>public: </a:t>
-            </a:r>
-            <a:br>
-              <a:rPr lang="en-US" smtClean="0">
-                <a:latin typeface="Consolas" panose="020B0609020204030204" pitchFamily="49" charset="0"/>
-              </a:rPr>
-            </a:br>
-            <a:r>
-              <a:rPr lang="en-US" smtClean="0">
-                <a:latin typeface="Consolas" panose="020B0609020204030204" pitchFamily="49" charset="0"/>
-              </a:rPr>
-              <a:t>  </a:t>
-            </a:r>
-            <a:r>
-              <a:rPr lang="en-US" smtClean="0">
-                <a:solidFill>
-                  <a:srgbClr val="0000FF"/>
-                </a:solidFill>
-                <a:latin typeface="Consolas" panose="020B0609020204030204" pitchFamily="49" charset="0"/>
-              </a:rPr>
-              <a:t>shared_ptr&lt;Node&gt; </a:t>
-            </a:r>
-            <a:r>
-              <a:rPr lang="en-US" smtClean="0">
-                <a:latin typeface="Consolas" panose="020B0609020204030204" pitchFamily="49" charset="0"/>
-              </a:rPr>
-              <a:t>find (int inorder_pos) {</a:t>
-            </a:r>
-            <a:r>
-              <a:rPr lang="ru-RU" smtClean="0">
-                <a:latin typeface="Consolas" panose="020B0609020204030204" pitchFamily="49" charset="0"/>
-              </a:rPr>
-              <a:t/>
-            </a:r>
-            <a:br>
-              <a:rPr lang="ru-RU" smtClean="0">
-                <a:latin typeface="Consolas" panose="020B0609020204030204" pitchFamily="49" charset="0"/>
-              </a:rPr>
-            </a:br>
-            <a:r>
-              <a:rPr lang="ru-RU" smtClean="0">
-                <a:latin typeface="Consolas" panose="020B0609020204030204" pitchFamily="49" charset="0"/>
-              </a:rPr>
-              <a:t>    </a:t>
-            </a:r>
-            <a:r>
-              <a:rPr lang="en-US" smtClean="0">
-                <a:latin typeface="Consolas" panose="020B0609020204030204" pitchFamily="49" charset="0"/>
-              </a:rPr>
-              <a:t>// </a:t>
-            </a:r>
-            <a:r>
-              <a:rPr lang="ru-RU" smtClean="0">
-                <a:latin typeface="Consolas" panose="020B0609020204030204" pitchFamily="49" charset="0"/>
-              </a:rPr>
-              <a:t>тут поиск</a:t>
-            </a:r>
-            <a:r>
-              <a:rPr lang="en-US" smtClean="0">
-                <a:latin typeface="Consolas" panose="020B0609020204030204" pitchFamily="49" charset="0"/>
-              </a:rPr>
-              <a:t>, shared_ptr&lt;Node&gt; spn</a:t>
-            </a:r>
-            <a:br>
-              <a:rPr lang="en-US" smtClean="0">
-                <a:latin typeface="Consolas" panose="020B0609020204030204" pitchFamily="49" charset="0"/>
-              </a:rPr>
-            </a:br>
-            <a:r>
-              <a:rPr lang="ru-RU" smtClean="0">
-                <a:latin typeface="Consolas" panose="020B0609020204030204" pitchFamily="49" charset="0"/>
-              </a:rPr>
-              <a:t>    </a:t>
-            </a:r>
-            <a:r>
-              <a:rPr lang="en-US" smtClean="0">
-                <a:latin typeface="Consolas" panose="020B0609020204030204" pitchFamily="49" charset="0"/>
-              </a:rPr>
-              <a:t>return spn;</a:t>
-            </a:r>
-            <a:br>
-              <a:rPr lang="en-US" smtClean="0">
-                <a:latin typeface="Consolas" panose="020B0609020204030204" pitchFamily="49" charset="0"/>
-              </a:rPr>
-            </a:br>
-            <a:r>
-              <a:rPr lang="en-US" smtClean="0">
-                <a:latin typeface="Consolas" panose="020B0609020204030204" pitchFamily="49" charset="0"/>
-              </a:rPr>
-              <a:t>  }</a:t>
-            </a:r>
-            <a:endParaRPr lang="en-US" smtClean="0"/>
+              <a:rPr lang="ru-RU" sz="4800" smtClean="0"/>
+              <a:t> Постановка и история вопроса</a:t>
+            </a:r>
+          </a:p>
+          <a:p>
+            <a:pPr>
+              <a:lnSpc>
+                <a:spcPct val="150000"/>
+              </a:lnSpc>
+              <a:buFont typeface="Wingdings" panose="05000000000000000000" pitchFamily="2" charset="2"/>
+              <a:buChar char="q"/>
+            </a:pPr>
+            <a:r>
+              <a:rPr lang="ru-RU" sz="4800" smtClean="0"/>
+              <a:t> Уникальное владение</a:t>
+            </a:r>
+          </a:p>
+          <a:p>
+            <a:pPr>
+              <a:lnSpc>
+                <a:spcPct val="150000"/>
+              </a:lnSpc>
+              <a:buFont typeface="Wingdings" panose="05000000000000000000" pitchFamily="2" charset="2"/>
+              <a:buChar char="Ø"/>
+            </a:pPr>
+            <a:r>
+              <a:rPr lang="ru-RU" sz="4800" smtClean="0"/>
+              <a:t> Совместное владение</a:t>
+            </a:r>
+            <a:endParaRPr lang="en-US" sz="4800" smtClean="0"/>
+          </a:p>
+          <a:p>
+            <a:pPr>
+              <a:lnSpc>
+                <a:spcPct val="150000"/>
+              </a:lnSpc>
+              <a:buFont typeface="Wingdings" panose="05000000000000000000" pitchFamily="2" charset="2"/>
+              <a:buChar char="q"/>
+            </a:pPr>
+            <a:r>
+              <a:rPr lang="en-US" sz="4800"/>
+              <a:t> </a:t>
+            </a:r>
+            <a:r>
+              <a:rPr lang="ru-RU" sz="4800" smtClean="0"/>
+              <a:t>Закольцованный мир</a:t>
+            </a:r>
           </a:p>
         </p:txBody>
       </p:sp>
     </p:spTree>
     <p:extLst>
       <p:ext uri="{BB962C8B-B14F-4D97-AF65-F5344CB8AC3E}">
-        <p14:creationId xmlns:p14="http://schemas.microsoft.com/office/powerpoint/2010/main" val="89600975"/>
+        <p14:creationId xmlns:p14="http://schemas.microsoft.com/office/powerpoint/2010/main" val="587482197"/>
       </p:ext>
     </p:extLst>
   </p:cSld>
@@ -10018,6 +10040,313 @@
           <a:p>
             <a:r>
               <a:rPr lang="ru-RU" smtClean="0"/>
+              <a:t>Проблема метода </a:t>
+            </a:r>
+            <a:r>
+              <a:rPr lang="en-US" smtClean="0"/>
+              <a:t>find </a:t>
+            </a:r>
+            <a:r>
+              <a:rPr lang="ru-RU" smtClean="0"/>
+              <a:t>в дереве</a:t>
+            </a:r>
+            <a:endParaRPr lang="en-US"/>
+          </a:p>
+        </p:txBody>
+      </p:sp>
+      <p:sp>
+        <p:nvSpPr>
+          <p:cNvPr id="3" name="Content Placeholder 2"/>
+          <p:cNvSpPr>
+            <a:spLocks noGrp="1"/>
+          </p:cNvSpPr>
+          <p:nvPr>
+            <p:ph idx="1"/>
+          </p:nvPr>
+        </p:nvSpPr>
+        <p:spPr/>
+        <p:txBody>
+          <a:bodyPr/>
+          <a:lstStyle/>
+          <a:p>
+            <a:r>
+              <a:rPr lang="ru-RU" smtClean="0"/>
+              <a:t>Вариант с совместным владением требует перестройки дерева под себя</a:t>
+            </a:r>
+          </a:p>
+          <a:p>
+            <a:pPr marL="45720" indent="0">
+              <a:buNone/>
+            </a:pPr>
+            <a:r>
+              <a:rPr lang="en-US">
+                <a:latin typeface="Consolas" panose="020B0609020204030204" pitchFamily="49" charset="0"/>
+              </a:rPr>
+              <a:t>template &lt;typename Data&gt; class Tree {</a:t>
+            </a:r>
+            <a:br>
+              <a:rPr lang="en-US">
+                <a:latin typeface="Consolas" panose="020B0609020204030204" pitchFamily="49" charset="0"/>
+              </a:rPr>
+            </a:br>
+            <a:r>
+              <a:rPr lang="en-US">
+                <a:latin typeface="Consolas" panose="020B0609020204030204" pitchFamily="49" charset="0"/>
+              </a:rPr>
+              <a:t>  struct Node {</a:t>
+            </a:r>
+            <a:br>
+              <a:rPr lang="en-US">
+                <a:latin typeface="Consolas" panose="020B0609020204030204" pitchFamily="49" charset="0"/>
+              </a:rPr>
+            </a:br>
+            <a:r>
+              <a:rPr lang="en-US">
+                <a:latin typeface="Consolas" panose="020B0609020204030204" pitchFamily="49" charset="0"/>
+              </a:rPr>
+              <a:t>    </a:t>
+            </a:r>
+            <a:r>
+              <a:rPr lang="en-US" smtClean="0">
+                <a:solidFill>
+                  <a:srgbClr val="0000FF"/>
+                </a:solidFill>
+                <a:latin typeface="Consolas" panose="020B0609020204030204" pitchFamily="49" charset="0"/>
+              </a:rPr>
+              <a:t>shared_ptr&lt;Node</a:t>
+            </a:r>
+            <a:r>
+              <a:rPr lang="en-US">
+                <a:solidFill>
+                  <a:srgbClr val="0000FF"/>
+                </a:solidFill>
+                <a:latin typeface="Consolas" panose="020B0609020204030204" pitchFamily="49" charset="0"/>
+              </a:rPr>
+              <a:t>&gt;</a:t>
+            </a:r>
+            <a:r>
+              <a:rPr lang="en-US">
+                <a:latin typeface="Consolas" panose="020B0609020204030204" pitchFamily="49" charset="0"/>
+              </a:rPr>
+              <a:t> left, right;</a:t>
+            </a:r>
+            <a:br>
+              <a:rPr lang="en-US">
+                <a:latin typeface="Consolas" panose="020B0609020204030204" pitchFamily="49" charset="0"/>
+              </a:rPr>
+            </a:br>
+            <a:r>
+              <a:rPr lang="en-US">
+                <a:latin typeface="Consolas" panose="020B0609020204030204" pitchFamily="49" charset="0"/>
+              </a:rPr>
+              <a:t>    Data d;</a:t>
+            </a:r>
+            <a:r>
+              <a:rPr lang="ru-RU">
+                <a:latin typeface="Consolas" panose="020B0609020204030204" pitchFamily="49" charset="0"/>
+              </a:rPr>
+              <a:t/>
+            </a:r>
+            <a:br>
+              <a:rPr lang="ru-RU">
+                <a:latin typeface="Consolas" panose="020B0609020204030204" pitchFamily="49" charset="0"/>
+              </a:rPr>
+            </a:br>
+            <a:r>
+              <a:rPr lang="en-US">
+                <a:latin typeface="Consolas" panose="020B0609020204030204" pitchFamily="49" charset="0"/>
+              </a:rPr>
+              <a:t>  </a:t>
+            </a:r>
+            <a:r>
+              <a:rPr lang="en-US" smtClean="0">
+                <a:latin typeface="Consolas" panose="020B0609020204030204" pitchFamily="49" charset="0"/>
+              </a:rPr>
+              <a:t>};</a:t>
+            </a:r>
+            <a:br>
+              <a:rPr lang="en-US" smtClean="0">
+                <a:latin typeface="Consolas" panose="020B0609020204030204" pitchFamily="49" charset="0"/>
+              </a:rPr>
+            </a:br>
+            <a:r>
+              <a:rPr lang="en-US" smtClean="0">
+                <a:latin typeface="Consolas" panose="020B0609020204030204" pitchFamily="49" charset="0"/>
+              </a:rPr>
+              <a:t>  </a:t>
+            </a:r>
+            <a:r>
+              <a:rPr lang="en-US" smtClean="0">
+                <a:solidFill>
+                  <a:srgbClr val="0000FF"/>
+                </a:solidFill>
+                <a:latin typeface="Consolas" panose="020B0609020204030204" pitchFamily="49" charset="0"/>
+              </a:rPr>
+              <a:t>shared_ptr&lt;Node&gt;</a:t>
+            </a:r>
+            <a:r>
+              <a:rPr lang="en-US" smtClean="0">
+                <a:latin typeface="Consolas" panose="020B0609020204030204" pitchFamily="49" charset="0"/>
+              </a:rPr>
+              <a:t> top_;</a:t>
+            </a:r>
+            <a:r>
+              <a:rPr lang="ru-RU">
+                <a:latin typeface="Consolas" panose="020B0609020204030204" pitchFamily="49" charset="0"/>
+              </a:rPr>
+              <a:t/>
+            </a:r>
+            <a:br>
+              <a:rPr lang="ru-RU">
+                <a:latin typeface="Consolas" panose="020B0609020204030204" pitchFamily="49" charset="0"/>
+              </a:rPr>
+            </a:br>
+            <a:r>
+              <a:rPr lang="en-US" smtClean="0">
+                <a:latin typeface="Consolas" panose="020B0609020204030204" pitchFamily="49" charset="0"/>
+              </a:rPr>
+              <a:t>public: </a:t>
+            </a:r>
+            <a:br>
+              <a:rPr lang="en-US" smtClean="0">
+                <a:latin typeface="Consolas" panose="020B0609020204030204" pitchFamily="49" charset="0"/>
+              </a:rPr>
+            </a:br>
+            <a:r>
+              <a:rPr lang="en-US" smtClean="0">
+                <a:latin typeface="Consolas" panose="020B0609020204030204" pitchFamily="49" charset="0"/>
+              </a:rPr>
+              <a:t>  </a:t>
+            </a:r>
+            <a:r>
+              <a:rPr lang="en-US" smtClean="0">
+                <a:solidFill>
+                  <a:srgbClr val="0000FF"/>
+                </a:solidFill>
+                <a:latin typeface="Consolas" panose="020B0609020204030204" pitchFamily="49" charset="0"/>
+              </a:rPr>
+              <a:t>shared_ptr&lt;Node&gt; </a:t>
+            </a:r>
+            <a:r>
+              <a:rPr lang="en-US" smtClean="0">
+                <a:latin typeface="Consolas" panose="020B0609020204030204" pitchFamily="49" charset="0"/>
+              </a:rPr>
+              <a:t>find (int inorder_pos) {</a:t>
+            </a:r>
+            <a:r>
+              <a:rPr lang="ru-RU" smtClean="0">
+                <a:latin typeface="Consolas" panose="020B0609020204030204" pitchFamily="49" charset="0"/>
+              </a:rPr>
+              <a:t/>
+            </a:r>
+            <a:br>
+              <a:rPr lang="ru-RU" smtClean="0">
+                <a:latin typeface="Consolas" panose="020B0609020204030204" pitchFamily="49" charset="0"/>
+              </a:rPr>
+            </a:br>
+            <a:r>
+              <a:rPr lang="ru-RU" smtClean="0">
+                <a:latin typeface="Consolas" panose="020B0609020204030204" pitchFamily="49" charset="0"/>
+              </a:rPr>
+              <a:t>    </a:t>
+            </a:r>
+            <a:r>
+              <a:rPr lang="en-US" smtClean="0">
+                <a:latin typeface="Consolas" panose="020B0609020204030204" pitchFamily="49" charset="0"/>
+              </a:rPr>
+              <a:t>// </a:t>
+            </a:r>
+            <a:r>
+              <a:rPr lang="ru-RU" smtClean="0">
+                <a:latin typeface="Consolas" panose="020B0609020204030204" pitchFamily="49" charset="0"/>
+              </a:rPr>
+              <a:t>тут поиск</a:t>
+            </a:r>
+            <a:r>
+              <a:rPr lang="en-US" smtClean="0">
+                <a:latin typeface="Consolas" panose="020B0609020204030204" pitchFamily="49" charset="0"/>
+              </a:rPr>
+              <a:t>, shared_ptr&lt;Node&gt; spn</a:t>
+            </a:r>
+            <a:br>
+              <a:rPr lang="en-US" smtClean="0">
+                <a:latin typeface="Consolas" panose="020B0609020204030204" pitchFamily="49" charset="0"/>
+              </a:rPr>
+            </a:br>
+            <a:r>
+              <a:rPr lang="ru-RU" smtClean="0">
+                <a:latin typeface="Consolas" panose="020B0609020204030204" pitchFamily="49" charset="0"/>
+              </a:rPr>
+              <a:t>    </a:t>
+            </a:r>
+            <a:r>
+              <a:rPr lang="en-US" smtClean="0">
+                <a:latin typeface="Consolas" panose="020B0609020204030204" pitchFamily="49" charset="0"/>
+              </a:rPr>
+              <a:t>return spn;</a:t>
+            </a:r>
+            <a:br>
+              <a:rPr lang="en-US" smtClean="0">
+                <a:latin typeface="Consolas" panose="020B0609020204030204" pitchFamily="49" charset="0"/>
+              </a:rPr>
+            </a:br>
+            <a:r>
+              <a:rPr lang="en-US" smtClean="0">
+                <a:latin typeface="Consolas" panose="020B0609020204030204" pitchFamily="49" charset="0"/>
+              </a:rPr>
+              <a:t>  }</a:t>
+            </a:r>
+            <a:endParaRPr lang="en-US" smtClean="0"/>
+          </a:p>
+        </p:txBody>
+      </p:sp>
+    </p:spTree>
+    <p:extLst>
+      <p:ext uri="{BB962C8B-B14F-4D97-AF65-F5344CB8AC3E}">
+        <p14:creationId xmlns:p14="http://schemas.microsoft.com/office/powerpoint/2010/main" val="89600975"/>
+      </p:ext>
+    </p:extLst>
+  </p:cSld>
+  <p:clrMapOvr>
+    <a:masterClrMapping/>
+  </p:clrMapOvr>
+</p:sld>
+</file>
+
+<file path=ppt/slides/slide36.xml><?xml version="1.0" encoding="utf-8"?>
+<p:sld xmlns:a="http://schemas.openxmlformats.org/drawingml/2006/main" xmlns:r="http://schemas.openxmlformats.org/officeDocument/2006/relationships" xmlns:p="http://schemas.openxmlformats.org/presentationml/2006/main">
+  <p:cSld>
+    <p:spTree>
+      <p:nvGrpSpPr>
+        <p:cNvPr id="1" name=""/>
+        <p:cNvGrpSpPr/>
+        <p:nvPr/>
+      </p:nvGrpSpPr>
+      <p:grpSpPr>
+        <a:xfrm>
+          <a:off x="0" y="0"/>
+          <a:ext cx="0" cy="0"/>
+          <a:chOff x="0" y="0"/>
+          <a:chExt cx="0" cy="0"/>
+        </a:xfrm>
+      </p:grpSpPr>
+      <p:sp>
+        <p:nvSpPr>
+          <p:cNvPr id="2" name="Title 1"/>
+          <p:cNvSpPr>
+            <a:spLocks noGrp="1"/>
+          </p:cNvSpPr>
+          <p:nvPr>
+            <p:ph type="title"/>
+          </p:nvPr>
+        </p:nvSpPr>
+        <p:spPr/>
+        <p:txBody>
+          <a:bodyPr/>
+          <a:lstStyle/>
+          <a:p>
+            <a:r>
+              <a:rPr lang="ru-RU" smtClean="0"/>
               <a:t>Идея для </a:t>
             </a:r>
             <a:r>
@@ -10179,7 +10508,7 @@
 </p:sld>
 </file>
 
-<file path=ppt/slides/slide36.xml><?xml version="1.0" encoding="utf-8"?>
+<file path=ppt/slides/slide37.xml><?xml version="1.0" encoding="utf-8"?>
 <p:sld xmlns:a="http://schemas.openxmlformats.org/drawingml/2006/main" xmlns:r="http://schemas.openxmlformats.org/officeDocument/2006/relationships" xmlns:p="http://schemas.openxmlformats.org/presentationml/2006/main">
   <p:cSld>
     <p:spTree>
@@ -10895,7 +11224,7 @@
 </p:sld>
 </file>
 
-<file path=ppt/slides/slide37.xml><?xml version="1.0" encoding="utf-8"?>
+<file path=ppt/slides/slide38.xml><?xml version="1.0" encoding="utf-8"?>
 <p:sld xmlns:a="http://schemas.openxmlformats.org/drawingml/2006/main" xmlns:r="http://schemas.openxmlformats.org/officeDocument/2006/relationships" xmlns:p="http://schemas.openxmlformats.org/presentationml/2006/main">
   <p:cSld>
     <p:spTree>
@@ -10977,13 +11306,7 @@
               <a:rPr lang="en-US">
                 <a:latin typeface="Consolas" panose="020B0609020204030204" pitchFamily="49" charset="0"/>
               </a:rPr>
-              <a:t>p1 </a:t>
-            </a:r>
-            <a:r>
-              <a:rPr lang="en-US">
-                <a:latin typeface="Consolas" panose="020B0609020204030204" pitchFamily="49" charset="0"/>
-              </a:rPr>
-              <a:t>= </a:t>
+              <a:t>p1 = </a:t>
             </a:r>
             <a:r>
               <a:rPr lang="en-US" smtClean="0">
@@ -11055,7 +11378,7 @@
 </p:sld>
 </file>
 
-<file path=ppt/slides/slide38.xml><?xml version="1.0" encoding="utf-8"?>
+<file path=ppt/slides/slide39.xml><?xml version="1.0" encoding="utf-8"?>
 <p:sld xmlns:a="http://schemas.openxmlformats.org/drawingml/2006/main" xmlns:r="http://schemas.openxmlformats.org/officeDocument/2006/relationships" xmlns:p="http://schemas.openxmlformats.org/presentationml/2006/main">
   <p:cSld>
     <p:spTree>
@@ -11680,355 +12003,6 @@
 </p:sld>
 </file>
 
-<file path=ppt/slides/slide39.xml><?xml version="1.0" encoding="utf-8"?>
-<p:sld xmlns:a="http://schemas.openxmlformats.org/drawingml/2006/main" xmlns:r="http://schemas.openxmlformats.org/officeDocument/2006/relationships" xmlns:p="http://schemas.openxmlformats.org/presentationml/2006/main">
-  <p:cSld>
-    <p:spTree>
-      <p:nvGrpSpPr>
-        <p:cNvPr id="1" name=""/>
-        <p:cNvGrpSpPr/>
-        <p:nvPr/>
-      </p:nvGrpSpPr>
-      <p:grpSpPr>
-        <a:xfrm>
-          <a:off x="0" y="0"/>
-          <a:ext cx="0" cy="0"/>
-          <a:chOff x="0" y="0"/>
-          <a:chExt cx="0" cy="0"/>
-        </a:xfrm>
-      </p:grpSpPr>
-      <p:sp>
-        <p:nvSpPr>
-          <p:cNvPr id="2" name="Title 1"/>
-          <p:cNvSpPr>
-            <a:spLocks noGrp="1"/>
-          </p:cNvSpPr>
-          <p:nvPr>
-            <p:ph type="title"/>
-          </p:nvPr>
-        </p:nvSpPr>
-        <p:spPr/>
-        <p:txBody>
-          <a:bodyPr/>
-          <a:lstStyle/>
-          <a:p>
-            <a:r>
-              <a:rPr lang="ru-RU" smtClean="0"/>
-              <a:t>Проблема доступа</a:t>
-            </a:r>
-            <a:endParaRPr lang="en-US"/>
-          </a:p>
-        </p:txBody>
-      </p:sp>
-      <p:sp>
-        <p:nvSpPr>
-          <p:cNvPr id="3" name="Content Placeholder 2"/>
-          <p:cNvSpPr>
-            <a:spLocks noGrp="1"/>
-          </p:cNvSpPr>
-          <p:nvPr>
-            <p:ph idx="1"/>
-          </p:nvPr>
-        </p:nvSpPr>
-        <p:spPr>
-          <a:xfrm>
-            <a:off x="1143000" y="2057400"/>
-            <a:ext cx="10297160" cy="4038600"/>
-          </a:xfrm>
-        </p:spPr>
-        <p:txBody>
-          <a:bodyPr/>
-          <a:lstStyle/>
-          <a:p>
-            <a:r>
-              <a:rPr lang="ru-RU" smtClean="0"/>
-              <a:t>Если в классе есть закрытые конструкторы, </a:t>
-            </a:r>
-            <a:r>
-              <a:rPr lang="en-US" smtClean="0"/>
-              <a:t>make_shared </a:t>
-            </a:r>
-            <a:r>
-              <a:rPr lang="ru-RU" smtClean="0"/>
-              <a:t>не сработает</a:t>
-            </a:r>
-          </a:p>
-          <a:p>
-            <a:pPr marL="45720" indent="0">
-              <a:buNone/>
-            </a:pPr>
-            <a:r>
-              <a:rPr lang="en-US">
-                <a:latin typeface="Consolas" panose="020B0609020204030204" pitchFamily="49" charset="0"/>
-              </a:rPr>
-              <a:t>class </a:t>
-            </a:r>
-            <a:r>
-              <a:rPr lang="en-US">
-                <a:latin typeface="Consolas" panose="020B0609020204030204" pitchFamily="49" charset="0"/>
-              </a:rPr>
-              <a:t>A </a:t>
-            </a:r>
-            <a:r>
-              <a:rPr lang="en-US" smtClean="0">
-                <a:latin typeface="Consolas" panose="020B0609020204030204" pitchFamily="49" charset="0"/>
-              </a:rPr>
-              <a:t>{</a:t>
-            </a:r>
-            <a:r>
-              <a:rPr lang="ru-RU" smtClean="0">
-                <a:latin typeface="Consolas" panose="020B0609020204030204" pitchFamily="49" charset="0"/>
-              </a:rPr>
-              <a:t/>
-            </a:r>
-            <a:br>
-              <a:rPr lang="ru-RU" smtClean="0">
-                <a:latin typeface="Consolas" panose="020B0609020204030204" pitchFamily="49" charset="0"/>
-              </a:rPr>
-            </a:br>
-            <a:r>
-              <a:rPr lang="en-US" smtClean="0">
-                <a:latin typeface="Consolas" panose="020B0609020204030204" pitchFamily="49" charset="0"/>
-              </a:rPr>
-              <a:t>  </a:t>
-            </a:r>
-            <a:r>
-              <a:rPr lang="en-US">
-                <a:latin typeface="Consolas" panose="020B0609020204030204" pitchFamily="49" charset="0"/>
-              </a:rPr>
-              <a:t>int </a:t>
-            </a:r>
-            <a:r>
-              <a:rPr lang="en-US">
-                <a:latin typeface="Consolas" panose="020B0609020204030204" pitchFamily="49" charset="0"/>
-              </a:rPr>
-              <a:t>val</a:t>
-            </a:r>
-            <a:r>
-              <a:rPr lang="en-US" smtClean="0">
-                <a:latin typeface="Consolas" panose="020B0609020204030204" pitchFamily="49" charset="0"/>
-              </a:rPr>
-              <a:t>;</a:t>
-            </a:r>
-            <a:r>
-              <a:rPr lang="ru-RU" smtClean="0">
-                <a:latin typeface="Consolas" panose="020B0609020204030204" pitchFamily="49" charset="0"/>
-              </a:rPr>
-              <a:t/>
-            </a:r>
-            <a:br>
-              <a:rPr lang="ru-RU" smtClean="0">
-                <a:latin typeface="Consolas" panose="020B0609020204030204" pitchFamily="49" charset="0"/>
-              </a:rPr>
-            </a:br>
-            <a:r>
-              <a:rPr lang="en-US" smtClean="0">
-                <a:latin typeface="Consolas" panose="020B0609020204030204" pitchFamily="49" charset="0"/>
-              </a:rPr>
-              <a:t>  </a:t>
-            </a:r>
-            <a:r>
-              <a:rPr lang="en-US">
-                <a:latin typeface="Consolas" panose="020B0609020204030204" pitchFamily="49" charset="0"/>
-              </a:rPr>
-              <a:t>A(int v): </a:t>
-            </a:r>
-            <a:r>
-              <a:rPr lang="en-US">
-                <a:latin typeface="Consolas" panose="020B0609020204030204" pitchFamily="49" charset="0"/>
-              </a:rPr>
-              <a:t>val(v</a:t>
-            </a:r>
-            <a:r>
-              <a:rPr lang="en-US" smtClean="0">
-                <a:latin typeface="Consolas" panose="020B0609020204030204" pitchFamily="49" charset="0"/>
-              </a:rPr>
-              <a:t>){}</a:t>
-            </a:r>
-            <a:r>
-              <a:rPr lang="ru-RU" smtClean="0">
-                <a:latin typeface="Consolas" panose="020B0609020204030204" pitchFamily="49" charset="0"/>
-              </a:rPr>
-              <a:t/>
-            </a:r>
-            <a:br>
-              <a:rPr lang="ru-RU" smtClean="0">
-                <a:latin typeface="Consolas" panose="020B0609020204030204" pitchFamily="49" charset="0"/>
-              </a:rPr>
-            </a:br>
-            <a:r>
-              <a:rPr lang="en-US" smtClean="0">
-                <a:latin typeface="Consolas" panose="020B0609020204030204" pitchFamily="49" charset="0"/>
-              </a:rPr>
-              <a:t>public:</a:t>
-            </a:r>
-            <a:r>
-              <a:rPr lang="ru-RU" smtClean="0">
-                <a:latin typeface="Consolas" panose="020B0609020204030204" pitchFamily="49" charset="0"/>
-              </a:rPr>
-              <a:t/>
-            </a:r>
-            <a:br>
-              <a:rPr lang="ru-RU" smtClean="0">
-                <a:latin typeface="Consolas" panose="020B0609020204030204" pitchFamily="49" charset="0"/>
-              </a:rPr>
-            </a:br>
-            <a:r>
-              <a:rPr lang="en-US" smtClean="0">
-                <a:latin typeface="Consolas" panose="020B0609020204030204" pitchFamily="49" charset="0"/>
-              </a:rPr>
-              <a:t>  </a:t>
-            </a:r>
-            <a:r>
-              <a:rPr lang="en-US">
-                <a:latin typeface="Consolas" panose="020B0609020204030204" pitchFamily="49" charset="0"/>
-              </a:rPr>
-              <a:t>// </a:t>
-            </a:r>
-            <a:r>
-              <a:rPr lang="ru-RU" smtClean="0">
-                <a:latin typeface="Consolas" panose="020B0609020204030204" pitchFamily="49" charset="0"/>
-              </a:rPr>
-              <a:t>Это не сработает</a:t>
-            </a:r>
-            <a:br>
-              <a:rPr lang="ru-RU" smtClean="0">
-                <a:latin typeface="Consolas" panose="020B0609020204030204" pitchFamily="49" charset="0"/>
-              </a:rPr>
-            </a:br>
-            <a:r>
-              <a:rPr lang="en-US" smtClean="0">
-                <a:latin typeface="Consolas" panose="020B0609020204030204" pitchFamily="49" charset="0"/>
-              </a:rPr>
-              <a:t>  </a:t>
-            </a:r>
-            <a:r>
-              <a:rPr lang="en-US">
-                <a:latin typeface="Consolas" panose="020B0609020204030204" pitchFamily="49" charset="0"/>
-              </a:rPr>
-              <a:t>shared_ptr&lt;A&gt; createNext(){ return make_shared&lt;A&gt;(val</a:t>
-            </a:r>
-            <a:r>
-              <a:rPr lang="en-US">
-                <a:latin typeface="Consolas" panose="020B0609020204030204" pitchFamily="49" charset="0"/>
-              </a:rPr>
-              <a:t>); </a:t>
-            </a:r>
-            <a:r>
-              <a:rPr lang="en-US" smtClean="0">
-                <a:latin typeface="Consolas" panose="020B0609020204030204" pitchFamily="49" charset="0"/>
-              </a:rPr>
-              <a:t>}</a:t>
-            </a:r>
-          </a:p>
-          <a:p>
-            <a:pPr marL="45720" indent="0">
-              <a:buNone/>
-            </a:pPr>
-            <a:r>
-              <a:rPr lang="en-US" smtClean="0">
-                <a:latin typeface="Consolas" panose="020B0609020204030204" pitchFamily="49" charset="0"/>
-              </a:rPr>
-              <a:t>  </a:t>
-            </a:r>
-            <a:r>
-              <a:rPr lang="en-US">
-                <a:latin typeface="Consolas" panose="020B0609020204030204" pitchFamily="49" charset="0"/>
-              </a:rPr>
-              <a:t>// </a:t>
-            </a:r>
-            <a:r>
-              <a:rPr lang="ru-RU" smtClean="0">
-                <a:latin typeface="Consolas" panose="020B0609020204030204" pitchFamily="49" charset="0"/>
-              </a:rPr>
-              <a:t>Это сработает</a:t>
-            </a:r>
-            <a:r>
-              <a:rPr lang="en-US" smtClean="0">
-                <a:latin typeface="Consolas" panose="020B0609020204030204" pitchFamily="49" charset="0"/>
-              </a:rPr>
-              <a:t/>
-            </a:r>
-            <a:br>
-              <a:rPr lang="en-US" smtClean="0">
-                <a:latin typeface="Consolas" panose="020B0609020204030204" pitchFamily="49" charset="0"/>
-              </a:rPr>
-            </a:br>
-            <a:r>
-              <a:rPr lang="en-US" smtClean="0">
-                <a:latin typeface="Consolas" panose="020B0609020204030204" pitchFamily="49" charset="0"/>
-              </a:rPr>
-              <a:t>  shared_ptr&lt;A</a:t>
-            </a:r>
-            <a:r>
-              <a:rPr lang="en-US">
-                <a:latin typeface="Consolas" panose="020B0609020204030204" pitchFamily="49" charset="0"/>
-              </a:rPr>
-              <a:t>&gt; createNext(){ return shared_ptr&lt;A&gt;(new A(val</a:t>
-            </a:r>
-            <a:r>
-              <a:rPr lang="en-US">
-                <a:latin typeface="Consolas" panose="020B0609020204030204" pitchFamily="49" charset="0"/>
-              </a:rPr>
-              <a:t>)); </a:t>
-            </a:r>
-            <a:r>
-              <a:rPr lang="en-US" smtClean="0">
-                <a:latin typeface="Consolas" panose="020B0609020204030204" pitchFamily="49" charset="0"/>
-              </a:rPr>
-              <a:t>}</a:t>
-            </a:r>
-            <a:r>
-              <a:rPr lang="ru-RU" smtClean="0">
-                <a:latin typeface="Consolas" panose="020B0609020204030204" pitchFamily="49" charset="0"/>
-              </a:rPr>
-              <a:t/>
-            </a:r>
-            <a:br>
-              <a:rPr lang="ru-RU" smtClean="0">
-                <a:latin typeface="Consolas" panose="020B0609020204030204" pitchFamily="49" charset="0"/>
-              </a:rPr>
-            </a:br>
-            <a:r>
-              <a:rPr lang="en-US" smtClean="0">
-                <a:latin typeface="Consolas" panose="020B0609020204030204" pitchFamily="49" charset="0"/>
-              </a:rPr>
-              <a:t>};</a:t>
-            </a:r>
-            <a:endParaRPr lang="ru-RU" smtClean="0">
-              <a:latin typeface="Consolas" panose="020B0609020204030204" pitchFamily="49" charset="0"/>
-            </a:endParaRPr>
-          </a:p>
-          <a:p>
-            <a:r>
-              <a:rPr lang="ru-RU" smtClean="0"/>
-              <a:t>Идея в том, что функция </a:t>
-            </a:r>
-            <a:r>
-              <a:rPr lang="en-US" smtClean="0"/>
-              <a:t>make_shared </a:t>
-            </a:r>
-            <a:r>
-              <a:rPr lang="ru-RU" smtClean="0"/>
-              <a:t>должна иметь доступ к конструктору, который она собирается вызвать</a:t>
-            </a:r>
-            <a:endParaRPr lang="en-US"/>
-          </a:p>
-        </p:txBody>
-      </p:sp>
-    </p:spTree>
-    <p:extLst>
-      <p:ext uri="{BB962C8B-B14F-4D97-AF65-F5344CB8AC3E}">
-        <p14:creationId xmlns:p14="http://schemas.microsoft.com/office/powerpoint/2010/main" val="781055760"/>
-      </p:ext>
-    </p:extLst>
-  </p:cSld>
-  <p:clrMapOvr>
-    <a:masterClrMapping/>
-  </p:clrMapOvr>
-</p:sld>
-</file>
-
 <file path=ppt/slides/slide4.xml><?xml version="1.0" encoding="utf-8"?>
 <p:sld xmlns:a="http://schemas.openxmlformats.org/drawingml/2006/main" xmlns:r="http://schemas.openxmlformats.org/officeDocument/2006/relationships" xmlns:p="http://schemas.openxmlformats.org/presentationml/2006/main">
   <p:cSld>
@@ -12361,7 +12335,7 @@
           <a:p>
             <a:r>
               <a:rPr lang="ru-RU" smtClean="0"/>
-              <a:t>Обсуждение</a:t>
+              <a:t>Проблема доступа</a:t>
             </a:r>
             <a:endParaRPr lang="en-US"/>
           </a:p>
@@ -12377,30 +12351,19 @@
             <p:ph idx="1"/>
           </p:nvPr>
         </p:nvSpPr>
-        <p:spPr/>
+        <p:spPr>
+          <a:xfrm>
+            <a:off x="1143000" y="2057400"/>
+            <a:ext cx="10297160" cy="4038600"/>
+          </a:xfrm>
+        </p:spPr>
         <p:txBody>
           <a:bodyPr/>
           <a:lstStyle/>
           <a:p>
             <a:r>
               <a:rPr lang="ru-RU" smtClean="0"/>
-              <a:t>Интересно, что </a:t>
-            </a:r>
-            <a:r>
-              <a:rPr lang="en-US" smtClean="0"/>
-              <a:t>make</a:t>
-            </a:r>
-            <a:r>
-              <a:rPr lang="ru-RU" smtClean="0"/>
-              <a:t>_</a:t>
-            </a:r>
-            <a:r>
-              <a:rPr lang="en-US" smtClean="0"/>
-              <a:t>unique </a:t>
-            </a:r>
-            <a:r>
-              <a:rPr lang="ru-RU" smtClean="0"/>
-              <a:t>было стилистической фитюлькой, а вот </a:t>
+              <a:t>Если в классе есть закрытые конструкторы, </a:t>
             </a:r>
             <a:r>
               <a:rPr lang="en-US" smtClean="0"/>
@@ -12408,55 +12371,237 @@
             </a:r>
             <a:r>
               <a:rPr lang="ru-RU" smtClean="0"/>
-              <a:t>имеет весомые аргументы как за, так и против </a:t>
-            </a:r>
-          </a:p>
-          <a:p>
-            <a:r>
-              <a:rPr lang="ru-RU"/>
-              <a:t>И</a:t>
-            </a:r>
-            <a:r>
-              <a:rPr lang="ru-RU" smtClean="0"/>
-              <a:t> мы ещё даже не приступили к серьёзной критике, проблема закрытого конструктора во-первых была и в </a:t>
+              <a:t>не сработает</a:t>
+            </a:r>
+          </a:p>
+          <a:p>
+            <a:pPr marL="45720" indent="0">
+              <a:buNone/>
+            </a:pPr>
+            <a:r>
+              <a:rPr lang="en-US">
+                <a:latin typeface="Consolas" panose="020B0609020204030204" pitchFamily="49" charset="0"/>
+              </a:rPr>
+              <a:t>class A </a:t>
+            </a:r>
+            <a:r>
+              <a:rPr lang="en-US" smtClean="0">
+                <a:latin typeface="Consolas" panose="020B0609020204030204" pitchFamily="49" charset="0"/>
+              </a:rPr>
+              <a:t>{</a:t>
+            </a:r>
+            <a:r>
+              <a:rPr lang="ru-RU" smtClean="0">
+                <a:latin typeface="Consolas" panose="020B0609020204030204" pitchFamily="49" charset="0"/>
+              </a:rPr>
+              <a:t/>
+            </a:r>
+            <a:br>
+              <a:rPr lang="ru-RU" smtClean="0">
+                <a:latin typeface="Consolas" panose="020B0609020204030204" pitchFamily="49" charset="0"/>
+              </a:rPr>
+            </a:br>
+            <a:r>
+              <a:rPr lang="en-US" smtClean="0">
+                <a:latin typeface="Consolas" panose="020B0609020204030204" pitchFamily="49" charset="0"/>
+              </a:rPr>
+              <a:t>  </a:t>
+            </a:r>
+            <a:r>
+              <a:rPr lang="en-US">
+                <a:latin typeface="Consolas" panose="020B0609020204030204" pitchFamily="49" charset="0"/>
+              </a:rPr>
+              <a:t>int val</a:t>
+            </a:r>
+            <a:r>
+              <a:rPr lang="en-US" smtClean="0">
+                <a:latin typeface="Consolas" panose="020B0609020204030204" pitchFamily="49" charset="0"/>
+              </a:rPr>
+              <a:t>;</a:t>
+            </a:r>
+            <a:r>
+              <a:rPr lang="ru-RU" smtClean="0">
+                <a:latin typeface="Consolas" panose="020B0609020204030204" pitchFamily="49" charset="0"/>
+              </a:rPr>
+              <a:t/>
+            </a:r>
+            <a:br>
+              <a:rPr lang="ru-RU" smtClean="0">
+                <a:latin typeface="Consolas" panose="020B0609020204030204" pitchFamily="49" charset="0"/>
+              </a:rPr>
+            </a:br>
+            <a:r>
+              <a:rPr lang="en-US" smtClean="0">
+                <a:latin typeface="Consolas" panose="020B0609020204030204" pitchFamily="49" charset="0"/>
+              </a:rPr>
+              <a:t>  </a:t>
+            </a:r>
+            <a:r>
+              <a:rPr lang="en-US">
+                <a:latin typeface="Consolas" panose="020B0609020204030204" pitchFamily="49" charset="0"/>
+              </a:rPr>
+              <a:t>A(int v): val(v</a:t>
+            </a:r>
+            <a:r>
+              <a:rPr lang="en-US" smtClean="0">
+                <a:latin typeface="Consolas" panose="020B0609020204030204" pitchFamily="49" charset="0"/>
+              </a:rPr>
+              <a:t>){}</a:t>
+            </a:r>
+            <a:r>
+              <a:rPr lang="ru-RU" smtClean="0">
+                <a:latin typeface="Consolas" panose="020B0609020204030204" pitchFamily="49" charset="0"/>
+              </a:rPr>
+              <a:t/>
+            </a:r>
+            <a:br>
+              <a:rPr lang="ru-RU" smtClean="0">
+                <a:latin typeface="Consolas" panose="020B0609020204030204" pitchFamily="49" charset="0"/>
+              </a:rPr>
+            </a:br>
+            <a:r>
+              <a:rPr lang="en-US" smtClean="0">
+                <a:latin typeface="Consolas" panose="020B0609020204030204" pitchFamily="49" charset="0"/>
+              </a:rPr>
+              <a:t>public:</a:t>
+            </a:r>
+            <a:r>
+              <a:rPr lang="ru-RU" smtClean="0">
+                <a:latin typeface="Consolas" panose="020B0609020204030204" pitchFamily="49" charset="0"/>
+              </a:rPr>
+              <a:t/>
+            </a:r>
+            <a:br>
+              <a:rPr lang="ru-RU" smtClean="0">
+                <a:latin typeface="Consolas" panose="020B0609020204030204" pitchFamily="49" charset="0"/>
+              </a:rPr>
+            </a:br>
+            <a:r>
+              <a:rPr lang="en-US" smtClean="0">
+                <a:latin typeface="Consolas" panose="020B0609020204030204" pitchFamily="49" charset="0"/>
+              </a:rPr>
+              <a:t>  </a:t>
+            </a:r>
+            <a:r>
+              <a:rPr lang="en-US">
+                <a:latin typeface="Consolas" panose="020B0609020204030204" pitchFamily="49" charset="0"/>
+              </a:rPr>
+              <a:t>// </a:t>
+            </a:r>
+            <a:r>
+              <a:rPr lang="ru-RU" smtClean="0">
+                <a:latin typeface="Consolas" panose="020B0609020204030204" pitchFamily="49" charset="0"/>
+              </a:rPr>
+              <a:t>Это не сработает</a:t>
+            </a:r>
+            <a:br>
+              <a:rPr lang="ru-RU" smtClean="0">
+                <a:latin typeface="Consolas" panose="020B0609020204030204" pitchFamily="49" charset="0"/>
+              </a:rPr>
+            </a:br>
+            <a:r>
+              <a:rPr lang="en-US" smtClean="0">
+                <a:latin typeface="Consolas" panose="020B0609020204030204" pitchFamily="49" charset="0"/>
+              </a:rPr>
+              <a:t>  </a:t>
+            </a:r>
+            <a:r>
+              <a:rPr lang="en-US">
+                <a:latin typeface="Consolas" panose="020B0609020204030204" pitchFamily="49" charset="0"/>
+              </a:rPr>
+              <a:t>shared_ptr&lt;A&gt; createNext(){ return make_shared&lt;A&gt;(val); </a:t>
+            </a:r>
+            <a:r>
+              <a:rPr lang="en-US" smtClean="0">
+                <a:latin typeface="Consolas" panose="020B0609020204030204" pitchFamily="49" charset="0"/>
+              </a:rPr>
+              <a:t>}</a:t>
+            </a:r>
+          </a:p>
+          <a:p>
+            <a:pPr marL="45720" indent="0">
+              <a:buNone/>
+            </a:pPr>
+            <a:r>
+              <a:rPr lang="en-US" smtClean="0">
+                <a:latin typeface="Consolas" panose="020B0609020204030204" pitchFamily="49" charset="0"/>
+              </a:rPr>
+              <a:t>  </a:t>
+            </a:r>
+            <a:r>
+              <a:rPr lang="en-US">
+                <a:latin typeface="Consolas" panose="020B0609020204030204" pitchFamily="49" charset="0"/>
+              </a:rPr>
+              <a:t>// </a:t>
+            </a:r>
+            <a:r>
+              <a:rPr lang="ru-RU" smtClean="0">
+                <a:latin typeface="Consolas" panose="020B0609020204030204" pitchFamily="49" charset="0"/>
+              </a:rPr>
+              <a:t>Это сработает</a:t>
+            </a:r>
+            <a:r>
+              <a:rPr lang="en-US" smtClean="0">
+                <a:latin typeface="Consolas" panose="020B0609020204030204" pitchFamily="49" charset="0"/>
+              </a:rPr>
+              <a:t/>
+            </a:r>
+            <a:br>
+              <a:rPr lang="en-US" smtClean="0">
+                <a:latin typeface="Consolas" panose="020B0609020204030204" pitchFamily="49" charset="0"/>
+              </a:rPr>
+            </a:br>
+            <a:r>
+              <a:rPr lang="en-US" smtClean="0">
+                <a:latin typeface="Consolas" panose="020B0609020204030204" pitchFamily="49" charset="0"/>
+              </a:rPr>
+              <a:t>  shared_ptr&lt;A</a:t>
+            </a:r>
+            <a:r>
+              <a:rPr lang="en-US">
+                <a:latin typeface="Consolas" panose="020B0609020204030204" pitchFamily="49" charset="0"/>
+              </a:rPr>
+              <a:t>&gt; createNext(){ return shared_ptr&lt;A&gt;(new A(val)); </a:t>
+            </a:r>
+            <a:r>
+              <a:rPr lang="en-US" smtClean="0">
+                <a:latin typeface="Consolas" panose="020B0609020204030204" pitchFamily="49" charset="0"/>
+              </a:rPr>
+              <a:t>}</a:t>
+            </a:r>
+            <a:r>
+              <a:rPr lang="ru-RU" smtClean="0">
+                <a:latin typeface="Consolas" panose="020B0609020204030204" pitchFamily="49" charset="0"/>
+              </a:rPr>
+              <a:t/>
+            </a:r>
+            <a:br>
+              <a:rPr lang="ru-RU" smtClean="0">
+                <a:latin typeface="Consolas" panose="020B0609020204030204" pitchFamily="49" charset="0"/>
+              </a:rPr>
+            </a:br>
+            <a:r>
+              <a:rPr lang="en-US" smtClean="0">
+                <a:latin typeface="Consolas" panose="020B0609020204030204" pitchFamily="49" charset="0"/>
+              </a:rPr>
+              <a:t>};</a:t>
+            </a:r>
+            <a:endParaRPr lang="ru-RU" smtClean="0">
+              <a:latin typeface="Consolas" panose="020B0609020204030204" pitchFamily="49" charset="0"/>
+            </a:endParaRPr>
+          </a:p>
+          <a:p>
+            <a:r>
+              <a:rPr lang="ru-RU" smtClean="0"/>
+              <a:t>Идея в том, что функция </a:t>
             </a:r>
             <a:r>
               <a:rPr lang="en-US" smtClean="0"/>
-              <a:t>make_unique, </a:t>
-            </a:r>
-            <a:r>
-              <a:rPr lang="ru-RU" smtClean="0"/>
-              <a:t>во вторых </a:t>
-            </a:r>
-            <a:r>
-              <a:rPr lang="ru-RU" smtClean="0">
-                <a:latin typeface="Corbel" panose="020B0503020204020204" pitchFamily="34" charset="0"/>
-              </a:rPr>
-              <a:t>–</a:t>
-            </a:r>
-            <a:r>
-              <a:rPr lang="ru-RU" smtClean="0"/>
-              <a:t> не проблема</a:t>
-            </a:r>
-          </a:p>
-          <a:p>
-            <a:r>
-              <a:rPr lang="ru-RU" smtClean="0"/>
-              <a:t>И главное </a:t>
-            </a:r>
-            <a:r>
-              <a:rPr lang="ru-RU">
-                <a:latin typeface="Corbel" panose="020B0503020204020204" pitchFamily="34" charset="0"/>
-              </a:rPr>
-              <a:t>–</a:t>
-            </a:r>
-            <a:r>
-              <a:rPr lang="ru-RU"/>
-              <a:t> </a:t>
-            </a:r>
-            <a:r>
-              <a:rPr lang="ru-RU" smtClean="0"/>
-              <a:t>кажется, подсчёт ссылок открывает ещё одну возможность выделять разделяемый указатель</a:t>
+              <a:t>make_shared </a:t>
+            </a:r>
+            <a:r>
+              <a:rPr lang="ru-RU" smtClean="0"/>
+              <a:t>должна иметь доступ к конструктору, который она собирается вызвать</a:t>
             </a:r>
             <a:endParaRPr lang="en-US"/>
           </a:p>
@@ -12465,7 +12610,7 @@
     </p:spTree>
     <p:extLst>
       <p:ext uri="{BB962C8B-B14F-4D97-AF65-F5344CB8AC3E}">
-        <p14:creationId xmlns:p14="http://schemas.microsoft.com/office/powerpoint/2010/main" val="393647008"/>
+        <p14:creationId xmlns:p14="http://schemas.microsoft.com/office/powerpoint/2010/main" val="781055760"/>
       </p:ext>
     </p:extLst>
   </p:cSld>
@@ -13772,7 +13917,7 @@
           <a:p>
             <a:r>
               <a:rPr lang="ru-RU" smtClean="0"/>
-              <a:t>Пошарить самого себя</a:t>
+              <a:t>Проблема: два контрольных блока</a:t>
             </a:r>
             <a:endParaRPr lang="en-US"/>
           </a:p>
@@ -13795,7 +13940,7 @@
           <a:p>
             <a:r>
               <a:rPr lang="ru-RU" smtClean="0"/>
-              <a:t>Совместное владение предполагает иной подход к копированию</a:t>
+              <a:t>Представим, что два разных разделяемых указателя были сделаны из одного</a:t>
             </a:r>
           </a:p>
           <a:p>
@@ -13803,125 +13948,65 @@
               <a:buNone/>
             </a:pPr>
             <a:r>
-              <a:rPr lang="en-US"/>
-              <a:t>struct </a:t>
-            </a:r>
-            <a:r>
-              <a:rPr lang="en-US" smtClean="0"/>
-              <a:t>Bad</a:t>
-            </a:r>
-            <a:r>
-              <a:rPr lang="ru-RU"/>
-              <a:t> </a:t>
-            </a:r>
-            <a:r>
-              <a:rPr lang="en-US" smtClean="0"/>
-              <a:t>{</a:t>
-            </a:r>
-            <a:r>
-              <a:rPr lang="ru-RU" smtClean="0"/>
-              <a:t/>
-            </a:r>
-            <a:br>
-              <a:rPr lang="ru-RU" smtClean="0"/>
-            </a:br>
-            <a:r>
-              <a:rPr lang="en-US" smtClean="0"/>
-              <a:t>    </a:t>
-            </a:r>
-            <a:r>
-              <a:rPr lang="en-US"/>
-              <a:t>std::shared_ptr&lt;Bad&gt; getptr() </a:t>
-            </a:r>
-            <a:r>
-              <a:rPr lang="en-US" smtClean="0"/>
-              <a:t>{</a:t>
-            </a:r>
-            <a:r>
-              <a:rPr lang="ru-RU" smtClean="0"/>
-              <a:t/>
-            </a:r>
-            <a:br>
-              <a:rPr lang="ru-RU" smtClean="0"/>
-            </a:br>
-            <a:r>
-              <a:rPr lang="en-US" smtClean="0"/>
-              <a:t>        </a:t>
-            </a:r>
-            <a:r>
-              <a:rPr lang="en-US"/>
-              <a:t>return std::shared_ptr&lt;Bad&gt;(this</a:t>
-            </a:r>
-            <a:r>
-              <a:rPr lang="en-US" smtClean="0"/>
-              <a:t>);</a:t>
-            </a:r>
-            <a:r>
-              <a:rPr lang="ru-RU" smtClean="0"/>
-              <a:t/>
-            </a:r>
-            <a:br>
-              <a:rPr lang="ru-RU" smtClean="0"/>
-            </a:br>
-            <a:r>
-              <a:rPr lang="en-US" smtClean="0"/>
-              <a:t>    }</a:t>
-            </a:r>
-            <a:r>
-              <a:rPr lang="ru-RU"/>
-              <a:t/>
-            </a:r>
-            <a:br>
-              <a:rPr lang="ru-RU"/>
-            </a:br>
-            <a:r>
-              <a:rPr lang="en-US" smtClean="0"/>
-              <a:t>};</a:t>
-            </a:r>
-            <a:endParaRPr lang="en-US"/>
+              <a:rPr lang="en-US" smtClean="0">
+                <a:latin typeface="Consolas" panose="020B0609020204030204" pitchFamily="49" charset="0"/>
+              </a:rPr>
+              <a:t>Node *n = new Node();</a:t>
+            </a:r>
           </a:p>
           <a:p>
             <a:pPr marL="45720" indent="0">
               <a:buNone/>
             </a:pPr>
             <a:r>
-              <a:rPr lang="en-US"/>
-              <a:t> </a:t>
+              <a:rPr lang="en-US" smtClean="0">
+                <a:latin typeface="Consolas" panose="020B0609020204030204" pitchFamily="49" charset="0"/>
+              </a:rPr>
+              <a:t>shared_ptr&lt;Node&gt; spn1(n);</a:t>
+            </a:r>
+          </a:p>
+          <a:p>
+            <a:pPr marL="45720" indent="0">
+              <a:buNone/>
+            </a:pPr>
+            <a:r>
+              <a:rPr lang="en-US" smtClean="0">
+                <a:latin typeface="Consolas" panose="020B0609020204030204" pitchFamily="49" charset="0"/>
+              </a:rPr>
+              <a:t>shared_ptr&lt;Node&gt; spn2(n);</a:t>
+            </a:r>
+            <a:endParaRPr lang="ru-RU" smtClean="0">
+              <a:latin typeface="Consolas" panose="020B0609020204030204" pitchFamily="49" charset="0"/>
+            </a:endParaRPr>
+          </a:p>
+          <a:p>
+            <a:r>
+              <a:rPr lang="ru-RU" smtClean="0"/>
+              <a:t>Это приводит к созданию двух контрольных блоков и той же проблеме двойного удаления, от которой мы исходно пытались уйти с помощью подсчёта ссылок</a:t>
+            </a:r>
+            <a:endParaRPr lang="en-US" smtClean="0"/>
+          </a:p>
+          <a:p>
+            <a:r>
+              <a:rPr lang="ru-RU" smtClean="0"/>
+              <a:t>Это ещё один аргумент за </a:t>
             </a:r>
             <a:r>
               <a:rPr lang="en-US" smtClean="0"/>
-              <a:t>std</a:t>
-            </a:r>
-            <a:r>
-              <a:rPr lang="en-US"/>
-              <a:t>::shared_ptr&lt;Bad&gt; bp1 = std::make_shared&lt;Bad</a:t>
-            </a:r>
-            <a:r>
-              <a:rPr lang="en-US" smtClean="0"/>
-              <a:t>&gt;();</a:t>
-            </a:r>
-            <a:r>
-              <a:rPr lang="ru-RU" smtClean="0"/>
-              <a:t/>
-            </a:r>
-            <a:br>
-              <a:rPr lang="ru-RU" smtClean="0"/>
-            </a:br>
-            <a:r>
-              <a:rPr lang="en-US" smtClean="0"/>
-              <a:t> </a:t>
-            </a:r>
-            <a:r>
-              <a:rPr lang="en-US"/>
-              <a:t>std::shared_ptr&lt;Bad&gt; bp2 = bp1-&gt;getptr();</a:t>
-            </a:r>
+              <a:t>make_shared, </a:t>
+            </a:r>
+            <a:r>
+              <a:rPr lang="ru-RU" smtClean="0"/>
+              <a:t>которая исключает такие проблемы </a:t>
+            </a:r>
+            <a:endParaRPr lang="en-US"/>
           </a:p>
         </p:txBody>
       </p:sp>
     </p:spTree>
     <p:extLst>
       <p:ext uri="{BB962C8B-B14F-4D97-AF65-F5344CB8AC3E}">
-        <p14:creationId xmlns:p14="http://schemas.microsoft.com/office/powerpoint/2010/main" val="2413327544"/>
+        <p14:creationId xmlns:p14="http://schemas.microsoft.com/office/powerpoint/2010/main" val="874050832"/>
       </p:ext>
     </p:extLst>
   </p:cSld>
@@ -13965,7 +14050,7 @@
           <a:p>
             <a:r>
               <a:rPr lang="ru-RU" smtClean="0"/>
-              <a:t>Правильный вариант</a:t>
+              <a:t>Пошарить самого себя</a:t>
             </a:r>
             <a:endParaRPr lang="en-US"/>
           </a:p>
@@ -13986,83 +14071,221 @@
           <a:bodyPr/>
           <a:lstStyle/>
           <a:p>
+            <a:r>
+              <a:rPr lang="ru-RU" smtClean="0"/>
+              <a:t>Совместное владение предполагает иной подход к копированию</a:t>
+            </a:r>
+          </a:p>
+          <a:p>
             <a:pPr marL="45720" indent="0">
               <a:buNone/>
             </a:pPr>
             <a:r>
-              <a:rPr lang="en-US"/>
-              <a:t>struct Good: std::enable_shared_from_this&lt;Good&gt; </a:t>
-            </a:r>
-            <a:r>
-              <a:rPr lang="en-US" smtClean="0"/>
+              <a:rPr lang="en-US" smtClean="0">
+                <a:latin typeface="Consolas" panose="020B0609020204030204" pitchFamily="49" charset="0"/>
+              </a:rPr>
+              <a:t>struct Node</a:t>
+            </a:r>
+            <a:r>
+              <a:rPr lang="ru-RU" smtClean="0">
+                <a:latin typeface="Consolas" panose="020B0609020204030204" pitchFamily="49" charset="0"/>
+              </a:rPr>
+              <a:t> </a:t>
+            </a:r>
+            <a:r>
+              <a:rPr lang="en-US" smtClean="0">
+                <a:latin typeface="Consolas" panose="020B0609020204030204" pitchFamily="49" charset="0"/>
+              </a:rPr>
               <a:t>{</a:t>
             </a:r>
             <a:r>
-              <a:rPr lang="ru-RU" smtClean="0"/>
+              <a:rPr lang="ru-RU" smtClean="0">
+                <a:latin typeface="Consolas" panose="020B0609020204030204" pitchFamily="49" charset="0"/>
+              </a:rPr>
               <a:t/>
             </a:r>
             <a:br>
-              <a:rPr lang="ru-RU" smtClean="0"/>
-            </a:br>
-            <a:r>
-              <a:rPr lang="en-US" smtClean="0"/>
-              <a:t>    </a:t>
-            </a:r>
-            <a:r>
-              <a:rPr lang="en-US"/>
-              <a:t>std::shared_ptr&lt;Good&gt; getptr() </a:t>
-            </a:r>
-            <a:r>
-              <a:rPr lang="en-US" smtClean="0"/>
-              <a:t>{</a:t>
-            </a:r>
-            <a:r>
-              <a:rPr lang="ru-RU" smtClean="0"/>
+              <a:rPr lang="ru-RU" smtClean="0">
+                <a:latin typeface="Consolas" panose="020B0609020204030204" pitchFamily="49" charset="0"/>
+              </a:rPr>
+            </a:br>
+            <a:r>
+              <a:rPr lang="en-US">
+                <a:latin typeface="Consolas" panose="020B0609020204030204" pitchFamily="49" charset="0"/>
+              </a:rPr>
+              <a:t> </a:t>
+            </a:r>
+            <a:r>
+              <a:rPr lang="en-US" smtClean="0">
+                <a:latin typeface="Consolas" panose="020B0609020204030204" pitchFamily="49" charset="0"/>
+              </a:rPr>
+              <a:t> shared_ptr&lt;Node&gt; getspn() {</a:t>
+            </a:r>
+            <a:r>
+              <a:rPr lang="ru-RU" smtClean="0">
+                <a:latin typeface="Consolas" panose="020B0609020204030204" pitchFamily="49" charset="0"/>
+              </a:rPr>
               <a:t/>
             </a:r>
             <a:br>
-              <a:rPr lang="ru-RU" smtClean="0"/>
-            </a:br>
-            <a:r>
-              <a:rPr lang="en-US" smtClean="0"/>
-              <a:t>        </a:t>
-            </a:r>
-            <a:r>
-              <a:rPr lang="en-US"/>
-              <a:t>return shared_from_this</a:t>
-            </a:r>
-            <a:r>
-              <a:rPr lang="en-US" smtClean="0"/>
-              <a:t>();</a:t>
-            </a:r>
-            <a:r>
-              <a:rPr lang="ru-RU" smtClean="0"/>
+              <a:rPr lang="ru-RU" smtClean="0">
+                <a:latin typeface="Consolas" panose="020B0609020204030204" pitchFamily="49" charset="0"/>
+              </a:rPr>
+            </a:br>
+            <a:r>
+              <a:rPr lang="en-US" smtClean="0">
+                <a:latin typeface="Consolas" panose="020B0609020204030204" pitchFamily="49" charset="0"/>
+              </a:rPr>
+              <a:t>    return shared_ptr&lt;Node&gt;(</a:t>
+            </a:r>
+            <a:r>
+              <a:rPr lang="en-US">
+                <a:latin typeface="Consolas" panose="020B0609020204030204" pitchFamily="49" charset="0"/>
+              </a:rPr>
+              <a:t>this</a:t>
+            </a:r>
+            <a:r>
+              <a:rPr lang="en-US" smtClean="0">
+                <a:latin typeface="Consolas" panose="020B0609020204030204" pitchFamily="49" charset="0"/>
+              </a:rPr>
+              <a:t>); </a:t>
+            </a:r>
+            <a:r>
+              <a:rPr lang="en-US" smtClean="0">
+                <a:solidFill>
+                  <a:srgbClr val="FF0000"/>
+                </a:solidFill>
+                <a:latin typeface="Consolas" panose="020B0609020204030204" pitchFamily="49" charset="0"/>
+              </a:rPr>
+              <a:t>// </a:t>
+            </a:r>
+            <a:r>
+              <a:rPr lang="ru-RU" smtClean="0">
+                <a:solidFill>
+                  <a:srgbClr val="FF0000"/>
+                </a:solidFill>
+                <a:latin typeface="Consolas" panose="020B0609020204030204" pitchFamily="49" charset="0"/>
+              </a:rPr>
+              <a:t>грубая ошибка</a:t>
+            </a:r>
+            <a:r>
+              <a:rPr lang="ru-RU" smtClean="0">
+                <a:latin typeface="Consolas" panose="020B0609020204030204" pitchFamily="49" charset="0"/>
+              </a:rPr>
               <a:t/>
             </a:r>
             <a:br>
-              <a:rPr lang="ru-RU" smtClean="0"/>
-            </a:br>
-            <a:r>
-              <a:rPr lang="en-US" smtClean="0"/>
-              <a:t>    }</a:t>
-            </a:r>
-            <a:r>
-              <a:rPr lang="ru-RU" smtClean="0"/>
+              <a:rPr lang="ru-RU" smtClean="0">
+                <a:latin typeface="Consolas" panose="020B0609020204030204" pitchFamily="49" charset="0"/>
+              </a:rPr>
+            </a:br>
+            <a:r>
+              <a:rPr lang="en-US" smtClean="0">
+                <a:latin typeface="Consolas" panose="020B0609020204030204" pitchFamily="49" charset="0"/>
+              </a:rPr>
+              <a:t>   }</a:t>
+            </a:r>
+            <a:r>
+              <a:rPr lang="ru-RU">
+                <a:latin typeface="Consolas" panose="020B0609020204030204" pitchFamily="49" charset="0"/>
+              </a:rPr>
               <a:t/>
             </a:r>
             <a:br>
-              <a:rPr lang="ru-RU" smtClean="0"/>
-            </a:br>
-            <a:r>
-              <a:rPr lang="en-US" smtClean="0"/>
+              <a:rPr lang="ru-RU">
+                <a:latin typeface="Consolas" panose="020B0609020204030204" pitchFamily="49" charset="0"/>
+              </a:rPr>
+            </a:br>
+            <a:r>
+              <a:rPr lang="en-US" smtClean="0">
+                <a:latin typeface="Consolas" panose="020B0609020204030204" pitchFamily="49" charset="0"/>
+              </a:rPr>
               <a:t>};</a:t>
             </a:r>
-            <a:endParaRPr lang="en-US"/>
+            <a:endParaRPr lang="ru-RU">
+              <a:latin typeface="Consolas" panose="020B0609020204030204" pitchFamily="49" charset="0"/>
+            </a:endParaRPr>
           </a:p>
           <a:p>
             <a:pPr marL="45720" indent="0">
               <a:buNone/>
             </a:pPr>
+            <a:r>
+              <a:rPr lang="en-US" smtClean="0">
+                <a:latin typeface="Consolas" panose="020B0609020204030204" pitchFamily="49" charset="0"/>
+              </a:rPr>
+              <a:t>shared_ptr&lt;Node&gt; </a:t>
+            </a:r>
+            <a:r>
+              <a:rPr lang="en-US">
+                <a:latin typeface="Consolas" panose="020B0609020204030204" pitchFamily="49" charset="0"/>
+              </a:rPr>
+              <a:t>bp1 = </a:t>
+            </a:r>
+            <a:r>
+              <a:rPr lang="en-US" smtClean="0">
+                <a:latin typeface="Consolas" panose="020B0609020204030204" pitchFamily="49" charset="0"/>
+              </a:rPr>
+              <a:t>make_shared&lt;Node&gt;();</a:t>
+            </a:r>
+            <a:r>
+              <a:rPr lang="ru-RU" smtClean="0">
+                <a:latin typeface="Consolas" panose="020B0609020204030204" pitchFamily="49" charset="0"/>
+              </a:rPr>
+              <a:t/>
+            </a:r>
+            <a:br>
+              <a:rPr lang="ru-RU" smtClean="0">
+                <a:latin typeface="Consolas" panose="020B0609020204030204" pitchFamily="49" charset="0"/>
+              </a:rPr>
+            </a:br>
+            <a:r>
+              <a:rPr lang="en-US" smtClean="0">
+                <a:latin typeface="Consolas" panose="020B0609020204030204" pitchFamily="49" charset="0"/>
+              </a:rPr>
+              <a:t>shared_ptr&lt;Node&gt; </a:t>
+            </a:r>
+            <a:r>
+              <a:rPr lang="en-US">
+                <a:latin typeface="Consolas" panose="020B0609020204030204" pitchFamily="49" charset="0"/>
+              </a:rPr>
+              <a:t>bp2 = bp1-&gt;</a:t>
+            </a:r>
+            <a:r>
+              <a:rPr lang="en-US" smtClean="0">
+                <a:latin typeface="Consolas" panose="020B0609020204030204" pitchFamily="49" charset="0"/>
+              </a:rPr>
+              <a:t>getspn();</a:t>
+            </a:r>
+            <a:endParaRPr lang="ru-RU" smtClean="0">
+              <a:latin typeface="Consolas" panose="020B0609020204030204" pitchFamily="49" charset="0"/>
+            </a:endParaRPr>
+          </a:p>
+          <a:p>
+            <a:r>
+              <a:rPr lang="ru-RU" smtClean="0"/>
+              <a:t>Эта проблема аналогична проблеме двойного владения, только на этот раз голым указателем является </a:t>
+            </a:r>
+            <a:r>
+              <a:rPr lang="en-US" smtClean="0"/>
+              <a:t>this. </a:t>
+            </a:r>
+            <a:r>
+              <a:rPr lang="ru-RU" smtClean="0"/>
+              <a:t>В таком виде она куда менее очевидна</a:t>
+            </a:r>
+            <a:r>
+              <a:rPr lang="en-US" smtClean="0"/>
+              <a:t> (</a:t>
+            </a:r>
+            <a:r>
+              <a:rPr lang="ru-RU" smtClean="0"/>
+              <a:t>и, более того, спрятана за </a:t>
+            </a:r>
+            <a:r>
+              <a:rPr lang="en-US" smtClean="0"/>
+              <a:t>make_shared)</a:t>
+            </a:r>
             <a:endParaRPr lang="en-US"/>
           </a:p>
         </p:txBody>
@@ -14070,7 +14293,7 @@
     </p:spTree>
     <p:extLst>
       <p:ext uri="{BB962C8B-B14F-4D97-AF65-F5344CB8AC3E}">
-        <p14:creationId xmlns:p14="http://schemas.microsoft.com/office/powerpoint/2010/main" val="167209330"/>
+        <p14:creationId xmlns:p14="http://schemas.microsoft.com/office/powerpoint/2010/main" val="2413327544"/>
       </p:ext>
     </p:extLst>
   </p:cSld>
@@ -14114,7 +14337,7 @@
           <a:p>
             <a:r>
               <a:rPr lang="ru-RU" smtClean="0"/>
-              <a:t>Неправильное использование</a:t>
+              <a:t>Правильный вариант</a:t>
             </a:r>
             <a:endParaRPr lang="en-US"/>
           </a:p>
@@ -14135,81 +14358,149 @@
           <a:bodyPr/>
           <a:lstStyle/>
           <a:p>
+            <a:r>
+              <a:rPr lang="ru-RU" smtClean="0"/>
+              <a:t>Правильная стратегия действий</a:t>
+            </a:r>
+          </a:p>
+          <a:p>
             <a:pPr marL="45720" indent="0">
               <a:buNone/>
             </a:pPr>
-            <a:endParaRPr lang="en-US"/>
-          </a:p>
-          <a:p>
-            <a:pPr marL="45720" indent="0">
-              <a:buNone/>
-            </a:pPr>
+            <a:r>
+              <a:rPr lang="en-US" smtClean="0">
+                <a:solidFill>
+                  <a:srgbClr val="0000FF"/>
+                </a:solidFill>
+                <a:latin typeface="Consolas" panose="020B0609020204030204" pitchFamily="49" charset="0"/>
+              </a:rPr>
+              <a:t>struct Node: enable_shared_from_this&lt;Node&gt;</a:t>
+            </a:r>
+            <a:r>
+              <a:rPr lang="en-US" smtClean="0">
+                <a:latin typeface="Consolas" panose="020B0609020204030204" pitchFamily="49" charset="0"/>
+              </a:rPr>
+              <a:t> {</a:t>
+            </a:r>
+            <a:r>
+              <a:rPr lang="ru-RU" smtClean="0">
+                <a:latin typeface="Consolas" panose="020B0609020204030204" pitchFamily="49" charset="0"/>
+              </a:rPr>
+              <a:t/>
+            </a:r>
+            <a:br>
+              <a:rPr lang="ru-RU" smtClean="0">
+                <a:latin typeface="Consolas" panose="020B0609020204030204" pitchFamily="49" charset="0"/>
+              </a:rPr>
+            </a:br>
+            <a:r>
+              <a:rPr lang="en-US">
+                <a:latin typeface="Consolas" panose="020B0609020204030204" pitchFamily="49" charset="0"/>
+              </a:rPr>
+              <a:t> </a:t>
+            </a:r>
+            <a:r>
+              <a:rPr lang="en-US" smtClean="0">
+                <a:latin typeface="Consolas" panose="020B0609020204030204" pitchFamily="49" charset="0"/>
+              </a:rPr>
+              <a:t> shared_ptr&lt;Node&gt; getspn() {</a:t>
+            </a:r>
+            <a:r>
+              <a:rPr lang="ru-RU" smtClean="0">
+                <a:latin typeface="Consolas" panose="020B0609020204030204" pitchFamily="49" charset="0"/>
+              </a:rPr>
+              <a:t/>
+            </a:r>
+            <a:br>
+              <a:rPr lang="ru-RU" smtClean="0">
+                <a:latin typeface="Consolas" panose="020B0609020204030204" pitchFamily="49" charset="0"/>
+              </a:rPr>
+            </a:br>
+            <a:r>
+              <a:rPr lang="en-US" smtClean="0">
+                <a:latin typeface="Consolas" panose="020B0609020204030204" pitchFamily="49" charset="0"/>
+              </a:rPr>
+              <a:t>    return </a:t>
+            </a:r>
+            <a:r>
+              <a:rPr lang="en-US">
+                <a:latin typeface="Consolas" panose="020B0609020204030204" pitchFamily="49" charset="0"/>
+              </a:rPr>
+              <a:t>shared_from_this</a:t>
+            </a:r>
+            <a:r>
+              <a:rPr lang="en-US" smtClean="0">
+                <a:latin typeface="Consolas" panose="020B0609020204030204" pitchFamily="49" charset="0"/>
+              </a:rPr>
+              <a:t>();</a:t>
+            </a:r>
+            <a:r>
+              <a:rPr lang="ru-RU" smtClean="0">
+                <a:latin typeface="Consolas" panose="020B0609020204030204" pitchFamily="49" charset="0"/>
+              </a:rPr>
+              <a:t/>
+            </a:r>
+            <a:br>
+              <a:rPr lang="ru-RU" smtClean="0">
+                <a:latin typeface="Consolas" panose="020B0609020204030204" pitchFamily="49" charset="0"/>
+              </a:rPr>
+            </a:br>
+            <a:r>
+              <a:rPr lang="en-US" smtClean="0">
+                <a:latin typeface="Consolas" panose="020B0609020204030204" pitchFamily="49" charset="0"/>
+              </a:rPr>
+              <a:t>  }</a:t>
+            </a:r>
+            <a:r>
+              <a:rPr lang="ru-RU" smtClean="0">
+                <a:latin typeface="Consolas" panose="020B0609020204030204" pitchFamily="49" charset="0"/>
+              </a:rPr>
+              <a:t/>
+            </a:r>
+            <a:br>
+              <a:rPr lang="ru-RU" smtClean="0">
+                <a:latin typeface="Consolas" panose="020B0609020204030204" pitchFamily="49" charset="0"/>
+              </a:rPr>
+            </a:br>
+            <a:r>
+              <a:rPr lang="en-US" smtClean="0">
+                <a:latin typeface="Consolas" panose="020B0609020204030204" pitchFamily="49" charset="0"/>
+              </a:rPr>
+              <a:t>};</a:t>
+            </a:r>
+            <a:endParaRPr lang="en-US">
+              <a:latin typeface="Consolas" panose="020B0609020204030204" pitchFamily="49" charset="0"/>
+            </a:endParaRPr>
+          </a:p>
+          <a:p>
+            <a:r>
+              <a:rPr lang="ru-RU" smtClean="0"/>
+              <a:t>Эта стратегия также является тизером к следующим лекциям. Механизм</a:t>
+            </a:r>
             <a:r>
               <a:rPr lang="en-US" smtClean="0"/>
-              <a:t>Good not_so_good;</a:t>
-            </a:r>
-            <a:r>
-              <a:rPr lang="ru-RU" smtClean="0"/>
-              <a:t/>
-            </a:r>
-            <a:br>
-              <a:rPr lang="ru-RU" smtClean="0"/>
-            </a:br>
+              <a:t>, </a:t>
+            </a:r>
+            <a:r>
+              <a:rPr lang="ru-RU" smtClean="0"/>
+              <a:t>позволяющий параметризовать предка наследником, называется </a:t>
+            </a:r>
             <a:r>
               <a:rPr lang="en-US" smtClean="0"/>
-              <a:t>std</a:t>
-            </a:r>
-            <a:r>
-              <a:rPr lang="en-US"/>
-              <a:t>::shared_ptr&lt;Good&gt; gp1 = not_so_good.getptr</a:t>
-            </a:r>
-            <a:r>
-              <a:rPr lang="en-US" smtClean="0"/>
-              <a:t>();</a:t>
-            </a:r>
-          </a:p>
-          <a:p>
-            <a:pPr marL="45720" indent="0">
-              <a:buNone/>
-            </a:pPr>
-            <a:r>
-              <a:rPr lang="ru-RU" smtClean="0"/>
-              <a:t>В С++14 это </a:t>
-            </a:r>
-            <a:r>
-              <a:rPr lang="en-US" smtClean="0"/>
-              <a:t>UB</a:t>
-            </a:r>
-            <a:endParaRPr lang="ru-RU" smtClean="0"/>
-          </a:p>
-          <a:p>
-            <a:pPr marL="45720" indent="0">
-              <a:buNone/>
-            </a:pPr>
-            <a:r>
-              <a:rPr lang="ru-RU" smtClean="0"/>
-              <a:t>В </a:t>
-            </a:r>
-            <a:r>
-              <a:rPr lang="en-US" smtClean="0"/>
-              <a:t>C++17 </a:t>
-            </a:r>
-            <a:r>
-              <a:rPr lang="ru-RU" smtClean="0"/>
-              <a:t>это приводит к выбросу исключения </a:t>
-            </a:r>
-            <a:r>
-              <a:rPr lang="en-US" smtClean="0"/>
-              <a:t>std::bad_weak_ptr</a:t>
-            </a:r>
-            <a:endParaRPr lang="ru-RU"/>
+              <a:t>CRTP </a:t>
+            </a:r>
+            <a:r>
+              <a:rPr lang="ru-RU" smtClean="0"/>
+              <a:t>и будет подробно рассмотрен в своё время.</a:t>
+            </a:r>
+            <a:endParaRPr lang="en-US" smtClean="0"/>
           </a:p>
         </p:txBody>
       </p:sp>
     </p:spTree>
     <p:extLst>
       <p:ext uri="{BB962C8B-B14F-4D97-AF65-F5344CB8AC3E}">
-        <p14:creationId xmlns:p14="http://schemas.microsoft.com/office/powerpoint/2010/main" val="884013084"/>
+        <p14:creationId xmlns:p14="http://schemas.microsoft.com/office/powerpoint/2010/main" val="167209330"/>
       </p:ext>
     </p:extLst>
   </p:cSld>
@@ -14253,7 +14544,7 @@
           <a:p>
             <a:r>
               <a:rPr lang="ru-RU" smtClean="0"/>
-              <a:t>Приведение</a:t>
+              <a:t>Неправильное использование</a:t>
             </a:r>
             <a:endParaRPr lang="en-US"/>
           </a:p>
@@ -14276,11 +14567,212 @@
           <a:p>
             <a:r>
               <a:rPr lang="ru-RU" smtClean="0"/>
-              <a:t>Тут про </a:t>
+              <a:t>Правильная стратегия действий не гарантирует от выстрела в ногу</a:t>
+            </a:r>
+          </a:p>
+          <a:p>
+            <a:pPr marL="45720" indent="0">
+              <a:buNone/>
+            </a:pPr>
+            <a:r>
+              <a:rPr lang="en-US" smtClean="0">
+                <a:latin typeface="Consolas" panose="020B0609020204030204" pitchFamily="49" charset="0"/>
+              </a:rPr>
+              <a:t>struct Node: enable_shared_from_this&lt;Node&gt; {</a:t>
+            </a:r>
+            <a:r>
+              <a:rPr lang="ru-RU" smtClean="0">
+                <a:latin typeface="Consolas" panose="020B0609020204030204" pitchFamily="49" charset="0"/>
+              </a:rPr>
+              <a:t/>
+            </a:r>
+            <a:br>
+              <a:rPr lang="ru-RU" smtClean="0">
+                <a:latin typeface="Consolas" panose="020B0609020204030204" pitchFamily="49" charset="0"/>
+              </a:rPr>
+            </a:br>
+            <a:r>
+              <a:rPr lang="en-US">
+                <a:latin typeface="Consolas" panose="020B0609020204030204" pitchFamily="49" charset="0"/>
+              </a:rPr>
+              <a:t> </a:t>
+            </a:r>
+            <a:r>
+              <a:rPr lang="en-US" smtClean="0">
+                <a:latin typeface="Consolas" panose="020B0609020204030204" pitchFamily="49" charset="0"/>
+              </a:rPr>
+              <a:t> shared_ptr&lt;Node&gt; getspn() {</a:t>
+            </a:r>
+            <a:r>
+              <a:rPr lang="ru-RU" smtClean="0">
+                <a:latin typeface="Consolas" panose="020B0609020204030204" pitchFamily="49" charset="0"/>
+              </a:rPr>
+              <a:t/>
+            </a:r>
+            <a:br>
+              <a:rPr lang="ru-RU" smtClean="0">
+                <a:latin typeface="Consolas" panose="020B0609020204030204" pitchFamily="49" charset="0"/>
+              </a:rPr>
+            </a:br>
+            <a:r>
+              <a:rPr lang="en-US" smtClean="0">
+                <a:latin typeface="Consolas" panose="020B0609020204030204" pitchFamily="49" charset="0"/>
+              </a:rPr>
+              <a:t>    return </a:t>
+            </a:r>
+            <a:r>
+              <a:rPr lang="en-US">
+                <a:latin typeface="Consolas" panose="020B0609020204030204" pitchFamily="49" charset="0"/>
+              </a:rPr>
+              <a:t>shared_from_this</a:t>
+            </a:r>
+            <a:r>
+              <a:rPr lang="en-US" smtClean="0">
+                <a:latin typeface="Consolas" panose="020B0609020204030204" pitchFamily="49" charset="0"/>
+              </a:rPr>
+              <a:t>();</a:t>
+            </a:r>
+            <a:r>
+              <a:rPr lang="ru-RU" smtClean="0">
+                <a:latin typeface="Consolas" panose="020B0609020204030204" pitchFamily="49" charset="0"/>
+              </a:rPr>
+              <a:t/>
+            </a:r>
+            <a:br>
+              <a:rPr lang="ru-RU" smtClean="0">
+                <a:latin typeface="Consolas" panose="020B0609020204030204" pitchFamily="49" charset="0"/>
+              </a:rPr>
+            </a:br>
+            <a:r>
+              <a:rPr lang="en-US" smtClean="0">
+                <a:latin typeface="Consolas" panose="020B0609020204030204" pitchFamily="49" charset="0"/>
+              </a:rPr>
+              <a:t>  }</a:t>
+            </a:r>
+            <a:r>
+              <a:rPr lang="ru-RU" smtClean="0">
+                <a:latin typeface="Consolas" panose="020B0609020204030204" pitchFamily="49" charset="0"/>
+              </a:rPr>
+              <a:t/>
+            </a:r>
+            <a:br>
+              <a:rPr lang="ru-RU" smtClean="0">
+                <a:latin typeface="Consolas" panose="020B0609020204030204" pitchFamily="49" charset="0"/>
+              </a:rPr>
+            </a:br>
+            <a:r>
+              <a:rPr lang="en-US" smtClean="0">
+                <a:latin typeface="Consolas" panose="020B0609020204030204" pitchFamily="49" charset="0"/>
+              </a:rPr>
+              <a:t>};</a:t>
+            </a:r>
+            <a:endParaRPr lang="ru-RU">
+              <a:latin typeface="Consolas" panose="020B0609020204030204" pitchFamily="49" charset="0"/>
+            </a:endParaRPr>
+          </a:p>
+          <a:p>
+            <a:pPr marL="45720" indent="0">
+              <a:buNone/>
+            </a:pPr>
+            <a:r>
+              <a:rPr lang="en-US" smtClean="0">
+                <a:latin typeface="Consolas" panose="020B0609020204030204" pitchFamily="49" charset="0"/>
+              </a:rPr>
+              <a:t>Node n; </a:t>
+            </a:r>
+            <a:r>
+              <a:rPr lang="en-US" smtClean="0">
+                <a:solidFill>
+                  <a:srgbClr val="FF0000"/>
+                </a:solidFill>
+                <a:latin typeface="Consolas" panose="020B0609020204030204" pitchFamily="49" charset="0"/>
+              </a:rPr>
+              <a:t>// </a:t>
+            </a:r>
+            <a:r>
+              <a:rPr lang="ru-RU" smtClean="0">
+                <a:solidFill>
+                  <a:srgbClr val="FF0000"/>
+                </a:solidFill>
+                <a:latin typeface="Consolas" panose="020B0609020204030204" pitchFamily="49" charset="0"/>
+              </a:rPr>
+              <a:t>отсутствие владельца в данном случае грубая ошибка</a:t>
+            </a:r>
+            <a:r>
+              <a:rPr lang="ru-RU">
+                <a:latin typeface="Consolas" panose="020B0609020204030204" pitchFamily="49" charset="0"/>
+              </a:rPr>
+              <a:t/>
+            </a:r>
+            <a:br>
+              <a:rPr lang="ru-RU">
+                <a:latin typeface="Consolas" panose="020B0609020204030204" pitchFamily="49" charset="0"/>
+              </a:rPr>
+            </a:br>
+            <a:r>
+              <a:rPr lang="en-US" smtClean="0">
+                <a:latin typeface="Consolas" panose="020B0609020204030204" pitchFamily="49" charset="0"/>
+              </a:rPr>
+              <a:t>shared_ptr&lt;Node&gt; </a:t>
+            </a:r>
+            <a:r>
+              <a:rPr lang="en-US">
+                <a:latin typeface="Consolas" panose="020B0609020204030204" pitchFamily="49" charset="0"/>
+              </a:rPr>
+              <a:t>gp1 = </a:t>
+            </a:r>
+            <a:r>
+              <a:rPr lang="en-US" smtClean="0">
+                <a:latin typeface="Consolas" panose="020B0609020204030204" pitchFamily="49" charset="0"/>
+              </a:rPr>
+              <a:t>n.getptr();</a:t>
+            </a:r>
+            <a:r>
+              <a:rPr lang="ru-RU" smtClean="0">
+                <a:latin typeface="Consolas" panose="020B0609020204030204" pitchFamily="49" charset="0"/>
+              </a:rPr>
+              <a:t> </a:t>
+            </a:r>
+            <a:r>
+              <a:rPr lang="en-US" smtClean="0">
+                <a:latin typeface="Consolas" panose="020B0609020204030204" pitchFamily="49" charset="0"/>
+              </a:rPr>
+              <a:t>// UB </a:t>
+            </a:r>
+            <a:r>
+              <a:rPr lang="ru-RU" smtClean="0">
+                <a:latin typeface="Consolas" panose="020B0609020204030204" pitchFamily="49" charset="0"/>
+              </a:rPr>
+              <a:t>до 2017 года</a:t>
+            </a:r>
+            <a:endParaRPr lang="en-US">
+              <a:latin typeface="Consolas" panose="020B0609020204030204" pitchFamily="49" charset="0"/>
+            </a:endParaRPr>
+          </a:p>
+          <a:p>
+            <a:r>
+              <a:rPr lang="ru-RU" smtClean="0"/>
+              <a:t>В стандарте </a:t>
             </a:r>
             <a:r>
               <a:rPr lang="en-US" smtClean="0"/>
-              <a:t>static_pointer_cast</a:t>
+              <a:t>C++17, </a:t>
+            </a:r>
+            <a:r>
+              <a:rPr lang="ru-RU" smtClean="0"/>
+              <a:t>это не </a:t>
+            </a:r>
+            <a:r>
+              <a:rPr lang="en-US" smtClean="0"/>
+              <a:t>UB, </a:t>
+            </a:r>
+            <a:r>
+              <a:rPr lang="ru-RU" smtClean="0"/>
+              <a:t>это выброс исключения </a:t>
+            </a:r>
+            <a:r>
+              <a:rPr lang="en-US" smtClean="0"/>
+              <a:t>std::bad_weak_ptr</a:t>
             </a:r>
             <a:endParaRPr lang="en-US"/>
           </a:p>
@@ -14289,7 +14781,7 @@
     </p:spTree>
     <p:extLst>
       <p:ext uri="{BB962C8B-B14F-4D97-AF65-F5344CB8AC3E}">
-        <p14:creationId xmlns:p14="http://schemas.microsoft.com/office/powerpoint/2010/main" val="444166757"/>
+        <p14:creationId xmlns:p14="http://schemas.microsoft.com/office/powerpoint/2010/main" val="1711565690"/>
       </p:ext>
     </p:extLst>
   </p:cSld>
@@ -14333,7 +14825,7 @@
           <a:p>
             <a:r>
               <a:rPr lang="ru-RU" smtClean="0"/>
-              <a:t>Обсуждение</a:t>
+              <a:t>Приведение</a:t>
             </a:r>
             <a:endParaRPr lang="en-US"/>
           </a:p>
@@ -14356,30 +14848,185 @@
           <a:p>
             <a:r>
               <a:rPr lang="ru-RU" smtClean="0"/>
-              <a:t>Во многих языках нет ничего, кроме </a:t>
+              <a:t>Говорят, что обычные указатели </a:t>
+            </a:r>
+            <a:r>
+              <a:rPr lang="ru-RU" b="1" smtClean="0"/>
+              <a:t>ковариантны</a:t>
+            </a:r>
+            <a:r>
+              <a:rPr lang="ru-RU" smtClean="0"/>
+              <a:t>. Если </a:t>
             </a:r>
             <a:r>
               <a:rPr lang="en-US" smtClean="0"/>
-              <a:t>shared_pointers </a:t>
-            </a:r>
-            <a:r>
-              <a:rPr lang="ru-RU" smtClean="0"/>
-              <a:t>и люди ничего, живут</a:t>
-            </a:r>
-          </a:p>
-          <a:p>
-            <a:r>
-              <a:rPr lang="ru-RU" smtClean="0"/>
-              <a:t>Какие основные проблемы создаёт копирование и подсчёт ссылок?</a:t>
-            </a:r>
-            <a:endParaRPr lang="en-US"/>
+              <a:t>B </a:t>
+            </a:r>
+            <a:r>
+              <a:rPr lang="ru-RU" smtClean="0"/>
+              <a:t>законно преобразуется к </a:t>
+            </a:r>
+            <a:r>
+              <a:rPr lang="en-US" smtClean="0"/>
+              <a:t>A, </a:t>
+            </a:r>
+            <a:r>
+              <a:rPr lang="ru-RU" smtClean="0"/>
+              <a:t>то </a:t>
+            </a:r>
+            <a:r>
+              <a:rPr lang="en-US" smtClean="0"/>
+              <a:t>B* </a:t>
+            </a:r>
+            <a:r>
+              <a:rPr lang="ru-RU" smtClean="0"/>
+              <a:t>законно преобразуется к </a:t>
+            </a:r>
+            <a:r>
+              <a:rPr lang="en-US" smtClean="0"/>
+              <a:t>A*</a:t>
+            </a:r>
+          </a:p>
+          <a:p>
+            <a:pPr marL="45720" indent="0">
+              <a:buNone/>
+            </a:pPr>
+            <a:r>
+              <a:rPr lang="en-US" smtClean="0">
+                <a:latin typeface="Consolas" panose="020B0609020204030204" pitchFamily="49" charset="0"/>
+              </a:rPr>
+              <a:t>class A {};</a:t>
+            </a:r>
+            <a:br>
+              <a:rPr lang="en-US" smtClean="0">
+                <a:latin typeface="Consolas" panose="020B0609020204030204" pitchFamily="49" charset="0"/>
+              </a:rPr>
+            </a:br>
+            <a:r>
+              <a:rPr lang="en-US" smtClean="0">
+                <a:latin typeface="Consolas" panose="020B0609020204030204" pitchFamily="49" charset="0"/>
+              </a:rPr>
+              <a:t>class B : public A {};</a:t>
+            </a:r>
+          </a:p>
+          <a:p>
+            <a:pPr marL="45720" indent="0">
+              <a:buNone/>
+            </a:pPr>
+            <a:r>
+              <a:rPr lang="en-US" smtClean="0">
+                <a:latin typeface="Consolas" panose="020B0609020204030204" pitchFamily="49" charset="0"/>
+              </a:rPr>
+              <a:t>B *b = new B();</a:t>
+            </a:r>
+            <a:br>
+              <a:rPr lang="en-US" smtClean="0">
+                <a:latin typeface="Consolas" panose="020B0609020204030204" pitchFamily="49" charset="0"/>
+              </a:rPr>
+            </a:br>
+            <a:r>
+              <a:rPr lang="en-US" smtClean="0">
+                <a:latin typeface="Consolas" panose="020B0609020204030204" pitchFamily="49" charset="0"/>
+              </a:rPr>
+              <a:t>A *a = static_cast&lt;A*&gt;(b);</a:t>
+            </a:r>
+            <a:endParaRPr lang="ru-RU" smtClean="0">
+              <a:latin typeface="Consolas" panose="020B0609020204030204" pitchFamily="49" charset="0"/>
+            </a:endParaRPr>
+          </a:p>
+          <a:p>
+            <a:r>
+              <a:rPr lang="ru-RU" smtClean="0"/>
+              <a:t>Но шаблонные классы (в том числе класс </a:t>
+            </a:r>
+            <a:r>
+              <a:rPr lang="en-US" smtClean="0"/>
+              <a:t>shared_ptr) </a:t>
+            </a:r>
+            <a:r>
+              <a:rPr lang="ru-RU" b="1" smtClean="0"/>
+              <a:t>инвариантны</a:t>
+            </a:r>
+            <a:r>
+              <a:rPr lang="ru-RU" smtClean="0"/>
+              <a:t>. Какие бы отношения не были между </a:t>
+            </a:r>
+            <a:r>
+              <a:rPr lang="en-US" smtClean="0"/>
+              <a:t>A </a:t>
+            </a:r>
+            <a:r>
+              <a:rPr lang="ru-RU" smtClean="0"/>
+              <a:t>и </a:t>
+            </a:r>
+            <a:r>
+              <a:rPr lang="en-US" smtClean="0"/>
+              <a:t>B, </a:t>
+            </a:r>
+            <a:r>
+              <a:rPr lang="ru-RU" smtClean="0"/>
+              <a:t>между </a:t>
+            </a:r>
+            <a:r>
+              <a:rPr lang="en-US" smtClean="0"/>
+              <a:t>S&lt;A&gt; </a:t>
+            </a:r>
+            <a:r>
+              <a:rPr lang="ru-RU" smtClean="0"/>
+              <a:t>и </a:t>
+            </a:r>
+            <a:r>
+              <a:rPr lang="en-US" smtClean="0"/>
+              <a:t>S&lt;B&gt; </a:t>
+            </a:r>
+            <a:r>
+              <a:rPr lang="ru-RU" smtClean="0"/>
+              <a:t>нет никаких отношений</a:t>
+            </a:r>
+          </a:p>
+          <a:p>
+            <a:pPr marL="45720" indent="0">
+              <a:buNone/>
+            </a:pPr>
+            <a:r>
+              <a:rPr lang="en-US" smtClean="0">
+                <a:latin typeface="Consolas" panose="020B0609020204030204" pitchFamily="49" charset="0"/>
+              </a:rPr>
+              <a:t>shared_ptr&lt;B&gt; b = make_shared&lt;B&gt;();</a:t>
+            </a:r>
+            <a:br>
+              <a:rPr lang="en-US" smtClean="0">
+                <a:latin typeface="Consolas" panose="020B0609020204030204" pitchFamily="49" charset="0"/>
+              </a:rPr>
+            </a:br>
+            <a:r>
+              <a:rPr lang="en-US" smtClean="0">
+                <a:latin typeface="Consolas" panose="020B0609020204030204" pitchFamily="49" charset="0"/>
+              </a:rPr>
+              <a:t>shared_ptr&lt;A&gt; a = </a:t>
+            </a:r>
+            <a:r>
+              <a:rPr lang="en-US" smtClean="0">
+                <a:solidFill>
+                  <a:srgbClr val="FF0000"/>
+                </a:solidFill>
+                <a:latin typeface="Consolas" panose="020B0609020204030204" pitchFamily="49" charset="0"/>
+              </a:rPr>
+              <a:t>???</a:t>
+            </a:r>
+            <a:endParaRPr lang="en-US">
+              <a:solidFill>
+                <a:srgbClr val="FF0000"/>
+              </a:solidFill>
+              <a:latin typeface="Consolas" panose="020B0609020204030204" pitchFamily="49" charset="0"/>
+            </a:endParaRPr>
           </a:p>
         </p:txBody>
       </p:sp>
     </p:spTree>
     <p:extLst>
       <p:ext uri="{BB962C8B-B14F-4D97-AF65-F5344CB8AC3E}">
-        <p14:creationId xmlns:p14="http://schemas.microsoft.com/office/powerpoint/2010/main" val="573304325"/>
+        <p14:creationId xmlns:p14="http://schemas.microsoft.com/office/powerpoint/2010/main" val="444166757"/>
       </p:ext>
     </p:extLst>
   </p:cSld>
@@ -14408,6 +15055,29 @@
       </p:grpSpPr>
       <p:sp>
         <p:nvSpPr>
+          <p:cNvPr id="2" name="Title 1"/>
+          <p:cNvSpPr>
+            <a:spLocks noGrp="1"/>
+          </p:cNvSpPr>
+          <p:nvPr>
+            <p:ph type="title"/>
+          </p:nvPr>
+        </p:nvSpPr>
+        <p:spPr/>
+        <p:txBody>
+          <a:bodyPr/>
+          <a:lstStyle/>
+          <a:p>
+            <a:r>
+              <a:rPr lang="ru-RU" smtClean="0"/>
+              <a:t>Приведение</a:t>
+            </a:r>
+            <a:endParaRPr lang="en-US"/>
+          </a:p>
+        </p:txBody>
+      </p:sp>
+      <p:sp>
+        <p:nvSpPr>
           <p:cNvPr id="3" name="Content Placeholder 2"/>
           <p:cNvSpPr>
             <a:spLocks noGrp="1"/>
@@ -14416,80 +15086,122 @@
             <p:ph idx="1"/>
           </p:nvPr>
         </p:nvSpPr>
-        <p:spPr>
-          <a:xfrm>
-            <a:off x="1143000" y="742122"/>
-            <a:ext cx="9872871" cy="5353878"/>
-          </a:xfrm>
-        </p:spPr>
-        <p:txBody>
-          <a:bodyPr>
-            <a:noAutofit/>
-          </a:bodyPr>
-          <a:lstStyle/>
-          <a:p>
-            <a:pPr>
-              <a:lnSpc>
-                <a:spcPct val="150000"/>
-              </a:lnSpc>
-              <a:buFont typeface="Wingdings" panose="05000000000000000000" pitchFamily="2" charset="2"/>
-              <a:buChar char="q"/>
+        <p:spPr/>
+        <p:txBody>
+          <a:bodyPr/>
+          <a:lstStyle/>
+          <a:p>
+            <a:r>
+              <a:rPr lang="ru-RU" smtClean="0"/>
+              <a:t>Специально для того, чтобы сохранить удобное приведение </a:t>
+            </a:r>
+            <a:endParaRPr lang="en-US" smtClean="0"/>
+          </a:p>
+          <a:p>
+            <a:pPr marL="45720" indent="0">
+              <a:buNone/>
             </a:pPr>
             <a:r>
-              <a:rPr lang="ru-RU" sz="4800" smtClean="0"/>
-              <a:t> Постановка и история вопроса</a:t>
-            </a:r>
-          </a:p>
-          <a:p>
-            <a:pPr>
-              <a:lnSpc>
-                <a:spcPct val="150000"/>
-              </a:lnSpc>
-              <a:buFont typeface="Wingdings" panose="05000000000000000000" pitchFamily="2" charset="2"/>
-              <a:buChar char="q"/>
+              <a:rPr lang="en-US" smtClean="0">
+                <a:latin typeface="Consolas" panose="020B0609020204030204" pitchFamily="49" charset="0"/>
+              </a:rPr>
+              <a:t>class A {};</a:t>
+            </a:r>
+            <a:br>
+              <a:rPr lang="en-US" smtClean="0">
+                <a:latin typeface="Consolas" panose="020B0609020204030204" pitchFamily="49" charset="0"/>
+              </a:rPr>
+            </a:br>
+            <a:r>
+              <a:rPr lang="en-US" smtClean="0">
+                <a:latin typeface="Consolas" panose="020B0609020204030204" pitchFamily="49" charset="0"/>
+              </a:rPr>
+              <a:t>class B : public A {};</a:t>
+            </a:r>
+          </a:p>
+          <a:p>
+            <a:pPr marL="45720" indent="0">
+              <a:buNone/>
             </a:pPr>
             <a:r>
-              <a:rPr lang="ru-RU" sz="4800" smtClean="0"/>
-              <a:t> Уникальное владение</a:t>
-            </a:r>
-          </a:p>
-          <a:p>
-            <a:pPr>
-              <a:lnSpc>
-                <a:spcPct val="150000"/>
-              </a:lnSpc>
-              <a:buFont typeface="Wingdings" panose="05000000000000000000" pitchFamily="2" charset="2"/>
-              <a:buChar char="q"/>
+              <a:rPr lang="en-US" smtClean="0">
+                <a:latin typeface="Consolas" panose="020B0609020204030204" pitchFamily="49" charset="0"/>
+              </a:rPr>
+              <a:t>B *b = new B();</a:t>
+            </a:r>
+            <a:br>
+              <a:rPr lang="en-US" smtClean="0">
+                <a:latin typeface="Consolas" panose="020B0609020204030204" pitchFamily="49" charset="0"/>
+              </a:rPr>
+            </a:br>
+            <a:r>
+              <a:rPr lang="en-US" smtClean="0">
+                <a:latin typeface="Consolas" panose="020B0609020204030204" pitchFamily="49" charset="0"/>
+              </a:rPr>
+              <a:t>A *a = static_cast&lt;A*&gt;(b);</a:t>
+            </a:r>
+            <a:endParaRPr lang="ru-RU" smtClean="0"/>
+          </a:p>
+          <a:p>
+            <a:pPr marL="45720" indent="0">
+              <a:buNone/>
             </a:pPr>
             <a:r>
-              <a:rPr lang="ru-RU" sz="4800" smtClean="0"/>
-              <a:t> Совместное владение</a:t>
-            </a:r>
-            <a:endParaRPr lang="en-US" sz="4800" smtClean="0"/>
-          </a:p>
-          <a:p>
-            <a:pPr>
-              <a:lnSpc>
-                <a:spcPct val="150000"/>
-              </a:lnSpc>
-              <a:buFont typeface="Wingdings" panose="05000000000000000000" pitchFamily="2" charset="2"/>
-              <a:buChar char="Ø"/>
-            </a:pPr>
-            <a:r>
-              <a:rPr lang="en-US" sz="4800"/>
-              <a:t> </a:t>
-            </a:r>
-            <a:r>
-              <a:rPr lang="ru-RU" sz="4800" smtClean="0"/>
-              <a:t>Закольцованный мир</a:t>
-            </a:r>
+              <a:rPr lang="en-US" smtClean="0">
+                <a:latin typeface="Consolas" panose="020B0609020204030204" pitchFamily="49" charset="0"/>
+              </a:rPr>
+              <a:t>shared_ptr&lt;B&gt; b = make_shared&lt;B&gt;();</a:t>
+            </a:r>
+            <a:br>
+              <a:rPr lang="en-US" smtClean="0">
+                <a:latin typeface="Consolas" panose="020B0609020204030204" pitchFamily="49" charset="0"/>
+              </a:rPr>
+            </a:br>
+            <a:r>
+              <a:rPr lang="en-US" smtClean="0">
+                <a:latin typeface="Consolas" panose="020B0609020204030204" pitchFamily="49" charset="0"/>
+              </a:rPr>
+              <a:t>shared_ptr&lt;A&gt; a = </a:t>
+            </a:r>
+            <a:r>
+              <a:rPr lang="en-US" smtClean="0">
+                <a:solidFill>
+                  <a:srgbClr val="0000FF"/>
+                </a:solidFill>
+                <a:latin typeface="Consolas" panose="020B0609020204030204" pitchFamily="49" charset="0"/>
+              </a:rPr>
+              <a:t>static_pointer_cast&lt;A&gt;(b);</a:t>
+            </a:r>
+          </a:p>
+          <a:p>
+            <a:r>
+              <a:rPr lang="ru-RU" smtClean="0"/>
+              <a:t>Аналогично работают </a:t>
+            </a:r>
+            <a:r>
+              <a:rPr lang="en-US" smtClean="0"/>
+              <a:t>dynamic_pointer_cast </a:t>
+            </a:r>
+            <a:r>
+              <a:rPr lang="ru-RU" smtClean="0"/>
+              <a:t>и </a:t>
+            </a:r>
+            <a:r>
+              <a:rPr lang="en-US" smtClean="0"/>
+              <a:t>const_pointer_cast, </a:t>
+            </a:r>
+            <a:r>
+              <a:rPr lang="ru-RU" smtClean="0"/>
+              <a:t>имитируя известные приведения.</a:t>
+            </a:r>
+            <a:endParaRPr lang="en-US"/>
           </a:p>
         </p:txBody>
       </p:sp>
     </p:spTree>
     <p:extLst>
       <p:ext uri="{BB962C8B-B14F-4D97-AF65-F5344CB8AC3E}">
-        <p14:creationId xmlns:p14="http://schemas.microsoft.com/office/powerpoint/2010/main" val="2764664819"/>
+        <p14:creationId xmlns:p14="http://schemas.microsoft.com/office/powerpoint/2010/main" val="4114628866"/>
       </p:ext>
     </p:extLst>
   </p:cSld>
@@ -14764,7 +15476,7 @@
           <a:p>
             <a:r>
               <a:rPr lang="ru-RU" smtClean="0"/>
-              <a:t>Закольцованные указатели</a:t>
+              <a:t>Пользовательские удалители</a:t>
             </a:r>
             <a:endParaRPr lang="en-US"/>
           </a:p>
@@ -14780,265 +15492,14 @@
             <p:ph idx="1"/>
           </p:nvPr>
         </p:nvSpPr>
-        <p:spPr>
-          <a:xfrm>
-            <a:off x="1143000" y="2057400"/>
-            <a:ext cx="9872871" cy="4270248"/>
-          </a:xfrm>
-        </p:spPr>
+        <p:spPr/>
         <p:txBody>
           <a:bodyPr/>
           <a:lstStyle/>
           <a:p>
             <a:r>
               <a:rPr lang="ru-RU" smtClean="0"/>
-              <a:t>Главная проблема указателей с совместным владением это возможность циркулярных ссылок</a:t>
-            </a:r>
-          </a:p>
-          <a:p>
-            <a:pPr marL="45720" indent="0">
-              <a:buNone/>
-            </a:pPr>
-            <a:r>
-              <a:rPr lang="en-US" smtClean="0">
-                <a:latin typeface="Consolas" panose="020B0609020204030204" pitchFamily="49" charset="0"/>
-              </a:rPr>
-              <a:t>struct Node {</a:t>
-            </a:r>
-            <a:br>
-              <a:rPr lang="en-US" smtClean="0">
-                <a:latin typeface="Consolas" panose="020B0609020204030204" pitchFamily="49" charset="0"/>
-              </a:rPr>
-            </a:br>
-            <a:r>
-              <a:rPr lang="en-US" smtClean="0">
-                <a:latin typeface="Consolas" panose="020B0609020204030204" pitchFamily="49" charset="0"/>
-              </a:rPr>
-              <a:t>  shared_ptr&lt;Node&gt; parent, left, right;</a:t>
-            </a:r>
-            <a:br>
-              <a:rPr lang="en-US" smtClean="0">
-                <a:latin typeface="Consolas" panose="020B0609020204030204" pitchFamily="49" charset="0"/>
-              </a:rPr>
-            </a:br>
-            <a:r>
-              <a:rPr lang="en-US" smtClean="0">
-                <a:latin typeface="Consolas" panose="020B0609020204030204" pitchFamily="49" charset="0"/>
-              </a:rPr>
-              <a:t>};</a:t>
-            </a:r>
-          </a:p>
-          <a:p>
-            <a:pPr marL="45720" indent="0">
-              <a:buNone/>
-            </a:pPr>
-            <a:r>
-              <a:rPr lang="en-US">
-                <a:latin typeface="Consolas" panose="020B0609020204030204" pitchFamily="49" charset="0"/>
-              </a:rPr>
-              <a:t>{</a:t>
-            </a:r>
-            <a:r>
-              <a:rPr lang="ru-RU" smtClean="0">
-                <a:latin typeface="Consolas" panose="020B0609020204030204" pitchFamily="49" charset="0"/>
-              </a:rPr>
-              <a:t/>
-            </a:r>
-            <a:br>
-              <a:rPr lang="ru-RU" smtClean="0">
-                <a:latin typeface="Consolas" panose="020B0609020204030204" pitchFamily="49" charset="0"/>
-              </a:rPr>
-            </a:br>
-            <a:r>
-              <a:rPr lang="en-US" smtClean="0">
-                <a:latin typeface="Consolas" panose="020B0609020204030204" pitchFamily="49" charset="0"/>
-              </a:rPr>
-              <a:t>  shared_ptr&lt;Node</a:t>
-            </a:r>
-            <a:r>
-              <a:rPr lang="en-US">
-                <a:latin typeface="Consolas" panose="020B0609020204030204" pitchFamily="49" charset="0"/>
-              </a:rPr>
-              <a:t>&gt; </a:t>
-            </a:r>
-            <a:r>
-              <a:rPr lang="en-US" smtClean="0">
-                <a:latin typeface="Consolas" panose="020B0609020204030204" pitchFamily="49" charset="0"/>
-              </a:rPr>
-              <a:t>master </a:t>
-            </a:r>
-            <a:r>
-              <a:rPr lang="en-US">
-                <a:latin typeface="Consolas" panose="020B0609020204030204" pitchFamily="49" charset="0"/>
-              </a:rPr>
-              <a:t>= </a:t>
-            </a:r>
-            <a:r>
-              <a:rPr lang="en-US">
-                <a:latin typeface="Consolas" panose="020B0609020204030204" pitchFamily="49" charset="0"/>
-              </a:rPr>
-              <a:t>make_shared&lt;Node</a:t>
-            </a:r>
-            <a:r>
-              <a:rPr lang="en-US" smtClean="0">
-                <a:latin typeface="Consolas" panose="020B0609020204030204" pitchFamily="49" charset="0"/>
-              </a:rPr>
-              <a:t>&gt;(); // </a:t>
-            </a:r>
-            <a:r>
-              <a:rPr lang="ru-RU" smtClean="0">
-                <a:latin typeface="Consolas" panose="020B0609020204030204" pitchFamily="49" charset="0"/>
-              </a:rPr>
-              <a:t>счётчик</a:t>
-            </a:r>
-            <a:r>
-              <a:rPr lang="en-US">
-                <a:latin typeface="Consolas" panose="020B0609020204030204" pitchFamily="49" charset="0"/>
-              </a:rPr>
-              <a:t>:</a:t>
-            </a:r>
-            <a:r>
-              <a:rPr lang="en-US" smtClean="0">
-                <a:latin typeface="Consolas" panose="020B0609020204030204" pitchFamily="49" charset="0"/>
-              </a:rPr>
-              <a:t>1</a:t>
-            </a:r>
-            <a:br>
-              <a:rPr lang="en-US" smtClean="0">
-                <a:latin typeface="Consolas" panose="020B0609020204030204" pitchFamily="49" charset="0"/>
-              </a:rPr>
-            </a:br>
-            <a:r>
-              <a:rPr lang="en-US" smtClean="0">
-                <a:latin typeface="Consolas" panose="020B0609020204030204" pitchFamily="49" charset="0"/>
-              </a:rPr>
-              <a:t>  shared_ptr&lt;Node&gt; slave = make_shared&lt;Node&gt;(); // </a:t>
-            </a:r>
-            <a:r>
-              <a:rPr lang="ru-RU" smtClean="0">
-                <a:latin typeface="Consolas" panose="020B0609020204030204" pitchFamily="49" charset="0"/>
-              </a:rPr>
-              <a:t>счётчик:</a:t>
-            </a:r>
-            <a:r>
-              <a:rPr lang="en-US" smtClean="0">
-                <a:latin typeface="Consolas" panose="020B0609020204030204" pitchFamily="49" charset="0"/>
-              </a:rPr>
-              <a:t>1</a:t>
-            </a:r>
-            <a:br>
-              <a:rPr lang="en-US" smtClean="0">
-                <a:latin typeface="Consolas" panose="020B0609020204030204" pitchFamily="49" charset="0"/>
-              </a:rPr>
-            </a:br>
-            <a:r>
-              <a:rPr lang="en-US" smtClean="0">
-                <a:latin typeface="Consolas" panose="020B0609020204030204" pitchFamily="49" charset="0"/>
-              </a:rPr>
-              <a:t>  slave.parent = master;</a:t>
-            </a:r>
-            <a:r>
-              <a:rPr lang="ru-RU" smtClean="0">
-                <a:latin typeface="Consolas" panose="020B0609020204030204" pitchFamily="49" charset="0"/>
-              </a:rPr>
-              <a:t> </a:t>
-            </a:r>
-            <a:r>
-              <a:rPr lang="en-US" smtClean="0">
-                <a:latin typeface="Consolas" panose="020B0609020204030204" pitchFamily="49" charset="0"/>
-              </a:rPr>
-              <a:t>// </a:t>
-            </a:r>
-            <a:r>
-              <a:rPr lang="ru-RU" smtClean="0">
-                <a:latin typeface="Consolas" panose="020B0609020204030204" pitchFamily="49" charset="0"/>
-              </a:rPr>
-              <a:t>счётчик:2</a:t>
-            </a:r>
-            <a:r>
-              <a:rPr lang="en-US" smtClean="0">
-                <a:latin typeface="Consolas" panose="020B0609020204030204" pitchFamily="49" charset="0"/>
-              </a:rPr>
-              <a:t/>
-            </a:r>
-            <a:br>
-              <a:rPr lang="en-US" smtClean="0">
-                <a:latin typeface="Consolas" panose="020B0609020204030204" pitchFamily="49" charset="0"/>
-              </a:rPr>
-            </a:br>
-            <a:r>
-              <a:rPr lang="en-US" smtClean="0">
-                <a:latin typeface="Consolas" panose="020B0609020204030204" pitchFamily="49" charset="0"/>
-              </a:rPr>
-              <a:t>  master.left = slave;</a:t>
-            </a:r>
-            <a:r>
-              <a:rPr lang="ru-RU" smtClean="0">
-                <a:latin typeface="Consolas" panose="020B0609020204030204" pitchFamily="49" charset="0"/>
-              </a:rPr>
-              <a:t> </a:t>
-            </a:r>
-            <a:r>
-              <a:rPr lang="en-US" smtClean="0">
-                <a:latin typeface="Consolas" panose="020B0609020204030204" pitchFamily="49" charset="0"/>
-              </a:rPr>
-              <a:t>// </a:t>
-            </a:r>
-            <a:r>
-              <a:rPr lang="ru-RU" smtClean="0">
-                <a:latin typeface="Consolas" panose="020B0609020204030204" pitchFamily="49" charset="0"/>
-              </a:rPr>
-              <a:t>счётчик:2</a:t>
-            </a:r>
-            <a:r>
-              <a:rPr lang="en-US" smtClean="0">
-                <a:latin typeface="Consolas" panose="020B0609020204030204" pitchFamily="49" charset="0"/>
-              </a:rPr>
-              <a:t/>
-            </a:r>
-            <a:br>
-              <a:rPr lang="en-US" smtClean="0">
-                <a:latin typeface="Consolas" panose="020B0609020204030204" pitchFamily="49" charset="0"/>
-              </a:rPr>
-            </a:br>
-            <a:r>
-              <a:rPr lang="en-US" smtClean="0">
-                <a:latin typeface="Consolas" panose="020B0609020204030204" pitchFamily="49" charset="0"/>
-              </a:rPr>
-              <a:t>} </a:t>
-            </a:r>
-            <a:r>
-              <a:rPr lang="en-US" smtClean="0">
-                <a:solidFill>
-                  <a:srgbClr val="FF0000"/>
-                </a:solidFill>
-                <a:latin typeface="Consolas" panose="020B0609020204030204" pitchFamily="49" charset="0"/>
-              </a:rPr>
-              <a:t>// LEAK</a:t>
-            </a:r>
-            <a:endParaRPr lang="ru-RU" smtClean="0">
-              <a:solidFill>
-                <a:srgbClr val="FF0000"/>
-              </a:solidFill>
-              <a:latin typeface="Consolas" panose="020B0609020204030204" pitchFamily="49" charset="0"/>
-            </a:endParaRPr>
-          </a:p>
-          <a:p>
-            <a:r>
-              <a:rPr lang="ru-RU" smtClean="0"/>
-              <a:t>Теперь эта сладкая пара не умрёт</a:t>
-            </a:r>
-            <a:r>
-              <a:rPr lang="en-US" smtClean="0"/>
-              <a:t> </a:t>
-            </a:r>
-            <a:r>
-              <a:rPr lang="ru-RU" smtClean="0"/>
-              <a:t>на выходе из области видимости</a:t>
-            </a:r>
-            <a:r>
-              <a:rPr lang="en-US" smtClean="0"/>
-              <a:t>.</a:t>
+              <a:t>Тут про то, что удалитель не является частью типа</a:t>
             </a:r>
             <a:endParaRPr lang="en-US"/>
           </a:p>
@@ -15047,7 +15508,7 @@
     </p:spTree>
     <p:extLst>
       <p:ext uri="{BB962C8B-B14F-4D97-AF65-F5344CB8AC3E}">
-        <p14:creationId xmlns:p14="http://schemas.microsoft.com/office/powerpoint/2010/main" val="2811232442"/>
+        <p14:creationId xmlns:p14="http://schemas.microsoft.com/office/powerpoint/2010/main" val="3611682492"/>
       </p:ext>
     </p:extLst>
   </p:cSld>
@@ -15091,7 +15552,11 @@
           <a:p>
             <a:r>
               <a:rPr lang="ru-RU" smtClean="0"/>
-              <a:t>Решение: слабые указатели</a:t>
+              <a:t>Как может быть устроен </a:t>
+            </a:r>
+            <a:r>
+              <a:rPr lang="en-US" smtClean="0"/>
+              <a:t>shared_ptr</a:t>
             </a:r>
             <a:endParaRPr lang="en-US"/>
           </a:p>
@@ -15107,339 +15572,14 @@
             <p:ph idx="1"/>
           </p:nvPr>
         </p:nvSpPr>
-        <p:spPr>
-          <a:xfrm>
-            <a:off x="1143000" y="2057400"/>
-            <a:ext cx="9872871" cy="4270248"/>
-          </a:xfrm>
-        </p:spPr>
+        <p:spPr/>
         <p:txBody>
           <a:bodyPr/>
           <a:lstStyle/>
           <a:p>
             <a:r>
               <a:rPr lang="ru-RU" smtClean="0"/>
-              <a:t>Слабый указатель не владеет объектом, на который указывает</a:t>
-            </a:r>
-          </a:p>
-          <a:p>
-            <a:pPr marL="45720" indent="0">
-              <a:buNone/>
-            </a:pPr>
-            <a:r>
-              <a:rPr lang="en-US" smtClean="0">
-                <a:latin typeface="Consolas" panose="020B0609020204030204" pitchFamily="49" charset="0"/>
-              </a:rPr>
-              <a:t>struct Node {</a:t>
-            </a:r>
-            <a:br>
-              <a:rPr lang="en-US" smtClean="0">
-                <a:latin typeface="Consolas" panose="020B0609020204030204" pitchFamily="49" charset="0"/>
-              </a:rPr>
-            </a:br>
-            <a:r>
-              <a:rPr lang="en-US" smtClean="0">
-                <a:latin typeface="Consolas" panose="020B0609020204030204" pitchFamily="49" charset="0"/>
-              </a:rPr>
-              <a:t>  weak_ptr&lt;Node&gt; parent</a:t>
-            </a:r>
-            <a:r>
-              <a:rPr lang="ru-RU" smtClean="0">
-                <a:latin typeface="Consolas" panose="020B0609020204030204" pitchFamily="49" charset="0"/>
-              </a:rPr>
-              <a:t/>
-            </a:r>
-            <a:br>
-              <a:rPr lang="ru-RU" smtClean="0">
-                <a:latin typeface="Consolas" panose="020B0609020204030204" pitchFamily="49" charset="0"/>
-              </a:rPr>
-            </a:br>
-            <a:r>
-              <a:rPr lang="ru-RU" smtClean="0">
-                <a:latin typeface="Consolas" panose="020B0609020204030204" pitchFamily="49" charset="0"/>
-              </a:rPr>
-              <a:t> </a:t>
-            </a:r>
-            <a:r>
-              <a:rPr lang="en-US" smtClean="0">
-                <a:latin typeface="Consolas" panose="020B0609020204030204" pitchFamily="49" charset="0"/>
-              </a:rPr>
-              <a:t> shared_ptr&lt;Node</a:t>
-            </a:r>
-            <a:r>
-              <a:rPr lang="en-US">
-                <a:latin typeface="Consolas" panose="020B0609020204030204" pitchFamily="49" charset="0"/>
-              </a:rPr>
-              <a:t>&gt; </a:t>
-            </a:r>
-            <a:r>
-              <a:rPr lang="en-US" smtClean="0">
-                <a:latin typeface="Consolas" panose="020B0609020204030204" pitchFamily="49" charset="0"/>
-              </a:rPr>
-              <a:t>left, right;</a:t>
-            </a:r>
-            <a:br>
-              <a:rPr lang="en-US" smtClean="0">
-                <a:latin typeface="Consolas" panose="020B0609020204030204" pitchFamily="49" charset="0"/>
-              </a:rPr>
-            </a:br>
-            <a:r>
-              <a:rPr lang="en-US" smtClean="0">
-                <a:latin typeface="Consolas" panose="020B0609020204030204" pitchFamily="49" charset="0"/>
-              </a:rPr>
-              <a:t>};</a:t>
-            </a:r>
-          </a:p>
-          <a:p>
-            <a:pPr marL="45720" indent="0">
-              <a:buNone/>
-            </a:pPr>
-            <a:r>
-              <a:rPr lang="en-US">
-                <a:latin typeface="Consolas" panose="020B0609020204030204" pitchFamily="49" charset="0"/>
-              </a:rPr>
-              <a:t>{</a:t>
-            </a:r>
-            <a:r>
-              <a:rPr lang="ru-RU" smtClean="0">
-                <a:latin typeface="Consolas" panose="020B0609020204030204" pitchFamily="49" charset="0"/>
-              </a:rPr>
-              <a:t/>
-            </a:r>
-            <a:br>
-              <a:rPr lang="ru-RU" smtClean="0">
-                <a:latin typeface="Consolas" panose="020B0609020204030204" pitchFamily="49" charset="0"/>
-              </a:rPr>
-            </a:br>
-            <a:r>
-              <a:rPr lang="en-US" smtClean="0">
-                <a:latin typeface="Consolas" panose="020B0609020204030204" pitchFamily="49" charset="0"/>
-              </a:rPr>
-              <a:t>  shared_ptr&lt;Node</a:t>
-            </a:r>
-            <a:r>
-              <a:rPr lang="en-US">
-                <a:latin typeface="Consolas" panose="020B0609020204030204" pitchFamily="49" charset="0"/>
-              </a:rPr>
-              <a:t>&gt; </a:t>
-            </a:r>
-            <a:r>
-              <a:rPr lang="en-US" smtClean="0">
-                <a:latin typeface="Consolas" panose="020B0609020204030204" pitchFamily="49" charset="0"/>
-              </a:rPr>
-              <a:t>master </a:t>
-            </a:r>
-            <a:r>
-              <a:rPr lang="en-US">
-                <a:latin typeface="Consolas" panose="020B0609020204030204" pitchFamily="49" charset="0"/>
-              </a:rPr>
-              <a:t>= </a:t>
-            </a:r>
-            <a:r>
-              <a:rPr lang="en-US">
-                <a:latin typeface="Consolas" panose="020B0609020204030204" pitchFamily="49" charset="0"/>
-              </a:rPr>
-              <a:t>make_shared&lt;Node</a:t>
-            </a:r>
-            <a:r>
-              <a:rPr lang="en-US" smtClean="0">
-                <a:latin typeface="Consolas" panose="020B0609020204030204" pitchFamily="49" charset="0"/>
-              </a:rPr>
-              <a:t>&gt;(); // </a:t>
-            </a:r>
-            <a:r>
-              <a:rPr lang="ru-RU" smtClean="0">
-                <a:latin typeface="Consolas" panose="020B0609020204030204" pitchFamily="49" charset="0"/>
-              </a:rPr>
-              <a:t>счётчик</a:t>
-            </a:r>
-            <a:r>
-              <a:rPr lang="en-US">
-                <a:latin typeface="Consolas" panose="020B0609020204030204" pitchFamily="49" charset="0"/>
-              </a:rPr>
-              <a:t>:</a:t>
-            </a:r>
-            <a:r>
-              <a:rPr lang="en-US" smtClean="0">
-                <a:latin typeface="Consolas" panose="020B0609020204030204" pitchFamily="49" charset="0"/>
-              </a:rPr>
-              <a:t>1</a:t>
-            </a:r>
-            <a:br>
-              <a:rPr lang="en-US" smtClean="0">
-                <a:latin typeface="Consolas" panose="020B0609020204030204" pitchFamily="49" charset="0"/>
-              </a:rPr>
-            </a:br>
-            <a:r>
-              <a:rPr lang="en-US" smtClean="0">
-                <a:latin typeface="Consolas" panose="020B0609020204030204" pitchFamily="49" charset="0"/>
-              </a:rPr>
-              <a:t>  shared_ptr&lt;Node&gt; slave = make_shared&lt;Node&gt;(); // </a:t>
-            </a:r>
-            <a:r>
-              <a:rPr lang="ru-RU" smtClean="0">
-                <a:latin typeface="Consolas" panose="020B0609020204030204" pitchFamily="49" charset="0"/>
-              </a:rPr>
-              <a:t>счётчик:</a:t>
-            </a:r>
-            <a:r>
-              <a:rPr lang="en-US" smtClean="0">
-                <a:latin typeface="Consolas" panose="020B0609020204030204" pitchFamily="49" charset="0"/>
-              </a:rPr>
-              <a:t>1</a:t>
-            </a:r>
-            <a:br>
-              <a:rPr lang="en-US" smtClean="0">
-                <a:latin typeface="Consolas" panose="020B0609020204030204" pitchFamily="49" charset="0"/>
-              </a:rPr>
-            </a:br>
-            <a:r>
-              <a:rPr lang="en-US" smtClean="0">
-                <a:latin typeface="Consolas" panose="020B0609020204030204" pitchFamily="49" charset="0"/>
-              </a:rPr>
-              <a:t>  slave.parent = master;</a:t>
-            </a:r>
-            <a:r>
-              <a:rPr lang="ru-RU" smtClean="0">
-                <a:latin typeface="Consolas" panose="020B0609020204030204" pitchFamily="49" charset="0"/>
-              </a:rPr>
-              <a:t> </a:t>
-            </a:r>
-            <a:r>
-              <a:rPr lang="en-US" smtClean="0">
-                <a:solidFill>
-                  <a:srgbClr val="0000FF"/>
-                </a:solidFill>
-                <a:latin typeface="Consolas" panose="020B0609020204030204" pitchFamily="49" charset="0"/>
-              </a:rPr>
-              <a:t>// </a:t>
-            </a:r>
-            <a:r>
-              <a:rPr lang="ru-RU" smtClean="0">
-                <a:solidFill>
-                  <a:srgbClr val="0000FF"/>
-                </a:solidFill>
-                <a:latin typeface="Consolas" panose="020B0609020204030204" pitchFamily="49" charset="0"/>
-              </a:rPr>
-              <a:t>счётчик:</a:t>
-            </a:r>
-            <a:r>
-              <a:rPr lang="en-US" smtClean="0">
-                <a:solidFill>
-                  <a:srgbClr val="0000FF"/>
-                </a:solidFill>
-                <a:latin typeface="Consolas" panose="020B0609020204030204" pitchFamily="49" charset="0"/>
-              </a:rPr>
-              <a:t>1</a:t>
-            </a:r>
-            <a:r>
-              <a:rPr lang="en-US" smtClean="0">
-                <a:latin typeface="Consolas" panose="020B0609020204030204" pitchFamily="49" charset="0"/>
-              </a:rPr>
-              <a:t/>
-            </a:r>
-            <a:br>
-              <a:rPr lang="en-US" smtClean="0">
-                <a:latin typeface="Consolas" panose="020B0609020204030204" pitchFamily="49" charset="0"/>
-              </a:rPr>
-            </a:br>
-            <a:r>
-              <a:rPr lang="en-US" smtClean="0">
-                <a:latin typeface="Consolas" panose="020B0609020204030204" pitchFamily="49" charset="0"/>
-              </a:rPr>
-              <a:t>  master.left = slave;</a:t>
-            </a:r>
-            <a:r>
-              <a:rPr lang="ru-RU" smtClean="0">
-                <a:latin typeface="Consolas" panose="020B0609020204030204" pitchFamily="49" charset="0"/>
-              </a:rPr>
-              <a:t> </a:t>
-            </a:r>
-            <a:r>
-              <a:rPr lang="en-US" smtClean="0">
-                <a:latin typeface="Consolas" panose="020B0609020204030204" pitchFamily="49" charset="0"/>
-              </a:rPr>
-              <a:t>// </a:t>
-            </a:r>
-            <a:r>
-              <a:rPr lang="ru-RU" smtClean="0">
-                <a:latin typeface="Consolas" panose="020B0609020204030204" pitchFamily="49" charset="0"/>
-              </a:rPr>
-              <a:t>счётчик:2</a:t>
-            </a:r>
-            <a:r>
-              <a:rPr lang="en-US" smtClean="0">
-                <a:latin typeface="Consolas" panose="020B0609020204030204" pitchFamily="49" charset="0"/>
-              </a:rPr>
-              <a:t/>
-            </a:r>
-            <a:br>
-              <a:rPr lang="en-US" smtClean="0">
-                <a:latin typeface="Consolas" panose="020B0609020204030204" pitchFamily="49" charset="0"/>
-              </a:rPr>
-            </a:br>
-            <a:r>
-              <a:rPr lang="en-US" smtClean="0">
-                <a:latin typeface="Consolas" panose="020B0609020204030204" pitchFamily="49" charset="0"/>
-              </a:rPr>
-              <a:t>} </a:t>
-            </a:r>
-            <a:r>
-              <a:rPr lang="en-US" smtClean="0">
-                <a:solidFill>
-                  <a:srgbClr val="0000FF"/>
-                </a:solidFill>
-                <a:latin typeface="Consolas" panose="020B0609020204030204" pitchFamily="49" charset="0"/>
-              </a:rPr>
-              <a:t>// OK, </a:t>
-            </a:r>
-            <a:r>
-              <a:rPr lang="ru-RU" smtClean="0">
-                <a:solidFill>
-                  <a:srgbClr val="0000FF"/>
-                </a:solidFill>
-                <a:latin typeface="Consolas" panose="020B0609020204030204" pitchFamily="49" charset="0"/>
-              </a:rPr>
-              <a:t>уничтожен </a:t>
-            </a:r>
-            <a:r>
-              <a:rPr lang="en-US" smtClean="0">
-                <a:solidFill>
-                  <a:srgbClr val="0000FF"/>
-                </a:solidFill>
-                <a:latin typeface="Consolas" panose="020B0609020204030204" pitchFamily="49" charset="0"/>
-              </a:rPr>
-              <a:t>master, </a:t>
-            </a:r>
-            <a:r>
-              <a:rPr lang="ru-RU" smtClean="0">
-                <a:solidFill>
-                  <a:srgbClr val="0000FF"/>
-                </a:solidFill>
-                <a:latin typeface="Consolas" panose="020B0609020204030204" pitchFamily="49" charset="0"/>
-              </a:rPr>
-              <a:t>после чего </a:t>
-            </a:r>
-            <a:r>
-              <a:rPr lang="en-US" smtClean="0">
-                <a:solidFill>
-                  <a:srgbClr val="0000FF"/>
-                </a:solidFill>
-                <a:latin typeface="Consolas" panose="020B0609020204030204" pitchFamily="49" charset="0"/>
-              </a:rPr>
-              <a:t>slave</a:t>
-            </a:r>
-            <a:endParaRPr lang="ru-RU" smtClean="0">
-              <a:solidFill>
-                <a:srgbClr val="0000FF"/>
-              </a:solidFill>
-              <a:latin typeface="Consolas" panose="020B0609020204030204" pitchFamily="49" charset="0"/>
-            </a:endParaRPr>
-          </a:p>
-          <a:p>
-            <a:r>
-              <a:rPr lang="ru-RU" smtClean="0"/>
-              <a:t>Теперь всё хорошо за счёт слабого владения</a:t>
+              <a:t>Тут куча вариантов</a:t>
             </a:r>
             <a:endParaRPr lang="en-US"/>
           </a:p>
@@ -15448,7 +15588,7 @@
     </p:spTree>
     <p:extLst>
       <p:ext uri="{BB962C8B-B14F-4D97-AF65-F5344CB8AC3E}">
-        <p14:creationId xmlns:p14="http://schemas.microsoft.com/office/powerpoint/2010/main" val="2496597853"/>
+        <p14:creationId xmlns:p14="http://schemas.microsoft.com/office/powerpoint/2010/main" val="3862618610"/>
       </p:ext>
     </p:extLst>
   </p:cSld>
@@ -15492,7 +15632,7 @@
           <a:p>
             <a:r>
               <a:rPr lang="ru-RU" smtClean="0"/>
-              <a:t>Слабый указатель нельзя разыменовать</a:t>
+              <a:t>Обсуждение</a:t>
             </a:r>
             <a:endParaRPr lang="en-US"/>
           </a:p>
@@ -15515,118 +15655,34 @@
           <a:p>
             <a:r>
               <a:rPr lang="ru-RU" smtClean="0"/>
-              <a:t>Простое разыменование не сработает</a:t>
-            </a:r>
-          </a:p>
-          <a:p>
-            <a:pPr marL="45720" indent="0">
-              <a:buNone/>
-            </a:pPr>
-            <a:r>
-              <a:rPr lang="en-US" smtClean="0">
-                <a:latin typeface="Consolas" panose="020B0609020204030204" pitchFamily="49" charset="0"/>
-              </a:rPr>
-              <a:t>auto t = make_shared&lt;int&gt;(42);</a:t>
-            </a:r>
-            <a:br>
-              <a:rPr lang="en-US" smtClean="0">
-                <a:latin typeface="Consolas" panose="020B0609020204030204" pitchFamily="49" charset="0"/>
-              </a:rPr>
-            </a:br>
-            <a:r>
-              <a:rPr lang="en-US" smtClean="0">
-                <a:latin typeface="Consolas" panose="020B0609020204030204" pitchFamily="49" charset="0"/>
-              </a:rPr>
-              <a:t>weak_ptr&lt;int&gt; w = t;</a:t>
-            </a:r>
-            <a:br>
-              <a:rPr lang="en-US" smtClean="0">
-                <a:latin typeface="Consolas" panose="020B0609020204030204" pitchFamily="49" charset="0"/>
-              </a:rPr>
-            </a:br>
-            <a:r>
-              <a:rPr lang="en-US" smtClean="0">
-                <a:latin typeface="Consolas" panose="020B0609020204030204" pitchFamily="49" charset="0"/>
-              </a:rPr>
-              <a:t>int xt = *t; // ok</a:t>
-            </a:r>
-            <a:br>
-              <a:rPr lang="en-US" smtClean="0">
-                <a:latin typeface="Consolas" panose="020B0609020204030204" pitchFamily="49" charset="0"/>
-              </a:rPr>
-            </a:br>
-            <a:r>
-              <a:rPr lang="en-US" smtClean="0">
-                <a:latin typeface="Consolas" panose="020B0609020204030204" pitchFamily="49" charset="0"/>
-              </a:rPr>
-              <a:t>// </a:t>
-            </a:r>
-            <a:r>
-              <a:rPr lang="ru-RU" smtClean="0">
-                <a:latin typeface="Consolas" panose="020B0609020204030204" pitchFamily="49" charset="0"/>
-              </a:rPr>
-              <a:t>сделать</a:t>
-            </a:r>
-            <a:r>
-              <a:rPr lang="en-US" smtClean="0">
-                <a:latin typeface="Consolas" panose="020B0609020204030204" pitchFamily="49" charset="0"/>
-              </a:rPr>
-              <a:t> int xw =</a:t>
-            </a:r>
-            <a:r>
-              <a:rPr lang="ru-RU" smtClean="0">
-                <a:latin typeface="Consolas" panose="020B0609020204030204" pitchFamily="49" charset="0"/>
-              </a:rPr>
-              <a:t> </a:t>
-            </a:r>
-            <a:r>
-              <a:rPr lang="en-US" smtClean="0">
-                <a:latin typeface="Consolas" panose="020B0609020204030204" pitchFamily="49" charset="0"/>
-              </a:rPr>
-              <a:t>*w</a:t>
-            </a:r>
-            <a:r>
-              <a:rPr lang="ru-RU" smtClean="0">
-                <a:latin typeface="Consolas" panose="020B0609020204030204" pitchFamily="49" charset="0"/>
-              </a:rPr>
-              <a:t> нельзя</a:t>
-            </a:r>
-          </a:p>
-          <a:p>
-            <a:r>
-              <a:rPr lang="ru-RU" smtClean="0"/>
-              <a:t>Зато его можно превратить в сильный указатель и потом разыменовать</a:t>
-            </a:r>
-          </a:p>
-          <a:p>
-            <a:pPr marL="45720" indent="0">
-              <a:buNone/>
-            </a:pPr>
-            <a:r>
-              <a:rPr lang="en-US" smtClean="0">
-                <a:latin typeface="Consolas" panose="020B0609020204030204" pitchFamily="49" charset="0"/>
-              </a:rPr>
-              <a:t>auto tprime = w.lock();</a:t>
-            </a:r>
-            <a:br>
-              <a:rPr lang="en-US" smtClean="0">
-                <a:latin typeface="Consolas" panose="020B0609020204030204" pitchFamily="49" charset="0"/>
-              </a:rPr>
-            </a:br>
-            <a:r>
-              <a:rPr lang="en-US" smtClean="0">
-                <a:latin typeface="Consolas" panose="020B0609020204030204" pitchFamily="49" charset="0"/>
-              </a:rPr>
-              <a:t>int xtp = *tprime;</a:t>
-            </a:r>
-            <a:endParaRPr lang="ru-RU">
-              <a:latin typeface="Consolas" panose="020B0609020204030204" pitchFamily="49" charset="0"/>
-            </a:endParaRPr>
-          </a:p>
-          <a:p>
-            <a:r>
-              <a:rPr lang="ru-RU" smtClean="0"/>
-              <a:t>Защёлкивание не вовремя может создать те же проблемы циклической ссылки, но они более контролируемы</a:t>
+              <a:t>Может быть у кого-то из аудитории есть опыт в языках где все указатели разделяемые (таких как </a:t>
+            </a:r>
+            <a:r>
+              <a:rPr lang="en-US" smtClean="0"/>
+              <a:t>Rust)</a:t>
+            </a:r>
+            <a:r>
+              <a:rPr lang="ru-RU" smtClean="0"/>
+              <a:t> или хотя бы в таких, где указатели ведут себя как разделяемые (таких как </a:t>
+            </a:r>
+            <a:r>
+              <a:rPr lang="en-US" smtClean="0"/>
+              <a:t>Java </a:t>
+            </a:r>
+            <a:r>
+              <a:rPr lang="ru-RU" smtClean="0"/>
+              <a:t>или </a:t>
+            </a:r>
+            <a:r>
+              <a:rPr lang="en-US" smtClean="0"/>
+              <a:t>C#)</a:t>
+            </a:r>
+            <a:endParaRPr lang="ru-RU" smtClean="0"/>
+          </a:p>
+          <a:p>
+            <a:r>
+              <a:rPr lang="ru-RU" smtClean="0"/>
+              <a:t>Какие основные проблемы создаёт копирование и подсчёт ссылок при работе в таких языках?</a:t>
             </a:r>
             <a:endParaRPr lang="en-US"/>
           </a:p>
@@ -15635,7 +15691,7 @@
     </p:spTree>
     <p:extLst>
       <p:ext uri="{BB962C8B-B14F-4D97-AF65-F5344CB8AC3E}">
-        <p14:creationId xmlns:p14="http://schemas.microsoft.com/office/powerpoint/2010/main" val="193473503"/>
+        <p14:creationId xmlns:p14="http://schemas.microsoft.com/office/powerpoint/2010/main" val="573304325"/>
       </p:ext>
     </p:extLst>
   </p:cSld>
@@ -15664,29 +15720,6 @@
       </p:grpSpPr>
       <p:sp>
         <p:nvSpPr>
-          <p:cNvPr id="2" name="Title 1"/>
-          <p:cNvSpPr>
-            <a:spLocks noGrp="1"/>
-          </p:cNvSpPr>
-          <p:nvPr>
-            <p:ph type="title"/>
-          </p:nvPr>
-        </p:nvSpPr>
-        <p:spPr/>
-        <p:txBody>
-          <a:bodyPr/>
-          <a:lstStyle/>
-          <a:p>
-            <a:r>
-              <a:rPr lang="ru-RU" smtClean="0"/>
-              <a:t>Слабый указатель не может повиснуть</a:t>
-            </a:r>
-            <a:endParaRPr lang="en-US"/>
-          </a:p>
-        </p:txBody>
-      </p:sp>
-      <p:sp>
-        <p:nvSpPr>
           <p:cNvPr id="3" name="Content Placeholder 2"/>
           <p:cNvSpPr>
             <a:spLocks noGrp="1"/>
@@ -15695,121 +15728,80 @@
             <p:ph idx="1"/>
           </p:nvPr>
         </p:nvSpPr>
-        <p:spPr/>
-        <p:txBody>
-          <a:bodyPr/>
-          <a:lstStyle/>
-          <a:p>
-            <a:r>
-              <a:rPr lang="ru-RU" smtClean="0"/>
-              <a:t>Зато он может закончится. Типичный случай, приводящий к подвисанию обычных указателей</a:t>
-            </a:r>
-          </a:p>
-          <a:p>
-            <a:pPr marL="45720" indent="0">
-              <a:buNone/>
+        <p:spPr>
+          <a:xfrm>
+            <a:off x="1143000" y="742122"/>
+            <a:ext cx="9872871" cy="5353878"/>
+          </a:xfrm>
+        </p:spPr>
+        <p:txBody>
+          <a:bodyPr>
+            <a:noAutofit/>
+          </a:bodyPr>
+          <a:lstStyle/>
+          <a:p>
+            <a:pPr>
+              <a:lnSpc>
+                <a:spcPct val="150000"/>
+              </a:lnSpc>
+              <a:buFont typeface="Wingdings" panose="05000000000000000000" pitchFamily="2" charset="2"/>
+              <a:buChar char="q"/>
             </a:pPr>
             <a:r>
-              <a:rPr lang="en-US" smtClean="0">
-                <a:latin typeface="Consolas" panose="020B0609020204030204" pitchFamily="49" charset="0"/>
-              </a:rPr>
-              <a:t>weak_ptr&lt;int&gt; foo () {</a:t>
-            </a:r>
-            <a:br>
-              <a:rPr lang="en-US" smtClean="0">
-                <a:latin typeface="Consolas" panose="020B0609020204030204" pitchFamily="49" charset="0"/>
-              </a:rPr>
-            </a:br>
-            <a:r>
-              <a:rPr lang="en-US" smtClean="0">
-                <a:latin typeface="Consolas" panose="020B0609020204030204" pitchFamily="49" charset="0"/>
-              </a:rPr>
-              <a:t>  auto res = make_shared&lt;int&gt;(42);</a:t>
-            </a:r>
-            <a:br>
-              <a:rPr lang="en-US" smtClean="0">
-                <a:latin typeface="Consolas" panose="020B0609020204030204" pitchFamily="49" charset="0"/>
-              </a:rPr>
-            </a:br>
-            <a:r>
-              <a:rPr lang="en-US" smtClean="0">
-                <a:latin typeface="Consolas" panose="020B0609020204030204" pitchFamily="49" charset="0"/>
-              </a:rPr>
-              <a:t>  return res;</a:t>
-            </a:r>
-            <a:br>
-              <a:rPr lang="en-US" smtClean="0">
-                <a:latin typeface="Consolas" panose="020B0609020204030204" pitchFamily="49" charset="0"/>
-              </a:rPr>
-            </a:br>
-            <a:r>
-              <a:rPr lang="en-US" smtClean="0">
-                <a:latin typeface="Consolas" panose="020B0609020204030204" pitchFamily="49" charset="0"/>
-              </a:rPr>
-              <a:t>} // </a:t>
-            </a:r>
-            <a:r>
-              <a:rPr lang="ru-RU" smtClean="0">
-                <a:latin typeface="Consolas" panose="020B0609020204030204" pitchFamily="49" charset="0"/>
-              </a:rPr>
-              <a:t>в этот момент память была освобождена</a:t>
-            </a:r>
-            <a:endParaRPr lang="en-US" smtClean="0">
-              <a:latin typeface="Consolas" panose="020B0609020204030204" pitchFamily="49" charset="0"/>
-            </a:endParaRPr>
-          </a:p>
-          <a:p>
-            <a:pPr marL="45720" indent="0">
-              <a:buNone/>
+              <a:rPr lang="ru-RU" sz="4800" smtClean="0"/>
+              <a:t> Постановка и история вопроса</a:t>
+            </a:r>
+          </a:p>
+          <a:p>
+            <a:pPr>
+              <a:lnSpc>
+                <a:spcPct val="150000"/>
+              </a:lnSpc>
+              <a:buFont typeface="Wingdings" panose="05000000000000000000" pitchFamily="2" charset="2"/>
+              <a:buChar char="q"/>
             </a:pPr>
             <a:r>
-              <a:rPr lang="en-US" smtClean="0">
-                <a:latin typeface="Consolas" panose="020B0609020204030204" pitchFamily="49" charset="0"/>
-              </a:rPr>
-              <a:t>weak_ptr&lt;int&gt; result = foo();</a:t>
-            </a:r>
-            <a:br>
-              <a:rPr lang="en-US" smtClean="0">
-                <a:latin typeface="Consolas" panose="020B0609020204030204" pitchFamily="49" charset="0"/>
-              </a:rPr>
-            </a:br>
-            <a:r>
-              <a:rPr lang="en-US" smtClean="0">
-                <a:latin typeface="Consolas" panose="020B0609020204030204" pitchFamily="49" charset="0"/>
-              </a:rPr>
-              <a:t>assert (result.expired());</a:t>
-            </a:r>
-            <a:r>
-              <a:rPr lang="en-US">
-                <a:latin typeface="Consolas" panose="020B0609020204030204" pitchFamily="49" charset="0"/>
-              </a:rPr>
-              <a:t/>
-            </a:r>
-            <a:br>
-              <a:rPr lang="en-US">
-                <a:latin typeface="Consolas" panose="020B0609020204030204" pitchFamily="49" charset="0"/>
-              </a:rPr>
-            </a:br>
-            <a:r>
-              <a:rPr lang="en-US" smtClean="0">
-                <a:latin typeface="Consolas" panose="020B0609020204030204" pitchFamily="49" charset="0"/>
-              </a:rPr>
-              <a:t>assert (result.lock() == nullptr);</a:t>
-            </a:r>
-          </a:p>
-          <a:p>
-            <a:r>
-              <a:rPr lang="ru-RU" smtClean="0"/>
-              <a:t>Это создаёт возможность контроля валидности состояния слабых указателей</a:t>
-            </a:r>
-            <a:endParaRPr lang="en-US" smtClean="0"/>
+              <a:rPr lang="ru-RU" sz="4800" smtClean="0"/>
+              <a:t> Уникальное владение</a:t>
+            </a:r>
+          </a:p>
+          <a:p>
+            <a:pPr>
+              <a:lnSpc>
+                <a:spcPct val="150000"/>
+              </a:lnSpc>
+              <a:buFont typeface="Wingdings" panose="05000000000000000000" pitchFamily="2" charset="2"/>
+              <a:buChar char="q"/>
+            </a:pPr>
+            <a:r>
+              <a:rPr lang="ru-RU" sz="4800" smtClean="0"/>
+              <a:t> Совместное владение</a:t>
+            </a:r>
+            <a:endParaRPr lang="en-US" sz="4800" smtClean="0"/>
+          </a:p>
+          <a:p>
+            <a:pPr>
+              <a:lnSpc>
+                <a:spcPct val="150000"/>
+              </a:lnSpc>
+              <a:buFont typeface="Wingdings" panose="05000000000000000000" pitchFamily="2" charset="2"/>
+              <a:buChar char="Ø"/>
+            </a:pPr>
+            <a:r>
+              <a:rPr lang="en-US" sz="4800"/>
+              <a:t> </a:t>
+            </a:r>
+            <a:r>
+              <a:rPr lang="ru-RU" sz="4800" smtClean="0"/>
+              <a:t>Закольцованный мир</a:t>
+            </a:r>
           </a:p>
         </p:txBody>
       </p:sp>
     </p:spTree>
     <p:extLst>
       <p:ext uri="{BB962C8B-B14F-4D97-AF65-F5344CB8AC3E}">
-        <p14:creationId xmlns:p14="http://schemas.microsoft.com/office/powerpoint/2010/main" val="2628118524"/>
+        <p14:creationId xmlns:p14="http://schemas.microsoft.com/office/powerpoint/2010/main" val="2764664819"/>
       </p:ext>
     </p:extLst>
   </p:cSld>
@@ -15853,7 +15845,1084 @@
           <a:p>
             <a:r>
               <a:rPr lang="ru-RU" smtClean="0"/>
-              <a:t>Как на самом деле устроен </a:t>
+              <a:t>Закольцованные указатели</a:t>
+            </a:r>
+            <a:endParaRPr lang="en-US"/>
+          </a:p>
+        </p:txBody>
+      </p:sp>
+      <p:sp>
+        <p:nvSpPr>
+          <p:cNvPr id="3" name="Content Placeholder 2"/>
+          <p:cNvSpPr>
+            <a:spLocks noGrp="1"/>
+          </p:cNvSpPr>
+          <p:nvPr>
+            <p:ph idx="1"/>
+          </p:nvPr>
+        </p:nvSpPr>
+        <p:spPr>
+          <a:xfrm>
+            <a:off x="1143000" y="2057400"/>
+            <a:ext cx="9872871" cy="4270248"/>
+          </a:xfrm>
+        </p:spPr>
+        <p:txBody>
+          <a:bodyPr/>
+          <a:lstStyle/>
+          <a:p>
+            <a:r>
+              <a:rPr lang="ru-RU" smtClean="0"/>
+              <a:t>Главная проблема указателей с совместным владением это возможность циркулярных ссылок</a:t>
+            </a:r>
+          </a:p>
+          <a:p>
+            <a:pPr marL="45720" indent="0">
+              <a:buNone/>
+            </a:pPr>
+            <a:r>
+              <a:rPr lang="en-US" smtClean="0">
+                <a:latin typeface="Consolas" panose="020B0609020204030204" pitchFamily="49" charset="0"/>
+              </a:rPr>
+              <a:t>struct Node {</a:t>
+            </a:r>
+            <a:br>
+              <a:rPr lang="en-US" smtClean="0">
+                <a:latin typeface="Consolas" panose="020B0609020204030204" pitchFamily="49" charset="0"/>
+              </a:rPr>
+            </a:br>
+            <a:r>
+              <a:rPr lang="en-US" smtClean="0">
+                <a:latin typeface="Consolas" panose="020B0609020204030204" pitchFamily="49" charset="0"/>
+              </a:rPr>
+              <a:t>  shared_ptr&lt;Node&gt; parent, left, right;</a:t>
+            </a:r>
+            <a:br>
+              <a:rPr lang="en-US" smtClean="0">
+                <a:latin typeface="Consolas" panose="020B0609020204030204" pitchFamily="49" charset="0"/>
+              </a:rPr>
+            </a:br>
+            <a:r>
+              <a:rPr lang="en-US" smtClean="0">
+                <a:latin typeface="Consolas" panose="020B0609020204030204" pitchFamily="49" charset="0"/>
+              </a:rPr>
+              <a:t>};</a:t>
+            </a:r>
+          </a:p>
+          <a:p>
+            <a:pPr marL="45720" indent="0">
+              <a:buNone/>
+            </a:pPr>
+            <a:r>
+              <a:rPr lang="en-US">
+                <a:latin typeface="Consolas" panose="020B0609020204030204" pitchFamily="49" charset="0"/>
+              </a:rPr>
+              <a:t>{</a:t>
+            </a:r>
+            <a:r>
+              <a:rPr lang="ru-RU" smtClean="0">
+                <a:latin typeface="Consolas" panose="020B0609020204030204" pitchFamily="49" charset="0"/>
+              </a:rPr>
+              <a:t/>
+            </a:r>
+            <a:br>
+              <a:rPr lang="ru-RU" smtClean="0">
+                <a:latin typeface="Consolas" panose="020B0609020204030204" pitchFamily="49" charset="0"/>
+              </a:rPr>
+            </a:br>
+            <a:r>
+              <a:rPr lang="en-US" smtClean="0">
+                <a:latin typeface="Consolas" panose="020B0609020204030204" pitchFamily="49" charset="0"/>
+              </a:rPr>
+              <a:t>  shared_ptr&lt;Node</a:t>
+            </a:r>
+            <a:r>
+              <a:rPr lang="en-US">
+                <a:latin typeface="Consolas" panose="020B0609020204030204" pitchFamily="49" charset="0"/>
+              </a:rPr>
+              <a:t>&gt; </a:t>
+            </a:r>
+            <a:r>
+              <a:rPr lang="en-US" smtClean="0">
+                <a:latin typeface="Consolas" panose="020B0609020204030204" pitchFamily="49" charset="0"/>
+              </a:rPr>
+              <a:t>master </a:t>
+            </a:r>
+            <a:r>
+              <a:rPr lang="en-US">
+                <a:latin typeface="Consolas" panose="020B0609020204030204" pitchFamily="49" charset="0"/>
+              </a:rPr>
+              <a:t>= make_shared&lt;Node</a:t>
+            </a:r>
+            <a:r>
+              <a:rPr lang="en-US" smtClean="0">
+                <a:latin typeface="Consolas" panose="020B0609020204030204" pitchFamily="49" charset="0"/>
+              </a:rPr>
+              <a:t>&gt;(); // </a:t>
+            </a:r>
+            <a:r>
+              <a:rPr lang="ru-RU" smtClean="0">
+                <a:latin typeface="Consolas" panose="020B0609020204030204" pitchFamily="49" charset="0"/>
+              </a:rPr>
+              <a:t>счётчик</a:t>
+            </a:r>
+            <a:r>
+              <a:rPr lang="en-US">
+                <a:latin typeface="Consolas" panose="020B0609020204030204" pitchFamily="49" charset="0"/>
+              </a:rPr>
+              <a:t>:</a:t>
+            </a:r>
+            <a:r>
+              <a:rPr lang="en-US" smtClean="0">
+                <a:latin typeface="Consolas" panose="020B0609020204030204" pitchFamily="49" charset="0"/>
+              </a:rPr>
+              <a:t>1</a:t>
+            </a:r>
+            <a:br>
+              <a:rPr lang="en-US" smtClean="0">
+                <a:latin typeface="Consolas" panose="020B0609020204030204" pitchFamily="49" charset="0"/>
+              </a:rPr>
+            </a:br>
+            <a:r>
+              <a:rPr lang="en-US" smtClean="0">
+                <a:latin typeface="Consolas" panose="020B0609020204030204" pitchFamily="49" charset="0"/>
+              </a:rPr>
+              <a:t>  shared_ptr&lt;Node&gt; slave = make_shared&lt;Node&gt;(); // </a:t>
+            </a:r>
+            <a:r>
+              <a:rPr lang="ru-RU" smtClean="0">
+                <a:latin typeface="Consolas" panose="020B0609020204030204" pitchFamily="49" charset="0"/>
+              </a:rPr>
+              <a:t>счётчик:</a:t>
+            </a:r>
+            <a:r>
+              <a:rPr lang="en-US" smtClean="0">
+                <a:latin typeface="Consolas" panose="020B0609020204030204" pitchFamily="49" charset="0"/>
+              </a:rPr>
+              <a:t>1</a:t>
+            </a:r>
+            <a:br>
+              <a:rPr lang="en-US" smtClean="0">
+                <a:latin typeface="Consolas" panose="020B0609020204030204" pitchFamily="49" charset="0"/>
+              </a:rPr>
+            </a:br>
+            <a:r>
+              <a:rPr lang="en-US" smtClean="0">
+                <a:latin typeface="Consolas" panose="020B0609020204030204" pitchFamily="49" charset="0"/>
+              </a:rPr>
+              <a:t>  slave.parent = master;</a:t>
+            </a:r>
+            <a:r>
+              <a:rPr lang="ru-RU" smtClean="0">
+                <a:latin typeface="Consolas" panose="020B0609020204030204" pitchFamily="49" charset="0"/>
+              </a:rPr>
+              <a:t> </a:t>
+            </a:r>
+            <a:r>
+              <a:rPr lang="en-US" smtClean="0">
+                <a:latin typeface="Consolas" panose="020B0609020204030204" pitchFamily="49" charset="0"/>
+              </a:rPr>
+              <a:t>// </a:t>
+            </a:r>
+            <a:r>
+              <a:rPr lang="ru-RU" smtClean="0">
+                <a:latin typeface="Consolas" panose="020B0609020204030204" pitchFamily="49" charset="0"/>
+              </a:rPr>
+              <a:t>счётчик:2</a:t>
+            </a:r>
+            <a:r>
+              <a:rPr lang="en-US" smtClean="0">
+                <a:latin typeface="Consolas" panose="020B0609020204030204" pitchFamily="49" charset="0"/>
+              </a:rPr>
+              <a:t/>
+            </a:r>
+            <a:br>
+              <a:rPr lang="en-US" smtClean="0">
+                <a:latin typeface="Consolas" panose="020B0609020204030204" pitchFamily="49" charset="0"/>
+              </a:rPr>
+            </a:br>
+            <a:r>
+              <a:rPr lang="en-US" smtClean="0">
+                <a:latin typeface="Consolas" panose="020B0609020204030204" pitchFamily="49" charset="0"/>
+              </a:rPr>
+              <a:t>  master.left = slave;</a:t>
+            </a:r>
+            <a:r>
+              <a:rPr lang="ru-RU" smtClean="0">
+                <a:latin typeface="Consolas" panose="020B0609020204030204" pitchFamily="49" charset="0"/>
+              </a:rPr>
+              <a:t> </a:t>
+            </a:r>
+            <a:r>
+              <a:rPr lang="en-US" smtClean="0">
+                <a:latin typeface="Consolas" panose="020B0609020204030204" pitchFamily="49" charset="0"/>
+              </a:rPr>
+              <a:t>// </a:t>
+            </a:r>
+            <a:r>
+              <a:rPr lang="ru-RU" smtClean="0">
+                <a:latin typeface="Consolas" panose="020B0609020204030204" pitchFamily="49" charset="0"/>
+              </a:rPr>
+              <a:t>счётчик:2</a:t>
+            </a:r>
+            <a:r>
+              <a:rPr lang="en-US" smtClean="0">
+                <a:latin typeface="Consolas" panose="020B0609020204030204" pitchFamily="49" charset="0"/>
+              </a:rPr>
+              <a:t/>
+            </a:r>
+            <a:br>
+              <a:rPr lang="en-US" smtClean="0">
+                <a:latin typeface="Consolas" panose="020B0609020204030204" pitchFamily="49" charset="0"/>
+              </a:rPr>
+            </a:br>
+            <a:r>
+              <a:rPr lang="en-US" smtClean="0">
+                <a:latin typeface="Consolas" panose="020B0609020204030204" pitchFamily="49" charset="0"/>
+              </a:rPr>
+              <a:t>} </a:t>
+            </a:r>
+            <a:r>
+              <a:rPr lang="en-US" smtClean="0">
+                <a:solidFill>
+                  <a:srgbClr val="FF0000"/>
+                </a:solidFill>
+                <a:latin typeface="Consolas" panose="020B0609020204030204" pitchFamily="49" charset="0"/>
+              </a:rPr>
+              <a:t>// LEAK</a:t>
+            </a:r>
+            <a:endParaRPr lang="ru-RU" smtClean="0">
+              <a:solidFill>
+                <a:srgbClr val="FF0000"/>
+              </a:solidFill>
+              <a:latin typeface="Consolas" panose="020B0609020204030204" pitchFamily="49" charset="0"/>
+            </a:endParaRPr>
+          </a:p>
+          <a:p>
+            <a:r>
+              <a:rPr lang="ru-RU" smtClean="0"/>
+              <a:t>Теперь эта сладкая пара не умрёт</a:t>
+            </a:r>
+            <a:r>
+              <a:rPr lang="en-US" smtClean="0"/>
+              <a:t> </a:t>
+            </a:r>
+            <a:r>
+              <a:rPr lang="ru-RU" smtClean="0"/>
+              <a:t>на выходе из области видимости</a:t>
+            </a:r>
+            <a:r>
+              <a:rPr lang="en-US" smtClean="0"/>
+              <a:t>.</a:t>
+            </a:r>
+            <a:endParaRPr lang="en-US"/>
+          </a:p>
+        </p:txBody>
+      </p:sp>
+    </p:spTree>
+    <p:extLst>
+      <p:ext uri="{BB962C8B-B14F-4D97-AF65-F5344CB8AC3E}">
+        <p14:creationId xmlns:p14="http://schemas.microsoft.com/office/powerpoint/2010/main" val="2811232442"/>
+      </p:ext>
+    </p:extLst>
+  </p:cSld>
+  <p:clrMapOvr>
+    <a:masterClrMapping/>
+  </p:clrMapOvr>
+</p:sld>
+</file>
+
+<file path=ppt/slides/slide55.xml><?xml version="1.0" encoding="utf-8"?>
+<p:sld xmlns:a="http://schemas.openxmlformats.org/drawingml/2006/main" xmlns:r="http://schemas.openxmlformats.org/officeDocument/2006/relationships" xmlns:p="http://schemas.openxmlformats.org/presentationml/2006/main">
+  <p:cSld>
+    <p:spTree>
+      <p:nvGrpSpPr>
+        <p:cNvPr id="1" name=""/>
+        <p:cNvGrpSpPr/>
+        <p:nvPr/>
+      </p:nvGrpSpPr>
+      <p:grpSpPr>
+        <a:xfrm>
+          <a:off x="0" y="0"/>
+          <a:ext cx="0" cy="0"/>
+          <a:chOff x="0" y="0"/>
+          <a:chExt cx="0" cy="0"/>
+        </a:xfrm>
+      </p:grpSpPr>
+      <p:sp>
+        <p:nvSpPr>
+          <p:cNvPr id="2" name="Title 1"/>
+          <p:cNvSpPr>
+            <a:spLocks noGrp="1"/>
+          </p:cNvSpPr>
+          <p:nvPr>
+            <p:ph type="title"/>
+          </p:nvPr>
+        </p:nvSpPr>
+        <p:spPr/>
+        <p:txBody>
+          <a:bodyPr/>
+          <a:lstStyle/>
+          <a:p>
+            <a:r>
+              <a:rPr lang="ru-RU" smtClean="0"/>
+              <a:t>Решение: слабые указатели</a:t>
+            </a:r>
+            <a:endParaRPr lang="en-US"/>
+          </a:p>
+        </p:txBody>
+      </p:sp>
+      <p:sp>
+        <p:nvSpPr>
+          <p:cNvPr id="3" name="Content Placeholder 2"/>
+          <p:cNvSpPr>
+            <a:spLocks noGrp="1"/>
+          </p:cNvSpPr>
+          <p:nvPr>
+            <p:ph idx="1"/>
+          </p:nvPr>
+        </p:nvSpPr>
+        <p:spPr>
+          <a:xfrm>
+            <a:off x="1143000" y="2057400"/>
+            <a:ext cx="9872871" cy="4270248"/>
+          </a:xfrm>
+        </p:spPr>
+        <p:txBody>
+          <a:bodyPr/>
+          <a:lstStyle/>
+          <a:p>
+            <a:r>
+              <a:rPr lang="ru-RU" smtClean="0"/>
+              <a:t>Слабый указатель не владеет объектом, на который указывает</a:t>
+            </a:r>
+          </a:p>
+          <a:p>
+            <a:pPr marL="45720" indent="0">
+              <a:buNone/>
+            </a:pPr>
+            <a:r>
+              <a:rPr lang="en-US" smtClean="0">
+                <a:latin typeface="Consolas" panose="020B0609020204030204" pitchFamily="49" charset="0"/>
+              </a:rPr>
+              <a:t>struct Node {</a:t>
+            </a:r>
+            <a:br>
+              <a:rPr lang="en-US" smtClean="0">
+                <a:latin typeface="Consolas" panose="020B0609020204030204" pitchFamily="49" charset="0"/>
+              </a:rPr>
+            </a:br>
+            <a:r>
+              <a:rPr lang="en-US" smtClean="0">
+                <a:latin typeface="Consolas" panose="020B0609020204030204" pitchFamily="49" charset="0"/>
+              </a:rPr>
+              <a:t>  weak_ptr&lt;Node&gt; parent</a:t>
+            </a:r>
+            <a:r>
+              <a:rPr lang="ru-RU" smtClean="0">
+                <a:latin typeface="Consolas" panose="020B0609020204030204" pitchFamily="49" charset="0"/>
+              </a:rPr>
+              <a:t/>
+            </a:r>
+            <a:br>
+              <a:rPr lang="ru-RU" smtClean="0">
+                <a:latin typeface="Consolas" panose="020B0609020204030204" pitchFamily="49" charset="0"/>
+              </a:rPr>
+            </a:br>
+            <a:r>
+              <a:rPr lang="ru-RU" smtClean="0">
+                <a:latin typeface="Consolas" panose="020B0609020204030204" pitchFamily="49" charset="0"/>
+              </a:rPr>
+              <a:t> </a:t>
+            </a:r>
+            <a:r>
+              <a:rPr lang="en-US" smtClean="0">
+                <a:latin typeface="Consolas" panose="020B0609020204030204" pitchFamily="49" charset="0"/>
+              </a:rPr>
+              <a:t> shared_ptr&lt;Node</a:t>
+            </a:r>
+            <a:r>
+              <a:rPr lang="en-US">
+                <a:latin typeface="Consolas" panose="020B0609020204030204" pitchFamily="49" charset="0"/>
+              </a:rPr>
+              <a:t>&gt; </a:t>
+            </a:r>
+            <a:r>
+              <a:rPr lang="en-US" smtClean="0">
+                <a:latin typeface="Consolas" panose="020B0609020204030204" pitchFamily="49" charset="0"/>
+              </a:rPr>
+              <a:t>left, right;</a:t>
+            </a:r>
+            <a:br>
+              <a:rPr lang="en-US" smtClean="0">
+                <a:latin typeface="Consolas" panose="020B0609020204030204" pitchFamily="49" charset="0"/>
+              </a:rPr>
+            </a:br>
+            <a:r>
+              <a:rPr lang="en-US" smtClean="0">
+                <a:latin typeface="Consolas" panose="020B0609020204030204" pitchFamily="49" charset="0"/>
+              </a:rPr>
+              <a:t>};</a:t>
+            </a:r>
+          </a:p>
+          <a:p>
+            <a:pPr marL="45720" indent="0">
+              <a:buNone/>
+            </a:pPr>
+            <a:r>
+              <a:rPr lang="en-US">
+                <a:latin typeface="Consolas" panose="020B0609020204030204" pitchFamily="49" charset="0"/>
+              </a:rPr>
+              <a:t>{</a:t>
+            </a:r>
+            <a:r>
+              <a:rPr lang="ru-RU" smtClean="0">
+                <a:latin typeface="Consolas" panose="020B0609020204030204" pitchFamily="49" charset="0"/>
+              </a:rPr>
+              <a:t/>
+            </a:r>
+            <a:br>
+              <a:rPr lang="ru-RU" smtClean="0">
+                <a:latin typeface="Consolas" panose="020B0609020204030204" pitchFamily="49" charset="0"/>
+              </a:rPr>
+            </a:br>
+            <a:r>
+              <a:rPr lang="en-US" smtClean="0">
+                <a:latin typeface="Consolas" panose="020B0609020204030204" pitchFamily="49" charset="0"/>
+              </a:rPr>
+              <a:t>  shared_ptr&lt;Node</a:t>
+            </a:r>
+            <a:r>
+              <a:rPr lang="en-US">
+                <a:latin typeface="Consolas" panose="020B0609020204030204" pitchFamily="49" charset="0"/>
+              </a:rPr>
+              <a:t>&gt; </a:t>
+            </a:r>
+            <a:r>
+              <a:rPr lang="en-US" smtClean="0">
+                <a:latin typeface="Consolas" panose="020B0609020204030204" pitchFamily="49" charset="0"/>
+              </a:rPr>
+              <a:t>master </a:t>
+            </a:r>
+            <a:r>
+              <a:rPr lang="en-US">
+                <a:latin typeface="Consolas" panose="020B0609020204030204" pitchFamily="49" charset="0"/>
+              </a:rPr>
+              <a:t>= make_shared&lt;Node</a:t>
+            </a:r>
+            <a:r>
+              <a:rPr lang="en-US" smtClean="0">
+                <a:latin typeface="Consolas" panose="020B0609020204030204" pitchFamily="49" charset="0"/>
+              </a:rPr>
+              <a:t>&gt;(); // </a:t>
+            </a:r>
+            <a:r>
+              <a:rPr lang="ru-RU" smtClean="0">
+                <a:latin typeface="Consolas" panose="020B0609020204030204" pitchFamily="49" charset="0"/>
+              </a:rPr>
+              <a:t>счётчик</a:t>
+            </a:r>
+            <a:r>
+              <a:rPr lang="en-US">
+                <a:latin typeface="Consolas" panose="020B0609020204030204" pitchFamily="49" charset="0"/>
+              </a:rPr>
+              <a:t>:</a:t>
+            </a:r>
+            <a:r>
+              <a:rPr lang="en-US" smtClean="0">
+                <a:latin typeface="Consolas" panose="020B0609020204030204" pitchFamily="49" charset="0"/>
+              </a:rPr>
+              <a:t>1</a:t>
+            </a:r>
+            <a:br>
+              <a:rPr lang="en-US" smtClean="0">
+                <a:latin typeface="Consolas" panose="020B0609020204030204" pitchFamily="49" charset="0"/>
+              </a:rPr>
+            </a:br>
+            <a:r>
+              <a:rPr lang="en-US" smtClean="0">
+                <a:latin typeface="Consolas" panose="020B0609020204030204" pitchFamily="49" charset="0"/>
+              </a:rPr>
+              <a:t>  shared_ptr&lt;Node&gt; slave = make_shared&lt;Node&gt;(); // </a:t>
+            </a:r>
+            <a:r>
+              <a:rPr lang="ru-RU" smtClean="0">
+                <a:latin typeface="Consolas" panose="020B0609020204030204" pitchFamily="49" charset="0"/>
+              </a:rPr>
+              <a:t>счётчик:</a:t>
+            </a:r>
+            <a:r>
+              <a:rPr lang="en-US" smtClean="0">
+                <a:latin typeface="Consolas" panose="020B0609020204030204" pitchFamily="49" charset="0"/>
+              </a:rPr>
+              <a:t>1</a:t>
+            </a:r>
+            <a:br>
+              <a:rPr lang="en-US" smtClean="0">
+                <a:latin typeface="Consolas" panose="020B0609020204030204" pitchFamily="49" charset="0"/>
+              </a:rPr>
+            </a:br>
+            <a:r>
+              <a:rPr lang="en-US" smtClean="0">
+                <a:latin typeface="Consolas" panose="020B0609020204030204" pitchFamily="49" charset="0"/>
+              </a:rPr>
+              <a:t>  slave.parent = master;</a:t>
+            </a:r>
+            <a:r>
+              <a:rPr lang="ru-RU" smtClean="0">
+                <a:latin typeface="Consolas" panose="020B0609020204030204" pitchFamily="49" charset="0"/>
+              </a:rPr>
+              <a:t> </a:t>
+            </a:r>
+            <a:r>
+              <a:rPr lang="en-US" smtClean="0">
+                <a:solidFill>
+                  <a:srgbClr val="0000FF"/>
+                </a:solidFill>
+                <a:latin typeface="Consolas" panose="020B0609020204030204" pitchFamily="49" charset="0"/>
+              </a:rPr>
+              <a:t>// </a:t>
+            </a:r>
+            <a:r>
+              <a:rPr lang="ru-RU" smtClean="0">
+                <a:solidFill>
+                  <a:srgbClr val="0000FF"/>
+                </a:solidFill>
+                <a:latin typeface="Consolas" panose="020B0609020204030204" pitchFamily="49" charset="0"/>
+              </a:rPr>
+              <a:t>счётчик:</a:t>
+            </a:r>
+            <a:r>
+              <a:rPr lang="en-US" smtClean="0">
+                <a:solidFill>
+                  <a:srgbClr val="0000FF"/>
+                </a:solidFill>
+                <a:latin typeface="Consolas" panose="020B0609020204030204" pitchFamily="49" charset="0"/>
+              </a:rPr>
+              <a:t>1</a:t>
+            </a:r>
+            <a:r>
+              <a:rPr lang="en-US" smtClean="0">
+                <a:latin typeface="Consolas" panose="020B0609020204030204" pitchFamily="49" charset="0"/>
+              </a:rPr>
+              <a:t/>
+            </a:r>
+            <a:br>
+              <a:rPr lang="en-US" smtClean="0">
+                <a:latin typeface="Consolas" panose="020B0609020204030204" pitchFamily="49" charset="0"/>
+              </a:rPr>
+            </a:br>
+            <a:r>
+              <a:rPr lang="en-US" smtClean="0">
+                <a:latin typeface="Consolas" panose="020B0609020204030204" pitchFamily="49" charset="0"/>
+              </a:rPr>
+              <a:t>  master.left = slave;</a:t>
+            </a:r>
+            <a:r>
+              <a:rPr lang="ru-RU" smtClean="0">
+                <a:latin typeface="Consolas" panose="020B0609020204030204" pitchFamily="49" charset="0"/>
+              </a:rPr>
+              <a:t> </a:t>
+            </a:r>
+            <a:r>
+              <a:rPr lang="en-US" smtClean="0">
+                <a:latin typeface="Consolas" panose="020B0609020204030204" pitchFamily="49" charset="0"/>
+              </a:rPr>
+              <a:t>// </a:t>
+            </a:r>
+            <a:r>
+              <a:rPr lang="ru-RU" smtClean="0">
+                <a:latin typeface="Consolas" panose="020B0609020204030204" pitchFamily="49" charset="0"/>
+              </a:rPr>
+              <a:t>счётчик:2</a:t>
+            </a:r>
+            <a:r>
+              <a:rPr lang="en-US" smtClean="0">
+                <a:latin typeface="Consolas" panose="020B0609020204030204" pitchFamily="49" charset="0"/>
+              </a:rPr>
+              <a:t/>
+            </a:r>
+            <a:br>
+              <a:rPr lang="en-US" smtClean="0">
+                <a:latin typeface="Consolas" panose="020B0609020204030204" pitchFamily="49" charset="0"/>
+              </a:rPr>
+            </a:br>
+            <a:r>
+              <a:rPr lang="en-US" smtClean="0">
+                <a:latin typeface="Consolas" panose="020B0609020204030204" pitchFamily="49" charset="0"/>
+              </a:rPr>
+              <a:t>} </a:t>
+            </a:r>
+            <a:r>
+              <a:rPr lang="en-US" smtClean="0">
+                <a:solidFill>
+                  <a:srgbClr val="0000FF"/>
+                </a:solidFill>
+                <a:latin typeface="Consolas" panose="020B0609020204030204" pitchFamily="49" charset="0"/>
+              </a:rPr>
+              <a:t>// OK, </a:t>
+            </a:r>
+            <a:r>
+              <a:rPr lang="ru-RU" smtClean="0">
+                <a:solidFill>
+                  <a:srgbClr val="0000FF"/>
+                </a:solidFill>
+                <a:latin typeface="Consolas" panose="020B0609020204030204" pitchFamily="49" charset="0"/>
+              </a:rPr>
+              <a:t>уничтожен </a:t>
+            </a:r>
+            <a:r>
+              <a:rPr lang="en-US" smtClean="0">
+                <a:solidFill>
+                  <a:srgbClr val="0000FF"/>
+                </a:solidFill>
+                <a:latin typeface="Consolas" panose="020B0609020204030204" pitchFamily="49" charset="0"/>
+              </a:rPr>
+              <a:t>master, </a:t>
+            </a:r>
+            <a:r>
+              <a:rPr lang="ru-RU" smtClean="0">
+                <a:solidFill>
+                  <a:srgbClr val="0000FF"/>
+                </a:solidFill>
+                <a:latin typeface="Consolas" panose="020B0609020204030204" pitchFamily="49" charset="0"/>
+              </a:rPr>
+              <a:t>после чего </a:t>
+            </a:r>
+            <a:r>
+              <a:rPr lang="en-US" smtClean="0">
+                <a:solidFill>
+                  <a:srgbClr val="0000FF"/>
+                </a:solidFill>
+                <a:latin typeface="Consolas" panose="020B0609020204030204" pitchFamily="49" charset="0"/>
+              </a:rPr>
+              <a:t>slave</a:t>
+            </a:r>
+            <a:endParaRPr lang="ru-RU" smtClean="0">
+              <a:solidFill>
+                <a:srgbClr val="0000FF"/>
+              </a:solidFill>
+              <a:latin typeface="Consolas" panose="020B0609020204030204" pitchFamily="49" charset="0"/>
+            </a:endParaRPr>
+          </a:p>
+          <a:p>
+            <a:r>
+              <a:rPr lang="ru-RU" smtClean="0"/>
+              <a:t>Теперь всё хорошо за счёт слабого владения</a:t>
+            </a:r>
+            <a:endParaRPr lang="en-US"/>
+          </a:p>
+        </p:txBody>
+      </p:sp>
+    </p:spTree>
+    <p:extLst>
+      <p:ext uri="{BB962C8B-B14F-4D97-AF65-F5344CB8AC3E}">
+        <p14:creationId xmlns:p14="http://schemas.microsoft.com/office/powerpoint/2010/main" val="2496597853"/>
+      </p:ext>
+    </p:extLst>
+  </p:cSld>
+  <p:clrMapOvr>
+    <a:masterClrMapping/>
+  </p:clrMapOvr>
+</p:sld>
+</file>
+
+<file path=ppt/slides/slide56.xml><?xml version="1.0" encoding="utf-8"?>
+<p:sld xmlns:a="http://schemas.openxmlformats.org/drawingml/2006/main" xmlns:r="http://schemas.openxmlformats.org/officeDocument/2006/relationships" xmlns:p="http://schemas.openxmlformats.org/presentationml/2006/main">
+  <p:cSld>
+    <p:spTree>
+      <p:nvGrpSpPr>
+        <p:cNvPr id="1" name=""/>
+        <p:cNvGrpSpPr/>
+        <p:nvPr/>
+      </p:nvGrpSpPr>
+      <p:grpSpPr>
+        <a:xfrm>
+          <a:off x="0" y="0"/>
+          <a:ext cx="0" cy="0"/>
+          <a:chOff x="0" y="0"/>
+          <a:chExt cx="0" cy="0"/>
+        </a:xfrm>
+      </p:grpSpPr>
+      <p:sp>
+        <p:nvSpPr>
+          <p:cNvPr id="2" name="Title 1"/>
+          <p:cNvSpPr>
+            <a:spLocks noGrp="1"/>
+          </p:cNvSpPr>
+          <p:nvPr>
+            <p:ph type="title"/>
+          </p:nvPr>
+        </p:nvSpPr>
+        <p:spPr/>
+        <p:txBody>
+          <a:bodyPr/>
+          <a:lstStyle/>
+          <a:p>
+            <a:r>
+              <a:rPr lang="ru-RU" smtClean="0"/>
+              <a:t>Слабый указатель нельзя разыменовать</a:t>
+            </a:r>
+            <a:endParaRPr lang="en-US"/>
+          </a:p>
+        </p:txBody>
+      </p:sp>
+      <p:sp>
+        <p:nvSpPr>
+          <p:cNvPr id="3" name="Content Placeholder 2"/>
+          <p:cNvSpPr>
+            <a:spLocks noGrp="1"/>
+          </p:cNvSpPr>
+          <p:nvPr>
+            <p:ph idx="1"/>
+          </p:nvPr>
+        </p:nvSpPr>
+        <p:spPr/>
+        <p:txBody>
+          <a:bodyPr/>
+          <a:lstStyle/>
+          <a:p>
+            <a:r>
+              <a:rPr lang="ru-RU" smtClean="0"/>
+              <a:t>Простое разыменование не сработает</a:t>
+            </a:r>
+          </a:p>
+          <a:p>
+            <a:pPr marL="45720" indent="0">
+              <a:buNone/>
+            </a:pPr>
+            <a:r>
+              <a:rPr lang="en-US" smtClean="0">
+                <a:latin typeface="Consolas" panose="020B0609020204030204" pitchFamily="49" charset="0"/>
+              </a:rPr>
+              <a:t>auto t = make_shared&lt;int&gt;(42);</a:t>
+            </a:r>
+            <a:br>
+              <a:rPr lang="en-US" smtClean="0">
+                <a:latin typeface="Consolas" panose="020B0609020204030204" pitchFamily="49" charset="0"/>
+              </a:rPr>
+            </a:br>
+            <a:r>
+              <a:rPr lang="en-US" smtClean="0">
+                <a:latin typeface="Consolas" panose="020B0609020204030204" pitchFamily="49" charset="0"/>
+              </a:rPr>
+              <a:t>weak_ptr&lt;int&gt; w = t;</a:t>
+            </a:r>
+            <a:br>
+              <a:rPr lang="en-US" smtClean="0">
+                <a:latin typeface="Consolas" panose="020B0609020204030204" pitchFamily="49" charset="0"/>
+              </a:rPr>
+            </a:br>
+            <a:r>
+              <a:rPr lang="en-US" smtClean="0">
+                <a:latin typeface="Consolas" panose="020B0609020204030204" pitchFamily="49" charset="0"/>
+              </a:rPr>
+              <a:t>int xt = *t; // ok</a:t>
+            </a:r>
+            <a:br>
+              <a:rPr lang="en-US" smtClean="0">
+                <a:latin typeface="Consolas" panose="020B0609020204030204" pitchFamily="49" charset="0"/>
+              </a:rPr>
+            </a:br>
+            <a:r>
+              <a:rPr lang="en-US" smtClean="0">
+                <a:latin typeface="Consolas" panose="020B0609020204030204" pitchFamily="49" charset="0"/>
+              </a:rPr>
+              <a:t>// </a:t>
+            </a:r>
+            <a:r>
+              <a:rPr lang="ru-RU" smtClean="0">
+                <a:latin typeface="Consolas" panose="020B0609020204030204" pitchFamily="49" charset="0"/>
+              </a:rPr>
+              <a:t>сделать</a:t>
+            </a:r>
+            <a:r>
+              <a:rPr lang="en-US" smtClean="0">
+                <a:latin typeface="Consolas" panose="020B0609020204030204" pitchFamily="49" charset="0"/>
+              </a:rPr>
+              <a:t> int xw =</a:t>
+            </a:r>
+            <a:r>
+              <a:rPr lang="ru-RU" smtClean="0">
+                <a:latin typeface="Consolas" panose="020B0609020204030204" pitchFamily="49" charset="0"/>
+              </a:rPr>
+              <a:t> </a:t>
+            </a:r>
+            <a:r>
+              <a:rPr lang="en-US" smtClean="0">
+                <a:latin typeface="Consolas" panose="020B0609020204030204" pitchFamily="49" charset="0"/>
+              </a:rPr>
+              <a:t>*w</a:t>
+            </a:r>
+            <a:r>
+              <a:rPr lang="ru-RU" smtClean="0">
+                <a:latin typeface="Consolas" panose="020B0609020204030204" pitchFamily="49" charset="0"/>
+              </a:rPr>
+              <a:t> нельзя</a:t>
+            </a:r>
+          </a:p>
+          <a:p>
+            <a:r>
+              <a:rPr lang="ru-RU" smtClean="0"/>
+              <a:t>Зато его можно превратить в сильный указатель и потом разыменовать</a:t>
+            </a:r>
+          </a:p>
+          <a:p>
+            <a:pPr marL="45720" indent="0">
+              <a:buNone/>
+            </a:pPr>
+            <a:r>
+              <a:rPr lang="en-US" smtClean="0">
+                <a:latin typeface="Consolas" panose="020B0609020204030204" pitchFamily="49" charset="0"/>
+              </a:rPr>
+              <a:t>auto tprime = w.lock();</a:t>
+            </a:r>
+            <a:br>
+              <a:rPr lang="en-US" smtClean="0">
+                <a:latin typeface="Consolas" panose="020B0609020204030204" pitchFamily="49" charset="0"/>
+              </a:rPr>
+            </a:br>
+            <a:r>
+              <a:rPr lang="en-US" smtClean="0">
+                <a:latin typeface="Consolas" panose="020B0609020204030204" pitchFamily="49" charset="0"/>
+              </a:rPr>
+              <a:t>int xtp = *tprime;</a:t>
+            </a:r>
+            <a:endParaRPr lang="ru-RU">
+              <a:latin typeface="Consolas" panose="020B0609020204030204" pitchFamily="49" charset="0"/>
+            </a:endParaRPr>
+          </a:p>
+          <a:p>
+            <a:r>
+              <a:rPr lang="ru-RU" smtClean="0"/>
+              <a:t>Защёлкивание не вовремя может создать те же проблемы циклической ссылки, но они более контролируемы</a:t>
+            </a:r>
+            <a:endParaRPr lang="en-US"/>
+          </a:p>
+        </p:txBody>
+      </p:sp>
+    </p:spTree>
+    <p:extLst>
+      <p:ext uri="{BB962C8B-B14F-4D97-AF65-F5344CB8AC3E}">
+        <p14:creationId xmlns:p14="http://schemas.microsoft.com/office/powerpoint/2010/main" val="193473503"/>
+      </p:ext>
+    </p:extLst>
+  </p:cSld>
+  <p:clrMapOvr>
+    <a:masterClrMapping/>
+  </p:clrMapOvr>
+</p:sld>
+</file>
+
+<file path=ppt/slides/slide57.xml><?xml version="1.0" encoding="utf-8"?>
+<p:sld xmlns:a="http://schemas.openxmlformats.org/drawingml/2006/main" xmlns:r="http://schemas.openxmlformats.org/officeDocument/2006/relationships" xmlns:p="http://schemas.openxmlformats.org/presentationml/2006/main">
+  <p:cSld>
+    <p:spTree>
+      <p:nvGrpSpPr>
+        <p:cNvPr id="1" name=""/>
+        <p:cNvGrpSpPr/>
+        <p:nvPr/>
+      </p:nvGrpSpPr>
+      <p:grpSpPr>
+        <a:xfrm>
+          <a:off x="0" y="0"/>
+          <a:ext cx="0" cy="0"/>
+          <a:chOff x="0" y="0"/>
+          <a:chExt cx="0" cy="0"/>
+        </a:xfrm>
+      </p:grpSpPr>
+      <p:sp>
+        <p:nvSpPr>
+          <p:cNvPr id="2" name="Title 1"/>
+          <p:cNvSpPr>
+            <a:spLocks noGrp="1"/>
+          </p:cNvSpPr>
+          <p:nvPr>
+            <p:ph type="title"/>
+          </p:nvPr>
+        </p:nvSpPr>
+        <p:spPr/>
+        <p:txBody>
+          <a:bodyPr/>
+          <a:lstStyle/>
+          <a:p>
+            <a:r>
+              <a:rPr lang="ru-RU" smtClean="0"/>
+              <a:t>Слабый указатель не может повиснуть</a:t>
+            </a:r>
+            <a:endParaRPr lang="en-US"/>
+          </a:p>
+        </p:txBody>
+      </p:sp>
+      <p:sp>
+        <p:nvSpPr>
+          <p:cNvPr id="3" name="Content Placeholder 2"/>
+          <p:cNvSpPr>
+            <a:spLocks noGrp="1"/>
+          </p:cNvSpPr>
+          <p:nvPr>
+            <p:ph idx="1"/>
+          </p:nvPr>
+        </p:nvSpPr>
+        <p:spPr/>
+        <p:txBody>
+          <a:bodyPr/>
+          <a:lstStyle/>
+          <a:p>
+            <a:r>
+              <a:rPr lang="ru-RU" smtClean="0"/>
+              <a:t>Зато он может закончится. Типичный случай, приводящий к подвисанию обычных указателей</a:t>
+            </a:r>
+          </a:p>
+          <a:p>
+            <a:pPr marL="45720" indent="0">
+              <a:buNone/>
+            </a:pPr>
+            <a:r>
+              <a:rPr lang="en-US" smtClean="0">
+                <a:latin typeface="Consolas" panose="020B0609020204030204" pitchFamily="49" charset="0"/>
+              </a:rPr>
+              <a:t>weak_ptr&lt;int&gt; foo () {</a:t>
+            </a:r>
+            <a:br>
+              <a:rPr lang="en-US" smtClean="0">
+                <a:latin typeface="Consolas" panose="020B0609020204030204" pitchFamily="49" charset="0"/>
+              </a:rPr>
+            </a:br>
+            <a:r>
+              <a:rPr lang="en-US" smtClean="0">
+                <a:latin typeface="Consolas" panose="020B0609020204030204" pitchFamily="49" charset="0"/>
+              </a:rPr>
+              <a:t>  auto res = make_shared&lt;int&gt;(42);</a:t>
+            </a:r>
+            <a:br>
+              <a:rPr lang="en-US" smtClean="0">
+                <a:latin typeface="Consolas" panose="020B0609020204030204" pitchFamily="49" charset="0"/>
+              </a:rPr>
+            </a:br>
+            <a:r>
+              <a:rPr lang="en-US" smtClean="0">
+                <a:latin typeface="Consolas" panose="020B0609020204030204" pitchFamily="49" charset="0"/>
+              </a:rPr>
+              <a:t>  return res;</a:t>
+            </a:r>
+            <a:br>
+              <a:rPr lang="en-US" smtClean="0">
+                <a:latin typeface="Consolas" panose="020B0609020204030204" pitchFamily="49" charset="0"/>
+              </a:rPr>
+            </a:br>
+            <a:r>
+              <a:rPr lang="en-US" smtClean="0">
+                <a:latin typeface="Consolas" panose="020B0609020204030204" pitchFamily="49" charset="0"/>
+              </a:rPr>
+              <a:t>} // </a:t>
+            </a:r>
+            <a:r>
+              <a:rPr lang="ru-RU" smtClean="0">
+                <a:latin typeface="Consolas" panose="020B0609020204030204" pitchFamily="49" charset="0"/>
+              </a:rPr>
+              <a:t>в этот момент память была освобождена</a:t>
+            </a:r>
+            <a:endParaRPr lang="en-US" smtClean="0">
+              <a:latin typeface="Consolas" panose="020B0609020204030204" pitchFamily="49" charset="0"/>
+            </a:endParaRPr>
+          </a:p>
+          <a:p>
+            <a:pPr marL="45720" indent="0">
+              <a:buNone/>
+            </a:pPr>
+            <a:r>
+              <a:rPr lang="en-US" smtClean="0">
+                <a:latin typeface="Consolas" panose="020B0609020204030204" pitchFamily="49" charset="0"/>
+              </a:rPr>
+              <a:t>weak_ptr&lt;int&gt; result = foo();</a:t>
+            </a:r>
+            <a:br>
+              <a:rPr lang="en-US" smtClean="0">
+                <a:latin typeface="Consolas" panose="020B0609020204030204" pitchFamily="49" charset="0"/>
+              </a:rPr>
+            </a:br>
+            <a:r>
+              <a:rPr lang="en-US" smtClean="0">
+                <a:latin typeface="Consolas" panose="020B0609020204030204" pitchFamily="49" charset="0"/>
+              </a:rPr>
+              <a:t>assert (result.expired());</a:t>
+            </a:r>
+            <a:r>
+              <a:rPr lang="en-US">
+                <a:latin typeface="Consolas" panose="020B0609020204030204" pitchFamily="49" charset="0"/>
+              </a:rPr>
+              <a:t/>
+            </a:r>
+            <a:br>
+              <a:rPr lang="en-US">
+                <a:latin typeface="Consolas" panose="020B0609020204030204" pitchFamily="49" charset="0"/>
+              </a:rPr>
+            </a:br>
+            <a:r>
+              <a:rPr lang="en-US" smtClean="0">
+                <a:latin typeface="Consolas" panose="020B0609020204030204" pitchFamily="49" charset="0"/>
+              </a:rPr>
+              <a:t>assert (result.lock() == nullptr);</a:t>
+            </a:r>
+          </a:p>
+          <a:p>
+            <a:r>
+              <a:rPr lang="ru-RU" smtClean="0"/>
+              <a:t>Это создаёт возможность контроля валидности состояния слабых указателей</a:t>
+            </a:r>
+            <a:endParaRPr lang="en-US" smtClean="0"/>
+          </a:p>
+        </p:txBody>
+      </p:sp>
+    </p:spTree>
+    <p:extLst>
+      <p:ext uri="{BB962C8B-B14F-4D97-AF65-F5344CB8AC3E}">
+        <p14:creationId xmlns:p14="http://schemas.microsoft.com/office/powerpoint/2010/main" val="2628118524"/>
+      </p:ext>
+    </p:extLst>
+  </p:cSld>
+  <p:clrMapOvr>
+    <a:masterClrMapping/>
+  </p:clrMapOvr>
+</p:sld>
+</file>
+
+<file path=ppt/slides/slide58.xml><?xml version="1.0" encoding="utf-8"?>
+<p:sld xmlns:a="http://schemas.openxmlformats.org/drawingml/2006/main" xmlns:r="http://schemas.openxmlformats.org/officeDocument/2006/relationships" xmlns:p="http://schemas.openxmlformats.org/presentationml/2006/main">
+  <p:cSld>
+    <p:spTree>
+      <p:nvGrpSpPr>
+        <p:cNvPr id="1" name=""/>
+        <p:cNvGrpSpPr/>
+        <p:nvPr/>
+      </p:nvGrpSpPr>
+      <p:grpSpPr>
+        <a:xfrm>
+          <a:off x="0" y="0"/>
+          <a:ext cx="0" cy="0"/>
+          <a:chOff x="0" y="0"/>
+          <a:chExt cx="0" cy="0"/>
+        </a:xfrm>
+      </p:grpSpPr>
+      <p:sp>
+        <p:nvSpPr>
+          <p:cNvPr id="2" name="Title 1"/>
+          <p:cNvSpPr>
+            <a:spLocks noGrp="1"/>
+          </p:cNvSpPr>
+          <p:nvPr>
+            <p:ph type="title"/>
+          </p:nvPr>
+        </p:nvSpPr>
+        <p:spPr/>
+        <p:txBody>
+          <a:bodyPr/>
+          <a:lstStyle/>
+          <a:p>
+            <a:r>
+              <a:rPr lang="ru-RU" smtClean="0"/>
+              <a:t>Как может быть устроен </a:t>
             </a:r>
             <a:r>
               <a:rPr lang="en-US" smtClean="0"/>
@@ -16752,7 +17821,7 @@
 </p:sld>
 </file>
 
-<file path=ppt/slides/slide55.xml><?xml version="1.0" encoding="utf-8"?>
+<file path=ppt/slides/slide59.xml><?xml version="1.0" encoding="utf-8"?>
 <p:sld xmlns:a="http://schemas.openxmlformats.org/drawingml/2006/main" xmlns:r="http://schemas.openxmlformats.org/officeDocument/2006/relationships" xmlns:p="http://schemas.openxmlformats.org/presentationml/2006/main">
   <p:cSld>
     <p:spTree>
@@ -16786,7 +17855,7 @@
           <a:p>
             <a:r>
               <a:rPr lang="ru-RU" smtClean="0"/>
-              <a:t>Как на самом деле устроен </a:t>
+              <a:t>Как может быть устроен </a:t>
             </a:r>
             <a:r>
               <a:rPr lang="en-US" smtClean="0"/>
@@ -17417,7 +18486,1016 @@
 </p:sld>
 </file>
 
-<file path=ppt/slides/slide56.xml><?xml version="1.0" encoding="utf-8"?>
+<file path=ppt/slides/slide6.xml><?xml version="1.0" encoding="utf-8"?>
+<p:sld xmlns:a="http://schemas.openxmlformats.org/drawingml/2006/main" xmlns:r="http://schemas.openxmlformats.org/officeDocument/2006/relationships" xmlns:p="http://schemas.openxmlformats.org/presentationml/2006/main">
+  <p:cSld>
+    <p:spTree>
+      <p:nvGrpSpPr>
+        <p:cNvPr id="1" name=""/>
+        <p:cNvGrpSpPr/>
+        <p:nvPr/>
+      </p:nvGrpSpPr>
+      <p:grpSpPr>
+        <a:xfrm>
+          <a:off x="0" y="0"/>
+          <a:ext cx="0" cy="0"/>
+          <a:chOff x="0" y="0"/>
+          <a:chExt cx="0" cy="0"/>
+        </a:xfrm>
+      </p:grpSpPr>
+      <p:sp>
+        <p:nvSpPr>
+          <p:cNvPr id="2" name="Title 1"/>
+          <p:cNvSpPr>
+            <a:spLocks noGrp="1"/>
+          </p:cNvSpPr>
+          <p:nvPr>
+            <p:ph type="title"/>
+          </p:nvPr>
+        </p:nvSpPr>
+        <p:spPr/>
+        <p:txBody>
+          <a:bodyPr/>
+          <a:lstStyle/>
+          <a:p>
+            <a:r>
+              <a:rPr lang="en-US" smtClean="0"/>
+              <a:t>RAII: </a:t>
+            </a:r>
+            <a:r>
+              <a:rPr lang="ru-RU" smtClean="0"/>
+              <a:t>проблема двойного владения</a:t>
+            </a:r>
+            <a:endParaRPr lang="en-US"/>
+          </a:p>
+        </p:txBody>
+      </p:sp>
+      <p:sp>
+        <p:nvSpPr>
+          <p:cNvPr id="3" name="Content Placeholder 2"/>
+          <p:cNvSpPr>
+            <a:spLocks noGrp="1"/>
+          </p:cNvSpPr>
+          <p:nvPr>
+            <p:ph idx="1"/>
+          </p:nvPr>
+        </p:nvSpPr>
+        <p:spPr>
+          <a:xfrm>
+            <a:off x="7644714" y="1965960"/>
+            <a:ext cx="4151869" cy="1716354"/>
+          </a:xfrm>
+        </p:spPr>
+        <p:txBody>
+          <a:bodyPr>
+            <a:normAutofit/>
+          </a:bodyPr>
+          <a:lstStyle/>
+          <a:p>
+            <a:pPr marL="45720" indent="0">
+              <a:buNone/>
+            </a:pPr>
+            <a:r>
+              <a:rPr lang="en-US" sz="2000" smtClean="0">
+                <a:latin typeface="Consolas" panose="020B0609020204030204" pitchFamily="49" charset="0"/>
+              </a:rPr>
+              <a:t>{</a:t>
+            </a:r>
+            <a:br>
+              <a:rPr lang="en-US" sz="2000" smtClean="0">
+                <a:latin typeface="Consolas" panose="020B0609020204030204" pitchFamily="49" charset="0"/>
+              </a:rPr>
+            </a:br>
+            <a:r>
+              <a:rPr lang="en-US" sz="2000" smtClean="0">
+                <a:latin typeface="Consolas" panose="020B0609020204030204" pitchFamily="49" charset="0"/>
+              </a:rPr>
+              <a:t>  RAIIPtr&lt;int&gt; ptr1(42);</a:t>
+            </a:r>
+            <a:br>
+              <a:rPr lang="en-US" sz="2000" smtClean="0">
+                <a:latin typeface="Consolas" panose="020B0609020204030204" pitchFamily="49" charset="0"/>
+              </a:rPr>
+            </a:br>
+            <a:r>
+              <a:rPr lang="en-US" sz="2000" smtClean="0">
+                <a:latin typeface="Consolas" panose="020B0609020204030204" pitchFamily="49" charset="0"/>
+              </a:rPr>
+              <a:t>  RAIIPtr&lt;int&gt; ptr2 = ptr1;</a:t>
+            </a:r>
+            <a:br>
+              <a:rPr lang="en-US" sz="2000" smtClean="0">
+                <a:latin typeface="Consolas" panose="020B0609020204030204" pitchFamily="49" charset="0"/>
+              </a:rPr>
+            </a:br>
+            <a:r>
+              <a:rPr lang="en-US" sz="2000" smtClean="0">
+                <a:latin typeface="Consolas" panose="020B0609020204030204" pitchFamily="49" charset="0"/>
+              </a:rPr>
+              <a:t>} </a:t>
+            </a:r>
+            <a:r>
+              <a:rPr lang="en-US" sz="2000" smtClean="0">
+                <a:solidFill>
+                  <a:srgbClr val="FF0000"/>
+                </a:solidFill>
+                <a:latin typeface="Consolas" panose="020B0609020204030204" pitchFamily="49" charset="0"/>
+              </a:rPr>
+              <a:t>// BOOM!</a:t>
+            </a:r>
+          </a:p>
+        </p:txBody>
+      </p:sp>
+      <p:sp>
+        <p:nvSpPr>
+          <p:cNvPr id="5" name="Content Placeholder 2"/>
+          <p:cNvSpPr txBox="1">
+            <a:spLocks/>
+          </p:cNvSpPr>
+          <p:nvPr/>
+        </p:nvSpPr>
+        <p:spPr>
+          <a:xfrm>
+            <a:off x="873211" y="2057400"/>
+            <a:ext cx="7076304" cy="4038600"/>
+          </a:xfrm>
+          <a:prstGeom prst="rect">
+            <a:avLst/>
+          </a:prstGeom>
+        </p:spPr>
+        <p:txBody>
+          <a:bodyPr vert="horz" lIns="91440" tIns="45720" rIns="91440" bIns="45720" rtlCol="0">
+            <a:normAutofit/>
+          </a:bodyPr>
+          <a:lstStyle>
+            <a:lvl1pPr marL="228600" indent="-182880" algn="l" defTabSz="914400" rtl="0" eaLnBrk="1" latinLnBrk="0" hangingPunct="1">
+              <a:lnSpc>
+                <a:spcPct val="90000"/>
+              </a:lnSpc>
+              <a:spcBef>
+                <a:spcPts val="1400"/>
+              </a:spcBef>
+              <a:buClr>
+                <a:schemeClr val="tx1"/>
+              </a:buClr>
+              <a:buSzPct val="80000"/>
+              <a:buFont typeface="Corbel" pitchFamily="34" charset="0"/>
+              <a:buChar char="•"/>
+              <a:defRPr sz="2200" kern="1200">
+                <a:solidFill>
+                  <a:schemeClr val="tx1"/>
+                </a:solidFill>
+                <a:latin typeface="+mn-lt"/>
+                <a:ea typeface="+mn-ea"/>
+                <a:cs typeface="+mn-cs"/>
+              </a:defRPr>
+            </a:lvl1pPr>
+            <a:lvl2pPr marL="457200" indent="-182880" algn="l" defTabSz="914400" rtl="0" eaLnBrk="1" latinLnBrk="0" hangingPunct="1">
+              <a:lnSpc>
+                <a:spcPct val="90000"/>
+              </a:lnSpc>
+              <a:spcBef>
+                <a:spcPts val="200"/>
+              </a:spcBef>
+              <a:spcAft>
+                <a:spcPts val="400"/>
+              </a:spcAft>
+              <a:buClr>
+                <a:schemeClr val="tx1"/>
+              </a:buClr>
+              <a:buSzPct val="80000"/>
+              <a:buFont typeface="Corbel" pitchFamily="34" charset="0"/>
+              <a:buChar char="•"/>
+              <a:defRPr sz="2000" kern="1200">
+                <a:solidFill>
+                  <a:schemeClr val="tx1"/>
+                </a:solidFill>
+                <a:latin typeface="+mn-lt"/>
+                <a:ea typeface="+mn-ea"/>
+                <a:cs typeface="+mn-cs"/>
+              </a:defRPr>
+            </a:lvl2pPr>
+            <a:lvl3pPr marL="731520" indent="-182880" algn="l" defTabSz="914400" rtl="0" eaLnBrk="1" latinLnBrk="0" hangingPunct="1">
+              <a:lnSpc>
+                <a:spcPct val="90000"/>
+              </a:lnSpc>
+              <a:spcBef>
+                <a:spcPts val="200"/>
+              </a:spcBef>
+              <a:spcAft>
+                <a:spcPts val="400"/>
+              </a:spcAft>
+              <a:buClr>
+                <a:schemeClr val="tx1"/>
+              </a:buClr>
+              <a:buSzPct val="80000"/>
+              <a:buFont typeface="Corbel" pitchFamily="34" charset="0"/>
+              <a:buChar char="•"/>
+              <a:defRPr sz="1800" kern="1200">
+                <a:solidFill>
+                  <a:schemeClr val="tx1"/>
+                </a:solidFill>
+                <a:latin typeface="+mn-lt"/>
+                <a:ea typeface="+mn-ea"/>
+                <a:cs typeface="+mn-cs"/>
+              </a:defRPr>
+            </a:lvl3pPr>
+            <a:lvl4pPr marL="1005840" indent="-182880" algn="l" defTabSz="914400" rtl="0" eaLnBrk="1" latinLnBrk="0" hangingPunct="1">
+              <a:lnSpc>
+                <a:spcPct val="90000"/>
+              </a:lnSpc>
+              <a:spcBef>
+                <a:spcPts val="200"/>
+              </a:spcBef>
+              <a:spcAft>
+                <a:spcPts val="400"/>
+              </a:spcAft>
+              <a:buClr>
+                <a:schemeClr val="tx1"/>
+              </a:buClr>
+              <a:buSzPct val="80000"/>
+              <a:buFont typeface="Corbel" pitchFamily="34" charset="0"/>
+              <a:buChar char="•"/>
+              <a:defRPr sz="1600" kern="1200">
+                <a:solidFill>
+                  <a:schemeClr val="tx1"/>
+                </a:solidFill>
+                <a:latin typeface="+mn-lt"/>
+                <a:ea typeface="+mn-ea"/>
+                <a:cs typeface="+mn-cs"/>
+              </a:defRPr>
+            </a:lvl4pPr>
+            <a:lvl5pPr marL="1280160" indent="-182880" algn="l" defTabSz="914400" rtl="0" eaLnBrk="1" latinLnBrk="0" hangingPunct="1">
+              <a:lnSpc>
+                <a:spcPct val="90000"/>
+              </a:lnSpc>
+              <a:spcBef>
+                <a:spcPts val="200"/>
+              </a:spcBef>
+              <a:spcAft>
+                <a:spcPts val="400"/>
+              </a:spcAft>
+              <a:buClr>
+                <a:schemeClr val="tx1"/>
+              </a:buClr>
+              <a:buSzPct val="80000"/>
+              <a:buFont typeface="Corbel" pitchFamily="34" charset="0"/>
+              <a:buChar char="•"/>
+              <a:defRPr sz="1600" kern="1200">
+                <a:solidFill>
+                  <a:schemeClr val="tx1"/>
+                </a:solidFill>
+                <a:latin typeface="+mn-lt"/>
+                <a:ea typeface="+mn-ea"/>
+                <a:cs typeface="+mn-cs"/>
+              </a:defRPr>
+            </a:lvl5pPr>
+            <a:lvl6pPr marL="1600000" indent="-228600" algn="l" defTabSz="914400" rtl="0" eaLnBrk="1" latinLnBrk="0" hangingPunct="1">
+              <a:lnSpc>
+                <a:spcPct val="90000"/>
+              </a:lnSpc>
+              <a:spcBef>
+                <a:spcPts val="200"/>
+              </a:spcBef>
+              <a:spcAft>
+                <a:spcPts val="400"/>
+              </a:spcAft>
+              <a:buClr>
+                <a:schemeClr val="tx1"/>
+              </a:buClr>
+              <a:buSzPct val="80000"/>
+              <a:buFont typeface="Corbel" pitchFamily="34" charset="0"/>
+              <a:buChar char="•"/>
+              <a:defRPr sz="1600" kern="1200">
+                <a:solidFill>
+                  <a:schemeClr val="tx1"/>
+                </a:solidFill>
+                <a:latin typeface="+mn-lt"/>
+                <a:ea typeface="+mn-ea"/>
+                <a:cs typeface="+mn-cs"/>
+              </a:defRPr>
+            </a:lvl6pPr>
+            <a:lvl7pPr marL="1900000" indent="-228600" algn="l" defTabSz="914400" rtl="0" eaLnBrk="1" latinLnBrk="0" hangingPunct="1">
+              <a:lnSpc>
+                <a:spcPct val="90000"/>
+              </a:lnSpc>
+              <a:spcBef>
+                <a:spcPts val="200"/>
+              </a:spcBef>
+              <a:spcAft>
+                <a:spcPts val="400"/>
+              </a:spcAft>
+              <a:buClr>
+                <a:schemeClr val="tx1"/>
+              </a:buClr>
+              <a:buSzPct val="80000"/>
+              <a:buFont typeface="Corbel" pitchFamily="34" charset="0"/>
+              <a:buChar char="•"/>
+              <a:defRPr sz="1600" kern="1200">
+                <a:solidFill>
+                  <a:schemeClr val="tx1"/>
+                </a:solidFill>
+                <a:latin typeface="+mn-lt"/>
+                <a:ea typeface="+mn-ea"/>
+                <a:cs typeface="+mn-cs"/>
+              </a:defRPr>
+            </a:lvl7pPr>
+            <a:lvl8pPr marL="2200000" indent="-228600" algn="l" defTabSz="914400" rtl="0" eaLnBrk="1" latinLnBrk="0" hangingPunct="1">
+              <a:lnSpc>
+                <a:spcPct val="90000"/>
+              </a:lnSpc>
+              <a:spcBef>
+                <a:spcPts val="200"/>
+              </a:spcBef>
+              <a:spcAft>
+                <a:spcPts val="400"/>
+              </a:spcAft>
+              <a:buClr>
+                <a:schemeClr val="tx1"/>
+              </a:buClr>
+              <a:buSzPct val="80000"/>
+              <a:buFont typeface="Corbel" pitchFamily="34" charset="0"/>
+              <a:buChar char="•"/>
+              <a:defRPr sz="1600" kern="1200">
+                <a:solidFill>
+                  <a:schemeClr val="tx1"/>
+                </a:solidFill>
+                <a:latin typeface="+mn-lt"/>
+                <a:ea typeface="+mn-ea"/>
+                <a:cs typeface="+mn-cs"/>
+              </a:defRPr>
+            </a:lvl8pPr>
+            <a:lvl9pPr marL="2500000" indent="-228600" algn="l" defTabSz="914400" rtl="0" eaLnBrk="1" latinLnBrk="0" hangingPunct="1">
+              <a:lnSpc>
+                <a:spcPct val="90000"/>
+              </a:lnSpc>
+              <a:spcBef>
+                <a:spcPts val="200"/>
+              </a:spcBef>
+              <a:spcAft>
+                <a:spcPts val="400"/>
+              </a:spcAft>
+              <a:buClr>
+                <a:schemeClr val="tx1"/>
+              </a:buClr>
+              <a:buSzPct val="80000"/>
+              <a:buFont typeface="Corbel" pitchFamily="34" charset="0"/>
+              <a:buChar char="•"/>
+              <a:defRPr sz="1600" kern="1200">
+                <a:solidFill>
+                  <a:schemeClr val="tx1"/>
+                </a:solidFill>
+                <a:latin typeface="+mn-lt"/>
+                <a:ea typeface="+mn-ea"/>
+                <a:cs typeface="+mn-cs"/>
+              </a:defRPr>
+            </a:lvl9pPr>
+          </a:lstStyle>
+          <a:p>
+            <a:r>
+              <a:rPr lang="ru-RU" smtClean="0"/>
+              <a:t>Основная проблема: копирование по умолчанию</a:t>
+            </a:r>
+          </a:p>
+          <a:p>
+            <a:pPr marL="45720" indent="0">
+              <a:buNone/>
+            </a:pPr>
+            <a:r>
+              <a:rPr lang="en-US" sz="2000" smtClean="0">
+                <a:latin typeface="Consolas" panose="020B0609020204030204" pitchFamily="49" charset="0"/>
+              </a:rPr>
+              <a:t>template &lt;typename T&gt; class RAIIPtr {</a:t>
+            </a:r>
+            <a:br>
+              <a:rPr lang="en-US" sz="2000" smtClean="0">
+                <a:latin typeface="Consolas" panose="020B0609020204030204" pitchFamily="49" charset="0"/>
+              </a:rPr>
+            </a:br>
+            <a:r>
+              <a:rPr lang="en-US" sz="2000" smtClean="0">
+                <a:latin typeface="Consolas" panose="020B0609020204030204" pitchFamily="49" charset="0"/>
+              </a:rPr>
+              <a:t>  T *ptr_;</a:t>
+            </a:r>
+            <a:br>
+              <a:rPr lang="en-US" sz="2000" smtClean="0">
+                <a:latin typeface="Consolas" panose="020B0609020204030204" pitchFamily="49" charset="0"/>
+              </a:rPr>
+            </a:br>
+            <a:r>
+              <a:rPr lang="en-US" sz="2000" smtClean="0">
+                <a:latin typeface="Consolas" panose="020B0609020204030204" pitchFamily="49" charset="0"/>
+              </a:rPr>
+              <a:t>public:</a:t>
+            </a:r>
+            <a:br>
+              <a:rPr lang="en-US" sz="2000" smtClean="0">
+                <a:latin typeface="Consolas" panose="020B0609020204030204" pitchFamily="49" charset="0"/>
+              </a:rPr>
+            </a:br>
+            <a:r>
+              <a:rPr lang="en-US" sz="2000" smtClean="0">
+                <a:latin typeface="Consolas" panose="020B0609020204030204" pitchFamily="49" charset="0"/>
+              </a:rPr>
+              <a:t>  RAIIPtr(T </a:t>
+            </a:r>
+            <a:r>
+              <a:rPr lang="en-US" sz="2000">
+                <a:latin typeface="Consolas" panose="020B0609020204030204" pitchFamily="49" charset="0"/>
+              </a:rPr>
+              <a:t>*ptr = nullptr) : ptr_(ptr) {}</a:t>
+            </a:r>
+            <a:br>
+              <a:rPr lang="en-US" sz="2000">
+                <a:latin typeface="Consolas" panose="020B0609020204030204" pitchFamily="49" charset="0"/>
+              </a:rPr>
+            </a:br>
+            <a:r>
+              <a:rPr lang="en-US" sz="2000" smtClean="0">
+                <a:latin typeface="Consolas" panose="020B0609020204030204" pitchFamily="49" charset="0"/>
+              </a:rPr>
+              <a:t>  ~RAIIPtr() { delete ptr_; }</a:t>
+            </a:r>
+            <a:r>
+              <a:rPr lang="ru-RU" sz="2000" smtClean="0">
+                <a:latin typeface="Consolas" panose="020B0609020204030204" pitchFamily="49" charset="0"/>
+              </a:rPr>
+              <a:t/>
+            </a:r>
+            <a:br>
+              <a:rPr lang="ru-RU" sz="2000" smtClean="0">
+                <a:latin typeface="Consolas" panose="020B0609020204030204" pitchFamily="49" charset="0"/>
+              </a:rPr>
+            </a:br>
+            <a:r>
+              <a:rPr lang="ru-RU" sz="2000" smtClean="0">
+                <a:solidFill>
+                  <a:srgbClr val="FF0000"/>
+                </a:solidFill>
+                <a:latin typeface="Consolas" panose="020B0609020204030204" pitchFamily="49" charset="0"/>
+              </a:rPr>
+              <a:t>  </a:t>
+            </a:r>
+            <a:r>
+              <a:rPr lang="en-US" sz="2000" smtClean="0">
+                <a:solidFill>
+                  <a:srgbClr val="FF0000"/>
+                </a:solidFill>
+                <a:latin typeface="Consolas" panose="020B0609020204030204" pitchFamily="49" charset="0"/>
+              </a:rPr>
+              <a:t>RAIIPtr</a:t>
+            </a:r>
+            <a:r>
+              <a:rPr lang="ru-RU" sz="2000" smtClean="0">
+                <a:solidFill>
+                  <a:srgbClr val="FF0000"/>
+                </a:solidFill>
+                <a:latin typeface="Consolas" panose="020B0609020204030204" pitchFamily="49" charset="0"/>
+              </a:rPr>
+              <a:t>(</a:t>
+            </a:r>
+            <a:r>
+              <a:rPr lang="en-US" sz="2000" smtClean="0">
+                <a:solidFill>
+                  <a:srgbClr val="FF0000"/>
+                </a:solidFill>
+                <a:latin typeface="Consolas" panose="020B0609020204030204" pitchFamily="49" charset="0"/>
+              </a:rPr>
+              <a:t>const RAIIPtr&amp;) = default;</a:t>
+            </a:r>
+            <a:br>
+              <a:rPr lang="en-US" sz="2000" smtClean="0">
+                <a:solidFill>
+                  <a:srgbClr val="FF0000"/>
+                </a:solidFill>
+                <a:latin typeface="Consolas" panose="020B0609020204030204" pitchFamily="49" charset="0"/>
+              </a:rPr>
+            </a:br>
+            <a:r>
+              <a:rPr lang="en-US" sz="2000" smtClean="0">
+                <a:solidFill>
+                  <a:srgbClr val="FF0000"/>
+                </a:solidFill>
+                <a:latin typeface="Consolas" panose="020B0609020204030204" pitchFamily="49" charset="0"/>
+              </a:rPr>
+              <a:t>  RAIIPtr&amp; operator= </a:t>
+            </a:r>
+            <a:r>
+              <a:rPr lang="ru-RU" sz="2000" smtClean="0">
+                <a:solidFill>
+                  <a:srgbClr val="FF0000"/>
+                </a:solidFill>
+                <a:latin typeface="Consolas" panose="020B0609020204030204" pitchFamily="49" charset="0"/>
+              </a:rPr>
+              <a:t>(</a:t>
+            </a:r>
+            <a:r>
+              <a:rPr lang="en-US" sz="2000" smtClean="0">
+                <a:solidFill>
+                  <a:srgbClr val="FF0000"/>
+                </a:solidFill>
+                <a:latin typeface="Consolas" panose="020B0609020204030204" pitchFamily="49" charset="0"/>
+              </a:rPr>
+              <a:t>const RAIIPtr&amp;) = default;</a:t>
+            </a:r>
+            <a:br>
+              <a:rPr lang="en-US" sz="2000" smtClean="0">
+                <a:solidFill>
+                  <a:srgbClr val="FF0000"/>
+                </a:solidFill>
+                <a:latin typeface="Consolas" panose="020B0609020204030204" pitchFamily="49" charset="0"/>
+              </a:rPr>
+            </a:br>
+            <a:r>
+              <a:rPr lang="en-US" sz="2000" smtClean="0">
+                <a:latin typeface="Consolas" panose="020B0609020204030204" pitchFamily="49" charset="0"/>
+              </a:rPr>
+              <a:t>  T operator*() const { return *ptr_; }</a:t>
+            </a:r>
+            <a:br>
+              <a:rPr lang="en-US" sz="2000" smtClean="0">
+                <a:latin typeface="Consolas" panose="020B0609020204030204" pitchFamily="49" charset="0"/>
+              </a:rPr>
+            </a:br>
+            <a:r>
+              <a:rPr lang="en-US" sz="2000" smtClean="0">
+                <a:latin typeface="Consolas" panose="020B0609020204030204" pitchFamily="49" charset="0"/>
+              </a:rPr>
+              <a:t>  T* operator-&gt;() const { return ptr_; }</a:t>
+            </a:r>
+            <a:br>
+              <a:rPr lang="en-US" sz="2000" smtClean="0">
+                <a:latin typeface="Consolas" panose="020B0609020204030204" pitchFamily="49" charset="0"/>
+              </a:rPr>
+            </a:br>
+            <a:r>
+              <a:rPr lang="en-US" sz="2000" smtClean="0">
+                <a:latin typeface="Consolas" panose="020B0609020204030204" pitchFamily="49" charset="0"/>
+              </a:rPr>
+              <a:t>};</a:t>
+            </a:r>
+            <a:endParaRPr lang="ru-RU" sz="2000">
+              <a:latin typeface="Consolas" panose="020B0609020204030204" pitchFamily="49" charset="0"/>
+            </a:endParaRPr>
+          </a:p>
+        </p:txBody>
+      </p:sp>
+      <p:sp>
+        <p:nvSpPr>
+          <p:cNvPr id="6" name="Rectangle 5"/>
+          <p:cNvSpPr/>
+          <p:nvPr/>
+        </p:nvSpPr>
+        <p:spPr>
+          <a:xfrm>
+            <a:off x="8361407" y="4118923"/>
+            <a:ext cx="906162" cy="642551"/>
+          </a:xfrm>
+          <a:prstGeom prst="rect">
+            <a:avLst/>
+          </a:prstGeom>
+          <a:ln w="28575">
+            <a:headEnd w="lg" len="lg"/>
+            <a:tailEnd w="lg" len="lg"/>
+          </a:ln>
+        </p:spPr>
+        <p:style>
+          <a:lnRef idx="2">
+            <a:schemeClr val="accent4"/>
+          </a:lnRef>
+          <a:fillRef idx="1">
+            <a:schemeClr val="lt1"/>
+          </a:fillRef>
+          <a:effectRef idx="0">
+            <a:schemeClr val="accent4"/>
+          </a:effectRef>
+          <a:fontRef idx="minor">
+            <a:schemeClr val="dk1"/>
+          </a:fontRef>
+        </p:style>
+        <p:txBody>
+          <a:bodyPr rtlCol="0" anchor="ctr"/>
+          <a:lstStyle/>
+          <a:p>
+            <a:pPr algn="ctr"/>
+            <a:r>
+              <a:rPr lang="en-US" smtClean="0">
+                <a:latin typeface="Consolas" panose="020B0609020204030204" pitchFamily="49" charset="0"/>
+              </a:rPr>
+              <a:t>ptr1</a:t>
+            </a:r>
+            <a:endParaRPr lang="en-US">
+              <a:latin typeface="Consolas" panose="020B0609020204030204" pitchFamily="49" charset="0"/>
+            </a:endParaRPr>
+          </a:p>
+        </p:txBody>
+      </p:sp>
+      <p:sp>
+        <p:nvSpPr>
+          <p:cNvPr id="7" name="Rectangle 6"/>
+          <p:cNvSpPr/>
+          <p:nvPr/>
+        </p:nvSpPr>
+        <p:spPr>
+          <a:xfrm>
+            <a:off x="10037807" y="4118922"/>
+            <a:ext cx="906162" cy="642551"/>
+          </a:xfrm>
+          <a:prstGeom prst="rect">
+            <a:avLst/>
+          </a:prstGeom>
+          <a:ln w="28575">
+            <a:headEnd w="lg" len="lg"/>
+            <a:tailEnd w="lg" len="lg"/>
+          </a:ln>
+        </p:spPr>
+        <p:style>
+          <a:lnRef idx="2">
+            <a:schemeClr val="accent4"/>
+          </a:lnRef>
+          <a:fillRef idx="1">
+            <a:schemeClr val="lt1"/>
+          </a:fillRef>
+          <a:effectRef idx="0">
+            <a:schemeClr val="accent4"/>
+          </a:effectRef>
+          <a:fontRef idx="minor">
+            <a:schemeClr val="dk1"/>
+          </a:fontRef>
+        </p:style>
+        <p:txBody>
+          <a:bodyPr rtlCol="0" anchor="ctr"/>
+          <a:lstStyle/>
+          <a:p>
+            <a:pPr algn="ctr"/>
+            <a:r>
+              <a:rPr lang="en-US" smtClean="0">
+                <a:latin typeface="Consolas" panose="020B0609020204030204" pitchFamily="49" charset="0"/>
+              </a:rPr>
+              <a:t>ptr2</a:t>
+            </a:r>
+            <a:endParaRPr lang="en-US">
+              <a:latin typeface="Consolas" panose="020B0609020204030204" pitchFamily="49" charset="0"/>
+            </a:endParaRPr>
+          </a:p>
+        </p:txBody>
+      </p:sp>
+      <p:sp>
+        <p:nvSpPr>
+          <p:cNvPr id="8" name="Rectangle 7"/>
+          <p:cNvSpPr/>
+          <p:nvPr/>
+        </p:nvSpPr>
+        <p:spPr>
+          <a:xfrm>
+            <a:off x="8361407" y="5082749"/>
+            <a:ext cx="906162" cy="642551"/>
+          </a:xfrm>
+          <a:prstGeom prst="rect">
+            <a:avLst/>
+          </a:prstGeom>
+          <a:ln w="28575">
+            <a:headEnd w="lg" len="lg"/>
+            <a:tailEnd w="lg" len="lg"/>
+          </a:ln>
+        </p:spPr>
+        <p:style>
+          <a:lnRef idx="2">
+            <a:schemeClr val="accent4"/>
+          </a:lnRef>
+          <a:fillRef idx="1">
+            <a:schemeClr val="lt1"/>
+          </a:fillRef>
+          <a:effectRef idx="0">
+            <a:schemeClr val="accent4"/>
+          </a:effectRef>
+          <a:fontRef idx="minor">
+            <a:schemeClr val="dk1"/>
+          </a:fontRef>
+        </p:style>
+        <p:txBody>
+          <a:bodyPr rtlCol="0" anchor="ctr"/>
+          <a:lstStyle/>
+          <a:p>
+            <a:pPr algn="ctr"/>
+            <a:r>
+              <a:rPr lang="en-US" smtClean="0">
+                <a:latin typeface="Consolas" panose="020B0609020204030204" pitchFamily="49" charset="0"/>
+              </a:rPr>
+              <a:t>42</a:t>
+            </a:r>
+            <a:endParaRPr lang="en-US">
+              <a:latin typeface="Consolas" panose="020B0609020204030204" pitchFamily="49" charset="0"/>
+            </a:endParaRPr>
+          </a:p>
+        </p:txBody>
+      </p:sp>
+      <p:cxnSp>
+        <p:nvCxnSpPr>
+          <p:cNvPr id="11" name="Straight Arrow Connector 10"/>
+          <p:cNvCxnSpPr/>
+          <p:nvPr/>
+        </p:nvCxnSpPr>
+        <p:spPr>
+          <a:xfrm>
+            <a:off x="8814488" y="4761474"/>
+            <a:ext cx="0" cy="321275"/>
+          </a:xfrm>
+          <a:prstGeom prst="straightConnector1">
+            <a:avLst/>
+          </a:prstGeom>
+          <a:ln w="28575">
+            <a:solidFill>
+              <a:schemeClr val="accent4"/>
+            </a:solidFill>
+            <a:headEnd w="lg" len="lg"/>
+            <a:tailEnd type="triangle" w="lg" len="lg"/>
+          </a:ln>
+        </p:spPr>
+        <p:style>
+          <a:lnRef idx="1">
+            <a:schemeClr val="accent1"/>
+          </a:lnRef>
+          <a:fillRef idx="0">
+            <a:schemeClr val="accent1"/>
+          </a:fillRef>
+          <a:effectRef idx="0">
+            <a:schemeClr val="accent1"/>
+          </a:effectRef>
+          <a:fontRef idx="minor">
+            <a:schemeClr val="tx1"/>
+          </a:fontRef>
+        </p:style>
+      </p:cxnSp>
+      <p:cxnSp>
+        <p:nvCxnSpPr>
+          <p:cNvPr id="12" name="Straight Arrow Connector 11"/>
+          <p:cNvCxnSpPr>
+            <a:stCxn id="7" idx="2"/>
+            <a:endCxn id="8" idx="3"/>
+          </p:cNvCxnSpPr>
+          <p:nvPr/>
+        </p:nvCxnSpPr>
+        <p:spPr>
+          <a:xfrm rot="5400000">
+            <a:off x="9557953" y="4471090"/>
+            <a:ext cx="642552" cy="1223319"/>
+          </a:xfrm>
+          <a:prstGeom prst="bentConnector2">
+            <a:avLst/>
+          </a:prstGeom>
+          <a:ln w="28575">
+            <a:solidFill>
+              <a:schemeClr val="accent4"/>
+            </a:solidFill>
+            <a:headEnd w="lg" len="lg"/>
+            <a:tailEnd type="triangle" w="lg" len="lg"/>
+          </a:ln>
+        </p:spPr>
+        <p:style>
+          <a:lnRef idx="1">
+            <a:schemeClr val="accent1"/>
+          </a:lnRef>
+          <a:fillRef idx="0">
+            <a:schemeClr val="accent1"/>
+          </a:fillRef>
+          <a:effectRef idx="0">
+            <a:schemeClr val="accent1"/>
+          </a:effectRef>
+          <a:fontRef idx="minor">
+            <a:schemeClr val="tx1"/>
+          </a:fontRef>
+        </p:style>
+      </p:cxnSp>
+    </p:spTree>
+    <p:extLst>
+      <p:ext uri="{BB962C8B-B14F-4D97-AF65-F5344CB8AC3E}">
+        <p14:creationId xmlns:p14="http://schemas.microsoft.com/office/powerpoint/2010/main" val="3410420939"/>
+      </p:ext>
+    </p:extLst>
+  </p:cSld>
+  <p:clrMapOvr>
+    <a:masterClrMapping/>
+  </p:clrMapOvr>
+</p:sld>
+</file>
+
+<file path=ppt/slides/slide60.xml><?xml version="1.0" encoding="utf-8"?>
+<p:sld xmlns:a="http://schemas.openxmlformats.org/drawingml/2006/main" xmlns:r="http://schemas.openxmlformats.org/officeDocument/2006/relationships" xmlns:p="http://schemas.openxmlformats.org/presentationml/2006/main">
+  <p:cSld>
+    <p:spTree>
+      <p:nvGrpSpPr>
+        <p:cNvPr id="1" name=""/>
+        <p:cNvGrpSpPr/>
+        <p:nvPr/>
+      </p:nvGrpSpPr>
+      <p:grpSpPr>
+        <a:xfrm>
+          <a:off x="0" y="0"/>
+          <a:ext cx="0" cy="0"/>
+          <a:chOff x="0" y="0"/>
+          <a:chExt cx="0" cy="0"/>
+        </a:xfrm>
+      </p:grpSpPr>
+      <p:sp>
+        <p:nvSpPr>
+          <p:cNvPr id="2" name="Title 1"/>
+          <p:cNvSpPr>
+            <a:spLocks noGrp="1"/>
+          </p:cNvSpPr>
+          <p:nvPr>
+            <p:ph type="title"/>
+          </p:nvPr>
+        </p:nvSpPr>
+        <p:spPr/>
+        <p:txBody>
+          <a:bodyPr/>
+          <a:lstStyle/>
+          <a:p>
+            <a:r>
+              <a:rPr lang="ru-RU" smtClean="0"/>
+              <a:t>Проблема: что если он устроен иначе?</a:t>
+            </a:r>
+            <a:endParaRPr lang="en-US"/>
+          </a:p>
+        </p:txBody>
+      </p:sp>
+      <p:sp>
+        <p:nvSpPr>
+          <p:cNvPr id="3" name="Content Placeholder 2"/>
+          <p:cNvSpPr>
+            <a:spLocks noGrp="1"/>
+          </p:cNvSpPr>
+          <p:nvPr>
+            <p:ph idx="1"/>
+          </p:nvPr>
+        </p:nvSpPr>
+        <p:spPr>
+          <a:xfrm>
+            <a:off x="1143000" y="2057400"/>
+            <a:ext cx="9872871" cy="4251960"/>
+          </a:xfrm>
+        </p:spPr>
+        <p:txBody>
+          <a:bodyPr/>
+          <a:lstStyle/>
+          <a:p>
+            <a:r>
+              <a:rPr lang="ru-RU" smtClean="0"/>
+              <a:t>Предположим, что</a:t>
+            </a:r>
+          </a:p>
+          <a:p>
+            <a:endParaRPr lang="ru-RU"/>
+          </a:p>
+          <a:p>
+            <a:endParaRPr lang="ru-RU" smtClean="0"/>
+          </a:p>
+          <a:p>
+            <a:endParaRPr lang="ru-RU"/>
+          </a:p>
+          <a:p>
+            <a:endParaRPr lang="ru-RU" smtClean="0"/>
+          </a:p>
+          <a:p>
+            <a:endParaRPr lang="ru-RU"/>
+          </a:p>
+          <a:p>
+            <a:endParaRPr lang="ru-RU" smtClean="0"/>
+          </a:p>
+          <a:p>
+            <a:pPr marL="45720" indent="0">
+              <a:buNone/>
+            </a:pPr>
+            <a:endParaRPr lang="ru-RU" smtClean="0"/>
+          </a:p>
+          <a:p>
+            <a:r>
+              <a:rPr lang="ru-RU" smtClean="0"/>
+              <a:t>Это довольно серьёзный аргумент против </a:t>
+            </a:r>
+            <a:r>
+              <a:rPr lang="en-US" smtClean="0"/>
+              <a:t>make_shared</a:t>
+            </a:r>
+            <a:endParaRPr lang="en-US"/>
+          </a:p>
+        </p:txBody>
+      </p:sp>
+    </p:spTree>
+    <p:extLst>
+      <p:ext uri="{BB962C8B-B14F-4D97-AF65-F5344CB8AC3E}">
+        <p14:creationId xmlns:p14="http://schemas.microsoft.com/office/powerpoint/2010/main" val="3894785646"/>
+      </p:ext>
+    </p:extLst>
+  </p:cSld>
+  <p:clrMapOvr>
+    <a:masterClrMapping/>
+  </p:clrMapOvr>
+</p:sld>
+</file>
+
+<file path=ppt/slides/slide61.xml><?xml version="1.0" encoding="utf-8"?>
+<p:sld xmlns:a="http://schemas.openxmlformats.org/drawingml/2006/main" xmlns:r="http://schemas.openxmlformats.org/officeDocument/2006/relationships" xmlns:p="http://schemas.openxmlformats.org/presentationml/2006/main">
+  <p:cSld>
+    <p:spTree>
+      <p:nvGrpSpPr>
+        <p:cNvPr id="1" name=""/>
+        <p:cNvGrpSpPr/>
+        <p:nvPr/>
+      </p:nvGrpSpPr>
+      <p:grpSpPr>
+        <a:xfrm>
+          <a:off x="0" y="0"/>
+          <a:ext cx="0" cy="0"/>
+          <a:chOff x="0" y="0"/>
+          <a:chExt cx="0" cy="0"/>
+        </a:xfrm>
+      </p:grpSpPr>
+      <p:sp>
+        <p:nvSpPr>
+          <p:cNvPr id="2" name="Title 1"/>
+          <p:cNvSpPr>
+            <a:spLocks noGrp="1"/>
+          </p:cNvSpPr>
+          <p:nvPr>
+            <p:ph type="title"/>
+          </p:nvPr>
+        </p:nvSpPr>
+        <p:spPr/>
+        <p:txBody>
+          <a:bodyPr/>
+          <a:lstStyle/>
+          <a:p>
+            <a:r>
+              <a:rPr lang="ru-RU" smtClean="0"/>
+              <a:t>Обсуждение</a:t>
+            </a:r>
+            <a:endParaRPr lang="en-US"/>
+          </a:p>
+        </p:txBody>
+      </p:sp>
+      <p:sp>
+        <p:nvSpPr>
+          <p:cNvPr id="3" name="Content Placeholder 2"/>
+          <p:cNvSpPr>
+            <a:spLocks noGrp="1"/>
+          </p:cNvSpPr>
+          <p:nvPr>
+            <p:ph idx="1"/>
+          </p:nvPr>
+        </p:nvSpPr>
+        <p:spPr/>
+        <p:txBody>
+          <a:bodyPr/>
+          <a:lstStyle/>
+          <a:p>
+            <a:r>
+              <a:rPr lang="ru-RU" smtClean="0"/>
+              <a:t>Интересно, что </a:t>
+            </a:r>
+            <a:r>
+              <a:rPr lang="en-US" smtClean="0"/>
+              <a:t>make</a:t>
+            </a:r>
+            <a:r>
+              <a:rPr lang="ru-RU" smtClean="0"/>
+              <a:t>_</a:t>
+            </a:r>
+            <a:r>
+              <a:rPr lang="en-US" smtClean="0"/>
+              <a:t>unique </a:t>
+            </a:r>
+            <a:r>
+              <a:rPr lang="ru-RU" smtClean="0"/>
+              <a:t>было стилистической фитюлькой, а вот </a:t>
+            </a:r>
+            <a:r>
+              <a:rPr lang="en-US" smtClean="0"/>
+              <a:t>make_shared </a:t>
+            </a:r>
+            <a:r>
+              <a:rPr lang="ru-RU" smtClean="0"/>
+              <a:t>имеет весомые аргументы как за, так и против </a:t>
+            </a:r>
+          </a:p>
+        </p:txBody>
+      </p:sp>
+    </p:spTree>
+    <p:extLst>
+      <p:ext uri="{BB962C8B-B14F-4D97-AF65-F5344CB8AC3E}">
+        <p14:creationId xmlns:p14="http://schemas.microsoft.com/office/powerpoint/2010/main" val="393647008"/>
+      </p:ext>
+    </p:extLst>
+  </p:cSld>
+  <p:clrMapOvr>
+    <a:masterClrMapping/>
+  </p:clrMapOvr>
+</p:sld>
+</file>
+
+<file path=ppt/slides/slide62.xml><?xml version="1.0" encoding="utf-8"?>
 <p:sld xmlns:a="http://schemas.openxmlformats.org/drawingml/2006/main" xmlns:r="http://schemas.openxmlformats.org/officeDocument/2006/relationships" xmlns:p="http://schemas.openxmlformats.org/presentationml/2006/main">
   <p:cSld>
     <p:spTree>
@@ -18143,7 +20221,7 @@
 </p:sld>
 </file>
 
-<file path=ppt/slides/slide57.xml><?xml version="1.0" encoding="utf-8"?>
+<file path=ppt/slides/slide63.xml><?xml version="1.0" encoding="utf-8"?>
 <p:sld xmlns:a="http://schemas.openxmlformats.org/drawingml/2006/main" xmlns:r="http://schemas.openxmlformats.org/officeDocument/2006/relationships" xmlns:p="http://schemas.openxmlformats.org/presentationml/2006/main">
   <p:cSld>
     <p:spTree>
@@ -18332,7 +20410,7 @@
 </p:sld>
 </file>
 
-<file path=ppt/slides/slide58.xml><?xml version="1.0" encoding="utf-8"?>
+<file path=ppt/slides/slide64.xml><?xml version="1.0" encoding="utf-8"?>
 <p:sld xmlns:a="http://schemas.openxmlformats.org/drawingml/2006/main" xmlns:r="http://schemas.openxmlformats.org/officeDocument/2006/relationships" xmlns:p="http://schemas.openxmlformats.org/presentationml/2006/main">
   <p:cSld>
     <p:spTree>
@@ -18416,13 +20494,7 @@
               <a:rPr lang="en-US">
                 <a:latin typeface="Consolas" panose="020B0609020204030204" pitchFamily="49" charset="0"/>
               </a:rPr>
-              <a:t>  static unordered_map&lt;int, weak_ptr&lt;T&gt;&gt; </a:t>
-            </a:r>
-            <a:r>
-              <a:rPr lang="en-US">
-                <a:latin typeface="Consolas" panose="020B0609020204030204" pitchFamily="49" charset="0"/>
-              </a:rPr>
-              <a:t>cache</a:t>
+              <a:t>  static unordered_map&lt;int, weak_ptr&lt;T&gt;&gt; cache</a:t>
             </a:r>
             <a:r>
               <a:rPr lang="en-US" smtClean="0">
@@ -18522,12 +20594,6 @@
                 <a:latin typeface="Consolas" panose="020B0609020204030204" pitchFamily="49" charset="0"/>
               </a:rPr>
               <a:t>  return result;</a:t>
-            </a:r>
-            <a:r>
-              <a:rPr lang="en-US">
-                <a:latin typeface="Consolas" panose="020B0609020204030204" pitchFamily="49" charset="0"/>
-              </a:rPr>
-              <a:t/>
             </a:r>
             <a:br>
               <a:rPr lang="en-US">
@@ -18563,7 +20629,7 @@
 </p:sld>
 </file>
 
-<file path=ppt/slides/slide59.xml><?xml version="1.0" encoding="utf-8"?>
+<file path=ppt/slides/slide65.xml><?xml version="1.0" encoding="utf-8"?>
 <p:sld xmlns:a="http://schemas.openxmlformats.org/drawingml/2006/main" xmlns:r="http://schemas.openxmlformats.org/officeDocument/2006/relationships" xmlns:p="http://schemas.openxmlformats.org/presentationml/2006/main">
   <p:cSld>
     <p:spTree>
@@ -18646,801 +20712,6 @@
     <p:extLst>
       <p:ext uri="{BB962C8B-B14F-4D97-AF65-F5344CB8AC3E}">
         <p14:creationId xmlns:p14="http://schemas.microsoft.com/office/powerpoint/2010/main" val="1719869055"/>
-      </p:ext>
-    </p:extLst>
-  </p:cSld>
-  <p:clrMapOvr>
-    <a:masterClrMapping/>
-  </p:clrMapOvr>
-</p:sld>
-</file>
-
-<file path=ppt/slides/slide6.xml><?xml version="1.0" encoding="utf-8"?>
-<p:sld xmlns:a="http://schemas.openxmlformats.org/drawingml/2006/main" xmlns:r="http://schemas.openxmlformats.org/officeDocument/2006/relationships" xmlns:p="http://schemas.openxmlformats.org/presentationml/2006/main">
-  <p:cSld>
-    <p:spTree>
-      <p:nvGrpSpPr>
-        <p:cNvPr id="1" name=""/>
-        <p:cNvGrpSpPr/>
-        <p:nvPr/>
-      </p:nvGrpSpPr>
-      <p:grpSpPr>
-        <a:xfrm>
-          <a:off x="0" y="0"/>
-          <a:ext cx="0" cy="0"/>
-          <a:chOff x="0" y="0"/>
-          <a:chExt cx="0" cy="0"/>
-        </a:xfrm>
-      </p:grpSpPr>
-      <p:sp>
-        <p:nvSpPr>
-          <p:cNvPr id="2" name="Title 1"/>
-          <p:cNvSpPr>
-            <a:spLocks noGrp="1"/>
-          </p:cNvSpPr>
-          <p:nvPr>
-            <p:ph type="title"/>
-          </p:nvPr>
-        </p:nvSpPr>
-        <p:spPr/>
-        <p:txBody>
-          <a:bodyPr/>
-          <a:lstStyle/>
-          <a:p>
-            <a:r>
-              <a:rPr lang="en-US" smtClean="0"/>
-              <a:t>RAII: </a:t>
-            </a:r>
-            <a:r>
-              <a:rPr lang="ru-RU" smtClean="0"/>
-              <a:t>проблема двойного владения</a:t>
-            </a:r>
-            <a:endParaRPr lang="en-US"/>
-          </a:p>
-        </p:txBody>
-      </p:sp>
-      <p:sp>
-        <p:nvSpPr>
-          <p:cNvPr id="3" name="Content Placeholder 2"/>
-          <p:cNvSpPr>
-            <a:spLocks noGrp="1"/>
-          </p:cNvSpPr>
-          <p:nvPr>
-            <p:ph idx="1"/>
-          </p:nvPr>
-        </p:nvSpPr>
-        <p:spPr>
-          <a:xfrm>
-            <a:off x="7644714" y="1965960"/>
-            <a:ext cx="4151869" cy="1716354"/>
-          </a:xfrm>
-        </p:spPr>
-        <p:txBody>
-          <a:bodyPr>
-            <a:normAutofit/>
-          </a:bodyPr>
-          <a:lstStyle/>
-          <a:p>
-            <a:pPr marL="45720" indent="0">
-              <a:buNone/>
-            </a:pPr>
-            <a:r>
-              <a:rPr lang="en-US" sz="2000" smtClean="0">
-                <a:latin typeface="Consolas" panose="020B0609020204030204" pitchFamily="49" charset="0"/>
-              </a:rPr>
-              <a:t>{</a:t>
-            </a:r>
-            <a:br>
-              <a:rPr lang="en-US" sz="2000" smtClean="0">
-                <a:latin typeface="Consolas" panose="020B0609020204030204" pitchFamily="49" charset="0"/>
-              </a:rPr>
-            </a:br>
-            <a:r>
-              <a:rPr lang="en-US" sz="2000" smtClean="0">
-                <a:latin typeface="Consolas" panose="020B0609020204030204" pitchFamily="49" charset="0"/>
-              </a:rPr>
-              <a:t>  RAIIPtr&lt;int&gt; ptr1(42);</a:t>
-            </a:r>
-            <a:br>
-              <a:rPr lang="en-US" sz="2000" smtClean="0">
-                <a:latin typeface="Consolas" panose="020B0609020204030204" pitchFamily="49" charset="0"/>
-              </a:rPr>
-            </a:br>
-            <a:r>
-              <a:rPr lang="en-US" sz="2000" smtClean="0">
-                <a:latin typeface="Consolas" panose="020B0609020204030204" pitchFamily="49" charset="0"/>
-              </a:rPr>
-              <a:t>  RAIIPtr&lt;int&gt; ptr2 = ptr1;</a:t>
-            </a:r>
-            <a:br>
-              <a:rPr lang="en-US" sz="2000" smtClean="0">
-                <a:latin typeface="Consolas" panose="020B0609020204030204" pitchFamily="49" charset="0"/>
-              </a:rPr>
-            </a:br>
-            <a:r>
-              <a:rPr lang="en-US" sz="2000" smtClean="0">
-                <a:latin typeface="Consolas" panose="020B0609020204030204" pitchFamily="49" charset="0"/>
-              </a:rPr>
-              <a:t>} </a:t>
-            </a:r>
-            <a:r>
-              <a:rPr lang="en-US" sz="2000" smtClean="0">
-                <a:solidFill>
-                  <a:srgbClr val="FF0000"/>
-                </a:solidFill>
-                <a:latin typeface="Consolas" panose="020B0609020204030204" pitchFamily="49" charset="0"/>
-              </a:rPr>
-              <a:t>// BOOM!</a:t>
-            </a:r>
-          </a:p>
-        </p:txBody>
-      </p:sp>
-      <p:sp>
-        <p:nvSpPr>
-          <p:cNvPr id="5" name="Content Placeholder 2"/>
-          <p:cNvSpPr txBox="1">
-            <a:spLocks/>
-          </p:cNvSpPr>
-          <p:nvPr/>
-        </p:nvSpPr>
-        <p:spPr>
-          <a:xfrm>
-            <a:off x="873211" y="2057400"/>
-            <a:ext cx="7076304" cy="4038600"/>
-          </a:xfrm>
-          <a:prstGeom prst="rect">
-            <a:avLst/>
-          </a:prstGeom>
-        </p:spPr>
-        <p:txBody>
-          <a:bodyPr vert="horz" lIns="91440" tIns="45720" rIns="91440" bIns="45720" rtlCol="0">
-            <a:normAutofit/>
-          </a:bodyPr>
-          <a:lstStyle>
-            <a:lvl1pPr marL="228600" indent="-182880" algn="l" defTabSz="914400" rtl="0" eaLnBrk="1" latinLnBrk="0" hangingPunct="1">
-              <a:lnSpc>
-                <a:spcPct val="90000"/>
-              </a:lnSpc>
-              <a:spcBef>
-                <a:spcPts val="1400"/>
-              </a:spcBef>
-              <a:buClr>
-                <a:schemeClr val="tx1"/>
-              </a:buClr>
-              <a:buSzPct val="80000"/>
-              <a:buFont typeface="Corbel" pitchFamily="34" charset="0"/>
-              <a:buChar char="•"/>
-              <a:defRPr sz="2200" kern="1200">
-                <a:solidFill>
-                  <a:schemeClr val="tx1"/>
-                </a:solidFill>
-                <a:latin typeface="+mn-lt"/>
-                <a:ea typeface="+mn-ea"/>
-                <a:cs typeface="+mn-cs"/>
-              </a:defRPr>
-            </a:lvl1pPr>
-            <a:lvl2pPr marL="457200" indent="-182880" algn="l" defTabSz="914400" rtl="0" eaLnBrk="1" latinLnBrk="0" hangingPunct="1">
-              <a:lnSpc>
-                <a:spcPct val="90000"/>
-              </a:lnSpc>
-              <a:spcBef>
-                <a:spcPts val="200"/>
-              </a:spcBef>
-              <a:spcAft>
-                <a:spcPts val="400"/>
-              </a:spcAft>
-              <a:buClr>
-                <a:schemeClr val="tx1"/>
-              </a:buClr>
-              <a:buSzPct val="80000"/>
-              <a:buFont typeface="Corbel" pitchFamily="34" charset="0"/>
-              <a:buChar char="•"/>
-              <a:defRPr sz="2000" kern="1200">
-                <a:solidFill>
-                  <a:schemeClr val="tx1"/>
-                </a:solidFill>
-                <a:latin typeface="+mn-lt"/>
-                <a:ea typeface="+mn-ea"/>
-                <a:cs typeface="+mn-cs"/>
-              </a:defRPr>
-            </a:lvl2pPr>
-            <a:lvl3pPr marL="731520" indent="-182880" algn="l" defTabSz="914400" rtl="0" eaLnBrk="1" latinLnBrk="0" hangingPunct="1">
-              <a:lnSpc>
-                <a:spcPct val="90000"/>
-              </a:lnSpc>
-              <a:spcBef>
-                <a:spcPts val="200"/>
-              </a:spcBef>
-              <a:spcAft>
-                <a:spcPts val="400"/>
-              </a:spcAft>
-              <a:buClr>
-                <a:schemeClr val="tx1"/>
-              </a:buClr>
-              <a:buSzPct val="80000"/>
-              <a:buFont typeface="Corbel" pitchFamily="34" charset="0"/>
-              <a:buChar char="•"/>
-              <a:defRPr sz="1800" kern="1200">
-                <a:solidFill>
-                  <a:schemeClr val="tx1"/>
-                </a:solidFill>
-                <a:latin typeface="+mn-lt"/>
-                <a:ea typeface="+mn-ea"/>
-                <a:cs typeface="+mn-cs"/>
-              </a:defRPr>
-            </a:lvl3pPr>
-            <a:lvl4pPr marL="1005840" indent="-182880" algn="l" defTabSz="914400" rtl="0" eaLnBrk="1" latinLnBrk="0" hangingPunct="1">
-              <a:lnSpc>
-                <a:spcPct val="90000"/>
-              </a:lnSpc>
-              <a:spcBef>
-                <a:spcPts val="200"/>
-              </a:spcBef>
-              <a:spcAft>
-                <a:spcPts val="400"/>
-              </a:spcAft>
-              <a:buClr>
-                <a:schemeClr val="tx1"/>
-              </a:buClr>
-              <a:buSzPct val="80000"/>
-              <a:buFont typeface="Corbel" pitchFamily="34" charset="0"/>
-              <a:buChar char="•"/>
-              <a:defRPr sz="1600" kern="1200">
-                <a:solidFill>
-                  <a:schemeClr val="tx1"/>
-                </a:solidFill>
-                <a:latin typeface="+mn-lt"/>
-                <a:ea typeface="+mn-ea"/>
-                <a:cs typeface="+mn-cs"/>
-              </a:defRPr>
-            </a:lvl4pPr>
-            <a:lvl5pPr marL="1280160" indent="-182880" algn="l" defTabSz="914400" rtl="0" eaLnBrk="1" latinLnBrk="0" hangingPunct="1">
-              <a:lnSpc>
-                <a:spcPct val="90000"/>
-              </a:lnSpc>
-              <a:spcBef>
-                <a:spcPts val="200"/>
-              </a:spcBef>
-              <a:spcAft>
-                <a:spcPts val="400"/>
-              </a:spcAft>
-              <a:buClr>
-                <a:schemeClr val="tx1"/>
-              </a:buClr>
-              <a:buSzPct val="80000"/>
-              <a:buFont typeface="Corbel" pitchFamily="34" charset="0"/>
-              <a:buChar char="•"/>
-              <a:defRPr sz="1600" kern="1200">
-                <a:solidFill>
-                  <a:schemeClr val="tx1"/>
-                </a:solidFill>
-                <a:latin typeface="+mn-lt"/>
-                <a:ea typeface="+mn-ea"/>
-                <a:cs typeface="+mn-cs"/>
-              </a:defRPr>
-            </a:lvl5pPr>
-            <a:lvl6pPr marL="1600000" indent="-228600" algn="l" defTabSz="914400" rtl="0" eaLnBrk="1" latinLnBrk="0" hangingPunct="1">
-              <a:lnSpc>
-                <a:spcPct val="90000"/>
-              </a:lnSpc>
-              <a:spcBef>
-                <a:spcPts val="200"/>
-              </a:spcBef>
-              <a:spcAft>
-                <a:spcPts val="400"/>
-              </a:spcAft>
-              <a:buClr>
-                <a:schemeClr val="tx1"/>
-              </a:buClr>
-              <a:buSzPct val="80000"/>
-              <a:buFont typeface="Corbel" pitchFamily="34" charset="0"/>
-              <a:buChar char="•"/>
-              <a:defRPr sz="1600" kern="1200">
-                <a:solidFill>
-                  <a:schemeClr val="tx1"/>
-                </a:solidFill>
-                <a:latin typeface="+mn-lt"/>
-                <a:ea typeface="+mn-ea"/>
-                <a:cs typeface="+mn-cs"/>
-              </a:defRPr>
-            </a:lvl6pPr>
-            <a:lvl7pPr marL="1900000" indent="-228600" algn="l" defTabSz="914400" rtl="0" eaLnBrk="1" latinLnBrk="0" hangingPunct="1">
-              <a:lnSpc>
-                <a:spcPct val="90000"/>
-              </a:lnSpc>
-              <a:spcBef>
-                <a:spcPts val="200"/>
-              </a:spcBef>
-              <a:spcAft>
-                <a:spcPts val="400"/>
-              </a:spcAft>
-              <a:buClr>
-                <a:schemeClr val="tx1"/>
-              </a:buClr>
-              <a:buSzPct val="80000"/>
-              <a:buFont typeface="Corbel" pitchFamily="34" charset="0"/>
-              <a:buChar char="•"/>
-              <a:defRPr sz="1600" kern="1200">
-                <a:solidFill>
-                  <a:schemeClr val="tx1"/>
-                </a:solidFill>
-                <a:latin typeface="+mn-lt"/>
-                <a:ea typeface="+mn-ea"/>
-                <a:cs typeface="+mn-cs"/>
-              </a:defRPr>
-            </a:lvl7pPr>
-            <a:lvl8pPr marL="2200000" indent="-228600" algn="l" defTabSz="914400" rtl="0" eaLnBrk="1" latinLnBrk="0" hangingPunct="1">
-              <a:lnSpc>
-                <a:spcPct val="90000"/>
-              </a:lnSpc>
-              <a:spcBef>
-                <a:spcPts val="200"/>
-              </a:spcBef>
-              <a:spcAft>
-                <a:spcPts val="400"/>
-              </a:spcAft>
-              <a:buClr>
-                <a:schemeClr val="tx1"/>
-              </a:buClr>
-              <a:buSzPct val="80000"/>
-              <a:buFont typeface="Corbel" pitchFamily="34" charset="0"/>
-              <a:buChar char="•"/>
-              <a:defRPr sz="1600" kern="1200">
-                <a:solidFill>
-                  <a:schemeClr val="tx1"/>
-                </a:solidFill>
-                <a:latin typeface="+mn-lt"/>
-                <a:ea typeface="+mn-ea"/>
-                <a:cs typeface="+mn-cs"/>
-              </a:defRPr>
-            </a:lvl8pPr>
-            <a:lvl9pPr marL="2500000" indent="-228600" algn="l" defTabSz="914400" rtl="0" eaLnBrk="1" latinLnBrk="0" hangingPunct="1">
-              <a:lnSpc>
-                <a:spcPct val="90000"/>
-              </a:lnSpc>
-              <a:spcBef>
-                <a:spcPts val="200"/>
-              </a:spcBef>
-              <a:spcAft>
-                <a:spcPts val="400"/>
-              </a:spcAft>
-              <a:buClr>
-                <a:schemeClr val="tx1"/>
-              </a:buClr>
-              <a:buSzPct val="80000"/>
-              <a:buFont typeface="Corbel" pitchFamily="34" charset="0"/>
-              <a:buChar char="•"/>
-              <a:defRPr sz="1600" kern="1200">
-                <a:solidFill>
-                  <a:schemeClr val="tx1"/>
-                </a:solidFill>
-                <a:latin typeface="+mn-lt"/>
-                <a:ea typeface="+mn-ea"/>
-                <a:cs typeface="+mn-cs"/>
-              </a:defRPr>
-            </a:lvl9pPr>
-          </a:lstStyle>
-          <a:p>
-            <a:r>
-              <a:rPr lang="ru-RU" smtClean="0"/>
-              <a:t>Основная проблема: копирование по умолчанию</a:t>
-            </a:r>
-          </a:p>
-          <a:p>
-            <a:pPr marL="45720" indent="0">
-              <a:buNone/>
-            </a:pPr>
-            <a:r>
-              <a:rPr lang="en-US" sz="2000" smtClean="0">
-                <a:latin typeface="Consolas" panose="020B0609020204030204" pitchFamily="49" charset="0"/>
-              </a:rPr>
-              <a:t>template &lt;typename T&gt; class RAIIPtr {</a:t>
-            </a:r>
-            <a:br>
-              <a:rPr lang="en-US" sz="2000" smtClean="0">
-                <a:latin typeface="Consolas" panose="020B0609020204030204" pitchFamily="49" charset="0"/>
-              </a:rPr>
-            </a:br>
-            <a:r>
-              <a:rPr lang="en-US" sz="2000" smtClean="0">
-                <a:latin typeface="Consolas" panose="020B0609020204030204" pitchFamily="49" charset="0"/>
-              </a:rPr>
-              <a:t>  T *ptr_;</a:t>
-            </a:r>
-            <a:br>
-              <a:rPr lang="en-US" sz="2000" smtClean="0">
-                <a:latin typeface="Consolas" panose="020B0609020204030204" pitchFamily="49" charset="0"/>
-              </a:rPr>
-            </a:br>
-            <a:r>
-              <a:rPr lang="en-US" sz="2000" smtClean="0">
-                <a:latin typeface="Consolas" panose="020B0609020204030204" pitchFamily="49" charset="0"/>
-              </a:rPr>
-              <a:t>public:</a:t>
-            </a:r>
-            <a:br>
-              <a:rPr lang="en-US" sz="2000" smtClean="0">
-                <a:latin typeface="Consolas" panose="020B0609020204030204" pitchFamily="49" charset="0"/>
-              </a:rPr>
-            </a:br>
-            <a:r>
-              <a:rPr lang="en-US" sz="2000" smtClean="0">
-                <a:latin typeface="Consolas" panose="020B0609020204030204" pitchFamily="49" charset="0"/>
-              </a:rPr>
-              <a:t>  RAIIPtr(T </a:t>
-            </a:r>
-            <a:r>
-              <a:rPr lang="en-US" sz="2000">
-                <a:latin typeface="Consolas" panose="020B0609020204030204" pitchFamily="49" charset="0"/>
-              </a:rPr>
-              <a:t>*ptr = nullptr) : ptr_(ptr) {}</a:t>
-            </a:r>
-            <a:br>
-              <a:rPr lang="en-US" sz="2000">
-                <a:latin typeface="Consolas" panose="020B0609020204030204" pitchFamily="49" charset="0"/>
-              </a:rPr>
-            </a:br>
-            <a:r>
-              <a:rPr lang="en-US" sz="2000" smtClean="0">
-                <a:latin typeface="Consolas" panose="020B0609020204030204" pitchFamily="49" charset="0"/>
-              </a:rPr>
-              <a:t>  ~RAIIPtr() { delete ptr_; }</a:t>
-            </a:r>
-            <a:r>
-              <a:rPr lang="ru-RU" sz="2000" smtClean="0">
-                <a:latin typeface="Consolas" panose="020B0609020204030204" pitchFamily="49" charset="0"/>
-              </a:rPr>
-              <a:t/>
-            </a:r>
-            <a:br>
-              <a:rPr lang="ru-RU" sz="2000" smtClean="0">
-                <a:latin typeface="Consolas" panose="020B0609020204030204" pitchFamily="49" charset="0"/>
-              </a:rPr>
-            </a:br>
-            <a:r>
-              <a:rPr lang="ru-RU" sz="2000" smtClean="0">
-                <a:solidFill>
-                  <a:srgbClr val="FF0000"/>
-                </a:solidFill>
-                <a:latin typeface="Consolas" panose="020B0609020204030204" pitchFamily="49" charset="0"/>
-              </a:rPr>
-              <a:t>  </a:t>
-            </a:r>
-            <a:r>
-              <a:rPr lang="en-US" sz="2000" smtClean="0">
-                <a:solidFill>
-                  <a:srgbClr val="FF0000"/>
-                </a:solidFill>
-                <a:latin typeface="Consolas" panose="020B0609020204030204" pitchFamily="49" charset="0"/>
-              </a:rPr>
-              <a:t>RAIIPtr</a:t>
-            </a:r>
-            <a:r>
-              <a:rPr lang="ru-RU" sz="2000" smtClean="0">
-                <a:solidFill>
-                  <a:srgbClr val="FF0000"/>
-                </a:solidFill>
-                <a:latin typeface="Consolas" panose="020B0609020204030204" pitchFamily="49" charset="0"/>
-              </a:rPr>
-              <a:t>(</a:t>
-            </a:r>
-            <a:r>
-              <a:rPr lang="en-US" sz="2000" smtClean="0">
-                <a:solidFill>
-                  <a:srgbClr val="FF0000"/>
-                </a:solidFill>
-                <a:latin typeface="Consolas" panose="020B0609020204030204" pitchFamily="49" charset="0"/>
-              </a:rPr>
-              <a:t>const RAIIPtr&amp;) = default;</a:t>
-            </a:r>
-            <a:br>
-              <a:rPr lang="en-US" sz="2000" smtClean="0">
-                <a:solidFill>
-                  <a:srgbClr val="FF0000"/>
-                </a:solidFill>
-                <a:latin typeface="Consolas" panose="020B0609020204030204" pitchFamily="49" charset="0"/>
-              </a:rPr>
-            </a:br>
-            <a:r>
-              <a:rPr lang="en-US" sz="2000" smtClean="0">
-                <a:solidFill>
-                  <a:srgbClr val="FF0000"/>
-                </a:solidFill>
-                <a:latin typeface="Consolas" panose="020B0609020204030204" pitchFamily="49" charset="0"/>
-              </a:rPr>
-              <a:t>  RAIIPtr&amp; operator= </a:t>
-            </a:r>
-            <a:r>
-              <a:rPr lang="ru-RU" sz="2000" smtClean="0">
-                <a:solidFill>
-                  <a:srgbClr val="FF0000"/>
-                </a:solidFill>
-                <a:latin typeface="Consolas" panose="020B0609020204030204" pitchFamily="49" charset="0"/>
-              </a:rPr>
-              <a:t>(</a:t>
-            </a:r>
-            <a:r>
-              <a:rPr lang="en-US" sz="2000" smtClean="0">
-                <a:solidFill>
-                  <a:srgbClr val="FF0000"/>
-                </a:solidFill>
-                <a:latin typeface="Consolas" panose="020B0609020204030204" pitchFamily="49" charset="0"/>
-              </a:rPr>
-              <a:t>const RAIIPtr&amp;) = default;</a:t>
-            </a:r>
-            <a:br>
-              <a:rPr lang="en-US" sz="2000" smtClean="0">
-                <a:solidFill>
-                  <a:srgbClr val="FF0000"/>
-                </a:solidFill>
-                <a:latin typeface="Consolas" panose="020B0609020204030204" pitchFamily="49" charset="0"/>
-              </a:rPr>
-            </a:br>
-            <a:r>
-              <a:rPr lang="en-US" sz="2000" smtClean="0">
-                <a:latin typeface="Consolas" panose="020B0609020204030204" pitchFamily="49" charset="0"/>
-              </a:rPr>
-              <a:t>  T operator*() const { return *ptr_; }</a:t>
-            </a:r>
-            <a:br>
-              <a:rPr lang="en-US" sz="2000" smtClean="0">
-                <a:latin typeface="Consolas" panose="020B0609020204030204" pitchFamily="49" charset="0"/>
-              </a:rPr>
-            </a:br>
-            <a:r>
-              <a:rPr lang="en-US" sz="2000" smtClean="0">
-                <a:latin typeface="Consolas" panose="020B0609020204030204" pitchFamily="49" charset="0"/>
-              </a:rPr>
-              <a:t>  T* operator-&gt;() const { return ptr_; }</a:t>
-            </a:r>
-            <a:br>
-              <a:rPr lang="en-US" sz="2000" smtClean="0">
-                <a:latin typeface="Consolas" panose="020B0609020204030204" pitchFamily="49" charset="0"/>
-              </a:rPr>
-            </a:br>
-            <a:r>
-              <a:rPr lang="en-US" sz="2000" smtClean="0">
-                <a:latin typeface="Consolas" panose="020B0609020204030204" pitchFamily="49" charset="0"/>
-              </a:rPr>
-              <a:t>};</a:t>
-            </a:r>
-            <a:endParaRPr lang="ru-RU" sz="2000">
-              <a:latin typeface="Consolas" panose="020B0609020204030204" pitchFamily="49" charset="0"/>
-            </a:endParaRPr>
-          </a:p>
-        </p:txBody>
-      </p:sp>
-      <p:sp>
-        <p:nvSpPr>
-          <p:cNvPr id="6" name="Rectangle 5"/>
-          <p:cNvSpPr/>
-          <p:nvPr/>
-        </p:nvSpPr>
-        <p:spPr>
-          <a:xfrm>
-            <a:off x="8361407" y="4118923"/>
-            <a:ext cx="906162" cy="642551"/>
-          </a:xfrm>
-          <a:prstGeom prst="rect">
-            <a:avLst/>
-          </a:prstGeom>
-          <a:ln w="28575">
-            <a:headEnd w="lg" len="lg"/>
-            <a:tailEnd w="lg" len="lg"/>
-          </a:ln>
-        </p:spPr>
-        <p:style>
-          <a:lnRef idx="2">
-            <a:schemeClr val="accent4"/>
-          </a:lnRef>
-          <a:fillRef idx="1">
-            <a:schemeClr val="lt1"/>
-          </a:fillRef>
-          <a:effectRef idx="0">
-            <a:schemeClr val="accent4"/>
-          </a:effectRef>
-          <a:fontRef idx="minor">
-            <a:schemeClr val="dk1"/>
-          </a:fontRef>
-        </p:style>
-        <p:txBody>
-          <a:bodyPr rtlCol="0" anchor="ctr"/>
-          <a:lstStyle/>
-          <a:p>
-            <a:pPr algn="ctr"/>
-            <a:r>
-              <a:rPr lang="en-US" smtClean="0">
-                <a:latin typeface="Consolas" panose="020B0609020204030204" pitchFamily="49" charset="0"/>
-              </a:rPr>
-              <a:t>ptr1</a:t>
-            </a:r>
-            <a:endParaRPr lang="en-US">
-              <a:latin typeface="Consolas" panose="020B0609020204030204" pitchFamily="49" charset="0"/>
-            </a:endParaRPr>
-          </a:p>
-        </p:txBody>
-      </p:sp>
-      <p:sp>
-        <p:nvSpPr>
-          <p:cNvPr id="7" name="Rectangle 6"/>
-          <p:cNvSpPr/>
-          <p:nvPr/>
-        </p:nvSpPr>
-        <p:spPr>
-          <a:xfrm>
-            <a:off x="10037807" y="4118922"/>
-            <a:ext cx="906162" cy="642551"/>
-          </a:xfrm>
-          <a:prstGeom prst="rect">
-            <a:avLst/>
-          </a:prstGeom>
-          <a:ln w="28575">
-            <a:headEnd w="lg" len="lg"/>
-            <a:tailEnd w="lg" len="lg"/>
-          </a:ln>
-        </p:spPr>
-        <p:style>
-          <a:lnRef idx="2">
-            <a:schemeClr val="accent4"/>
-          </a:lnRef>
-          <a:fillRef idx="1">
-            <a:schemeClr val="lt1"/>
-          </a:fillRef>
-          <a:effectRef idx="0">
-            <a:schemeClr val="accent4"/>
-          </a:effectRef>
-          <a:fontRef idx="minor">
-            <a:schemeClr val="dk1"/>
-          </a:fontRef>
-        </p:style>
-        <p:txBody>
-          <a:bodyPr rtlCol="0" anchor="ctr"/>
-          <a:lstStyle/>
-          <a:p>
-            <a:pPr algn="ctr"/>
-            <a:r>
-              <a:rPr lang="en-US" smtClean="0">
-                <a:latin typeface="Consolas" panose="020B0609020204030204" pitchFamily="49" charset="0"/>
-              </a:rPr>
-              <a:t>ptr2</a:t>
-            </a:r>
-            <a:endParaRPr lang="en-US">
-              <a:latin typeface="Consolas" panose="020B0609020204030204" pitchFamily="49" charset="0"/>
-            </a:endParaRPr>
-          </a:p>
-        </p:txBody>
-      </p:sp>
-      <p:sp>
-        <p:nvSpPr>
-          <p:cNvPr id="8" name="Rectangle 7"/>
-          <p:cNvSpPr/>
-          <p:nvPr/>
-        </p:nvSpPr>
-        <p:spPr>
-          <a:xfrm>
-            <a:off x="8361407" y="5082749"/>
-            <a:ext cx="906162" cy="642551"/>
-          </a:xfrm>
-          <a:prstGeom prst="rect">
-            <a:avLst/>
-          </a:prstGeom>
-          <a:ln w="28575">
-            <a:headEnd w="lg" len="lg"/>
-            <a:tailEnd w="lg" len="lg"/>
-          </a:ln>
-        </p:spPr>
-        <p:style>
-          <a:lnRef idx="2">
-            <a:schemeClr val="accent4"/>
-          </a:lnRef>
-          <a:fillRef idx="1">
-            <a:schemeClr val="lt1"/>
-          </a:fillRef>
-          <a:effectRef idx="0">
-            <a:schemeClr val="accent4"/>
-          </a:effectRef>
-          <a:fontRef idx="minor">
-            <a:schemeClr val="dk1"/>
-          </a:fontRef>
-        </p:style>
-        <p:txBody>
-          <a:bodyPr rtlCol="0" anchor="ctr"/>
-          <a:lstStyle/>
-          <a:p>
-            <a:pPr algn="ctr"/>
-            <a:r>
-              <a:rPr lang="en-US" smtClean="0">
-                <a:latin typeface="Consolas" panose="020B0609020204030204" pitchFamily="49" charset="0"/>
-              </a:rPr>
-              <a:t>42</a:t>
-            </a:r>
-            <a:endParaRPr lang="en-US">
-              <a:latin typeface="Consolas" panose="020B0609020204030204" pitchFamily="49" charset="0"/>
-            </a:endParaRPr>
-          </a:p>
-        </p:txBody>
-      </p:sp>
-      <p:cxnSp>
-        <p:nvCxnSpPr>
-          <p:cNvPr id="11" name="Straight Arrow Connector 10"/>
-          <p:cNvCxnSpPr/>
-          <p:nvPr/>
-        </p:nvCxnSpPr>
-        <p:spPr>
-          <a:xfrm>
-            <a:off x="8814488" y="4761474"/>
-            <a:ext cx="0" cy="321275"/>
-          </a:xfrm>
-          <a:prstGeom prst="straightConnector1">
-            <a:avLst/>
-          </a:prstGeom>
-          <a:ln w="28575">
-            <a:solidFill>
-              <a:schemeClr val="accent4"/>
-            </a:solidFill>
-            <a:headEnd w="lg" len="lg"/>
-            <a:tailEnd type="triangle" w="lg" len="lg"/>
-          </a:ln>
-        </p:spPr>
-        <p:style>
-          <a:lnRef idx="1">
-            <a:schemeClr val="accent1"/>
-          </a:lnRef>
-          <a:fillRef idx="0">
-            <a:schemeClr val="accent1"/>
-          </a:fillRef>
-          <a:effectRef idx="0">
-            <a:schemeClr val="accent1"/>
-          </a:effectRef>
-          <a:fontRef idx="minor">
-            <a:schemeClr val="tx1"/>
-          </a:fontRef>
-        </p:style>
-      </p:cxnSp>
-      <p:cxnSp>
-        <p:nvCxnSpPr>
-          <p:cNvPr id="12" name="Straight Arrow Connector 11"/>
-          <p:cNvCxnSpPr>
-            <a:stCxn id="7" idx="2"/>
-            <a:endCxn id="8" idx="3"/>
-          </p:cNvCxnSpPr>
-          <p:nvPr/>
-        </p:nvCxnSpPr>
-        <p:spPr>
-          <a:xfrm rot="5400000">
-            <a:off x="9557953" y="4471090"/>
-            <a:ext cx="642552" cy="1223319"/>
-          </a:xfrm>
-          <a:prstGeom prst="bentConnector2">
-            <a:avLst/>
-          </a:prstGeom>
-          <a:ln w="28575">
-            <a:solidFill>
-              <a:schemeClr val="accent4"/>
-            </a:solidFill>
-            <a:headEnd w="lg" len="lg"/>
-            <a:tailEnd type="triangle" w="lg" len="lg"/>
-          </a:ln>
-        </p:spPr>
-        <p:style>
-          <a:lnRef idx="1">
-            <a:schemeClr val="accent1"/>
-          </a:lnRef>
-          <a:fillRef idx="0">
-            <a:schemeClr val="accent1"/>
-          </a:fillRef>
-          <a:effectRef idx="0">
-            <a:schemeClr val="accent1"/>
-          </a:effectRef>
-          <a:fontRef idx="minor">
-            <a:schemeClr val="tx1"/>
-          </a:fontRef>
-        </p:style>
-      </p:cxnSp>
-    </p:spTree>
-    <p:extLst>
-      <p:ext uri="{BB962C8B-B14F-4D97-AF65-F5344CB8AC3E}">
-        <p14:creationId xmlns:p14="http://schemas.microsoft.com/office/powerpoint/2010/main" val="3410420939"/>
       </p:ext>
     </p:extLst>
   </p:cSld>
@@ -19902,7 +21173,23 @@
           <a:p>
             <a:r>
               <a:rPr lang="ru-RU" smtClean="0"/>
-              <a:t>Это решение известно как </a:t>
+              <a:t>Это решение </a:t>
+            </a:r>
+            <a:r>
+              <a:rPr lang="ru-RU" smtClean="0"/>
+              <a:t>известно</a:t>
+            </a:r>
+            <a:r>
+              <a:rPr lang="en-US" smtClean="0"/>
+              <a:t> </a:t>
+            </a:r>
+            <a:r>
+              <a:rPr lang="ru-RU" smtClean="0"/>
+              <a:t>в том числе </a:t>
+            </a:r>
+            <a:r>
+              <a:rPr lang="ru-RU" smtClean="0"/>
+              <a:t>как </a:t>
             </a:r>
             <a:r>
               <a:rPr lang="en-US" smtClean="0">
@@ -20228,7 +21515,11 @@
             </a:r>
             <a:r>
               <a:rPr lang="ru-RU" smtClean="0"/>
-              <a:t>вполне безопасен и профессионален, но ограничен</a:t>
+              <a:t>вполне безопасен и профессионален, но </a:t>
+            </a:r>
+            <a:r>
+              <a:rPr lang="ru-RU" smtClean="0"/>
+              <a:t>ограничен пределами области видимости</a:t>
             </a:r>
             <a:endParaRPr lang="en-US"/>
           </a:p>

--- a/trunk/slides/sep2017/05-smartptrs.pptx
+++ b/trunk/slides/sep2017/05-smartptrs.pptx
@@ -55,21 +55,22 @@
     <p:sldId id="302" r:id="rId49"/>
     <p:sldId id="324" r:id="rId50"/>
     <p:sldId id="322" r:id="rId51"/>
-    <p:sldId id="323" r:id="rId52"/>
-    <p:sldId id="303" r:id="rId53"/>
-    <p:sldId id="304" r:id="rId54"/>
-    <p:sldId id="305" r:id="rId55"/>
-    <p:sldId id="306" r:id="rId56"/>
-    <p:sldId id="308" r:id="rId57"/>
-    <p:sldId id="307" r:id="rId58"/>
-    <p:sldId id="310" r:id="rId59"/>
-    <p:sldId id="313" r:id="rId60"/>
-    <p:sldId id="319" r:id="rId61"/>
-    <p:sldId id="315" r:id="rId62"/>
-    <p:sldId id="309" r:id="rId63"/>
-    <p:sldId id="311" r:id="rId64"/>
-    <p:sldId id="312" r:id="rId65"/>
-    <p:sldId id="258" r:id="rId66"/>
+    <p:sldId id="325" r:id="rId52"/>
+    <p:sldId id="326" r:id="rId53"/>
+    <p:sldId id="303" r:id="rId54"/>
+    <p:sldId id="304" r:id="rId55"/>
+    <p:sldId id="305" r:id="rId56"/>
+    <p:sldId id="306" r:id="rId57"/>
+    <p:sldId id="308" r:id="rId58"/>
+    <p:sldId id="307" r:id="rId59"/>
+    <p:sldId id="310" r:id="rId60"/>
+    <p:sldId id="313" r:id="rId61"/>
+    <p:sldId id="319" r:id="rId62"/>
+    <p:sldId id="315" r:id="rId63"/>
+    <p:sldId id="309" r:id="rId64"/>
+    <p:sldId id="311" r:id="rId65"/>
+    <p:sldId id="312" r:id="rId66"/>
+    <p:sldId id="258" r:id="rId67"/>
   </p:sldIdLst>
   <p:sldSz cx="12192000" cy="6858000"/>
   <p:notesSz cx="6858000" cy="9144000"/>
@@ -373,7 +374,7 @@
             <a:fld id="{96DFF08F-DC6B-4601-B491-B0F83F6DD2DA}" type="datetimeFigureOut">
               <a:rPr lang="en-US" dirty="0"/>
               <a:pPr/>
-              <a:t>9/2/2017</a:t>
+              <a:t>10/17/2017</a:t>
             </a:fld>
             <a:endParaRPr lang="en-US" dirty="0"/>
           </a:p>
@@ -590,7 +591,7 @@
           <a:p>
             <a:fld id="{96DFF08F-DC6B-4601-B491-B0F83F6DD2DA}" type="datetimeFigureOut">
               <a:rPr lang="en-US" dirty="0"/>
-              <a:t>9/2/2017</a:t>
+              <a:t>10/17/2017</a:t>
             </a:fld>
             <a:endParaRPr lang="en-US" dirty="0"/>
           </a:p>
@@ -765,7 +766,7 @@
           <a:p>
             <a:fld id="{96DFF08F-DC6B-4601-B491-B0F83F6DD2DA}" type="datetimeFigureOut">
               <a:rPr lang="en-US" dirty="0"/>
-              <a:t>9/2/2017</a:t>
+              <a:t>10/17/2017</a:t>
             </a:fld>
             <a:endParaRPr lang="en-US" dirty="0"/>
           </a:p>
@@ -930,7 +931,7 @@
           <a:p>
             <a:fld id="{96DFF08F-DC6B-4601-B491-B0F83F6DD2DA}" type="datetimeFigureOut">
               <a:rPr lang="en-US" dirty="0"/>
-              <a:t>9/2/2017</a:t>
+              <a:t>10/17/2017</a:t>
             </a:fld>
             <a:endParaRPr lang="en-US" dirty="0"/>
           </a:p>
@@ -1176,7 +1177,7 @@
           <a:p>
             <a:fld id="{96DFF08F-DC6B-4601-B491-B0F83F6DD2DA}" type="datetimeFigureOut">
               <a:rPr lang="en-US" dirty="0"/>
-              <a:t>9/2/2017</a:t>
+              <a:t>10/17/2017</a:t>
             </a:fld>
             <a:endParaRPr lang="en-US" dirty="0"/>
           </a:p>
@@ -1494,7 +1495,7 @@
           <a:p>
             <a:fld id="{96DFF08F-DC6B-4601-B491-B0F83F6DD2DA}" type="datetimeFigureOut">
               <a:rPr lang="en-US" dirty="0"/>
-              <a:t>9/2/2017</a:t>
+              <a:t>10/17/2017</a:t>
             </a:fld>
             <a:endParaRPr lang="en-US" dirty="0"/>
           </a:p>
@@ -1913,7 +1914,7 @@
           <a:p>
             <a:fld id="{96DFF08F-DC6B-4601-B491-B0F83F6DD2DA}" type="datetimeFigureOut">
               <a:rPr lang="en-US" dirty="0"/>
-              <a:t>9/2/2017</a:t>
+              <a:t>10/17/2017</a:t>
             </a:fld>
             <a:endParaRPr lang="en-US" dirty="0"/>
           </a:p>
@@ -2026,7 +2027,7 @@
           <a:p>
             <a:fld id="{96DFF08F-DC6B-4601-B491-B0F83F6DD2DA}" type="datetimeFigureOut">
               <a:rPr lang="en-US" dirty="0"/>
-              <a:t>9/2/2017</a:t>
+              <a:t>10/17/2017</a:t>
             </a:fld>
             <a:endParaRPr lang="en-US" dirty="0"/>
           </a:p>
@@ -2116,7 +2117,7 @@
           <a:p>
             <a:fld id="{96DFF08F-DC6B-4601-B491-B0F83F6DD2DA}" type="datetimeFigureOut">
               <a:rPr lang="en-US" dirty="0"/>
-              <a:t>9/2/2017</a:t>
+              <a:t>10/17/2017</a:t>
             </a:fld>
             <a:endParaRPr lang="en-US" dirty="0"/>
           </a:p>
@@ -2401,7 +2402,7 @@
           <a:p>
             <a:fld id="{96DFF08F-DC6B-4601-B491-B0F83F6DD2DA}" type="datetimeFigureOut">
               <a:rPr lang="en-US" dirty="0"/>
-              <a:t>9/2/2017</a:t>
+              <a:t>10/17/2017</a:t>
             </a:fld>
             <a:endParaRPr lang="en-US" dirty="0"/>
           </a:p>
@@ -2668,7 +2669,7 @@
           <a:p>
             <a:fld id="{96DFF08F-DC6B-4601-B491-B0F83F6DD2DA}" type="datetimeFigureOut">
               <a:rPr lang="en-US" dirty="0"/>
-              <a:t>9/2/2017</a:t>
+              <a:t>10/17/2017</a:t>
             </a:fld>
             <a:endParaRPr lang="en-US" dirty="0"/>
           </a:p>
@@ -2917,7 +2918,7 @@
             <a:fld id="{96DFF08F-DC6B-4601-B491-B0F83F6DD2DA}" type="datetimeFigureOut">
               <a:rPr lang="en-US" dirty="0"/>
               <a:pPr/>
-              <a:t>9/2/2017</a:t>
+              <a:t>10/17/2017</a:t>
             </a:fld>
             <a:endParaRPr lang="en-US" dirty="0"/>
           </a:p>
@@ -8215,13 +8216,7 @@
               <a:rPr lang="ru-RU" smtClean="0">
                 <a:latin typeface="Consolas" panose="020B0609020204030204" pitchFamily="49" charset="0"/>
               </a:rPr>
-              <a:t>это </a:t>
-            </a:r>
-            <a:r>
-              <a:rPr lang="ru-RU" smtClean="0">
-                <a:latin typeface="Consolas" panose="020B0609020204030204" pitchFamily="49" charset="0"/>
-              </a:rPr>
-              <a:t>ок</a:t>
+              <a:t>это ок</a:t>
             </a:r>
             <a:r>
               <a:rPr lang="en-US">
@@ -8239,12 +8234,6 @@
                 <a:latin typeface="Consolas" panose="020B0609020204030204" pitchFamily="49" charset="0"/>
               </a:rPr>
               <a:t>  MyWrapper() : c(nullptr) {};</a:t>
-            </a:r>
-            <a:r>
-              <a:rPr lang="en-US" smtClean="0">
-                <a:latin typeface="Consolas" panose="020B0609020204030204" pitchFamily="49" charset="0"/>
-              </a:rPr>
-              <a:t/>
             </a:r>
             <a:br>
               <a:rPr lang="en-US" smtClean="0">
@@ -8312,13 +8301,7 @@
               <a:rPr lang="en-US">
                 <a:latin typeface="Consolas" panose="020B0609020204030204" pitchFamily="49" charset="0"/>
               </a:rPr>
-              <a:t>() : c(nullptr</a:t>
-            </a:r>
-            <a:r>
-              <a:rPr lang="en-US">
-                <a:latin typeface="Consolas" panose="020B0609020204030204" pitchFamily="49" charset="0"/>
-              </a:rPr>
-              <a:t>) </a:t>
+              <a:t>() : c(nullptr) </a:t>
             </a:r>
             <a:r>
               <a:rPr lang="en-US" smtClean="0">
@@ -13330,7 +13313,7 @@
         </p:nvSpPr>
         <p:spPr>
           <a:xfrm>
-            <a:off x="1145649" y="5858510"/>
+            <a:off x="1143000" y="5919867"/>
             <a:ext cx="10172591" cy="506730"/>
           </a:xfrm>
         </p:spPr>
@@ -15499,7 +15482,95 @@
           <a:p>
             <a:r>
               <a:rPr lang="ru-RU" smtClean="0"/>
-              <a:t>Тут про то, что удалитель не является частью типа</a:t>
+              <a:t>При разделяемом владении момент освобождения ресурса бывает вообще не очевиден. Тем важнее задать способ освобождения.</a:t>
+            </a:r>
+          </a:p>
+          <a:p>
+            <a:pPr marL="45720" indent="0">
+              <a:buNone/>
+            </a:pPr>
+            <a:r>
+              <a:rPr lang="en-US" smtClean="0"/>
+              <a:t>SDL_Surface* s = SDL_LoadBMP(....); // </a:t>
+            </a:r>
+            <a:r>
+              <a:rPr lang="ru-RU" smtClean="0"/>
+              <a:t>как сделать разделяемый указатель?</a:t>
+            </a:r>
+          </a:p>
+          <a:p>
+            <a:r>
+              <a:rPr lang="ru-RU" smtClean="0"/>
+              <a:t>Здесь явно не достаточно обычного </a:t>
+            </a:r>
+            <a:r>
+              <a:rPr lang="en-US" smtClean="0"/>
+              <a:t>delete </a:t>
+            </a:r>
+            <a:r>
+              <a:rPr lang="ru-RU" smtClean="0"/>
+              <a:t>для освобождения</a:t>
+            </a:r>
+          </a:p>
+          <a:p>
+            <a:pPr marL="45720" indent="0">
+              <a:buNone/>
+            </a:pPr>
+            <a:r>
+              <a:rPr lang="en-US"/>
+              <a:t>shared_ptr&lt;SDL_Surface&gt;(</a:t>
+            </a:r>
+            <a:r>
+              <a:rPr lang="en-US"/>
+              <a:t>SDL_LoadBMP</a:t>
+            </a:r>
+            <a:r>
+              <a:rPr lang="en-US" smtClean="0"/>
+              <a:t>(....), SDL_FreeSurface</a:t>
+            </a:r>
+            <a:r>
+              <a:rPr lang="ru-RU" smtClean="0"/>
+              <a:t>)</a:t>
+            </a:r>
+            <a:r>
+              <a:rPr lang="en-US" smtClean="0"/>
+              <a:t>;</a:t>
+            </a:r>
+          </a:p>
+          <a:p>
+            <a:r>
+              <a:rPr lang="ru-RU" smtClean="0"/>
+              <a:t>Важно отметить: в отличии от </a:t>
+            </a:r>
+            <a:r>
+              <a:rPr lang="en-US" smtClean="0"/>
+              <a:t>unique_ptr, </a:t>
+            </a:r>
+            <a:r>
+              <a:rPr lang="ru-RU" smtClean="0"/>
+              <a:t>пользовательский удалитель </a:t>
+            </a:r>
+            <a:r>
+              <a:rPr lang="ru-RU" b="1" smtClean="0"/>
+              <a:t>не является частью типа</a:t>
+            </a:r>
+            <a:r>
+              <a:rPr lang="ru-RU" smtClean="0"/>
+              <a:t>. Он идёт не в шаблонный параметр, а в конструктор. </a:t>
+            </a:r>
+            <a:endParaRPr lang="en-US" smtClean="0"/>
+          </a:p>
+          <a:p>
+            <a:r>
+              <a:rPr lang="ru-RU" smtClean="0"/>
+              <a:t>Из-за этого надо его явно указывать даже для встроенных массивов</a:t>
+            </a:r>
+            <a:endParaRPr lang="en-US"/>
+          </a:p>
+          <a:p>
+            <a:r>
+              <a:rPr lang="ru-RU" smtClean="0"/>
+              <a:t>Кто-нибудь понимает почему это так? </a:t>
             </a:r>
             <a:endParaRPr lang="en-US"/>
           </a:p>
@@ -15552,7 +15623,15 @@
           <a:p>
             <a:r>
               <a:rPr lang="ru-RU" smtClean="0"/>
-              <a:t>Как может быть устроен </a:t>
+              <a:t>Где лежит </a:t>
+            </a:r>
+            <a:r>
+              <a:rPr lang="en-US" smtClean="0"/>
+              <a:t>deleter </a:t>
+            </a:r>
+            <a:r>
+              <a:rPr lang="ru-RU" smtClean="0"/>
+              <a:t>в </a:t>
             </a:r>
             <a:r>
               <a:rPr lang="en-US" smtClean="0"/>
@@ -15572,23 +15651,658 @@
             <p:ph idx="1"/>
           </p:nvPr>
         </p:nvSpPr>
-        <p:spPr/>
-        <p:txBody>
-          <a:bodyPr/>
-          <a:lstStyle/>
-          <a:p>
-            <a:r>
-              <a:rPr lang="ru-RU" smtClean="0"/>
-              <a:t>Тут куча вариантов</a:t>
-            </a:r>
-            <a:endParaRPr lang="en-US"/>
-          </a:p>
-        </p:txBody>
-      </p:sp>
+        <p:spPr>
+          <a:xfrm>
+            <a:off x="1143000" y="6055868"/>
+            <a:ext cx="10172591" cy="506730"/>
+          </a:xfrm>
+        </p:spPr>
+        <p:txBody>
+          <a:bodyPr>
+            <a:normAutofit/>
+          </a:bodyPr>
+          <a:lstStyle/>
+          <a:p>
+            <a:r>
+              <a:rPr lang="ru-RU" sz="2400" smtClean="0"/>
+              <a:t>Этой картинке </a:t>
+            </a:r>
+            <a:r>
+              <a:rPr lang="ru-RU" sz="2400" smtClean="0"/>
+              <a:t>уже можно до какой-то степени верить</a:t>
+            </a:r>
+            <a:endParaRPr lang="en-US" sz="2400"/>
+          </a:p>
+        </p:txBody>
+      </p:sp>
+      <p:sp>
+        <p:nvSpPr>
+          <p:cNvPr id="4" name="Rectangle 3"/>
+          <p:cNvSpPr/>
+          <p:nvPr/>
+        </p:nvSpPr>
+        <p:spPr>
+          <a:xfrm>
+            <a:off x="9695180" y="3378708"/>
+            <a:ext cx="1371600" cy="802640"/>
+          </a:xfrm>
+          <a:prstGeom prst="rect">
+            <a:avLst/>
+          </a:prstGeom>
+          <a:ln>
+            <a:solidFill>
+              <a:schemeClr val="tx1"/>
+            </a:solidFill>
+          </a:ln>
+          <a:effectLst/>
+        </p:spPr>
+        <p:style>
+          <a:lnRef idx="2">
+            <a:schemeClr val="dk1"/>
+          </a:lnRef>
+          <a:fillRef idx="1">
+            <a:schemeClr val="lt1"/>
+          </a:fillRef>
+          <a:effectRef idx="0">
+            <a:schemeClr val="dk1"/>
+          </a:effectRef>
+          <a:fontRef idx="minor">
+            <a:schemeClr val="dk1"/>
+          </a:fontRef>
+        </p:style>
+        <p:txBody>
+          <a:bodyPr rtlCol="0" anchor="ctr"/>
+          <a:lstStyle/>
+          <a:p>
+            <a:pPr algn="ctr"/>
+            <a:r>
+              <a:rPr lang="en-US" smtClean="0">
+                <a:ln>
+                  <a:solidFill>
+                    <a:schemeClr val="tx1"/>
+                  </a:solidFill>
+                </a:ln>
+              </a:rPr>
+              <a:t>Data pointer</a:t>
+            </a:r>
+            <a:endParaRPr lang="en-US">
+              <a:ln>
+                <a:solidFill>
+                  <a:schemeClr val="tx1"/>
+                </a:solidFill>
+              </a:ln>
+            </a:endParaRPr>
+          </a:p>
+        </p:txBody>
+      </p:sp>
+      <p:sp>
+        <p:nvSpPr>
+          <p:cNvPr id="6" name="Rectangle 5"/>
+          <p:cNvSpPr/>
+          <p:nvPr/>
+        </p:nvSpPr>
+        <p:spPr>
+          <a:xfrm>
+            <a:off x="7771130" y="2312670"/>
+            <a:ext cx="1488440" cy="802640"/>
+          </a:xfrm>
+          <a:prstGeom prst="rect">
+            <a:avLst/>
+          </a:prstGeom>
+          <a:ln>
+            <a:solidFill>
+              <a:schemeClr val="tx1"/>
+            </a:solidFill>
+          </a:ln>
+          <a:effectLst/>
+        </p:spPr>
+        <p:style>
+          <a:lnRef idx="2">
+            <a:schemeClr val="dk1"/>
+          </a:lnRef>
+          <a:fillRef idx="1">
+            <a:schemeClr val="lt1"/>
+          </a:fillRef>
+          <a:effectRef idx="0">
+            <a:schemeClr val="dk1"/>
+          </a:effectRef>
+          <a:fontRef idx="minor">
+            <a:schemeClr val="dk1"/>
+          </a:fontRef>
+        </p:style>
+        <p:txBody>
+          <a:bodyPr rtlCol="0" anchor="ctr"/>
+          <a:lstStyle/>
+          <a:p>
+            <a:pPr algn="ctr"/>
+            <a:r>
+              <a:rPr lang="en-US" smtClean="0">
+                <a:ln>
+                  <a:solidFill>
+                    <a:schemeClr val="tx1"/>
+                  </a:solidFill>
+                </a:ln>
+              </a:rPr>
+              <a:t>Node</a:t>
+            </a:r>
+          </a:p>
+        </p:txBody>
+      </p:sp>
+      <p:cxnSp>
+        <p:nvCxnSpPr>
+          <p:cNvPr id="7" name="Straight Arrow Connector 8"/>
+          <p:cNvCxnSpPr>
+            <a:stCxn id="4" idx="1"/>
+            <a:endCxn id="6" idx="2"/>
+          </p:cNvCxnSpPr>
+          <p:nvPr/>
+        </p:nvCxnSpPr>
+        <p:spPr>
+          <a:xfrm rot="10800000">
+            <a:off x="8515350" y="3115310"/>
+            <a:ext cx="1179830" cy="664718"/>
+          </a:xfrm>
+          <a:prstGeom prst="curvedConnector2">
+            <a:avLst/>
+          </a:prstGeom>
+          <a:ln w="28575">
+            <a:solidFill>
+              <a:schemeClr val="tx1"/>
+            </a:solidFill>
+            <a:tailEnd type="triangle" w="lg" len="lg"/>
+          </a:ln>
+        </p:spPr>
+        <p:style>
+          <a:lnRef idx="1">
+            <a:schemeClr val="accent1"/>
+          </a:lnRef>
+          <a:fillRef idx="0">
+            <a:schemeClr val="accent1"/>
+          </a:fillRef>
+          <a:effectRef idx="0">
+            <a:schemeClr val="accent1"/>
+          </a:effectRef>
+          <a:fontRef idx="minor">
+            <a:schemeClr val="tx1"/>
+          </a:fontRef>
+        </p:style>
+      </p:cxnSp>
+      <p:sp>
+        <p:nvSpPr>
+          <p:cNvPr id="8" name="Rectangle 7"/>
+          <p:cNvSpPr/>
+          <p:nvPr/>
+        </p:nvSpPr>
+        <p:spPr>
+          <a:xfrm>
+            <a:off x="9695180" y="4194429"/>
+            <a:ext cx="1371600" cy="802640"/>
+          </a:xfrm>
+          <a:prstGeom prst="rect">
+            <a:avLst/>
+          </a:prstGeom>
+          <a:ln>
+            <a:solidFill>
+              <a:schemeClr val="tx1"/>
+            </a:solidFill>
+          </a:ln>
+          <a:effectLst/>
+        </p:spPr>
+        <p:style>
+          <a:lnRef idx="2">
+            <a:schemeClr val="dk1"/>
+          </a:lnRef>
+          <a:fillRef idx="1">
+            <a:schemeClr val="lt1"/>
+          </a:fillRef>
+          <a:effectRef idx="0">
+            <a:schemeClr val="dk1"/>
+          </a:effectRef>
+          <a:fontRef idx="minor">
+            <a:schemeClr val="dk1"/>
+          </a:fontRef>
+        </p:style>
+        <p:txBody>
+          <a:bodyPr rtlCol="0" anchor="ctr"/>
+          <a:lstStyle/>
+          <a:p>
+            <a:pPr algn="ctr"/>
+            <a:r>
+              <a:rPr lang="en-US" smtClean="0">
+                <a:ln>
+                  <a:solidFill>
+                    <a:schemeClr val="tx1"/>
+                  </a:solidFill>
+                </a:ln>
+              </a:rPr>
+              <a:t>Reference counter</a:t>
+            </a:r>
+            <a:endParaRPr lang="en-US">
+              <a:ln>
+                <a:solidFill>
+                  <a:schemeClr val="tx1"/>
+                </a:solidFill>
+              </a:ln>
+            </a:endParaRPr>
+          </a:p>
+        </p:txBody>
+      </p:sp>
+      <p:sp>
+        <p:nvSpPr>
+          <p:cNvPr id="11" name="Rectangle 10"/>
+          <p:cNvSpPr/>
+          <p:nvPr/>
+        </p:nvSpPr>
+        <p:spPr>
+          <a:xfrm>
+            <a:off x="9418320" y="2895600"/>
+            <a:ext cx="1925320" cy="3160268"/>
+          </a:xfrm>
+          <a:prstGeom prst="rect">
+            <a:avLst/>
+          </a:prstGeom>
+          <a:noFill/>
+          <a:ln>
+            <a:solidFill>
+              <a:schemeClr val="tx1"/>
+            </a:solidFill>
+          </a:ln>
+          <a:effectLst/>
+        </p:spPr>
+        <p:style>
+          <a:lnRef idx="2">
+            <a:schemeClr val="dk1"/>
+          </a:lnRef>
+          <a:fillRef idx="1">
+            <a:schemeClr val="lt1"/>
+          </a:fillRef>
+          <a:effectRef idx="0">
+            <a:schemeClr val="dk1"/>
+          </a:effectRef>
+          <a:fontRef idx="minor">
+            <a:schemeClr val="dk1"/>
+          </a:fontRef>
+        </p:style>
+        <p:txBody>
+          <a:bodyPr rtlCol="0" anchor="t" anchorCtr="0"/>
+          <a:lstStyle/>
+          <a:p>
+            <a:pPr algn="ctr"/>
+            <a:r>
+              <a:rPr lang="en-US" smtClean="0">
+                <a:ln>
+                  <a:solidFill>
+                    <a:schemeClr val="tx1"/>
+                  </a:solidFill>
+                </a:ln>
+              </a:rPr>
+              <a:t>Control block</a:t>
+            </a:r>
+            <a:endParaRPr lang="en-US">
+              <a:ln>
+                <a:solidFill>
+                  <a:schemeClr val="tx1"/>
+                </a:solidFill>
+              </a:ln>
+            </a:endParaRPr>
+          </a:p>
+        </p:txBody>
+      </p:sp>
+      <p:sp>
+        <p:nvSpPr>
+          <p:cNvPr id="13" name="Rectangle 12"/>
+          <p:cNvSpPr/>
+          <p:nvPr/>
+        </p:nvSpPr>
+        <p:spPr>
+          <a:xfrm>
+            <a:off x="5208905" y="4416552"/>
+            <a:ext cx="1513840" cy="823214"/>
+          </a:xfrm>
+          <a:prstGeom prst="rect">
+            <a:avLst/>
+          </a:prstGeom>
+          <a:ln>
+            <a:solidFill>
+              <a:schemeClr val="tx1"/>
+            </a:solidFill>
+          </a:ln>
+          <a:effectLst/>
+        </p:spPr>
+        <p:style>
+          <a:lnRef idx="2">
+            <a:schemeClr val="dk1"/>
+          </a:lnRef>
+          <a:fillRef idx="1">
+            <a:schemeClr val="lt1"/>
+          </a:fillRef>
+          <a:effectRef idx="0">
+            <a:schemeClr val="dk1"/>
+          </a:effectRef>
+          <a:fontRef idx="minor">
+            <a:schemeClr val="dk1"/>
+          </a:fontRef>
+        </p:style>
+        <p:txBody>
+          <a:bodyPr rtlCol="0" anchor="ctr"/>
+          <a:lstStyle/>
+          <a:p>
+            <a:pPr algn="ctr"/>
+            <a:r>
+              <a:rPr lang="en-US" smtClean="0">
+                <a:ln>
+                  <a:solidFill>
+                    <a:schemeClr val="tx1"/>
+                  </a:solidFill>
+                </a:ln>
+              </a:rPr>
+              <a:t>Control block pointer</a:t>
+            </a:r>
+            <a:endParaRPr lang="en-US">
+              <a:ln>
+                <a:solidFill>
+                  <a:schemeClr val="tx1"/>
+                </a:solidFill>
+              </a:ln>
+            </a:endParaRPr>
+          </a:p>
+        </p:txBody>
+      </p:sp>
+      <p:cxnSp>
+        <p:nvCxnSpPr>
+          <p:cNvPr id="15" name="Straight Arrow Connector 8"/>
+          <p:cNvCxnSpPr>
+            <a:stCxn id="13" idx="3"/>
+            <a:endCxn id="11" idx="1"/>
+          </p:cNvCxnSpPr>
+          <p:nvPr/>
+        </p:nvCxnSpPr>
+        <p:spPr>
+          <a:xfrm flipV="1">
+            <a:off x="6722745" y="4475734"/>
+            <a:ext cx="2695575" cy="352425"/>
+          </a:xfrm>
+          <a:prstGeom prst="straightConnector1">
+            <a:avLst/>
+          </a:prstGeom>
+          <a:ln w="28575">
+            <a:solidFill>
+              <a:schemeClr val="tx1"/>
+            </a:solidFill>
+            <a:tailEnd type="triangle" w="lg" len="lg"/>
+          </a:ln>
+        </p:spPr>
+        <p:style>
+          <a:lnRef idx="1">
+            <a:schemeClr val="accent1"/>
+          </a:lnRef>
+          <a:fillRef idx="0">
+            <a:schemeClr val="accent1"/>
+          </a:fillRef>
+          <a:effectRef idx="0">
+            <a:schemeClr val="accent1"/>
+          </a:effectRef>
+          <a:fontRef idx="minor">
+            <a:schemeClr val="tx1"/>
+          </a:fontRef>
+        </p:style>
+      </p:cxnSp>
+      <p:sp>
+        <p:nvSpPr>
+          <p:cNvPr id="17" name="Rectangle 16"/>
+          <p:cNvSpPr/>
+          <p:nvPr/>
+        </p:nvSpPr>
+        <p:spPr>
+          <a:xfrm>
+            <a:off x="4943475" y="3008376"/>
+            <a:ext cx="2103120" cy="2493010"/>
+          </a:xfrm>
+          <a:prstGeom prst="rect">
+            <a:avLst/>
+          </a:prstGeom>
+          <a:noFill/>
+          <a:ln>
+            <a:solidFill>
+              <a:schemeClr val="tx1"/>
+            </a:solidFill>
+          </a:ln>
+          <a:effectLst/>
+        </p:spPr>
+        <p:style>
+          <a:lnRef idx="2">
+            <a:schemeClr val="dk1"/>
+          </a:lnRef>
+          <a:fillRef idx="1">
+            <a:schemeClr val="lt1"/>
+          </a:fillRef>
+          <a:effectRef idx="0">
+            <a:schemeClr val="dk1"/>
+          </a:effectRef>
+          <a:fontRef idx="minor">
+            <a:schemeClr val="dk1"/>
+          </a:fontRef>
+        </p:style>
+        <p:txBody>
+          <a:bodyPr rtlCol="0" anchor="t" anchorCtr="0"/>
+          <a:lstStyle/>
+          <a:p>
+            <a:pPr algn="ctr"/>
+            <a:r>
+              <a:rPr lang="en-US" smtClean="0">
+                <a:ln>
+                  <a:solidFill>
+                    <a:schemeClr val="tx1"/>
+                  </a:solidFill>
+                </a:ln>
+              </a:rPr>
+              <a:t>shared_ptr&lt;Node&gt;</a:t>
+            </a:r>
+            <a:endParaRPr lang="en-US">
+              <a:ln>
+                <a:solidFill>
+                  <a:schemeClr val="tx1"/>
+                </a:solidFill>
+              </a:ln>
+            </a:endParaRPr>
+          </a:p>
+        </p:txBody>
+      </p:sp>
+      <p:sp>
+        <p:nvSpPr>
+          <p:cNvPr id="26" name="TextBox 25"/>
+          <p:cNvSpPr txBox="1"/>
+          <p:nvPr/>
+        </p:nvSpPr>
+        <p:spPr>
+          <a:xfrm>
+            <a:off x="814070" y="2211606"/>
+            <a:ext cx="3430270" cy="3046988"/>
+          </a:xfrm>
+          <a:prstGeom prst="rect">
+            <a:avLst/>
+          </a:prstGeom>
+          <a:noFill/>
+        </p:spPr>
+        <p:txBody>
+          <a:bodyPr wrap="square" rtlCol="0">
+            <a:spAutoFit/>
+          </a:bodyPr>
+          <a:lstStyle/>
+          <a:p>
+            <a:r>
+              <a:rPr lang="ru-RU" sz="2400" smtClean="0"/>
+              <a:t>Ответ, разумеется, основан на том, что для разделяемого указателя всё равно нужен контрольный блок, поэтому нет никаких оснований усложнять типизацию</a:t>
+            </a:r>
+            <a:endParaRPr lang="en-US" sz="2400"/>
+          </a:p>
+        </p:txBody>
+      </p:sp>
+      <p:sp>
+        <p:nvSpPr>
+          <p:cNvPr id="16" name="Rectangle 15"/>
+          <p:cNvSpPr/>
+          <p:nvPr/>
+        </p:nvSpPr>
+        <p:spPr>
+          <a:xfrm>
+            <a:off x="9695180" y="4998593"/>
+            <a:ext cx="1371600" cy="802640"/>
+          </a:xfrm>
+          <a:prstGeom prst="rect">
+            <a:avLst/>
+          </a:prstGeom>
+          <a:ln>
+            <a:solidFill>
+              <a:schemeClr val="tx1"/>
+            </a:solidFill>
+          </a:ln>
+          <a:effectLst/>
+        </p:spPr>
+        <p:style>
+          <a:lnRef idx="2">
+            <a:schemeClr val="dk1"/>
+          </a:lnRef>
+          <a:fillRef idx="1">
+            <a:schemeClr val="lt1"/>
+          </a:fillRef>
+          <a:effectRef idx="0">
+            <a:schemeClr val="dk1"/>
+          </a:effectRef>
+          <a:fontRef idx="minor">
+            <a:schemeClr val="dk1"/>
+          </a:fontRef>
+        </p:style>
+        <p:txBody>
+          <a:bodyPr rtlCol="0" anchor="ctr"/>
+          <a:lstStyle/>
+          <a:p>
+            <a:pPr algn="ctr"/>
+            <a:r>
+              <a:rPr lang="en-US" smtClean="0">
+                <a:ln>
+                  <a:solidFill>
+                    <a:schemeClr val="tx1"/>
+                  </a:solidFill>
+                </a:ln>
+              </a:rPr>
+              <a:t>Custom deleter</a:t>
+            </a:r>
+            <a:endParaRPr lang="en-US">
+              <a:ln>
+                <a:solidFill>
+                  <a:schemeClr val="tx1"/>
+                </a:solidFill>
+              </a:ln>
+            </a:endParaRPr>
+          </a:p>
+        </p:txBody>
+      </p:sp>
+      <p:sp>
+        <p:nvSpPr>
+          <p:cNvPr id="24" name="Rectangle 23"/>
+          <p:cNvSpPr/>
+          <p:nvPr/>
+        </p:nvSpPr>
+        <p:spPr>
+          <a:xfrm>
+            <a:off x="5208905" y="3613912"/>
+            <a:ext cx="1513840" cy="802640"/>
+          </a:xfrm>
+          <a:prstGeom prst="rect">
+            <a:avLst/>
+          </a:prstGeom>
+          <a:ln>
+            <a:solidFill>
+              <a:schemeClr val="tx1"/>
+            </a:solidFill>
+          </a:ln>
+          <a:effectLst/>
+        </p:spPr>
+        <p:style>
+          <a:lnRef idx="2">
+            <a:schemeClr val="dk1"/>
+          </a:lnRef>
+          <a:fillRef idx="1">
+            <a:schemeClr val="lt1"/>
+          </a:fillRef>
+          <a:effectRef idx="0">
+            <a:schemeClr val="dk1"/>
+          </a:effectRef>
+          <a:fontRef idx="minor">
+            <a:schemeClr val="dk1"/>
+          </a:fontRef>
+        </p:style>
+        <p:txBody>
+          <a:bodyPr rtlCol="0" anchor="ctr"/>
+          <a:lstStyle/>
+          <a:p>
+            <a:pPr algn="ctr"/>
+            <a:r>
+              <a:rPr lang="en-US" smtClean="0">
+                <a:ln>
+                  <a:solidFill>
+                    <a:schemeClr val="tx1"/>
+                  </a:solidFill>
+                </a:ln>
+              </a:rPr>
+              <a:t>Data pointer</a:t>
+            </a:r>
+            <a:endParaRPr lang="en-US">
+              <a:ln>
+                <a:solidFill>
+                  <a:schemeClr val="tx1"/>
+                </a:solidFill>
+              </a:ln>
+            </a:endParaRPr>
+          </a:p>
+        </p:txBody>
+      </p:sp>
+      <p:cxnSp>
+        <p:nvCxnSpPr>
+          <p:cNvPr id="27" name="Straight Arrow Connector 8"/>
+          <p:cNvCxnSpPr>
+            <a:stCxn id="24" idx="3"/>
+            <a:endCxn id="6" idx="1"/>
+          </p:cNvCxnSpPr>
+          <p:nvPr/>
+        </p:nvCxnSpPr>
+        <p:spPr>
+          <a:xfrm flipV="1">
+            <a:off x="6722745" y="2713990"/>
+            <a:ext cx="1048385" cy="1301242"/>
+          </a:xfrm>
+          <a:prstGeom prst="curvedConnector3">
+            <a:avLst>
+              <a:gd name="adj1" fmla="val 50000"/>
+            </a:avLst>
+          </a:prstGeom>
+          <a:ln w="28575">
+            <a:solidFill>
+              <a:schemeClr val="tx1"/>
+            </a:solidFill>
+            <a:tailEnd type="triangle" w="lg" len="lg"/>
+          </a:ln>
+        </p:spPr>
+        <p:style>
+          <a:lnRef idx="1">
+            <a:schemeClr val="accent1"/>
+          </a:lnRef>
+          <a:fillRef idx="0">
+            <a:schemeClr val="accent1"/>
+          </a:fillRef>
+          <a:effectRef idx="0">
+            <a:schemeClr val="accent1"/>
+          </a:effectRef>
+          <a:fontRef idx="minor">
+            <a:schemeClr val="tx1"/>
+          </a:fontRef>
+        </p:style>
+      </p:cxnSp>
     </p:spTree>
     <p:extLst>
       <p:ext uri="{BB962C8B-B14F-4D97-AF65-F5344CB8AC3E}">
-        <p14:creationId xmlns:p14="http://schemas.microsoft.com/office/powerpoint/2010/main" val="3862618610"/>
+        <p14:creationId xmlns:p14="http://schemas.microsoft.com/office/powerpoint/2010/main" val="3932309287"/>
       </p:ext>
     </p:extLst>
   </p:cSld>
@@ -15632,7 +16346,19 @@
           <a:p>
             <a:r>
               <a:rPr lang="ru-RU" smtClean="0"/>
-              <a:t>Обсуждение</a:t>
+              <a:t>Где лежит </a:t>
+            </a:r>
+            <a:r>
+              <a:rPr lang="en-US" smtClean="0"/>
+              <a:t>deleter </a:t>
+            </a:r>
+            <a:r>
+              <a:rPr lang="ru-RU" smtClean="0"/>
+              <a:t>в </a:t>
+            </a:r>
+            <a:r>
+              <a:rPr lang="en-US" smtClean="0"/>
+              <a:t>shared_ptr</a:t>
             </a:r>
             <a:endParaRPr lang="en-US"/>
           </a:p>
@@ -15648,50 +16374,624 @@
             <p:ph idx="1"/>
           </p:nvPr>
         </p:nvSpPr>
-        <p:spPr/>
-        <p:txBody>
-          <a:bodyPr/>
-          <a:lstStyle/>
-          <a:p>
-            <a:r>
-              <a:rPr lang="ru-RU" smtClean="0"/>
-              <a:t>Может быть у кого-то из аудитории есть опыт в языках где все указатели разделяемые (таких как </a:t>
-            </a:r>
-            <a:r>
-              <a:rPr lang="en-US" smtClean="0"/>
-              <a:t>Rust)</a:t>
-            </a:r>
-            <a:r>
-              <a:rPr lang="ru-RU" smtClean="0"/>
-              <a:t> или хотя бы в таких, где указатели ведут себя как разделяемые (таких как </a:t>
-            </a:r>
-            <a:r>
-              <a:rPr lang="en-US" smtClean="0"/>
-              <a:t>Java </a:t>
-            </a:r>
-            <a:r>
-              <a:rPr lang="ru-RU" smtClean="0"/>
-              <a:t>или </a:t>
-            </a:r>
-            <a:r>
-              <a:rPr lang="en-US" smtClean="0"/>
-              <a:t>C#)</a:t>
-            </a:r>
-            <a:endParaRPr lang="ru-RU" smtClean="0"/>
-          </a:p>
-          <a:p>
-            <a:r>
-              <a:rPr lang="ru-RU" smtClean="0"/>
-              <a:t>Какие основные проблемы создаёт копирование и подсчёт ссылок при работе в таких языках?</a:t>
-            </a:r>
-            <a:endParaRPr lang="en-US"/>
+        <p:spPr>
+          <a:xfrm>
+            <a:off x="1143000" y="6055868"/>
+            <a:ext cx="10172591" cy="506730"/>
+          </a:xfrm>
+        </p:spPr>
+        <p:txBody>
+          <a:bodyPr>
+            <a:normAutofit/>
+          </a:bodyPr>
+          <a:lstStyle/>
+          <a:p>
+            <a:r>
+              <a:rPr lang="ru-RU" sz="2400" smtClean="0"/>
+              <a:t>Этой картинке </a:t>
+            </a:r>
+            <a:r>
+              <a:rPr lang="ru-RU" sz="2400" smtClean="0"/>
+              <a:t>уже можно до какой-то степени верить</a:t>
+            </a:r>
+            <a:endParaRPr lang="en-US" sz="2400"/>
+          </a:p>
+        </p:txBody>
+      </p:sp>
+      <p:sp>
+        <p:nvSpPr>
+          <p:cNvPr id="26" name="TextBox 25"/>
+          <p:cNvSpPr txBox="1"/>
+          <p:nvPr/>
+        </p:nvSpPr>
+        <p:spPr>
+          <a:xfrm>
+            <a:off x="814070" y="2211606"/>
+            <a:ext cx="3430270" cy="2308324"/>
+          </a:xfrm>
+          <a:prstGeom prst="rect">
+            <a:avLst/>
+          </a:prstGeom>
+          <a:noFill/>
+        </p:spPr>
+        <p:txBody>
+          <a:bodyPr wrap="square" rtlCol="0">
+            <a:spAutoFit/>
+          </a:bodyPr>
+          <a:lstStyle/>
+          <a:p>
+            <a:r>
+              <a:rPr lang="ru-RU" sz="2400" smtClean="0"/>
+              <a:t>В случае создания через </a:t>
+            </a:r>
+            <a:r>
+              <a:rPr lang="en-US" sz="2400" smtClean="0"/>
+              <a:t>make_shared, </a:t>
+            </a:r>
+            <a:r>
+              <a:rPr lang="ru-RU" sz="2400" smtClean="0"/>
+              <a:t>и даже создания с алиасингом, удалитель всё равно находится в контрольном блоке</a:t>
+            </a:r>
+            <a:endParaRPr lang="en-US" sz="2400"/>
+          </a:p>
+        </p:txBody>
+      </p:sp>
+      <p:sp>
+        <p:nvSpPr>
+          <p:cNvPr id="18" name="Rectangle 17"/>
+          <p:cNvSpPr/>
+          <p:nvPr/>
+        </p:nvSpPr>
+        <p:spPr>
+          <a:xfrm>
+            <a:off x="8152130" y="2686558"/>
+            <a:ext cx="1374140" cy="1334770"/>
+          </a:xfrm>
+          <a:prstGeom prst="rect">
+            <a:avLst/>
+          </a:prstGeom>
+          <a:ln>
+            <a:solidFill>
+              <a:schemeClr val="tx1"/>
+            </a:solidFill>
+          </a:ln>
+          <a:effectLst/>
+        </p:spPr>
+        <p:style>
+          <a:lnRef idx="2">
+            <a:schemeClr val="dk1"/>
+          </a:lnRef>
+          <a:fillRef idx="1">
+            <a:schemeClr val="lt1"/>
+          </a:fillRef>
+          <a:effectRef idx="0">
+            <a:schemeClr val="dk1"/>
+          </a:effectRef>
+          <a:fontRef idx="minor">
+            <a:schemeClr val="dk1"/>
+          </a:fontRef>
+        </p:style>
+        <p:txBody>
+          <a:bodyPr rtlCol="0" anchor="t" anchorCtr="0"/>
+          <a:lstStyle/>
+          <a:p>
+            <a:pPr algn="ctr"/>
+            <a:r>
+              <a:rPr lang="en-US" smtClean="0">
+                <a:ln>
+                  <a:solidFill>
+                    <a:schemeClr val="tx1"/>
+                  </a:solidFill>
+                </a:ln>
+              </a:rPr>
+              <a:t>Node</a:t>
+            </a:r>
+          </a:p>
+        </p:txBody>
+      </p:sp>
+      <p:sp>
+        <p:nvSpPr>
+          <p:cNvPr id="19" name="Rectangle 18"/>
+          <p:cNvSpPr/>
+          <p:nvPr/>
+        </p:nvSpPr>
+        <p:spPr>
+          <a:xfrm>
+            <a:off x="8152130" y="4018788"/>
+            <a:ext cx="1374140" cy="802640"/>
+          </a:xfrm>
+          <a:prstGeom prst="rect">
+            <a:avLst/>
+          </a:prstGeom>
+          <a:ln>
+            <a:solidFill>
+              <a:schemeClr val="tx1"/>
+            </a:solidFill>
+          </a:ln>
+          <a:effectLst/>
+        </p:spPr>
+        <p:style>
+          <a:lnRef idx="2">
+            <a:schemeClr val="dk1"/>
+          </a:lnRef>
+          <a:fillRef idx="1">
+            <a:schemeClr val="lt1"/>
+          </a:fillRef>
+          <a:effectRef idx="0">
+            <a:schemeClr val="dk1"/>
+          </a:effectRef>
+          <a:fontRef idx="minor">
+            <a:schemeClr val="dk1"/>
+          </a:fontRef>
+        </p:style>
+        <p:txBody>
+          <a:bodyPr rtlCol="0" anchor="ctr"/>
+          <a:lstStyle/>
+          <a:p>
+            <a:pPr algn="ctr"/>
+            <a:r>
+              <a:rPr lang="en-US" smtClean="0">
+                <a:ln>
+                  <a:solidFill>
+                    <a:schemeClr val="tx1"/>
+                  </a:solidFill>
+                </a:ln>
+              </a:rPr>
+              <a:t>Reference counter</a:t>
+            </a:r>
+            <a:endParaRPr lang="en-US">
+              <a:ln>
+                <a:solidFill>
+                  <a:schemeClr val="tx1"/>
+                </a:solidFill>
+              </a:ln>
+            </a:endParaRPr>
+          </a:p>
+        </p:txBody>
+      </p:sp>
+      <p:sp>
+        <p:nvSpPr>
+          <p:cNvPr id="20" name="Rectangle 19"/>
+          <p:cNvSpPr/>
+          <p:nvPr/>
+        </p:nvSpPr>
+        <p:spPr>
+          <a:xfrm>
+            <a:off x="7894320" y="2211606"/>
+            <a:ext cx="1925320" cy="3594834"/>
+          </a:xfrm>
+          <a:prstGeom prst="rect">
+            <a:avLst/>
+          </a:prstGeom>
+          <a:noFill/>
+          <a:ln>
+            <a:solidFill>
+              <a:schemeClr val="tx1"/>
+            </a:solidFill>
+          </a:ln>
+          <a:effectLst/>
+        </p:spPr>
+        <p:style>
+          <a:lnRef idx="2">
+            <a:schemeClr val="dk1"/>
+          </a:lnRef>
+          <a:fillRef idx="1">
+            <a:schemeClr val="lt1"/>
+          </a:fillRef>
+          <a:effectRef idx="0">
+            <a:schemeClr val="dk1"/>
+          </a:effectRef>
+          <a:fontRef idx="minor">
+            <a:schemeClr val="dk1"/>
+          </a:fontRef>
+        </p:style>
+        <p:txBody>
+          <a:bodyPr rtlCol="0" anchor="t" anchorCtr="0"/>
+          <a:lstStyle/>
+          <a:p>
+            <a:pPr algn="ctr"/>
+            <a:r>
+              <a:rPr lang="en-US" smtClean="0">
+                <a:ln>
+                  <a:solidFill>
+                    <a:schemeClr val="tx1"/>
+                  </a:solidFill>
+                </a:ln>
+              </a:rPr>
+              <a:t>Control block</a:t>
+            </a:r>
+            <a:endParaRPr lang="en-US">
+              <a:ln>
+                <a:solidFill>
+                  <a:schemeClr val="tx1"/>
+                </a:solidFill>
+              </a:ln>
+            </a:endParaRPr>
+          </a:p>
+        </p:txBody>
+      </p:sp>
+      <p:sp>
+        <p:nvSpPr>
+          <p:cNvPr id="21" name="Rectangle 20"/>
+          <p:cNvSpPr/>
+          <p:nvPr/>
+        </p:nvSpPr>
+        <p:spPr>
+          <a:xfrm>
+            <a:off x="5506720" y="2871232"/>
+            <a:ext cx="1513840" cy="802640"/>
+          </a:xfrm>
+          <a:prstGeom prst="rect">
+            <a:avLst/>
+          </a:prstGeom>
+          <a:ln>
+            <a:solidFill>
+              <a:schemeClr val="tx1"/>
+            </a:solidFill>
+          </a:ln>
+          <a:effectLst/>
+        </p:spPr>
+        <p:style>
+          <a:lnRef idx="2">
+            <a:schemeClr val="dk1"/>
+          </a:lnRef>
+          <a:fillRef idx="1">
+            <a:schemeClr val="lt1"/>
+          </a:fillRef>
+          <a:effectRef idx="0">
+            <a:schemeClr val="dk1"/>
+          </a:effectRef>
+          <a:fontRef idx="minor">
+            <a:schemeClr val="dk1"/>
+          </a:fontRef>
+        </p:style>
+        <p:txBody>
+          <a:bodyPr rtlCol="0" anchor="ctr"/>
+          <a:lstStyle/>
+          <a:p>
+            <a:pPr algn="ctr"/>
+            <a:r>
+              <a:rPr lang="en-US" smtClean="0">
+                <a:ln>
+                  <a:solidFill>
+                    <a:schemeClr val="tx1"/>
+                  </a:solidFill>
+                </a:ln>
+              </a:rPr>
+              <a:t>Control block pointer</a:t>
+            </a:r>
+            <a:endParaRPr lang="en-US">
+              <a:ln>
+                <a:solidFill>
+                  <a:schemeClr val="tx1"/>
+                </a:solidFill>
+              </a:ln>
+            </a:endParaRPr>
+          </a:p>
+        </p:txBody>
+      </p:sp>
+      <p:cxnSp>
+        <p:nvCxnSpPr>
+          <p:cNvPr id="22" name="Straight Arrow Connector 8"/>
+          <p:cNvCxnSpPr>
+            <a:stCxn id="21" idx="3"/>
+          </p:cNvCxnSpPr>
+          <p:nvPr/>
+        </p:nvCxnSpPr>
+        <p:spPr>
+          <a:xfrm>
+            <a:off x="7020560" y="3272552"/>
+            <a:ext cx="892810" cy="0"/>
+          </a:xfrm>
+          <a:prstGeom prst="straightConnector1">
+            <a:avLst/>
+          </a:prstGeom>
+          <a:ln w="28575">
+            <a:solidFill>
+              <a:schemeClr val="tx1"/>
+            </a:solidFill>
+            <a:tailEnd type="triangle" w="lg" len="lg"/>
+          </a:ln>
+        </p:spPr>
+        <p:style>
+          <a:lnRef idx="1">
+            <a:schemeClr val="accent1"/>
+          </a:lnRef>
+          <a:fillRef idx="0">
+            <a:schemeClr val="accent1"/>
+          </a:fillRef>
+          <a:effectRef idx="0">
+            <a:schemeClr val="accent1"/>
+          </a:effectRef>
+          <a:fontRef idx="minor">
+            <a:schemeClr val="tx1"/>
+          </a:fontRef>
+        </p:style>
+      </p:cxnSp>
+      <p:sp>
+        <p:nvSpPr>
+          <p:cNvPr id="23" name="Rectangle 22"/>
+          <p:cNvSpPr/>
+          <p:nvPr/>
+        </p:nvSpPr>
+        <p:spPr>
+          <a:xfrm>
+            <a:off x="5222240" y="2232660"/>
+            <a:ext cx="2103120" cy="2633980"/>
+          </a:xfrm>
+          <a:prstGeom prst="rect">
+            <a:avLst/>
+          </a:prstGeom>
+          <a:noFill/>
+          <a:ln>
+            <a:solidFill>
+              <a:schemeClr val="tx1"/>
+            </a:solidFill>
+          </a:ln>
+          <a:effectLst/>
+        </p:spPr>
+        <p:style>
+          <a:lnRef idx="2">
+            <a:schemeClr val="dk1"/>
+          </a:lnRef>
+          <a:fillRef idx="1">
+            <a:schemeClr val="lt1"/>
+          </a:fillRef>
+          <a:effectRef idx="0">
+            <a:schemeClr val="dk1"/>
+          </a:effectRef>
+          <a:fontRef idx="minor">
+            <a:schemeClr val="dk1"/>
+          </a:fontRef>
+        </p:style>
+        <p:txBody>
+          <a:bodyPr rtlCol="0" anchor="t" anchorCtr="0"/>
+          <a:lstStyle/>
+          <a:p>
+            <a:pPr algn="ctr"/>
+            <a:r>
+              <a:rPr lang="en-US" smtClean="0">
+                <a:ln>
+                  <a:solidFill>
+                    <a:schemeClr val="tx1"/>
+                  </a:solidFill>
+                </a:ln>
+              </a:rPr>
+              <a:t>shared_ptr&lt;Node&gt;</a:t>
+            </a:r>
+            <a:endParaRPr lang="en-US">
+              <a:ln>
+                <a:solidFill>
+                  <a:schemeClr val="tx1"/>
+                </a:solidFill>
+              </a:ln>
+            </a:endParaRPr>
+          </a:p>
+        </p:txBody>
+      </p:sp>
+      <p:sp>
+        <p:nvSpPr>
+          <p:cNvPr id="25" name="Rectangle 24"/>
+          <p:cNvSpPr/>
+          <p:nvPr/>
+        </p:nvSpPr>
+        <p:spPr>
+          <a:xfrm>
+            <a:off x="8385810" y="3299333"/>
+            <a:ext cx="924560" cy="530860"/>
+          </a:xfrm>
+          <a:prstGeom prst="rect">
+            <a:avLst/>
+          </a:prstGeom>
+          <a:ln>
+            <a:solidFill>
+              <a:schemeClr val="tx1"/>
+            </a:solidFill>
+          </a:ln>
+          <a:effectLst/>
+        </p:spPr>
+        <p:style>
+          <a:lnRef idx="2">
+            <a:schemeClr val="dk1"/>
+          </a:lnRef>
+          <a:fillRef idx="1">
+            <a:schemeClr val="lt1"/>
+          </a:fillRef>
+          <a:effectRef idx="0">
+            <a:schemeClr val="dk1"/>
+          </a:effectRef>
+          <a:fontRef idx="minor">
+            <a:schemeClr val="dk1"/>
+          </a:fontRef>
+        </p:style>
+        <p:txBody>
+          <a:bodyPr rtlCol="0" anchor="ctr"/>
+          <a:lstStyle/>
+          <a:p>
+            <a:pPr algn="ctr"/>
+            <a:r>
+              <a:rPr lang="en-US" smtClean="0">
+                <a:ln>
+                  <a:solidFill>
+                    <a:schemeClr val="tx1"/>
+                  </a:solidFill>
+                </a:ln>
+              </a:rPr>
+              <a:t>Data</a:t>
+            </a:r>
+            <a:endParaRPr lang="en-US">
+              <a:ln>
+                <a:solidFill>
+                  <a:schemeClr val="tx1"/>
+                </a:solidFill>
+              </a:ln>
+            </a:endParaRPr>
+          </a:p>
+        </p:txBody>
+      </p:sp>
+      <p:sp>
+        <p:nvSpPr>
+          <p:cNvPr id="28" name="Rectangle 27"/>
+          <p:cNvSpPr/>
+          <p:nvPr/>
+        </p:nvSpPr>
+        <p:spPr>
+          <a:xfrm>
+            <a:off x="5506720" y="3678952"/>
+            <a:ext cx="1513840" cy="802640"/>
+          </a:xfrm>
+          <a:prstGeom prst="rect">
+            <a:avLst/>
+          </a:prstGeom>
+          <a:ln>
+            <a:solidFill>
+              <a:schemeClr val="tx1"/>
+            </a:solidFill>
+          </a:ln>
+          <a:effectLst/>
+        </p:spPr>
+        <p:style>
+          <a:lnRef idx="2">
+            <a:schemeClr val="dk1"/>
+          </a:lnRef>
+          <a:fillRef idx="1">
+            <a:schemeClr val="lt1"/>
+          </a:fillRef>
+          <a:effectRef idx="0">
+            <a:schemeClr val="dk1"/>
+          </a:effectRef>
+          <a:fontRef idx="minor">
+            <a:schemeClr val="dk1"/>
+          </a:fontRef>
+        </p:style>
+        <p:txBody>
+          <a:bodyPr rtlCol="0" anchor="ctr"/>
+          <a:lstStyle/>
+          <a:p>
+            <a:pPr algn="ctr"/>
+            <a:r>
+              <a:rPr lang="en-US" smtClean="0">
+                <a:ln>
+                  <a:solidFill>
+                    <a:schemeClr val="tx1"/>
+                  </a:solidFill>
+                </a:ln>
+              </a:rPr>
+              <a:t>Data pointer</a:t>
+            </a:r>
+            <a:endParaRPr lang="en-US">
+              <a:ln>
+                <a:solidFill>
+                  <a:schemeClr val="tx1"/>
+                </a:solidFill>
+              </a:ln>
+            </a:endParaRPr>
+          </a:p>
+        </p:txBody>
+      </p:sp>
+      <p:cxnSp>
+        <p:nvCxnSpPr>
+          <p:cNvPr id="29" name="Straight Arrow Connector 8"/>
+          <p:cNvCxnSpPr>
+            <a:stCxn id="28" idx="3"/>
+            <a:endCxn id="25" idx="1"/>
+          </p:cNvCxnSpPr>
+          <p:nvPr/>
+        </p:nvCxnSpPr>
+        <p:spPr>
+          <a:xfrm flipV="1">
+            <a:off x="7020560" y="3564763"/>
+            <a:ext cx="1365250" cy="515509"/>
+          </a:xfrm>
+          <a:prstGeom prst="straightConnector1">
+            <a:avLst/>
+          </a:prstGeom>
+          <a:ln w="28575">
+            <a:solidFill>
+              <a:schemeClr val="tx1"/>
+            </a:solidFill>
+            <a:tailEnd type="triangle" w="lg" len="lg"/>
+          </a:ln>
+        </p:spPr>
+        <p:style>
+          <a:lnRef idx="1">
+            <a:schemeClr val="accent1"/>
+          </a:lnRef>
+          <a:fillRef idx="0">
+            <a:schemeClr val="accent1"/>
+          </a:fillRef>
+          <a:effectRef idx="0">
+            <a:schemeClr val="accent1"/>
+          </a:effectRef>
+          <a:fontRef idx="minor">
+            <a:schemeClr val="tx1"/>
+          </a:fontRef>
+        </p:style>
+      </p:cxnSp>
+      <p:sp>
+        <p:nvSpPr>
+          <p:cNvPr id="30" name="Rectangle 29"/>
+          <p:cNvSpPr/>
+          <p:nvPr/>
+        </p:nvSpPr>
+        <p:spPr>
+          <a:xfrm>
+            <a:off x="8160766" y="4818380"/>
+            <a:ext cx="1374140" cy="802640"/>
+          </a:xfrm>
+          <a:prstGeom prst="rect">
+            <a:avLst/>
+          </a:prstGeom>
+          <a:ln>
+            <a:solidFill>
+              <a:schemeClr val="tx1"/>
+            </a:solidFill>
+          </a:ln>
+          <a:effectLst/>
+        </p:spPr>
+        <p:style>
+          <a:lnRef idx="2">
+            <a:schemeClr val="dk1"/>
+          </a:lnRef>
+          <a:fillRef idx="1">
+            <a:schemeClr val="lt1"/>
+          </a:fillRef>
+          <a:effectRef idx="0">
+            <a:schemeClr val="dk1"/>
+          </a:effectRef>
+          <a:fontRef idx="minor">
+            <a:schemeClr val="dk1"/>
+          </a:fontRef>
+        </p:style>
+        <p:txBody>
+          <a:bodyPr rtlCol="0" anchor="ctr"/>
+          <a:lstStyle/>
+          <a:p>
+            <a:pPr algn="ctr"/>
+            <a:r>
+              <a:rPr lang="en-US" smtClean="0">
+                <a:ln>
+                  <a:solidFill>
+                    <a:schemeClr val="tx1"/>
+                  </a:solidFill>
+                </a:ln>
+              </a:rPr>
+              <a:t>Custom deleter</a:t>
+            </a:r>
+            <a:endParaRPr lang="en-US">
+              <a:ln>
+                <a:solidFill>
+                  <a:schemeClr val="tx1"/>
+                </a:solidFill>
+              </a:ln>
+            </a:endParaRPr>
           </a:p>
         </p:txBody>
       </p:sp>
     </p:spTree>
     <p:extLst>
       <p:ext uri="{BB962C8B-B14F-4D97-AF65-F5344CB8AC3E}">
-        <p14:creationId xmlns:p14="http://schemas.microsoft.com/office/powerpoint/2010/main" val="573304325"/>
+        <p14:creationId xmlns:p14="http://schemas.microsoft.com/office/powerpoint/2010/main" val="2215217656"/>
       </p:ext>
     </p:extLst>
   </p:cSld>
@@ -15720,6 +17020,29 @@
       </p:grpSpPr>
       <p:sp>
         <p:nvSpPr>
+          <p:cNvPr id="2" name="Title 1"/>
+          <p:cNvSpPr>
+            <a:spLocks noGrp="1"/>
+          </p:cNvSpPr>
+          <p:nvPr>
+            <p:ph type="title"/>
+          </p:nvPr>
+        </p:nvSpPr>
+        <p:spPr/>
+        <p:txBody>
+          <a:bodyPr/>
+          <a:lstStyle/>
+          <a:p>
+            <a:r>
+              <a:rPr lang="ru-RU" smtClean="0"/>
+              <a:t>Обсуждение</a:t>
+            </a:r>
+            <a:endParaRPr lang="en-US"/>
+          </a:p>
+        </p:txBody>
+      </p:sp>
+      <p:sp>
+        <p:nvSpPr>
           <p:cNvPr id="3" name="Content Placeholder 2"/>
           <p:cNvSpPr>
             <a:spLocks noGrp="1"/>
@@ -15728,80 +17051,50 @@
             <p:ph idx="1"/>
           </p:nvPr>
         </p:nvSpPr>
-        <p:spPr>
-          <a:xfrm>
-            <a:off x="1143000" y="742122"/>
-            <a:ext cx="9872871" cy="5353878"/>
-          </a:xfrm>
-        </p:spPr>
-        <p:txBody>
-          <a:bodyPr>
-            <a:noAutofit/>
-          </a:bodyPr>
-          <a:lstStyle/>
-          <a:p>
-            <a:pPr>
-              <a:lnSpc>
-                <a:spcPct val="150000"/>
-              </a:lnSpc>
-              <a:buFont typeface="Wingdings" panose="05000000000000000000" pitchFamily="2" charset="2"/>
-              <a:buChar char="q"/>
-            </a:pPr>
-            <a:r>
-              <a:rPr lang="ru-RU" sz="4800" smtClean="0"/>
-              <a:t> Постановка и история вопроса</a:t>
-            </a:r>
-          </a:p>
-          <a:p>
-            <a:pPr>
-              <a:lnSpc>
-                <a:spcPct val="150000"/>
-              </a:lnSpc>
-              <a:buFont typeface="Wingdings" panose="05000000000000000000" pitchFamily="2" charset="2"/>
-              <a:buChar char="q"/>
-            </a:pPr>
-            <a:r>
-              <a:rPr lang="ru-RU" sz="4800" smtClean="0"/>
-              <a:t> Уникальное владение</a:t>
-            </a:r>
-          </a:p>
-          <a:p>
-            <a:pPr>
-              <a:lnSpc>
-                <a:spcPct val="150000"/>
-              </a:lnSpc>
-              <a:buFont typeface="Wingdings" panose="05000000000000000000" pitchFamily="2" charset="2"/>
-              <a:buChar char="q"/>
-            </a:pPr>
-            <a:r>
-              <a:rPr lang="ru-RU" sz="4800" smtClean="0"/>
-              <a:t> Совместное владение</a:t>
-            </a:r>
-            <a:endParaRPr lang="en-US" sz="4800" smtClean="0"/>
-          </a:p>
-          <a:p>
-            <a:pPr>
-              <a:lnSpc>
-                <a:spcPct val="150000"/>
-              </a:lnSpc>
-              <a:buFont typeface="Wingdings" panose="05000000000000000000" pitchFamily="2" charset="2"/>
-              <a:buChar char="Ø"/>
-            </a:pPr>
-            <a:r>
-              <a:rPr lang="en-US" sz="4800"/>
-              <a:t> </a:t>
-            </a:r>
-            <a:r>
-              <a:rPr lang="ru-RU" sz="4800" smtClean="0"/>
-              <a:t>Закольцованный мир</a:t>
-            </a:r>
+        <p:spPr/>
+        <p:txBody>
+          <a:bodyPr/>
+          <a:lstStyle/>
+          <a:p>
+            <a:r>
+              <a:rPr lang="ru-RU" smtClean="0"/>
+              <a:t>Может быть у кого-то из аудитории есть опыт в языках где все указатели разделяемые (таких как </a:t>
+            </a:r>
+            <a:r>
+              <a:rPr lang="en-US" smtClean="0"/>
+              <a:t>Rust)</a:t>
+            </a:r>
+            <a:r>
+              <a:rPr lang="ru-RU" smtClean="0"/>
+              <a:t> или хотя бы в таких, где указатели ведут себя как разделяемые (таких как </a:t>
+            </a:r>
+            <a:r>
+              <a:rPr lang="en-US" smtClean="0"/>
+              <a:t>Java </a:t>
+            </a:r>
+            <a:r>
+              <a:rPr lang="ru-RU" smtClean="0"/>
+              <a:t>или </a:t>
+            </a:r>
+            <a:r>
+              <a:rPr lang="en-US" smtClean="0"/>
+              <a:t>C#)</a:t>
+            </a:r>
+            <a:endParaRPr lang="ru-RU" smtClean="0"/>
+          </a:p>
+          <a:p>
+            <a:r>
+              <a:rPr lang="ru-RU" smtClean="0"/>
+              <a:t>Какие основные проблемы создаёт копирование и подсчёт ссылок при работе в таких языках?</a:t>
+            </a:r>
+            <a:endParaRPr lang="en-US"/>
           </a:p>
         </p:txBody>
       </p:sp>
     </p:spTree>
     <p:extLst>
       <p:ext uri="{BB962C8B-B14F-4D97-AF65-F5344CB8AC3E}">
-        <p14:creationId xmlns:p14="http://schemas.microsoft.com/office/powerpoint/2010/main" val="2764664819"/>
+        <p14:creationId xmlns:p14="http://schemas.microsoft.com/office/powerpoint/2010/main" val="573304325"/>
       </p:ext>
     </p:extLst>
   </p:cSld>
@@ -15830,29 +17123,6 @@
       </p:grpSpPr>
       <p:sp>
         <p:nvSpPr>
-          <p:cNvPr id="2" name="Title 1"/>
-          <p:cNvSpPr>
-            <a:spLocks noGrp="1"/>
-          </p:cNvSpPr>
-          <p:nvPr>
-            <p:ph type="title"/>
-          </p:nvPr>
-        </p:nvSpPr>
-        <p:spPr/>
-        <p:txBody>
-          <a:bodyPr/>
-          <a:lstStyle/>
-          <a:p>
-            <a:r>
-              <a:rPr lang="ru-RU" smtClean="0"/>
-              <a:t>Закольцованные указатели</a:t>
-            </a:r>
-            <a:endParaRPr lang="en-US"/>
-          </a:p>
-        </p:txBody>
-      </p:sp>
-      <p:sp>
-        <p:nvSpPr>
           <p:cNvPr id="3" name="Content Placeholder 2"/>
           <p:cNvSpPr>
             <a:spLocks noGrp="1"/>
@@ -15863,266 +17133,78 @@
         </p:nvSpPr>
         <p:spPr>
           <a:xfrm>
-            <a:off x="1143000" y="2057400"/>
-            <a:ext cx="9872871" cy="4270248"/>
+            <a:off x="1143000" y="742122"/>
+            <a:ext cx="9872871" cy="5353878"/>
           </a:xfrm>
         </p:spPr>
         <p:txBody>
-          <a:bodyPr/>
-          <a:lstStyle/>
-          <a:p>
-            <a:r>
-              <a:rPr lang="ru-RU" smtClean="0"/>
-              <a:t>Главная проблема указателей с совместным владением это возможность циркулярных ссылок</a:t>
-            </a:r>
-          </a:p>
-          <a:p>
-            <a:pPr marL="45720" indent="0">
-              <a:buNone/>
+          <a:bodyPr>
+            <a:noAutofit/>
+          </a:bodyPr>
+          <a:lstStyle/>
+          <a:p>
+            <a:pPr>
+              <a:lnSpc>
+                <a:spcPct val="150000"/>
+              </a:lnSpc>
+              <a:buFont typeface="Wingdings" panose="05000000000000000000" pitchFamily="2" charset="2"/>
+              <a:buChar char="q"/>
             </a:pPr>
             <a:r>
-              <a:rPr lang="en-US" smtClean="0">
-                <a:latin typeface="Consolas" panose="020B0609020204030204" pitchFamily="49" charset="0"/>
-              </a:rPr>
-              <a:t>struct Node {</a:t>
-            </a:r>
-            <a:br>
-              <a:rPr lang="en-US" smtClean="0">
-                <a:latin typeface="Consolas" panose="020B0609020204030204" pitchFamily="49" charset="0"/>
-              </a:rPr>
-            </a:br>
-            <a:r>
-              <a:rPr lang="en-US" smtClean="0">
-                <a:latin typeface="Consolas" panose="020B0609020204030204" pitchFamily="49" charset="0"/>
-              </a:rPr>
-              <a:t>  shared_ptr&lt;Node&gt; parent, left, right;</a:t>
-            </a:r>
-            <a:br>
-              <a:rPr lang="en-US" smtClean="0">
-                <a:latin typeface="Consolas" panose="020B0609020204030204" pitchFamily="49" charset="0"/>
-              </a:rPr>
-            </a:br>
-            <a:r>
-              <a:rPr lang="en-US" smtClean="0">
-                <a:latin typeface="Consolas" panose="020B0609020204030204" pitchFamily="49" charset="0"/>
-              </a:rPr>
-              <a:t>};</a:t>
-            </a:r>
-          </a:p>
-          <a:p>
-            <a:pPr marL="45720" indent="0">
-              <a:buNone/>
+              <a:rPr lang="ru-RU" sz="4800" smtClean="0"/>
+              <a:t> Постановка и история вопроса</a:t>
+            </a:r>
+          </a:p>
+          <a:p>
+            <a:pPr>
+              <a:lnSpc>
+                <a:spcPct val="150000"/>
+              </a:lnSpc>
+              <a:buFont typeface="Wingdings" panose="05000000000000000000" pitchFamily="2" charset="2"/>
+              <a:buChar char="q"/>
             </a:pPr>
             <a:r>
-              <a:rPr lang="en-US">
-                <a:latin typeface="Consolas" panose="020B0609020204030204" pitchFamily="49" charset="0"/>
-              </a:rPr>
-              <a:t>{</a:t>
-            </a:r>
-            <a:r>
-              <a:rPr lang="ru-RU" smtClean="0">
-                <a:latin typeface="Consolas" panose="020B0609020204030204" pitchFamily="49" charset="0"/>
-              </a:rPr>
-              <a:t/>
-            </a:r>
-            <a:br>
-              <a:rPr lang="ru-RU" smtClean="0">
-                <a:latin typeface="Consolas" panose="020B0609020204030204" pitchFamily="49" charset="0"/>
-              </a:rPr>
-            </a:br>
-            <a:r>
-              <a:rPr lang="en-US" smtClean="0">
-                <a:latin typeface="Consolas" panose="020B0609020204030204" pitchFamily="49" charset="0"/>
-              </a:rPr>
-              <a:t>  shared_ptr&lt;Node</a:t>
-            </a:r>
-            <a:r>
-              <a:rPr lang="en-US">
-                <a:latin typeface="Consolas" panose="020B0609020204030204" pitchFamily="49" charset="0"/>
-              </a:rPr>
-              <a:t>&gt; </a:t>
-            </a:r>
-            <a:r>
-              <a:rPr lang="en-US" smtClean="0">
-                <a:latin typeface="Consolas" panose="020B0609020204030204" pitchFamily="49" charset="0"/>
-              </a:rPr>
-              <a:t>master </a:t>
-            </a:r>
-            <a:r>
-              <a:rPr lang="en-US">
-                <a:latin typeface="Consolas" panose="020B0609020204030204" pitchFamily="49" charset="0"/>
-              </a:rPr>
-              <a:t>= make_shared&lt;Node</a:t>
-            </a:r>
-            <a:r>
-              <a:rPr lang="en-US" smtClean="0">
-                <a:latin typeface="Consolas" panose="020B0609020204030204" pitchFamily="49" charset="0"/>
-              </a:rPr>
-              <a:t>&gt;(); // </a:t>
-            </a:r>
-            <a:r>
-              <a:rPr lang="ru-RU" smtClean="0">
-                <a:latin typeface="Consolas" panose="020B0609020204030204" pitchFamily="49" charset="0"/>
-              </a:rPr>
-              <a:t>счётчик</a:t>
-            </a:r>
-            <a:r>
-              <a:rPr lang="en-US">
-                <a:latin typeface="Consolas" panose="020B0609020204030204" pitchFamily="49" charset="0"/>
-              </a:rPr>
-              <a:t>:</a:t>
-            </a:r>
-            <a:r>
-              <a:rPr lang="en-US" smtClean="0">
-                <a:latin typeface="Consolas" panose="020B0609020204030204" pitchFamily="49" charset="0"/>
-              </a:rPr>
-              <a:t>1</a:t>
-            </a:r>
-            <a:br>
-              <a:rPr lang="en-US" smtClean="0">
-                <a:latin typeface="Consolas" panose="020B0609020204030204" pitchFamily="49" charset="0"/>
-              </a:rPr>
-            </a:br>
-            <a:r>
-              <a:rPr lang="en-US" smtClean="0">
-                <a:latin typeface="Consolas" panose="020B0609020204030204" pitchFamily="49" charset="0"/>
-              </a:rPr>
-              <a:t>  shared_ptr&lt;Node&gt; slave = make_shared&lt;Node&gt;(); // </a:t>
-            </a:r>
-            <a:r>
-              <a:rPr lang="ru-RU" smtClean="0">
-                <a:latin typeface="Consolas" panose="020B0609020204030204" pitchFamily="49" charset="0"/>
-              </a:rPr>
-              <a:t>счётчик:</a:t>
-            </a:r>
-            <a:r>
-              <a:rPr lang="en-US" smtClean="0">
-                <a:latin typeface="Consolas" panose="020B0609020204030204" pitchFamily="49" charset="0"/>
-              </a:rPr>
-              <a:t>1</a:t>
-            </a:r>
-            <a:br>
-              <a:rPr lang="en-US" smtClean="0">
-                <a:latin typeface="Consolas" panose="020B0609020204030204" pitchFamily="49" charset="0"/>
-              </a:rPr>
-            </a:br>
-            <a:r>
-              <a:rPr lang="en-US" smtClean="0">
-                <a:latin typeface="Consolas" panose="020B0609020204030204" pitchFamily="49" charset="0"/>
-              </a:rPr>
-              <a:t>  slave.parent = master;</a:t>
-            </a:r>
-            <a:r>
-              <a:rPr lang="ru-RU" smtClean="0">
-                <a:latin typeface="Consolas" panose="020B0609020204030204" pitchFamily="49" charset="0"/>
-              </a:rPr>
+              <a:rPr lang="ru-RU" sz="4800" smtClean="0"/>
+              <a:t> Уникальное владение</a:t>
+            </a:r>
+          </a:p>
+          <a:p>
+            <a:pPr>
+              <a:lnSpc>
+                <a:spcPct val="150000"/>
+              </a:lnSpc>
+              <a:buFont typeface="Wingdings" panose="05000000000000000000" pitchFamily="2" charset="2"/>
+              <a:buChar char="q"/>
+            </a:pPr>
+            <a:r>
+              <a:rPr lang="ru-RU" sz="4800" smtClean="0"/>
+              <a:t> Совместное владение</a:t>
+            </a:r>
+            <a:endParaRPr lang="en-US" sz="4800" smtClean="0"/>
+          </a:p>
+          <a:p>
+            <a:pPr>
+              <a:lnSpc>
+                <a:spcPct val="150000"/>
+              </a:lnSpc>
+              <a:buFont typeface="Wingdings" panose="05000000000000000000" pitchFamily="2" charset="2"/>
+              <a:buChar char="Ø"/>
+            </a:pPr>
+            <a:r>
+              <a:rPr lang="en-US" sz="4800"/>
               <a:t> </a:t>
             </a:r>
             <a:r>
-              <a:rPr lang="en-US" smtClean="0">
-                <a:latin typeface="Consolas" panose="020B0609020204030204" pitchFamily="49" charset="0"/>
-              </a:rPr>
-              <a:t>// </a:t>
-            </a:r>
-            <a:r>
-              <a:rPr lang="ru-RU" smtClean="0">
-                <a:latin typeface="Consolas" panose="020B0609020204030204" pitchFamily="49" charset="0"/>
-              </a:rPr>
-              <a:t>счётчик:2</a:t>
-            </a:r>
-            <a:r>
-              <a:rPr lang="en-US" smtClean="0">
-                <a:latin typeface="Consolas" panose="020B0609020204030204" pitchFamily="49" charset="0"/>
-              </a:rPr>
-              <a:t/>
-            </a:r>
-            <a:br>
-              <a:rPr lang="en-US" smtClean="0">
-                <a:latin typeface="Consolas" panose="020B0609020204030204" pitchFamily="49" charset="0"/>
-              </a:rPr>
-            </a:br>
-            <a:r>
-              <a:rPr lang="en-US" smtClean="0">
-                <a:latin typeface="Consolas" panose="020B0609020204030204" pitchFamily="49" charset="0"/>
-              </a:rPr>
-              <a:t>  master.left = slave;</a:t>
-            </a:r>
-            <a:r>
-              <a:rPr lang="ru-RU" smtClean="0">
-                <a:latin typeface="Consolas" panose="020B0609020204030204" pitchFamily="49" charset="0"/>
-              </a:rPr>
-              <a:t> </a:t>
-            </a:r>
-            <a:r>
-              <a:rPr lang="en-US" smtClean="0">
-                <a:latin typeface="Consolas" panose="020B0609020204030204" pitchFamily="49" charset="0"/>
-              </a:rPr>
-              <a:t>// </a:t>
-            </a:r>
-            <a:r>
-              <a:rPr lang="ru-RU" smtClean="0">
-                <a:latin typeface="Consolas" panose="020B0609020204030204" pitchFamily="49" charset="0"/>
-              </a:rPr>
-              <a:t>счётчик:2</a:t>
-            </a:r>
-            <a:r>
-              <a:rPr lang="en-US" smtClean="0">
-                <a:latin typeface="Consolas" panose="020B0609020204030204" pitchFamily="49" charset="0"/>
-              </a:rPr>
-              <a:t/>
-            </a:r>
-            <a:br>
-              <a:rPr lang="en-US" smtClean="0">
-                <a:latin typeface="Consolas" panose="020B0609020204030204" pitchFamily="49" charset="0"/>
-              </a:rPr>
-            </a:br>
-            <a:r>
-              <a:rPr lang="en-US" smtClean="0">
-                <a:latin typeface="Consolas" panose="020B0609020204030204" pitchFamily="49" charset="0"/>
-              </a:rPr>
-              <a:t>} </a:t>
-            </a:r>
-            <a:r>
-              <a:rPr lang="en-US" smtClean="0">
-                <a:solidFill>
-                  <a:srgbClr val="FF0000"/>
-                </a:solidFill>
-                <a:latin typeface="Consolas" panose="020B0609020204030204" pitchFamily="49" charset="0"/>
-              </a:rPr>
-              <a:t>// LEAK</a:t>
-            </a:r>
-            <a:endParaRPr lang="ru-RU" smtClean="0">
-              <a:solidFill>
-                <a:srgbClr val="FF0000"/>
-              </a:solidFill>
-              <a:latin typeface="Consolas" panose="020B0609020204030204" pitchFamily="49" charset="0"/>
-            </a:endParaRPr>
-          </a:p>
-          <a:p>
-            <a:r>
-              <a:rPr lang="ru-RU" smtClean="0"/>
-              <a:t>Теперь эта сладкая пара не умрёт</a:t>
-            </a:r>
-            <a:r>
-              <a:rPr lang="en-US" smtClean="0"/>
-              <a:t> </a:t>
-            </a:r>
-            <a:r>
-              <a:rPr lang="ru-RU" smtClean="0"/>
-              <a:t>на выходе из области видимости</a:t>
-            </a:r>
-            <a:r>
-              <a:rPr lang="en-US" smtClean="0"/>
-              <a:t>.</a:t>
-            </a:r>
-            <a:endParaRPr lang="en-US"/>
+              <a:rPr lang="ru-RU" sz="4800" smtClean="0"/>
+              <a:t>Закольцованный мир</a:t>
+            </a:r>
           </a:p>
         </p:txBody>
       </p:sp>
     </p:spTree>
     <p:extLst>
       <p:ext uri="{BB962C8B-B14F-4D97-AF65-F5344CB8AC3E}">
-        <p14:creationId xmlns:p14="http://schemas.microsoft.com/office/powerpoint/2010/main" val="2811232442"/>
+        <p14:creationId xmlns:p14="http://schemas.microsoft.com/office/powerpoint/2010/main" val="2764664819"/>
       </p:ext>
     </p:extLst>
   </p:cSld>
@@ -16166,7 +17248,7 @@
           <a:p>
             <a:r>
               <a:rPr lang="ru-RU" smtClean="0"/>
-              <a:t>Решение: слабые указатели</a:t>
+              <a:t>Закольцованные указатели</a:t>
             </a:r>
             <a:endParaRPr lang="en-US"/>
           </a:p>
@@ -16194,7 +17276,7 @@
           <a:p>
             <a:r>
               <a:rPr lang="ru-RU" smtClean="0"/>
-              <a:t>Слабый указатель не владеет объектом, на который указывает</a:t>
+              <a:t>Главная проблема указателей с совместным владением это возможность циркулярных ссылок</a:t>
             </a:r>
           </a:p>
           <a:p>
@@ -16216,42 +17298,7 @@
               <a:rPr lang="en-US" smtClean="0">
                 <a:latin typeface="Consolas" panose="020B0609020204030204" pitchFamily="49" charset="0"/>
               </a:rPr>
-              <a:t>  weak_ptr&lt;Node&gt; parent</a:t>
-            </a:r>
-            <a:r>
-              <a:rPr lang="ru-RU" smtClean="0">
-                <a:latin typeface="Consolas" panose="020B0609020204030204" pitchFamily="49" charset="0"/>
-              </a:rPr>
-              <a:t/>
-            </a:r>
-            <a:br>
-              <a:rPr lang="ru-RU" smtClean="0">
-                <a:latin typeface="Consolas" panose="020B0609020204030204" pitchFamily="49" charset="0"/>
-              </a:rPr>
-            </a:br>
-            <a:r>
-              <a:rPr lang="ru-RU" smtClean="0">
-                <a:latin typeface="Consolas" panose="020B0609020204030204" pitchFamily="49" charset="0"/>
-              </a:rPr>
-              <a:t> </a:t>
-            </a:r>
-            <a:r>
-              <a:rPr lang="en-US" smtClean="0">
-                <a:latin typeface="Consolas" panose="020B0609020204030204" pitchFamily="49" charset="0"/>
-              </a:rPr>
-              <a:t> shared_ptr&lt;Node</a:t>
-            </a:r>
-            <a:r>
-              <a:rPr lang="en-US">
-                <a:latin typeface="Consolas" panose="020B0609020204030204" pitchFamily="49" charset="0"/>
-              </a:rPr>
-              <a:t>&gt; </a:t>
-            </a:r>
-            <a:r>
-              <a:rPr lang="en-US" smtClean="0">
-                <a:latin typeface="Consolas" panose="020B0609020204030204" pitchFamily="49" charset="0"/>
-              </a:rPr>
-              <a:t>left, right;</a:t>
+              <a:t>  shared_ptr&lt;Node&gt; parent, left, right;</a:t>
             </a:r>
             <a:br>
               <a:rPr lang="en-US" smtClean="0">
@@ -16376,30 +17423,15 @@
             </a:r>
             <a:r>
               <a:rPr lang="en-US" smtClean="0">
-                <a:solidFill>
-                  <a:srgbClr val="0000FF"/>
-                </a:solidFill>
                 <a:latin typeface="Consolas" panose="020B0609020204030204" pitchFamily="49" charset="0"/>
               </a:rPr>
               <a:t>// </a:t>
             </a:r>
             <a:r>
               <a:rPr lang="ru-RU" smtClean="0">
-                <a:solidFill>
-                  <a:srgbClr val="0000FF"/>
-                </a:solidFill>
-                <a:latin typeface="Consolas" panose="020B0609020204030204" pitchFamily="49" charset="0"/>
-              </a:rPr>
-              <a:t>счётчик:</a:t>
-            </a:r>
-            <a:r>
-              <a:rPr lang="en-US" smtClean="0">
-                <a:solidFill>
-                  <a:srgbClr val="0000FF"/>
-                </a:solidFill>
-                <a:latin typeface="Consolas" panose="020B0609020204030204" pitchFamily="49" charset="0"/>
-              </a:rPr>
-              <a:t>1</a:t>
+                <a:latin typeface="Consolas" panose="020B0609020204030204" pitchFamily="49" charset="0"/>
+              </a:rPr>
+              <a:t>счётчик:2</a:t>
             </a:r>
             <a:r>
               <a:rPr lang="en-US" smtClean="0">
@@ -16456,51 +17488,15 @@
             <a:r>
               <a:rPr lang="en-US" smtClean="0">
                 <a:solidFill>
-                  <a:srgbClr val="0000FF"/>
-                </a:solidFill>
-                <a:latin typeface="Consolas" panose="020B0609020204030204" pitchFamily="49" charset="0"/>
-              </a:rPr>
-              <a:t>// OK, </a:t>
-            </a:r>
-            <a:r>
-              <a:rPr lang="ru-RU" smtClean="0">
-                <a:solidFill>
-                  <a:srgbClr val="0000FF"/>
-                </a:solidFill>
-                <a:latin typeface="Consolas" panose="020B0609020204030204" pitchFamily="49" charset="0"/>
-              </a:rPr>
-              <a:t>уничтожен </a:t>
-            </a:r>
-            <a:r>
-              <a:rPr lang="en-US" smtClean="0">
-                <a:solidFill>
-                  <a:srgbClr val="0000FF"/>
-                </a:solidFill>
-                <a:latin typeface="Consolas" panose="020B0609020204030204" pitchFamily="49" charset="0"/>
-              </a:rPr>
-              <a:t>master, </a:t>
-            </a:r>
-            <a:r>
-              <a:rPr lang="ru-RU" smtClean="0">
-                <a:solidFill>
-                  <a:srgbClr val="0000FF"/>
-                </a:solidFill>
-                <a:latin typeface="Consolas" panose="020B0609020204030204" pitchFamily="49" charset="0"/>
-              </a:rPr>
-              <a:t>после чего </a:t>
-            </a:r>
-            <a:r>
-              <a:rPr lang="en-US" smtClean="0">
-                <a:solidFill>
-                  <a:srgbClr val="0000FF"/>
-                </a:solidFill>
-                <a:latin typeface="Consolas" panose="020B0609020204030204" pitchFamily="49" charset="0"/>
-              </a:rPr>
-              <a:t>slave</a:t>
+                  <a:srgbClr val="FF0000"/>
+                </a:solidFill>
+                <a:latin typeface="Consolas" panose="020B0609020204030204" pitchFamily="49" charset="0"/>
+              </a:rPr>
+              <a:t>// LEAK</a:t>
             </a:r>
             <a:endParaRPr lang="ru-RU" smtClean="0">
               <a:solidFill>
-                <a:srgbClr val="0000FF"/>
+                <a:srgbClr val="FF0000"/>
               </a:solidFill>
               <a:latin typeface="Consolas" panose="020B0609020204030204" pitchFamily="49" charset="0"/>
             </a:endParaRPr>
@@ -16508,7 +17504,19 @@
           <a:p>
             <a:r>
               <a:rPr lang="ru-RU" smtClean="0"/>
-              <a:t>Теперь всё хорошо за счёт слабого владения</a:t>
+              <a:t>Теперь эта сладкая пара не умрёт</a:t>
+            </a:r>
+            <a:r>
+              <a:rPr lang="en-US" smtClean="0"/>
+              <a:t> </a:t>
+            </a:r>
+            <a:r>
+              <a:rPr lang="ru-RU" smtClean="0"/>
+              <a:t>на выходе из области видимости</a:t>
+            </a:r>
+            <a:r>
+              <a:rPr lang="en-US" smtClean="0"/>
+              <a:t>.</a:t>
             </a:r>
             <a:endParaRPr lang="en-US"/>
           </a:p>
@@ -16517,7 +17525,7 @@
     </p:spTree>
     <p:extLst>
       <p:ext uri="{BB962C8B-B14F-4D97-AF65-F5344CB8AC3E}">
-        <p14:creationId xmlns:p14="http://schemas.microsoft.com/office/powerpoint/2010/main" val="2496597853"/>
+        <p14:creationId xmlns:p14="http://schemas.microsoft.com/office/powerpoint/2010/main" val="2811232442"/>
       </p:ext>
     </p:extLst>
   </p:cSld>
@@ -16561,7 +17569,7 @@
           <a:p>
             <a:r>
               <a:rPr lang="ru-RU" smtClean="0"/>
-              <a:t>Слабый указатель нельзя разыменовать</a:t>
+              <a:t>Решение: слабые указатели</a:t>
             </a:r>
             <a:endParaRPr lang="en-US"/>
           </a:p>
@@ -16577,14 +17585,19 @@
             <p:ph idx="1"/>
           </p:nvPr>
         </p:nvSpPr>
-        <p:spPr/>
+        <p:spPr>
+          <a:xfrm>
+            <a:off x="1143000" y="2057400"/>
+            <a:ext cx="9872871" cy="4270248"/>
+          </a:xfrm>
+        </p:spPr>
         <p:txBody>
           <a:bodyPr/>
           <a:lstStyle/>
           <a:p>
             <a:r>
               <a:rPr lang="ru-RU" smtClean="0"/>
-              <a:t>Простое разыменование не сработает</a:t>
+              <a:t>Слабый указатель не владеет объектом, на который указывает</a:t>
             </a:r>
           </a:p>
           <a:p>
@@ -16595,76 +17608,64 @@
               <a:rPr lang="en-US" smtClean="0">
                 <a:latin typeface="Consolas" panose="020B0609020204030204" pitchFamily="49" charset="0"/>
               </a:rPr>
-              <a:t>auto t = make_shared&lt;int&gt;(42);</a:t>
-            </a:r>
-            <a:br>
-              <a:rPr lang="en-US" smtClean="0">
-                <a:latin typeface="Consolas" panose="020B0609020204030204" pitchFamily="49" charset="0"/>
-              </a:rPr>
-            </a:br>
-            <a:r>
-              <a:rPr lang="en-US" smtClean="0">
-                <a:latin typeface="Consolas" panose="020B0609020204030204" pitchFamily="49" charset="0"/>
-              </a:rPr>
-              <a:t>weak_ptr&lt;int&gt; w = t;</a:t>
-            </a:r>
-            <a:br>
-              <a:rPr lang="en-US" smtClean="0">
-                <a:latin typeface="Consolas" panose="020B0609020204030204" pitchFamily="49" charset="0"/>
-              </a:rPr>
-            </a:br>
-            <a:r>
-              <a:rPr lang="en-US" smtClean="0">
-                <a:latin typeface="Consolas" panose="020B0609020204030204" pitchFamily="49" charset="0"/>
-              </a:rPr>
-              <a:t>int xt = *t; // ok</a:t>
-            </a:r>
-            <a:br>
-              <a:rPr lang="en-US" smtClean="0">
-                <a:latin typeface="Consolas" panose="020B0609020204030204" pitchFamily="49" charset="0"/>
-              </a:rPr>
-            </a:br>
-            <a:r>
-              <a:rPr lang="en-US" smtClean="0">
-                <a:latin typeface="Consolas" panose="020B0609020204030204" pitchFamily="49" charset="0"/>
-              </a:rPr>
-              <a:t>// </a:t>
+              <a:t>struct Node {</a:t>
+            </a:r>
+            <a:br>
+              <a:rPr lang="en-US" smtClean="0">
+                <a:latin typeface="Consolas" panose="020B0609020204030204" pitchFamily="49" charset="0"/>
+              </a:rPr>
+            </a:br>
+            <a:r>
+              <a:rPr lang="en-US" smtClean="0">
+                <a:latin typeface="Consolas" panose="020B0609020204030204" pitchFamily="49" charset="0"/>
+              </a:rPr>
+              <a:t>  weak_ptr&lt;Node&gt; parent</a:t>
             </a:r>
             <a:r>
               <a:rPr lang="ru-RU" smtClean="0">
                 <a:latin typeface="Consolas" panose="020B0609020204030204" pitchFamily="49" charset="0"/>
               </a:rPr>
-              <a:t>сделать</a:t>
-            </a:r>
-            <a:r>
-              <a:rPr lang="en-US" smtClean="0">
-                <a:latin typeface="Consolas" panose="020B0609020204030204" pitchFamily="49" charset="0"/>
-              </a:rPr>
-              <a:t> int xw =</a:t>
-            </a:r>
-            <a:r>
+              <a:t/>
+            </a:r>
+            <a:br>
               <a:rPr lang="ru-RU" smtClean="0">
                 <a:latin typeface="Consolas" panose="020B0609020204030204" pitchFamily="49" charset="0"/>
               </a:rPr>
+            </a:br>
+            <a:r>
+              <a:rPr lang="ru-RU" smtClean="0">
+                <a:latin typeface="Consolas" panose="020B0609020204030204" pitchFamily="49" charset="0"/>
+              </a:rPr>
               <a:t> </a:t>
             </a:r>
             <a:r>
               <a:rPr lang="en-US" smtClean="0">
                 <a:latin typeface="Consolas" panose="020B0609020204030204" pitchFamily="49" charset="0"/>
               </a:rPr>
-              <a:t>*w</a:t>
-            </a:r>
-            <a:r>
-              <a:rPr lang="ru-RU" smtClean="0">
-                <a:latin typeface="Consolas" panose="020B0609020204030204" pitchFamily="49" charset="0"/>
-              </a:rPr>
-              <a:t> нельзя</a:t>
-            </a:r>
-          </a:p>
-          <a:p>
-            <a:r>
-              <a:rPr lang="ru-RU" smtClean="0"/>
-              <a:t>Зато его можно превратить в сильный указатель и потом разыменовать</a:t>
+              <a:t> shared_ptr&lt;Node</a:t>
+            </a:r>
+            <a:r>
+              <a:rPr lang="en-US">
+                <a:latin typeface="Consolas" panose="020B0609020204030204" pitchFamily="49" charset="0"/>
+              </a:rPr>
+              <a:t>&gt; </a:t>
+            </a:r>
+            <a:r>
+              <a:rPr lang="en-US" smtClean="0">
+                <a:latin typeface="Consolas" panose="020B0609020204030204" pitchFamily="49" charset="0"/>
+              </a:rPr>
+              <a:t>left, right;</a:t>
+            </a:r>
+            <a:br>
+              <a:rPr lang="en-US" smtClean="0">
+                <a:latin typeface="Consolas" panose="020B0609020204030204" pitchFamily="49" charset="0"/>
+              </a:rPr>
+            </a:br>
+            <a:r>
+              <a:rPr lang="en-US" smtClean="0">
+                <a:latin typeface="Consolas" panose="020B0609020204030204" pitchFamily="49" charset="0"/>
+              </a:rPr>
+              <a:t>};</a:t>
             </a:r>
           </a:p>
           <a:p>
@@ -16672,30 +17673,245 @@
               <a:buNone/>
             </a:pPr>
             <a:r>
-              <a:rPr lang="en-US" smtClean="0">
-                <a:latin typeface="Consolas" panose="020B0609020204030204" pitchFamily="49" charset="0"/>
-              </a:rPr>
-              <a:t>auto tprime = w.lock();</a:t>
-            </a:r>
-            <a:br>
-              <a:rPr lang="en-US" smtClean="0">
-                <a:latin typeface="Consolas" panose="020B0609020204030204" pitchFamily="49" charset="0"/>
-              </a:rPr>
-            </a:br>
-            <a:r>
-              <a:rPr lang="en-US" smtClean="0">
-                <a:latin typeface="Consolas" panose="020B0609020204030204" pitchFamily="49" charset="0"/>
-              </a:rPr>
-              <a:t>int xtp = *tprime;</a:t>
-            </a:r>
-            <a:endParaRPr lang="ru-RU">
+              <a:rPr lang="en-US">
+                <a:latin typeface="Consolas" panose="020B0609020204030204" pitchFamily="49" charset="0"/>
+              </a:rPr>
+              <a:t>{</a:t>
+            </a:r>
+            <a:r>
+              <a:rPr lang="ru-RU" smtClean="0">
+                <a:latin typeface="Consolas" panose="020B0609020204030204" pitchFamily="49" charset="0"/>
+              </a:rPr>
+              <a:t/>
+            </a:r>
+            <a:br>
+              <a:rPr lang="ru-RU" smtClean="0">
+                <a:latin typeface="Consolas" panose="020B0609020204030204" pitchFamily="49" charset="0"/>
+              </a:rPr>
+            </a:br>
+            <a:r>
+              <a:rPr lang="en-US" smtClean="0">
+                <a:latin typeface="Consolas" panose="020B0609020204030204" pitchFamily="49" charset="0"/>
+              </a:rPr>
+              <a:t>  shared_ptr&lt;Node</a:t>
+            </a:r>
+            <a:r>
+              <a:rPr lang="en-US">
+                <a:latin typeface="Consolas" panose="020B0609020204030204" pitchFamily="49" charset="0"/>
+              </a:rPr>
+              <a:t>&gt; </a:t>
+            </a:r>
+            <a:r>
+              <a:rPr lang="en-US" smtClean="0">
+                <a:latin typeface="Consolas" panose="020B0609020204030204" pitchFamily="49" charset="0"/>
+              </a:rPr>
+              <a:t>master </a:t>
+            </a:r>
+            <a:r>
+              <a:rPr lang="en-US">
+                <a:latin typeface="Consolas" panose="020B0609020204030204" pitchFamily="49" charset="0"/>
+              </a:rPr>
+              <a:t>= make_shared&lt;Node</a:t>
+            </a:r>
+            <a:r>
+              <a:rPr lang="en-US" smtClean="0">
+                <a:latin typeface="Consolas" panose="020B0609020204030204" pitchFamily="49" charset="0"/>
+              </a:rPr>
+              <a:t>&gt;(); // </a:t>
+            </a:r>
+            <a:r>
+              <a:rPr lang="ru-RU" smtClean="0">
+                <a:latin typeface="Consolas" panose="020B0609020204030204" pitchFamily="49" charset="0"/>
+              </a:rPr>
+              <a:t>счётчик</a:t>
+            </a:r>
+            <a:r>
+              <a:rPr lang="en-US">
+                <a:latin typeface="Consolas" panose="020B0609020204030204" pitchFamily="49" charset="0"/>
+              </a:rPr>
+              <a:t>:</a:t>
+            </a:r>
+            <a:r>
+              <a:rPr lang="en-US" smtClean="0">
+                <a:latin typeface="Consolas" panose="020B0609020204030204" pitchFamily="49" charset="0"/>
+              </a:rPr>
+              <a:t>1</a:t>
+            </a:r>
+            <a:br>
+              <a:rPr lang="en-US" smtClean="0">
+                <a:latin typeface="Consolas" panose="020B0609020204030204" pitchFamily="49" charset="0"/>
+              </a:rPr>
+            </a:br>
+            <a:r>
+              <a:rPr lang="en-US" smtClean="0">
+                <a:latin typeface="Consolas" panose="020B0609020204030204" pitchFamily="49" charset="0"/>
+              </a:rPr>
+              <a:t>  shared_ptr&lt;Node&gt; slave = make_shared&lt;Node&gt;(); // </a:t>
+            </a:r>
+            <a:r>
+              <a:rPr lang="ru-RU" smtClean="0">
+                <a:latin typeface="Consolas" panose="020B0609020204030204" pitchFamily="49" charset="0"/>
+              </a:rPr>
+              <a:t>счётчик:</a:t>
+            </a:r>
+            <a:r>
+              <a:rPr lang="en-US" smtClean="0">
+                <a:latin typeface="Consolas" panose="020B0609020204030204" pitchFamily="49" charset="0"/>
+              </a:rPr>
+              <a:t>1</a:t>
+            </a:r>
+            <a:br>
+              <a:rPr lang="en-US" smtClean="0">
+                <a:latin typeface="Consolas" panose="020B0609020204030204" pitchFamily="49" charset="0"/>
+              </a:rPr>
+            </a:br>
+            <a:r>
+              <a:rPr lang="en-US" smtClean="0">
+                <a:latin typeface="Consolas" panose="020B0609020204030204" pitchFamily="49" charset="0"/>
+              </a:rPr>
+              <a:t>  slave.parent = master;</a:t>
+            </a:r>
+            <a:r>
+              <a:rPr lang="ru-RU" smtClean="0">
+                <a:latin typeface="Consolas" panose="020B0609020204030204" pitchFamily="49" charset="0"/>
+              </a:rPr>
+              <a:t> </a:t>
+            </a:r>
+            <a:r>
+              <a:rPr lang="en-US" smtClean="0">
+                <a:solidFill>
+                  <a:srgbClr val="0000FF"/>
+                </a:solidFill>
+                <a:latin typeface="Consolas" panose="020B0609020204030204" pitchFamily="49" charset="0"/>
+              </a:rPr>
+              <a:t>// </a:t>
+            </a:r>
+            <a:r>
+              <a:rPr lang="ru-RU" smtClean="0">
+                <a:solidFill>
+                  <a:srgbClr val="0000FF"/>
+                </a:solidFill>
+                <a:latin typeface="Consolas" panose="020B0609020204030204" pitchFamily="49" charset="0"/>
+              </a:rPr>
+              <a:t>счётчик:</a:t>
+            </a:r>
+            <a:r>
+              <a:rPr lang="en-US" smtClean="0">
+                <a:solidFill>
+                  <a:srgbClr val="0000FF"/>
+                </a:solidFill>
+                <a:latin typeface="Consolas" panose="020B0609020204030204" pitchFamily="49" charset="0"/>
+              </a:rPr>
+              <a:t>1</a:t>
+            </a:r>
+            <a:r>
+              <a:rPr lang="en-US" smtClean="0">
+                <a:latin typeface="Consolas" panose="020B0609020204030204" pitchFamily="49" charset="0"/>
+              </a:rPr>
+              <a:t/>
+            </a:r>
+            <a:br>
+              <a:rPr lang="en-US" smtClean="0">
+                <a:latin typeface="Consolas" panose="020B0609020204030204" pitchFamily="49" charset="0"/>
+              </a:rPr>
+            </a:br>
+            <a:r>
+              <a:rPr lang="en-US" smtClean="0">
+                <a:latin typeface="Consolas" panose="020B0609020204030204" pitchFamily="49" charset="0"/>
+              </a:rPr>
+              <a:t>  master.left = slave;</a:t>
+            </a:r>
+            <a:r>
+              <a:rPr lang="ru-RU" smtClean="0">
+                <a:latin typeface="Consolas" panose="020B0609020204030204" pitchFamily="49" charset="0"/>
+              </a:rPr>
+              <a:t> </a:t>
+            </a:r>
+            <a:r>
+              <a:rPr lang="en-US" smtClean="0">
+                <a:latin typeface="Consolas" panose="020B0609020204030204" pitchFamily="49" charset="0"/>
+              </a:rPr>
+              <a:t>// </a:t>
+            </a:r>
+            <a:r>
+              <a:rPr lang="ru-RU" smtClean="0">
+                <a:latin typeface="Consolas" panose="020B0609020204030204" pitchFamily="49" charset="0"/>
+              </a:rPr>
+              <a:t>счётчик:2</a:t>
+            </a:r>
+            <a:r>
+              <a:rPr lang="en-US" smtClean="0">
+                <a:latin typeface="Consolas" panose="020B0609020204030204" pitchFamily="49" charset="0"/>
+              </a:rPr>
+              <a:t/>
+            </a:r>
+            <a:br>
+              <a:rPr lang="en-US" smtClean="0">
+                <a:latin typeface="Consolas" panose="020B0609020204030204" pitchFamily="49" charset="0"/>
+              </a:rPr>
+            </a:br>
+            <a:r>
+              <a:rPr lang="en-US" smtClean="0">
+                <a:latin typeface="Consolas" panose="020B0609020204030204" pitchFamily="49" charset="0"/>
+              </a:rPr>
+              <a:t>} </a:t>
+            </a:r>
+            <a:r>
+              <a:rPr lang="en-US" smtClean="0">
+                <a:solidFill>
+                  <a:srgbClr val="0000FF"/>
+                </a:solidFill>
+                <a:latin typeface="Consolas" panose="020B0609020204030204" pitchFamily="49" charset="0"/>
+              </a:rPr>
+              <a:t>// OK, </a:t>
+            </a:r>
+            <a:r>
+              <a:rPr lang="ru-RU" smtClean="0">
+                <a:solidFill>
+                  <a:srgbClr val="0000FF"/>
+                </a:solidFill>
+                <a:latin typeface="Consolas" panose="020B0609020204030204" pitchFamily="49" charset="0"/>
+              </a:rPr>
+              <a:t>уничтожен </a:t>
+            </a:r>
+            <a:r>
+              <a:rPr lang="en-US" smtClean="0">
+                <a:solidFill>
+                  <a:srgbClr val="0000FF"/>
+                </a:solidFill>
+                <a:latin typeface="Consolas" panose="020B0609020204030204" pitchFamily="49" charset="0"/>
+              </a:rPr>
+              <a:t>master, </a:t>
+            </a:r>
+            <a:r>
+              <a:rPr lang="ru-RU" smtClean="0">
+                <a:solidFill>
+                  <a:srgbClr val="0000FF"/>
+                </a:solidFill>
+                <a:latin typeface="Consolas" panose="020B0609020204030204" pitchFamily="49" charset="0"/>
+              </a:rPr>
+              <a:t>после чего </a:t>
+            </a:r>
+            <a:r>
+              <a:rPr lang="en-US" smtClean="0">
+                <a:solidFill>
+                  <a:srgbClr val="0000FF"/>
+                </a:solidFill>
+                <a:latin typeface="Consolas" panose="020B0609020204030204" pitchFamily="49" charset="0"/>
+              </a:rPr>
+              <a:t>slave</a:t>
+            </a:r>
+            <a:endParaRPr lang="ru-RU" smtClean="0">
+              <a:solidFill>
+                <a:srgbClr val="0000FF"/>
+              </a:solidFill>
               <a:latin typeface="Consolas" panose="020B0609020204030204" pitchFamily="49" charset="0"/>
             </a:endParaRPr>
           </a:p>
           <a:p>
             <a:r>
               <a:rPr lang="ru-RU" smtClean="0"/>
-              <a:t>Защёлкивание не вовремя может создать те же проблемы циклической ссылки, но они более контролируемы</a:t>
+              <a:t>Теперь всё хорошо за счёт слабого владения</a:t>
             </a:r>
             <a:endParaRPr lang="en-US"/>
           </a:p>
@@ -16704,7 +17920,7 @@
     </p:spTree>
     <p:extLst>
       <p:ext uri="{BB962C8B-B14F-4D97-AF65-F5344CB8AC3E}">
-        <p14:creationId xmlns:p14="http://schemas.microsoft.com/office/powerpoint/2010/main" val="193473503"/>
+        <p14:creationId xmlns:p14="http://schemas.microsoft.com/office/powerpoint/2010/main" val="2496597853"/>
       </p:ext>
     </p:extLst>
   </p:cSld>
@@ -16748,7 +17964,7 @@
           <a:p>
             <a:r>
               <a:rPr lang="ru-RU" smtClean="0"/>
-              <a:t>Слабый указатель не может повиснуть</a:t>
+              <a:t>Слабый указатель нельзя разыменовать</a:t>
             </a:r>
             <a:endParaRPr lang="en-US"/>
           </a:p>
@@ -16771,7 +17987,7 @@
           <a:p>
             <a:r>
               <a:rPr lang="ru-RU" smtClean="0"/>
-              <a:t>Зато он может закончится. Типичный случай, приводящий к подвисанию обычных указателей</a:t>
+              <a:t>Простое разыменование не сработает</a:t>
             </a:r>
           </a:p>
           <a:p>
@@ -16782,50 +17998,77 @@
               <a:rPr lang="en-US" smtClean="0">
                 <a:latin typeface="Consolas" panose="020B0609020204030204" pitchFamily="49" charset="0"/>
               </a:rPr>
-              <a:t>weak_ptr&lt;int&gt; foo () {</a:t>
-            </a:r>
-            <a:br>
-              <a:rPr lang="en-US" smtClean="0">
-                <a:latin typeface="Consolas" panose="020B0609020204030204" pitchFamily="49" charset="0"/>
-              </a:rPr>
-            </a:br>
-            <a:r>
-              <a:rPr lang="en-US" smtClean="0">
-                <a:latin typeface="Consolas" panose="020B0609020204030204" pitchFamily="49" charset="0"/>
-              </a:rPr>
-              <a:t>  auto res = make_shared&lt;int&gt;(42);</a:t>
-            </a:r>
-            <a:br>
-              <a:rPr lang="en-US" smtClean="0">
-                <a:latin typeface="Consolas" panose="020B0609020204030204" pitchFamily="49" charset="0"/>
-              </a:rPr>
-            </a:br>
-            <a:r>
-              <a:rPr lang="en-US" smtClean="0">
-                <a:latin typeface="Consolas" panose="020B0609020204030204" pitchFamily="49" charset="0"/>
-              </a:rPr>
-              <a:t>  return res;</a:t>
-            </a:r>
-            <a:br>
-              <a:rPr lang="en-US" smtClean="0">
-                <a:latin typeface="Consolas" panose="020B0609020204030204" pitchFamily="49" charset="0"/>
-              </a:rPr>
-            </a:br>
-            <a:r>
-              <a:rPr lang="en-US" smtClean="0">
-                <a:latin typeface="Consolas" panose="020B0609020204030204" pitchFamily="49" charset="0"/>
-              </a:rPr>
-              <a:t>} // </a:t>
+              <a:t>auto t = make_shared&lt;int&gt;(42);</a:t>
+            </a:r>
+            <a:br>
+              <a:rPr lang="en-US" smtClean="0">
+                <a:latin typeface="Consolas" panose="020B0609020204030204" pitchFamily="49" charset="0"/>
+              </a:rPr>
+            </a:br>
+            <a:r>
+              <a:rPr lang="en-US" smtClean="0">
+                <a:latin typeface="Consolas" panose="020B0609020204030204" pitchFamily="49" charset="0"/>
+              </a:rPr>
+              <a:t>weak_ptr&lt;int&gt; w = t;</a:t>
+            </a:r>
+            <a:br>
+              <a:rPr lang="en-US" smtClean="0">
+                <a:latin typeface="Consolas" panose="020B0609020204030204" pitchFamily="49" charset="0"/>
+              </a:rPr>
+            </a:br>
+            <a:r>
+              <a:rPr lang="en-US" smtClean="0">
+                <a:latin typeface="Consolas" panose="020B0609020204030204" pitchFamily="49" charset="0"/>
+              </a:rPr>
+              <a:t>int xt = *t; // ok</a:t>
+            </a:r>
+            <a:br>
+              <a:rPr lang="en-US" smtClean="0">
+                <a:latin typeface="Consolas" panose="020B0609020204030204" pitchFamily="49" charset="0"/>
+              </a:rPr>
+            </a:br>
+            <a:r>
+              <a:rPr lang="en-US" smtClean="0">
+                <a:latin typeface="Consolas" panose="020B0609020204030204" pitchFamily="49" charset="0"/>
+              </a:rPr>
+              <a:t>// </a:t>
             </a:r>
             <a:r>
               <a:rPr lang="ru-RU" smtClean="0">
                 <a:latin typeface="Consolas" panose="020B0609020204030204" pitchFamily="49" charset="0"/>
               </a:rPr>
-              <a:t>в этот момент память была освобождена</a:t>
-            </a:r>
-            <a:endParaRPr lang="en-US" smtClean="0">
-              <a:latin typeface="Consolas" panose="020B0609020204030204" pitchFamily="49" charset="0"/>
-            </a:endParaRPr>
+              <a:t>сделать</a:t>
+            </a:r>
+            <a:r>
+              <a:rPr lang="en-US" smtClean="0">
+                <a:latin typeface="Consolas" panose="020B0609020204030204" pitchFamily="49" charset="0"/>
+              </a:rPr>
+              <a:t> int xw =</a:t>
+            </a:r>
+            <a:r>
+              <a:rPr lang="ru-RU" smtClean="0">
+                <a:latin typeface="Consolas" panose="020B0609020204030204" pitchFamily="49" charset="0"/>
+              </a:rPr>
+              <a:t> </a:t>
+            </a:r>
+            <a:r>
+              <a:rPr lang="en-US" smtClean="0">
+                <a:latin typeface="Consolas" panose="020B0609020204030204" pitchFamily="49" charset="0"/>
+              </a:rPr>
+              <a:t>*w</a:t>
+            </a:r>
+            <a:r>
+              <a:rPr lang="ru-RU" smtClean="0">
+                <a:latin typeface="Consolas" panose="020B0609020204030204" pitchFamily="49" charset="0"/>
+              </a:rPr>
+              <a:t> нельзя</a:t>
+            </a:r>
+          </a:p>
+          <a:p>
+            <a:r>
+              <a:rPr lang="ru-RU" smtClean="0"/>
+              <a:t>Зато его можно превратить в сильный указатель и потом разыменовать</a:t>
+            </a:r>
           </a:p>
           <a:p>
             <a:pPr marL="45720" indent="0">
@@ -16835,50 +18078,36 @@
               <a:rPr lang="en-US" smtClean="0">
                 <a:latin typeface="Consolas" panose="020B0609020204030204" pitchFamily="49" charset="0"/>
               </a:rPr>
-              <a:t>weak_ptr&lt;int&gt; result = foo();</a:t>
-            </a:r>
-            <a:br>
-              <a:rPr lang="en-US" smtClean="0">
-                <a:latin typeface="Consolas" panose="020B0609020204030204" pitchFamily="49" charset="0"/>
-              </a:rPr>
-            </a:br>
-            <a:r>
-              <a:rPr lang="en-US" smtClean="0">
-                <a:latin typeface="Consolas" panose="020B0609020204030204" pitchFamily="49" charset="0"/>
-              </a:rPr>
-              <a:t>assert (result.expired());</a:t>
-            </a:r>
-            <a:r>
-              <a:rPr lang="en-US">
-                <a:latin typeface="Consolas" panose="020B0609020204030204" pitchFamily="49" charset="0"/>
-              </a:rPr>
-              <a:t/>
-            </a:r>
-            <a:br>
-              <a:rPr lang="en-US">
-                <a:latin typeface="Consolas" panose="020B0609020204030204" pitchFamily="49" charset="0"/>
-              </a:rPr>
-            </a:br>
-            <a:r>
-              <a:rPr lang="en-US" smtClean="0">
-                <a:latin typeface="Consolas" panose="020B0609020204030204" pitchFamily="49" charset="0"/>
-              </a:rPr>
-              <a:t>assert (result.lock() == nullptr);</a:t>
-            </a:r>
-          </a:p>
-          <a:p>
-            <a:r>
-              <a:rPr lang="ru-RU" smtClean="0"/>
-              <a:t>Это создаёт возможность контроля валидности состояния слабых указателей</a:t>
-            </a:r>
-            <a:endParaRPr lang="en-US" smtClean="0"/>
+              <a:t>auto tprime = w.lock();</a:t>
+            </a:r>
+            <a:br>
+              <a:rPr lang="en-US" smtClean="0">
+                <a:latin typeface="Consolas" panose="020B0609020204030204" pitchFamily="49" charset="0"/>
+              </a:rPr>
+            </a:br>
+            <a:r>
+              <a:rPr lang="en-US" smtClean="0">
+                <a:latin typeface="Consolas" panose="020B0609020204030204" pitchFamily="49" charset="0"/>
+              </a:rPr>
+              <a:t>int xtp = *tprime;</a:t>
+            </a:r>
+            <a:endParaRPr lang="ru-RU">
+              <a:latin typeface="Consolas" panose="020B0609020204030204" pitchFamily="49" charset="0"/>
+            </a:endParaRPr>
+          </a:p>
+          <a:p>
+            <a:r>
+              <a:rPr lang="ru-RU" smtClean="0"/>
+              <a:t>Защёлкивание не вовремя может создать те же проблемы циклической ссылки, но они более контролируемы</a:t>
+            </a:r>
+            <a:endParaRPr lang="en-US"/>
           </a:p>
         </p:txBody>
       </p:sp>
     </p:spTree>
     <p:extLst>
       <p:ext uri="{BB962C8B-B14F-4D97-AF65-F5344CB8AC3E}">
-        <p14:creationId xmlns:p14="http://schemas.microsoft.com/office/powerpoint/2010/main" val="2628118524"/>
+        <p14:creationId xmlns:p14="http://schemas.microsoft.com/office/powerpoint/2010/main" val="193473503"/>
       </p:ext>
     </p:extLst>
   </p:cSld>
@@ -16922,11 +18151,185 @@
           <a:p>
             <a:r>
               <a:rPr lang="ru-RU" smtClean="0"/>
+              <a:t>Слабый указатель не может повиснуть</a:t>
+            </a:r>
+            <a:endParaRPr lang="en-US"/>
+          </a:p>
+        </p:txBody>
+      </p:sp>
+      <p:sp>
+        <p:nvSpPr>
+          <p:cNvPr id="3" name="Content Placeholder 2"/>
+          <p:cNvSpPr>
+            <a:spLocks noGrp="1"/>
+          </p:cNvSpPr>
+          <p:nvPr>
+            <p:ph idx="1"/>
+          </p:nvPr>
+        </p:nvSpPr>
+        <p:spPr/>
+        <p:txBody>
+          <a:bodyPr/>
+          <a:lstStyle/>
+          <a:p>
+            <a:r>
+              <a:rPr lang="ru-RU" smtClean="0"/>
+              <a:t>Зато он может закончится. Типичный случай, приводящий к подвисанию обычных указателей</a:t>
+            </a:r>
+          </a:p>
+          <a:p>
+            <a:pPr marL="45720" indent="0">
+              <a:buNone/>
+            </a:pPr>
+            <a:r>
+              <a:rPr lang="en-US" smtClean="0">
+                <a:latin typeface="Consolas" panose="020B0609020204030204" pitchFamily="49" charset="0"/>
+              </a:rPr>
+              <a:t>weak_ptr&lt;int&gt; foo () {</a:t>
+            </a:r>
+            <a:br>
+              <a:rPr lang="en-US" smtClean="0">
+                <a:latin typeface="Consolas" panose="020B0609020204030204" pitchFamily="49" charset="0"/>
+              </a:rPr>
+            </a:br>
+            <a:r>
+              <a:rPr lang="en-US" smtClean="0">
+                <a:latin typeface="Consolas" panose="020B0609020204030204" pitchFamily="49" charset="0"/>
+              </a:rPr>
+              <a:t>  auto res = make_shared&lt;int&gt;(42);</a:t>
+            </a:r>
+            <a:br>
+              <a:rPr lang="en-US" smtClean="0">
+                <a:latin typeface="Consolas" panose="020B0609020204030204" pitchFamily="49" charset="0"/>
+              </a:rPr>
+            </a:br>
+            <a:r>
+              <a:rPr lang="en-US" smtClean="0">
+                <a:latin typeface="Consolas" panose="020B0609020204030204" pitchFamily="49" charset="0"/>
+              </a:rPr>
+              <a:t>  return res;</a:t>
+            </a:r>
+            <a:br>
+              <a:rPr lang="en-US" smtClean="0">
+                <a:latin typeface="Consolas" panose="020B0609020204030204" pitchFamily="49" charset="0"/>
+              </a:rPr>
+            </a:br>
+            <a:r>
+              <a:rPr lang="en-US" smtClean="0">
+                <a:latin typeface="Consolas" panose="020B0609020204030204" pitchFamily="49" charset="0"/>
+              </a:rPr>
+              <a:t>} // </a:t>
+            </a:r>
+            <a:r>
+              <a:rPr lang="ru-RU" smtClean="0">
+                <a:latin typeface="Consolas" panose="020B0609020204030204" pitchFamily="49" charset="0"/>
+              </a:rPr>
+              <a:t>в этот момент память была освобождена</a:t>
+            </a:r>
+            <a:endParaRPr lang="en-US" smtClean="0">
+              <a:latin typeface="Consolas" panose="020B0609020204030204" pitchFamily="49" charset="0"/>
+            </a:endParaRPr>
+          </a:p>
+          <a:p>
+            <a:pPr marL="45720" indent="0">
+              <a:buNone/>
+            </a:pPr>
+            <a:r>
+              <a:rPr lang="en-US" smtClean="0">
+                <a:latin typeface="Consolas" panose="020B0609020204030204" pitchFamily="49" charset="0"/>
+              </a:rPr>
+              <a:t>weak_ptr&lt;int&gt; result = foo();</a:t>
+            </a:r>
+            <a:br>
+              <a:rPr lang="en-US" smtClean="0">
+                <a:latin typeface="Consolas" panose="020B0609020204030204" pitchFamily="49" charset="0"/>
+              </a:rPr>
+            </a:br>
+            <a:r>
+              <a:rPr lang="en-US" smtClean="0">
+                <a:latin typeface="Consolas" panose="020B0609020204030204" pitchFamily="49" charset="0"/>
+              </a:rPr>
+              <a:t>assert (result.expired());</a:t>
+            </a:r>
+            <a:r>
+              <a:rPr lang="en-US">
+                <a:latin typeface="Consolas" panose="020B0609020204030204" pitchFamily="49" charset="0"/>
+              </a:rPr>
+              <a:t/>
+            </a:r>
+            <a:br>
+              <a:rPr lang="en-US">
+                <a:latin typeface="Consolas" panose="020B0609020204030204" pitchFamily="49" charset="0"/>
+              </a:rPr>
+            </a:br>
+            <a:r>
+              <a:rPr lang="en-US" smtClean="0">
+                <a:latin typeface="Consolas" panose="020B0609020204030204" pitchFamily="49" charset="0"/>
+              </a:rPr>
+              <a:t>assert (result.lock() == nullptr);</a:t>
+            </a:r>
+          </a:p>
+          <a:p>
+            <a:r>
+              <a:rPr lang="ru-RU" smtClean="0"/>
+              <a:t>Это создаёт возможность контроля валидности состояния слабых указателей</a:t>
+            </a:r>
+            <a:endParaRPr lang="en-US" smtClean="0"/>
+          </a:p>
+        </p:txBody>
+      </p:sp>
+    </p:spTree>
+    <p:extLst>
+      <p:ext uri="{BB962C8B-B14F-4D97-AF65-F5344CB8AC3E}">
+        <p14:creationId xmlns:p14="http://schemas.microsoft.com/office/powerpoint/2010/main" val="2628118524"/>
+      </p:ext>
+    </p:extLst>
+  </p:cSld>
+  <p:clrMapOvr>
+    <a:masterClrMapping/>
+  </p:clrMapOvr>
+</p:sld>
+</file>
+
+<file path=ppt/slides/slide59.xml><?xml version="1.0" encoding="utf-8"?>
+<p:sld xmlns:a="http://schemas.openxmlformats.org/drawingml/2006/main" xmlns:r="http://schemas.openxmlformats.org/officeDocument/2006/relationships" xmlns:p="http://schemas.openxmlformats.org/presentationml/2006/main">
+  <p:cSld>
+    <p:spTree>
+      <p:nvGrpSpPr>
+        <p:cNvPr id="1" name=""/>
+        <p:cNvGrpSpPr/>
+        <p:nvPr/>
+      </p:nvGrpSpPr>
+      <p:grpSpPr>
+        <a:xfrm>
+          <a:off x="0" y="0"/>
+          <a:ext cx="0" cy="0"/>
+          <a:chOff x="0" y="0"/>
+          <a:chExt cx="0" cy="0"/>
+        </a:xfrm>
+      </p:grpSpPr>
+      <p:sp>
+        <p:nvSpPr>
+          <p:cNvPr id="2" name="Title 1"/>
+          <p:cNvSpPr>
+            <a:spLocks noGrp="1"/>
+          </p:cNvSpPr>
+          <p:nvPr>
+            <p:ph type="title"/>
+          </p:nvPr>
+        </p:nvSpPr>
+        <p:spPr/>
+        <p:txBody>
+          <a:bodyPr/>
+          <a:lstStyle/>
+          <a:p>
+            <a:r>
+              <a:rPr lang="ru-RU" smtClean="0"/>
               <a:t>Как может быть устроен </a:t>
             </a:r>
             <a:r>
               <a:rPr lang="en-US" smtClean="0"/>
-              <a:t>shared_ptr</a:t>
+              <a:t>weak_ptr</a:t>
             </a:r>
             <a:endParaRPr lang="en-US"/>
           </a:p>
@@ -16940,7 +18343,7 @@
         </p:nvSpPr>
         <p:spPr>
           <a:xfrm>
-            <a:off x="7066280" y="3065780"/>
+            <a:off x="9307322" y="2455672"/>
             <a:ext cx="1371600" cy="802640"/>
           </a:xfrm>
           <a:prstGeom prst="rect">
@@ -16994,13 +18397,288 @@
       </p:sp>
       <p:sp>
         <p:nvSpPr>
-          <p:cNvPr id="6" name="Rectangle 5"/>
+          <p:cNvPr id="7" name="Rectangle 6"/>
           <p:cNvSpPr/>
           <p:nvPr/>
         </p:nvSpPr>
         <p:spPr>
           <a:xfrm>
-            <a:off x="4380230" y="5269230"/>
+            <a:off x="6869684" y="3977640"/>
+            <a:ext cx="1584960" cy="802640"/>
+          </a:xfrm>
+          <a:prstGeom prst="rect">
+            <a:avLst/>
+          </a:prstGeom>
+          <a:ln>
+            <a:solidFill>
+              <a:schemeClr val="tx1"/>
+            </a:solidFill>
+          </a:ln>
+          <a:effectLst/>
+        </p:spPr>
+        <p:style>
+          <a:lnRef idx="2">
+            <a:schemeClr val="dk1"/>
+          </a:lnRef>
+          <a:fillRef idx="1">
+            <a:schemeClr val="lt1"/>
+          </a:fillRef>
+          <a:effectRef idx="0">
+            <a:schemeClr val="dk1"/>
+          </a:effectRef>
+          <a:fontRef idx="minor">
+            <a:schemeClr val="dk1"/>
+          </a:fontRef>
+        </p:style>
+        <p:txBody>
+          <a:bodyPr rtlCol="0" anchor="ctr"/>
+          <a:lstStyle/>
+          <a:p>
+            <a:pPr algn="ctr"/>
+            <a:r>
+              <a:rPr lang="en-US" smtClean="0">
+                <a:ln>
+                  <a:solidFill>
+                    <a:schemeClr val="tx1"/>
+                  </a:solidFill>
+                </a:ln>
+              </a:rPr>
+              <a:t>Data</a:t>
+            </a:r>
+          </a:p>
+        </p:txBody>
+      </p:sp>
+      <p:cxnSp>
+        <p:nvCxnSpPr>
+          <p:cNvPr id="9" name="Straight Arrow Connector 8"/>
+          <p:cNvCxnSpPr>
+            <a:stCxn id="5" idx="1"/>
+            <a:endCxn id="7" idx="3"/>
+          </p:cNvCxnSpPr>
+          <p:nvPr/>
+        </p:nvCxnSpPr>
+        <p:spPr>
+          <a:xfrm rot="10800000" flipV="1">
+            <a:off x="8454644" y="2856992"/>
+            <a:ext cx="852678" cy="1521968"/>
+          </a:xfrm>
+          <a:prstGeom prst="curvedConnector3">
+            <a:avLst>
+              <a:gd name="adj1" fmla="val 50000"/>
+            </a:avLst>
+          </a:prstGeom>
+          <a:ln w="28575">
+            <a:solidFill>
+              <a:schemeClr val="tx1"/>
+            </a:solidFill>
+            <a:tailEnd type="triangle" w="lg" len="lg"/>
+          </a:ln>
+        </p:spPr>
+        <p:style>
+          <a:lnRef idx="1">
+            <a:schemeClr val="accent1"/>
+          </a:lnRef>
+          <a:fillRef idx="0">
+            <a:schemeClr val="accent1"/>
+          </a:fillRef>
+          <a:effectRef idx="0">
+            <a:schemeClr val="accent1"/>
+          </a:effectRef>
+          <a:fontRef idx="minor">
+            <a:schemeClr val="tx1"/>
+          </a:fontRef>
+        </p:style>
+      </p:cxnSp>
+      <p:sp>
+        <p:nvSpPr>
+          <p:cNvPr id="13" name="Rectangle 12"/>
+          <p:cNvSpPr/>
+          <p:nvPr/>
+        </p:nvSpPr>
+        <p:spPr>
+          <a:xfrm>
+            <a:off x="9307322" y="3258312"/>
+            <a:ext cx="1371600" cy="802640"/>
+          </a:xfrm>
+          <a:prstGeom prst="rect">
+            <a:avLst/>
+          </a:prstGeom>
+          <a:ln>
+            <a:solidFill>
+              <a:schemeClr val="tx1"/>
+            </a:solidFill>
+          </a:ln>
+          <a:effectLst/>
+        </p:spPr>
+        <p:style>
+          <a:lnRef idx="2">
+            <a:schemeClr val="dk1"/>
+          </a:lnRef>
+          <a:fillRef idx="1">
+            <a:schemeClr val="lt1"/>
+          </a:fillRef>
+          <a:effectRef idx="0">
+            <a:schemeClr val="dk1"/>
+          </a:effectRef>
+          <a:fontRef idx="minor">
+            <a:schemeClr val="dk1"/>
+          </a:fontRef>
+        </p:style>
+        <p:txBody>
+          <a:bodyPr rtlCol="0" anchor="ctr"/>
+          <a:lstStyle/>
+          <a:p>
+            <a:pPr algn="ctr"/>
+            <a:r>
+              <a:rPr lang="en-US" smtClean="0">
+                <a:ln>
+                  <a:solidFill>
+                    <a:schemeClr val="tx1"/>
+                  </a:solidFill>
+                </a:ln>
+              </a:rPr>
+              <a:t>Reference counter</a:t>
+            </a:r>
+            <a:endParaRPr lang="en-US">
+              <a:ln>
+                <a:solidFill>
+                  <a:schemeClr val="tx1"/>
+                </a:solidFill>
+              </a:ln>
+            </a:endParaRPr>
+          </a:p>
+        </p:txBody>
+      </p:sp>
+      <p:sp>
+        <p:nvSpPr>
+          <p:cNvPr id="14" name="Rectangle 13"/>
+          <p:cNvSpPr/>
+          <p:nvPr/>
+        </p:nvSpPr>
+        <p:spPr>
+          <a:xfrm>
+            <a:off x="9307322" y="4862703"/>
+            <a:ext cx="1371600" cy="955040"/>
+          </a:xfrm>
+          <a:prstGeom prst="rect">
+            <a:avLst/>
+          </a:prstGeom>
+          <a:ln>
+            <a:solidFill>
+              <a:schemeClr val="tx1"/>
+            </a:solidFill>
+          </a:ln>
+          <a:effectLst/>
+        </p:spPr>
+        <p:style>
+          <a:lnRef idx="2">
+            <a:schemeClr val="dk1"/>
+          </a:lnRef>
+          <a:fillRef idx="1">
+            <a:schemeClr val="lt1"/>
+          </a:fillRef>
+          <a:effectRef idx="0">
+            <a:schemeClr val="dk1"/>
+          </a:effectRef>
+          <a:fontRef idx="minor">
+            <a:schemeClr val="dk1"/>
+          </a:fontRef>
+        </p:style>
+        <p:txBody>
+          <a:bodyPr rtlCol="0" anchor="ctr"/>
+          <a:lstStyle/>
+          <a:p>
+            <a:pPr algn="ctr"/>
+            <a:r>
+              <a:rPr lang="en-US" smtClean="0">
+                <a:ln>
+                  <a:solidFill>
+                    <a:schemeClr val="tx1"/>
+                  </a:solidFill>
+                </a:ln>
+              </a:rPr>
+              <a:t>Weak reference counter</a:t>
+            </a:r>
+            <a:endParaRPr lang="en-US">
+              <a:ln>
+                <a:solidFill>
+                  <a:schemeClr val="tx1"/>
+                </a:solidFill>
+              </a:ln>
+            </a:endParaRPr>
+          </a:p>
+        </p:txBody>
+      </p:sp>
+      <p:sp>
+        <p:nvSpPr>
+          <p:cNvPr id="27" name="Rectangle 26"/>
+          <p:cNvSpPr/>
+          <p:nvPr/>
+        </p:nvSpPr>
+        <p:spPr>
+          <a:xfrm>
+            <a:off x="8997950" y="1901952"/>
+            <a:ext cx="1925320" cy="4239768"/>
+          </a:xfrm>
+          <a:prstGeom prst="rect">
+            <a:avLst/>
+          </a:prstGeom>
+          <a:noFill/>
+          <a:ln>
+            <a:solidFill>
+              <a:schemeClr val="tx1"/>
+            </a:solidFill>
+          </a:ln>
+          <a:effectLst/>
+        </p:spPr>
+        <p:style>
+          <a:lnRef idx="2">
+            <a:schemeClr val="dk1"/>
+          </a:lnRef>
+          <a:fillRef idx="1">
+            <a:schemeClr val="lt1"/>
+          </a:fillRef>
+          <a:effectRef idx="0">
+            <a:schemeClr val="dk1"/>
+          </a:effectRef>
+          <a:fontRef idx="minor">
+            <a:schemeClr val="dk1"/>
+          </a:fontRef>
+        </p:style>
+        <p:txBody>
+          <a:bodyPr rtlCol="0" anchor="t" anchorCtr="0"/>
+          <a:lstStyle/>
+          <a:p>
+            <a:pPr algn="ctr"/>
+            <a:r>
+              <a:rPr lang="en-US" smtClean="0">
+                <a:ln>
+                  <a:solidFill>
+                    <a:schemeClr val="tx1"/>
+                  </a:solidFill>
+                </a:ln>
+              </a:rPr>
+              <a:t>Control block</a:t>
+            </a:r>
+            <a:endParaRPr lang="en-US">
+              <a:ln>
+                <a:solidFill>
+                  <a:schemeClr val="tx1"/>
+                </a:solidFill>
+              </a:ln>
+            </a:endParaRPr>
+          </a:p>
+        </p:txBody>
+      </p:sp>
+      <p:sp>
+        <p:nvSpPr>
+          <p:cNvPr id="37" name="Rectangle 36"/>
+          <p:cNvSpPr/>
+          <p:nvPr/>
+        </p:nvSpPr>
+        <p:spPr>
+          <a:xfrm>
+            <a:off x="4820285" y="2525331"/>
             <a:ext cx="1513840" cy="802640"/>
           </a:xfrm>
           <a:prstGeom prst="rect">
@@ -17054,324 +18732,13 @@
       </p:sp>
       <p:sp>
         <p:nvSpPr>
-          <p:cNvPr id="7" name="Rectangle 6"/>
+          <p:cNvPr id="38" name="Rectangle 37"/>
           <p:cNvSpPr/>
           <p:nvPr/>
         </p:nvSpPr>
         <p:spPr>
           <a:xfrm>
-            <a:off x="9560560" y="2150110"/>
-            <a:ext cx="1584960" cy="802640"/>
-          </a:xfrm>
-          <a:prstGeom prst="rect">
-            <a:avLst/>
-          </a:prstGeom>
-          <a:ln>
-            <a:solidFill>
-              <a:schemeClr val="tx1"/>
-            </a:solidFill>
-          </a:ln>
-          <a:effectLst/>
-        </p:spPr>
-        <p:style>
-          <a:lnRef idx="2">
-            <a:schemeClr val="dk1"/>
-          </a:lnRef>
-          <a:fillRef idx="1">
-            <a:schemeClr val="lt1"/>
-          </a:fillRef>
-          <a:effectRef idx="0">
-            <a:schemeClr val="dk1"/>
-          </a:effectRef>
-          <a:fontRef idx="minor">
-            <a:schemeClr val="dk1"/>
-          </a:fontRef>
-        </p:style>
-        <p:txBody>
-          <a:bodyPr rtlCol="0" anchor="ctr"/>
-          <a:lstStyle/>
-          <a:p>
-            <a:pPr algn="ctr"/>
-            <a:r>
-              <a:rPr lang="en-US" smtClean="0">
-                <a:ln>
-                  <a:solidFill>
-                    <a:schemeClr val="tx1"/>
-                  </a:solidFill>
-                </a:ln>
-              </a:rPr>
-              <a:t>Data</a:t>
-            </a:r>
-          </a:p>
-        </p:txBody>
-      </p:sp>
-      <p:cxnSp>
-        <p:nvCxnSpPr>
-          <p:cNvPr id="9" name="Straight Arrow Connector 8"/>
-          <p:cNvCxnSpPr>
-            <a:stCxn id="5" idx="3"/>
-            <a:endCxn id="7" idx="2"/>
-          </p:cNvCxnSpPr>
-          <p:nvPr/>
-        </p:nvCxnSpPr>
-        <p:spPr>
-          <a:xfrm flipV="1">
-            <a:off x="8437880" y="2952750"/>
-            <a:ext cx="1915160" cy="514350"/>
-          </a:xfrm>
-          <a:prstGeom prst="curvedConnector2">
-            <a:avLst/>
-          </a:prstGeom>
-          <a:ln w="28575">
-            <a:solidFill>
-              <a:schemeClr val="tx1"/>
-            </a:solidFill>
-            <a:tailEnd type="triangle" w="lg" len="lg"/>
-          </a:ln>
-        </p:spPr>
-        <p:style>
-          <a:lnRef idx="1">
-            <a:schemeClr val="accent1"/>
-          </a:lnRef>
-          <a:fillRef idx="0">
-            <a:schemeClr val="accent1"/>
-          </a:fillRef>
-          <a:effectRef idx="0">
-            <a:schemeClr val="accent1"/>
-          </a:effectRef>
-          <a:fontRef idx="minor">
-            <a:schemeClr val="tx1"/>
-          </a:fontRef>
-        </p:style>
-      </p:cxnSp>
-      <p:sp>
-        <p:nvSpPr>
-          <p:cNvPr id="13" name="Rectangle 12"/>
-          <p:cNvSpPr/>
-          <p:nvPr/>
-        </p:nvSpPr>
-        <p:spPr>
-          <a:xfrm>
-            <a:off x="7066280" y="3868420"/>
-            <a:ext cx="1371600" cy="802640"/>
-          </a:xfrm>
-          <a:prstGeom prst="rect">
-            <a:avLst/>
-          </a:prstGeom>
-          <a:ln>
-            <a:solidFill>
-              <a:schemeClr val="tx1"/>
-            </a:solidFill>
-          </a:ln>
-          <a:effectLst/>
-        </p:spPr>
-        <p:style>
-          <a:lnRef idx="2">
-            <a:schemeClr val="dk1"/>
-          </a:lnRef>
-          <a:fillRef idx="1">
-            <a:schemeClr val="lt1"/>
-          </a:fillRef>
-          <a:effectRef idx="0">
-            <a:schemeClr val="dk1"/>
-          </a:effectRef>
-          <a:fontRef idx="minor">
-            <a:schemeClr val="dk1"/>
-          </a:fontRef>
-        </p:style>
-        <p:txBody>
-          <a:bodyPr rtlCol="0" anchor="ctr"/>
-          <a:lstStyle/>
-          <a:p>
-            <a:pPr algn="ctr"/>
-            <a:r>
-              <a:rPr lang="en-US" smtClean="0">
-                <a:ln>
-                  <a:solidFill>
-                    <a:schemeClr val="tx1"/>
-                  </a:solidFill>
-                </a:ln>
-              </a:rPr>
-              <a:t>Reference counter</a:t>
-            </a:r>
-            <a:endParaRPr lang="en-US">
-              <a:ln>
-                <a:solidFill>
-                  <a:schemeClr val="tx1"/>
-                </a:solidFill>
-              </a:ln>
-            </a:endParaRPr>
-          </a:p>
-        </p:txBody>
-      </p:sp>
-      <p:sp>
-        <p:nvSpPr>
-          <p:cNvPr id="14" name="Rectangle 13"/>
-          <p:cNvSpPr/>
-          <p:nvPr/>
-        </p:nvSpPr>
-        <p:spPr>
-          <a:xfrm>
-            <a:off x="7066280" y="4671060"/>
-            <a:ext cx="1371600" cy="955040"/>
-          </a:xfrm>
-          <a:prstGeom prst="rect">
-            <a:avLst/>
-          </a:prstGeom>
-          <a:ln>
-            <a:solidFill>
-              <a:schemeClr val="tx1"/>
-            </a:solidFill>
-          </a:ln>
-          <a:effectLst/>
-        </p:spPr>
-        <p:style>
-          <a:lnRef idx="2">
-            <a:schemeClr val="dk1"/>
-          </a:lnRef>
-          <a:fillRef idx="1">
-            <a:schemeClr val="lt1"/>
-          </a:fillRef>
-          <a:effectRef idx="0">
-            <a:schemeClr val="dk1"/>
-          </a:effectRef>
-          <a:fontRef idx="minor">
-            <a:schemeClr val="dk1"/>
-          </a:fontRef>
-        </p:style>
-        <p:txBody>
-          <a:bodyPr rtlCol="0" anchor="ctr"/>
-          <a:lstStyle/>
-          <a:p>
-            <a:pPr algn="ctr"/>
-            <a:r>
-              <a:rPr lang="en-US" smtClean="0">
-                <a:ln>
-                  <a:solidFill>
-                    <a:schemeClr val="tx1"/>
-                  </a:solidFill>
-                </a:ln>
-              </a:rPr>
-              <a:t>Weak reference counter</a:t>
-            </a:r>
-            <a:endParaRPr lang="en-US">
-              <a:ln>
-                <a:solidFill>
-                  <a:schemeClr val="tx1"/>
-                </a:solidFill>
-              </a:ln>
-            </a:endParaRPr>
-          </a:p>
-        </p:txBody>
-      </p:sp>
-      <p:cxnSp>
-        <p:nvCxnSpPr>
-          <p:cNvPr id="20" name="Straight Arrow Connector 8"/>
-          <p:cNvCxnSpPr>
-            <a:stCxn id="6" idx="3"/>
-          </p:cNvCxnSpPr>
-          <p:nvPr/>
-        </p:nvCxnSpPr>
-        <p:spPr>
-          <a:xfrm flipV="1">
-            <a:off x="5894070" y="4969510"/>
-            <a:ext cx="882650" cy="701040"/>
-          </a:xfrm>
-          <a:prstGeom prst="straightConnector1">
-            <a:avLst/>
-          </a:prstGeom>
-          <a:ln w="28575">
-            <a:solidFill>
-              <a:schemeClr val="tx1"/>
-            </a:solidFill>
-            <a:tailEnd type="triangle" w="lg" len="lg"/>
-          </a:ln>
-        </p:spPr>
-        <p:style>
-          <a:lnRef idx="1">
-            <a:schemeClr val="accent1"/>
-          </a:lnRef>
-          <a:fillRef idx="0">
-            <a:schemeClr val="accent1"/>
-          </a:fillRef>
-          <a:effectRef idx="0">
-            <a:schemeClr val="accent1"/>
-          </a:effectRef>
-          <a:fontRef idx="minor">
-            <a:schemeClr val="tx1"/>
-          </a:fontRef>
-        </p:style>
-      </p:cxnSp>
-      <p:sp>
-        <p:nvSpPr>
-          <p:cNvPr id="27" name="Rectangle 26"/>
-          <p:cNvSpPr/>
-          <p:nvPr/>
-        </p:nvSpPr>
-        <p:spPr>
-          <a:xfrm>
-            <a:off x="6786880" y="2599690"/>
-            <a:ext cx="1925320" cy="3364230"/>
-          </a:xfrm>
-          <a:prstGeom prst="rect">
-            <a:avLst/>
-          </a:prstGeom>
-          <a:noFill/>
-          <a:ln>
-            <a:solidFill>
-              <a:schemeClr val="tx1"/>
-            </a:solidFill>
-          </a:ln>
-          <a:effectLst/>
-        </p:spPr>
-        <p:style>
-          <a:lnRef idx="2">
-            <a:schemeClr val="dk1"/>
-          </a:lnRef>
-          <a:fillRef idx="1">
-            <a:schemeClr val="lt1"/>
-          </a:fillRef>
-          <a:effectRef idx="0">
-            <a:schemeClr val="dk1"/>
-          </a:effectRef>
-          <a:fontRef idx="minor">
-            <a:schemeClr val="dk1"/>
-          </a:fontRef>
-        </p:style>
-        <p:txBody>
-          <a:bodyPr rtlCol="0" anchor="t" anchorCtr="0"/>
-          <a:lstStyle/>
-          <a:p>
-            <a:pPr algn="ctr"/>
-            <a:r>
-              <a:rPr lang="en-US" smtClean="0">
-                <a:ln>
-                  <a:solidFill>
-                    <a:schemeClr val="tx1"/>
-                  </a:solidFill>
-                </a:ln>
-              </a:rPr>
-              <a:t>Control block</a:t>
-            </a:r>
-            <a:endParaRPr lang="en-US">
-              <a:ln>
-                <a:solidFill>
-                  <a:schemeClr val="tx1"/>
-                </a:solidFill>
-              </a:ln>
-            </a:endParaRPr>
-          </a:p>
-        </p:txBody>
-      </p:sp>
-      <p:sp>
-        <p:nvSpPr>
-          <p:cNvPr id="32" name="Rectangle 31"/>
-          <p:cNvSpPr/>
-          <p:nvPr/>
-        </p:nvSpPr>
-        <p:spPr>
-          <a:xfrm>
-            <a:off x="4094480" y="4733290"/>
+            <a:off x="4415155" y="4556061"/>
             <a:ext cx="2103120" cy="1480820"/>
           </a:xfrm>
           <a:prstGeom prst="rect">
@@ -17412,7 +18779,7 @@
                   </a:solidFill>
                 </a:ln>
               </a:rPr>
-              <a:t>shared_ptr&lt;Data&gt;</a:t>
+              <a:t>weak_ptr&lt;Data&gt;</a:t>
             </a:r>
             <a:endParaRPr lang="en-US">
               <a:ln>
@@ -17424,15 +18791,53 @@
           </a:p>
         </p:txBody>
       </p:sp>
-      <p:sp>
-        <p:nvSpPr>
-          <p:cNvPr id="37" name="Rectangle 36"/>
+      <p:cxnSp>
+        <p:nvCxnSpPr>
+          <p:cNvPr id="40" name="Straight Arrow Connector 8"/>
+          <p:cNvCxnSpPr>
+            <a:stCxn id="37" idx="3"/>
+          </p:cNvCxnSpPr>
+          <p:nvPr/>
+        </p:nvCxnSpPr>
+        <p:spPr>
+          <a:xfrm flipV="1">
+            <a:off x="6334125" y="2561146"/>
+            <a:ext cx="2663825" cy="365505"/>
+          </a:xfrm>
+          <a:prstGeom prst="straightConnector1">
+            <a:avLst/>
+          </a:prstGeom>
+          <a:ln w="28575">
+            <a:solidFill>
+              <a:schemeClr val="tx1"/>
+            </a:solidFill>
+            <a:tailEnd type="triangle" w="lg" len="lg"/>
+          </a:ln>
+        </p:spPr>
+        <p:style>
+          <a:lnRef idx="1">
+            <a:schemeClr val="accent1"/>
+          </a:lnRef>
+          <a:fillRef idx="0">
+            <a:schemeClr val="accent1"/>
+          </a:fillRef>
+          <a:effectRef idx="0">
+            <a:schemeClr val="accent1"/>
+          </a:effectRef>
+          <a:fontRef idx="minor">
+            <a:schemeClr val="tx1"/>
+          </a:fontRef>
+        </p:style>
+      </p:cxnSp>
+      <p:sp>
+        <p:nvSpPr>
+          <p:cNvPr id="47" name="Rectangle 46"/>
           <p:cNvSpPr/>
           <p:nvPr/>
         </p:nvSpPr>
         <p:spPr>
           <a:xfrm>
-            <a:off x="4221480" y="3331210"/>
+            <a:off x="4819015" y="5047551"/>
             <a:ext cx="1513840" cy="802640"/>
           </a:xfrm>
           <a:prstGeom prst="rect">
@@ -17486,14 +18891,14 @@
       </p:sp>
       <p:sp>
         <p:nvSpPr>
-          <p:cNvPr id="38" name="Rectangle 37"/>
+          <p:cNvPr id="48" name="Rectangle 47"/>
           <p:cNvSpPr/>
           <p:nvPr/>
         </p:nvSpPr>
         <p:spPr>
           <a:xfrm>
-            <a:off x="9560560" y="4301490"/>
-            <a:ext cx="2103120" cy="1480820"/>
+            <a:off x="4542155" y="2070798"/>
+            <a:ext cx="2103120" cy="2003298"/>
           </a:xfrm>
           <a:prstGeom prst="rect">
             <a:avLst/>
@@ -17533,7 +18938,7 @@
                   </a:solidFill>
                 </a:ln>
               </a:rPr>
-              <a:t>weak_ptr&lt;Data&gt;</a:t>
+              <a:t>shared_ptr&lt;Data&gt;</a:t>
             </a:r>
             <a:endParaRPr lang="en-US">
               <a:ln>
@@ -17547,16 +18952,16 @@
       </p:sp>
       <p:cxnSp>
         <p:nvCxnSpPr>
-          <p:cNvPr id="40" name="Straight Arrow Connector 8"/>
+          <p:cNvPr id="50" name="Straight Arrow Connector 8"/>
           <p:cNvCxnSpPr>
-            <a:stCxn id="37" idx="3"/>
+            <a:stCxn id="47" idx="3"/>
           </p:cNvCxnSpPr>
           <p:nvPr/>
         </p:nvCxnSpPr>
         <p:spPr>
-          <a:xfrm flipV="1">
-            <a:off x="5735320" y="3681730"/>
-            <a:ext cx="1051560" cy="50800"/>
+          <a:xfrm>
+            <a:off x="6332855" y="5448871"/>
+            <a:ext cx="2665095" cy="330201"/>
           </a:xfrm>
           <a:prstGeom prst="straightConnector1">
             <a:avLst/>
@@ -17585,14 +18990,80 @@
       </p:cxnSp>
       <p:sp>
         <p:nvSpPr>
-          <p:cNvPr id="47" name="Rectangle 46"/>
+          <p:cNvPr id="57" name="TextBox 56"/>
+          <p:cNvSpPr txBox="1"/>
+          <p:nvPr/>
+        </p:nvSpPr>
+        <p:spPr>
+          <a:xfrm>
+            <a:off x="762000" y="2211070"/>
+            <a:ext cx="3028950" cy="3046988"/>
+          </a:xfrm>
+          <a:prstGeom prst="rect">
+            <a:avLst/>
+          </a:prstGeom>
+          <a:noFill/>
+        </p:spPr>
+        <p:txBody>
+          <a:bodyPr wrap="square" rtlCol="0">
+            <a:spAutoFit/>
+          </a:bodyPr>
+          <a:lstStyle/>
+          <a:p>
+            <a:r>
+              <a:rPr lang="ru-RU" sz="2400" smtClean="0"/>
+              <a:t>Пока есть сильные ссылки, данные </a:t>
+            </a:r>
+            <a:r>
+              <a:rPr lang="en-US" sz="2400" smtClean="0"/>
+              <a:t>Data</a:t>
+            </a:r>
+            <a:r>
+              <a:rPr lang="ru-RU" sz="2400" smtClean="0"/>
+              <a:t> сохраняются в куче и слабые указатели могут с помощью </a:t>
+            </a:r>
+            <a:r>
+              <a:rPr lang="en-US" sz="2400" smtClean="0"/>
+              <a:t>lock() </a:t>
+            </a:r>
+            <a:r>
+              <a:rPr lang="ru-RU" sz="2400" smtClean="0"/>
+              <a:t>получить к ним доступ</a:t>
+            </a:r>
+            <a:r>
+              <a:rPr lang="en-US" sz="2400" smtClean="0"/>
+              <a:t>, </a:t>
+            </a:r>
+            <a:r>
+              <a:rPr lang="ru-RU" sz="2400" smtClean="0"/>
+              <a:t>так как </a:t>
+            </a:r>
+            <a:r>
+              <a:rPr lang="en-US" sz="2400" smtClean="0"/>
+              <a:t>Data pointer </a:t>
+            </a:r>
+            <a:r>
+              <a:rPr lang="ru-RU" sz="2400" smtClean="0"/>
+              <a:t>не </a:t>
+            </a:r>
+            <a:r>
+              <a:rPr lang="en-US" sz="2400" smtClean="0"/>
+              <a:t>nullptr</a:t>
+            </a:r>
+            <a:endParaRPr lang="en-US" sz="2400"/>
+          </a:p>
+        </p:txBody>
+      </p:sp>
+      <p:sp>
+        <p:nvSpPr>
+          <p:cNvPr id="21" name="Rectangle 20"/>
           <p:cNvSpPr/>
           <p:nvPr/>
         </p:nvSpPr>
         <p:spPr>
           <a:xfrm>
-            <a:off x="9964420" y="4792980"/>
-            <a:ext cx="1513840" cy="802640"/>
+            <a:off x="4819269" y="3324288"/>
+            <a:ext cx="1514856" cy="501523"/>
           </a:xfrm>
           <a:prstGeom prst="rect">
             <a:avLst/>
@@ -17631,59 +19102,8 @@
                   </a:solidFill>
                 </a:ln>
               </a:rPr>
-              <a:t>Control block pointer</a:t>
-            </a:r>
-            <a:endParaRPr lang="en-US">
-              <a:ln>
-                <a:solidFill>
-                  <a:schemeClr val="tx1"/>
-                </a:solidFill>
-              </a:ln>
-            </a:endParaRPr>
-          </a:p>
-        </p:txBody>
-      </p:sp>
-      <p:sp>
-        <p:nvSpPr>
-          <p:cNvPr id="48" name="Rectangle 47"/>
-          <p:cNvSpPr/>
-          <p:nvPr/>
-        </p:nvSpPr>
-        <p:spPr>
-          <a:xfrm>
-            <a:off x="4114800" y="2952750"/>
-            <a:ext cx="2103120" cy="1480820"/>
-          </a:xfrm>
-          <a:prstGeom prst="rect">
-            <a:avLst/>
-          </a:prstGeom>
-          <a:noFill/>
-          <a:ln>
-            <a:solidFill>
-              <a:schemeClr val="tx1"/>
-            </a:solidFill>
-          </a:ln>
-          <a:effectLst/>
-        </p:spPr>
-        <p:style>
-          <a:lnRef idx="2">
-            <a:schemeClr val="dk1"/>
-          </a:lnRef>
-          <a:fillRef idx="1">
-            <a:schemeClr val="lt1"/>
-          </a:fillRef>
-          <a:effectRef idx="0">
-            <a:schemeClr val="dk1"/>
-          </a:effectRef>
-          <a:fontRef idx="minor">
-            <a:schemeClr val="dk1"/>
-          </a:fontRef>
-        </p:style>
-        <p:txBody>
-          <a:bodyPr rtlCol="0" anchor="t" anchorCtr="0"/>
-          <a:lstStyle/>
-          <a:p>
-            <a:pPr algn="ctr"/>
+              <a:t>Data </a:t>
+            </a:r>
             <a:r>
               <a:rPr lang="en-US" smtClean="0">
                 <a:ln>
@@ -17692,7 +19112,7 @@
                   </a:solidFill>
                 </a:ln>
               </a:rPr>
-              <a:t>shared_ptr&lt;Data&gt;</a:t>
+              <a:t>pointer</a:t>
             </a:r>
             <a:endParaRPr lang="en-US">
               <a:ln>
@@ -17704,176 +19124,15 @@
           </a:p>
         </p:txBody>
       </p:sp>
-      <p:cxnSp>
-        <p:nvCxnSpPr>
-          <p:cNvPr id="50" name="Straight Arrow Connector 8"/>
-          <p:cNvCxnSpPr>
-            <a:stCxn id="47" idx="1"/>
-          </p:cNvCxnSpPr>
-          <p:nvPr/>
-        </p:nvCxnSpPr>
-        <p:spPr>
-          <a:xfrm flipH="1" flipV="1">
-            <a:off x="8712200" y="4792980"/>
-            <a:ext cx="1252220" cy="401320"/>
-          </a:xfrm>
-          <a:prstGeom prst="straightConnector1">
-            <a:avLst/>
-          </a:prstGeom>
-          <a:ln w="28575">
-            <a:solidFill>
-              <a:schemeClr val="tx1"/>
-            </a:solidFill>
-            <a:tailEnd type="triangle" w="lg" len="lg"/>
-          </a:ln>
-        </p:spPr>
-        <p:style>
-          <a:lnRef idx="1">
-            <a:schemeClr val="accent1"/>
-          </a:lnRef>
-          <a:fillRef idx="0">
-            <a:schemeClr val="accent1"/>
-          </a:fillRef>
-          <a:effectRef idx="0">
-            <a:schemeClr val="accent1"/>
-          </a:effectRef>
-          <a:fontRef idx="minor">
-            <a:schemeClr val="tx1"/>
-          </a:fontRef>
-        </p:style>
-      </p:cxnSp>
-      <p:sp>
-        <p:nvSpPr>
-          <p:cNvPr id="57" name="TextBox 56"/>
-          <p:cNvSpPr txBox="1"/>
+      <p:sp>
+        <p:nvSpPr>
+          <p:cNvPr id="29" name="Rectangle 28"/>
+          <p:cNvSpPr/>
           <p:nvPr/>
         </p:nvSpPr>
         <p:spPr>
           <a:xfrm>
-            <a:off x="762000" y="2211070"/>
-            <a:ext cx="3028950" cy="3046988"/>
-          </a:xfrm>
-          <a:prstGeom prst="rect">
-            <a:avLst/>
-          </a:prstGeom>
-          <a:noFill/>
-        </p:spPr>
-        <p:txBody>
-          <a:bodyPr wrap="square" rtlCol="0">
-            <a:spAutoFit/>
-          </a:bodyPr>
-          <a:lstStyle/>
-          <a:p>
-            <a:r>
-              <a:rPr lang="ru-RU" sz="2400" smtClean="0"/>
-              <a:t>Пока есть сильные ссылки, данные </a:t>
-            </a:r>
-            <a:r>
-              <a:rPr lang="en-US" sz="2400" smtClean="0"/>
-              <a:t>Data</a:t>
-            </a:r>
-            <a:r>
-              <a:rPr lang="ru-RU" sz="2400" smtClean="0"/>
-              <a:t> сохраняются в куче и слабые указатели могут с помощью </a:t>
-            </a:r>
-            <a:r>
-              <a:rPr lang="en-US" sz="2400" smtClean="0"/>
-              <a:t>lock() </a:t>
-            </a:r>
-            <a:r>
-              <a:rPr lang="ru-RU" sz="2400" smtClean="0"/>
-              <a:t>получить к ним доступ</a:t>
-            </a:r>
-            <a:r>
-              <a:rPr lang="en-US" sz="2400" smtClean="0"/>
-              <a:t>, </a:t>
-            </a:r>
-            <a:r>
-              <a:rPr lang="ru-RU" sz="2400" smtClean="0"/>
-              <a:t>так как </a:t>
-            </a:r>
-            <a:r>
-              <a:rPr lang="en-US" sz="2400" smtClean="0"/>
-              <a:t>Data pointer </a:t>
-            </a:r>
-            <a:r>
-              <a:rPr lang="ru-RU" sz="2400" smtClean="0"/>
-              <a:t>не </a:t>
-            </a:r>
-            <a:r>
-              <a:rPr lang="en-US" sz="2400" smtClean="0"/>
-              <a:t>nullptr</a:t>
-            </a:r>
-            <a:endParaRPr lang="en-US" sz="2400"/>
-          </a:p>
-        </p:txBody>
-      </p:sp>
-    </p:spTree>
-    <p:extLst>
-      <p:ext uri="{BB962C8B-B14F-4D97-AF65-F5344CB8AC3E}">
-        <p14:creationId xmlns:p14="http://schemas.microsoft.com/office/powerpoint/2010/main" val="2684039681"/>
-      </p:ext>
-    </p:extLst>
-  </p:cSld>
-  <p:clrMapOvr>
-    <a:masterClrMapping/>
-  </p:clrMapOvr>
-</p:sld>
-</file>
-
-<file path=ppt/slides/slide59.xml><?xml version="1.0" encoding="utf-8"?>
-<p:sld xmlns:a="http://schemas.openxmlformats.org/drawingml/2006/main" xmlns:r="http://schemas.openxmlformats.org/officeDocument/2006/relationships" xmlns:p="http://schemas.openxmlformats.org/presentationml/2006/main">
-  <p:cSld>
-    <p:spTree>
-      <p:nvGrpSpPr>
-        <p:cNvPr id="1" name=""/>
-        <p:cNvGrpSpPr/>
-        <p:nvPr/>
-      </p:nvGrpSpPr>
-      <p:grpSpPr>
-        <a:xfrm>
-          <a:off x="0" y="0"/>
-          <a:ext cx="0" cy="0"/>
-          <a:chOff x="0" y="0"/>
-          <a:chExt cx="0" cy="0"/>
-        </a:xfrm>
-      </p:grpSpPr>
-      <p:sp>
-        <p:nvSpPr>
-          <p:cNvPr id="2" name="Title 1"/>
-          <p:cNvSpPr>
-            <a:spLocks noGrp="1"/>
-          </p:cNvSpPr>
-          <p:nvPr>
-            <p:ph type="title"/>
-          </p:nvPr>
-        </p:nvSpPr>
-        <p:spPr/>
-        <p:txBody>
-          <a:bodyPr/>
-          <a:lstStyle/>
-          <a:p>
-            <a:r>
-              <a:rPr lang="ru-RU" smtClean="0"/>
-              <a:t>Как может быть устроен </a:t>
-            </a:r>
-            <a:r>
-              <a:rPr lang="en-US" smtClean="0"/>
-              <a:t>shared_ptr</a:t>
-            </a:r>
-            <a:endParaRPr lang="en-US"/>
-          </a:p>
-        </p:txBody>
-      </p:sp>
-      <p:sp>
-        <p:nvSpPr>
-          <p:cNvPr id="5" name="Rectangle 4"/>
-          <p:cNvSpPr/>
-          <p:nvPr/>
-        </p:nvSpPr>
-        <p:spPr>
-          <a:xfrm>
-            <a:off x="6802120" y="3126740"/>
+            <a:off x="9304274" y="4059936"/>
             <a:ext cx="1371600" cy="802640"/>
           </a:xfrm>
           <a:prstGeom prst="rect">
@@ -17913,7 +19172,7 @@
                   </a:solidFill>
                 </a:ln>
               </a:rPr>
-              <a:t>Data pointer</a:t>
+              <a:t>Custom deleter</a:t>
             </a:r>
             <a:endParaRPr lang="en-US">
               <a:ln>
@@ -17925,77 +19184,19 @@
           </a:p>
         </p:txBody>
       </p:sp>
-      <p:sp>
-        <p:nvSpPr>
-          <p:cNvPr id="7" name="Rectangle 6"/>
-          <p:cNvSpPr/>
-          <p:nvPr/>
-        </p:nvSpPr>
-        <p:spPr>
-          <a:xfrm>
-            <a:off x="9296400" y="2211070"/>
-            <a:ext cx="1584960" cy="802640"/>
-          </a:xfrm>
-          <a:prstGeom prst="rect">
-            <a:avLst/>
-          </a:prstGeom>
-          <a:pattFill prst="dotGrid">
-            <a:fgClr>
-              <a:schemeClr val="tx1"/>
-            </a:fgClr>
-            <a:bgClr>
-              <a:schemeClr val="bg1"/>
-            </a:bgClr>
-          </a:pattFill>
-          <a:ln>
-            <a:solidFill>
-              <a:schemeClr val="tx1"/>
-            </a:solidFill>
-          </a:ln>
-          <a:effectLst/>
-        </p:spPr>
-        <p:style>
-          <a:lnRef idx="2">
-            <a:schemeClr val="dk1"/>
-          </a:lnRef>
-          <a:fillRef idx="1">
-            <a:schemeClr val="lt1"/>
-          </a:fillRef>
-          <a:effectRef idx="0">
-            <a:schemeClr val="dk1"/>
-          </a:effectRef>
-          <a:fontRef idx="minor">
-            <a:schemeClr val="dk1"/>
-          </a:fontRef>
-        </p:style>
-        <p:txBody>
-          <a:bodyPr rtlCol="0" anchor="ctr"/>
-          <a:lstStyle/>
-          <a:p>
-            <a:pPr algn="ctr"/>
-            <a:endParaRPr lang="en-US" smtClean="0">
-              <a:ln>
-                <a:solidFill>
-                  <a:schemeClr val="tx1"/>
-                </a:solidFill>
-              </a:ln>
-            </a:endParaRPr>
-          </a:p>
-        </p:txBody>
-      </p:sp>
       <p:cxnSp>
         <p:nvCxnSpPr>
-          <p:cNvPr id="9" name="Straight Arrow Connector 8"/>
+          <p:cNvPr id="33" name="Straight Arrow Connector 8"/>
           <p:cNvCxnSpPr>
-            <a:stCxn id="5" idx="3"/>
-            <a:endCxn id="7" idx="2"/>
+            <a:stCxn id="21" idx="3"/>
+            <a:endCxn id="7" idx="0"/>
           </p:cNvCxnSpPr>
           <p:nvPr/>
         </p:nvCxnSpPr>
         <p:spPr>
-          <a:xfrm flipV="1">
-            <a:off x="8173720" y="3013710"/>
-            <a:ext cx="1915160" cy="514350"/>
+          <a:xfrm>
+            <a:off x="6334125" y="3575050"/>
+            <a:ext cx="1328039" cy="402590"/>
           </a:xfrm>
           <a:prstGeom prst="curvedConnector2">
             <a:avLst/>
@@ -18022,461 +19223,10 @@
           </a:fontRef>
         </p:style>
       </p:cxnSp>
-      <p:sp>
-        <p:nvSpPr>
-          <p:cNvPr id="13" name="Rectangle 12"/>
-          <p:cNvSpPr/>
-          <p:nvPr/>
-        </p:nvSpPr>
-        <p:spPr>
-          <a:xfrm>
-            <a:off x="6802120" y="3929380"/>
-            <a:ext cx="1371600" cy="802640"/>
-          </a:xfrm>
-          <a:prstGeom prst="rect">
-            <a:avLst/>
-          </a:prstGeom>
-          <a:ln>
-            <a:solidFill>
-              <a:schemeClr val="tx1"/>
-            </a:solidFill>
-          </a:ln>
-          <a:effectLst/>
-        </p:spPr>
-        <p:style>
-          <a:lnRef idx="2">
-            <a:schemeClr val="dk1"/>
-          </a:lnRef>
-          <a:fillRef idx="1">
-            <a:schemeClr val="lt1"/>
-          </a:fillRef>
-          <a:effectRef idx="0">
-            <a:schemeClr val="dk1"/>
-          </a:effectRef>
-          <a:fontRef idx="minor">
-            <a:schemeClr val="dk1"/>
-          </a:fontRef>
-        </p:style>
-        <p:txBody>
-          <a:bodyPr rtlCol="0" anchor="ctr"/>
-          <a:lstStyle/>
-          <a:p>
-            <a:pPr algn="ctr"/>
-            <a:r>
-              <a:rPr lang="en-US" smtClean="0">
-                <a:ln>
-                  <a:solidFill>
-                    <a:schemeClr val="tx1"/>
-                  </a:solidFill>
-                </a:ln>
-              </a:rPr>
-              <a:t>Reference counter</a:t>
-            </a:r>
-            <a:endParaRPr lang="en-US">
-              <a:ln>
-                <a:solidFill>
-                  <a:schemeClr val="tx1"/>
-                </a:solidFill>
-              </a:ln>
-            </a:endParaRPr>
-          </a:p>
-        </p:txBody>
-      </p:sp>
-      <p:sp>
-        <p:nvSpPr>
-          <p:cNvPr id="14" name="Rectangle 13"/>
-          <p:cNvSpPr/>
-          <p:nvPr/>
-        </p:nvSpPr>
-        <p:spPr>
-          <a:xfrm>
-            <a:off x="6802120" y="4732020"/>
-            <a:ext cx="1371600" cy="955040"/>
-          </a:xfrm>
-          <a:prstGeom prst="rect">
-            <a:avLst/>
-          </a:prstGeom>
-          <a:ln>
-            <a:solidFill>
-              <a:schemeClr val="tx1"/>
-            </a:solidFill>
-          </a:ln>
-          <a:effectLst/>
-        </p:spPr>
-        <p:style>
-          <a:lnRef idx="2">
-            <a:schemeClr val="dk1"/>
-          </a:lnRef>
-          <a:fillRef idx="1">
-            <a:schemeClr val="lt1"/>
-          </a:fillRef>
-          <a:effectRef idx="0">
-            <a:schemeClr val="dk1"/>
-          </a:effectRef>
-          <a:fontRef idx="minor">
-            <a:schemeClr val="dk1"/>
-          </a:fontRef>
-        </p:style>
-        <p:txBody>
-          <a:bodyPr rtlCol="0" anchor="ctr"/>
-          <a:lstStyle/>
-          <a:p>
-            <a:pPr algn="ctr"/>
-            <a:r>
-              <a:rPr lang="en-US" smtClean="0">
-                <a:ln>
-                  <a:solidFill>
-                    <a:schemeClr val="tx1"/>
-                  </a:solidFill>
-                </a:ln>
-              </a:rPr>
-              <a:t>Weak reference counter</a:t>
-            </a:r>
-            <a:endParaRPr lang="en-US">
-              <a:ln>
-                <a:solidFill>
-                  <a:schemeClr val="tx1"/>
-                </a:solidFill>
-              </a:ln>
-            </a:endParaRPr>
-          </a:p>
-        </p:txBody>
-      </p:sp>
-      <p:sp>
-        <p:nvSpPr>
-          <p:cNvPr id="27" name="Rectangle 26"/>
-          <p:cNvSpPr/>
-          <p:nvPr/>
-        </p:nvSpPr>
-        <p:spPr>
-          <a:xfrm>
-            <a:off x="6522720" y="2660650"/>
-            <a:ext cx="1925320" cy="3364230"/>
-          </a:xfrm>
-          <a:prstGeom prst="rect">
-            <a:avLst/>
-          </a:prstGeom>
-          <a:noFill/>
-          <a:ln>
-            <a:solidFill>
-              <a:schemeClr val="tx1"/>
-            </a:solidFill>
-          </a:ln>
-          <a:effectLst/>
-        </p:spPr>
-        <p:style>
-          <a:lnRef idx="2">
-            <a:schemeClr val="dk1"/>
-          </a:lnRef>
-          <a:fillRef idx="1">
-            <a:schemeClr val="lt1"/>
-          </a:fillRef>
-          <a:effectRef idx="0">
-            <a:schemeClr val="dk1"/>
-          </a:effectRef>
-          <a:fontRef idx="minor">
-            <a:schemeClr val="dk1"/>
-          </a:fontRef>
-        </p:style>
-        <p:txBody>
-          <a:bodyPr rtlCol="0" anchor="t" anchorCtr="0"/>
-          <a:lstStyle/>
-          <a:p>
-            <a:pPr algn="ctr"/>
-            <a:r>
-              <a:rPr lang="en-US" smtClean="0">
-                <a:ln>
-                  <a:solidFill>
-                    <a:schemeClr val="tx1"/>
-                  </a:solidFill>
-                </a:ln>
-              </a:rPr>
-              <a:t>Control block</a:t>
-            </a:r>
-            <a:endParaRPr lang="en-US">
-              <a:ln>
-                <a:solidFill>
-                  <a:schemeClr val="tx1"/>
-                </a:solidFill>
-              </a:ln>
-            </a:endParaRPr>
-          </a:p>
-        </p:txBody>
-      </p:sp>
-      <p:sp>
-        <p:nvSpPr>
-          <p:cNvPr id="38" name="Rectangle 37"/>
-          <p:cNvSpPr/>
-          <p:nvPr/>
-        </p:nvSpPr>
-        <p:spPr>
-          <a:xfrm>
-            <a:off x="9296400" y="4362450"/>
-            <a:ext cx="2103120" cy="1480820"/>
-          </a:xfrm>
-          <a:prstGeom prst="rect">
-            <a:avLst/>
-          </a:prstGeom>
-          <a:noFill/>
-          <a:ln>
-            <a:solidFill>
-              <a:schemeClr val="tx1"/>
-            </a:solidFill>
-          </a:ln>
-          <a:effectLst/>
-        </p:spPr>
-        <p:style>
-          <a:lnRef idx="2">
-            <a:schemeClr val="dk1"/>
-          </a:lnRef>
-          <a:fillRef idx="1">
-            <a:schemeClr val="lt1"/>
-          </a:fillRef>
-          <a:effectRef idx="0">
-            <a:schemeClr val="dk1"/>
-          </a:effectRef>
-          <a:fontRef idx="minor">
-            <a:schemeClr val="dk1"/>
-          </a:fontRef>
-        </p:style>
-        <p:txBody>
-          <a:bodyPr rtlCol="0" anchor="t" anchorCtr="0"/>
-          <a:lstStyle/>
-          <a:p>
-            <a:pPr algn="ctr"/>
-            <a:r>
-              <a:rPr lang="en-US" smtClean="0">
-                <a:ln>
-                  <a:solidFill>
-                    <a:schemeClr val="tx1"/>
-                  </a:solidFill>
-                </a:ln>
-              </a:rPr>
-              <a:t>weak_ptr&lt;Data&gt;</a:t>
-            </a:r>
-            <a:endParaRPr lang="en-US">
-              <a:ln>
-                <a:solidFill>
-                  <a:schemeClr val="tx1"/>
-                </a:solidFill>
-              </a:ln>
-            </a:endParaRPr>
-          </a:p>
-        </p:txBody>
-      </p:sp>
-      <p:sp>
-        <p:nvSpPr>
-          <p:cNvPr id="47" name="Rectangle 46"/>
-          <p:cNvSpPr/>
-          <p:nvPr/>
-        </p:nvSpPr>
-        <p:spPr>
-          <a:xfrm>
-            <a:off x="9700260" y="4853940"/>
-            <a:ext cx="1513840" cy="802640"/>
-          </a:xfrm>
-          <a:prstGeom prst="rect">
-            <a:avLst/>
-          </a:prstGeom>
-          <a:ln>
-            <a:solidFill>
-              <a:schemeClr val="tx1"/>
-            </a:solidFill>
-          </a:ln>
-          <a:effectLst/>
-        </p:spPr>
-        <p:style>
-          <a:lnRef idx="2">
-            <a:schemeClr val="dk1"/>
-          </a:lnRef>
-          <a:fillRef idx="1">
-            <a:schemeClr val="lt1"/>
-          </a:fillRef>
-          <a:effectRef idx="0">
-            <a:schemeClr val="dk1"/>
-          </a:effectRef>
-          <a:fontRef idx="minor">
-            <a:schemeClr val="dk1"/>
-          </a:fontRef>
-        </p:style>
-        <p:txBody>
-          <a:bodyPr rtlCol="0" anchor="ctr"/>
-          <a:lstStyle/>
-          <a:p>
-            <a:pPr algn="ctr"/>
-            <a:r>
-              <a:rPr lang="en-US" smtClean="0">
-                <a:ln>
-                  <a:solidFill>
-                    <a:schemeClr val="tx1"/>
-                  </a:solidFill>
-                </a:ln>
-              </a:rPr>
-              <a:t>Control block pointer</a:t>
-            </a:r>
-            <a:endParaRPr lang="en-US">
-              <a:ln>
-                <a:solidFill>
-                  <a:schemeClr val="tx1"/>
-                </a:solidFill>
-              </a:ln>
-            </a:endParaRPr>
-          </a:p>
-        </p:txBody>
-      </p:sp>
-      <p:cxnSp>
-        <p:nvCxnSpPr>
-          <p:cNvPr id="50" name="Straight Arrow Connector 8"/>
-          <p:cNvCxnSpPr>
-            <a:stCxn id="47" idx="1"/>
-          </p:cNvCxnSpPr>
-          <p:nvPr/>
-        </p:nvCxnSpPr>
-        <p:spPr>
-          <a:xfrm flipH="1" flipV="1">
-            <a:off x="8448040" y="4853940"/>
-            <a:ext cx="1252220" cy="401320"/>
-          </a:xfrm>
-          <a:prstGeom prst="straightConnector1">
-            <a:avLst/>
-          </a:prstGeom>
-          <a:ln w="28575">
-            <a:solidFill>
-              <a:schemeClr val="tx1"/>
-            </a:solidFill>
-            <a:tailEnd type="triangle" w="lg" len="lg"/>
-          </a:ln>
-        </p:spPr>
-        <p:style>
-          <a:lnRef idx="1">
-            <a:schemeClr val="accent1"/>
-          </a:lnRef>
-          <a:fillRef idx="0">
-            <a:schemeClr val="accent1"/>
-          </a:fillRef>
-          <a:effectRef idx="0">
-            <a:schemeClr val="accent1"/>
-          </a:effectRef>
-          <a:fontRef idx="minor">
-            <a:schemeClr val="tx1"/>
-          </a:fontRef>
-        </p:style>
-      </p:cxnSp>
-      <p:sp>
-        <p:nvSpPr>
-          <p:cNvPr id="3" name="TextBox 2"/>
-          <p:cNvSpPr txBox="1"/>
-          <p:nvPr/>
-        </p:nvSpPr>
-        <p:spPr>
-          <a:xfrm>
-            <a:off x="762000" y="2211070"/>
-            <a:ext cx="5110480" cy="3416320"/>
-          </a:xfrm>
-          <a:prstGeom prst="rect">
-            <a:avLst/>
-          </a:prstGeom>
-          <a:noFill/>
-        </p:spPr>
-        <p:txBody>
-          <a:bodyPr wrap="square" rtlCol="0">
-            <a:spAutoFit/>
-          </a:bodyPr>
-          <a:lstStyle/>
-          <a:p>
-            <a:pPr marL="342900" indent="-342900">
-              <a:buFont typeface="Arial" panose="020B0604020202020204" pitchFamily="34" charset="0"/>
-              <a:buChar char="•"/>
-            </a:pPr>
-            <a:r>
-              <a:rPr lang="ru-RU" sz="2400" smtClean="0"/>
-              <a:t>Если не остаётся ни одной сильной ссылки, то </a:t>
-            </a:r>
-          </a:p>
-          <a:p>
-            <a:pPr marL="800100" lvl="1" indent="-342900">
-              <a:buFont typeface="Arial" panose="020B0604020202020204" pitchFamily="34" charset="0"/>
-              <a:buChar char="•"/>
-            </a:pPr>
-            <a:r>
-              <a:rPr lang="en-US" sz="2400" smtClean="0"/>
-              <a:t>control block </a:t>
-            </a:r>
-            <a:r>
-              <a:rPr lang="ru-RU" sz="2400" smtClean="0"/>
-              <a:t>живёт пока есть слабые ссылки</a:t>
-            </a:r>
-          </a:p>
-          <a:p>
-            <a:pPr marL="800100" lvl="1" indent="-342900">
-              <a:buFont typeface="Arial" panose="020B0604020202020204" pitchFamily="34" charset="0"/>
-              <a:buChar char="•"/>
-            </a:pPr>
-            <a:r>
-              <a:rPr lang="en-US" sz="2400" smtClean="0"/>
-              <a:t>Data </a:t>
-            </a:r>
-            <a:r>
-              <a:rPr lang="ru-RU" sz="2400" smtClean="0"/>
-              <a:t>освобождается</a:t>
-            </a:r>
-          </a:p>
-          <a:p>
-            <a:pPr marL="800100" lvl="1" indent="-342900">
-              <a:buFont typeface="Arial" panose="020B0604020202020204" pitchFamily="34" charset="0"/>
-              <a:buChar char="•"/>
-            </a:pPr>
-            <a:r>
-              <a:rPr lang="en-US" sz="2400" smtClean="0"/>
-              <a:t>Data pointer </a:t>
-            </a:r>
-            <a:r>
-              <a:rPr lang="ru-RU" sz="2400" smtClean="0"/>
-              <a:t>становится </a:t>
-            </a:r>
-            <a:r>
-              <a:rPr lang="en-US" sz="2400" smtClean="0"/>
-              <a:t>nullptr</a:t>
-            </a:r>
-            <a:endParaRPr lang="ru-RU" sz="2400" smtClean="0"/>
-          </a:p>
-          <a:p>
-            <a:pPr marL="800100" lvl="1" indent="-342900">
-              <a:buFont typeface="Arial" panose="020B0604020202020204" pitchFamily="34" charset="0"/>
-              <a:buChar char="•"/>
-            </a:pPr>
-            <a:r>
-              <a:rPr lang="ru-RU" sz="2400" smtClean="0"/>
-              <a:t>Если </a:t>
-            </a:r>
-            <a:r>
-              <a:rPr lang="en-US" sz="2400" smtClean="0"/>
-              <a:t>weak pointer </a:t>
-            </a:r>
-            <a:r>
-              <a:rPr lang="ru-RU" sz="2400" smtClean="0"/>
-              <a:t>указывает на </a:t>
-            </a:r>
-            <a:r>
-              <a:rPr lang="en-US" sz="2400" smtClean="0"/>
-              <a:t>control block </a:t>
-            </a:r>
-            <a:r>
-              <a:rPr lang="ru-RU" sz="2400" smtClean="0"/>
-              <a:t>без сильных ссылок, то он </a:t>
-            </a:r>
-            <a:r>
-              <a:rPr lang="en-US" sz="2400" smtClean="0"/>
-              <a:t>expired</a:t>
-            </a:r>
-            <a:endParaRPr lang="en-US" sz="2400"/>
-          </a:p>
-        </p:txBody>
-      </p:sp>
     </p:spTree>
     <p:extLst>
       <p:ext uri="{BB962C8B-B14F-4D97-AF65-F5344CB8AC3E}">
-        <p14:creationId xmlns:p14="http://schemas.microsoft.com/office/powerpoint/2010/main" val="2225470375"/>
+        <p14:creationId xmlns:p14="http://schemas.microsoft.com/office/powerpoint/2010/main" val="2684039681"/>
       </p:ext>
     </p:extLst>
   </p:cSld>
@@ -19315,7 +20065,11 @@
           <a:p>
             <a:r>
               <a:rPr lang="ru-RU" smtClean="0"/>
-              <a:t>Проблема: что если он устроен иначе?</a:t>
+              <a:t>Как может быть устроен </a:t>
+            </a:r>
+            <a:r>
+              <a:rPr lang="en-US" smtClean="0"/>
+              <a:t>shared_ptr</a:t>
             </a:r>
             <a:endParaRPr lang="en-US"/>
           </a:p>
@@ -19323,70 +20077,676 @@
       </p:sp>
       <p:sp>
         <p:nvSpPr>
-          <p:cNvPr id="3" name="Content Placeholder 2"/>
-          <p:cNvSpPr>
-            <a:spLocks noGrp="1"/>
-          </p:cNvSpPr>
-          <p:nvPr>
-            <p:ph idx="1"/>
-          </p:nvPr>
+          <p:cNvPr id="5" name="Rectangle 4"/>
+          <p:cNvSpPr/>
+          <p:nvPr/>
         </p:nvSpPr>
         <p:spPr>
           <a:xfrm>
-            <a:off x="1143000" y="2057400"/>
-            <a:ext cx="9872871" cy="4251960"/>
+            <a:off x="6799580" y="2612390"/>
+            <a:ext cx="1371600" cy="802640"/>
           </a:xfrm>
+          <a:prstGeom prst="rect">
+            <a:avLst/>
+          </a:prstGeom>
+          <a:ln>
+            <a:solidFill>
+              <a:schemeClr val="tx1"/>
+            </a:solidFill>
+          </a:ln>
+          <a:effectLst/>
         </p:spPr>
-        <p:txBody>
-          <a:bodyPr/>
-          <a:lstStyle/>
-          <a:p>
-            <a:r>
-              <a:rPr lang="ru-RU" smtClean="0"/>
-              <a:t>Предположим, что</a:t>
-            </a:r>
-          </a:p>
-          <a:p>
-            <a:endParaRPr lang="ru-RU"/>
-          </a:p>
-          <a:p>
-            <a:endParaRPr lang="ru-RU" smtClean="0"/>
-          </a:p>
-          <a:p>
-            <a:endParaRPr lang="ru-RU"/>
-          </a:p>
-          <a:p>
-            <a:endParaRPr lang="ru-RU" smtClean="0"/>
-          </a:p>
-          <a:p>
-            <a:endParaRPr lang="ru-RU"/>
-          </a:p>
-          <a:p>
-            <a:endParaRPr lang="ru-RU" smtClean="0"/>
-          </a:p>
-          <a:p>
-            <a:pPr marL="45720" indent="0">
-              <a:buNone/>
+        <p:style>
+          <a:lnRef idx="2">
+            <a:schemeClr val="dk1"/>
+          </a:lnRef>
+          <a:fillRef idx="1">
+            <a:schemeClr val="lt1"/>
+          </a:fillRef>
+          <a:effectRef idx="0">
+            <a:schemeClr val="dk1"/>
+          </a:effectRef>
+          <a:fontRef idx="minor">
+            <a:schemeClr val="dk1"/>
+          </a:fontRef>
+        </p:style>
+        <p:txBody>
+          <a:bodyPr rtlCol="0" anchor="ctr"/>
+          <a:lstStyle/>
+          <a:p>
+            <a:pPr algn="ctr"/>
+            <a:r>
+              <a:rPr lang="en-US" smtClean="0">
+                <a:ln>
+                  <a:solidFill>
+                    <a:schemeClr val="tx1"/>
+                  </a:solidFill>
+                </a:ln>
+              </a:rPr>
+              <a:t>Data pointer</a:t>
+            </a:r>
+            <a:endParaRPr lang="en-US">
+              <a:ln>
+                <a:solidFill>
+                  <a:schemeClr val="tx1"/>
+                </a:solidFill>
+              </a:ln>
+            </a:endParaRPr>
+          </a:p>
+        </p:txBody>
+      </p:sp>
+      <p:sp>
+        <p:nvSpPr>
+          <p:cNvPr id="7" name="Rectangle 6"/>
+          <p:cNvSpPr/>
+          <p:nvPr/>
+        </p:nvSpPr>
+        <p:spPr>
+          <a:xfrm>
+            <a:off x="9296400" y="1887855"/>
+            <a:ext cx="1584960" cy="802640"/>
+          </a:xfrm>
+          <a:prstGeom prst="rect">
+            <a:avLst/>
+          </a:prstGeom>
+          <a:pattFill prst="dotGrid">
+            <a:fgClr>
+              <a:schemeClr val="tx1"/>
+            </a:fgClr>
+            <a:bgClr>
+              <a:schemeClr val="bg1"/>
+            </a:bgClr>
+          </a:pattFill>
+          <a:ln>
+            <a:solidFill>
+              <a:schemeClr val="tx1"/>
+            </a:solidFill>
+          </a:ln>
+          <a:effectLst/>
+        </p:spPr>
+        <p:style>
+          <a:lnRef idx="2">
+            <a:schemeClr val="dk1"/>
+          </a:lnRef>
+          <a:fillRef idx="1">
+            <a:schemeClr val="lt1"/>
+          </a:fillRef>
+          <a:effectRef idx="0">
+            <a:schemeClr val="dk1"/>
+          </a:effectRef>
+          <a:fontRef idx="minor">
+            <a:schemeClr val="dk1"/>
+          </a:fontRef>
+        </p:style>
+        <p:txBody>
+          <a:bodyPr rtlCol="0" anchor="ctr"/>
+          <a:lstStyle/>
+          <a:p>
+            <a:pPr algn="ctr"/>
+            <a:endParaRPr lang="en-US" smtClean="0">
+              <a:ln>
+                <a:solidFill>
+                  <a:schemeClr val="tx1"/>
+                </a:solidFill>
+              </a:ln>
+            </a:endParaRPr>
+          </a:p>
+        </p:txBody>
+      </p:sp>
+      <p:cxnSp>
+        <p:nvCxnSpPr>
+          <p:cNvPr id="9" name="Straight Arrow Connector 8"/>
+          <p:cNvCxnSpPr>
+            <a:stCxn id="5" idx="3"/>
+            <a:endCxn id="7" idx="2"/>
+          </p:cNvCxnSpPr>
+          <p:nvPr/>
+        </p:nvCxnSpPr>
+        <p:spPr>
+          <a:xfrm flipV="1">
+            <a:off x="8171180" y="2690495"/>
+            <a:ext cx="1917700" cy="323215"/>
+          </a:xfrm>
+          <a:prstGeom prst="curvedConnector2">
+            <a:avLst/>
+          </a:prstGeom>
+          <a:ln w="28575">
+            <a:solidFill>
+              <a:schemeClr val="tx1"/>
+            </a:solidFill>
+            <a:tailEnd type="triangle" w="lg" len="lg"/>
+          </a:ln>
+        </p:spPr>
+        <p:style>
+          <a:lnRef idx="1">
+            <a:schemeClr val="accent1"/>
+          </a:lnRef>
+          <a:fillRef idx="0">
+            <a:schemeClr val="accent1"/>
+          </a:fillRef>
+          <a:effectRef idx="0">
+            <a:schemeClr val="accent1"/>
+          </a:effectRef>
+          <a:fontRef idx="minor">
+            <a:schemeClr val="tx1"/>
+          </a:fontRef>
+        </p:style>
+      </p:cxnSp>
+      <p:sp>
+        <p:nvSpPr>
+          <p:cNvPr id="13" name="Rectangle 12"/>
+          <p:cNvSpPr/>
+          <p:nvPr/>
+        </p:nvSpPr>
+        <p:spPr>
+          <a:xfrm>
+            <a:off x="6799580" y="3415030"/>
+            <a:ext cx="1371600" cy="802640"/>
+          </a:xfrm>
+          <a:prstGeom prst="rect">
+            <a:avLst/>
+          </a:prstGeom>
+          <a:ln>
+            <a:solidFill>
+              <a:schemeClr val="tx1"/>
+            </a:solidFill>
+          </a:ln>
+          <a:effectLst/>
+        </p:spPr>
+        <p:style>
+          <a:lnRef idx="2">
+            <a:schemeClr val="dk1"/>
+          </a:lnRef>
+          <a:fillRef idx="1">
+            <a:schemeClr val="lt1"/>
+          </a:fillRef>
+          <a:effectRef idx="0">
+            <a:schemeClr val="dk1"/>
+          </a:effectRef>
+          <a:fontRef idx="minor">
+            <a:schemeClr val="dk1"/>
+          </a:fontRef>
+        </p:style>
+        <p:txBody>
+          <a:bodyPr rtlCol="0" anchor="ctr"/>
+          <a:lstStyle/>
+          <a:p>
+            <a:pPr algn="ctr"/>
+            <a:r>
+              <a:rPr lang="en-US" smtClean="0">
+                <a:ln>
+                  <a:solidFill>
+                    <a:schemeClr val="tx1"/>
+                  </a:solidFill>
+                </a:ln>
+              </a:rPr>
+              <a:t>Reference counter</a:t>
+            </a:r>
+            <a:endParaRPr lang="en-US">
+              <a:ln>
+                <a:solidFill>
+                  <a:schemeClr val="tx1"/>
+                </a:solidFill>
+              </a:ln>
+            </a:endParaRPr>
+          </a:p>
+        </p:txBody>
+      </p:sp>
+      <p:sp>
+        <p:nvSpPr>
+          <p:cNvPr id="14" name="Rectangle 13"/>
+          <p:cNvSpPr/>
+          <p:nvPr/>
+        </p:nvSpPr>
+        <p:spPr>
+          <a:xfrm>
+            <a:off x="6800342" y="5030998"/>
+            <a:ext cx="1369060" cy="955040"/>
+          </a:xfrm>
+          <a:prstGeom prst="rect">
+            <a:avLst/>
+          </a:prstGeom>
+          <a:ln>
+            <a:solidFill>
+              <a:schemeClr val="tx1"/>
+            </a:solidFill>
+          </a:ln>
+          <a:effectLst/>
+        </p:spPr>
+        <p:style>
+          <a:lnRef idx="2">
+            <a:schemeClr val="dk1"/>
+          </a:lnRef>
+          <a:fillRef idx="1">
+            <a:schemeClr val="lt1"/>
+          </a:fillRef>
+          <a:effectRef idx="0">
+            <a:schemeClr val="dk1"/>
+          </a:effectRef>
+          <a:fontRef idx="minor">
+            <a:schemeClr val="dk1"/>
+          </a:fontRef>
+        </p:style>
+        <p:txBody>
+          <a:bodyPr rtlCol="0" anchor="ctr"/>
+          <a:lstStyle/>
+          <a:p>
+            <a:pPr algn="ctr"/>
+            <a:r>
+              <a:rPr lang="en-US" smtClean="0">
+                <a:ln>
+                  <a:solidFill>
+                    <a:schemeClr val="tx1"/>
+                  </a:solidFill>
+                </a:ln>
+              </a:rPr>
+              <a:t>Weak reference counter</a:t>
+            </a:r>
+            <a:endParaRPr lang="en-US">
+              <a:ln>
+                <a:solidFill>
+                  <a:schemeClr val="tx1"/>
+                </a:solidFill>
+              </a:ln>
+            </a:endParaRPr>
+          </a:p>
+        </p:txBody>
+      </p:sp>
+      <p:sp>
+        <p:nvSpPr>
+          <p:cNvPr id="27" name="Rectangle 26"/>
+          <p:cNvSpPr/>
+          <p:nvPr/>
+        </p:nvSpPr>
+        <p:spPr>
+          <a:xfrm>
+            <a:off x="6522720" y="1965960"/>
+            <a:ext cx="1925320" cy="4242816"/>
+          </a:xfrm>
+          <a:prstGeom prst="rect">
+            <a:avLst/>
+          </a:prstGeom>
+          <a:noFill/>
+          <a:ln>
+            <a:solidFill>
+              <a:schemeClr val="tx1"/>
+            </a:solidFill>
+          </a:ln>
+          <a:effectLst/>
+        </p:spPr>
+        <p:style>
+          <a:lnRef idx="2">
+            <a:schemeClr val="dk1"/>
+          </a:lnRef>
+          <a:fillRef idx="1">
+            <a:schemeClr val="lt1"/>
+          </a:fillRef>
+          <a:effectRef idx="0">
+            <a:schemeClr val="dk1"/>
+          </a:effectRef>
+          <a:fontRef idx="minor">
+            <a:schemeClr val="dk1"/>
+          </a:fontRef>
+        </p:style>
+        <p:txBody>
+          <a:bodyPr rtlCol="0" anchor="t" anchorCtr="0"/>
+          <a:lstStyle/>
+          <a:p>
+            <a:pPr algn="ctr"/>
+            <a:r>
+              <a:rPr lang="en-US" smtClean="0">
+                <a:ln>
+                  <a:solidFill>
+                    <a:schemeClr val="tx1"/>
+                  </a:solidFill>
+                </a:ln>
+              </a:rPr>
+              <a:t>Control block</a:t>
+            </a:r>
+            <a:endParaRPr lang="en-US">
+              <a:ln>
+                <a:solidFill>
+                  <a:schemeClr val="tx1"/>
+                </a:solidFill>
+              </a:ln>
+            </a:endParaRPr>
+          </a:p>
+        </p:txBody>
+      </p:sp>
+      <p:sp>
+        <p:nvSpPr>
+          <p:cNvPr id="38" name="Rectangle 37"/>
+          <p:cNvSpPr/>
+          <p:nvPr/>
+        </p:nvSpPr>
+        <p:spPr>
+          <a:xfrm>
+            <a:off x="9296400" y="4362450"/>
+            <a:ext cx="2103120" cy="1480820"/>
+          </a:xfrm>
+          <a:prstGeom prst="rect">
+            <a:avLst/>
+          </a:prstGeom>
+          <a:noFill/>
+          <a:ln>
+            <a:solidFill>
+              <a:schemeClr val="tx1"/>
+            </a:solidFill>
+          </a:ln>
+          <a:effectLst/>
+        </p:spPr>
+        <p:style>
+          <a:lnRef idx="2">
+            <a:schemeClr val="dk1"/>
+          </a:lnRef>
+          <a:fillRef idx="1">
+            <a:schemeClr val="lt1"/>
+          </a:fillRef>
+          <a:effectRef idx="0">
+            <a:schemeClr val="dk1"/>
+          </a:effectRef>
+          <a:fontRef idx="minor">
+            <a:schemeClr val="dk1"/>
+          </a:fontRef>
+        </p:style>
+        <p:txBody>
+          <a:bodyPr rtlCol="0" anchor="t" anchorCtr="0"/>
+          <a:lstStyle/>
+          <a:p>
+            <a:pPr algn="ctr"/>
+            <a:r>
+              <a:rPr lang="en-US" smtClean="0">
+                <a:ln>
+                  <a:solidFill>
+                    <a:schemeClr val="tx1"/>
+                  </a:solidFill>
+                </a:ln>
+              </a:rPr>
+              <a:t>weak_ptr&lt;Data&gt;</a:t>
+            </a:r>
+            <a:endParaRPr lang="en-US">
+              <a:ln>
+                <a:solidFill>
+                  <a:schemeClr val="tx1"/>
+                </a:solidFill>
+              </a:ln>
+            </a:endParaRPr>
+          </a:p>
+        </p:txBody>
+      </p:sp>
+      <p:sp>
+        <p:nvSpPr>
+          <p:cNvPr id="47" name="Rectangle 46"/>
+          <p:cNvSpPr/>
+          <p:nvPr/>
+        </p:nvSpPr>
+        <p:spPr>
+          <a:xfrm>
+            <a:off x="9700260" y="4853940"/>
+            <a:ext cx="1513840" cy="802640"/>
+          </a:xfrm>
+          <a:prstGeom prst="rect">
+            <a:avLst/>
+          </a:prstGeom>
+          <a:ln>
+            <a:solidFill>
+              <a:schemeClr val="tx1"/>
+            </a:solidFill>
+          </a:ln>
+          <a:effectLst/>
+        </p:spPr>
+        <p:style>
+          <a:lnRef idx="2">
+            <a:schemeClr val="dk1"/>
+          </a:lnRef>
+          <a:fillRef idx="1">
+            <a:schemeClr val="lt1"/>
+          </a:fillRef>
+          <a:effectRef idx="0">
+            <a:schemeClr val="dk1"/>
+          </a:effectRef>
+          <a:fontRef idx="minor">
+            <a:schemeClr val="dk1"/>
+          </a:fontRef>
+        </p:style>
+        <p:txBody>
+          <a:bodyPr rtlCol="0" anchor="ctr"/>
+          <a:lstStyle/>
+          <a:p>
+            <a:pPr algn="ctr"/>
+            <a:r>
+              <a:rPr lang="en-US" smtClean="0">
+                <a:ln>
+                  <a:solidFill>
+                    <a:schemeClr val="tx1"/>
+                  </a:solidFill>
+                </a:ln>
+              </a:rPr>
+              <a:t>Control block pointer</a:t>
+            </a:r>
+            <a:endParaRPr lang="en-US">
+              <a:ln>
+                <a:solidFill>
+                  <a:schemeClr val="tx1"/>
+                </a:solidFill>
+              </a:ln>
+            </a:endParaRPr>
+          </a:p>
+        </p:txBody>
+      </p:sp>
+      <p:cxnSp>
+        <p:nvCxnSpPr>
+          <p:cNvPr id="50" name="Straight Arrow Connector 8"/>
+          <p:cNvCxnSpPr>
+            <a:stCxn id="47" idx="1"/>
+          </p:cNvCxnSpPr>
+          <p:nvPr/>
+        </p:nvCxnSpPr>
+        <p:spPr>
+          <a:xfrm flipH="1" flipV="1">
+            <a:off x="8448040" y="4853940"/>
+            <a:ext cx="1252220" cy="401320"/>
+          </a:xfrm>
+          <a:prstGeom prst="straightConnector1">
+            <a:avLst/>
+          </a:prstGeom>
+          <a:ln w="28575">
+            <a:solidFill>
+              <a:schemeClr val="tx1"/>
+            </a:solidFill>
+            <a:tailEnd type="triangle" w="lg" len="lg"/>
+          </a:ln>
+        </p:spPr>
+        <p:style>
+          <a:lnRef idx="1">
+            <a:schemeClr val="accent1"/>
+          </a:lnRef>
+          <a:fillRef idx="0">
+            <a:schemeClr val="accent1"/>
+          </a:fillRef>
+          <a:effectRef idx="0">
+            <a:schemeClr val="accent1"/>
+          </a:effectRef>
+          <a:fontRef idx="minor">
+            <a:schemeClr val="tx1"/>
+          </a:fontRef>
+        </p:style>
+      </p:cxnSp>
+      <p:sp>
+        <p:nvSpPr>
+          <p:cNvPr id="3" name="TextBox 2"/>
+          <p:cNvSpPr txBox="1"/>
+          <p:nvPr/>
+        </p:nvSpPr>
+        <p:spPr>
+          <a:xfrm>
+            <a:off x="762000" y="2211070"/>
+            <a:ext cx="5110480" cy="3416320"/>
+          </a:xfrm>
+          <a:prstGeom prst="rect">
+            <a:avLst/>
+          </a:prstGeom>
+          <a:noFill/>
+        </p:spPr>
+        <p:txBody>
+          <a:bodyPr wrap="square" rtlCol="0">
+            <a:spAutoFit/>
+          </a:bodyPr>
+          <a:lstStyle/>
+          <a:p>
+            <a:pPr marL="342900" indent="-342900">
+              <a:buFont typeface="Arial" panose="020B0604020202020204" pitchFamily="34" charset="0"/>
+              <a:buChar char="•"/>
             </a:pPr>
-            <a:endParaRPr lang="ru-RU" smtClean="0"/>
-          </a:p>
-          <a:p>
-            <a:r>
-              <a:rPr lang="ru-RU" smtClean="0"/>
-              <a:t>Это довольно серьёзный аргумент против </a:t>
-            </a:r>
-            <a:r>
-              <a:rPr lang="en-US" smtClean="0"/>
-              <a:t>make_shared</a:t>
-            </a:r>
-            <a:endParaRPr lang="en-US"/>
+            <a:r>
+              <a:rPr lang="ru-RU" sz="2400" smtClean="0"/>
+              <a:t>Если не остаётся ни одной сильной ссылки, то </a:t>
+            </a:r>
+          </a:p>
+          <a:p>
+            <a:pPr marL="800100" lvl="1" indent="-342900">
+              <a:buFont typeface="Arial" panose="020B0604020202020204" pitchFamily="34" charset="0"/>
+              <a:buChar char="•"/>
+            </a:pPr>
+            <a:r>
+              <a:rPr lang="en-US" sz="2400" smtClean="0"/>
+              <a:t>control block </a:t>
+            </a:r>
+            <a:r>
+              <a:rPr lang="ru-RU" sz="2400" smtClean="0"/>
+              <a:t>живёт пока есть слабые ссылки</a:t>
+            </a:r>
+          </a:p>
+          <a:p>
+            <a:pPr marL="800100" lvl="1" indent="-342900">
+              <a:buFont typeface="Arial" panose="020B0604020202020204" pitchFamily="34" charset="0"/>
+              <a:buChar char="•"/>
+            </a:pPr>
+            <a:r>
+              <a:rPr lang="en-US" sz="2400" smtClean="0"/>
+              <a:t>Data </a:t>
+            </a:r>
+            <a:r>
+              <a:rPr lang="ru-RU" sz="2400" smtClean="0"/>
+              <a:t>освобождается</a:t>
+            </a:r>
+          </a:p>
+          <a:p>
+            <a:pPr marL="800100" lvl="1" indent="-342900">
+              <a:buFont typeface="Arial" panose="020B0604020202020204" pitchFamily="34" charset="0"/>
+              <a:buChar char="•"/>
+            </a:pPr>
+            <a:r>
+              <a:rPr lang="en-US" sz="2400" smtClean="0"/>
+              <a:t>Data pointer </a:t>
+            </a:r>
+            <a:r>
+              <a:rPr lang="ru-RU" sz="2400" smtClean="0"/>
+              <a:t>становится </a:t>
+            </a:r>
+            <a:r>
+              <a:rPr lang="en-US" sz="2400" smtClean="0"/>
+              <a:t>nullptr</a:t>
+            </a:r>
+            <a:endParaRPr lang="ru-RU" sz="2400" smtClean="0"/>
+          </a:p>
+          <a:p>
+            <a:pPr marL="800100" lvl="1" indent="-342900">
+              <a:buFont typeface="Arial" panose="020B0604020202020204" pitchFamily="34" charset="0"/>
+              <a:buChar char="•"/>
+            </a:pPr>
+            <a:r>
+              <a:rPr lang="ru-RU" sz="2400" smtClean="0"/>
+              <a:t>Если </a:t>
+            </a:r>
+            <a:r>
+              <a:rPr lang="en-US" sz="2400" smtClean="0"/>
+              <a:t>weak pointer </a:t>
+            </a:r>
+            <a:r>
+              <a:rPr lang="ru-RU" sz="2400" smtClean="0"/>
+              <a:t>указывает на </a:t>
+            </a:r>
+            <a:r>
+              <a:rPr lang="en-US" sz="2400" smtClean="0"/>
+              <a:t>control block </a:t>
+            </a:r>
+            <a:r>
+              <a:rPr lang="ru-RU" sz="2400" smtClean="0"/>
+              <a:t>без сильных ссылок, то он </a:t>
+            </a:r>
+            <a:r>
+              <a:rPr lang="en-US" sz="2400" smtClean="0"/>
+              <a:t>expired</a:t>
+            </a:r>
+            <a:endParaRPr lang="en-US" sz="2400"/>
+          </a:p>
+        </p:txBody>
+      </p:sp>
+      <p:sp>
+        <p:nvSpPr>
+          <p:cNvPr id="15" name="Rectangle 14"/>
+          <p:cNvSpPr/>
+          <p:nvPr/>
+        </p:nvSpPr>
+        <p:spPr>
+          <a:xfrm>
+            <a:off x="6796532" y="4221988"/>
+            <a:ext cx="1371600" cy="802640"/>
+          </a:xfrm>
+          <a:prstGeom prst="rect">
+            <a:avLst/>
+          </a:prstGeom>
+          <a:ln>
+            <a:solidFill>
+              <a:schemeClr val="tx1"/>
+            </a:solidFill>
+          </a:ln>
+          <a:effectLst/>
+        </p:spPr>
+        <p:style>
+          <a:lnRef idx="2">
+            <a:schemeClr val="dk1"/>
+          </a:lnRef>
+          <a:fillRef idx="1">
+            <a:schemeClr val="lt1"/>
+          </a:fillRef>
+          <a:effectRef idx="0">
+            <a:schemeClr val="dk1"/>
+          </a:effectRef>
+          <a:fontRef idx="minor">
+            <a:schemeClr val="dk1"/>
+          </a:fontRef>
+        </p:style>
+        <p:txBody>
+          <a:bodyPr rtlCol="0" anchor="ctr"/>
+          <a:lstStyle/>
+          <a:p>
+            <a:pPr algn="ctr"/>
+            <a:r>
+              <a:rPr lang="en-US" smtClean="0">
+                <a:ln>
+                  <a:solidFill>
+                    <a:schemeClr val="tx1"/>
+                  </a:solidFill>
+                </a:ln>
+              </a:rPr>
+              <a:t>Custom deleter</a:t>
+            </a:r>
+            <a:endParaRPr lang="en-US">
+              <a:ln>
+                <a:solidFill>
+                  <a:schemeClr val="tx1"/>
+                </a:solidFill>
+              </a:ln>
+            </a:endParaRPr>
           </a:p>
         </p:txBody>
       </p:sp>
     </p:spTree>
     <p:extLst>
       <p:ext uri="{BB962C8B-B14F-4D97-AF65-F5344CB8AC3E}">
-        <p14:creationId xmlns:p14="http://schemas.microsoft.com/office/powerpoint/2010/main" val="3894785646"/>
+        <p14:creationId xmlns:p14="http://schemas.microsoft.com/office/powerpoint/2010/main" val="2225470375"/>
       </p:ext>
     </p:extLst>
   </p:cSld>
@@ -19430,7 +20790,7 @@
           <a:p>
             <a:r>
               <a:rPr lang="ru-RU" smtClean="0"/>
-              <a:t>Обсуждение</a:t>
+              <a:t>Проблема: что если он устроен иначе?</a:t>
             </a:r>
             <a:endParaRPr lang="en-US"/>
           </a:p>
@@ -19446,6 +20806,613 @@
             <p:ph idx="1"/>
           </p:nvPr>
         </p:nvSpPr>
+        <p:spPr>
+          <a:xfrm>
+            <a:off x="1145649" y="2052988"/>
+            <a:ext cx="9872871" cy="4292947"/>
+          </a:xfrm>
+        </p:spPr>
+        <p:txBody>
+          <a:bodyPr/>
+          <a:lstStyle/>
+          <a:p>
+            <a:r>
+              <a:rPr lang="ru-RU" smtClean="0"/>
+              <a:t>Предположим, </a:t>
+            </a:r>
+            <a:r>
+              <a:rPr lang="ru-RU" smtClean="0"/>
+              <a:t>что</a:t>
+            </a:r>
+            <a:r>
+              <a:rPr lang="en-US" smtClean="0"/>
+              <a:t> </a:t>
+            </a:r>
+            <a:r>
+              <a:rPr lang="ru-RU" smtClean="0"/>
+              <a:t>указатель был создан через </a:t>
+            </a:r>
+            <a:r>
+              <a:rPr lang="en-US" smtClean="0"/>
+              <a:t>make_shared </a:t>
+            </a:r>
+            <a:r>
+              <a:rPr lang="ru-RU" smtClean="0"/>
+              <a:t>и данные хранятся внутри контрольного блока</a:t>
+            </a:r>
+          </a:p>
+          <a:p>
+            <a:r>
+              <a:rPr lang="ru-RU" smtClean="0"/>
+              <a:t>Тогда даже если сильных ссылок не</a:t>
+            </a:r>
+            <a:br>
+              <a:rPr lang="ru-RU" smtClean="0"/>
+            </a:br>
+            <a:r>
+              <a:rPr lang="ru-RU" smtClean="0"/>
+              <a:t>осталось, данные будут освобождены,</a:t>
+            </a:r>
+            <a:br>
+              <a:rPr lang="ru-RU" smtClean="0"/>
+            </a:br>
+            <a:r>
+              <a:rPr lang="ru-RU" smtClean="0"/>
+              <a:t>но память по размеру бывших данных</a:t>
+            </a:r>
+            <a:br>
+              <a:rPr lang="ru-RU" smtClean="0"/>
+            </a:br>
+            <a:r>
+              <a:rPr lang="ru-RU" smtClean="0"/>
+              <a:t>всё ещё будет находится внутри</a:t>
+            </a:r>
+            <a:br>
+              <a:rPr lang="ru-RU" smtClean="0"/>
+            </a:br>
+            <a:r>
+              <a:rPr lang="ru-RU" smtClean="0"/>
+              <a:t>контрольного блока</a:t>
+            </a:r>
+          </a:p>
+          <a:p>
+            <a:r>
+              <a:rPr lang="ru-RU" smtClean="0"/>
+              <a:t>Это серьёзный аргумент против</a:t>
+            </a:r>
+            <a:br>
+              <a:rPr lang="ru-RU" smtClean="0"/>
+            </a:br>
+            <a:r>
+              <a:rPr lang="en-US" smtClean="0"/>
+              <a:t>make_shared</a:t>
+            </a:r>
+            <a:endParaRPr lang="en-US"/>
+          </a:p>
+        </p:txBody>
+      </p:sp>
+      <p:sp>
+        <p:nvSpPr>
+          <p:cNvPr id="5" name="Rectangle 4"/>
+          <p:cNvSpPr/>
+          <p:nvPr/>
+        </p:nvSpPr>
+        <p:spPr>
+          <a:xfrm>
+            <a:off x="6831203" y="3640747"/>
+            <a:ext cx="2106930" cy="862838"/>
+          </a:xfrm>
+          <a:prstGeom prst="rect">
+            <a:avLst/>
+          </a:prstGeom>
+          <a:pattFill prst="dotGrid">
+            <a:fgClr>
+              <a:schemeClr val="tx1"/>
+            </a:fgClr>
+            <a:bgClr>
+              <a:schemeClr val="bg1"/>
+            </a:bgClr>
+          </a:pattFill>
+          <a:ln>
+            <a:solidFill>
+              <a:schemeClr val="tx1"/>
+            </a:solidFill>
+          </a:ln>
+          <a:effectLst/>
+        </p:spPr>
+        <p:style>
+          <a:lnRef idx="2">
+            <a:schemeClr val="dk1"/>
+          </a:lnRef>
+          <a:fillRef idx="1">
+            <a:schemeClr val="lt1"/>
+          </a:fillRef>
+          <a:effectRef idx="0">
+            <a:schemeClr val="dk1"/>
+          </a:effectRef>
+          <a:fontRef idx="minor">
+            <a:schemeClr val="dk1"/>
+          </a:fontRef>
+        </p:style>
+        <p:txBody>
+          <a:bodyPr rtlCol="0" anchor="ctr"/>
+          <a:lstStyle/>
+          <a:p>
+            <a:pPr algn="ctr"/>
+            <a:endParaRPr lang="en-US" smtClean="0">
+              <a:ln>
+                <a:solidFill>
+                  <a:schemeClr val="tx1"/>
+                </a:solidFill>
+              </a:ln>
+            </a:endParaRPr>
+          </a:p>
+        </p:txBody>
+      </p:sp>
+      <p:sp>
+        <p:nvSpPr>
+          <p:cNvPr id="7" name="Rectangle 6"/>
+          <p:cNvSpPr/>
+          <p:nvPr/>
+        </p:nvSpPr>
+        <p:spPr>
+          <a:xfrm>
+            <a:off x="6823329" y="4503585"/>
+            <a:ext cx="2108708" cy="398018"/>
+          </a:xfrm>
+          <a:prstGeom prst="rect">
+            <a:avLst/>
+          </a:prstGeom>
+          <a:ln>
+            <a:solidFill>
+              <a:schemeClr val="tx1"/>
+            </a:solidFill>
+          </a:ln>
+          <a:effectLst/>
+        </p:spPr>
+        <p:style>
+          <a:lnRef idx="2">
+            <a:schemeClr val="dk1"/>
+          </a:lnRef>
+          <a:fillRef idx="1">
+            <a:schemeClr val="lt1"/>
+          </a:fillRef>
+          <a:effectRef idx="0">
+            <a:schemeClr val="dk1"/>
+          </a:effectRef>
+          <a:fontRef idx="minor">
+            <a:schemeClr val="dk1"/>
+          </a:fontRef>
+        </p:style>
+        <p:txBody>
+          <a:bodyPr rtlCol="0" anchor="ctr"/>
+          <a:lstStyle/>
+          <a:p>
+            <a:pPr algn="ctr"/>
+            <a:r>
+              <a:rPr lang="en-US" smtClean="0">
+                <a:ln>
+                  <a:solidFill>
+                    <a:schemeClr val="tx1"/>
+                  </a:solidFill>
+                </a:ln>
+              </a:rPr>
+              <a:t>Reference counter</a:t>
+            </a:r>
+            <a:endParaRPr lang="en-US">
+              <a:ln>
+                <a:solidFill>
+                  <a:schemeClr val="tx1"/>
+                </a:solidFill>
+              </a:ln>
+            </a:endParaRPr>
+          </a:p>
+        </p:txBody>
+      </p:sp>
+      <p:sp>
+        <p:nvSpPr>
+          <p:cNvPr id="8" name="Rectangle 7"/>
+          <p:cNvSpPr/>
+          <p:nvPr/>
+        </p:nvSpPr>
+        <p:spPr>
+          <a:xfrm>
+            <a:off x="6831203" y="5262831"/>
+            <a:ext cx="2106930" cy="717599"/>
+          </a:xfrm>
+          <a:prstGeom prst="rect">
+            <a:avLst/>
+          </a:prstGeom>
+          <a:ln>
+            <a:solidFill>
+              <a:schemeClr val="tx1"/>
+            </a:solidFill>
+          </a:ln>
+          <a:effectLst/>
+        </p:spPr>
+        <p:style>
+          <a:lnRef idx="2">
+            <a:schemeClr val="dk1"/>
+          </a:lnRef>
+          <a:fillRef idx="1">
+            <a:schemeClr val="lt1"/>
+          </a:fillRef>
+          <a:effectRef idx="0">
+            <a:schemeClr val="dk1"/>
+          </a:effectRef>
+          <a:fontRef idx="minor">
+            <a:schemeClr val="dk1"/>
+          </a:fontRef>
+        </p:style>
+        <p:txBody>
+          <a:bodyPr rtlCol="0" anchor="ctr"/>
+          <a:lstStyle/>
+          <a:p>
+            <a:pPr algn="ctr"/>
+            <a:r>
+              <a:rPr lang="en-US" smtClean="0">
+                <a:ln>
+                  <a:solidFill>
+                    <a:schemeClr val="tx1"/>
+                  </a:solidFill>
+                </a:ln>
+              </a:rPr>
+              <a:t>Weak reference counter</a:t>
+            </a:r>
+            <a:endParaRPr lang="en-US">
+              <a:ln>
+                <a:solidFill>
+                  <a:schemeClr val="tx1"/>
+                </a:solidFill>
+              </a:ln>
+            </a:endParaRPr>
+          </a:p>
+        </p:txBody>
+      </p:sp>
+      <p:sp>
+        <p:nvSpPr>
+          <p:cNvPr id="9" name="Rectangle 8"/>
+          <p:cNvSpPr/>
+          <p:nvPr/>
+        </p:nvSpPr>
+        <p:spPr>
+          <a:xfrm>
+            <a:off x="6336792" y="3127248"/>
+            <a:ext cx="3098800" cy="3145536"/>
+          </a:xfrm>
+          <a:prstGeom prst="rect">
+            <a:avLst/>
+          </a:prstGeom>
+          <a:noFill/>
+          <a:ln>
+            <a:solidFill>
+              <a:schemeClr val="tx1"/>
+            </a:solidFill>
+          </a:ln>
+          <a:effectLst/>
+        </p:spPr>
+        <p:style>
+          <a:lnRef idx="2">
+            <a:schemeClr val="dk1"/>
+          </a:lnRef>
+          <a:fillRef idx="1">
+            <a:schemeClr val="lt1"/>
+          </a:fillRef>
+          <a:effectRef idx="0">
+            <a:schemeClr val="dk1"/>
+          </a:effectRef>
+          <a:fontRef idx="minor">
+            <a:schemeClr val="dk1"/>
+          </a:fontRef>
+        </p:style>
+        <p:txBody>
+          <a:bodyPr rtlCol="0" anchor="t" anchorCtr="0"/>
+          <a:lstStyle/>
+          <a:p>
+            <a:pPr algn="ctr"/>
+            <a:r>
+              <a:rPr lang="en-US" smtClean="0">
+                <a:ln>
+                  <a:solidFill>
+                    <a:schemeClr val="tx1"/>
+                  </a:solidFill>
+                </a:ln>
+              </a:rPr>
+              <a:t>Control block</a:t>
+            </a:r>
+            <a:endParaRPr lang="en-US">
+              <a:ln>
+                <a:solidFill>
+                  <a:schemeClr val="tx1"/>
+                </a:solidFill>
+              </a:ln>
+            </a:endParaRPr>
+          </a:p>
+        </p:txBody>
+      </p:sp>
+      <p:sp>
+        <p:nvSpPr>
+          <p:cNvPr id="10" name="Rectangle 9"/>
+          <p:cNvSpPr/>
+          <p:nvPr/>
+        </p:nvSpPr>
+        <p:spPr>
+          <a:xfrm>
+            <a:off x="9673971" y="3785938"/>
+            <a:ext cx="2103120" cy="1480820"/>
+          </a:xfrm>
+          <a:prstGeom prst="rect">
+            <a:avLst/>
+          </a:prstGeom>
+          <a:noFill/>
+          <a:ln>
+            <a:solidFill>
+              <a:schemeClr val="tx1"/>
+            </a:solidFill>
+          </a:ln>
+          <a:effectLst/>
+        </p:spPr>
+        <p:style>
+          <a:lnRef idx="2">
+            <a:schemeClr val="dk1"/>
+          </a:lnRef>
+          <a:fillRef idx="1">
+            <a:schemeClr val="lt1"/>
+          </a:fillRef>
+          <a:effectRef idx="0">
+            <a:schemeClr val="dk1"/>
+          </a:effectRef>
+          <a:fontRef idx="minor">
+            <a:schemeClr val="dk1"/>
+          </a:fontRef>
+        </p:style>
+        <p:txBody>
+          <a:bodyPr rtlCol="0" anchor="t" anchorCtr="0"/>
+          <a:lstStyle/>
+          <a:p>
+            <a:pPr algn="ctr"/>
+            <a:r>
+              <a:rPr lang="en-US" smtClean="0">
+                <a:ln>
+                  <a:solidFill>
+                    <a:schemeClr val="tx1"/>
+                  </a:solidFill>
+                </a:ln>
+              </a:rPr>
+              <a:t>weak_ptr&lt;Data&gt;</a:t>
+            </a:r>
+            <a:endParaRPr lang="en-US">
+              <a:ln>
+                <a:solidFill>
+                  <a:schemeClr val="tx1"/>
+                </a:solidFill>
+              </a:ln>
+            </a:endParaRPr>
+          </a:p>
+        </p:txBody>
+      </p:sp>
+      <p:sp>
+        <p:nvSpPr>
+          <p:cNvPr id="11" name="Rectangle 10"/>
+          <p:cNvSpPr/>
+          <p:nvPr/>
+        </p:nvSpPr>
+        <p:spPr>
+          <a:xfrm>
+            <a:off x="10077831" y="4277428"/>
+            <a:ext cx="1513840" cy="802640"/>
+          </a:xfrm>
+          <a:prstGeom prst="rect">
+            <a:avLst/>
+          </a:prstGeom>
+          <a:ln>
+            <a:solidFill>
+              <a:schemeClr val="tx1"/>
+            </a:solidFill>
+          </a:ln>
+          <a:effectLst/>
+        </p:spPr>
+        <p:style>
+          <a:lnRef idx="2">
+            <a:schemeClr val="dk1"/>
+          </a:lnRef>
+          <a:fillRef idx="1">
+            <a:schemeClr val="lt1"/>
+          </a:fillRef>
+          <a:effectRef idx="0">
+            <a:schemeClr val="dk1"/>
+          </a:effectRef>
+          <a:fontRef idx="minor">
+            <a:schemeClr val="dk1"/>
+          </a:fontRef>
+        </p:style>
+        <p:txBody>
+          <a:bodyPr rtlCol="0" anchor="ctr"/>
+          <a:lstStyle/>
+          <a:p>
+            <a:pPr algn="ctr"/>
+            <a:r>
+              <a:rPr lang="en-US" smtClean="0">
+                <a:ln>
+                  <a:solidFill>
+                    <a:schemeClr val="tx1"/>
+                  </a:solidFill>
+                </a:ln>
+              </a:rPr>
+              <a:t>Control block pointer</a:t>
+            </a:r>
+            <a:endParaRPr lang="en-US">
+              <a:ln>
+                <a:solidFill>
+                  <a:schemeClr val="tx1"/>
+                </a:solidFill>
+              </a:ln>
+            </a:endParaRPr>
+          </a:p>
+        </p:txBody>
+      </p:sp>
+      <p:cxnSp>
+        <p:nvCxnSpPr>
+          <p:cNvPr id="12" name="Straight Arrow Connector 8"/>
+          <p:cNvCxnSpPr>
+            <a:stCxn id="11" idx="1"/>
+            <a:endCxn id="9" idx="3"/>
+          </p:cNvCxnSpPr>
+          <p:nvPr/>
+        </p:nvCxnSpPr>
+        <p:spPr>
+          <a:xfrm flipH="1">
+            <a:off x="9435592" y="4678748"/>
+            <a:ext cx="642239" cy="21268"/>
+          </a:xfrm>
+          <a:prstGeom prst="straightConnector1">
+            <a:avLst/>
+          </a:prstGeom>
+          <a:ln w="28575">
+            <a:solidFill>
+              <a:schemeClr val="tx1"/>
+            </a:solidFill>
+            <a:tailEnd type="triangle" w="lg" len="lg"/>
+          </a:ln>
+        </p:spPr>
+        <p:style>
+          <a:lnRef idx="1">
+            <a:schemeClr val="accent1"/>
+          </a:lnRef>
+          <a:fillRef idx="0">
+            <a:schemeClr val="accent1"/>
+          </a:fillRef>
+          <a:effectRef idx="0">
+            <a:schemeClr val="accent1"/>
+          </a:effectRef>
+          <a:fontRef idx="minor">
+            <a:schemeClr val="tx1"/>
+          </a:fontRef>
+        </p:style>
+      </p:cxnSp>
+      <p:sp>
+        <p:nvSpPr>
+          <p:cNvPr id="13" name="Rectangle 12"/>
+          <p:cNvSpPr/>
+          <p:nvPr/>
+        </p:nvSpPr>
+        <p:spPr>
+          <a:xfrm>
+            <a:off x="6832473" y="4897676"/>
+            <a:ext cx="2105660" cy="369082"/>
+          </a:xfrm>
+          <a:prstGeom prst="rect">
+            <a:avLst/>
+          </a:prstGeom>
+          <a:ln>
+            <a:solidFill>
+              <a:schemeClr val="tx1"/>
+            </a:solidFill>
+          </a:ln>
+          <a:effectLst/>
+        </p:spPr>
+        <p:style>
+          <a:lnRef idx="2">
+            <a:schemeClr val="dk1"/>
+          </a:lnRef>
+          <a:fillRef idx="1">
+            <a:schemeClr val="lt1"/>
+          </a:fillRef>
+          <a:effectRef idx="0">
+            <a:schemeClr val="dk1"/>
+          </a:effectRef>
+          <a:fontRef idx="minor">
+            <a:schemeClr val="dk1"/>
+          </a:fontRef>
+        </p:style>
+        <p:txBody>
+          <a:bodyPr rtlCol="0" anchor="ctr"/>
+          <a:lstStyle/>
+          <a:p>
+            <a:pPr algn="ctr"/>
+            <a:r>
+              <a:rPr lang="en-US" smtClean="0">
+                <a:ln>
+                  <a:solidFill>
+                    <a:schemeClr val="tx1"/>
+                  </a:solidFill>
+                </a:ln>
+              </a:rPr>
+              <a:t>Custom deleter</a:t>
+            </a:r>
+            <a:endParaRPr lang="en-US">
+              <a:ln>
+                <a:solidFill>
+                  <a:schemeClr val="tx1"/>
+                </a:solidFill>
+              </a:ln>
+            </a:endParaRPr>
+          </a:p>
+        </p:txBody>
+      </p:sp>
+    </p:spTree>
+    <p:extLst>
+      <p:ext uri="{BB962C8B-B14F-4D97-AF65-F5344CB8AC3E}">
+        <p14:creationId xmlns:p14="http://schemas.microsoft.com/office/powerpoint/2010/main" val="3894785646"/>
+      </p:ext>
+    </p:extLst>
+  </p:cSld>
+  <p:clrMapOvr>
+    <a:masterClrMapping/>
+  </p:clrMapOvr>
+</p:sld>
+</file>
+
+<file path=ppt/slides/slide62.xml><?xml version="1.0" encoding="utf-8"?>
+<p:sld xmlns:a="http://schemas.openxmlformats.org/drawingml/2006/main" xmlns:r="http://schemas.openxmlformats.org/officeDocument/2006/relationships" xmlns:p="http://schemas.openxmlformats.org/presentationml/2006/main">
+  <p:cSld>
+    <p:spTree>
+      <p:nvGrpSpPr>
+        <p:cNvPr id="1" name=""/>
+        <p:cNvGrpSpPr/>
+        <p:nvPr/>
+      </p:nvGrpSpPr>
+      <p:grpSpPr>
+        <a:xfrm>
+          <a:off x="0" y="0"/>
+          <a:ext cx="0" cy="0"/>
+          <a:chOff x="0" y="0"/>
+          <a:chExt cx="0" cy="0"/>
+        </a:xfrm>
+      </p:grpSpPr>
+      <p:sp>
+        <p:nvSpPr>
+          <p:cNvPr id="2" name="Title 1"/>
+          <p:cNvSpPr>
+            <a:spLocks noGrp="1"/>
+          </p:cNvSpPr>
+          <p:nvPr>
+            <p:ph type="title"/>
+          </p:nvPr>
+        </p:nvSpPr>
+        <p:spPr/>
+        <p:txBody>
+          <a:bodyPr/>
+          <a:lstStyle/>
+          <a:p>
+            <a:r>
+              <a:rPr lang="ru-RU" smtClean="0"/>
+              <a:t>Обсуждение</a:t>
+            </a:r>
+            <a:endParaRPr lang="en-US"/>
+          </a:p>
+        </p:txBody>
+      </p:sp>
+      <p:sp>
+        <p:nvSpPr>
+          <p:cNvPr id="3" name="Content Placeholder 2"/>
+          <p:cNvSpPr>
+            <a:spLocks noGrp="1"/>
+          </p:cNvSpPr>
+          <p:nvPr>
+            <p:ph idx="1"/>
+          </p:nvPr>
+        </p:nvSpPr>
         <p:spPr/>
         <p:txBody>
           <a:bodyPr/>
@@ -19469,7 +21436,23 @@
             </a:r>
             <a:r>
               <a:rPr lang="ru-RU" smtClean="0"/>
-              <a:t>было стилистической фитюлькой, а вот </a:t>
+              <a:t>было </a:t>
+            </a:r>
+            <a:r>
+              <a:rPr lang="ru-RU" smtClean="0"/>
+              <a:t>почти чисто стилистическ</a:t>
+            </a:r>
+            <a:r>
+              <a:rPr lang="ru-RU" smtClean="0"/>
+              <a:t>им решением</a:t>
+            </a:r>
+            <a:r>
+              <a:rPr lang="ru-RU" smtClean="0"/>
+              <a:t>, </a:t>
+            </a:r>
+            <a:r>
+              <a:rPr lang="ru-RU" smtClean="0"/>
+              <a:t>а вот </a:t>
             </a:r>
             <a:r>
               <a:rPr lang="en-US" smtClean="0"/>
@@ -19495,7 +21478,7 @@
 </p:sld>
 </file>
 
-<file path=ppt/slides/slide62.xml><?xml version="1.0" encoding="utf-8"?>
+<file path=ppt/slides/slide63.xml><?xml version="1.0" encoding="utf-8"?>
 <p:sld xmlns:a="http://schemas.openxmlformats.org/drawingml/2006/main" xmlns:r="http://schemas.openxmlformats.org/officeDocument/2006/relationships" xmlns:p="http://schemas.openxmlformats.org/presentationml/2006/main">
   <p:cSld>
     <p:spTree>
@@ -20221,195 +22204,6 @@
 </p:sld>
 </file>
 
-<file path=ppt/slides/slide63.xml><?xml version="1.0" encoding="utf-8"?>
-<p:sld xmlns:a="http://schemas.openxmlformats.org/drawingml/2006/main" xmlns:r="http://schemas.openxmlformats.org/officeDocument/2006/relationships" xmlns:p="http://schemas.openxmlformats.org/presentationml/2006/main">
-  <p:cSld>
-    <p:spTree>
-      <p:nvGrpSpPr>
-        <p:cNvPr id="1" name=""/>
-        <p:cNvGrpSpPr/>
-        <p:nvPr/>
-      </p:nvGrpSpPr>
-      <p:grpSpPr>
-        <a:xfrm>
-          <a:off x="0" y="0"/>
-          <a:ext cx="0" cy="0"/>
-          <a:chOff x="0" y="0"/>
-          <a:chExt cx="0" cy="0"/>
-        </a:xfrm>
-      </p:grpSpPr>
-      <p:sp>
-        <p:nvSpPr>
-          <p:cNvPr id="2" name="Title 1"/>
-          <p:cNvSpPr>
-            <a:spLocks noGrp="1"/>
-          </p:cNvSpPr>
-          <p:nvPr>
-            <p:ph type="title"/>
-          </p:nvPr>
-        </p:nvSpPr>
-        <p:spPr/>
-        <p:txBody>
-          <a:bodyPr/>
-          <a:lstStyle/>
-          <a:p>
-            <a:r>
-              <a:rPr lang="ru-RU" smtClean="0"/>
-              <a:t>Проблема-тизер</a:t>
-            </a:r>
-            <a:endParaRPr lang="en-US"/>
-          </a:p>
-        </p:txBody>
-      </p:sp>
-      <p:sp>
-        <p:nvSpPr>
-          <p:cNvPr id="3" name="Content Placeholder 2"/>
-          <p:cNvSpPr>
-            <a:spLocks noGrp="1"/>
-          </p:cNvSpPr>
-          <p:nvPr>
-            <p:ph idx="1"/>
-          </p:nvPr>
-        </p:nvSpPr>
-        <p:spPr/>
-        <p:txBody>
-          <a:bodyPr/>
-          <a:lstStyle/>
-          <a:p>
-            <a:r>
-              <a:rPr lang="ru-RU" smtClean="0"/>
-              <a:t>Безопасность относительно потоков</a:t>
-            </a:r>
-          </a:p>
-          <a:p>
-            <a:pPr marL="45720" indent="0">
-              <a:buNone/>
-            </a:pPr>
-            <a:r>
-              <a:rPr lang="en-US">
-                <a:latin typeface="Consolas" panose="020B0609020204030204" pitchFamily="49" charset="0"/>
-              </a:rPr>
-              <a:t>template &lt;typename T&gt; shared_ptr&lt;T&gt; getObject(int id) {</a:t>
-            </a:r>
-            <a:br>
-              <a:rPr lang="en-US">
-                <a:latin typeface="Consolas" panose="020B0609020204030204" pitchFamily="49" charset="0"/>
-              </a:rPr>
-            </a:br>
-            <a:r>
-              <a:rPr lang="en-US">
-                <a:latin typeface="Consolas" panose="020B0609020204030204" pitchFamily="49" charset="0"/>
-              </a:rPr>
-              <a:t>  </a:t>
-            </a:r>
-            <a:r>
-              <a:rPr lang="en-US">
-                <a:solidFill>
-                  <a:srgbClr val="FF0000"/>
-                </a:solidFill>
-                <a:latin typeface="Consolas" panose="020B0609020204030204" pitchFamily="49" charset="0"/>
-              </a:rPr>
-              <a:t>static</a:t>
-            </a:r>
-            <a:r>
-              <a:rPr lang="en-US">
-                <a:latin typeface="Consolas" panose="020B0609020204030204" pitchFamily="49" charset="0"/>
-              </a:rPr>
-              <a:t> unordered_map&lt;int, </a:t>
-            </a:r>
-            <a:r>
-              <a:rPr lang="en-US">
-                <a:solidFill>
-                  <a:srgbClr val="0000FF"/>
-                </a:solidFill>
-                <a:latin typeface="Consolas" panose="020B0609020204030204" pitchFamily="49" charset="0"/>
-              </a:rPr>
-              <a:t>weak_ptr&lt;T&gt;</a:t>
-            </a:r>
-            <a:r>
-              <a:rPr lang="en-US">
-                <a:latin typeface="Consolas" panose="020B0609020204030204" pitchFamily="49" charset="0"/>
-              </a:rPr>
-              <a:t>&gt; cache;</a:t>
-            </a:r>
-            <a:br>
-              <a:rPr lang="en-US">
-                <a:latin typeface="Consolas" panose="020B0609020204030204" pitchFamily="49" charset="0"/>
-              </a:rPr>
-            </a:br>
-            <a:r>
-              <a:rPr lang="en-US">
-                <a:latin typeface="Consolas" panose="020B0609020204030204" pitchFamily="49" charset="0"/>
-              </a:rPr>
-              <a:t>  auto result = cache[id].lock();</a:t>
-            </a:r>
-            <a:br>
-              <a:rPr lang="en-US">
-                <a:latin typeface="Consolas" panose="020B0609020204030204" pitchFamily="49" charset="0"/>
-              </a:rPr>
-            </a:br>
-            <a:r>
-              <a:rPr lang="en-US">
-                <a:latin typeface="Consolas" panose="020B0609020204030204" pitchFamily="49" charset="0"/>
-              </a:rPr>
-              <a:t>  if (!result) </a:t>
-            </a:r>
-            <a:br>
-              <a:rPr lang="en-US">
-                <a:latin typeface="Consolas" panose="020B0609020204030204" pitchFamily="49" charset="0"/>
-              </a:rPr>
-            </a:br>
-            <a:r>
-              <a:rPr lang="en-US">
-                <a:latin typeface="Consolas" panose="020B0609020204030204" pitchFamily="49" charset="0"/>
-              </a:rPr>
-              <a:t>    cache[id] = result = createObject&lt;T&gt;(id); </a:t>
-            </a:r>
-            <a:br>
-              <a:rPr lang="en-US">
-                <a:latin typeface="Consolas" panose="020B0609020204030204" pitchFamily="49" charset="0"/>
-              </a:rPr>
-            </a:br>
-            <a:r>
-              <a:rPr lang="en-US">
-                <a:latin typeface="Consolas" panose="020B0609020204030204" pitchFamily="49" charset="0"/>
-              </a:rPr>
-              <a:t>  return result;</a:t>
-            </a:r>
-            <a:br>
-              <a:rPr lang="en-US">
-                <a:latin typeface="Consolas" panose="020B0609020204030204" pitchFamily="49" charset="0"/>
-              </a:rPr>
-            </a:br>
-            <a:r>
-              <a:rPr lang="en-US">
-                <a:latin typeface="Consolas" panose="020B0609020204030204" pitchFamily="49" charset="0"/>
-              </a:rPr>
-              <a:t>}</a:t>
-            </a:r>
-          </a:p>
-          <a:p>
-            <a:r>
-              <a:rPr lang="ru-RU" smtClean="0"/>
-              <a:t>Каждый раз, когда в коде встречается статическая или глобальная переменная, необходимо думать о возможной безопасности относительно потоков</a:t>
-            </a:r>
-            <a:endParaRPr lang="en-US"/>
-          </a:p>
-        </p:txBody>
-      </p:sp>
-    </p:spTree>
-    <p:extLst>
-      <p:ext uri="{BB962C8B-B14F-4D97-AF65-F5344CB8AC3E}">
-        <p14:creationId xmlns:p14="http://schemas.microsoft.com/office/powerpoint/2010/main" val="1401492076"/>
-      </p:ext>
-    </p:extLst>
-  </p:cSld>
-  <p:clrMapOvr>
-    <a:masterClrMapping/>
-  </p:clrMapOvr>
-</p:sld>
-</file>
-
 <file path=ppt/slides/slide64.xml><?xml version="1.0" encoding="utf-8"?>
 <p:sld xmlns:a="http://schemas.openxmlformats.org/drawingml/2006/main" xmlns:r="http://schemas.openxmlformats.org/officeDocument/2006/relationships" xmlns:p="http://schemas.openxmlformats.org/presentationml/2006/main">
   <p:cSld>
@@ -20444,7 +22238,7 @@
           <a:p>
             <a:r>
               <a:rPr lang="ru-RU" smtClean="0"/>
-              <a:t>Решение-тизер</a:t>
+              <a:t>Проблема-тизер</a:t>
             </a:r>
             <a:endParaRPr lang="en-US"/>
           </a:p>
@@ -20460,19 +22254,14 @@
             <p:ph idx="1"/>
           </p:nvPr>
         </p:nvSpPr>
-        <p:spPr>
-          <a:xfrm>
-            <a:off x="1143000" y="2057400"/>
-            <a:ext cx="9872871" cy="4272280"/>
-          </a:xfrm>
-        </p:spPr>
+        <p:spPr/>
         <p:txBody>
           <a:bodyPr/>
           <a:lstStyle/>
           <a:p>
             <a:r>
               <a:rPr lang="ru-RU" smtClean="0"/>
-              <a:t>Пока что без экскурсий в глубину</a:t>
+              <a:t>Безопасность относительно потоков</a:t>
             </a:r>
           </a:p>
           <a:p>
@@ -20494,73 +22283,37 @@
               <a:rPr lang="en-US">
                 <a:latin typeface="Consolas" panose="020B0609020204030204" pitchFamily="49" charset="0"/>
               </a:rPr>
-              <a:t>  static unordered_map&lt;int, weak_ptr&lt;T&gt;&gt; cache</a:t>
-            </a:r>
-            <a:r>
-              <a:rPr lang="en-US" smtClean="0">
-                <a:latin typeface="Consolas" panose="020B0609020204030204" pitchFamily="49" charset="0"/>
-              </a:rPr>
-              <a:t>;</a:t>
-            </a:r>
-            <a:r>
-              <a:rPr lang="ru-RU" smtClean="0">
-                <a:latin typeface="Consolas" panose="020B0609020204030204" pitchFamily="49" charset="0"/>
-              </a:rPr>
-              <a:t/>
-            </a:r>
-            <a:br>
-              <a:rPr lang="ru-RU" smtClean="0">
-                <a:latin typeface="Consolas" panose="020B0609020204030204" pitchFamily="49" charset="0"/>
-              </a:rPr>
-            </a:br>
-            <a:r>
-              <a:rPr lang="ru-RU" smtClean="0">
+              <a:t>  </a:t>
+            </a:r>
+            <a:r>
+              <a:rPr lang="en-US">
+                <a:solidFill>
+                  <a:srgbClr val="FF0000"/>
+                </a:solidFill>
+                <a:latin typeface="Consolas" panose="020B0609020204030204" pitchFamily="49" charset="0"/>
+              </a:rPr>
+              <a:t>static</a:t>
+            </a:r>
+            <a:r>
+              <a:rPr lang="en-US">
+                <a:latin typeface="Consolas" panose="020B0609020204030204" pitchFamily="49" charset="0"/>
+              </a:rPr>
+              <a:t> unordered_map&lt;int, </a:t>
+            </a:r>
+            <a:r>
+              <a:rPr lang="en-US">
                 <a:solidFill>
                   <a:srgbClr val="0000FF"/>
                 </a:solidFill>
                 <a:latin typeface="Consolas" panose="020B0609020204030204" pitchFamily="49" charset="0"/>
               </a:rPr>
-              <a:t>  </a:t>
-            </a:r>
-            <a:r>
-              <a:rPr lang="en-US" smtClean="0">
-                <a:solidFill>
-                  <a:srgbClr val="0000FF"/>
-                </a:solidFill>
-                <a:latin typeface="Consolas" panose="020B0609020204030204" pitchFamily="49" charset="0"/>
-              </a:rPr>
-              <a:t>static mutex mcache;</a:t>
-            </a:r>
-          </a:p>
-          <a:p>
-            <a:pPr marL="45720" indent="0">
-              <a:buNone/>
-            </a:pPr>
-            <a:r>
-              <a:rPr lang="en-US" smtClean="0">
-                <a:solidFill>
-                  <a:srgbClr val="0000FF"/>
-                </a:solidFill>
-                <a:latin typeface="Consolas" panose="020B0609020204030204" pitchFamily="49" charset="0"/>
-              </a:rPr>
-              <a:t>  lock_guard&lt;mutex&gt; hold(mcache);</a:t>
-            </a:r>
-          </a:p>
-          <a:p>
-            <a:pPr marL="45720" indent="0">
-              <a:buNone/>
-            </a:pPr>
-            <a:r>
-              <a:rPr lang="en-US" smtClean="0">
-                <a:latin typeface="Consolas" panose="020B0609020204030204" pitchFamily="49" charset="0"/>
-              </a:rPr>
-              <a:t>  </a:t>
+              <a:t>weak_ptr&lt;T&gt;</a:t>
             </a:r>
             <a:r>
               <a:rPr lang="en-US">
                 <a:latin typeface="Consolas" panose="020B0609020204030204" pitchFamily="49" charset="0"/>
               </a:rPr>
-              <a:t>auto result = cache[id].lock();</a:t>
+              <a:t>&gt; cache;</a:t>
             </a:r>
             <a:br>
               <a:rPr lang="en-US">
@@ -20571,6 +22324,17 @@
               <a:rPr lang="en-US">
                 <a:latin typeface="Consolas" panose="020B0609020204030204" pitchFamily="49" charset="0"/>
               </a:rPr>
+              <a:t>  auto result = cache[id].lock();</a:t>
+            </a:r>
+            <a:br>
+              <a:rPr lang="en-US">
+                <a:latin typeface="Consolas" panose="020B0609020204030204" pitchFamily="49" charset="0"/>
+              </a:rPr>
+            </a:br>
+            <a:r>
+              <a:rPr lang="en-US">
+                <a:latin typeface="Consolas" panose="020B0609020204030204" pitchFamily="49" charset="0"/>
+              </a:rPr>
               <a:t>  if (!result) </a:t>
             </a:r>
             <a:br>
@@ -20601,7 +22365,7 @@
               </a:rPr>
             </a:br>
             <a:r>
-              <a:rPr lang="en-US" smtClean="0">
+              <a:rPr lang="en-US">
                 <a:latin typeface="Consolas" panose="020B0609020204030204" pitchFamily="49" charset="0"/>
               </a:rPr>
               <a:t>}</a:t>
@@ -20610,7 +22374,7 @@
           <a:p>
             <a:r>
               <a:rPr lang="ru-RU" smtClean="0"/>
-              <a:t>У нас будет лекция (и не одна) про то, как это делать правильно</a:t>
+              <a:t>Каждый раз, когда в коде встречается статическая или глобальная переменная, необходимо думать о возможной безопасности относительно потоков</a:t>
             </a:r>
             <a:endParaRPr lang="en-US"/>
           </a:p>
@@ -20619,7 +22383,7 @@
     </p:spTree>
     <p:extLst>
       <p:ext uri="{BB962C8B-B14F-4D97-AF65-F5344CB8AC3E}">
-        <p14:creationId xmlns:p14="http://schemas.microsoft.com/office/powerpoint/2010/main" val="3050857568"/>
+        <p14:creationId xmlns:p14="http://schemas.microsoft.com/office/powerpoint/2010/main" val="1401492076"/>
       </p:ext>
     </p:extLst>
   </p:cSld>
@@ -20662,10 +22426,10 @@
           <a:lstStyle/>
           <a:p>
             <a:r>
-              <a:rPr lang="ru-RU" dirty="0" smtClean="0"/>
-              <a:t>Литература</a:t>
-            </a:r>
-            <a:endParaRPr lang="en-US" dirty="0"/>
+              <a:rPr lang="ru-RU" smtClean="0"/>
+              <a:t>Решение-тизер</a:t>
+            </a:r>
+            <a:endParaRPr lang="en-US"/>
           </a:p>
         </p:txBody>
       </p:sp>
@@ -20679,6 +22443,225 @@
             <p:ph idx="1"/>
           </p:nvPr>
         </p:nvSpPr>
+        <p:spPr>
+          <a:xfrm>
+            <a:off x="1143000" y="2057400"/>
+            <a:ext cx="9872871" cy="4272280"/>
+          </a:xfrm>
+        </p:spPr>
+        <p:txBody>
+          <a:bodyPr/>
+          <a:lstStyle/>
+          <a:p>
+            <a:r>
+              <a:rPr lang="ru-RU" smtClean="0"/>
+              <a:t>Пока что без экскурсий в глубину</a:t>
+            </a:r>
+          </a:p>
+          <a:p>
+            <a:pPr marL="45720" indent="0">
+              <a:buNone/>
+            </a:pPr>
+            <a:r>
+              <a:rPr lang="en-US">
+                <a:latin typeface="Consolas" panose="020B0609020204030204" pitchFamily="49" charset="0"/>
+              </a:rPr>
+              <a:t>template &lt;typename T&gt; shared_ptr&lt;T&gt; getObject(int id) {</a:t>
+            </a:r>
+            <a:br>
+              <a:rPr lang="en-US">
+                <a:latin typeface="Consolas" panose="020B0609020204030204" pitchFamily="49" charset="0"/>
+              </a:rPr>
+            </a:br>
+            <a:r>
+              <a:rPr lang="en-US">
+                <a:latin typeface="Consolas" panose="020B0609020204030204" pitchFamily="49" charset="0"/>
+              </a:rPr>
+              <a:t>  static unordered_map&lt;int, weak_ptr&lt;T&gt;&gt; cache</a:t>
+            </a:r>
+            <a:r>
+              <a:rPr lang="en-US" smtClean="0">
+                <a:latin typeface="Consolas" panose="020B0609020204030204" pitchFamily="49" charset="0"/>
+              </a:rPr>
+              <a:t>;</a:t>
+            </a:r>
+            <a:r>
+              <a:rPr lang="ru-RU" smtClean="0">
+                <a:latin typeface="Consolas" panose="020B0609020204030204" pitchFamily="49" charset="0"/>
+              </a:rPr>
+              <a:t/>
+            </a:r>
+            <a:br>
+              <a:rPr lang="ru-RU" smtClean="0">
+                <a:latin typeface="Consolas" panose="020B0609020204030204" pitchFamily="49" charset="0"/>
+              </a:rPr>
+            </a:br>
+            <a:r>
+              <a:rPr lang="ru-RU" smtClean="0">
+                <a:solidFill>
+                  <a:srgbClr val="0000FF"/>
+                </a:solidFill>
+                <a:latin typeface="Consolas" panose="020B0609020204030204" pitchFamily="49" charset="0"/>
+              </a:rPr>
+              <a:t>  </a:t>
+            </a:r>
+            <a:r>
+              <a:rPr lang="en-US" smtClean="0">
+                <a:solidFill>
+                  <a:srgbClr val="0000FF"/>
+                </a:solidFill>
+                <a:latin typeface="Consolas" panose="020B0609020204030204" pitchFamily="49" charset="0"/>
+              </a:rPr>
+              <a:t>static mutex mcache;</a:t>
+            </a:r>
+          </a:p>
+          <a:p>
+            <a:pPr marL="45720" indent="0">
+              <a:buNone/>
+            </a:pPr>
+            <a:r>
+              <a:rPr lang="en-US" smtClean="0">
+                <a:solidFill>
+                  <a:srgbClr val="0000FF"/>
+                </a:solidFill>
+                <a:latin typeface="Consolas" panose="020B0609020204030204" pitchFamily="49" charset="0"/>
+              </a:rPr>
+              <a:t>  lock_guard&lt;mutex&gt; hold(mcache);</a:t>
+            </a:r>
+          </a:p>
+          <a:p>
+            <a:pPr marL="45720" indent="0">
+              <a:buNone/>
+            </a:pPr>
+            <a:r>
+              <a:rPr lang="en-US" smtClean="0">
+                <a:latin typeface="Consolas" panose="020B0609020204030204" pitchFamily="49" charset="0"/>
+              </a:rPr>
+              <a:t>  </a:t>
+            </a:r>
+            <a:r>
+              <a:rPr lang="en-US">
+                <a:latin typeface="Consolas" panose="020B0609020204030204" pitchFamily="49" charset="0"/>
+              </a:rPr>
+              <a:t>auto result = cache[id].lock();</a:t>
+            </a:r>
+            <a:br>
+              <a:rPr lang="en-US">
+                <a:latin typeface="Consolas" panose="020B0609020204030204" pitchFamily="49" charset="0"/>
+              </a:rPr>
+            </a:br>
+            <a:r>
+              <a:rPr lang="en-US">
+                <a:latin typeface="Consolas" panose="020B0609020204030204" pitchFamily="49" charset="0"/>
+              </a:rPr>
+              <a:t>  if (!result) </a:t>
+            </a:r>
+            <a:br>
+              <a:rPr lang="en-US">
+                <a:latin typeface="Consolas" panose="020B0609020204030204" pitchFamily="49" charset="0"/>
+              </a:rPr>
+            </a:br>
+            <a:r>
+              <a:rPr lang="en-US">
+                <a:latin typeface="Consolas" panose="020B0609020204030204" pitchFamily="49" charset="0"/>
+              </a:rPr>
+              <a:t>    cache[id] = result = createObject&lt;T&gt;(id); </a:t>
+            </a:r>
+            <a:br>
+              <a:rPr lang="en-US">
+                <a:latin typeface="Consolas" panose="020B0609020204030204" pitchFamily="49" charset="0"/>
+              </a:rPr>
+            </a:br>
+            <a:r>
+              <a:rPr lang="en-US">
+                <a:latin typeface="Consolas" panose="020B0609020204030204" pitchFamily="49" charset="0"/>
+              </a:rPr>
+              <a:t>  return result;</a:t>
+            </a:r>
+            <a:br>
+              <a:rPr lang="en-US">
+                <a:latin typeface="Consolas" panose="020B0609020204030204" pitchFamily="49" charset="0"/>
+              </a:rPr>
+            </a:br>
+            <a:r>
+              <a:rPr lang="en-US" smtClean="0">
+                <a:latin typeface="Consolas" panose="020B0609020204030204" pitchFamily="49" charset="0"/>
+              </a:rPr>
+              <a:t>}</a:t>
+            </a:r>
+          </a:p>
+          <a:p>
+            <a:r>
+              <a:rPr lang="ru-RU" smtClean="0"/>
+              <a:t>У нас будет лекция (и не одна) про то, как это делать правильно</a:t>
+            </a:r>
+            <a:endParaRPr lang="en-US"/>
+          </a:p>
+        </p:txBody>
+      </p:sp>
+    </p:spTree>
+    <p:extLst>
+      <p:ext uri="{BB962C8B-B14F-4D97-AF65-F5344CB8AC3E}">
+        <p14:creationId xmlns:p14="http://schemas.microsoft.com/office/powerpoint/2010/main" val="3050857568"/>
+      </p:ext>
+    </p:extLst>
+  </p:cSld>
+  <p:clrMapOvr>
+    <a:masterClrMapping/>
+  </p:clrMapOvr>
+</p:sld>
+</file>
+
+<file path=ppt/slides/slide66.xml><?xml version="1.0" encoding="utf-8"?>
+<p:sld xmlns:a="http://schemas.openxmlformats.org/drawingml/2006/main" xmlns:r="http://schemas.openxmlformats.org/officeDocument/2006/relationships" xmlns:p="http://schemas.openxmlformats.org/presentationml/2006/main">
+  <p:cSld>
+    <p:spTree>
+      <p:nvGrpSpPr>
+        <p:cNvPr id="1" name=""/>
+        <p:cNvGrpSpPr/>
+        <p:nvPr/>
+      </p:nvGrpSpPr>
+      <p:grpSpPr>
+        <a:xfrm>
+          <a:off x="0" y="0"/>
+          <a:ext cx="0" cy="0"/>
+          <a:chOff x="0" y="0"/>
+          <a:chExt cx="0" cy="0"/>
+        </a:xfrm>
+      </p:grpSpPr>
+      <p:sp>
+        <p:nvSpPr>
+          <p:cNvPr id="2" name="Title 1"/>
+          <p:cNvSpPr>
+            <a:spLocks noGrp="1"/>
+          </p:cNvSpPr>
+          <p:nvPr>
+            <p:ph type="title"/>
+          </p:nvPr>
+        </p:nvSpPr>
+        <p:spPr/>
+        <p:txBody>
+          <a:bodyPr/>
+          <a:lstStyle/>
+          <a:p>
+            <a:r>
+              <a:rPr lang="ru-RU" dirty="0" smtClean="0"/>
+              <a:t>Литература</a:t>
+            </a:r>
+            <a:endParaRPr lang="en-US" dirty="0"/>
+          </a:p>
+        </p:txBody>
+      </p:sp>
+      <p:sp>
+        <p:nvSpPr>
+          <p:cNvPr id="3" name="Content Placeholder 2"/>
+          <p:cNvSpPr>
+            <a:spLocks noGrp="1"/>
+          </p:cNvSpPr>
+          <p:nvPr>
+            <p:ph idx="1"/>
+          </p:nvPr>
+        </p:nvSpPr>
         <p:spPr/>
         <p:txBody>
           <a:bodyPr/>
@@ -20693,8 +22676,12 @@
           <a:p>
             <a:pPr lvl="0"/>
             <a:r>
+              <a:rPr lang="en-US"/>
+              <a:t>Bjarne Stroustrup, The </a:t>
+            </a:r>
+            <a:r>
               <a:rPr lang="en-US" dirty="0"/>
-              <a:t>The C++ Programming Language (4th </a:t>
+              <a:t>C++ Programming Language (4th </a:t>
             </a:r>
             <a:r>
               <a:rPr lang="en-US"/>
@@ -20703,6 +22690,98 @@
             <a:r>
               <a:rPr lang="en-US" smtClean="0"/>
               <a:t>)</a:t>
+            </a:r>
+            <a:endParaRPr lang="ru-RU" smtClean="0"/>
+          </a:p>
+          <a:p>
+            <a:pPr lvl="0"/>
+            <a:r>
+              <a:rPr lang="en-US"/>
+              <a:t>Scott Meyers</a:t>
+            </a:r>
+            <a:r>
+              <a:rPr lang="en-US"/>
+              <a:t>, </a:t>
+            </a:r>
+            <a:r>
+              <a:rPr lang="en-US" smtClean="0"/>
+              <a:t>"Effective </a:t>
+            </a:r>
+            <a:r>
+              <a:rPr lang="en-US"/>
+              <a:t>Modern C++: </a:t>
+            </a:r>
+            <a:r>
+              <a:rPr lang="en-US"/>
+              <a:t>42 </a:t>
+            </a:r>
+            <a:r>
+              <a:rPr lang="en-US" smtClean="0"/>
+              <a:t>Specific</a:t>
+            </a:r>
+            <a:r>
+              <a:rPr lang="ru-RU" smtClean="0"/>
+              <a:t> </a:t>
+            </a:r>
+            <a:r>
+              <a:rPr lang="en-US" smtClean="0"/>
+              <a:t>Ways </a:t>
+            </a:r>
+            <a:r>
+              <a:rPr lang="en-US"/>
+              <a:t>to Improve Your Use of C++11 and C</a:t>
+            </a:r>
+            <a:r>
+              <a:rPr lang="en-US"/>
+              <a:t>++</a:t>
+            </a:r>
+            <a:r>
+              <a:rPr lang="en-US" smtClean="0"/>
+              <a:t>14"</a:t>
+            </a:r>
+          </a:p>
+          <a:p>
+            <a:r>
+              <a:rPr lang="en-US"/>
+              <a:t>Nicolai M. Josuttis,  The C++ Standard Library - A Tutorial and Reference, 2nd Edition , Addison-Wesley</a:t>
+            </a:r>
+            <a:r>
+              <a:rPr lang="en-US"/>
+              <a:t>, </a:t>
+            </a:r>
+            <a:r>
+              <a:rPr lang="en-US" smtClean="0"/>
+              <a:t>2012</a:t>
+            </a:r>
+          </a:p>
+          <a:p>
+            <a:pPr lvl="0"/>
+            <a:r>
+              <a:rPr lang="en-US"/>
+              <a:t>Stanley </a:t>
+            </a:r>
+            <a:r>
+              <a:rPr lang="en-US" smtClean="0"/>
+              <a:t>Lippman, C</a:t>
+            </a:r>
+            <a:r>
+              <a:rPr lang="en-US"/>
+              <a:t>++ Primer (5th </a:t>
+            </a:r>
+            <a:r>
+              <a:rPr lang="en-US"/>
+              <a:t>Edition</a:t>
+            </a:r>
+            <a:r>
+              <a:rPr lang="en-US" smtClean="0"/>
+              <a:t>)</a:t>
+            </a:r>
+          </a:p>
+          <a:p>
+            <a:pPr lvl="0"/>
+            <a:r>
+              <a:rPr lang="en-US"/>
+              <a:t>Barteks coding blog on smart pointers: http://www.bfilipek.com/2016/04/custom-deleters-for-c-smart-pointers.html</a:t>
             </a:r>
             <a:endParaRPr lang="en-US" dirty="0"/>
           </a:p>
@@ -21173,11 +23252,7 @@
           <a:p>
             <a:r>
               <a:rPr lang="ru-RU" smtClean="0"/>
-              <a:t>Это решение </a:t>
-            </a:r>
-            <a:r>
-              <a:rPr lang="ru-RU" smtClean="0"/>
-              <a:t>известно</a:t>
+              <a:t>Это решение известно</a:t>
             </a:r>
             <a:r>
               <a:rPr lang="en-US" smtClean="0"/>
@@ -21185,11 +23260,7 @@
             </a:r>
             <a:r>
               <a:rPr lang="ru-RU" smtClean="0"/>
-              <a:t>в том числе </a:t>
-            </a:r>
-            <a:r>
-              <a:rPr lang="ru-RU" smtClean="0"/>
-              <a:t>как </a:t>
+              <a:t>в том числе как </a:t>
             </a:r>
             <a:r>
               <a:rPr lang="en-US" smtClean="0">
@@ -21515,11 +23586,7 @@
             </a:r>
             <a:r>
               <a:rPr lang="ru-RU" smtClean="0"/>
-              <a:t>вполне безопасен и профессионален, но </a:t>
-            </a:r>
-            <a:r>
-              <a:rPr lang="ru-RU" smtClean="0"/>
-              <a:t>ограничен пределами области видимости</a:t>
+              <a:t>вполне безопасен и профессионален, но ограничен пределами области видимости</a:t>
             </a:r>
             <a:endParaRPr lang="en-US"/>
           </a:p>

--- a/trunk/slides/sep2017/05-smartptrs.pptx
+++ b/trunk/slides/sep2017/05-smartptrs.pptx
@@ -4,6 +4,9 @@
   <p:sldMasterIdLst>
     <p:sldMasterId id="2147483684" r:id="rId1"/>
   </p:sldMasterIdLst>
+  <p:notesMasterIdLst>
+    <p:notesMasterId r:id="rId77"/>
+  </p:notesMasterIdLst>
   <p:sldIdLst>
     <p:sldId id="256" r:id="rId2"/>
     <p:sldId id="257" r:id="rId3"/>
@@ -64,13 +67,22 @@
     <p:sldId id="308" r:id="rId58"/>
     <p:sldId id="307" r:id="rId59"/>
     <p:sldId id="310" r:id="rId60"/>
-    <p:sldId id="313" r:id="rId61"/>
-    <p:sldId id="319" r:id="rId62"/>
-    <p:sldId id="315" r:id="rId63"/>
-    <p:sldId id="309" r:id="rId64"/>
-    <p:sldId id="311" r:id="rId65"/>
-    <p:sldId id="312" r:id="rId66"/>
-    <p:sldId id="258" r:id="rId67"/>
+    <p:sldId id="327" r:id="rId61"/>
+    <p:sldId id="328" r:id="rId62"/>
+    <p:sldId id="313" r:id="rId63"/>
+    <p:sldId id="319" r:id="rId64"/>
+    <p:sldId id="315" r:id="rId65"/>
+    <p:sldId id="309" r:id="rId66"/>
+    <p:sldId id="311" r:id="rId67"/>
+    <p:sldId id="312" r:id="rId68"/>
+    <p:sldId id="331" r:id="rId69"/>
+    <p:sldId id="332" r:id="rId70"/>
+    <p:sldId id="258" r:id="rId71"/>
+    <p:sldId id="329" r:id="rId72"/>
+    <p:sldId id="330" r:id="rId73"/>
+    <p:sldId id="333" r:id="rId74"/>
+    <p:sldId id="334" r:id="rId75"/>
+    <p:sldId id="335" r:id="rId76"/>
   </p:sldIdLst>
   <p:sldSz cx="12192000" cy="6858000"/>
   <p:notesSz cx="6858000" cy="9144000"/>
@@ -177,6 +189,524 @@
 </p:presentation>
 </file>
 
+<file path=ppt/notesMasters/notesMaster1.xml><?xml version="1.0" encoding="utf-8"?>
+<p:notesMaster xmlns:a="http://schemas.openxmlformats.org/drawingml/2006/main" xmlns:r="http://schemas.openxmlformats.org/officeDocument/2006/relationships" xmlns:p="http://schemas.openxmlformats.org/presentationml/2006/main">
+  <p:cSld>
+    <p:bg>
+      <p:bgRef idx="1001">
+        <a:schemeClr val="bg1"/>
+      </p:bgRef>
+    </p:bg>
+    <p:spTree>
+      <p:nvGrpSpPr>
+        <p:cNvPr id="1" name=""/>
+        <p:cNvGrpSpPr/>
+        <p:nvPr/>
+      </p:nvGrpSpPr>
+      <p:grpSpPr>
+        <a:xfrm>
+          <a:off x="0" y="0"/>
+          <a:ext cx="0" cy="0"/>
+          <a:chOff x="0" y="0"/>
+          <a:chExt cx="0" cy="0"/>
+        </a:xfrm>
+      </p:grpSpPr>
+      <p:sp>
+        <p:nvSpPr>
+          <p:cNvPr id="2" name="Header Placeholder 1"/>
+          <p:cNvSpPr>
+            <a:spLocks noGrp="1"/>
+          </p:cNvSpPr>
+          <p:nvPr>
+            <p:ph type="hdr" sz="quarter"/>
+          </p:nvPr>
+        </p:nvSpPr>
+        <p:spPr>
+          <a:xfrm>
+            <a:off x="0" y="0"/>
+            <a:ext cx="2971800" cy="458788"/>
+          </a:xfrm>
+          <a:prstGeom prst="rect">
+            <a:avLst/>
+          </a:prstGeom>
+        </p:spPr>
+        <p:txBody>
+          <a:bodyPr vert="horz" lIns="91440" tIns="45720" rIns="91440" bIns="45720" rtlCol="0"/>
+          <a:lstStyle>
+            <a:lvl1pPr algn="l">
+              <a:defRPr sz="1200"/>
+            </a:lvl1pPr>
+          </a:lstStyle>
+          <a:p>
+            <a:endParaRPr lang="en-US"/>
+          </a:p>
+        </p:txBody>
+      </p:sp>
+      <p:sp>
+        <p:nvSpPr>
+          <p:cNvPr id="3" name="Date Placeholder 2"/>
+          <p:cNvSpPr>
+            <a:spLocks noGrp="1"/>
+          </p:cNvSpPr>
+          <p:nvPr>
+            <p:ph type="dt" idx="1"/>
+          </p:nvPr>
+        </p:nvSpPr>
+        <p:spPr>
+          <a:xfrm>
+            <a:off x="3884613" y="0"/>
+            <a:ext cx="2971800" cy="458788"/>
+          </a:xfrm>
+          <a:prstGeom prst="rect">
+            <a:avLst/>
+          </a:prstGeom>
+        </p:spPr>
+        <p:txBody>
+          <a:bodyPr vert="horz" lIns="91440" tIns="45720" rIns="91440" bIns="45720" rtlCol="0"/>
+          <a:lstStyle>
+            <a:lvl1pPr algn="r">
+              <a:defRPr sz="1200"/>
+            </a:lvl1pPr>
+          </a:lstStyle>
+          <a:p>
+            <a:fld id="{21D50A72-3986-41CB-A137-28D80D9AC371}" type="datetimeFigureOut">
+              <a:rPr lang="en-US" smtClean="0"/>
+              <a:t>10/24/2017</a:t>
+            </a:fld>
+            <a:endParaRPr lang="en-US"/>
+          </a:p>
+        </p:txBody>
+      </p:sp>
+      <p:sp>
+        <p:nvSpPr>
+          <p:cNvPr id="4" name="Slide Image Placeholder 3"/>
+          <p:cNvSpPr>
+            <a:spLocks noGrp="1" noRot="1" noChangeAspect="1"/>
+          </p:cNvSpPr>
+          <p:nvPr>
+            <p:ph type="sldImg" idx="2"/>
+          </p:nvPr>
+        </p:nvSpPr>
+        <p:spPr>
+          <a:xfrm>
+            <a:off x="685800" y="1143000"/>
+            <a:ext cx="5486400" cy="3086100"/>
+          </a:xfrm>
+          <a:prstGeom prst="rect">
+            <a:avLst/>
+          </a:prstGeom>
+          <a:noFill/>
+          <a:ln w="12700">
+            <a:solidFill>
+              <a:prstClr val="black"/>
+            </a:solidFill>
+          </a:ln>
+        </p:spPr>
+        <p:txBody>
+          <a:bodyPr vert="horz" lIns="91440" tIns="45720" rIns="91440" bIns="45720" rtlCol="0" anchor="ctr"/>
+          <a:lstStyle/>
+          <a:p>
+            <a:endParaRPr lang="en-US"/>
+          </a:p>
+        </p:txBody>
+      </p:sp>
+      <p:sp>
+        <p:nvSpPr>
+          <p:cNvPr id="5" name="Notes Placeholder 4"/>
+          <p:cNvSpPr>
+            <a:spLocks noGrp="1"/>
+          </p:cNvSpPr>
+          <p:nvPr>
+            <p:ph type="body" sz="quarter" idx="3"/>
+          </p:nvPr>
+        </p:nvSpPr>
+        <p:spPr>
+          <a:xfrm>
+            <a:off x="685800" y="4400550"/>
+            <a:ext cx="5486400" cy="3600450"/>
+          </a:xfrm>
+          <a:prstGeom prst="rect">
+            <a:avLst/>
+          </a:prstGeom>
+        </p:spPr>
+        <p:txBody>
+          <a:bodyPr vert="horz" lIns="91440" tIns="45720" rIns="91440" bIns="45720" rtlCol="0"/>
+          <a:lstStyle/>
+          <a:p>
+            <a:pPr lvl="0"/>
+            <a:r>
+              <a:rPr lang="en-US" smtClean="0"/>
+              <a:t>Click to edit Master text styles</a:t>
+            </a:r>
+          </a:p>
+          <a:p>
+            <a:pPr lvl="1"/>
+            <a:r>
+              <a:rPr lang="en-US" smtClean="0"/>
+              <a:t>Second level</a:t>
+            </a:r>
+          </a:p>
+          <a:p>
+            <a:pPr lvl="2"/>
+            <a:r>
+              <a:rPr lang="en-US" smtClean="0"/>
+              <a:t>Third level</a:t>
+            </a:r>
+          </a:p>
+          <a:p>
+            <a:pPr lvl="3"/>
+            <a:r>
+              <a:rPr lang="en-US" smtClean="0"/>
+              <a:t>Fourth level</a:t>
+            </a:r>
+          </a:p>
+          <a:p>
+            <a:pPr lvl="4"/>
+            <a:r>
+              <a:rPr lang="en-US" smtClean="0"/>
+              <a:t>Fifth level</a:t>
+            </a:r>
+            <a:endParaRPr lang="en-US"/>
+          </a:p>
+        </p:txBody>
+      </p:sp>
+      <p:sp>
+        <p:nvSpPr>
+          <p:cNvPr id="6" name="Footer Placeholder 5"/>
+          <p:cNvSpPr>
+            <a:spLocks noGrp="1"/>
+          </p:cNvSpPr>
+          <p:nvPr>
+            <p:ph type="ftr" sz="quarter" idx="4"/>
+          </p:nvPr>
+        </p:nvSpPr>
+        <p:spPr>
+          <a:xfrm>
+            <a:off x="0" y="8685213"/>
+            <a:ext cx="2971800" cy="458787"/>
+          </a:xfrm>
+          <a:prstGeom prst="rect">
+            <a:avLst/>
+          </a:prstGeom>
+        </p:spPr>
+        <p:txBody>
+          <a:bodyPr vert="horz" lIns="91440" tIns="45720" rIns="91440" bIns="45720" rtlCol="0" anchor="b"/>
+          <a:lstStyle>
+            <a:lvl1pPr algn="l">
+              <a:defRPr sz="1200"/>
+            </a:lvl1pPr>
+          </a:lstStyle>
+          <a:p>
+            <a:endParaRPr lang="en-US"/>
+          </a:p>
+        </p:txBody>
+      </p:sp>
+      <p:sp>
+        <p:nvSpPr>
+          <p:cNvPr id="7" name="Slide Number Placeholder 6"/>
+          <p:cNvSpPr>
+            <a:spLocks noGrp="1"/>
+          </p:cNvSpPr>
+          <p:nvPr>
+            <p:ph type="sldNum" sz="quarter" idx="5"/>
+          </p:nvPr>
+        </p:nvSpPr>
+        <p:spPr>
+          <a:xfrm>
+            <a:off x="3884613" y="8685213"/>
+            <a:ext cx="2971800" cy="458787"/>
+          </a:xfrm>
+          <a:prstGeom prst="rect">
+            <a:avLst/>
+          </a:prstGeom>
+        </p:spPr>
+        <p:txBody>
+          <a:bodyPr vert="horz" lIns="91440" tIns="45720" rIns="91440" bIns="45720" rtlCol="0" anchor="b"/>
+          <a:lstStyle>
+            <a:lvl1pPr algn="r">
+              <a:defRPr sz="1200"/>
+            </a:lvl1pPr>
+          </a:lstStyle>
+          <a:p>
+            <a:fld id="{B6EF97DC-3C71-40A2-B73C-10154085259A}" type="slidenum">
+              <a:rPr lang="en-US" smtClean="0"/>
+              <a:t>‹#›</a:t>
+            </a:fld>
+            <a:endParaRPr lang="en-US"/>
+          </a:p>
+        </p:txBody>
+      </p:sp>
+    </p:spTree>
+    <p:extLst>
+      <p:ext uri="{BB962C8B-B14F-4D97-AF65-F5344CB8AC3E}">
+        <p14:creationId xmlns:p14="http://schemas.microsoft.com/office/powerpoint/2010/main" val="2784521871"/>
+      </p:ext>
+    </p:extLst>
+  </p:cSld>
+  <p:clrMap bg1="lt1" tx1="dk1" bg2="lt2" tx2="dk2" accent1="accent1" accent2="accent2" accent3="accent3" accent4="accent4" accent5="accent5" accent6="accent6" hlink="hlink" folHlink="folHlink"/>
+  <p:notesStyle>
+    <a:lvl1pPr marL="0" algn="l" defTabSz="914400" rtl="0" eaLnBrk="1" latinLnBrk="0" hangingPunct="1">
+      <a:defRPr sz="1200" kern="1200">
+        <a:solidFill>
+          <a:schemeClr val="tx1"/>
+        </a:solidFill>
+        <a:latin typeface="+mn-lt"/>
+        <a:ea typeface="+mn-ea"/>
+        <a:cs typeface="+mn-cs"/>
+      </a:defRPr>
+    </a:lvl1pPr>
+    <a:lvl2pPr marL="457200" algn="l" defTabSz="914400" rtl="0" eaLnBrk="1" latinLnBrk="0" hangingPunct="1">
+      <a:defRPr sz="1200" kern="1200">
+        <a:solidFill>
+          <a:schemeClr val="tx1"/>
+        </a:solidFill>
+        <a:latin typeface="+mn-lt"/>
+        <a:ea typeface="+mn-ea"/>
+        <a:cs typeface="+mn-cs"/>
+      </a:defRPr>
+    </a:lvl2pPr>
+    <a:lvl3pPr marL="914400" algn="l" defTabSz="914400" rtl="0" eaLnBrk="1" latinLnBrk="0" hangingPunct="1">
+      <a:defRPr sz="1200" kern="1200">
+        <a:solidFill>
+          <a:schemeClr val="tx1"/>
+        </a:solidFill>
+        <a:latin typeface="+mn-lt"/>
+        <a:ea typeface="+mn-ea"/>
+        <a:cs typeface="+mn-cs"/>
+      </a:defRPr>
+    </a:lvl3pPr>
+    <a:lvl4pPr marL="1371600" algn="l" defTabSz="914400" rtl="0" eaLnBrk="1" latinLnBrk="0" hangingPunct="1">
+      <a:defRPr sz="1200" kern="1200">
+        <a:solidFill>
+          <a:schemeClr val="tx1"/>
+        </a:solidFill>
+        <a:latin typeface="+mn-lt"/>
+        <a:ea typeface="+mn-ea"/>
+        <a:cs typeface="+mn-cs"/>
+      </a:defRPr>
+    </a:lvl4pPr>
+    <a:lvl5pPr marL="1828800" algn="l" defTabSz="914400" rtl="0" eaLnBrk="1" latinLnBrk="0" hangingPunct="1">
+      <a:defRPr sz="1200" kern="1200">
+        <a:solidFill>
+          <a:schemeClr val="tx1"/>
+        </a:solidFill>
+        <a:latin typeface="+mn-lt"/>
+        <a:ea typeface="+mn-ea"/>
+        <a:cs typeface="+mn-cs"/>
+      </a:defRPr>
+    </a:lvl5pPr>
+    <a:lvl6pPr marL="2286000" algn="l" defTabSz="914400" rtl="0" eaLnBrk="1" latinLnBrk="0" hangingPunct="1">
+      <a:defRPr sz="1200" kern="1200">
+        <a:solidFill>
+          <a:schemeClr val="tx1"/>
+        </a:solidFill>
+        <a:latin typeface="+mn-lt"/>
+        <a:ea typeface="+mn-ea"/>
+        <a:cs typeface="+mn-cs"/>
+      </a:defRPr>
+    </a:lvl6pPr>
+    <a:lvl7pPr marL="2743200" algn="l" defTabSz="914400" rtl="0" eaLnBrk="1" latinLnBrk="0" hangingPunct="1">
+      <a:defRPr sz="1200" kern="1200">
+        <a:solidFill>
+          <a:schemeClr val="tx1"/>
+        </a:solidFill>
+        <a:latin typeface="+mn-lt"/>
+        <a:ea typeface="+mn-ea"/>
+        <a:cs typeface="+mn-cs"/>
+      </a:defRPr>
+    </a:lvl7pPr>
+    <a:lvl8pPr marL="3200400" algn="l" defTabSz="914400" rtl="0" eaLnBrk="1" latinLnBrk="0" hangingPunct="1">
+      <a:defRPr sz="1200" kern="1200">
+        <a:solidFill>
+          <a:schemeClr val="tx1"/>
+        </a:solidFill>
+        <a:latin typeface="+mn-lt"/>
+        <a:ea typeface="+mn-ea"/>
+        <a:cs typeface="+mn-cs"/>
+      </a:defRPr>
+    </a:lvl8pPr>
+    <a:lvl9pPr marL="3657600" algn="l" defTabSz="914400" rtl="0" eaLnBrk="1" latinLnBrk="0" hangingPunct="1">
+      <a:defRPr sz="1200" kern="1200">
+        <a:solidFill>
+          <a:schemeClr val="tx1"/>
+        </a:solidFill>
+        <a:latin typeface="+mn-lt"/>
+        <a:ea typeface="+mn-ea"/>
+        <a:cs typeface="+mn-cs"/>
+      </a:defRPr>
+    </a:lvl9pPr>
+  </p:notesStyle>
+</p:notesMaster>
+</file>
+
+<file path=ppt/notesSlides/notesSlide1.xml><?xml version="1.0" encoding="utf-8"?>
+<p:notes xmlns:a="http://schemas.openxmlformats.org/drawingml/2006/main" xmlns:r="http://schemas.openxmlformats.org/officeDocument/2006/relationships" xmlns:p="http://schemas.openxmlformats.org/presentationml/2006/main">
+  <p:cSld>
+    <p:spTree>
+      <p:nvGrpSpPr>
+        <p:cNvPr id="1" name=""/>
+        <p:cNvGrpSpPr/>
+        <p:nvPr/>
+      </p:nvGrpSpPr>
+      <p:grpSpPr>
+        <a:xfrm>
+          <a:off x="0" y="0"/>
+          <a:ext cx="0" cy="0"/>
+          <a:chOff x="0" y="0"/>
+          <a:chExt cx="0" cy="0"/>
+        </a:xfrm>
+      </p:grpSpPr>
+      <p:sp>
+        <p:nvSpPr>
+          <p:cNvPr id="2" name="Slide Image Placeholder 1"/>
+          <p:cNvSpPr>
+            <a:spLocks noGrp="1" noRot="1" noChangeAspect="1"/>
+          </p:cNvSpPr>
+          <p:nvPr>
+            <p:ph type="sldImg"/>
+          </p:nvPr>
+        </p:nvSpPr>
+        <p:spPr/>
+      </p:sp>
+      <p:sp>
+        <p:nvSpPr>
+          <p:cNvPr id="3" name="Notes Placeholder 2"/>
+          <p:cNvSpPr>
+            <a:spLocks noGrp="1"/>
+          </p:cNvSpPr>
+          <p:nvPr>
+            <p:ph type="body" idx="1"/>
+          </p:nvPr>
+        </p:nvSpPr>
+        <p:spPr/>
+        <p:txBody>
+          <a:bodyPr/>
+          <a:lstStyle/>
+          <a:p>
+            <a:endParaRPr lang="en-US"/>
+          </a:p>
+        </p:txBody>
+      </p:sp>
+      <p:sp>
+        <p:nvSpPr>
+          <p:cNvPr id="4" name="Slide Number Placeholder 3"/>
+          <p:cNvSpPr>
+            <a:spLocks noGrp="1"/>
+          </p:cNvSpPr>
+          <p:nvPr>
+            <p:ph type="sldNum" sz="quarter" idx="10"/>
+          </p:nvPr>
+        </p:nvSpPr>
+        <p:spPr/>
+        <p:txBody>
+          <a:bodyPr/>
+          <a:lstStyle/>
+          <a:p>
+            <a:fld id="{B6EF97DC-3C71-40A2-B73C-10154085259A}" type="slidenum">
+              <a:rPr lang="en-US" smtClean="0"/>
+              <a:t>25</a:t>
+            </a:fld>
+            <a:endParaRPr lang="en-US"/>
+          </a:p>
+        </p:txBody>
+      </p:sp>
+    </p:spTree>
+    <p:extLst>
+      <p:ext uri="{BB962C8B-B14F-4D97-AF65-F5344CB8AC3E}">
+        <p14:creationId xmlns:p14="http://schemas.microsoft.com/office/powerpoint/2010/main" val="3334727135"/>
+      </p:ext>
+    </p:extLst>
+  </p:cSld>
+  <p:clrMapOvr>
+    <a:masterClrMapping/>
+  </p:clrMapOvr>
+</p:notes>
+</file>
+
+<file path=ppt/notesSlides/notesSlide2.xml><?xml version="1.0" encoding="utf-8"?>
+<p:notes xmlns:a="http://schemas.openxmlformats.org/drawingml/2006/main" xmlns:r="http://schemas.openxmlformats.org/officeDocument/2006/relationships" xmlns:p="http://schemas.openxmlformats.org/presentationml/2006/main">
+  <p:cSld>
+    <p:spTree>
+      <p:nvGrpSpPr>
+        <p:cNvPr id="1" name=""/>
+        <p:cNvGrpSpPr/>
+        <p:nvPr/>
+      </p:nvGrpSpPr>
+      <p:grpSpPr>
+        <a:xfrm>
+          <a:off x="0" y="0"/>
+          <a:ext cx="0" cy="0"/>
+          <a:chOff x="0" y="0"/>
+          <a:chExt cx="0" cy="0"/>
+        </a:xfrm>
+      </p:grpSpPr>
+      <p:sp>
+        <p:nvSpPr>
+          <p:cNvPr id="2" name="Slide Image Placeholder 1"/>
+          <p:cNvSpPr>
+            <a:spLocks noGrp="1" noRot="1" noChangeAspect="1"/>
+          </p:cNvSpPr>
+          <p:nvPr>
+            <p:ph type="sldImg"/>
+          </p:nvPr>
+        </p:nvSpPr>
+        <p:spPr/>
+      </p:sp>
+      <p:sp>
+        <p:nvSpPr>
+          <p:cNvPr id="3" name="Notes Placeholder 2"/>
+          <p:cNvSpPr>
+            <a:spLocks noGrp="1"/>
+          </p:cNvSpPr>
+          <p:nvPr>
+            <p:ph type="body" idx="1"/>
+          </p:nvPr>
+        </p:nvSpPr>
+        <p:spPr/>
+        <p:txBody>
+          <a:bodyPr/>
+          <a:lstStyle/>
+          <a:p>
+            <a:endParaRPr lang="en-US"/>
+          </a:p>
+        </p:txBody>
+      </p:sp>
+      <p:sp>
+        <p:nvSpPr>
+          <p:cNvPr id="4" name="Slide Number Placeholder 3"/>
+          <p:cNvSpPr>
+            <a:spLocks noGrp="1"/>
+          </p:cNvSpPr>
+          <p:nvPr>
+            <p:ph type="sldNum" sz="quarter" idx="10"/>
+          </p:nvPr>
+        </p:nvSpPr>
+        <p:spPr/>
+        <p:txBody>
+          <a:bodyPr/>
+          <a:lstStyle/>
+          <a:p>
+            <a:fld id="{B6EF97DC-3C71-40A2-B73C-10154085259A}" type="slidenum">
+              <a:rPr lang="en-US" smtClean="0"/>
+              <a:t>70</a:t>
+            </a:fld>
+            <a:endParaRPr lang="en-US"/>
+          </a:p>
+        </p:txBody>
+      </p:sp>
+    </p:spTree>
+    <p:extLst>
+      <p:ext uri="{BB962C8B-B14F-4D97-AF65-F5344CB8AC3E}">
+        <p14:creationId xmlns:p14="http://schemas.microsoft.com/office/powerpoint/2010/main" val="1661795071"/>
+      </p:ext>
+    </p:extLst>
+  </p:cSld>
+  <p:clrMapOvr>
+    <a:masterClrMapping/>
+  </p:clrMapOvr>
+</p:notes>
+</file>
+
 <file path=ppt/slideLayouts/slideLayout1.xml><?xml version="1.0" encoding="utf-8"?>
 <p:sldLayout xmlns:a="http://schemas.openxmlformats.org/drawingml/2006/main" xmlns:r="http://schemas.openxmlformats.org/officeDocument/2006/relationships" xmlns:p="http://schemas.openxmlformats.org/presentationml/2006/main" type="title" preserve="1">
   <p:cSld name="Title Slide">
@@ -371,10 +901,9 @@
             </a:lvl1pPr>
           </a:lstStyle>
           <a:p>
-            <a:fld id="{96DFF08F-DC6B-4601-B491-B0F83F6DD2DA}" type="datetimeFigureOut">
-              <a:rPr lang="en-US" dirty="0"/>
-              <a:pPr/>
-              <a:t>10/17/2017</a:t>
+            <a:fld id="{49BDB67B-6C72-4CCB-8A1F-2E412310B470}" type="datetime1">
+              <a:rPr lang="en-US" smtClean="0"/>
+              <a:t>10/24/2017</a:t>
             </a:fld>
             <a:endParaRPr lang="en-US" dirty="0"/>
           </a:p>
@@ -589,9 +1118,9 @@
           <a:bodyPr/>
           <a:lstStyle/>
           <a:p>
-            <a:fld id="{96DFF08F-DC6B-4601-B491-B0F83F6DD2DA}" type="datetimeFigureOut">
-              <a:rPr lang="en-US" dirty="0"/>
-              <a:t>10/17/2017</a:t>
+            <a:fld id="{857A66B1-B7CF-4260-A162-F8D02C31531B}" type="datetime1">
+              <a:rPr lang="en-US" smtClean="0"/>
+              <a:t>10/24/2017</a:t>
             </a:fld>
             <a:endParaRPr lang="en-US" dirty="0"/>
           </a:p>
@@ -764,9 +1293,9 @@
           <a:bodyPr/>
           <a:lstStyle/>
           <a:p>
-            <a:fld id="{96DFF08F-DC6B-4601-B491-B0F83F6DD2DA}" type="datetimeFigureOut">
-              <a:rPr lang="en-US" dirty="0"/>
-              <a:t>10/17/2017</a:t>
+            <a:fld id="{6616E464-19A7-4248-BA9A-E861D3DD9D26}" type="datetime1">
+              <a:rPr lang="en-US" smtClean="0"/>
+              <a:t>10/24/2017</a:t>
             </a:fld>
             <a:endParaRPr lang="en-US" dirty="0"/>
           </a:p>
@@ -929,9 +1458,9 @@
           <a:bodyPr/>
           <a:lstStyle/>
           <a:p>
-            <a:fld id="{96DFF08F-DC6B-4601-B491-B0F83F6DD2DA}" type="datetimeFigureOut">
-              <a:rPr lang="en-US" dirty="0"/>
-              <a:t>10/17/2017</a:t>
+            <a:fld id="{BC2C4D29-ADB5-4F1E-A930-55D627129F45}" type="datetime1">
+              <a:rPr lang="en-US" smtClean="0"/>
+              <a:t>10/24/2017</a:t>
             </a:fld>
             <a:endParaRPr lang="en-US" dirty="0"/>
           </a:p>
@@ -1175,9 +1704,9 @@
           <a:bodyPr/>
           <a:lstStyle/>
           <a:p>
-            <a:fld id="{96DFF08F-DC6B-4601-B491-B0F83F6DD2DA}" type="datetimeFigureOut">
-              <a:rPr lang="en-US" dirty="0"/>
-              <a:t>10/17/2017</a:t>
+            <a:fld id="{22F80F1B-91BE-4204-B307-6587AEFA64E3}" type="datetime1">
+              <a:rPr lang="en-US" smtClean="0"/>
+              <a:t>10/24/2017</a:t>
             </a:fld>
             <a:endParaRPr lang="en-US" dirty="0"/>
           </a:p>
@@ -1493,9 +2022,9 @@
           <a:bodyPr/>
           <a:lstStyle/>
           <a:p>
-            <a:fld id="{96DFF08F-DC6B-4601-B491-B0F83F6DD2DA}" type="datetimeFigureOut">
-              <a:rPr lang="en-US" dirty="0"/>
-              <a:t>10/17/2017</a:t>
+            <a:fld id="{D6401DB3-240C-40A3-A821-E0AB27FEBAF0}" type="datetime1">
+              <a:rPr lang="en-US" smtClean="0"/>
+              <a:t>10/24/2017</a:t>
             </a:fld>
             <a:endParaRPr lang="en-US" dirty="0"/>
           </a:p>
@@ -1912,9 +2441,9 @@
           <a:bodyPr/>
           <a:lstStyle/>
           <a:p>
-            <a:fld id="{96DFF08F-DC6B-4601-B491-B0F83F6DD2DA}" type="datetimeFigureOut">
-              <a:rPr lang="en-US" dirty="0"/>
-              <a:t>10/17/2017</a:t>
+            <a:fld id="{5CB5C491-5107-45D8-8222-EB7398509803}" type="datetime1">
+              <a:rPr lang="en-US" smtClean="0"/>
+              <a:t>10/24/2017</a:t>
             </a:fld>
             <a:endParaRPr lang="en-US" dirty="0"/>
           </a:p>
@@ -2025,9 +2554,9 @@
           <a:bodyPr/>
           <a:lstStyle/>
           <a:p>
-            <a:fld id="{96DFF08F-DC6B-4601-B491-B0F83F6DD2DA}" type="datetimeFigureOut">
-              <a:rPr lang="en-US" dirty="0"/>
-              <a:t>10/17/2017</a:t>
+            <a:fld id="{5ACD3623-5BE2-46C0-BBAE-C9322A0ECA23}" type="datetime1">
+              <a:rPr lang="en-US" smtClean="0"/>
+              <a:t>10/24/2017</a:t>
             </a:fld>
             <a:endParaRPr lang="en-US" dirty="0"/>
           </a:p>
@@ -2115,9 +2644,9 @@
           <a:bodyPr/>
           <a:lstStyle/>
           <a:p>
-            <a:fld id="{96DFF08F-DC6B-4601-B491-B0F83F6DD2DA}" type="datetimeFigureOut">
-              <a:rPr lang="en-US" dirty="0"/>
-              <a:t>10/17/2017</a:t>
+            <a:fld id="{4EC3E076-AE6A-4536-A835-5660B94EA114}" type="datetime1">
+              <a:rPr lang="en-US" smtClean="0"/>
+              <a:t>10/24/2017</a:t>
             </a:fld>
             <a:endParaRPr lang="en-US" dirty="0"/>
           </a:p>
@@ -2400,9 +2929,9 @@
           <a:bodyPr/>
           <a:lstStyle/>
           <a:p>
-            <a:fld id="{96DFF08F-DC6B-4601-B491-B0F83F6DD2DA}" type="datetimeFigureOut">
-              <a:rPr lang="en-US" dirty="0"/>
-              <a:t>10/17/2017</a:t>
+            <a:fld id="{6820825E-8767-4C41-BF4D-8C312262B11E}" type="datetime1">
+              <a:rPr lang="en-US" smtClean="0"/>
+              <a:t>10/24/2017</a:t>
             </a:fld>
             <a:endParaRPr lang="en-US" dirty="0"/>
           </a:p>
@@ -2667,9 +3196,9 @@
           <a:bodyPr/>
           <a:lstStyle/>
           <a:p>
-            <a:fld id="{96DFF08F-DC6B-4601-B491-B0F83F6DD2DA}" type="datetimeFigureOut">
-              <a:rPr lang="en-US" dirty="0"/>
-              <a:t>10/17/2017</a:t>
+            <a:fld id="{9DF75F72-1D4D-4EF1-AEC2-46725E799B2E}" type="datetime1">
+              <a:rPr lang="en-US" smtClean="0"/>
+              <a:t>10/24/2017</a:t>
             </a:fld>
             <a:endParaRPr lang="en-US" dirty="0"/>
           </a:p>
@@ -2915,10 +3444,9 @@
             </a:lvl1pPr>
           </a:lstStyle>
           <a:p>
-            <a:fld id="{96DFF08F-DC6B-4601-B491-B0F83F6DD2DA}" type="datetimeFigureOut">
-              <a:rPr lang="en-US" dirty="0"/>
-              <a:pPr/>
-              <a:t>10/17/2017</a:t>
+            <a:fld id="{A4FD4E2A-358D-46EE-9DC1-13F591DDF835}" type="datetime1">
+              <a:rPr lang="en-US" smtClean="0"/>
+              <a:t>10/24/2017</a:t>
             </a:fld>
             <a:endParaRPr lang="en-US" dirty="0"/>
           </a:p>
@@ -3015,6 +3543,7 @@
     <p:sldLayoutId id="2147483694" r:id="rId10"/>
     <p:sldLayoutId id="2147483695" r:id="rId11"/>
   </p:sldLayoutIdLst>
+  <p:hf hdr="0" ftr="0" dt="0"/>
   <p:txStyles>
     <p:titleStyle>
       <a:lvl1pPr algn="l" defTabSz="914400" rtl="0" eaLnBrk="1" latinLnBrk="0" hangingPunct="1">
@@ -3695,6 +4224,30 @@
           </a:p>
         </p:txBody>
       </p:sp>
+      <p:sp>
+        <p:nvSpPr>
+          <p:cNvPr id="5" name="Slide Number Placeholder 4"/>
+          <p:cNvSpPr>
+            <a:spLocks noGrp="1"/>
+          </p:cNvSpPr>
+          <p:nvPr>
+            <p:ph type="sldNum" sz="quarter" idx="12"/>
+          </p:nvPr>
+        </p:nvSpPr>
+        <p:spPr/>
+        <p:txBody>
+          <a:bodyPr/>
+          <a:lstStyle/>
+          <a:p>
+            <a:fld id="{4FAB73BC-B049-4115-A692-8D63A059BFB8}" type="slidenum">
+              <a:rPr lang="en-US" smtClean="0"/>
+              <a:pPr/>
+              <a:t>1</a:t>
+            </a:fld>
+            <a:endParaRPr lang="en-US" dirty="0"/>
+          </a:p>
+        </p:txBody>
+      </p:sp>
     </p:spTree>
     <p:extLst>
       <p:ext uri="{BB962C8B-B14F-4D97-AF65-F5344CB8AC3E}">
@@ -3705,6 +4258,13 @@
   <p:clrMapOvr>
     <a:masterClrMapping/>
   </p:clrMapOvr>
+  <p:timing>
+    <p:tnLst>
+      <p:par>
+        <p:cTn id="1" dur="indefinite" restart="never" nodeType="tmRoot"/>
+      </p:par>
+    </p:tnLst>
+  </p:timing>
 </p:sld>
 </file>
 
@@ -3993,6 +4553,29 @@
               <a:t>Эта методика будет разобрана в следующих лекциях</a:t>
             </a:r>
             <a:endParaRPr lang="en-US"/>
+          </a:p>
+        </p:txBody>
+      </p:sp>
+      <p:sp>
+        <p:nvSpPr>
+          <p:cNvPr id="4" name="Slide Number Placeholder 3"/>
+          <p:cNvSpPr>
+            <a:spLocks noGrp="1"/>
+          </p:cNvSpPr>
+          <p:nvPr>
+            <p:ph type="sldNum" sz="quarter" idx="12"/>
+          </p:nvPr>
+        </p:nvSpPr>
+        <p:spPr/>
+        <p:txBody>
+          <a:bodyPr/>
+          <a:lstStyle/>
+          <a:p>
+            <a:fld id="{4FAB73BC-B049-4115-A692-8D63A059BFB8}" type="slidenum">
+              <a:rPr lang="en-US" smtClean="0"/>
+              <a:t>10</a:t>
+            </a:fld>
+            <a:endParaRPr lang="en-US" dirty="0"/>
           </a:p>
         </p:txBody>
       </p:sp>
@@ -4353,6 +4936,29 @@
           </a:p>
         </p:txBody>
       </p:sp>
+      <p:sp>
+        <p:nvSpPr>
+          <p:cNvPr id="4" name="Slide Number Placeholder 3"/>
+          <p:cNvSpPr>
+            <a:spLocks noGrp="1"/>
+          </p:cNvSpPr>
+          <p:nvPr>
+            <p:ph type="sldNum" sz="quarter" idx="12"/>
+          </p:nvPr>
+        </p:nvSpPr>
+        <p:spPr/>
+        <p:txBody>
+          <a:bodyPr/>
+          <a:lstStyle/>
+          <a:p>
+            <a:fld id="{4FAB73BC-B049-4115-A692-8D63A059BFB8}" type="slidenum">
+              <a:rPr lang="en-US" smtClean="0"/>
+              <a:t>11</a:t>
+            </a:fld>
+            <a:endParaRPr lang="en-US" dirty="0"/>
+          </a:p>
+        </p:txBody>
+      </p:sp>
     </p:spTree>
     <p:extLst>
       <p:ext uri="{BB962C8B-B14F-4D97-AF65-F5344CB8AC3E}">
@@ -4719,6 +5325,29 @@
           </a:p>
         </p:txBody>
       </p:sp>
+      <p:sp>
+        <p:nvSpPr>
+          <p:cNvPr id="4" name="Slide Number Placeholder 3"/>
+          <p:cNvSpPr>
+            <a:spLocks noGrp="1"/>
+          </p:cNvSpPr>
+          <p:nvPr>
+            <p:ph type="sldNum" sz="quarter" idx="12"/>
+          </p:nvPr>
+        </p:nvSpPr>
+        <p:spPr/>
+        <p:txBody>
+          <a:bodyPr/>
+          <a:lstStyle/>
+          <a:p>
+            <a:fld id="{4FAB73BC-B049-4115-A692-8D63A059BFB8}" type="slidenum">
+              <a:rPr lang="en-US" smtClean="0"/>
+              <a:t>12</a:t>
+            </a:fld>
+            <a:endParaRPr lang="en-US" dirty="0"/>
+          </a:p>
+        </p:txBody>
+      </p:sp>
     </p:spTree>
     <p:extLst>
       <p:ext uri="{BB962C8B-B14F-4D97-AF65-F5344CB8AC3E}">
@@ -4980,6 +5609,29 @@
           </a:p>
         </p:txBody>
       </p:sp>
+      <p:sp>
+        <p:nvSpPr>
+          <p:cNvPr id="4" name="Slide Number Placeholder 3"/>
+          <p:cNvSpPr>
+            <a:spLocks noGrp="1"/>
+          </p:cNvSpPr>
+          <p:nvPr>
+            <p:ph type="sldNum" sz="quarter" idx="12"/>
+          </p:nvPr>
+        </p:nvSpPr>
+        <p:spPr/>
+        <p:txBody>
+          <a:bodyPr/>
+          <a:lstStyle/>
+          <a:p>
+            <a:fld id="{4FAB73BC-B049-4115-A692-8D63A059BFB8}" type="slidenum">
+              <a:rPr lang="en-US" smtClean="0"/>
+              <a:t>13</a:t>
+            </a:fld>
+            <a:endParaRPr lang="en-US" dirty="0"/>
+          </a:p>
+        </p:txBody>
+      </p:sp>
     </p:spTree>
     <p:extLst>
       <p:ext uri="{BB962C8B-B14F-4D97-AF65-F5344CB8AC3E}">
@@ -5084,6 +5736,29 @@
           </a:p>
         </p:txBody>
       </p:sp>
+      <p:sp>
+        <p:nvSpPr>
+          <p:cNvPr id="4" name="Slide Number Placeholder 3"/>
+          <p:cNvSpPr>
+            <a:spLocks noGrp="1"/>
+          </p:cNvSpPr>
+          <p:nvPr>
+            <p:ph type="sldNum" sz="quarter" idx="12"/>
+          </p:nvPr>
+        </p:nvSpPr>
+        <p:spPr/>
+        <p:txBody>
+          <a:bodyPr/>
+          <a:lstStyle/>
+          <a:p>
+            <a:fld id="{4FAB73BC-B049-4115-A692-8D63A059BFB8}" type="slidenum">
+              <a:rPr lang="en-US" smtClean="0"/>
+              <a:t>14</a:t>
+            </a:fld>
+            <a:endParaRPr lang="en-US" dirty="0"/>
+          </a:p>
+        </p:txBody>
+      </p:sp>
     </p:spTree>
     <p:extLst>
       <p:ext uri="{BB962C8B-B14F-4D97-AF65-F5344CB8AC3E}">
@@ -5194,6 +5869,29 @@
           </a:p>
         </p:txBody>
       </p:sp>
+      <p:sp>
+        <p:nvSpPr>
+          <p:cNvPr id="2" name="Slide Number Placeholder 1"/>
+          <p:cNvSpPr>
+            <a:spLocks noGrp="1"/>
+          </p:cNvSpPr>
+          <p:nvPr>
+            <p:ph type="sldNum" sz="quarter" idx="12"/>
+          </p:nvPr>
+        </p:nvSpPr>
+        <p:spPr/>
+        <p:txBody>
+          <a:bodyPr/>
+          <a:lstStyle/>
+          <a:p>
+            <a:fld id="{4FAB73BC-B049-4115-A692-8D63A059BFB8}" type="slidenum">
+              <a:rPr lang="en-US" smtClean="0"/>
+              <a:t>15</a:t>
+            </a:fld>
+            <a:endParaRPr lang="en-US" dirty="0"/>
+          </a:p>
+        </p:txBody>
+      </p:sp>
     </p:spTree>
     <p:extLst>
       <p:ext uri="{BB962C8B-B14F-4D97-AF65-F5344CB8AC3E}">
@@ -5444,6 +6142,29 @@
           </a:p>
         </p:txBody>
       </p:sp>
+      <p:sp>
+        <p:nvSpPr>
+          <p:cNvPr id="4" name="Slide Number Placeholder 3"/>
+          <p:cNvSpPr>
+            <a:spLocks noGrp="1"/>
+          </p:cNvSpPr>
+          <p:nvPr>
+            <p:ph type="sldNum" sz="quarter" idx="12"/>
+          </p:nvPr>
+        </p:nvSpPr>
+        <p:spPr/>
+        <p:txBody>
+          <a:bodyPr/>
+          <a:lstStyle/>
+          <a:p>
+            <a:fld id="{4FAB73BC-B049-4115-A692-8D63A059BFB8}" type="slidenum">
+              <a:rPr lang="en-US" smtClean="0"/>
+              <a:t>16</a:t>
+            </a:fld>
+            <a:endParaRPr lang="en-US" dirty="0"/>
+          </a:p>
+        </p:txBody>
+      </p:sp>
     </p:spTree>
     <p:extLst>
       <p:ext uri="{BB962C8B-B14F-4D97-AF65-F5344CB8AC3E}">
@@ -5792,6 +6513,29 @@
           </a:p>
         </p:txBody>
       </p:sp>
+      <p:sp>
+        <p:nvSpPr>
+          <p:cNvPr id="4" name="Slide Number Placeholder 3"/>
+          <p:cNvSpPr>
+            <a:spLocks noGrp="1"/>
+          </p:cNvSpPr>
+          <p:nvPr>
+            <p:ph type="sldNum" sz="quarter" idx="12"/>
+          </p:nvPr>
+        </p:nvSpPr>
+        <p:spPr/>
+        <p:txBody>
+          <a:bodyPr/>
+          <a:lstStyle/>
+          <a:p>
+            <a:fld id="{4FAB73BC-B049-4115-A692-8D63A059BFB8}" type="slidenum">
+              <a:rPr lang="en-US" smtClean="0"/>
+              <a:t>17</a:t>
+            </a:fld>
+            <a:endParaRPr lang="en-US" dirty="0"/>
+          </a:p>
+        </p:txBody>
+      </p:sp>
     </p:spTree>
     <p:extLst>
       <p:ext uri="{BB962C8B-B14F-4D97-AF65-F5344CB8AC3E}">
@@ -6146,6 +6890,29 @@
           </a:p>
         </p:txBody>
       </p:sp>
+      <p:sp>
+        <p:nvSpPr>
+          <p:cNvPr id="4" name="Slide Number Placeholder 3"/>
+          <p:cNvSpPr>
+            <a:spLocks noGrp="1"/>
+          </p:cNvSpPr>
+          <p:nvPr>
+            <p:ph type="sldNum" sz="quarter" idx="12"/>
+          </p:nvPr>
+        </p:nvSpPr>
+        <p:spPr/>
+        <p:txBody>
+          <a:bodyPr/>
+          <a:lstStyle/>
+          <a:p>
+            <a:fld id="{4FAB73BC-B049-4115-A692-8D63A059BFB8}" type="slidenum">
+              <a:rPr lang="en-US" smtClean="0"/>
+              <a:t>18</a:t>
+            </a:fld>
+            <a:endParaRPr lang="en-US" dirty="0"/>
+          </a:p>
+        </p:txBody>
+      </p:sp>
     </p:spTree>
     <p:extLst>
       <p:ext uri="{BB962C8B-B14F-4D97-AF65-F5344CB8AC3E}">
@@ -6391,6 +7158,29 @@
           </a:p>
         </p:txBody>
       </p:sp>
+      <p:sp>
+        <p:nvSpPr>
+          <p:cNvPr id="4" name="Slide Number Placeholder 3"/>
+          <p:cNvSpPr>
+            <a:spLocks noGrp="1"/>
+          </p:cNvSpPr>
+          <p:nvPr>
+            <p:ph type="sldNum" sz="quarter" idx="12"/>
+          </p:nvPr>
+        </p:nvSpPr>
+        <p:spPr/>
+        <p:txBody>
+          <a:bodyPr/>
+          <a:lstStyle/>
+          <a:p>
+            <a:fld id="{4FAB73BC-B049-4115-A692-8D63A059BFB8}" type="slidenum">
+              <a:rPr lang="en-US" smtClean="0"/>
+              <a:t>19</a:t>
+            </a:fld>
+            <a:endParaRPr lang="en-US" dirty="0"/>
+          </a:p>
+        </p:txBody>
+      </p:sp>
     </p:spTree>
     <p:extLst>
       <p:ext uri="{BB962C8B-B14F-4D97-AF65-F5344CB8AC3E}">
@@ -6501,6 +7291,29 @@
           </a:p>
         </p:txBody>
       </p:sp>
+      <p:sp>
+        <p:nvSpPr>
+          <p:cNvPr id="2" name="Slide Number Placeholder 1"/>
+          <p:cNvSpPr>
+            <a:spLocks noGrp="1"/>
+          </p:cNvSpPr>
+          <p:nvPr>
+            <p:ph type="sldNum" sz="quarter" idx="12"/>
+          </p:nvPr>
+        </p:nvSpPr>
+        <p:spPr/>
+        <p:txBody>
+          <a:bodyPr/>
+          <a:lstStyle/>
+          <a:p>
+            <a:fld id="{4FAB73BC-B049-4115-A692-8D63A059BFB8}" type="slidenum">
+              <a:rPr lang="en-US" smtClean="0"/>
+              <a:t>2</a:t>
+            </a:fld>
+            <a:endParaRPr lang="en-US" dirty="0"/>
+          </a:p>
+        </p:txBody>
+      </p:sp>
     </p:spTree>
     <p:extLst>
       <p:ext uri="{BB962C8B-B14F-4D97-AF65-F5344CB8AC3E}">
@@ -6511,6 +7324,13 @@
   <p:clrMapOvr>
     <a:masterClrMapping/>
   </p:clrMapOvr>
+  <p:timing>
+    <p:tnLst>
+      <p:par>
+        <p:cTn id="1" dur="indefinite" restart="never" nodeType="tmRoot"/>
+      </p:par>
+    </p:tnLst>
+  </p:timing>
 </p:sld>
 </file>
 
@@ -6651,6 +7471,29 @@
               <a:t>Является ли это действительно проблемой?</a:t>
             </a:r>
             <a:endParaRPr lang="en-US"/>
+          </a:p>
+        </p:txBody>
+      </p:sp>
+      <p:sp>
+        <p:nvSpPr>
+          <p:cNvPr id="4" name="Slide Number Placeholder 3"/>
+          <p:cNvSpPr>
+            <a:spLocks noGrp="1"/>
+          </p:cNvSpPr>
+          <p:nvPr>
+            <p:ph type="sldNum" sz="quarter" idx="12"/>
+          </p:nvPr>
+        </p:nvSpPr>
+        <p:spPr/>
+        <p:txBody>
+          <a:bodyPr/>
+          <a:lstStyle/>
+          <a:p>
+            <a:fld id="{4FAB73BC-B049-4115-A692-8D63A059BFB8}" type="slidenum">
+              <a:rPr lang="en-US" smtClean="0"/>
+              <a:t>20</a:t>
+            </a:fld>
+            <a:endParaRPr lang="en-US" dirty="0"/>
           </a:p>
         </p:txBody>
       </p:sp>
@@ -6936,6 +7779,29 @@
           </a:p>
         </p:txBody>
       </p:sp>
+      <p:sp>
+        <p:nvSpPr>
+          <p:cNvPr id="4" name="Slide Number Placeholder 3"/>
+          <p:cNvSpPr>
+            <a:spLocks noGrp="1"/>
+          </p:cNvSpPr>
+          <p:nvPr>
+            <p:ph type="sldNum" sz="quarter" idx="12"/>
+          </p:nvPr>
+        </p:nvSpPr>
+        <p:spPr/>
+        <p:txBody>
+          <a:bodyPr/>
+          <a:lstStyle/>
+          <a:p>
+            <a:fld id="{4FAB73BC-B049-4115-A692-8D63A059BFB8}" type="slidenum">
+              <a:rPr lang="en-US" smtClean="0"/>
+              <a:t>21</a:t>
+            </a:fld>
+            <a:endParaRPr lang="en-US" dirty="0"/>
+          </a:p>
+        </p:txBody>
+      </p:sp>
     </p:spTree>
     <p:extLst>
       <p:ext uri="{BB962C8B-B14F-4D97-AF65-F5344CB8AC3E}">
@@ -7272,6 +8138,29 @@
           </a:p>
         </p:txBody>
       </p:sp>
+      <p:sp>
+        <p:nvSpPr>
+          <p:cNvPr id="4" name="Slide Number Placeholder 3"/>
+          <p:cNvSpPr>
+            <a:spLocks noGrp="1"/>
+          </p:cNvSpPr>
+          <p:nvPr>
+            <p:ph type="sldNum" sz="quarter" idx="12"/>
+          </p:nvPr>
+        </p:nvSpPr>
+        <p:spPr/>
+        <p:txBody>
+          <a:bodyPr/>
+          <a:lstStyle/>
+          <a:p>
+            <a:fld id="{4FAB73BC-B049-4115-A692-8D63A059BFB8}" type="slidenum">
+              <a:rPr lang="en-US" smtClean="0"/>
+              <a:t>22</a:t>
+            </a:fld>
+            <a:endParaRPr lang="en-US" dirty="0"/>
+          </a:p>
+        </p:txBody>
+      </p:sp>
     </p:spTree>
     <p:extLst>
       <p:ext uri="{BB962C8B-B14F-4D97-AF65-F5344CB8AC3E}">
@@ -7557,6 +8446,29 @@
           </a:p>
         </p:txBody>
       </p:sp>
+      <p:sp>
+        <p:nvSpPr>
+          <p:cNvPr id="4" name="Slide Number Placeholder 3"/>
+          <p:cNvSpPr>
+            <a:spLocks noGrp="1"/>
+          </p:cNvSpPr>
+          <p:nvPr>
+            <p:ph type="sldNum" sz="quarter" idx="12"/>
+          </p:nvPr>
+        </p:nvSpPr>
+        <p:spPr/>
+        <p:txBody>
+          <a:bodyPr/>
+          <a:lstStyle/>
+          <a:p>
+            <a:fld id="{4FAB73BC-B049-4115-A692-8D63A059BFB8}" type="slidenum">
+              <a:rPr lang="en-US" smtClean="0"/>
+              <a:t>23</a:t>
+            </a:fld>
+            <a:endParaRPr lang="en-US" dirty="0"/>
+          </a:p>
+        </p:txBody>
+      </p:sp>
     </p:spTree>
     <p:extLst>
       <p:ext uri="{BB962C8B-B14F-4D97-AF65-F5344CB8AC3E}">
@@ -7793,6 +8705,29 @@
           </a:p>
         </p:txBody>
       </p:sp>
+      <p:sp>
+        <p:nvSpPr>
+          <p:cNvPr id="4" name="Slide Number Placeholder 3"/>
+          <p:cNvSpPr>
+            <a:spLocks noGrp="1"/>
+          </p:cNvSpPr>
+          <p:nvPr>
+            <p:ph type="sldNum" sz="quarter" idx="12"/>
+          </p:nvPr>
+        </p:nvSpPr>
+        <p:spPr/>
+        <p:txBody>
+          <a:bodyPr/>
+          <a:lstStyle/>
+          <a:p>
+            <a:fld id="{4FAB73BC-B049-4115-A692-8D63A059BFB8}" type="slidenum">
+              <a:rPr lang="en-US" smtClean="0"/>
+              <a:t>24</a:t>
+            </a:fld>
+            <a:endParaRPr lang="en-US" dirty="0"/>
+          </a:p>
+        </p:txBody>
+      </p:sp>
     </p:spTree>
     <p:extLst>
       <p:ext uri="{BB962C8B-B14F-4D97-AF65-F5344CB8AC3E}">
@@ -7980,6 +8915,59 @@
           </a:p>
         </p:txBody>
       </p:sp>
+      <p:sp>
+        <p:nvSpPr>
+          <p:cNvPr id="4" name="TextBox 3"/>
+          <p:cNvSpPr txBox="1"/>
+          <p:nvPr/>
+        </p:nvSpPr>
+        <p:spPr>
+          <a:xfrm>
+            <a:off x="6419088" y="6096000"/>
+            <a:ext cx="5404104" cy="369332"/>
+          </a:xfrm>
+          <a:prstGeom prst="rect">
+            <a:avLst/>
+          </a:prstGeom>
+          <a:noFill/>
+        </p:spPr>
+        <p:txBody>
+          <a:bodyPr wrap="square" rtlCol="0">
+            <a:spAutoFit/>
+          </a:bodyPr>
+          <a:lstStyle/>
+          <a:p>
+            <a:r>
+              <a:rPr lang="ru-RU" smtClean="0"/>
+              <a:t>* тут обсуждение чем может быть удалитель и демо</a:t>
+            </a:r>
+            <a:endParaRPr lang="en-US"/>
+          </a:p>
+        </p:txBody>
+      </p:sp>
+      <p:sp>
+        <p:nvSpPr>
+          <p:cNvPr id="5" name="Slide Number Placeholder 4"/>
+          <p:cNvSpPr>
+            <a:spLocks noGrp="1"/>
+          </p:cNvSpPr>
+          <p:nvPr>
+            <p:ph type="sldNum" sz="quarter" idx="12"/>
+          </p:nvPr>
+        </p:nvSpPr>
+        <p:spPr/>
+        <p:txBody>
+          <a:bodyPr/>
+          <a:lstStyle/>
+          <a:p>
+            <a:fld id="{4FAB73BC-B049-4115-A692-8D63A059BFB8}" type="slidenum">
+              <a:rPr lang="en-US" smtClean="0"/>
+              <a:t>25</a:t>
+            </a:fld>
+            <a:endParaRPr lang="en-US" dirty="0"/>
+          </a:p>
+        </p:txBody>
+      </p:sp>
     </p:spTree>
     <p:extLst>
       <p:ext uri="{BB962C8B-B14F-4D97-AF65-F5344CB8AC3E}">
@@ -8101,6 +9089,29 @@
           </a:p>
         </p:txBody>
       </p:sp>
+      <p:sp>
+        <p:nvSpPr>
+          <p:cNvPr id="4" name="Slide Number Placeholder 3"/>
+          <p:cNvSpPr>
+            <a:spLocks noGrp="1"/>
+          </p:cNvSpPr>
+          <p:nvPr>
+            <p:ph type="sldNum" sz="quarter" idx="12"/>
+          </p:nvPr>
+        </p:nvSpPr>
+        <p:spPr/>
+        <p:txBody>
+          <a:bodyPr/>
+          <a:lstStyle/>
+          <a:p>
+            <a:fld id="{4FAB73BC-B049-4115-A692-8D63A059BFB8}" type="slidenum">
+              <a:rPr lang="en-US" smtClean="0"/>
+              <a:t>26</a:t>
+            </a:fld>
+            <a:endParaRPr lang="en-US" dirty="0"/>
+          </a:p>
+        </p:txBody>
+      </p:sp>
     </p:spTree>
     <p:extLst>
       <p:ext uri="{BB962C8B-B14F-4D97-AF65-F5344CB8AC3E}">
@@ -8360,6 +9371,29 @@
           </a:p>
         </p:txBody>
       </p:sp>
+      <p:sp>
+        <p:nvSpPr>
+          <p:cNvPr id="4" name="Slide Number Placeholder 3"/>
+          <p:cNvSpPr>
+            <a:spLocks noGrp="1"/>
+          </p:cNvSpPr>
+          <p:nvPr>
+            <p:ph type="sldNum" sz="quarter" idx="12"/>
+          </p:nvPr>
+        </p:nvSpPr>
+        <p:spPr/>
+        <p:txBody>
+          <a:bodyPr/>
+          <a:lstStyle/>
+          <a:p>
+            <a:fld id="{4FAB73BC-B049-4115-A692-8D63A059BFB8}" type="slidenum">
+              <a:rPr lang="en-US" smtClean="0"/>
+              <a:t>27</a:t>
+            </a:fld>
+            <a:endParaRPr lang="en-US" dirty="0"/>
+          </a:p>
+        </p:txBody>
+      </p:sp>
     </p:spTree>
     <p:extLst>
       <p:ext uri="{BB962C8B-B14F-4D97-AF65-F5344CB8AC3E}">
@@ -8634,6 +9668,29 @@
           </a:p>
         </p:txBody>
       </p:sp>
+      <p:sp>
+        <p:nvSpPr>
+          <p:cNvPr id="4" name="Slide Number Placeholder 3"/>
+          <p:cNvSpPr>
+            <a:spLocks noGrp="1"/>
+          </p:cNvSpPr>
+          <p:nvPr>
+            <p:ph type="sldNum" sz="quarter" idx="12"/>
+          </p:nvPr>
+        </p:nvSpPr>
+        <p:spPr/>
+        <p:txBody>
+          <a:bodyPr/>
+          <a:lstStyle/>
+          <a:p>
+            <a:fld id="{4FAB73BC-B049-4115-A692-8D63A059BFB8}" type="slidenum">
+              <a:rPr lang="en-US" smtClean="0"/>
+              <a:t>28</a:t>
+            </a:fld>
+            <a:endParaRPr lang="en-US" dirty="0"/>
+          </a:p>
+        </p:txBody>
+      </p:sp>
     </p:spTree>
     <p:extLst>
       <p:ext uri="{BB962C8B-B14F-4D97-AF65-F5344CB8AC3E}">
@@ -8841,6 +9898,29 @@
           </a:p>
         </p:txBody>
       </p:sp>
+      <p:sp>
+        <p:nvSpPr>
+          <p:cNvPr id="4" name="Slide Number Placeholder 3"/>
+          <p:cNvSpPr>
+            <a:spLocks noGrp="1"/>
+          </p:cNvSpPr>
+          <p:nvPr>
+            <p:ph type="sldNum" sz="quarter" idx="12"/>
+          </p:nvPr>
+        </p:nvSpPr>
+        <p:spPr/>
+        <p:txBody>
+          <a:bodyPr/>
+          <a:lstStyle/>
+          <a:p>
+            <a:fld id="{4FAB73BC-B049-4115-A692-8D63A059BFB8}" type="slidenum">
+              <a:rPr lang="en-US" smtClean="0"/>
+              <a:t>29</a:t>
+            </a:fld>
+            <a:endParaRPr lang="en-US" dirty="0"/>
+          </a:p>
+        </p:txBody>
+      </p:sp>
     </p:spTree>
     <p:extLst>
       <p:ext uri="{BB962C8B-B14F-4D97-AF65-F5344CB8AC3E}">
@@ -9075,6 +10155,29 @@
           </a:p>
         </p:txBody>
       </p:sp>
+      <p:sp>
+        <p:nvSpPr>
+          <p:cNvPr id="4" name="Slide Number Placeholder 3"/>
+          <p:cNvSpPr>
+            <a:spLocks noGrp="1"/>
+          </p:cNvSpPr>
+          <p:nvPr>
+            <p:ph type="sldNum" sz="quarter" idx="12"/>
+          </p:nvPr>
+        </p:nvSpPr>
+        <p:spPr/>
+        <p:txBody>
+          <a:bodyPr/>
+          <a:lstStyle/>
+          <a:p>
+            <a:fld id="{4FAB73BC-B049-4115-A692-8D63A059BFB8}" type="slidenum">
+              <a:rPr lang="en-US" smtClean="0"/>
+              <a:t>3</a:t>
+            </a:fld>
+            <a:endParaRPr lang="en-US" dirty="0"/>
+          </a:p>
+        </p:txBody>
+      </p:sp>
     </p:spTree>
     <p:extLst>
       <p:ext uri="{BB962C8B-B14F-4D97-AF65-F5344CB8AC3E}">
@@ -9307,6 +10410,29 @@
           </a:p>
         </p:txBody>
       </p:sp>
+      <p:sp>
+        <p:nvSpPr>
+          <p:cNvPr id="4" name="Slide Number Placeholder 3"/>
+          <p:cNvSpPr>
+            <a:spLocks noGrp="1"/>
+          </p:cNvSpPr>
+          <p:nvPr>
+            <p:ph type="sldNum" sz="quarter" idx="12"/>
+          </p:nvPr>
+        </p:nvSpPr>
+        <p:spPr/>
+        <p:txBody>
+          <a:bodyPr/>
+          <a:lstStyle/>
+          <a:p>
+            <a:fld id="{4FAB73BC-B049-4115-A692-8D63A059BFB8}" type="slidenum">
+              <a:rPr lang="en-US" smtClean="0"/>
+              <a:t>30</a:t>
+            </a:fld>
+            <a:endParaRPr lang="en-US" dirty="0"/>
+          </a:p>
+        </p:txBody>
+      </p:sp>
     </p:spTree>
     <p:extLst>
       <p:ext uri="{BB962C8B-B14F-4D97-AF65-F5344CB8AC3E}">
@@ -9481,7 +10607,7 @@
                 </a:solidFill>
                 <a:latin typeface="Consolas" panose="020B0609020204030204" pitchFamily="49" charset="0"/>
               </a:rPr>
-              <a:t>void release_node(unique_ptr&lt;Node&gt; u) {}</a:t>
+              <a:t>void release_subtree(unique_ptr&lt;Node&gt; u) {}</a:t>
             </a:r>
             <a:r>
               <a:rPr lang="ru-RU">
@@ -9545,6 +10671,29 @@
               <a:t>Есть ли тут какие-то проблемы?</a:t>
             </a:r>
             <a:endParaRPr lang="en-US"/>
+          </a:p>
+        </p:txBody>
+      </p:sp>
+      <p:sp>
+        <p:nvSpPr>
+          <p:cNvPr id="4" name="Slide Number Placeholder 3"/>
+          <p:cNvSpPr>
+            <a:spLocks noGrp="1"/>
+          </p:cNvSpPr>
+          <p:nvPr>
+            <p:ph type="sldNum" sz="quarter" idx="12"/>
+          </p:nvPr>
+        </p:nvSpPr>
+        <p:spPr/>
+        <p:txBody>
+          <a:bodyPr/>
+          <a:lstStyle/>
+          <a:p>
+            <a:fld id="{4FAB73BC-B049-4115-A692-8D63A059BFB8}" type="slidenum">
+              <a:rPr lang="en-US" smtClean="0"/>
+              <a:t>31</a:t>
+            </a:fld>
+            <a:endParaRPr lang="en-US" dirty="0"/>
           </a:p>
         </p:txBody>
       </p:sp>
@@ -9632,6 +10781,29 @@
           </a:p>
         </p:txBody>
       </p:sp>
+      <p:sp>
+        <p:nvSpPr>
+          <p:cNvPr id="4" name="Slide Number Placeholder 3"/>
+          <p:cNvSpPr>
+            <a:spLocks noGrp="1"/>
+          </p:cNvSpPr>
+          <p:nvPr>
+            <p:ph type="sldNum" sz="quarter" idx="12"/>
+          </p:nvPr>
+        </p:nvSpPr>
+        <p:spPr/>
+        <p:txBody>
+          <a:bodyPr/>
+          <a:lstStyle/>
+          <a:p>
+            <a:fld id="{4FAB73BC-B049-4115-A692-8D63A059BFB8}" type="slidenum">
+              <a:rPr lang="en-US" smtClean="0"/>
+              <a:t>32</a:t>
+            </a:fld>
+            <a:endParaRPr lang="en-US" dirty="0"/>
+          </a:p>
+        </p:txBody>
+      </p:sp>
     </p:spTree>
     <p:extLst>
       <p:ext uri="{BB962C8B-B14F-4D97-AF65-F5344CB8AC3E}">
@@ -9866,6 +11038,29 @@
           </a:p>
         </p:txBody>
       </p:sp>
+      <p:sp>
+        <p:nvSpPr>
+          <p:cNvPr id="4" name="Slide Number Placeholder 3"/>
+          <p:cNvSpPr>
+            <a:spLocks noGrp="1"/>
+          </p:cNvSpPr>
+          <p:nvPr>
+            <p:ph type="sldNum" sz="quarter" idx="12"/>
+          </p:nvPr>
+        </p:nvSpPr>
+        <p:spPr/>
+        <p:txBody>
+          <a:bodyPr/>
+          <a:lstStyle/>
+          <a:p>
+            <a:fld id="{4FAB73BC-B049-4115-A692-8D63A059BFB8}" type="slidenum">
+              <a:rPr lang="en-US" smtClean="0"/>
+              <a:t>33</a:t>
+            </a:fld>
+            <a:endParaRPr lang="en-US" dirty="0"/>
+          </a:p>
+        </p:txBody>
+      </p:sp>
     </p:spTree>
     <p:extLst>
       <p:ext uri="{BB962C8B-B14F-4D97-AF65-F5344CB8AC3E}">
@@ -9976,6 +11171,29 @@
           </a:p>
         </p:txBody>
       </p:sp>
+      <p:sp>
+        <p:nvSpPr>
+          <p:cNvPr id="2" name="Slide Number Placeholder 1"/>
+          <p:cNvSpPr>
+            <a:spLocks noGrp="1"/>
+          </p:cNvSpPr>
+          <p:nvPr>
+            <p:ph type="sldNum" sz="quarter" idx="12"/>
+          </p:nvPr>
+        </p:nvSpPr>
+        <p:spPr/>
+        <p:txBody>
+          <a:bodyPr/>
+          <a:lstStyle/>
+          <a:p>
+            <a:fld id="{4FAB73BC-B049-4115-A692-8D63A059BFB8}" type="slidenum">
+              <a:rPr lang="en-US" smtClean="0"/>
+              <a:t>34</a:t>
+            </a:fld>
+            <a:endParaRPr lang="en-US" dirty="0"/>
+          </a:p>
+        </p:txBody>
+      </p:sp>
     </p:spTree>
     <p:extLst>
       <p:ext uri="{BB962C8B-B14F-4D97-AF65-F5344CB8AC3E}">
@@ -10283,6 +11501,29 @@
           </a:p>
         </p:txBody>
       </p:sp>
+      <p:sp>
+        <p:nvSpPr>
+          <p:cNvPr id="4" name="Slide Number Placeholder 3"/>
+          <p:cNvSpPr>
+            <a:spLocks noGrp="1"/>
+          </p:cNvSpPr>
+          <p:nvPr>
+            <p:ph type="sldNum" sz="quarter" idx="12"/>
+          </p:nvPr>
+        </p:nvSpPr>
+        <p:spPr/>
+        <p:txBody>
+          <a:bodyPr/>
+          <a:lstStyle/>
+          <a:p>
+            <a:fld id="{4FAB73BC-B049-4115-A692-8D63A059BFB8}" type="slidenum">
+              <a:rPr lang="en-US" smtClean="0"/>
+              <a:t>35</a:t>
+            </a:fld>
+            <a:endParaRPr lang="en-US" dirty="0"/>
+          </a:p>
+        </p:txBody>
+      </p:sp>
     </p:spTree>
     <p:extLst>
       <p:ext uri="{BB962C8B-B14F-4D97-AF65-F5344CB8AC3E}">
@@ -10475,6 +11716,29 @@
               <a:t>для строк!</a:t>
             </a:r>
             <a:endParaRPr lang="en-US"/>
+          </a:p>
+        </p:txBody>
+      </p:sp>
+      <p:sp>
+        <p:nvSpPr>
+          <p:cNvPr id="4" name="Slide Number Placeholder 3"/>
+          <p:cNvSpPr>
+            <a:spLocks noGrp="1"/>
+          </p:cNvSpPr>
+          <p:nvPr>
+            <p:ph type="sldNum" sz="quarter" idx="12"/>
+          </p:nvPr>
+        </p:nvSpPr>
+        <p:spPr/>
+        <p:txBody>
+          <a:bodyPr/>
+          <a:lstStyle/>
+          <a:p>
+            <a:fld id="{4FAB73BC-B049-4115-A692-8D63A059BFB8}" type="slidenum">
+              <a:rPr lang="en-US" smtClean="0"/>
+              <a:t>36</a:t>
+            </a:fld>
+            <a:endParaRPr lang="en-US" dirty="0"/>
           </a:p>
         </p:txBody>
       </p:sp>
@@ -11194,6 +12458,29 @@
           </a:p>
         </p:txBody>
       </p:sp>
+      <p:sp>
+        <p:nvSpPr>
+          <p:cNvPr id="9" name="Slide Number Placeholder 8"/>
+          <p:cNvSpPr>
+            <a:spLocks noGrp="1"/>
+          </p:cNvSpPr>
+          <p:nvPr>
+            <p:ph type="sldNum" sz="quarter" idx="12"/>
+          </p:nvPr>
+        </p:nvSpPr>
+        <p:spPr/>
+        <p:txBody>
+          <a:bodyPr/>
+          <a:lstStyle/>
+          <a:p>
+            <a:fld id="{4FAB73BC-B049-4115-A692-8D63A059BFB8}" type="slidenum">
+              <a:rPr lang="en-US" smtClean="0"/>
+              <a:t>37</a:t>
+            </a:fld>
+            <a:endParaRPr lang="en-US" dirty="0"/>
+          </a:p>
+        </p:txBody>
+      </p:sp>
     </p:spTree>
     <p:extLst>
       <p:ext uri="{BB962C8B-B14F-4D97-AF65-F5344CB8AC3E}">
@@ -11345,6 +12632,29 @@
               <a:t>Второй вариант менее эффективен и менее безопасен относительно исключений</a:t>
             </a:r>
             <a:endParaRPr lang="en-US"/>
+          </a:p>
+        </p:txBody>
+      </p:sp>
+      <p:sp>
+        <p:nvSpPr>
+          <p:cNvPr id="4" name="Slide Number Placeholder 3"/>
+          <p:cNvSpPr>
+            <a:spLocks noGrp="1"/>
+          </p:cNvSpPr>
+          <p:nvPr>
+            <p:ph type="sldNum" sz="quarter" idx="12"/>
+          </p:nvPr>
+        </p:nvSpPr>
+        <p:spPr/>
+        <p:txBody>
+          <a:bodyPr/>
+          <a:lstStyle/>
+          <a:p>
+            <a:fld id="{4FAB73BC-B049-4115-A692-8D63A059BFB8}" type="slidenum">
+              <a:rPr lang="en-US" smtClean="0"/>
+              <a:t>38</a:t>
+            </a:fld>
+            <a:endParaRPr lang="en-US" dirty="0"/>
           </a:p>
         </p:txBody>
       </p:sp>
@@ -11973,6 +13283,29 @@
           </a:p>
         </p:txBody>
       </p:sp>
+      <p:sp>
+        <p:nvSpPr>
+          <p:cNvPr id="4" name="Slide Number Placeholder 3"/>
+          <p:cNvSpPr>
+            <a:spLocks noGrp="1"/>
+          </p:cNvSpPr>
+          <p:nvPr>
+            <p:ph type="sldNum" sz="quarter" idx="12"/>
+          </p:nvPr>
+        </p:nvSpPr>
+        <p:spPr/>
+        <p:txBody>
+          <a:bodyPr/>
+          <a:lstStyle/>
+          <a:p>
+            <a:fld id="{4FAB73BC-B049-4115-A692-8D63A059BFB8}" type="slidenum">
+              <a:rPr lang="en-US" smtClean="0"/>
+              <a:t>39</a:t>
+            </a:fld>
+            <a:endParaRPr lang="en-US" dirty="0"/>
+          </a:p>
+        </p:txBody>
+      </p:sp>
     </p:spTree>
     <p:extLst>
       <p:ext uri="{BB962C8B-B14F-4D97-AF65-F5344CB8AC3E}">
@@ -12271,6 +13604,29 @@
           </a:p>
         </p:txBody>
       </p:sp>
+      <p:sp>
+        <p:nvSpPr>
+          <p:cNvPr id="4" name="Slide Number Placeholder 3"/>
+          <p:cNvSpPr>
+            <a:spLocks noGrp="1"/>
+          </p:cNvSpPr>
+          <p:nvPr>
+            <p:ph type="sldNum" sz="quarter" idx="12"/>
+          </p:nvPr>
+        </p:nvSpPr>
+        <p:spPr/>
+        <p:txBody>
+          <a:bodyPr/>
+          <a:lstStyle/>
+          <a:p>
+            <a:fld id="{4FAB73BC-B049-4115-A692-8D63A059BFB8}" type="slidenum">
+              <a:rPr lang="en-US" smtClean="0"/>
+              <a:t>4</a:t>
+            </a:fld>
+            <a:endParaRPr lang="en-US" dirty="0"/>
+          </a:p>
+        </p:txBody>
+      </p:sp>
     </p:spTree>
     <p:extLst>
       <p:ext uri="{BB962C8B-B14F-4D97-AF65-F5344CB8AC3E}">
@@ -12590,6 +13946,29 @@
           </a:p>
         </p:txBody>
       </p:sp>
+      <p:sp>
+        <p:nvSpPr>
+          <p:cNvPr id="4" name="Slide Number Placeholder 3"/>
+          <p:cNvSpPr>
+            <a:spLocks noGrp="1"/>
+          </p:cNvSpPr>
+          <p:nvPr>
+            <p:ph type="sldNum" sz="quarter" idx="12"/>
+          </p:nvPr>
+        </p:nvSpPr>
+        <p:spPr/>
+        <p:txBody>
+          <a:bodyPr/>
+          <a:lstStyle/>
+          <a:p>
+            <a:fld id="{4FAB73BC-B049-4115-A692-8D63A059BFB8}" type="slidenum">
+              <a:rPr lang="en-US" smtClean="0"/>
+              <a:t>40</a:t>
+            </a:fld>
+            <a:endParaRPr lang="en-US" dirty="0"/>
+          </a:p>
+        </p:txBody>
+      </p:sp>
     </p:spTree>
     <p:extLst>
       <p:ext uri="{BB962C8B-B14F-4D97-AF65-F5344CB8AC3E}">
@@ -12914,6 +14293,29 @@
           </a:p>
         </p:txBody>
       </p:sp>
+      <p:sp>
+        <p:nvSpPr>
+          <p:cNvPr id="4" name="Slide Number Placeholder 3"/>
+          <p:cNvSpPr>
+            <a:spLocks noGrp="1"/>
+          </p:cNvSpPr>
+          <p:nvPr>
+            <p:ph type="sldNum" sz="quarter" idx="12"/>
+          </p:nvPr>
+        </p:nvSpPr>
+        <p:spPr/>
+        <p:txBody>
+          <a:bodyPr/>
+          <a:lstStyle/>
+          <a:p>
+            <a:fld id="{4FAB73BC-B049-4115-A692-8D63A059BFB8}" type="slidenum">
+              <a:rPr lang="en-US" smtClean="0"/>
+              <a:t>41</a:t>
+            </a:fld>
+            <a:endParaRPr lang="en-US" dirty="0"/>
+          </a:p>
+        </p:txBody>
+      </p:sp>
     </p:spTree>
     <p:extLst>
       <p:ext uri="{BB962C8B-B14F-4D97-AF65-F5344CB8AC3E}">
@@ -13241,6 +14643,29 @@
               <a:t>Этого можно добиться с помощью управляемого алиасинга</a:t>
             </a:r>
             <a:endParaRPr lang="en-US" smtClean="0"/>
+          </a:p>
+        </p:txBody>
+      </p:sp>
+      <p:sp>
+        <p:nvSpPr>
+          <p:cNvPr id="4" name="Slide Number Placeholder 3"/>
+          <p:cNvSpPr>
+            <a:spLocks noGrp="1"/>
+          </p:cNvSpPr>
+          <p:nvPr>
+            <p:ph type="sldNum" sz="quarter" idx="12"/>
+          </p:nvPr>
+        </p:nvSpPr>
+        <p:spPr/>
+        <p:txBody>
+          <a:bodyPr/>
+          <a:lstStyle/>
+          <a:p>
+            <a:fld id="{4FAB73BC-B049-4115-A692-8D63A059BFB8}" type="slidenum">
+              <a:rPr lang="en-US" smtClean="0"/>
+              <a:t>42</a:t>
+            </a:fld>
+            <a:endParaRPr lang="en-US" dirty="0"/>
           </a:p>
         </p:txBody>
       </p:sp>
@@ -13762,7 +15187,7 @@
         </p:nvSpPr>
         <p:spPr>
           <a:xfrm>
-            <a:off x="5506720" y="3678952"/>
+            <a:off x="5506720" y="3671349"/>
             <a:ext cx="1513840" cy="802640"/>
           </a:xfrm>
           <a:prstGeom prst="rect">
@@ -13825,8 +15250,8 @@
         </p:nvCxnSpPr>
         <p:spPr>
           <a:xfrm>
-            <a:off x="7020560" y="4080272"/>
-            <a:ext cx="1365250" cy="635"/>
+            <a:off x="7020560" y="4072669"/>
+            <a:ext cx="1365250" cy="8238"/>
           </a:xfrm>
           <a:prstGeom prst="straightConnector1">
             <a:avLst/>
@@ -13853,6 +15278,29 @@
           </a:fontRef>
         </p:style>
       </p:cxnSp>
+      <p:sp>
+        <p:nvSpPr>
+          <p:cNvPr id="4" name="Slide Number Placeholder 3"/>
+          <p:cNvSpPr>
+            <a:spLocks noGrp="1"/>
+          </p:cNvSpPr>
+          <p:nvPr>
+            <p:ph type="sldNum" sz="quarter" idx="12"/>
+          </p:nvPr>
+        </p:nvSpPr>
+        <p:spPr/>
+        <p:txBody>
+          <a:bodyPr/>
+          <a:lstStyle/>
+          <a:p>
+            <a:fld id="{4FAB73BC-B049-4115-A692-8D63A059BFB8}" type="slidenum">
+              <a:rPr lang="en-US" smtClean="0"/>
+              <a:t>43</a:t>
+            </a:fld>
+            <a:endParaRPr lang="en-US" dirty="0"/>
+          </a:p>
+        </p:txBody>
+      </p:sp>
     </p:spTree>
     <p:extLst>
       <p:ext uri="{BB962C8B-B14F-4D97-AF65-F5344CB8AC3E}">
@@ -13986,6 +15434,29 @@
           </a:p>
         </p:txBody>
       </p:sp>
+      <p:sp>
+        <p:nvSpPr>
+          <p:cNvPr id="4" name="Slide Number Placeholder 3"/>
+          <p:cNvSpPr>
+            <a:spLocks noGrp="1"/>
+          </p:cNvSpPr>
+          <p:nvPr>
+            <p:ph type="sldNum" sz="quarter" idx="12"/>
+          </p:nvPr>
+        </p:nvSpPr>
+        <p:spPr/>
+        <p:txBody>
+          <a:bodyPr/>
+          <a:lstStyle/>
+          <a:p>
+            <a:fld id="{4FAB73BC-B049-4115-A692-8D63A059BFB8}" type="slidenum">
+              <a:rPr lang="en-US" smtClean="0"/>
+              <a:t>44</a:t>
+            </a:fld>
+            <a:endParaRPr lang="en-US" dirty="0"/>
+          </a:p>
+        </p:txBody>
+      </p:sp>
     </p:spTree>
     <p:extLst>
       <p:ext uri="{BB962C8B-B14F-4D97-AF65-F5344CB8AC3E}">
@@ -14273,6 +15744,29 @@
           </a:p>
         </p:txBody>
       </p:sp>
+      <p:sp>
+        <p:nvSpPr>
+          <p:cNvPr id="4" name="Slide Number Placeholder 3"/>
+          <p:cNvSpPr>
+            <a:spLocks noGrp="1"/>
+          </p:cNvSpPr>
+          <p:nvPr>
+            <p:ph type="sldNum" sz="quarter" idx="12"/>
+          </p:nvPr>
+        </p:nvSpPr>
+        <p:spPr/>
+        <p:txBody>
+          <a:bodyPr/>
+          <a:lstStyle/>
+          <a:p>
+            <a:fld id="{4FAB73BC-B049-4115-A692-8D63A059BFB8}" type="slidenum">
+              <a:rPr lang="en-US" smtClean="0"/>
+              <a:t>45</a:t>
+            </a:fld>
+            <a:endParaRPr lang="en-US" dirty="0"/>
+          </a:p>
+        </p:txBody>
+      </p:sp>
     </p:spTree>
     <p:extLst>
       <p:ext uri="{BB962C8B-B14F-4D97-AF65-F5344CB8AC3E}">
@@ -14480,6 +15974,29 @@
           </a:p>
         </p:txBody>
       </p:sp>
+      <p:sp>
+        <p:nvSpPr>
+          <p:cNvPr id="4" name="Slide Number Placeholder 3"/>
+          <p:cNvSpPr>
+            <a:spLocks noGrp="1"/>
+          </p:cNvSpPr>
+          <p:nvPr>
+            <p:ph type="sldNum" sz="quarter" idx="12"/>
+          </p:nvPr>
+        </p:nvSpPr>
+        <p:spPr/>
+        <p:txBody>
+          <a:bodyPr/>
+          <a:lstStyle/>
+          <a:p>
+            <a:fld id="{4FAB73BC-B049-4115-A692-8D63A059BFB8}" type="slidenum">
+              <a:rPr lang="en-US" smtClean="0"/>
+              <a:t>46</a:t>
+            </a:fld>
+            <a:endParaRPr lang="en-US" dirty="0"/>
+          </a:p>
+        </p:txBody>
+      </p:sp>
     </p:spTree>
     <p:extLst>
       <p:ext uri="{BB962C8B-B14F-4D97-AF65-F5344CB8AC3E}">
@@ -14761,6 +16278,29 @@
           </a:p>
         </p:txBody>
       </p:sp>
+      <p:sp>
+        <p:nvSpPr>
+          <p:cNvPr id="4" name="Slide Number Placeholder 3"/>
+          <p:cNvSpPr>
+            <a:spLocks noGrp="1"/>
+          </p:cNvSpPr>
+          <p:nvPr>
+            <p:ph type="sldNum" sz="quarter" idx="12"/>
+          </p:nvPr>
+        </p:nvSpPr>
+        <p:spPr/>
+        <p:txBody>
+          <a:bodyPr/>
+          <a:lstStyle/>
+          <a:p>
+            <a:fld id="{4FAB73BC-B049-4115-A692-8D63A059BFB8}" type="slidenum">
+              <a:rPr lang="en-US" smtClean="0"/>
+              <a:t>47</a:t>
+            </a:fld>
+            <a:endParaRPr lang="en-US" dirty="0"/>
+          </a:p>
+        </p:txBody>
+      </p:sp>
     </p:spTree>
     <p:extLst>
       <p:ext uri="{BB962C8B-B14F-4D97-AF65-F5344CB8AC3E}">
@@ -15006,6 +16546,29 @@
           </a:p>
         </p:txBody>
       </p:sp>
+      <p:sp>
+        <p:nvSpPr>
+          <p:cNvPr id="4" name="Slide Number Placeholder 3"/>
+          <p:cNvSpPr>
+            <a:spLocks noGrp="1"/>
+          </p:cNvSpPr>
+          <p:nvPr>
+            <p:ph type="sldNum" sz="quarter" idx="12"/>
+          </p:nvPr>
+        </p:nvSpPr>
+        <p:spPr/>
+        <p:txBody>
+          <a:bodyPr/>
+          <a:lstStyle/>
+          <a:p>
+            <a:fld id="{4FAB73BC-B049-4115-A692-8D63A059BFB8}" type="slidenum">
+              <a:rPr lang="en-US" smtClean="0"/>
+              <a:t>48</a:t>
+            </a:fld>
+            <a:endParaRPr lang="en-US" dirty="0"/>
+          </a:p>
+        </p:txBody>
+      </p:sp>
     </p:spTree>
     <p:extLst>
       <p:ext uri="{BB962C8B-B14F-4D97-AF65-F5344CB8AC3E}">
@@ -15181,6 +16744,29 @@
           </a:p>
         </p:txBody>
       </p:sp>
+      <p:sp>
+        <p:nvSpPr>
+          <p:cNvPr id="4" name="Slide Number Placeholder 3"/>
+          <p:cNvSpPr>
+            <a:spLocks noGrp="1"/>
+          </p:cNvSpPr>
+          <p:nvPr>
+            <p:ph type="sldNum" sz="quarter" idx="12"/>
+          </p:nvPr>
+        </p:nvSpPr>
+        <p:spPr/>
+        <p:txBody>
+          <a:bodyPr/>
+          <a:lstStyle/>
+          <a:p>
+            <a:fld id="{4FAB73BC-B049-4115-A692-8D63A059BFB8}" type="slidenum">
+              <a:rPr lang="en-US" smtClean="0"/>
+              <a:t>49</a:t>
+            </a:fld>
+            <a:endParaRPr lang="en-US" dirty="0"/>
+          </a:p>
+        </p:txBody>
+      </p:sp>
     </p:spTree>
     <p:extLst>
       <p:ext uri="{BB962C8B-B14F-4D97-AF65-F5344CB8AC3E}">
@@ -15412,6 +16998,29 @@
           </a:p>
         </p:txBody>
       </p:sp>
+      <p:sp>
+        <p:nvSpPr>
+          <p:cNvPr id="4" name="Slide Number Placeholder 3"/>
+          <p:cNvSpPr>
+            <a:spLocks noGrp="1"/>
+          </p:cNvSpPr>
+          <p:nvPr>
+            <p:ph type="sldNum" sz="quarter" idx="12"/>
+          </p:nvPr>
+        </p:nvSpPr>
+        <p:spPr/>
+        <p:txBody>
+          <a:bodyPr/>
+          <a:lstStyle/>
+          <a:p>
+            <a:fld id="{4FAB73BC-B049-4115-A692-8D63A059BFB8}" type="slidenum">
+              <a:rPr lang="en-US" smtClean="0"/>
+              <a:t>5</a:t>
+            </a:fld>
+            <a:endParaRPr lang="en-US" dirty="0"/>
+          </a:p>
+        </p:txBody>
+      </p:sp>
     </p:spTree>
     <p:extLst>
       <p:ext uri="{BB962C8B-B14F-4D97-AF65-F5344CB8AC3E}">
@@ -15518,11 +17127,7 @@
             </a:pPr>
             <a:r>
               <a:rPr lang="en-US"/>
-              <a:t>shared_ptr&lt;SDL_Surface&gt;(</a:t>
-            </a:r>
-            <a:r>
-              <a:rPr lang="en-US"/>
-              <a:t>SDL_LoadBMP</a:t>
+              <a:t>shared_ptr&lt;SDL_Surface&gt;(SDL_LoadBMP</a:t>
             </a:r>
             <a:r>
               <a:rPr lang="en-US" smtClean="0"/>
@@ -15573,6 +17178,29 @@
               <a:t>Кто-нибудь понимает почему это так? </a:t>
             </a:r>
             <a:endParaRPr lang="en-US"/>
+          </a:p>
+        </p:txBody>
+      </p:sp>
+      <p:sp>
+        <p:nvSpPr>
+          <p:cNvPr id="4" name="Slide Number Placeholder 3"/>
+          <p:cNvSpPr>
+            <a:spLocks noGrp="1"/>
+          </p:cNvSpPr>
+          <p:nvPr>
+            <p:ph type="sldNum" sz="quarter" idx="12"/>
+          </p:nvPr>
+        </p:nvSpPr>
+        <p:spPr/>
+        <p:txBody>
+          <a:bodyPr/>
+          <a:lstStyle/>
+          <a:p>
+            <a:fld id="{4FAB73BC-B049-4115-A692-8D63A059BFB8}" type="slidenum">
+              <a:rPr lang="en-US" smtClean="0"/>
+              <a:t>50</a:t>
+            </a:fld>
+            <a:endParaRPr lang="en-US" dirty="0"/>
           </a:p>
         </p:txBody>
       </p:sp>
@@ -15665,11 +17293,7 @@
           <a:p>
             <a:r>
               <a:rPr lang="ru-RU" sz="2400" smtClean="0"/>
-              <a:t>Этой картинке </a:t>
-            </a:r>
-            <a:r>
-              <a:rPr lang="ru-RU" sz="2400" smtClean="0"/>
-              <a:t>уже можно до какой-то степени верить</a:t>
+              <a:t>Этой картинке уже можно до какой-то степени верить</a:t>
             </a:r>
             <a:endParaRPr lang="en-US" sz="2400"/>
           </a:p>
@@ -16299,6 +17923,29 @@
           </a:fontRef>
         </p:style>
       </p:cxnSp>
+      <p:sp>
+        <p:nvSpPr>
+          <p:cNvPr id="5" name="Slide Number Placeholder 4"/>
+          <p:cNvSpPr>
+            <a:spLocks noGrp="1"/>
+          </p:cNvSpPr>
+          <p:nvPr>
+            <p:ph type="sldNum" sz="quarter" idx="12"/>
+          </p:nvPr>
+        </p:nvSpPr>
+        <p:spPr/>
+        <p:txBody>
+          <a:bodyPr/>
+          <a:lstStyle/>
+          <a:p>
+            <a:fld id="{4FAB73BC-B049-4115-A692-8D63A059BFB8}" type="slidenum">
+              <a:rPr lang="en-US" smtClean="0"/>
+              <a:t>51</a:t>
+            </a:fld>
+            <a:endParaRPr lang="en-US" dirty="0"/>
+          </a:p>
+        </p:txBody>
+      </p:sp>
     </p:spTree>
     <p:extLst>
       <p:ext uri="{BB962C8B-B14F-4D97-AF65-F5344CB8AC3E}">
@@ -16388,11 +18035,7 @@
           <a:p>
             <a:r>
               <a:rPr lang="ru-RU" sz="2400" smtClean="0"/>
-              <a:t>Этой картинке </a:t>
-            </a:r>
-            <a:r>
-              <a:rPr lang="ru-RU" sz="2400" smtClean="0"/>
-              <a:t>уже можно до какой-то степени верить</a:t>
+              <a:t>Этой картинке уже можно до какой-то степени верить</a:t>
             </a:r>
             <a:endParaRPr lang="en-US" sz="2400"/>
           </a:p>
@@ -16837,7 +18480,7 @@
         </p:nvSpPr>
         <p:spPr>
           <a:xfrm>
-            <a:off x="5506720" y="3678952"/>
+            <a:off x="5506720" y="3676514"/>
             <a:ext cx="1513840" cy="802640"/>
           </a:xfrm>
           <a:prstGeom prst="rect">
@@ -16901,7 +18544,7 @@
         <p:spPr>
           <a:xfrm flipV="1">
             <a:off x="7020560" y="3564763"/>
-            <a:ext cx="1365250" cy="515509"/>
+            <a:ext cx="1365250" cy="513071"/>
           </a:xfrm>
           <a:prstGeom prst="straightConnector1">
             <a:avLst/>
@@ -16985,6 +18628,29 @@
                 </a:solidFill>
               </a:ln>
             </a:endParaRPr>
+          </a:p>
+        </p:txBody>
+      </p:sp>
+      <p:sp>
+        <p:nvSpPr>
+          <p:cNvPr id="4" name="Slide Number Placeholder 3"/>
+          <p:cNvSpPr>
+            <a:spLocks noGrp="1"/>
+          </p:cNvSpPr>
+          <p:nvPr>
+            <p:ph type="sldNum" sz="quarter" idx="12"/>
+          </p:nvPr>
+        </p:nvSpPr>
+        <p:spPr/>
+        <p:txBody>
+          <a:bodyPr/>
+          <a:lstStyle/>
+          <a:p>
+            <a:fld id="{4FAB73BC-B049-4115-A692-8D63A059BFB8}" type="slidenum">
+              <a:rPr lang="en-US" smtClean="0"/>
+              <a:t>52</a:t>
+            </a:fld>
+            <a:endParaRPr lang="en-US" dirty="0"/>
           </a:p>
         </p:txBody>
       </p:sp>
@@ -17091,6 +18757,29 @@
           </a:p>
         </p:txBody>
       </p:sp>
+      <p:sp>
+        <p:nvSpPr>
+          <p:cNvPr id="4" name="Slide Number Placeholder 3"/>
+          <p:cNvSpPr>
+            <a:spLocks noGrp="1"/>
+          </p:cNvSpPr>
+          <p:nvPr>
+            <p:ph type="sldNum" sz="quarter" idx="12"/>
+          </p:nvPr>
+        </p:nvSpPr>
+        <p:spPr/>
+        <p:txBody>
+          <a:bodyPr/>
+          <a:lstStyle/>
+          <a:p>
+            <a:fld id="{4FAB73BC-B049-4115-A692-8D63A059BFB8}" type="slidenum">
+              <a:rPr lang="en-US" smtClean="0"/>
+              <a:t>53</a:t>
+            </a:fld>
+            <a:endParaRPr lang="en-US" dirty="0"/>
+          </a:p>
+        </p:txBody>
+      </p:sp>
     </p:spTree>
     <p:extLst>
       <p:ext uri="{BB962C8B-B14F-4D97-AF65-F5344CB8AC3E}">
@@ -17201,6 +18890,29 @@
           </a:p>
         </p:txBody>
       </p:sp>
+      <p:sp>
+        <p:nvSpPr>
+          <p:cNvPr id="2" name="Slide Number Placeholder 1"/>
+          <p:cNvSpPr>
+            <a:spLocks noGrp="1"/>
+          </p:cNvSpPr>
+          <p:nvPr>
+            <p:ph type="sldNum" sz="quarter" idx="12"/>
+          </p:nvPr>
+        </p:nvSpPr>
+        <p:spPr/>
+        <p:txBody>
+          <a:bodyPr/>
+          <a:lstStyle/>
+          <a:p>
+            <a:fld id="{4FAB73BC-B049-4115-A692-8D63A059BFB8}" type="slidenum">
+              <a:rPr lang="en-US" smtClean="0"/>
+              <a:t>54</a:t>
+            </a:fld>
+            <a:endParaRPr lang="en-US" dirty="0"/>
+          </a:p>
+        </p:txBody>
+      </p:sp>
     </p:spTree>
     <p:extLst>
       <p:ext uri="{BB962C8B-B14F-4D97-AF65-F5344CB8AC3E}">
@@ -17413,7 +19125,19 @@
               <a:rPr lang="en-US" smtClean="0">
                 <a:latin typeface="Consolas" panose="020B0609020204030204" pitchFamily="49" charset="0"/>
               </a:rPr>
-              <a:t>  slave.parent = master;</a:t>
+              <a:t>  </a:t>
+            </a:r>
+            <a:r>
+              <a:rPr lang="en-US" smtClean="0">
+                <a:latin typeface="Consolas" panose="020B0609020204030204" pitchFamily="49" charset="0"/>
+              </a:rPr>
+              <a:t>slave-&gt;parent </a:t>
+            </a:r>
+            <a:r>
+              <a:rPr lang="en-US" smtClean="0">
+                <a:latin typeface="Consolas" panose="020B0609020204030204" pitchFamily="49" charset="0"/>
+              </a:rPr>
+              <a:t>= master;</a:t>
             </a:r>
             <a:r>
               <a:rPr lang="ru-RU" smtClean="0">
@@ -17448,7 +19172,19 @@
               <a:rPr lang="en-US" smtClean="0">
                 <a:latin typeface="Consolas" panose="020B0609020204030204" pitchFamily="49" charset="0"/>
               </a:rPr>
-              <a:t>  master.left = slave;</a:t>
+              <a:t>  </a:t>
+            </a:r>
+            <a:r>
+              <a:rPr lang="en-US" smtClean="0">
+                <a:latin typeface="Consolas" panose="020B0609020204030204" pitchFamily="49" charset="0"/>
+              </a:rPr>
+              <a:t>master-&gt;left </a:t>
+            </a:r>
+            <a:r>
+              <a:rPr lang="en-US" smtClean="0">
+                <a:latin typeface="Consolas" panose="020B0609020204030204" pitchFamily="49" charset="0"/>
+              </a:rPr>
+              <a:t>= slave;</a:t>
             </a:r>
             <a:r>
               <a:rPr lang="ru-RU" smtClean="0">
@@ -17519,6 +19255,29 @@
               <a:t>.</a:t>
             </a:r>
             <a:endParaRPr lang="en-US"/>
+          </a:p>
+        </p:txBody>
+      </p:sp>
+      <p:sp>
+        <p:nvSpPr>
+          <p:cNvPr id="4" name="Slide Number Placeholder 3"/>
+          <p:cNvSpPr>
+            <a:spLocks noGrp="1"/>
+          </p:cNvSpPr>
+          <p:nvPr>
+            <p:ph type="sldNum" sz="quarter" idx="12"/>
+          </p:nvPr>
+        </p:nvSpPr>
+        <p:spPr/>
+        <p:txBody>
+          <a:bodyPr/>
+          <a:lstStyle/>
+          <a:p>
+            <a:fld id="{4FAB73BC-B049-4115-A692-8D63A059BFB8}" type="slidenum">
+              <a:rPr lang="en-US" smtClean="0"/>
+              <a:t>55</a:t>
+            </a:fld>
+            <a:endParaRPr lang="en-US" dirty="0"/>
           </a:p>
         </p:txBody>
       </p:sp>
@@ -17769,7 +19528,19 @@
               <a:rPr lang="en-US" smtClean="0">
                 <a:latin typeface="Consolas" panose="020B0609020204030204" pitchFamily="49" charset="0"/>
               </a:rPr>
-              <a:t>  slave.parent = master;</a:t>
+              <a:t>  </a:t>
+            </a:r>
+            <a:r>
+              <a:rPr lang="en-US" smtClean="0">
+                <a:latin typeface="Consolas" panose="020B0609020204030204" pitchFamily="49" charset="0"/>
+              </a:rPr>
+              <a:t>slave-&gt;parent </a:t>
+            </a:r>
+            <a:r>
+              <a:rPr lang="en-US" smtClean="0">
+                <a:latin typeface="Consolas" panose="020B0609020204030204" pitchFamily="49" charset="0"/>
+              </a:rPr>
+              <a:t>= master;</a:t>
             </a:r>
             <a:r>
               <a:rPr lang="ru-RU" smtClean="0">
@@ -17819,7 +19590,19 @@
               <a:rPr lang="en-US" smtClean="0">
                 <a:latin typeface="Consolas" panose="020B0609020204030204" pitchFamily="49" charset="0"/>
               </a:rPr>
-              <a:t>  master.left = slave;</a:t>
+              <a:t>  </a:t>
+            </a:r>
+            <a:r>
+              <a:rPr lang="en-US" smtClean="0">
+                <a:latin typeface="Consolas" panose="020B0609020204030204" pitchFamily="49" charset="0"/>
+              </a:rPr>
+              <a:t>master-&gt;left </a:t>
+            </a:r>
+            <a:r>
+              <a:rPr lang="en-US" smtClean="0">
+                <a:latin typeface="Consolas" panose="020B0609020204030204" pitchFamily="49" charset="0"/>
+              </a:rPr>
+              <a:t>= slave;</a:t>
             </a:r>
             <a:r>
               <a:rPr lang="ru-RU" smtClean="0">
@@ -17914,6 +19697,29 @@
               <a:t>Теперь всё хорошо за счёт слабого владения</a:t>
             </a:r>
             <a:endParaRPr lang="en-US"/>
+          </a:p>
+        </p:txBody>
+      </p:sp>
+      <p:sp>
+        <p:nvSpPr>
+          <p:cNvPr id="4" name="Slide Number Placeholder 3"/>
+          <p:cNvSpPr>
+            <a:spLocks noGrp="1"/>
+          </p:cNvSpPr>
+          <p:nvPr>
+            <p:ph type="sldNum" sz="quarter" idx="12"/>
+          </p:nvPr>
+        </p:nvSpPr>
+        <p:spPr/>
+        <p:txBody>
+          <a:bodyPr/>
+          <a:lstStyle/>
+          <a:p>
+            <a:fld id="{4FAB73BC-B049-4115-A692-8D63A059BFB8}" type="slidenum">
+              <a:rPr lang="en-US" smtClean="0"/>
+              <a:t>56</a:t>
+            </a:fld>
+            <a:endParaRPr lang="en-US" dirty="0"/>
           </a:p>
         </p:txBody>
       </p:sp>
@@ -18104,6 +19910,29 @@
           </a:p>
         </p:txBody>
       </p:sp>
+      <p:sp>
+        <p:nvSpPr>
+          <p:cNvPr id="4" name="Slide Number Placeholder 3"/>
+          <p:cNvSpPr>
+            <a:spLocks noGrp="1"/>
+          </p:cNvSpPr>
+          <p:nvPr>
+            <p:ph type="sldNum" sz="quarter" idx="12"/>
+          </p:nvPr>
+        </p:nvSpPr>
+        <p:spPr/>
+        <p:txBody>
+          <a:bodyPr/>
+          <a:lstStyle/>
+          <a:p>
+            <a:fld id="{4FAB73BC-B049-4115-A692-8D63A059BFB8}" type="slidenum">
+              <a:rPr lang="en-US" smtClean="0"/>
+              <a:t>57</a:t>
+            </a:fld>
+            <a:endParaRPr lang="en-US" dirty="0"/>
+          </a:p>
+        </p:txBody>
+      </p:sp>
     </p:spTree>
     <p:extLst>
       <p:ext uri="{BB962C8B-B14F-4D97-AF65-F5344CB8AC3E}">
@@ -18275,6 +20104,29 @@
               <a:t>Это создаёт возможность контроля валидности состояния слабых указателей</a:t>
             </a:r>
             <a:endParaRPr lang="en-US" smtClean="0"/>
+          </a:p>
+        </p:txBody>
+      </p:sp>
+      <p:sp>
+        <p:nvSpPr>
+          <p:cNvPr id="4" name="Slide Number Placeholder 3"/>
+          <p:cNvSpPr>
+            <a:spLocks noGrp="1"/>
+          </p:cNvSpPr>
+          <p:nvPr>
+            <p:ph type="sldNum" sz="quarter" idx="12"/>
+          </p:nvPr>
+        </p:nvSpPr>
+        <p:spPr/>
+        <p:txBody>
+          <a:bodyPr/>
+          <a:lstStyle/>
+          <a:p>
+            <a:fld id="{4FAB73BC-B049-4115-A692-8D63A059BFB8}" type="slidenum">
+              <a:rPr lang="en-US" smtClean="0"/>
+              <a:t>58</a:t>
+            </a:fld>
+            <a:endParaRPr lang="en-US" dirty="0"/>
           </a:p>
         </p:txBody>
       </p:sp>
@@ -19102,17 +20954,7 @@
                   </a:solidFill>
                 </a:ln>
               </a:rPr>
-              <a:t>Data </a:t>
-            </a:r>
-            <a:r>
-              <a:rPr lang="en-US" smtClean="0">
-                <a:ln>
-                  <a:solidFill>
-                    <a:schemeClr val="tx1"/>
-                  </a:solidFill>
-                </a:ln>
-              </a:rPr>
-              <a:t>pointer</a:t>
+              <a:t>Data pointer</a:t>
             </a:r>
             <a:endParaRPr lang="en-US">
               <a:ln>
@@ -19132,7 +20974,7 @@
         </p:nvSpPr>
         <p:spPr>
           <a:xfrm>
-            <a:off x="9304274" y="4059936"/>
+            <a:off x="9307322" y="4059936"/>
             <a:ext cx="1371600" cy="802640"/>
           </a:xfrm>
           <a:prstGeom prst="rect">
@@ -19223,6 +21065,29 @@
           </a:fontRef>
         </p:style>
       </p:cxnSp>
+      <p:sp>
+        <p:nvSpPr>
+          <p:cNvPr id="3" name="Slide Number Placeholder 2"/>
+          <p:cNvSpPr>
+            <a:spLocks noGrp="1"/>
+          </p:cNvSpPr>
+          <p:nvPr>
+            <p:ph type="sldNum" sz="quarter" idx="12"/>
+          </p:nvPr>
+        </p:nvSpPr>
+        <p:spPr/>
+        <p:txBody>
+          <a:bodyPr/>
+          <a:lstStyle/>
+          <a:p>
+            <a:fld id="{4FAB73BC-B049-4115-A692-8D63A059BFB8}" type="slidenum">
+              <a:rPr lang="en-US" smtClean="0"/>
+              <a:t>59</a:t>
+            </a:fld>
+            <a:endParaRPr lang="en-US" dirty="0"/>
+          </a:p>
+        </p:txBody>
+      </p:sp>
     </p:spTree>
     <p:extLst>
       <p:ext uri="{BB962C8B-B14F-4D97-AF65-F5344CB8AC3E}">
@@ -19320,7 +21185,18 @@
               <a:rPr lang="en-US" sz="2000" smtClean="0">
                 <a:latin typeface="Consolas" panose="020B0609020204030204" pitchFamily="49" charset="0"/>
               </a:rPr>
-              <a:t>  RAIIPtr&lt;int&gt; ptr1(42);</a:t>
+              <a:t>  int *pint = new int(42);</a:t>
+            </a:r>
+            <a:br>
+              <a:rPr lang="en-US" sz="2000" smtClean="0">
+                <a:latin typeface="Consolas" panose="020B0609020204030204" pitchFamily="49" charset="0"/>
+              </a:rPr>
+            </a:br>
+            <a:r>
+              <a:rPr lang="en-US" sz="2000" smtClean="0">
+                <a:latin typeface="Consolas" panose="020B0609020204030204" pitchFamily="49" charset="0"/>
+              </a:rPr>
+              <a:t>  RAIIPtr&lt;int&gt; ptr1(pint);</a:t>
             </a:r>
             <a:br>
               <a:rPr lang="en-US" sz="2000" smtClean="0">
@@ -20018,6 +21894,29 @@
           </a:fontRef>
         </p:style>
       </p:cxnSp>
+      <p:sp>
+        <p:nvSpPr>
+          <p:cNvPr id="4" name="Slide Number Placeholder 3"/>
+          <p:cNvSpPr>
+            <a:spLocks noGrp="1"/>
+          </p:cNvSpPr>
+          <p:nvPr>
+            <p:ph type="sldNum" sz="quarter" idx="12"/>
+          </p:nvPr>
+        </p:nvSpPr>
+        <p:spPr/>
+        <p:txBody>
+          <a:bodyPr/>
+          <a:lstStyle/>
+          <a:p>
+            <a:fld id="{4FAB73BC-B049-4115-A692-8D63A059BFB8}" type="slidenum">
+              <a:rPr lang="en-US" smtClean="0"/>
+              <a:t>6</a:t>
+            </a:fld>
+            <a:endParaRPr lang="en-US" dirty="0"/>
+          </a:p>
+        </p:txBody>
+      </p:sp>
     </p:spTree>
     <p:extLst>
       <p:ext uri="{BB962C8B-B14F-4D97-AF65-F5344CB8AC3E}">
@@ -20032,6 +21931,441 @@
 </file>
 
 <file path=ppt/slides/slide60.xml><?xml version="1.0" encoding="utf-8"?>
+<p:sld xmlns:a="http://schemas.openxmlformats.org/drawingml/2006/main" xmlns:r="http://schemas.openxmlformats.org/officeDocument/2006/relationships" xmlns:p="http://schemas.openxmlformats.org/presentationml/2006/main">
+  <p:cSld>
+    <p:spTree>
+      <p:nvGrpSpPr>
+        <p:cNvPr id="1" name=""/>
+        <p:cNvGrpSpPr/>
+        <p:nvPr/>
+      </p:nvGrpSpPr>
+      <p:grpSpPr>
+        <a:xfrm>
+          <a:off x="0" y="0"/>
+          <a:ext cx="0" cy="0"/>
+          <a:chOff x="0" y="0"/>
+          <a:chExt cx="0" cy="0"/>
+        </a:xfrm>
+      </p:grpSpPr>
+      <p:sp>
+        <p:nvSpPr>
+          <p:cNvPr id="2" name="Title 1"/>
+          <p:cNvSpPr>
+            <a:spLocks noGrp="1"/>
+          </p:cNvSpPr>
+          <p:nvPr>
+            <p:ph type="title"/>
+          </p:nvPr>
+        </p:nvSpPr>
+        <p:spPr/>
+        <p:txBody>
+          <a:bodyPr/>
+          <a:lstStyle/>
+          <a:p>
+            <a:r>
+              <a:rPr lang="ru-RU" smtClean="0"/>
+              <a:t>Обсуждение</a:t>
+            </a:r>
+            <a:endParaRPr lang="en-US"/>
+          </a:p>
+        </p:txBody>
+      </p:sp>
+      <p:sp>
+        <p:nvSpPr>
+          <p:cNvPr id="3" name="Content Placeholder 2"/>
+          <p:cNvSpPr>
+            <a:spLocks noGrp="1"/>
+          </p:cNvSpPr>
+          <p:nvPr>
+            <p:ph idx="1"/>
+          </p:nvPr>
+        </p:nvSpPr>
+        <p:spPr>
+          <a:xfrm>
+            <a:off x="1143000" y="2057400"/>
+            <a:ext cx="10076688" cy="4038600"/>
+          </a:xfrm>
+        </p:spPr>
+        <p:txBody>
+          <a:bodyPr/>
+          <a:lstStyle/>
+          <a:p>
+            <a:r>
+              <a:rPr lang="ru-RU" smtClean="0"/>
+              <a:t>У </a:t>
+            </a:r>
+            <a:r>
+              <a:rPr lang="en-US" smtClean="0"/>
+              <a:t>shared_ptr </a:t>
+            </a:r>
+            <a:r>
+              <a:rPr lang="ru-RU" smtClean="0"/>
+              <a:t>есть метод </a:t>
+            </a:r>
+            <a:r>
+              <a:rPr lang="en-US" smtClean="0"/>
+              <a:t>use_count </a:t>
+            </a:r>
+            <a:r>
+              <a:rPr lang="ru-RU" smtClean="0"/>
+              <a:t>возвращающий значение сильного счётчика ссылок.</a:t>
+            </a:r>
+          </a:p>
+          <a:p>
+            <a:r>
+              <a:rPr lang="ru-RU" smtClean="0"/>
+              <a:t>Вам принесли следующий код</a:t>
+            </a:r>
+            <a:r>
+              <a:rPr lang="en-US" smtClean="0"/>
+              <a:t> (</a:t>
+            </a:r>
+            <a:r>
+              <a:rPr lang="ru-RU" smtClean="0"/>
+              <a:t>известно, что программа многопоточная</a:t>
+            </a:r>
+            <a:r>
+              <a:rPr lang="en-US" smtClean="0"/>
+              <a:t>)</a:t>
+            </a:r>
+            <a:r>
+              <a:rPr lang="ru-RU" smtClean="0"/>
+              <a:t>:</a:t>
+            </a:r>
+          </a:p>
+          <a:p>
+            <a:pPr marL="45720" indent="0">
+              <a:buNone/>
+            </a:pPr>
+            <a:r>
+              <a:rPr lang="en-US" smtClean="0">
+                <a:latin typeface="Consolas" panose="020B0609020204030204" pitchFamily="49" charset="0"/>
+              </a:rPr>
+              <a:t>template &lt;typename T, typename F&gt;</a:t>
+            </a:r>
+            <a:br>
+              <a:rPr lang="en-US" smtClean="0">
+                <a:latin typeface="Consolas" panose="020B0609020204030204" pitchFamily="49" charset="0"/>
+              </a:rPr>
+            </a:br>
+            <a:r>
+              <a:rPr lang="en-US" smtClean="0">
+                <a:latin typeface="Consolas" panose="020B0609020204030204" pitchFamily="49" charset="0"/>
+              </a:rPr>
+              <a:t>void do_if_single (shared_ptr&lt;T&gt; sptr, F action) {</a:t>
+            </a:r>
+            <a:br>
+              <a:rPr lang="en-US" smtClean="0">
+                <a:latin typeface="Consolas" panose="020B0609020204030204" pitchFamily="49" charset="0"/>
+              </a:rPr>
+            </a:br>
+            <a:r>
+              <a:rPr lang="en-US" smtClean="0">
+                <a:latin typeface="Consolas" panose="020B0609020204030204" pitchFamily="49" charset="0"/>
+              </a:rPr>
+              <a:t>  if (sptr.use_count() == 1)</a:t>
+            </a:r>
+            <a:br>
+              <a:rPr lang="en-US" smtClean="0">
+                <a:latin typeface="Consolas" panose="020B0609020204030204" pitchFamily="49" charset="0"/>
+              </a:rPr>
+            </a:br>
+            <a:r>
+              <a:rPr lang="en-US" smtClean="0">
+                <a:latin typeface="Consolas" panose="020B0609020204030204" pitchFamily="49" charset="0"/>
+              </a:rPr>
+              <a:t>    action();</a:t>
+            </a:r>
+            <a:br>
+              <a:rPr lang="en-US" smtClean="0">
+                <a:latin typeface="Consolas" panose="020B0609020204030204" pitchFamily="49" charset="0"/>
+              </a:rPr>
+            </a:br>
+            <a:r>
+              <a:rPr lang="en-US" smtClean="0">
+                <a:latin typeface="Consolas" panose="020B0609020204030204" pitchFamily="49" charset="0"/>
+              </a:rPr>
+              <a:t>}</a:t>
+            </a:r>
+            <a:endParaRPr lang="ru-RU" smtClean="0">
+              <a:latin typeface="Consolas" panose="020B0609020204030204" pitchFamily="49" charset="0"/>
+            </a:endParaRPr>
+          </a:p>
+          <a:p>
+            <a:r>
+              <a:rPr lang="ru-RU" smtClean="0"/>
+              <a:t>Что вы скажете создателю этого кода?</a:t>
+            </a:r>
+            <a:endParaRPr lang="en-US"/>
+          </a:p>
+        </p:txBody>
+      </p:sp>
+      <p:sp>
+        <p:nvSpPr>
+          <p:cNvPr id="4" name="Slide Number Placeholder 3"/>
+          <p:cNvSpPr>
+            <a:spLocks noGrp="1"/>
+          </p:cNvSpPr>
+          <p:nvPr>
+            <p:ph type="sldNum" sz="quarter" idx="12"/>
+          </p:nvPr>
+        </p:nvSpPr>
+        <p:spPr/>
+        <p:txBody>
+          <a:bodyPr/>
+          <a:lstStyle/>
+          <a:p>
+            <a:fld id="{4FAB73BC-B049-4115-A692-8D63A059BFB8}" type="slidenum">
+              <a:rPr lang="en-US" smtClean="0"/>
+              <a:t>60</a:t>
+            </a:fld>
+            <a:endParaRPr lang="en-US" dirty="0"/>
+          </a:p>
+        </p:txBody>
+      </p:sp>
+    </p:spTree>
+    <p:extLst>
+      <p:ext uri="{BB962C8B-B14F-4D97-AF65-F5344CB8AC3E}">
+        <p14:creationId xmlns:p14="http://schemas.microsoft.com/office/powerpoint/2010/main" val="3301990111"/>
+      </p:ext>
+    </p:extLst>
+  </p:cSld>
+  <p:clrMapOvr>
+    <a:masterClrMapping/>
+  </p:clrMapOvr>
+</p:sld>
+</file>
+
+<file path=ppt/slides/slide61.xml><?xml version="1.0" encoding="utf-8"?>
+<p:sld xmlns:a="http://schemas.openxmlformats.org/drawingml/2006/main" xmlns:r="http://schemas.openxmlformats.org/officeDocument/2006/relationships" xmlns:p="http://schemas.openxmlformats.org/presentationml/2006/main">
+  <p:cSld>
+    <p:spTree>
+      <p:nvGrpSpPr>
+        <p:cNvPr id="1" name=""/>
+        <p:cNvGrpSpPr/>
+        <p:nvPr/>
+      </p:nvGrpSpPr>
+      <p:grpSpPr>
+        <a:xfrm>
+          <a:off x="0" y="0"/>
+          <a:ext cx="0" cy="0"/>
+          <a:chOff x="0" y="0"/>
+          <a:chExt cx="0" cy="0"/>
+        </a:xfrm>
+      </p:grpSpPr>
+      <p:sp>
+        <p:nvSpPr>
+          <p:cNvPr id="2" name="Title 1"/>
+          <p:cNvSpPr>
+            <a:spLocks noGrp="1"/>
+          </p:cNvSpPr>
+          <p:nvPr>
+            <p:ph type="title"/>
+          </p:nvPr>
+        </p:nvSpPr>
+        <p:spPr/>
+        <p:txBody>
+          <a:bodyPr/>
+          <a:lstStyle/>
+          <a:p>
+            <a:r>
+              <a:rPr lang="ru-RU" smtClean="0"/>
+              <a:t>Обсуждение</a:t>
+            </a:r>
+            <a:endParaRPr lang="en-US"/>
+          </a:p>
+        </p:txBody>
+      </p:sp>
+      <p:sp>
+        <p:nvSpPr>
+          <p:cNvPr id="3" name="Content Placeholder 2"/>
+          <p:cNvSpPr>
+            <a:spLocks noGrp="1"/>
+          </p:cNvSpPr>
+          <p:nvPr>
+            <p:ph idx="1"/>
+          </p:nvPr>
+        </p:nvSpPr>
+        <p:spPr>
+          <a:xfrm>
+            <a:off x="1143000" y="2057400"/>
+            <a:ext cx="10168128" cy="4038600"/>
+          </a:xfrm>
+        </p:spPr>
+        <p:txBody>
+          <a:bodyPr/>
+          <a:lstStyle/>
+          <a:p>
+            <a:r>
+              <a:rPr lang="ru-RU" smtClean="0"/>
+              <a:t>У </a:t>
+            </a:r>
+            <a:r>
+              <a:rPr lang="en-US" smtClean="0"/>
+              <a:t>shared_ptr </a:t>
+            </a:r>
+            <a:r>
+              <a:rPr lang="ru-RU" smtClean="0"/>
+              <a:t>есть метод </a:t>
+            </a:r>
+            <a:r>
+              <a:rPr lang="en-US" smtClean="0"/>
+              <a:t>use_count </a:t>
+            </a:r>
+            <a:r>
+              <a:rPr lang="ru-RU" smtClean="0"/>
+              <a:t>возвращающий значение сильного счётчика ссылок.</a:t>
+            </a:r>
+          </a:p>
+          <a:p>
+            <a:r>
+              <a:rPr lang="ru-RU" smtClean="0"/>
+              <a:t>Вам принесли следующий код </a:t>
+            </a:r>
+            <a:r>
+              <a:rPr lang="en-US"/>
+              <a:t>(</a:t>
+            </a:r>
+            <a:r>
+              <a:rPr lang="ru-RU"/>
+              <a:t>известно, что программа многопоточная</a:t>
+            </a:r>
+            <a:r>
+              <a:rPr lang="en-US"/>
+              <a:t>) </a:t>
+            </a:r>
+            <a:r>
+              <a:rPr lang="ru-RU" smtClean="0"/>
+              <a:t>:</a:t>
+            </a:r>
+          </a:p>
+          <a:p>
+            <a:pPr marL="45720" indent="0">
+              <a:buNone/>
+            </a:pPr>
+            <a:r>
+              <a:rPr lang="en-US" smtClean="0">
+                <a:latin typeface="Consolas" panose="020B0609020204030204" pitchFamily="49" charset="0"/>
+              </a:rPr>
+              <a:t>template &lt;typename T, typename F&gt;</a:t>
+            </a:r>
+            <a:br>
+              <a:rPr lang="en-US" smtClean="0">
+                <a:latin typeface="Consolas" panose="020B0609020204030204" pitchFamily="49" charset="0"/>
+              </a:rPr>
+            </a:br>
+            <a:r>
+              <a:rPr lang="en-US" smtClean="0">
+                <a:latin typeface="Consolas" panose="020B0609020204030204" pitchFamily="49" charset="0"/>
+              </a:rPr>
+              <a:t>void do_if_single (shared_ptr&lt;T&gt; sptr, F action) {</a:t>
+            </a:r>
+            <a:br>
+              <a:rPr lang="en-US" smtClean="0">
+                <a:latin typeface="Consolas" panose="020B0609020204030204" pitchFamily="49" charset="0"/>
+              </a:rPr>
+            </a:br>
+            <a:r>
+              <a:rPr lang="en-US" smtClean="0">
+                <a:latin typeface="Consolas" panose="020B0609020204030204" pitchFamily="49" charset="0"/>
+              </a:rPr>
+              <a:t>  if (sptr.use_count() == 1)</a:t>
+            </a:r>
+            <a:br>
+              <a:rPr lang="en-US" smtClean="0">
+                <a:latin typeface="Consolas" panose="020B0609020204030204" pitchFamily="49" charset="0"/>
+              </a:rPr>
+            </a:br>
+            <a:r>
+              <a:rPr lang="en-US" smtClean="0">
+                <a:latin typeface="Consolas" panose="020B0609020204030204" pitchFamily="49" charset="0"/>
+              </a:rPr>
+              <a:t>    action();</a:t>
+            </a:r>
+            <a:br>
+              <a:rPr lang="en-US" smtClean="0">
+                <a:latin typeface="Consolas" panose="020B0609020204030204" pitchFamily="49" charset="0"/>
+              </a:rPr>
+            </a:br>
+            <a:r>
+              <a:rPr lang="en-US" smtClean="0">
+                <a:latin typeface="Consolas" panose="020B0609020204030204" pitchFamily="49" charset="0"/>
+              </a:rPr>
+              <a:t>}</a:t>
+            </a:r>
+            <a:endParaRPr lang="ru-RU" smtClean="0">
+              <a:latin typeface="Consolas" panose="020B0609020204030204" pitchFamily="49" charset="0"/>
+            </a:endParaRPr>
+          </a:p>
+          <a:p>
+            <a:r>
+              <a:rPr lang="ru-RU" smtClean="0"/>
+              <a:t>Что вы скажете создателю этого кода?</a:t>
+            </a:r>
+            <a:endParaRPr lang="en-US" smtClean="0"/>
+          </a:p>
+          <a:p>
+            <a:r>
+              <a:rPr lang="ru-RU" smtClean="0"/>
+              <a:t>Увы, в многопоточном окружении новые экземпляры </a:t>
+            </a:r>
+            <a:r>
+              <a:rPr lang="en-US" smtClean="0"/>
+              <a:t>sptr</a:t>
+            </a:r>
+            <a:r>
+              <a:rPr lang="ru-RU" smtClean="0"/>
+              <a:t> могут быть созданы защёлкиванием слабых указателей в других потоках и верить </a:t>
+            </a:r>
+            <a:r>
+              <a:rPr lang="en-US" smtClean="0"/>
+              <a:t>use_count </a:t>
+            </a:r>
+            <a:r>
+              <a:rPr lang="ru-RU" smtClean="0"/>
+              <a:t>нельзя</a:t>
+            </a:r>
+            <a:endParaRPr lang="en-US"/>
+          </a:p>
+        </p:txBody>
+      </p:sp>
+      <p:sp>
+        <p:nvSpPr>
+          <p:cNvPr id="4" name="Slide Number Placeholder 3"/>
+          <p:cNvSpPr>
+            <a:spLocks noGrp="1"/>
+          </p:cNvSpPr>
+          <p:nvPr>
+            <p:ph type="sldNum" sz="quarter" idx="12"/>
+          </p:nvPr>
+        </p:nvSpPr>
+        <p:spPr/>
+        <p:txBody>
+          <a:bodyPr/>
+          <a:lstStyle/>
+          <a:p>
+            <a:fld id="{4FAB73BC-B049-4115-A692-8D63A059BFB8}" type="slidenum">
+              <a:rPr lang="en-US" smtClean="0"/>
+              <a:t>61</a:t>
+            </a:fld>
+            <a:endParaRPr lang="en-US" dirty="0"/>
+          </a:p>
+        </p:txBody>
+      </p:sp>
+    </p:spTree>
+    <p:extLst>
+      <p:ext uri="{BB962C8B-B14F-4D97-AF65-F5344CB8AC3E}">
+        <p14:creationId xmlns:p14="http://schemas.microsoft.com/office/powerpoint/2010/main" val="2330897732"/>
+      </p:ext>
+    </p:extLst>
+  </p:cSld>
+  <p:clrMapOvr>
+    <a:masterClrMapping/>
+  </p:clrMapOvr>
+</p:sld>
+</file>
+
+<file path=ppt/slides/slide62.xml><?xml version="1.0" encoding="utf-8"?>
 <p:sld xmlns:a="http://schemas.openxmlformats.org/drawingml/2006/main" xmlns:r="http://schemas.openxmlformats.org/officeDocument/2006/relationships" xmlns:p="http://schemas.openxmlformats.org/presentationml/2006/main">
   <p:cSld>
     <p:spTree>
@@ -20300,8 +22634,8 @@
         </p:nvSpPr>
         <p:spPr>
           <a:xfrm>
-            <a:off x="6800342" y="5030998"/>
-            <a:ext cx="1369060" cy="955040"/>
+            <a:off x="6799580" y="5014522"/>
+            <a:ext cx="1368552" cy="955040"/>
           </a:xfrm>
           <a:prstGeom prst="rect">
             <a:avLst/>
@@ -20691,8 +23025,8 @@
         </p:nvSpPr>
         <p:spPr>
           <a:xfrm>
-            <a:off x="6796532" y="4221988"/>
-            <a:ext cx="1371600" cy="802640"/>
+            <a:off x="6799580" y="4213750"/>
+            <a:ext cx="1368552" cy="802640"/>
           </a:xfrm>
           <a:prstGeom prst="rect">
             <a:avLst/>
@@ -20743,6 +23077,29 @@
           </a:p>
         </p:txBody>
       </p:sp>
+      <p:sp>
+        <p:nvSpPr>
+          <p:cNvPr id="4" name="Slide Number Placeholder 3"/>
+          <p:cNvSpPr>
+            <a:spLocks noGrp="1"/>
+          </p:cNvSpPr>
+          <p:nvPr>
+            <p:ph type="sldNum" sz="quarter" idx="12"/>
+          </p:nvPr>
+        </p:nvSpPr>
+        <p:spPr/>
+        <p:txBody>
+          <a:bodyPr/>
+          <a:lstStyle/>
+          <a:p>
+            <a:fld id="{4FAB73BC-B049-4115-A692-8D63A059BFB8}" type="slidenum">
+              <a:rPr lang="en-US" smtClean="0"/>
+              <a:t>62</a:t>
+            </a:fld>
+            <a:endParaRPr lang="en-US" dirty="0"/>
+          </a:p>
+        </p:txBody>
+      </p:sp>
     </p:spTree>
     <p:extLst>
       <p:ext uri="{BB962C8B-B14F-4D97-AF65-F5344CB8AC3E}">
@@ -20756,7 +23113,7 @@
 </p:sld>
 </file>
 
-<file path=ppt/slides/slide61.xml><?xml version="1.0" encoding="utf-8"?>
+<file path=ppt/slides/slide63.xml><?xml version="1.0" encoding="utf-8"?>
 <p:sld xmlns:a="http://schemas.openxmlformats.org/drawingml/2006/main" xmlns:r="http://schemas.openxmlformats.org/officeDocument/2006/relationships" xmlns:p="http://schemas.openxmlformats.org/presentationml/2006/main">
   <p:cSld>
     <p:spTree>
@@ -20818,11 +23175,7 @@
           <a:p>
             <a:r>
               <a:rPr lang="ru-RU" smtClean="0"/>
-              <a:t>Предположим, </a:t>
-            </a:r>
-            <a:r>
-              <a:rPr lang="ru-RU" smtClean="0"/>
-              <a:t>что</a:t>
+              <a:t>Предположим, что</a:t>
             </a:r>
             <a:r>
               <a:rPr lang="en-US" smtClean="0"/>
@@ -20957,8 +23310,8 @@
         </p:nvSpPr>
         <p:spPr>
           <a:xfrm>
-            <a:off x="6823329" y="4503585"/>
-            <a:ext cx="2108708" cy="398018"/>
+            <a:off x="6831203" y="4503585"/>
+            <a:ext cx="2106930" cy="398018"/>
           </a:xfrm>
           <a:prstGeom prst="rect">
             <a:avLst/>
@@ -21138,7 +23491,7 @@
         </p:nvSpPr>
         <p:spPr>
           <a:xfrm>
-            <a:off x="9673971" y="3785938"/>
+            <a:off x="9706864" y="3814963"/>
             <a:ext cx="2103120" cy="1480820"/>
           </a:xfrm>
           <a:prstGeom prst="rect">
@@ -21199,7 +23552,7 @@
         </p:nvSpPr>
         <p:spPr>
           <a:xfrm>
-            <a:off x="10077831" y="4277428"/>
+            <a:off x="10110724" y="4306453"/>
             <a:ext cx="1513840" cy="802640"/>
           </a:xfrm>
           <a:prstGeom prst="rect">
@@ -21261,9 +23614,9 @@
           <p:nvPr/>
         </p:nvCxnSpPr>
         <p:spPr>
-          <a:xfrm flipH="1">
-            <a:off x="9435592" y="4678748"/>
-            <a:ext cx="642239" cy="21268"/>
+          <a:xfrm flipH="1" flipV="1">
+            <a:off x="9435592" y="4700016"/>
+            <a:ext cx="675132" cy="7757"/>
           </a:xfrm>
           <a:prstGeom prst="straightConnector1">
             <a:avLst/>
@@ -21298,8 +23651,8 @@
         </p:nvSpPr>
         <p:spPr>
           <a:xfrm>
-            <a:off x="6832473" y="4897676"/>
-            <a:ext cx="2105660" cy="369082"/>
+            <a:off x="6831203" y="4897676"/>
+            <a:ext cx="2106930" cy="369082"/>
           </a:xfrm>
           <a:prstGeom prst="rect">
             <a:avLst/>
@@ -21350,6 +23703,29 @@
           </a:p>
         </p:txBody>
       </p:sp>
+      <p:sp>
+        <p:nvSpPr>
+          <p:cNvPr id="4" name="Slide Number Placeholder 3"/>
+          <p:cNvSpPr>
+            <a:spLocks noGrp="1"/>
+          </p:cNvSpPr>
+          <p:nvPr>
+            <p:ph type="sldNum" sz="quarter" idx="12"/>
+          </p:nvPr>
+        </p:nvSpPr>
+        <p:spPr/>
+        <p:txBody>
+          <a:bodyPr/>
+          <a:lstStyle/>
+          <a:p>
+            <a:fld id="{4FAB73BC-B049-4115-A692-8D63A059BFB8}" type="slidenum">
+              <a:rPr lang="en-US" smtClean="0"/>
+              <a:t>63</a:t>
+            </a:fld>
+            <a:endParaRPr lang="en-US" dirty="0"/>
+          </a:p>
+        </p:txBody>
+      </p:sp>
     </p:spTree>
     <p:extLst>
       <p:ext uri="{BB962C8B-B14F-4D97-AF65-F5344CB8AC3E}">
@@ -21363,7 +23739,7 @@
 </p:sld>
 </file>
 
-<file path=ppt/slides/slide62.xml><?xml version="1.0" encoding="utf-8"?>
+<file path=ppt/slides/slide64.xml><?xml version="1.0" encoding="utf-8"?>
 <p:sld xmlns:a="http://schemas.openxmlformats.org/drawingml/2006/main" xmlns:r="http://schemas.openxmlformats.org/officeDocument/2006/relationships" xmlns:p="http://schemas.openxmlformats.org/presentationml/2006/main">
   <p:cSld>
     <p:spTree>
@@ -21436,23 +23812,7 @@
             </a:r>
             <a:r>
               <a:rPr lang="ru-RU" smtClean="0"/>
-              <a:t>было </a:t>
-            </a:r>
-            <a:r>
-              <a:rPr lang="ru-RU" smtClean="0"/>
-              <a:t>почти чисто стилистическ</a:t>
-            </a:r>
-            <a:r>
-              <a:rPr lang="ru-RU" smtClean="0"/>
-              <a:t>им решением</a:t>
-            </a:r>
-            <a:r>
-              <a:rPr lang="ru-RU" smtClean="0"/>
-              <a:t>, </a:t>
-            </a:r>
-            <a:r>
-              <a:rPr lang="ru-RU" smtClean="0"/>
-              <a:t>а вот </a:t>
+              <a:t>было почти чисто стилистическим решением, а вот </a:t>
             </a:r>
             <a:r>
               <a:rPr lang="en-US" smtClean="0"/>
@@ -21462,6 +23822,29 @@
               <a:rPr lang="ru-RU" smtClean="0"/>
               <a:t>имеет весомые аргументы как за, так и против </a:t>
             </a:r>
+          </a:p>
+        </p:txBody>
+      </p:sp>
+      <p:sp>
+        <p:nvSpPr>
+          <p:cNvPr id="4" name="Slide Number Placeholder 3"/>
+          <p:cNvSpPr>
+            <a:spLocks noGrp="1"/>
+          </p:cNvSpPr>
+          <p:nvPr>
+            <p:ph type="sldNum" sz="quarter" idx="12"/>
+          </p:nvPr>
+        </p:nvSpPr>
+        <p:spPr/>
+        <p:txBody>
+          <a:bodyPr/>
+          <a:lstStyle/>
+          <a:p>
+            <a:fld id="{4FAB73BC-B049-4115-A692-8D63A059BFB8}" type="slidenum">
+              <a:rPr lang="en-US" smtClean="0"/>
+              <a:t>64</a:t>
+            </a:fld>
+            <a:endParaRPr lang="en-US" dirty="0"/>
           </a:p>
         </p:txBody>
       </p:sp>
@@ -21478,7 +23861,7 @@
 </p:sld>
 </file>
 
-<file path=ppt/slides/slide63.xml><?xml version="1.0" encoding="utf-8"?>
+<file path=ppt/slides/slide65.xml><?xml version="1.0" encoding="utf-8"?>
 <p:sld xmlns:a="http://schemas.openxmlformats.org/drawingml/2006/main" xmlns:r="http://schemas.openxmlformats.org/officeDocument/2006/relationships" xmlns:p="http://schemas.openxmlformats.org/presentationml/2006/main">
   <p:cSld>
     <p:spTree>
@@ -22191,418 +24574,33 @@
           </a:fontRef>
         </p:style>
       </p:cxnSp>
+      <p:sp>
+        <p:nvSpPr>
+          <p:cNvPr id="8" name="Slide Number Placeholder 7"/>
+          <p:cNvSpPr>
+            <a:spLocks noGrp="1"/>
+          </p:cNvSpPr>
+          <p:nvPr>
+            <p:ph type="sldNum" sz="quarter" idx="12"/>
+          </p:nvPr>
+        </p:nvSpPr>
+        <p:spPr/>
+        <p:txBody>
+          <a:bodyPr/>
+          <a:lstStyle/>
+          <a:p>
+            <a:fld id="{4FAB73BC-B049-4115-A692-8D63A059BFB8}" type="slidenum">
+              <a:rPr lang="en-US" smtClean="0"/>
+              <a:t>65</a:t>
+            </a:fld>
+            <a:endParaRPr lang="en-US" dirty="0"/>
+          </a:p>
+        </p:txBody>
+      </p:sp>
     </p:spTree>
     <p:extLst>
       <p:ext uri="{BB962C8B-B14F-4D97-AF65-F5344CB8AC3E}">
         <p14:creationId xmlns:p14="http://schemas.microsoft.com/office/powerpoint/2010/main" val="2629819590"/>
-      </p:ext>
-    </p:extLst>
-  </p:cSld>
-  <p:clrMapOvr>
-    <a:masterClrMapping/>
-  </p:clrMapOvr>
-</p:sld>
-</file>
-
-<file path=ppt/slides/slide64.xml><?xml version="1.0" encoding="utf-8"?>
-<p:sld xmlns:a="http://schemas.openxmlformats.org/drawingml/2006/main" xmlns:r="http://schemas.openxmlformats.org/officeDocument/2006/relationships" xmlns:p="http://schemas.openxmlformats.org/presentationml/2006/main">
-  <p:cSld>
-    <p:spTree>
-      <p:nvGrpSpPr>
-        <p:cNvPr id="1" name=""/>
-        <p:cNvGrpSpPr/>
-        <p:nvPr/>
-      </p:nvGrpSpPr>
-      <p:grpSpPr>
-        <a:xfrm>
-          <a:off x="0" y="0"/>
-          <a:ext cx="0" cy="0"/>
-          <a:chOff x="0" y="0"/>
-          <a:chExt cx="0" cy="0"/>
-        </a:xfrm>
-      </p:grpSpPr>
-      <p:sp>
-        <p:nvSpPr>
-          <p:cNvPr id="2" name="Title 1"/>
-          <p:cNvSpPr>
-            <a:spLocks noGrp="1"/>
-          </p:cNvSpPr>
-          <p:nvPr>
-            <p:ph type="title"/>
-          </p:nvPr>
-        </p:nvSpPr>
-        <p:spPr/>
-        <p:txBody>
-          <a:bodyPr/>
-          <a:lstStyle/>
-          <a:p>
-            <a:r>
-              <a:rPr lang="ru-RU" smtClean="0"/>
-              <a:t>Проблема-тизер</a:t>
-            </a:r>
-            <a:endParaRPr lang="en-US"/>
-          </a:p>
-        </p:txBody>
-      </p:sp>
-      <p:sp>
-        <p:nvSpPr>
-          <p:cNvPr id="3" name="Content Placeholder 2"/>
-          <p:cNvSpPr>
-            <a:spLocks noGrp="1"/>
-          </p:cNvSpPr>
-          <p:nvPr>
-            <p:ph idx="1"/>
-          </p:nvPr>
-        </p:nvSpPr>
-        <p:spPr/>
-        <p:txBody>
-          <a:bodyPr/>
-          <a:lstStyle/>
-          <a:p>
-            <a:r>
-              <a:rPr lang="ru-RU" smtClean="0"/>
-              <a:t>Безопасность относительно потоков</a:t>
-            </a:r>
-          </a:p>
-          <a:p>
-            <a:pPr marL="45720" indent="0">
-              <a:buNone/>
-            </a:pPr>
-            <a:r>
-              <a:rPr lang="en-US">
-                <a:latin typeface="Consolas" panose="020B0609020204030204" pitchFamily="49" charset="0"/>
-              </a:rPr>
-              <a:t>template &lt;typename T&gt; shared_ptr&lt;T&gt; getObject(int id) {</a:t>
-            </a:r>
-            <a:br>
-              <a:rPr lang="en-US">
-                <a:latin typeface="Consolas" panose="020B0609020204030204" pitchFamily="49" charset="0"/>
-              </a:rPr>
-            </a:br>
-            <a:r>
-              <a:rPr lang="en-US">
-                <a:latin typeface="Consolas" panose="020B0609020204030204" pitchFamily="49" charset="0"/>
-              </a:rPr>
-              <a:t>  </a:t>
-            </a:r>
-            <a:r>
-              <a:rPr lang="en-US">
-                <a:solidFill>
-                  <a:srgbClr val="FF0000"/>
-                </a:solidFill>
-                <a:latin typeface="Consolas" panose="020B0609020204030204" pitchFamily="49" charset="0"/>
-              </a:rPr>
-              <a:t>static</a:t>
-            </a:r>
-            <a:r>
-              <a:rPr lang="en-US">
-                <a:latin typeface="Consolas" panose="020B0609020204030204" pitchFamily="49" charset="0"/>
-              </a:rPr>
-              <a:t> unordered_map&lt;int, </a:t>
-            </a:r>
-            <a:r>
-              <a:rPr lang="en-US">
-                <a:solidFill>
-                  <a:srgbClr val="0000FF"/>
-                </a:solidFill>
-                <a:latin typeface="Consolas" panose="020B0609020204030204" pitchFamily="49" charset="0"/>
-              </a:rPr>
-              <a:t>weak_ptr&lt;T&gt;</a:t>
-            </a:r>
-            <a:r>
-              <a:rPr lang="en-US">
-                <a:latin typeface="Consolas" panose="020B0609020204030204" pitchFamily="49" charset="0"/>
-              </a:rPr>
-              <a:t>&gt; cache;</a:t>
-            </a:r>
-            <a:br>
-              <a:rPr lang="en-US">
-                <a:latin typeface="Consolas" panose="020B0609020204030204" pitchFamily="49" charset="0"/>
-              </a:rPr>
-            </a:br>
-            <a:r>
-              <a:rPr lang="en-US">
-                <a:latin typeface="Consolas" panose="020B0609020204030204" pitchFamily="49" charset="0"/>
-              </a:rPr>
-              <a:t>  auto result = cache[id].lock();</a:t>
-            </a:r>
-            <a:br>
-              <a:rPr lang="en-US">
-                <a:latin typeface="Consolas" panose="020B0609020204030204" pitchFamily="49" charset="0"/>
-              </a:rPr>
-            </a:br>
-            <a:r>
-              <a:rPr lang="en-US">
-                <a:latin typeface="Consolas" panose="020B0609020204030204" pitchFamily="49" charset="0"/>
-              </a:rPr>
-              <a:t>  if (!result) </a:t>
-            </a:r>
-            <a:br>
-              <a:rPr lang="en-US">
-                <a:latin typeface="Consolas" panose="020B0609020204030204" pitchFamily="49" charset="0"/>
-              </a:rPr>
-            </a:br>
-            <a:r>
-              <a:rPr lang="en-US">
-                <a:latin typeface="Consolas" panose="020B0609020204030204" pitchFamily="49" charset="0"/>
-              </a:rPr>
-              <a:t>    cache[id] = result = createObject&lt;T&gt;(id); </a:t>
-            </a:r>
-            <a:br>
-              <a:rPr lang="en-US">
-                <a:latin typeface="Consolas" panose="020B0609020204030204" pitchFamily="49" charset="0"/>
-              </a:rPr>
-            </a:br>
-            <a:r>
-              <a:rPr lang="en-US">
-                <a:latin typeface="Consolas" panose="020B0609020204030204" pitchFamily="49" charset="0"/>
-              </a:rPr>
-              <a:t>  return result;</a:t>
-            </a:r>
-            <a:br>
-              <a:rPr lang="en-US">
-                <a:latin typeface="Consolas" panose="020B0609020204030204" pitchFamily="49" charset="0"/>
-              </a:rPr>
-            </a:br>
-            <a:r>
-              <a:rPr lang="en-US">
-                <a:latin typeface="Consolas" panose="020B0609020204030204" pitchFamily="49" charset="0"/>
-              </a:rPr>
-              <a:t>}</a:t>
-            </a:r>
-          </a:p>
-          <a:p>
-            <a:r>
-              <a:rPr lang="ru-RU" smtClean="0"/>
-              <a:t>Каждый раз, когда в коде встречается статическая или глобальная переменная, необходимо думать о возможной безопасности относительно потоков</a:t>
-            </a:r>
-            <a:endParaRPr lang="en-US"/>
-          </a:p>
-        </p:txBody>
-      </p:sp>
-    </p:spTree>
-    <p:extLst>
-      <p:ext uri="{BB962C8B-B14F-4D97-AF65-F5344CB8AC3E}">
-        <p14:creationId xmlns:p14="http://schemas.microsoft.com/office/powerpoint/2010/main" val="1401492076"/>
-      </p:ext>
-    </p:extLst>
-  </p:cSld>
-  <p:clrMapOvr>
-    <a:masterClrMapping/>
-  </p:clrMapOvr>
-</p:sld>
-</file>
-
-<file path=ppt/slides/slide65.xml><?xml version="1.0" encoding="utf-8"?>
-<p:sld xmlns:a="http://schemas.openxmlformats.org/drawingml/2006/main" xmlns:r="http://schemas.openxmlformats.org/officeDocument/2006/relationships" xmlns:p="http://schemas.openxmlformats.org/presentationml/2006/main">
-  <p:cSld>
-    <p:spTree>
-      <p:nvGrpSpPr>
-        <p:cNvPr id="1" name=""/>
-        <p:cNvGrpSpPr/>
-        <p:nvPr/>
-      </p:nvGrpSpPr>
-      <p:grpSpPr>
-        <a:xfrm>
-          <a:off x="0" y="0"/>
-          <a:ext cx="0" cy="0"/>
-          <a:chOff x="0" y="0"/>
-          <a:chExt cx="0" cy="0"/>
-        </a:xfrm>
-      </p:grpSpPr>
-      <p:sp>
-        <p:nvSpPr>
-          <p:cNvPr id="2" name="Title 1"/>
-          <p:cNvSpPr>
-            <a:spLocks noGrp="1"/>
-          </p:cNvSpPr>
-          <p:nvPr>
-            <p:ph type="title"/>
-          </p:nvPr>
-        </p:nvSpPr>
-        <p:spPr/>
-        <p:txBody>
-          <a:bodyPr/>
-          <a:lstStyle/>
-          <a:p>
-            <a:r>
-              <a:rPr lang="ru-RU" smtClean="0"/>
-              <a:t>Решение-тизер</a:t>
-            </a:r>
-            <a:endParaRPr lang="en-US"/>
-          </a:p>
-        </p:txBody>
-      </p:sp>
-      <p:sp>
-        <p:nvSpPr>
-          <p:cNvPr id="3" name="Content Placeholder 2"/>
-          <p:cNvSpPr>
-            <a:spLocks noGrp="1"/>
-          </p:cNvSpPr>
-          <p:nvPr>
-            <p:ph idx="1"/>
-          </p:nvPr>
-        </p:nvSpPr>
-        <p:spPr>
-          <a:xfrm>
-            <a:off x="1143000" y="2057400"/>
-            <a:ext cx="9872871" cy="4272280"/>
-          </a:xfrm>
-        </p:spPr>
-        <p:txBody>
-          <a:bodyPr/>
-          <a:lstStyle/>
-          <a:p>
-            <a:r>
-              <a:rPr lang="ru-RU" smtClean="0"/>
-              <a:t>Пока что без экскурсий в глубину</a:t>
-            </a:r>
-          </a:p>
-          <a:p>
-            <a:pPr marL="45720" indent="0">
-              <a:buNone/>
-            </a:pPr>
-            <a:r>
-              <a:rPr lang="en-US">
-                <a:latin typeface="Consolas" panose="020B0609020204030204" pitchFamily="49" charset="0"/>
-              </a:rPr>
-              <a:t>template &lt;typename T&gt; shared_ptr&lt;T&gt; getObject(int id) {</a:t>
-            </a:r>
-            <a:br>
-              <a:rPr lang="en-US">
-                <a:latin typeface="Consolas" panose="020B0609020204030204" pitchFamily="49" charset="0"/>
-              </a:rPr>
-            </a:br>
-            <a:r>
-              <a:rPr lang="en-US">
-                <a:latin typeface="Consolas" panose="020B0609020204030204" pitchFamily="49" charset="0"/>
-              </a:rPr>
-              <a:t>  static unordered_map&lt;int, weak_ptr&lt;T&gt;&gt; cache</a:t>
-            </a:r>
-            <a:r>
-              <a:rPr lang="en-US" smtClean="0">
-                <a:latin typeface="Consolas" panose="020B0609020204030204" pitchFamily="49" charset="0"/>
-              </a:rPr>
-              <a:t>;</a:t>
-            </a:r>
-            <a:r>
-              <a:rPr lang="ru-RU" smtClean="0">
-                <a:latin typeface="Consolas" panose="020B0609020204030204" pitchFamily="49" charset="0"/>
-              </a:rPr>
-              <a:t/>
-            </a:r>
-            <a:br>
-              <a:rPr lang="ru-RU" smtClean="0">
-                <a:latin typeface="Consolas" panose="020B0609020204030204" pitchFamily="49" charset="0"/>
-              </a:rPr>
-            </a:br>
-            <a:r>
-              <a:rPr lang="ru-RU" smtClean="0">
-                <a:solidFill>
-                  <a:srgbClr val="0000FF"/>
-                </a:solidFill>
-                <a:latin typeface="Consolas" panose="020B0609020204030204" pitchFamily="49" charset="0"/>
-              </a:rPr>
-              <a:t>  </a:t>
-            </a:r>
-            <a:r>
-              <a:rPr lang="en-US" smtClean="0">
-                <a:solidFill>
-                  <a:srgbClr val="0000FF"/>
-                </a:solidFill>
-                <a:latin typeface="Consolas" panose="020B0609020204030204" pitchFamily="49" charset="0"/>
-              </a:rPr>
-              <a:t>static mutex mcache;</a:t>
-            </a:r>
-          </a:p>
-          <a:p>
-            <a:pPr marL="45720" indent="0">
-              <a:buNone/>
-            </a:pPr>
-            <a:r>
-              <a:rPr lang="en-US" smtClean="0">
-                <a:solidFill>
-                  <a:srgbClr val="0000FF"/>
-                </a:solidFill>
-                <a:latin typeface="Consolas" panose="020B0609020204030204" pitchFamily="49" charset="0"/>
-              </a:rPr>
-              <a:t>  lock_guard&lt;mutex&gt; hold(mcache);</a:t>
-            </a:r>
-          </a:p>
-          <a:p>
-            <a:pPr marL="45720" indent="0">
-              <a:buNone/>
-            </a:pPr>
-            <a:r>
-              <a:rPr lang="en-US" smtClean="0">
-                <a:latin typeface="Consolas" panose="020B0609020204030204" pitchFamily="49" charset="0"/>
-              </a:rPr>
-              <a:t>  </a:t>
-            </a:r>
-            <a:r>
-              <a:rPr lang="en-US">
-                <a:latin typeface="Consolas" panose="020B0609020204030204" pitchFamily="49" charset="0"/>
-              </a:rPr>
-              <a:t>auto result = cache[id].lock();</a:t>
-            </a:r>
-            <a:br>
-              <a:rPr lang="en-US">
-                <a:latin typeface="Consolas" panose="020B0609020204030204" pitchFamily="49" charset="0"/>
-              </a:rPr>
-            </a:br>
-            <a:r>
-              <a:rPr lang="en-US">
-                <a:latin typeface="Consolas" panose="020B0609020204030204" pitchFamily="49" charset="0"/>
-              </a:rPr>
-              <a:t>  if (!result) </a:t>
-            </a:r>
-            <a:br>
-              <a:rPr lang="en-US">
-                <a:latin typeface="Consolas" panose="020B0609020204030204" pitchFamily="49" charset="0"/>
-              </a:rPr>
-            </a:br>
-            <a:r>
-              <a:rPr lang="en-US">
-                <a:latin typeface="Consolas" panose="020B0609020204030204" pitchFamily="49" charset="0"/>
-              </a:rPr>
-              <a:t>    cache[id] = result = createObject&lt;T&gt;(id); </a:t>
-            </a:r>
-            <a:br>
-              <a:rPr lang="en-US">
-                <a:latin typeface="Consolas" panose="020B0609020204030204" pitchFamily="49" charset="0"/>
-              </a:rPr>
-            </a:br>
-            <a:r>
-              <a:rPr lang="en-US">
-                <a:latin typeface="Consolas" panose="020B0609020204030204" pitchFamily="49" charset="0"/>
-              </a:rPr>
-              <a:t>  return result;</a:t>
-            </a:r>
-            <a:br>
-              <a:rPr lang="en-US">
-                <a:latin typeface="Consolas" panose="020B0609020204030204" pitchFamily="49" charset="0"/>
-              </a:rPr>
-            </a:br>
-            <a:r>
-              <a:rPr lang="en-US" smtClean="0">
-                <a:latin typeface="Consolas" panose="020B0609020204030204" pitchFamily="49" charset="0"/>
-              </a:rPr>
-              <a:t>}</a:t>
-            </a:r>
-          </a:p>
-          <a:p>
-            <a:r>
-              <a:rPr lang="ru-RU" smtClean="0"/>
-              <a:t>У нас будет лекция (и не одна) про то, как это делать правильно</a:t>
-            </a:r>
-            <a:endParaRPr lang="en-US"/>
-          </a:p>
-        </p:txBody>
-      </p:sp>
-    </p:spTree>
-    <p:extLst>
-      <p:ext uri="{BB962C8B-B14F-4D97-AF65-F5344CB8AC3E}">
-        <p14:creationId xmlns:p14="http://schemas.microsoft.com/office/powerpoint/2010/main" val="3050857568"/>
       </p:ext>
     </p:extLst>
   </p:cSld>
@@ -22645,10 +24643,10 @@
           <a:lstStyle/>
           <a:p>
             <a:r>
-              <a:rPr lang="ru-RU" dirty="0" smtClean="0"/>
-              <a:t>Литература</a:t>
-            </a:r>
-            <a:endParaRPr lang="en-US" dirty="0"/>
+              <a:rPr lang="ru-RU" smtClean="0"/>
+              <a:t>Проблема-тизер</a:t>
+            </a:r>
+            <a:endParaRPr lang="en-US"/>
           </a:p>
         </p:txBody>
       </p:sp>
@@ -22667,122 +24665,146 @@
           <a:bodyPr/>
           <a:lstStyle/>
           <a:p>
-            <a:pPr lvl="0"/>
-            <a:r>
-              <a:rPr lang="en-US" dirty="0"/>
-              <a:t>ISO/IEC, "Information technology -- Programming languages – C++", ISO/IEC 14882:2014, 2014</a:t>
-            </a:r>
-          </a:p>
-          <a:p>
-            <a:pPr lvl="0"/>
-            <a:r>
-              <a:rPr lang="en-US"/>
-              <a:t>Bjarne Stroustrup, The </a:t>
-            </a:r>
-            <a:r>
-              <a:rPr lang="en-US" dirty="0"/>
-              <a:t>C++ Programming Language (4th </a:t>
-            </a:r>
-            <a:r>
-              <a:rPr lang="en-US"/>
-              <a:t>Edition</a:t>
-            </a:r>
-            <a:r>
-              <a:rPr lang="en-US" smtClean="0"/>
-              <a:t>)</a:t>
-            </a:r>
-            <a:endParaRPr lang="ru-RU" smtClean="0"/>
-          </a:p>
-          <a:p>
-            <a:pPr lvl="0"/>
-            <a:r>
-              <a:rPr lang="en-US"/>
-              <a:t>Scott Meyers</a:t>
-            </a:r>
-            <a:r>
-              <a:rPr lang="en-US"/>
-              <a:t>, </a:t>
-            </a:r>
-            <a:r>
-              <a:rPr lang="en-US" smtClean="0"/>
-              <a:t>"Effective </a:t>
-            </a:r>
-            <a:r>
-              <a:rPr lang="en-US"/>
-              <a:t>Modern C++: </a:t>
-            </a:r>
-            <a:r>
-              <a:rPr lang="en-US"/>
-              <a:t>42 </a:t>
-            </a:r>
-            <a:r>
-              <a:rPr lang="en-US" smtClean="0"/>
-              <a:t>Specific</a:t>
-            </a:r>
-            <a:r>
-              <a:rPr lang="ru-RU" smtClean="0"/>
-              <a:t> </a:t>
-            </a:r>
-            <a:r>
-              <a:rPr lang="en-US" smtClean="0"/>
-              <a:t>Ways </a:t>
-            </a:r>
-            <a:r>
-              <a:rPr lang="en-US"/>
-              <a:t>to Improve Your Use of C++11 and C</a:t>
-            </a:r>
-            <a:r>
-              <a:rPr lang="en-US"/>
-              <a:t>++</a:t>
-            </a:r>
-            <a:r>
-              <a:rPr lang="en-US" smtClean="0"/>
-              <a:t>14"</a:t>
-            </a:r>
-          </a:p>
-          <a:p>
-            <a:r>
-              <a:rPr lang="en-US"/>
-              <a:t>Nicolai M. Josuttis,  The C++ Standard Library - A Tutorial and Reference, 2nd Edition , Addison-Wesley</a:t>
-            </a:r>
-            <a:r>
-              <a:rPr lang="en-US"/>
-              <a:t>, </a:t>
-            </a:r>
-            <a:r>
-              <a:rPr lang="en-US" smtClean="0"/>
-              <a:t>2012</a:t>
-            </a:r>
-          </a:p>
-          <a:p>
-            <a:pPr lvl="0"/>
-            <a:r>
-              <a:rPr lang="en-US"/>
-              <a:t>Stanley </a:t>
-            </a:r>
-            <a:r>
-              <a:rPr lang="en-US" smtClean="0"/>
-              <a:t>Lippman, C</a:t>
-            </a:r>
-            <a:r>
-              <a:rPr lang="en-US"/>
-              <a:t>++ Primer (5th </a:t>
-            </a:r>
-            <a:r>
-              <a:rPr lang="en-US"/>
-              <a:t>Edition</a:t>
-            </a:r>
-            <a:r>
-              <a:rPr lang="en-US" smtClean="0"/>
-              <a:t>)</a:t>
-            </a:r>
-          </a:p>
-          <a:p>
-            <a:pPr lvl="0"/>
-            <a:r>
-              <a:rPr lang="en-US"/>
-              <a:t>Barteks coding blog on smart pointers: http://www.bfilipek.com/2016/04/custom-deleters-for-c-smart-pointers.html</a:t>
-            </a:r>
+            <a:r>
+              <a:rPr lang="ru-RU" smtClean="0"/>
+              <a:t>Безопасность относительно потоков</a:t>
+            </a:r>
+          </a:p>
+          <a:p>
+            <a:pPr marL="45720" indent="0">
+              <a:buNone/>
+            </a:pPr>
+            <a:r>
+              <a:rPr lang="en-US">
+                <a:latin typeface="Consolas" panose="020B0609020204030204" pitchFamily="49" charset="0"/>
+              </a:rPr>
+              <a:t>template &lt;typename T&gt; shared_ptr&lt;T&gt; getObject(int id) {</a:t>
+            </a:r>
+            <a:br>
+              <a:rPr lang="en-US">
+                <a:latin typeface="Consolas" panose="020B0609020204030204" pitchFamily="49" charset="0"/>
+              </a:rPr>
+            </a:br>
+            <a:r>
+              <a:rPr lang="en-US">
+                <a:latin typeface="Consolas" panose="020B0609020204030204" pitchFamily="49" charset="0"/>
+              </a:rPr>
+              <a:t>  </a:t>
+            </a:r>
+            <a:r>
+              <a:rPr lang="en-US">
+                <a:solidFill>
+                  <a:srgbClr val="FF0000"/>
+                </a:solidFill>
+                <a:latin typeface="Consolas" panose="020B0609020204030204" pitchFamily="49" charset="0"/>
+              </a:rPr>
+              <a:t>static</a:t>
+            </a:r>
+            <a:r>
+              <a:rPr lang="en-US">
+                <a:latin typeface="Consolas" panose="020B0609020204030204" pitchFamily="49" charset="0"/>
+              </a:rPr>
+              <a:t> unordered_map&lt;int, </a:t>
+            </a:r>
+            <a:r>
+              <a:rPr lang="en-US">
+                <a:solidFill>
+                  <a:srgbClr val="0000FF"/>
+                </a:solidFill>
+                <a:latin typeface="Consolas" panose="020B0609020204030204" pitchFamily="49" charset="0"/>
+              </a:rPr>
+              <a:t>weak_ptr&lt;T&gt;</a:t>
+            </a:r>
+            <a:r>
+              <a:rPr lang="en-US">
+                <a:latin typeface="Consolas" panose="020B0609020204030204" pitchFamily="49" charset="0"/>
+              </a:rPr>
+              <a:t>&gt; cache;</a:t>
+            </a:r>
+            <a:br>
+              <a:rPr lang="en-US">
+                <a:latin typeface="Consolas" panose="020B0609020204030204" pitchFamily="49" charset="0"/>
+              </a:rPr>
+            </a:br>
+            <a:r>
+              <a:rPr lang="en-US">
+                <a:latin typeface="Consolas" panose="020B0609020204030204" pitchFamily="49" charset="0"/>
+              </a:rPr>
+              <a:t>  auto result = cache[id].lock();</a:t>
+            </a:r>
+            <a:br>
+              <a:rPr lang="en-US">
+                <a:latin typeface="Consolas" panose="020B0609020204030204" pitchFamily="49" charset="0"/>
+              </a:rPr>
+            </a:br>
+            <a:r>
+              <a:rPr lang="en-US">
+                <a:latin typeface="Consolas" panose="020B0609020204030204" pitchFamily="49" charset="0"/>
+              </a:rPr>
+              <a:t>  if (!result) </a:t>
+            </a:r>
+            <a:br>
+              <a:rPr lang="en-US">
+                <a:latin typeface="Consolas" panose="020B0609020204030204" pitchFamily="49" charset="0"/>
+              </a:rPr>
+            </a:br>
+            <a:r>
+              <a:rPr lang="en-US">
+                <a:latin typeface="Consolas" panose="020B0609020204030204" pitchFamily="49" charset="0"/>
+              </a:rPr>
+              <a:t>    cache[id] = result = createObject&lt;T&gt;(id); </a:t>
+            </a:r>
+            <a:br>
+              <a:rPr lang="en-US">
+                <a:latin typeface="Consolas" panose="020B0609020204030204" pitchFamily="49" charset="0"/>
+              </a:rPr>
+            </a:br>
+            <a:r>
+              <a:rPr lang="en-US">
+                <a:latin typeface="Consolas" panose="020B0609020204030204" pitchFamily="49" charset="0"/>
+              </a:rPr>
+              <a:t>  return result;</a:t>
+            </a:r>
+            <a:br>
+              <a:rPr lang="en-US">
+                <a:latin typeface="Consolas" panose="020B0609020204030204" pitchFamily="49" charset="0"/>
+              </a:rPr>
+            </a:br>
+            <a:r>
+              <a:rPr lang="en-US">
+                <a:latin typeface="Consolas" panose="020B0609020204030204" pitchFamily="49" charset="0"/>
+              </a:rPr>
+              <a:t>}</a:t>
+            </a:r>
+          </a:p>
+          <a:p>
+            <a:r>
+              <a:rPr lang="ru-RU" smtClean="0"/>
+              <a:t>Каждый раз, когда в коде встречается статическая или глобальная переменная, необходимо думать о возможной безопасности относительно потоков</a:t>
+            </a:r>
+            <a:endParaRPr lang="en-US"/>
+          </a:p>
+        </p:txBody>
+      </p:sp>
+      <p:sp>
+        <p:nvSpPr>
+          <p:cNvPr id="4" name="Slide Number Placeholder 3"/>
+          <p:cNvSpPr>
+            <a:spLocks noGrp="1"/>
+          </p:cNvSpPr>
+          <p:nvPr>
+            <p:ph type="sldNum" sz="quarter" idx="12"/>
+          </p:nvPr>
+        </p:nvSpPr>
+        <p:spPr/>
+        <p:txBody>
+          <a:bodyPr/>
+          <a:lstStyle/>
+          <a:p>
+            <a:fld id="{4FAB73BC-B049-4115-A692-8D63A059BFB8}" type="slidenum">
+              <a:rPr lang="en-US" smtClean="0"/>
+              <a:t>66</a:t>
+            </a:fld>
             <a:endParaRPr lang="en-US" dirty="0"/>
           </a:p>
         </p:txBody>
@@ -22790,7 +24812,527 @@
     </p:spTree>
     <p:extLst>
       <p:ext uri="{BB962C8B-B14F-4D97-AF65-F5344CB8AC3E}">
-        <p14:creationId xmlns:p14="http://schemas.microsoft.com/office/powerpoint/2010/main" val="1719869055"/>
+        <p14:creationId xmlns:p14="http://schemas.microsoft.com/office/powerpoint/2010/main" val="1401492076"/>
+      </p:ext>
+    </p:extLst>
+  </p:cSld>
+  <p:clrMapOvr>
+    <a:masterClrMapping/>
+  </p:clrMapOvr>
+</p:sld>
+</file>
+
+<file path=ppt/slides/slide67.xml><?xml version="1.0" encoding="utf-8"?>
+<p:sld xmlns:a="http://schemas.openxmlformats.org/drawingml/2006/main" xmlns:r="http://schemas.openxmlformats.org/officeDocument/2006/relationships" xmlns:p="http://schemas.openxmlformats.org/presentationml/2006/main">
+  <p:cSld>
+    <p:spTree>
+      <p:nvGrpSpPr>
+        <p:cNvPr id="1" name=""/>
+        <p:cNvGrpSpPr/>
+        <p:nvPr/>
+      </p:nvGrpSpPr>
+      <p:grpSpPr>
+        <a:xfrm>
+          <a:off x="0" y="0"/>
+          <a:ext cx="0" cy="0"/>
+          <a:chOff x="0" y="0"/>
+          <a:chExt cx="0" cy="0"/>
+        </a:xfrm>
+      </p:grpSpPr>
+      <p:sp>
+        <p:nvSpPr>
+          <p:cNvPr id="2" name="Title 1"/>
+          <p:cNvSpPr>
+            <a:spLocks noGrp="1"/>
+          </p:cNvSpPr>
+          <p:nvPr>
+            <p:ph type="title"/>
+          </p:nvPr>
+        </p:nvSpPr>
+        <p:spPr/>
+        <p:txBody>
+          <a:bodyPr/>
+          <a:lstStyle/>
+          <a:p>
+            <a:r>
+              <a:rPr lang="ru-RU" smtClean="0"/>
+              <a:t>Решение-тизер</a:t>
+            </a:r>
+            <a:endParaRPr lang="en-US"/>
+          </a:p>
+        </p:txBody>
+      </p:sp>
+      <p:sp>
+        <p:nvSpPr>
+          <p:cNvPr id="3" name="Content Placeholder 2"/>
+          <p:cNvSpPr>
+            <a:spLocks noGrp="1"/>
+          </p:cNvSpPr>
+          <p:nvPr>
+            <p:ph idx="1"/>
+          </p:nvPr>
+        </p:nvSpPr>
+        <p:spPr>
+          <a:xfrm>
+            <a:off x="1143000" y="2057400"/>
+            <a:ext cx="9872871" cy="4272280"/>
+          </a:xfrm>
+        </p:spPr>
+        <p:txBody>
+          <a:bodyPr/>
+          <a:lstStyle/>
+          <a:p>
+            <a:r>
+              <a:rPr lang="ru-RU" smtClean="0"/>
+              <a:t>Пока что без экскурсий в глубину</a:t>
+            </a:r>
+          </a:p>
+          <a:p>
+            <a:pPr marL="45720" indent="0">
+              <a:buNone/>
+            </a:pPr>
+            <a:r>
+              <a:rPr lang="en-US">
+                <a:latin typeface="Consolas" panose="020B0609020204030204" pitchFamily="49" charset="0"/>
+              </a:rPr>
+              <a:t>template &lt;typename T&gt; shared_ptr&lt;T&gt; getObject(int id) {</a:t>
+            </a:r>
+            <a:br>
+              <a:rPr lang="en-US">
+                <a:latin typeface="Consolas" panose="020B0609020204030204" pitchFamily="49" charset="0"/>
+              </a:rPr>
+            </a:br>
+            <a:r>
+              <a:rPr lang="en-US">
+                <a:latin typeface="Consolas" panose="020B0609020204030204" pitchFamily="49" charset="0"/>
+              </a:rPr>
+              <a:t>  static unordered_map&lt;int, weak_ptr&lt;T&gt;&gt; cache</a:t>
+            </a:r>
+            <a:r>
+              <a:rPr lang="en-US" smtClean="0">
+                <a:latin typeface="Consolas" panose="020B0609020204030204" pitchFamily="49" charset="0"/>
+              </a:rPr>
+              <a:t>;</a:t>
+            </a:r>
+            <a:r>
+              <a:rPr lang="ru-RU" smtClean="0">
+                <a:latin typeface="Consolas" panose="020B0609020204030204" pitchFamily="49" charset="0"/>
+              </a:rPr>
+              <a:t/>
+            </a:r>
+            <a:br>
+              <a:rPr lang="ru-RU" smtClean="0">
+                <a:latin typeface="Consolas" panose="020B0609020204030204" pitchFamily="49" charset="0"/>
+              </a:rPr>
+            </a:br>
+            <a:r>
+              <a:rPr lang="ru-RU" smtClean="0">
+                <a:solidFill>
+                  <a:srgbClr val="0000FF"/>
+                </a:solidFill>
+                <a:latin typeface="Consolas" panose="020B0609020204030204" pitchFamily="49" charset="0"/>
+              </a:rPr>
+              <a:t>  </a:t>
+            </a:r>
+            <a:r>
+              <a:rPr lang="en-US" smtClean="0">
+                <a:solidFill>
+                  <a:srgbClr val="0000FF"/>
+                </a:solidFill>
+                <a:latin typeface="Consolas" panose="020B0609020204030204" pitchFamily="49" charset="0"/>
+              </a:rPr>
+              <a:t>static mutex mcache;</a:t>
+            </a:r>
+          </a:p>
+          <a:p>
+            <a:pPr marL="45720" indent="0">
+              <a:buNone/>
+            </a:pPr>
+            <a:r>
+              <a:rPr lang="en-US" smtClean="0">
+                <a:solidFill>
+                  <a:srgbClr val="0000FF"/>
+                </a:solidFill>
+                <a:latin typeface="Consolas" panose="020B0609020204030204" pitchFamily="49" charset="0"/>
+              </a:rPr>
+              <a:t>  lock_guard&lt;mutex&gt; hold(mcache);</a:t>
+            </a:r>
+          </a:p>
+          <a:p>
+            <a:pPr marL="45720" indent="0">
+              <a:buNone/>
+            </a:pPr>
+            <a:r>
+              <a:rPr lang="en-US" smtClean="0">
+                <a:latin typeface="Consolas" panose="020B0609020204030204" pitchFamily="49" charset="0"/>
+              </a:rPr>
+              <a:t>  </a:t>
+            </a:r>
+            <a:r>
+              <a:rPr lang="en-US">
+                <a:latin typeface="Consolas" panose="020B0609020204030204" pitchFamily="49" charset="0"/>
+              </a:rPr>
+              <a:t>auto result = cache[id].lock();</a:t>
+            </a:r>
+            <a:br>
+              <a:rPr lang="en-US">
+                <a:latin typeface="Consolas" panose="020B0609020204030204" pitchFamily="49" charset="0"/>
+              </a:rPr>
+            </a:br>
+            <a:r>
+              <a:rPr lang="en-US">
+                <a:latin typeface="Consolas" panose="020B0609020204030204" pitchFamily="49" charset="0"/>
+              </a:rPr>
+              <a:t>  if (!result) </a:t>
+            </a:r>
+            <a:br>
+              <a:rPr lang="en-US">
+                <a:latin typeface="Consolas" panose="020B0609020204030204" pitchFamily="49" charset="0"/>
+              </a:rPr>
+            </a:br>
+            <a:r>
+              <a:rPr lang="en-US">
+                <a:latin typeface="Consolas" panose="020B0609020204030204" pitchFamily="49" charset="0"/>
+              </a:rPr>
+              <a:t>    cache[id] = result = createObject&lt;T&gt;(id); </a:t>
+            </a:r>
+            <a:br>
+              <a:rPr lang="en-US">
+                <a:latin typeface="Consolas" panose="020B0609020204030204" pitchFamily="49" charset="0"/>
+              </a:rPr>
+            </a:br>
+            <a:r>
+              <a:rPr lang="en-US">
+                <a:latin typeface="Consolas" panose="020B0609020204030204" pitchFamily="49" charset="0"/>
+              </a:rPr>
+              <a:t>  return result;</a:t>
+            </a:r>
+            <a:br>
+              <a:rPr lang="en-US">
+                <a:latin typeface="Consolas" panose="020B0609020204030204" pitchFamily="49" charset="0"/>
+              </a:rPr>
+            </a:br>
+            <a:r>
+              <a:rPr lang="en-US" smtClean="0">
+                <a:latin typeface="Consolas" panose="020B0609020204030204" pitchFamily="49" charset="0"/>
+              </a:rPr>
+              <a:t>}</a:t>
+            </a:r>
+          </a:p>
+          <a:p>
+            <a:r>
+              <a:rPr lang="ru-RU" smtClean="0"/>
+              <a:t>У нас будет лекция (и не одна) про то, как это делать правильно</a:t>
+            </a:r>
+            <a:endParaRPr lang="en-US"/>
+          </a:p>
+        </p:txBody>
+      </p:sp>
+      <p:sp>
+        <p:nvSpPr>
+          <p:cNvPr id="4" name="Slide Number Placeholder 3"/>
+          <p:cNvSpPr>
+            <a:spLocks noGrp="1"/>
+          </p:cNvSpPr>
+          <p:nvPr>
+            <p:ph type="sldNum" sz="quarter" idx="12"/>
+          </p:nvPr>
+        </p:nvSpPr>
+        <p:spPr/>
+        <p:txBody>
+          <a:bodyPr/>
+          <a:lstStyle/>
+          <a:p>
+            <a:fld id="{4FAB73BC-B049-4115-A692-8D63A059BFB8}" type="slidenum">
+              <a:rPr lang="en-US" smtClean="0"/>
+              <a:t>67</a:t>
+            </a:fld>
+            <a:endParaRPr lang="en-US" dirty="0"/>
+          </a:p>
+        </p:txBody>
+      </p:sp>
+    </p:spTree>
+    <p:extLst>
+      <p:ext uri="{BB962C8B-B14F-4D97-AF65-F5344CB8AC3E}">
+        <p14:creationId xmlns:p14="http://schemas.microsoft.com/office/powerpoint/2010/main" val="3050857568"/>
+      </p:ext>
+    </p:extLst>
+  </p:cSld>
+  <p:clrMapOvr>
+    <a:masterClrMapping/>
+  </p:clrMapOvr>
+</p:sld>
+</file>
+
+<file path=ppt/slides/slide68.xml><?xml version="1.0" encoding="utf-8"?>
+<p:sld xmlns:a="http://schemas.openxmlformats.org/drawingml/2006/main" xmlns:r="http://schemas.openxmlformats.org/officeDocument/2006/relationships" xmlns:p="http://schemas.openxmlformats.org/presentationml/2006/main">
+  <p:cSld>
+    <p:spTree>
+      <p:nvGrpSpPr>
+        <p:cNvPr id="1" name=""/>
+        <p:cNvGrpSpPr/>
+        <p:nvPr/>
+      </p:nvGrpSpPr>
+      <p:grpSpPr>
+        <a:xfrm>
+          <a:off x="0" y="0"/>
+          <a:ext cx="0" cy="0"/>
+          <a:chOff x="0" y="0"/>
+          <a:chExt cx="0" cy="0"/>
+        </a:xfrm>
+      </p:grpSpPr>
+      <p:sp>
+        <p:nvSpPr>
+          <p:cNvPr id="2" name="Title 1"/>
+          <p:cNvSpPr>
+            <a:spLocks noGrp="1"/>
+          </p:cNvSpPr>
+          <p:nvPr>
+            <p:ph type="title"/>
+          </p:nvPr>
+        </p:nvSpPr>
+        <p:spPr/>
+        <p:txBody>
+          <a:bodyPr/>
+          <a:lstStyle/>
+          <a:p>
+            <a:r>
+              <a:rPr lang="ru-RU" smtClean="0"/>
+              <a:t>Обсуждение</a:t>
+            </a:r>
+            <a:endParaRPr lang="en-US"/>
+          </a:p>
+        </p:txBody>
+      </p:sp>
+      <p:sp>
+        <p:nvSpPr>
+          <p:cNvPr id="3" name="Content Placeholder 2"/>
+          <p:cNvSpPr>
+            <a:spLocks noGrp="1"/>
+          </p:cNvSpPr>
+          <p:nvPr>
+            <p:ph idx="1"/>
+          </p:nvPr>
+        </p:nvSpPr>
+        <p:spPr/>
+        <p:txBody>
+          <a:bodyPr/>
+          <a:lstStyle/>
+          <a:p>
+            <a:r>
+              <a:rPr lang="ru-RU" smtClean="0"/>
+              <a:t>Можно ли вместо </a:t>
+            </a:r>
+            <a:r>
+              <a:rPr lang="en-US" smtClean="0"/>
+              <a:t>string </a:t>
+            </a:r>
+            <a:r>
+              <a:rPr lang="ru-RU" smtClean="0"/>
+              <a:t>использовать </a:t>
+            </a:r>
+            <a:r>
+              <a:rPr lang="en-US" smtClean="0"/>
+              <a:t>unique_ptr&lt;char[]&gt; </a:t>
+            </a:r>
+            <a:r>
+              <a:rPr lang="ru-RU" smtClean="0"/>
+              <a:t>или </a:t>
+            </a:r>
+            <a:r>
+              <a:rPr lang="en-US" smtClean="0"/>
+              <a:t>shared_ptr&lt;char[], deleter&lt;char[]&gt;&gt;</a:t>
+            </a:r>
+            <a:r>
+              <a:rPr lang="ru-RU" smtClean="0"/>
+              <a:t> в зависимости от контекста?</a:t>
+            </a:r>
+            <a:endParaRPr lang="en-US"/>
+          </a:p>
+        </p:txBody>
+      </p:sp>
+      <p:sp>
+        <p:nvSpPr>
+          <p:cNvPr id="4" name="Slide Number Placeholder 3"/>
+          <p:cNvSpPr>
+            <a:spLocks noGrp="1"/>
+          </p:cNvSpPr>
+          <p:nvPr>
+            <p:ph type="sldNum" sz="quarter" idx="12"/>
+          </p:nvPr>
+        </p:nvSpPr>
+        <p:spPr/>
+        <p:txBody>
+          <a:bodyPr/>
+          <a:lstStyle/>
+          <a:p>
+            <a:fld id="{4FAB73BC-B049-4115-A692-8D63A059BFB8}" type="slidenum">
+              <a:rPr lang="en-US" smtClean="0"/>
+              <a:t>68</a:t>
+            </a:fld>
+            <a:endParaRPr lang="en-US" dirty="0"/>
+          </a:p>
+        </p:txBody>
+      </p:sp>
+    </p:spTree>
+    <p:extLst>
+      <p:ext uri="{BB962C8B-B14F-4D97-AF65-F5344CB8AC3E}">
+        <p14:creationId xmlns:p14="http://schemas.microsoft.com/office/powerpoint/2010/main" val="4053362016"/>
+      </p:ext>
+    </p:extLst>
+  </p:cSld>
+  <p:clrMapOvr>
+    <a:masterClrMapping/>
+  </p:clrMapOvr>
+</p:sld>
+</file>
+
+<file path=ppt/slides/slide69.xml><?xml version="1.0" encoding="utf-8"?>
+<p:sld xmlns:a="http://schemas.openxmlformats.org/drawingml/2006/main" xmlns:r="http://schemas.openxmlformats.org/officeDocument/2006/relationships" xmlns:p="http://schemas.openxmlformats.org/presentationml/2006/main">
+  <p:cSld>
+    <p:spTree>
+      <p:nvGrpSpPr>
+        <p:cNvPr id="1" name=""/>
+        <p:cNvGrpSpPr/>
+        <p:nvPr/>
+      </p:nvGrpSpPr>
+      <p:grpSpPr>
+        <a:xfrm>
+          <a:off x="0" y="0"/>
+          <a:ext cx="0" cy="0"/>
+          <a:chOff x="0" y="0"/>
+          <a:chExt cx="0" cy="0"/>
+        </a:xfrm>
+      </p:grpSpPr>
+      <p:sp>
+        <p:nvSpPr>
+          <p:cNvPr id="2" name="Title 1"/>
+          <p:cNvSpPr>
+            <a:spLocks noGrp="1"/>
+          </p:cNvSpPr>
+          <p:nvPr>
+            <p:ph type="title"/>
+          </p:nvPr>
+        </p:nvSpPr>
+        <p:spPr/>
+        <p:txBody>
+          <a:bodyPr/>
+          <a:lstStyle/>
+          <a:p>
+            <a:r>
+              <a:rPr lang="ru-RU" smtClean="0"/>
+              <a:t>Обсуждение</a:t>
+            </a:r>
+            <a:endParaRPr lang="en-US"/>
+          </a:p>
+        </p:txBody>
+      </p:sp>
+      <p:sp>
+        <p:nvSpPr>
+          <p:cNvPr id="3" name="Content Placeholder 2"/>
+          <p:cNvSpPr>
+            <a:spLocks noGrp="1"/>
+          </p:cNvSpPr>
+          <p:nvPr>
+            <p:ph idx="1"/>
+          </p:nvPr>
+        </p:nvSpPr>
+        <p:spPr/>
+        <p:txBody>
+          <a:bodyPr/>
+          <a:lstStyle/>
+          <a:p>
+            <a:r>
+              <a:rPr lang="ru-RU" smtClean="0"/>
+              <a:t>Можно ли вместо </a:t>
+            </a:r>
+            <a:r>
+              <a:rPr lang="en-US" smtClean="0"/>
+              <a:t>string </a:t>
+            </a:r>
+            <a:r>
+              <a:rPr lang="ru-RU" smtClean="0"/>
+              <a:t>использовать </a:t>
+            </a:r>
+            <a:r>
+              <a:rPr lang="en-US" smtClean="0"/>
+              <a:t>unique_ptr&lt;char[]&gt; </a:t>
+            </a:r>
+            <a:r>
+              <a:rPr lang="ru-RU" smtClean="0"/>
+              <a:t>или </a:t>
+            </a:r>
+            <a:r>
+              <a:rPr lang="en-US" smtClean="0"/>
+              <a:t>shared_ptr&lt;char[], deleter&lt;char[]&gt;&gt;</a:t>
+            </a:r>
+            <a:r>
+              <a:rPr lang="ru-RU" smtClean="0"/>
+              <a:t> в зависимости от контекста?</a:t>
+            </a:r>
+          </a:p>
+          <a:p>
+            <a:r>
+              <a:rPr lang="ru-RU" smtClean="0"/>
+              <a:t>Пожалуй их можно использовать </a:t>
+            </a:r>
+            <a:r>
+              <a:rPr lang="ru-RU" smtClean="0">
+                <a:solidFill>
+                  <a:srgbClr val="0000FF"/>
+                </a:solidFill>
+              </a:rPr>
+              <a:t>вместе</a:t>
+            </a:r>
+            <a:r>
+              <a:rPr lang="ru-RU" smtClean="0"/>
+              <a:t> со строкой как разновидность иммутабельных строк.</a:t>
+            </a:r>
+          </a:p>
+          <a:p>
+            <a:r>
+              <a:rPr lang="ru-RU" smtClean="0"/>
+              <a:t>Кстати, </a:t>
+            </a:r>
+            <a:r>
+              <a:rPr lang="en-US" smtClean="0"/>
+              <a:t>shared_ptr&lt;string&gt; </a:t>
+            </a:r>
+            <a:r>
+              <a:rPr lang="ru-RU" smtClean="0"/>
+              <a:t>может стать отличной альтернативой коровьей реализации строки (но добавляет уровень косвенности)</a:t>
+            </a:r>
+            <a:endParaRPr lang="en-US"/>
+          </a:p>
+        </p:txBody>
+      </p:sp>
+      <p:sp>
+        <p:nvSpPr>
+          <p:cNvPr id="4" name="Slide Number Placeholder 3"/>
+          <p:cNvSpPr>
+            <a:spLocks noGrp="1"/>
+          </p:cNvSpPr>
+          <p:nvPr>
+            <p:ph type="sldNum" sz="quarter" idx="12"/>
+          </p:nvPr>
+        </p:nvSpPr>
+        <p:spPr/>
+        <p:txBody>
+          <a:bodyPr/>
+          <a:lstStyle/>
+          <a:p>
+            <a:fld id="{4FAB73BC-B049-4115-A692-8D63A059BFB8}" type="slidenum">
+              <a:rPr lang="en-US" smtClean="0"/>
+              <a:t>69</a:t>
+            </a:fld>
+            <a:endParaRPr lang="en-US" dirty="0"/>
+          </a:p>
+        </p:txBody>
+      </p:sp>
+    </p:spTree>
+    <p:extLst>
+      <p:ext uri="{BB962C8B-B14F-4D97-AF65-F5344CB8AC3E}">
+        <p14:creationId xmlns:p14="http://schemas.microsoft.com/office/powerpoint/2010/main" val="2278906220"/>
       </p:ext>
     </p:extLst>
   </p:cSld>
@@ -22897,10 +25439,1603 @@
           </a:p>
         </p:txBody>
       </p:sp>
+      <p:sp>
+        <p:nvSpPr>
+          <p:cNvPr id="4" name="Slide Number Placeholder 3"/>
+          <p:cNvSpPr>
+            <a:spLocks noGrp="1"/>
+          </p:cNvSpPr>
+          <p:nvPr>
+            <p:ph type="sldNum" sz="quarter" idx="12"/>
+          </p:nvPr>
+        </p:nvSpPr>
+        <p:spPr/>
+        <p:txBody>
+          <a:bodyPr/>
+          <a:lstStyle/>
+          <a:p>
+            <a:fld id="{4FAB73BC-B049-4115-A692-8D63A059BFB8}" type="slidenum">
+              <a:rPr lang="en-US" smtClean="0"/>
+              <a:t>7</a:t>
+            </a:fld>
+            <a:endParaRPr lang="en-US" dirty="0"/>
+          </a:p>
+        </p:txBody>
+      </p:sp>
     </p:spTree>
     <p:extLst>
       <p:ext uri="{BB962C8B-B14F-4D97-AF65-F5344CB8AC3E}">
         <p14:creationId xmlns:p14="http://schemas.microsoft.com/office/powerpoint/2010/main" val="1658970237"/>
+      </p:ext>
+    </p:extLst>
+  </p:cSld>
+  <p:clrMapOvr>
+    <a:masterClrMapping/>
+  </p:clrMapOvr>
+</p:sld>
+</file>
+
+<file path=ppt/slides/slide70.xml><?xml version="1.0" encoding="utf-8"?>
+<p:sld xmlns:a="http://schemas.openxmlformats.org/drawingml/2006/main" xmlns:r="http://schemas.openxmlformats.org/officeDocument/2006/relationships" xmlns:p="http://schemas.openxmlformats.org/presentationml/2006/main">
+  <p:cSld>
+    <p:spTree>
+      <p:nvGrpSpPr>
+        <p:cNvPr id="1" name=""/>
+        <p:cNvGrpSpPr/>
+        <p:nvPr/>
+      </p:nvGrpSpPr>
+      <p:grpSpPr>
+        <a:xfrm>
+          <a:off x="0" y="0"/>
+          <a:ext cx="0" cy="0"/>
+          <a:chOff x="0" y="0"/>
+          <a:chExt cx="0" cy="0"/>
+        </a:xfrm>
+      </p:grpSpPr>
+      <p:sp>
+        <p:nvSpPr>
+          <p:cNvPr id="2" name="Title 1"/>
+          <p:cNvSpPr>
+            <a:spLocks noGrp="1"/>
+          </p:cNvSpPr>
+          <p:nvPr>
+            <p:ph type="title"/>
+          </p:nvPr>
+        </p:nvSpPr>
+        <p:spPr/>
+        <p:txBody>
+          <a:bodyPr/>
+          <a:lstStyle/>
+          <a:p>
+            <a:r>
+              <a:rPr lang="ru-RU" dirty="0" smtClean="0"/>
+              <a:t>Литература</a:t>
+            </a:r>
+            <a:endParaRPr lang="en-US" dirty="0"/>
+          </a:p>
+        </p:txBody>
+      </p:sp>
+      <p:sp>
+        <p:nvSpPr>
+          <p:cNvPr id="3" name="Content Placeholder 2"/>
+          <p:cNvSpPr>
+            <a:spLocks noGrp="1"/>
+          </p:cNvSpPr>
+          <p:nvPr>
+            <p:ph idx="1"/>
+          </p:nvPr>
+        </p:nvSpPr>
+        <p:spPr/>
+        <p:txBody>
+          <a:bodyPr>
+            <a:noAutofit/>
+          </a:bodyPr>
+          <a:lstStyle/>
+          <a:p>
+            <a:pPr lvl="0"/>
+            <a:r>
+              <a:rPr lang="en-US" sz="1800" dirty="0"/>
+              <a:t>ISO/IEC, "Information </a:t>
+            </a:r>
+            <a:r>
+              <a:rPr lang="en-US" sz="1800"/>
+              <a:t>technology </a:t>
+            </a:r>
+            <a:r>
+              <a:rPr lang="en-US" sz="1800"/>
+              <a:t>– </a:t>
+            </a:r>
+            <a:r>
+              <a:rPr lang="en-US" sz="1800" dirty="0"/>
+              <a:t>Programming languages – C++", </a:t>
+            </a:r>
+            <a:r>
+              <a:rPr lang="en-US" sz="1800"/>
+              <a:t>ISO/IEC </a:t>
+            </a:r>
+            <a:r>
+              <a:rPr lang="en-US" sz="1800" smtClean="0"/>
+              <a:t>14882:2017, 2017</a:t>
+            </a:r>
+            <a:endParaRPr lang="en-US" sz="1800" dirty="0"/>
+          </a:p>
+          <a:p>
+            <a:pPr lvl="0"/>
+            <a:r>
+              <a:rPr lang="en-US" sz="1800"/>
+              <a:t>Bjarne Stroustrup, The </a:t>
+            </a:r>
+            <a:r>
+              <a:rPr lang="en-US" sz="1800" dirty="0"/>
+              <a:t>C++ Programming Language (4th </a:t>
+            </a:r>
+            <a:r>
+              <a:rPr lang="en-US" sz="1800"/>
+              <a:t>Edition</a:t>
+            </a:r>
+            <a:r>
+              <a:rPr lang="en-US" sz="1800" smtClean="0"/>
+              <a:t>)</a:t>
+            </a:r>
+            <a:endParaRPr lang="ru-RU" sz="1800" smtClean="0"/>
+          </a:p>
+          <a:p>
+            <a:r>
+              <a:rPr lang="en-US" sz="1800" smtClean="0"/>
+              <a:t>Herb Sutter, "</a:t>
+            </a:r>
+            <a:r>
+              <a:rPr lang="en-US" sz="1800" smtClean="0"/>
+              <a:t>Leak-Freedom </a:t>
+            </a:r>
+            <a:r>
+              <a:rPr lang="en-US" sz="1800"/>
+              <a:t>in C++... </a:t>
+            </a:r>
+            <a:r>
+              <a:rPr lang="en-US" sz="1800"/>
+              <a:t>By </a:t>
+            </a:r>
+            <a:r>
+              <a:rPr lang="en-US" sz="1800"/>
+              <a:t>Default", CppCon 2016, https</a:t>
+            </a:r>
+            <a:r>
+              <a:rPr lang="en-US" sz="1800"/>
+              <a:t>://</a:t>
+            </a:r>
+            <a:r>
+              <a:rPr lang="en-US" sz="1800" smtClean="0"/>
+              <a:t>www.youtube.com/watch?v=JfmTagWcqoE</a:t>
+            </a:r>
+            <a:endParaRPr lang="en-US" sz="1800" smtClean="0"/>
+          </a:p>
+          <a:p>
+            <a:pPr lvl="0"/>
+            <a:r>
+              <a:rPr lang="en-US" sz="1800" smtClean="0"/>
+              <a:t>Scott </a:t>
+            </a:r>
+            <a:r>
+              <a:rPr lang="en-US" sz="1800"/>
+              <a:t>Meyers, </a:t>
+            </a:r>
+            <a:r>
+              <a:rPr lang="en-US" sz="1800" smtClean="0"/>
+              <a:t>"Effective </a:t>
+            </a:r>
+            <a:r>
+              <a:rPr lang="en-US" sz="1800"/>
+              <a:t>Modern C++: 42 </a:t>
+            </a:r>
+            <a:r>
+              <a:rPr lang="en-US" sz="1800" smtClean="0"/>
+              <a:t>Specific</a:t>
+            </a:r>
+            <a:r>
+              <a:rPr lang="ru-RU" sz="1800" smtClean="0"/>
+              <a:t> </a:t>
+            </a:r>
+            <a:r>
+              <a:rPr lang="en-US" sz="1800" smtClean="0"/>
+              <a:t>Ways </a:t>
+            </a:r>
+            <a:r>
+              <a:rPr lang="en-US" sz="1800"/>
+              <a:t>to Improve Your Use of C++11 and C++</a:t>
+            </a:r>
+            <a:r>
+              <a:rPr lang="en-US" sz="1800" smtClean="0"/>
+              <a:t>14"</a:t>
+            </a:r>
+          </a:p>
+          <a:p>
+            <a:r>
+              <a:rPr lang="en-US" sz="1800"/>
+              <a:t>Nicolai M. Josuttis,  The C++ Standard Library - A Tutorial and Reference, 2nd Edition , Addison-Wesley, </a:t>
+            </a:r>
+            <a:r>
+              <a:rPr lang="en-US" sz="1800" smtClean="0"/>
+              <a:t>2012</a:t>
+            </a:r>
+          </a:p>
+          <a:p>
+            <a:pPr lvl="0"/>
+            <a:r>
+              <a:rPr lang="en-US" sz="1800"/>
+              <a:t>Stanley </a:t>
+            </a:r>
+            <a:r>
+              <a:rPr lang="en-US" sz="1800" smtClean="0"/>
+              <a:t>Lippman, C</a:t>
+            </a:r>
+            <a:r>
+              <a:rPr lang="en-US" sz="1800"/>
+              <a:t>++ Primer (5th Edition</a:t>
+            </a:r>
+            <a:r>
+              <a:rPr lang="en-US" sz="1800" smtClean="0"/>
+              <a:t>)</a:t>
+            </a:r>
+          </a:p>
+          <a:p>
+            <a:pPr lvl="0"/>
+            <a:r>
+              <a:rPr lang="en-US" sz="1800"/>
+              <a:t>Barteks coding blog on smart pointers: http://www.bfilipek.com/2016/04/custom-deleters-for-c-smart-pointers.html</a:t>
+            </a:r>
+            <a:endParaRPr lang="en-US" sz="1800" dirty="0"/>
+          </a:p>
+        </p:txBody>
+      </p:sp>
+      <p:sp>
+        <p:nvSpPr>
+          <p:cNvPr id="4" name="Slide Number Placeholder 3"/>
+          <p:cNvSpPr>
+            <a:spLocks noGrp="1"/>
+          </p:cNvSpPr>
+          <p:nvPr>
+            <p:ph type="sldNum" sz="quarter" idx="12"/>
+          </p:nvPr>
+        </p:nvSpPr>
+        <p:spPr/>
+        <p:txBody>
+          <a:bodyPr/>
+          <a:lstStyle/>
+          <a:p>
+            <a:fld id="{4FAB73BC-B049-4115-A692-8D63A059BFB8}" type="slidenum">
+              <a:rPr lang="en-US" smtClean="0"/>
+              <a:t>70</a:t>
+            </a:fld>
+            <a:endParaRPr lang="en-US" dirty="0"/>
+          </a:p>
+        </p:txBody>
+      </p:sp>
+    </p:spTree>
+    <p:extLst>
+      <p:ext uri="{BB962C8B-B14F-4D97-AF65-F5344CB8AC3E}">
+        <p14:creationId xmlns:p14="http://schemas.microsoft.com/office/powerpoint/2010/main" val="1719869055"/>
+      </p:ext>
+    </p:extLst>
+  </p:cSld>
+  <p:clrMapOvr>
+    <a:masterClrMapping/>
+  </p:clrMapOvr>
+</p:sld>
+</file>
+
+<file path=ppt/slides/slide71.xml><?xml version="1.0" encoding="utf-8"?>
+<p:sld xmlns:a="http://schemas.openxmlformats.org/drawingml/2006/main" xmlns:r="http://schemas.openxmlformats.org/officeDocument/2006/relationships" xmlns:p="http://schemas.openxmlformats.org/presentationml/2006/main">
+  <p:cSld>
+    <p:spTree>
+      <p:nvGrpSpPr>
+        <p:cNvPr id="1" name=""/>
+        <p:cNvGrpSpPr/>
+        <p:nvPr/>
+      </p:nvGrpSpPr>
+      <p:grpSpPr>
+        <a:xfrm>
+          <a:off x="0" y="0"/>
+          <a:ext cx="0" cy="0"/>
+          <a:chOff x="0" y="0"/>
+          <a:chExt cx="0" cy="0"/>
+        </a:xfrm>
+      </p:grpSpPr>
+      <p:sp>
+        <p:nvSpPr>
+          <p:cNvPr id="4" name="Title 3"/>
+          <p:cNvSpPr>
+            <a:spLocks noGrp="1"/>
+          </p:cNvSpPr>
+          <p:nvPr>
+            <p:ph type="title"/>
+          </p:nvPr>
+        </p:nvSpPr>
+        <p:spPr/>
+        <p:txBody>
+          <a:bodyPr/>
+          <a:lstStyle/>
+          <a:p>
+            <a:r>
+              <a:rPr lang="ru-RU" smtClean="0"/>
+              <a:t>секретный уровень</a:t>
+            </a:r>
+            <a:endParaRPr lang="en-US"/>
+          </a:p>
+        </p:txBody>
+      </p:sp>
+      <p:sp>
+        <p:nvSpPr>
+          <p:cNvPr id="5" name="Text Placeholder 4"/>
+          <p:cNvSpPr>
+            <a:spLocks noGrp="1"/>
+          </p:cNvSpPr>
+          <p:nvPr>
+            <p:ph type="body" idx="1"/>
+          </p:nvPr>
+        </p:nvSpPr>
+        <p:spPr/>
+        <p:txBody>
+          <a:bodyPr/>
+          <a:lstStyle/>
+          <a:p>
+            <a:r>
+              <a:rPr lang="ru-RU" smtClean="0"/>
+              <a:t>Иные подходы к умным указателям: </a:t>
+            </a:r>
+            <a:r>
+              <a:rPr lang="en-US" smtClean="0"/>
+              <a:t>boost intrusive pointer</a:t>
+            </a:r>
+            <a:endParaRPr lang="en-US"/>
+          </a:p>
+        </p:txBody>
+      </p:sp>
+      <p:sp>
+        <p:nvSpPr>
+          <p:cNvPr id="6" name="Slide Number Placeholder 5"/>
+          <p:cNvSpPr>
+            <a:spLocks noGrp="1"/>
+          </p:cNvSpPr>
+          <p:nvPr>
+            <p:ph type="sldNum" sz="quarter" idx="12"/>
+          </p:nvPr>
+        </p:nvSpPr>
+        <p:spPr/>
+        <p:txBody>
+          <a:bodyPr/>
+          <a:lstStyle/>
+          <a:p>
+            <a:fld id="{4FAB73BC-B049-4115-A692-8D63A059BFB8}" type="slidenum">
+              <a:rPr lang="en-US" smtClean="0"/>
+              <a:t>71</a:t>
+            </a:fld>
+            <a:endParaRPr lang="en-US" dirty="0"/>
+          </a:p>
+        </p:txBody>
+      </p:sp>
+    </p:spTree>
+    <p:extLst>
+      <p:ext uri="{BB962C8B-B14F-4D97-AF65-F5344CB8AC3E}">
+        <p14:creationId xmlns:p14="http://schemas.microsoft.com/office/powerpoint/2010/main" val="2709709572"/>
+      </p:ext>
+    </p:extLst>
+  </p:cSld>
+  <p:clrMapOvr>
+    <a:masterClrMapping/>
+  </p:clrMapOvr>
+</p:sld>
+</file>
+
+<file path=ppt/slides/slide72.xml><?xml version="1.0" encoding="utf-8"?>
+<p:sld xmlns:a="http://schemas.openxmlformats.org/drawingml/2006/main" xmlns:r="http://schemas.openxmlformats.org/officeDocument/2006/relationships" xmlns:p="http://schemas.openxmlformats.org/presentationml/2006/main">
+  <p:cSld>
+    <p:spTree>
+      <p:nvGrpSpPr>
+        <p:cNvPr id="1" name=""/>
+        <p:cNvGrpSpPr/>
+        <p:nvPr/>
+      </p:nvGrpSpPr>
+      <p:grpSpPr>
+        <a:xfrm>
+          <a:off x="0" y="0"/>
+          <a:ext cx="0" cy="0"/>
+          <a:chOff x="0" y="0"/>
+          <a:chExt cx="0" cy="0"/>
+        </a:xfrm>
+      </p:grpSpPr>
+      <p:sp>
+        <p:nvSpPr>
+          <p:cNvPr id="2" name="Title 1"/>
+          <p:cNvSpPr>
+            <a:spLocks noGrp="1"/>
+          </p:cNvSpPr>
+          <p:nvPr>
+            <p:ph type="title"/>
+          </p:nvPr>
+        </p:nvSpPr>
+        <p:spPr/>
+        <p:txBody>
+          <a:bodyPr/>
+          <a:lstStyle/>
+          <a:p>
+            <a:r>
+              <a:rPr lang="ru-RU" smtClean="0"/>
+              <a:t>Основная идея</a:t>
+            </a:r>
+            <a:endParaRPr lang="en-US"/>
+          </a:p>
+        </p:txBody>
+      </p:sp>
+      <p:sp>
+        <p:nvSpPr>
+          <p:cNvPr id="3" name="Content Placeholder 2"/>
+          <p:cNvSpPr>
+            <a:spLocks noGrp="1"/>
+          </p:cNvSpPr>
+          <p:nvPr>
+            <p:ph idx="1"/>
+          </p:nvPr>
+        </p:nvSpPr>
+        <p:spPr/>
+        <p:txBody>
+          <a:bodyPr/>
+          <a:lstStyle/>
+          <a:p>
+            <a:r>
+              <a:rPr lang="ru-RU" smtClean="0"/>
+              <a:t>Все проблемы с </a:t>
+            </a:r>
+            <a:r>
+              <a:rPr lang="en-US" smtClean="0"/>
+              <a:t>shared_pointer (</a:t>
+            </a:r>
+            <a:r>
+              <a:rPr lang="ru-RU" smtClean="0"/>
+              <a:t>зацикливание, атомарность, лишний контрольный блок) были связаны с тем, что счётчик ссылок хранился </a:t>
+            </a:r>
+            <a:r>
+              <a:rPr lang="ru-RU" smtClean="0">
+                <a:solidFill>
+                  <a:srgbClr val="FF0000"/>
+                </a:solidFill>
+              </a:rPr>
+              <a:t>на уровне класса</a:t>
+            </a:r>
+            <a:r>
+              <a:rPr lang="ru-RU" smtClean="0"/>
+              <a:t>.</a:t>
+            </a:r>
+          </a:p>
+          <a:p>
+            <a:r>
+              <a:rPr lang="ru-RU" smtClean="0"/>
+              <a:t>Что если хранить счётчик ссылок </a:t>
+            </a:r>
+            <a:r>
+              <a:rPr lang="ru-RU" smtClean="0">
+                <a:solidFill>
+                  <a:srgbClr val="0000FF"/>
+                </a:solidFill>
+              </a:rPr>
+              <a:t>на уровне объекта</a:t>
+            </a:r>
+            <a:r>
+              <a:rPr lang="ru-RU" smtClean="0"/>
+              <a:t>?</a:t>
+            </a:r>
+          </a:p>
+          <a:p>
+            <a:endParaRPr lang="en-US"/>
+          </a:p>
+        </p:txBody>
+      </p:sp>
+      <p:sp>
+        <p:nvSpPr>
+          <p:cNvPr id="4" name="Slide Number Placeholder 3"/>
+          <p:cNvSpPr>
+            <a:spLocks noGrp="1"/>
+          </p:cNvSpPr>
+          <p:nvPr>
+            <p:ph type="sldNum" sz="quarter" idx="12"/>
+          </p:nvPr>
+        </p:nvSpPr>
+        <p:spPr/>
+        <p:txBody>
+          <a:bodyPr/>
+          <a:lstStyle/>
+          <a:p>
+            <a:fld id="{4FAB73BC-B049-4115-A692-8D63A059BFB8}" type="slidenum">
+              <a:rPr lang="en-US" smtClean="0"/>
+              <a:t>72</a:t>
+            </a:fld>
+            <a:endParaRPr lang="en-US" dirty="0"/>
+          </a:p>
+        </p:txBody>
+      </p:sp>
+      <p:sp>
+        <p:nvSpPr>
+          <p:cNvPr id="5" name="Rectangle 4"/>
+          <p:cNvSpPr/>
+          <p:nvPr/>
+        </p:nvSpPr>
+        <p:spPr>
+          <a:xfrm>
+            <a:off x="5637403" y="4364992"/>
+            <a:ext cx="1371600" cy="802640"/>
+          </a:xfrm>
+          <a:prstGeom prst="rect">
+            <a:avLst/>
+          </a:prstGeom>
+          <a:ln>
+            <a:solidFill>
+              <a:schemeClr val="tx1"/>
+            </a:solidFill>
+          </a:ln>
+          <a:effectLst/>
+        </p:spPr>
+        <p:style>
+          <a:lnRef idx="2">
+            <a:schemeClr val="dk1"/>
+          </a:lnRef>
+          <a:fillRef idx="1">
+            <a:schemeClr val="lt1"/>
+          </a:fillRef>
+          <a:effectRef idx="0">
+            <a:schemeClr val="dk1"/>
+          </a:effectRef>
+          <a:fontRef idx="minor">
+            <a:schemeClr val="dk1"/>
+          </a:fontRef>
+        </p:style>
+        <p:txBody>
+          <a:bodyPr rtlCol="0" anchor="ctr"/>
+          <a:lstStyle/>
+          <a:p>
+            <a:pPr algn="ctr"/>
+            <a:r>
+              <a:rPr lang="en-US" smtClean="0">
+                <a:ln>
+                  <a:solidFill>
+                    <a:schemeClr val="tx1"/>
+                  </a:solidFill>
+                </a:ln>
+              </a:rPr>
+              <a:t>Useful data</a:t>
+            </a:r>
+            <a:endParaRPr lang="en-US">
+              <a:ln>
+                <a:solidFill>
+                  <a:schemeClr val="tx1"/>
+                </a:solidFill>
+              </a:ln>
+            </a:endParaRPr>
+          </a:p>
+        </p:txBody>
+      </p:sp>
+      <p:sp>
+        <p:nvSpPr>
+          <p:cNvPr id="8" name="Rectangle 7"/>
+          <p:cNvSpPr/>
+          <p:nvPr/>
+        </p:nvSpPr>
+        <p:spPr>
+          <a:xfrm>
+            <a:off x="5637403" y="5167632"/>
+            <a:ext cx="1371600" cy="802640"/>
+          </a:xfrm>
+          <a:prstGeom prst="rect">
+            <a:avLst/>
+          </a:prstGeom>
+          <a:ln>
+            <a:solidFill>
+              <a:schemeClr val="tx1"/>
+            </a:solidFill>
+          </a:ln>
+          <a:effectLst/>
+        </p:spPr>
+        <p:style>
+          <a:lnRef idx="2">
+            <a:schemeClr val="dk1"/>
+          </a:lnRef>
+          <a:fillRef idx="1">
+            <a:schemeClr val="lt1"/>
+          </a:fillRef>
+          <a:effectRef idx="0">
+            <a:schemeClr val="dk1"/>
+          </a:effectRef>
+          <a:fontRef idx="minor">
+            <a:schemeClr val="dk1"/>
+          </a:fontRef>
+        </p:style>
+        <p:txBody>
+          <a:bodyPr rtlCol="0" anchor="ctr"/>
+          <a:lstStyle/>
+          <a:p>
+            <a:pPr algn="ctr"/>
+            <a:r>
+              <a:rPr lang="en-US" smtClean="0">
+                <a:ln>
+                  <a:solidFill>
+                    <a:schemeClr val="tx1"/>
+                  </a:solidFill>
+                </a:ln>
+              </a:rPr>
+              <a:t>Reference counter</a:t>
+            </a:r>
+            <a:endParaRPr lang="en-US">
+              <a:ln>
+                <a:solidFill>
+                  <a:schemeClr val="tx1"/>
+                </a:solidFill>
+              </a:ln>
+            </a:endParaRPr>
+          </a:p>
+        </p:txBody>
+      </p:sp>
+      <p:sp>
+        <p:nvSpPr>
+          <p:cNvPr id="10" name="Rectangle 9"/>
+          <p:cNvSpPr/>
+          <p:nvPr/>
+        </p:nvSpPr>
+        <p:spPr>
+          <a:xfrm>
+            <a:off x="5328031" y="3930144"/>
+            <a:ext cx="1925320" cy="2176272"/>
+          </a:xfrm>
+          <a:prstGeom prst="rect">
+            <a:avLst/>
+          </a:prstGeom>
+          <a:noFill/>
+          <a:ln>
+            <a:solidFill>
+              <a:schemeClr val="tx1"/>
+            </a:solidFill>
+          </a:ln>
+          <a:effectLst/>
+        </p:spPr>
+        <p:style>
+          <a:lnRef idx="2">
+            <a:schemeClr val="dk1"/>
+          </a:lnRef>
+          <a:fillRef idx="1">
+            <a:schemeClr val="lt1"/>
+          </a:fillRef>
+          <a:effectRef idx="0">
+            <a:schemeClr val="dk1"/>
+          </a:effectRef>
+          <a:fontRef idx="minor">
+            <a:schemeClr val="dk1"/>
+          </a:fontRef>
+        </p:style>
+        <p:txBody>
+          <a:bodyPr rtlCol="0" anchor="t" anchorCtr="0"/>
+          <a:lstStyle/>
+          <a:p>
+            <a:pPr algn="ctr"/>
+            <a:r>
+              <a:rPr lang="en-US" smtClean="0">
+                <a:ln>
+                  <a:solidFill>
+                    <a:schemeClr val="tx1"/>
+                  </a:solidFill>
+                </a:ln>
+              </a:rPr>
+              <a:t>Data</a:t>
+            </a:r>
+            <a:endParaRPr lang="en-US">
+              <a:ln>
+                <a:solidFill>
+                  <a:schemeClr val="tx1"/>
+                </a:solidFill>
+              </a:ln>
+            </a:endParaRPr>
+          </a:p>
+        </p:txBody>
+      </p:sp>
+      <p:sp>
+        <p:nvSpPr>
+          <p:cNvPr id="15" name="Rectangle 14"/>
+          <p:cNvSpPr/>
+          <p:nvPr/>
+        </p:nvSpPr>
+        <p:spPr>
+          <a:xfrm>
+            <a:off x="1727073" y="4173444"/>
+            <a:ext cx="2103120" cy="1285176"/>
+          </a:xfrm>
+          <a:prstGeom prst="rect">
+            <a:avLst/>
+          </a:prstGeom>
+          <a:noFill/>
+          <a:ln>
+            <a:solidFill>
+              <a:schemeClr val="tx1"/>
+            </a:solidFill>
+          </a:ln>
+          <a:effectLst/>
+        </p:spPr>
+        <p:style>
+          <a:lnRef idx="2">
+            <a:schemeClr val="dk1"/>
+          </a:lnRef>
+          <a:fillRef idx="1">
+            <a:schemeClr val="lt1"/>
+          </a:fillRef>
+          <a:effectRef idx="0">
+            <a:schemeClr val="dk1"/>
+          </a:effectRef>
+          <a:fontRef idx="minor">
+            <a:schemeClr val="dk1"/>
+          </a:fontRef>
+        </p:style>
+        <p:txBody>
+          <a:bodyPr rtlCol="0" anchor="t" anchorCtr="0"/>
+          <a:lstStyle/>
+          <a:p>
+            <a:pPr algn="ctr"/>
+            <a:r>
+              <a:rPr lang="en-US" smtClean="0">
+                <a:ln>
+                  <a:solidFill>
+                    <a:schemeClr val="tx1"/>
+                  </a:solidFill>
+                </a:ln>
+              </a:rPr>
+              <a:t>intrusive_ptr&lt;Data</a:t>
+            </a:r>
+            <a:r>
+              <a:rPr lang="en-US" smtClean="0">
+                <a:ln>
+                  <a:solidFill>
+                    <a:schemeClr val="tx1"/>
+                  </a:solidFill>
+                </a:ln>
+              </a:rPr>
+              <a:t>&gt;</a:t>
+            </a:r>
+            <a:endParaRPr lang="en-US">
+              <a:ln>
+                <a:solidFill>
+                  <a:schemeClr val="tx1"/>
+                </a:solidFill>
+              </a:ln>
+            </a:endParaRPr>
+          </a:p>
+        </p:txBody>
+      </p:sp>
+      <p:sp>
+        <p:nvSpPr>
+          <p:cNvPr id="17" name="Rectangle 16"/>
+          <p:cNvSpPr/>
+          <p:nvPr/>
+        </p:nvSpPr>
+        <p:spPr>
+          <a:xfrm>
+            <a:off x="2021205" y="4767518"/>
+            <a:ext cx="1514856" cy="501523"/>
+          </a:xfrm>
+          <a:prstGeom prst="rect">
+            <a:avLst/>
+          </a:prstGeom>
+          <a:ln>
+            <a:solidFill>
+              <a:schemeClr val="tx1"/>
+            </a:solidFill>
+          </a:ln>
+          <a:effectLst/>
+        </p:spPr>
+        <p:style>
+          <a:lnRef idx="2">
+            <a:schemeClr val="dk1"/>
+          </a:lnRef>
+          <a:fillRef idx="1">
+            <a:schemeClr val="lt1"/>
+          </a:fillRef>
+          <a:effectRef idx="0">
+            <a:schemeClr val="dk1"/>
+          </a:effectRef>
+          <a:fontRef idx="minor">
+            <a:schemeClr val="dk1"/>
+          </a:fontRef>
+        </p:style>
+        <p:txBody>
+          <a:bodyPr rtlCol="0" anchor="ctr"/>
+          <a:lstStyle/>
+          <a:p>
+            <a:pPr algn="ctr"/>
+            <a:r>
+              <a:rPr lang="en-US" smtClean="0">
+                <a:ln>
+                  <a:solidFill>
+                    <a:schemeClr val="tx1"/>
+                  </a:solidFill>
+                </a:ln>
+              </a:rPr>
+              <a:t>Data pointer</a:t>
+            </a:r>
+            <a:endParaRPr lang="en-US">
+              <a:ln>
+                <a:solidFill>
+                  <a:schemeClr val="tx1"/>
+                </a:solidFill>
+              </a:ln>
+            </a:endParaRPr>
+          </a:p>
+        </p:txBody>
+      </p:sp>
+      <p:cxnSp>
+        <p:nvCxnSpPr>
+          <p:cNvPr id="19" name="Straight Arrow Connector 8"/>
+          <p:cNvCxnSpPr>
+            <a:stCxn id="17" idx="3"/>
+            <a:endCxn id="10" idx="1"/>
+          </p:cNvCxnSpPr>
+          <p:nvPr/>
+        </p:nvCxnSpPr>
+        <p:spPr>
+          <a:xfrm>
+            <a:off x="3536061" y="5018280"/>
+            <a:ext cx="1791970" cy="12700"/>
+          </a:xfrm>
+          <a:prstGeom prst="curvedConnector3">
+            <a:avLst>
+              <a:gd name="adj1" fmla="val 50000"/>
+            </a:avLst>
+          </a:prstGeom>
+          <a:ln w="28575">
+            <a:solidFill>
+              <a:schemeClr val="tx1"/>
+            </a:solidFill>
+            <a:tailEnd type="triangle" w="lg" len="lg"/>
+          </a:ln>
+        </p:spPr>
+        <p:style>
+          <a:lnRef idx="1">
+            <a:schemeClr val="accent1"/>
+          </a:lnRef>
+          <a:fillRef idx="0">
+            <a:schemeClr val="accent1"/>
+          </a:fillRef>
+          <a:effectRef idx="0">
+            <a:schemeClr val="accent1"/>
+          </a:effectRef>
+          <a:fontRef idx="minor">
+            <a:schemeClr val="tx1"/>
+          </a:fontRef>
+        </p:style>
+      </p:cxnSp>
+    </p:spTree>
+    <p:extLst>
+      <p:ext uri="{BB962C8B-B14F-4D97-AF65-F5344CB8AC3E}">
+        <p14:creationId xmlns:p14="http://schemas.microsoft.com/office/powerpoint/2010/main" val="138278616"/>
+      </p:ext>
+    </p:extLst>
+  </p:cSld>
+  <p:clrMapOvr>
+    <a:masterClrMapping/>
+  </p:clrMapOvr>
+</p:sld>
+</file>
+
+<file path=ppt/slides/slide73.xml><?xml version="1.0" encoding="utf-8"?>
+<p:sld xmlns:a="http://schemas.openxmlformats.org/drawingml/2006/main" xmlns:r="http://schemas.openxmlformats.org/officeDocument/2006/relationships" xmlns:p="http://schemas.openxmlformats.org/presentationml/2006/main">
+  <p:cSld>
+    <p:spTree>
+      <p:nvGrpSpPr>
+        <p:cNvPr id="1" name=""/>
+        <p:cNvGrpSpPr/>
+        <p:nvPr/>
+      </p:nvGrpSpPr>
+      <p:grpSpPr>
+        <a:xfrm>
+          <a:off x="0" y="0"/>
+          <a:ext cx="0" cy="0"/>
+          <a:chOff x="0" y="0"/>
+          <a:chExt cx="0" cy="0"/>
+        </a:xfrm>
+      </p:grpSpPr>
+      <p:sp>
+        <p:nvSpPr>
+          <p:cNvPr id="2" name="Title 1"/>
+          <p:cNvSpPr>
+            <a:spLocks noGrp="1"/>
+          </p:cNvSpPr>
+          <p:nvPr>
+            <p:ph type="title"/>
+          </p:nvPr>
+        </p:nvSpPr>
+        <p:spPr/>
+        <p:txBody>
+          <a:bodyPr/>
+          <a:lstStyle/>
+          <a:p>
+            <a:r>
+              <a:rPr lang="en-US" smtClean="0"/>
+              <a:t>boost::intrusive_ptr</a:t>
+            </a:r>
+            <a:endParaRPr lang="en-US"/>
+          </a:p>
+        </p:txBody>
+      </p:sp>
+      <p:sp>
+        <p:nvSpPr>
+          <p:cNvPr id="3" name="Content Placeholder 2"/>
+          <p:cNvSpPr>
+            <a:spLocks noGrp="1"/>
+          </p:cNvSpPr>
+          <p:nvPr>
+            <p:ph idx="1"/>
+          </p:nvPr>
+        </p:nvSpPr>
+        <p:spPr/>
+        <p:txBody>
+          <a:bodyPr/>
+          <a:lstStyle/>
+          <a:p>
+            <a:r>
+              <a:rPr lang="ru-RU" smtClean="0"/>
+              <a:t>Пользователь предоставляет </a:t>
+            </a:r>
+            <a:r>
+              <a:rPr lang="en-US" smtClean="0"/>
+              <a:t>intrusive_ptr_add_rintrusive_ptr_release </a:t>
+            </a:r>
+            <a:r>
+              <a:rPr lang="ru-RU" smtClean="0"/>
+              <a:t>для своего типа </a:t>
+            </a:r>
+          </a:p>
+          <a:p>
+            <a:r>
+              <a:rPr lang="ru-RU" smtClean="0"/>
+              <a:t>Обычно реализация этих функций требует хранения в объекте счётчика ссылок</a:t>
+            </a:r>
+          </a:p>
+          <a:p>
+            <a:pPr marL="45720" indent="0">
+              <a:buNone/>
+            </a:pPr>
+            <a:r>
+              <a:rPr lang="en-US">
+                <a:latin typeface="Consolas" panose="020B0609020204030204" pitchFamily="49" charset="0"/>
+              </a:rPr>
+              <a:t>template&lt;typename </a:t>
+            </a:r>
+            <a:r>
+              <a:rPr lang="en-US" smtClean="0">
+                <a:latin typeface="Consolas" panose="020B0609020204030204" pitchFamily="49" charset="0"/>
+              </a:rPr>
+              <a:t>T&gt; void </a:t>
+            </a:r>
+            <a:r>
+              <a:rPr lang="en-US">
+                <a:latin typeface="Consolas" panose="020B0609020204030204" pitchFamily="49" charset="0"/>
+              </a:rPr>
+              <a:t>intrusive_ptr_add_ref(T* </a:t>
+            </a:r>
+            <a:r>
+              <a:rPr lang="en-US">
+                <a:latin typeface="Consolas" panose="020B0609020204030204" pitchFamily="49" charset="0"/>
+              </a:rPr>
+              <a:t>ptr</a:t>
+            </a:r>
+            <a:r>
+              <a:rPr lang="en-US" smtClean="0">
+                <a:latin typeface="Consolas" panose="020B0609020204030204" pitchFamily="49" charset="0"/>
+              </a:rPr>
+              <a:t>) {</a:t>
+            </a:r>
+            <a:br>
+              <a:rPr lang="en-US" smtClean="0">
+                <a:latin typeface="Consolas" panose="020B0609020204030204" pitchFamily="49" charset="0"/>
+              </a:rPr>
+            </a:br>
+            <a:r>
+              <a:rPr lang="en-US" smtClean="0">
+                <a:latin typeface="Consolas" panose="020B0609020204030204" pitchFamily="49" charset="0"/>
+              </a:rPr>
+              <a:t>  ptr-</a:t>
+            </a:r>
+            <a:r>
+              <a:rPr lang="en-US">
+                <a:latin typeface="Consolas" panose="020B0609020204030204" pitchFamily="49" charset="0"/>
+              </a:rPr>
+              <a:t>&gt;</a:t>
+            </a:r>
+            <a:r>
+              <a:rPr lang="en-US">
+                <a:latin typeface="Consolas" panose="020B0609020204030204" pitchFamily="49" charset="0"/>
+              </a:rPr>
+              <a:t>add_ref</a:t>
+            </a:r>
+            <a:r>
+              <a:rPr lang="en-US" smtClean="0">
+                <a:latin typeface="Consolas" panose="020B0609020204030204" pitchFamily="49" charset="0"/>
+              </a:rPr>
+              <a:t>();</a:t>
+            </a:r>
+            <a:br>
+              <a:rPr lang="en-US" smtClean="0">
+                <a:latin typeface="Consolas" panose="020B0609020204030204" pitchFamily="49" charset="0"/>
+              </a:rPr>
+            </a:br>
+            <a:r>
+              <a:rPr lang="en-US" smtClean="0">
+                <a:latin typeface="Consolas" panose="020B0609020204030204" pitchFamily="49" charset="0"/>
+              </a:rPr>
+              <a:t>}</a:t>
+            </a:r>
+            <a:endParaRPr lang="en-US">
+              <a:latin typeface="Consolas" panose="020B0609020204030204" pitchFamily="49" charset="0"/>
+            </a:endParaRPr>
+          </a:p>
+          <a:p>
+            <a:pPr marL="45720" indent="0">
+              <a:buNone/>
+            </a:pPr>
+            <a:r>
+              <a:rPr lang="en-US" smtClean="0">
+                <a:latin typeface="Consolas" panose="020B0609020204030204" pitchFamily="49" charset="0"/>
+              </a:rPr>
+              <a:t>template&lt;typename T&gt; void </a:t>
+            </a:r>
+            <a:r>
+              <a:rPr lang="en-US">
+                <a:latin typeface="Consolas" panose="020B0609020204030204" pitchFamily="49" charset="0"/>
+              </a:rPr>
+              <a:t>intrusive_ptr_release(T</a:t>
+            </a:r>
+            <a:r>
+              <a:rPr lang="en-US">
+                <a:latin typeface="Consolas" panose="020B0609020204030204" pitchFamily="49" charset="0"/>
+              </a:rPr>
+              <a:t>* </a:t>
+            </a:r>
+            <a:r>
+              <a:rPr lang="en-US" smtClean="0">
+                <a:latin typeface="Consolas" panose="020B0609020204030204" pitchFamily="49" charset="0"/>
+              </a:rPr>
+              <a:t>ptr) {</a:t>
+            </a:r>
+            <a:br>
+              <a:rPr lang="en-US" smtClean="0">
+                <a:latin typeface="Consolas" panose="020B0609020204030204" pitchFamily="49" charset="0"/>
+              </a:rPr>
+            </a:br>
+            <a:r>
+              <a:rPr lang="en-US" smtClean="0">
+                <a:latin typeface="Consolas" panose="020B0609020204030204" pitchFamily="49" charset="0"/>
+              </a:rPr>
+              <a:t>  if</a:t>
+            </a:r>
+            <a:r>
+              <a:rPr lang="en-US">
+                <a:latin typeface="Consolas" panose="020B0609020204030204" pitchFamily="49" charset="0"/>
+              </a:rPr>
+              <a:t>(!ptr-&gt;</a:t>
+            </a:r>
+            <a:r>
+              <a:rPr lang="en-US">
+                <a:latin typeface="Consolas" panose="020B0609020204030204" pitchFamily="49" charset="0"/>
+              </a:rPr>
+              <a:t>release</a:t>
+            </a:r>
+            <a:r>
+              <a:rPr lang="en-US" smtClean="0">
+                <a:latin typeface="Consolas" panose="020B0609020204030204" pitchFamily="49" charset="0"/>
+              </a:rPr>
+              <a:t>())</a:t>
+            </a:r>
+            <a:br>
+              <a:rPr lang="en-US" smtClean="0">
+                <a:latin typeface="Consolas" panose="020B0609020204030204" pitchFamily="49" charset="0"/>
+              </a:rPr>
+            </a:br>
+            <a:r>
+              <a:rPr lang="en-US" smtClean="0">
+                <a:latin typeface="Consolas" panose="020B0609020204030204" pitchFamily="49" charset="0"/>
+              </a:rPr>
+              <a:t>    </a:t>
+            </a:r>
+            <a:r>
+              <a:rPr lang="en-US">
+                <a:latin typeface="Consolas" panose="020B0609020204030204" pitchFamily="49" charset="0"/>
+              </a:rPr>
+              <a:t>delete </a:t>
+            </a:r>
+            <a:r>
+              <a:rPr lang="en-US">
+                <a:latin typeface="Consolas" panose="020B0609020204030204" pitchFamily="49" charset="0"/>
+              </a:rPr>
+              <a:t>ptr</a:t>
+            </a:r>
+            <a:r>
+              <a:rPr lang="en-US" smtClean="0">
+                <a:latin typeface="Consolas" panose="020B0609020204030204" pitchFamily="49" charset="0"/>
+              </a:rPr>
+              <a:t>;</a:t>
+            </a:r>
+            <a:br>
+              <a:rPr lang="en-US" smtClean="0">
+                <a:latin typeface="Consolas" panose="020B0609020204030204" pitchFamily="49" charset="0"/>
+              </a:rPr>
+            </a:br>
+            <a:r>
+              <a:rPr lang="en-US" smtClean="0">
+                <a:latin typeface="Consolas" panose="020B0609020204030204" pitchFamily="49" charset="0"/>
+              </a:rPr>
+              <a:t>}</a:t>
+            </a:r>
+            <a:endParaRPr lang="en-US">
+              <a:latin typeface="Consolas" panose="020B0609020204030204" pitchFamily="49" charset="0"/>
+            </a:endParaRPr>
+          </a:p>
+          <a:p>
+            <a:pPr marL="45720" indent="0">
+              <a:buNone/>
+            </a:pPr>
+            <a:endParaRPr lang="en-US"/>
+          </a:p>
+        </p:txBody>
+      </p:sp>
+      <p:sp>
+        <p:nvSpPr>
+          <p:cNvPr id="4" name="Slide Number Placeholder 3"/>
+          <p:cNvSpPr>
+            <a:spLocks noGrp="1"/>
+          </p:cNvSpPr>
+          <p:nvPr>
+            <p:ph type="sldNum" sz="quarter" idx="12"/>
+          </p:nvPr>
+        </p:nvSpPr>
+        <p:spPr/>
+        <p:txBody>
+          <a:bodyPr/>
+          <a:lstStyle/>
+          <a:p>
+            <a:fld id="{4FAB73BC-B049-4115-A692-8D63A059BFB8}" type="slidenum">
+              <a:rPr lang="en-US" smtClean="0"/>
+              <a:t>73</a:t>
+            </a:fld>
+            <a:endParaRPr lang="en-US" dirty="0"/>
+          </a:p>
+        </p:txBody>
+      </p:sp>
+    </p:spTree>
+    <p:extLst>
+      <p:ext uri="{BB962C8B-B14F-4D97-AF65-F5344CB8AC3E}">
+        <p14:creationId xmlns:p14="http://schemas.microsoft.com/office/powerpoint/2010/main" val="2441439139"/>
+      </p:ext>
+    </p:extLst>
+  </p:cSld>
+  <p:clrMapOvr>
+    <a:masterClrMapping/>
+  </p:clrMapOvr>
+</p:sld>
+</file>
+
+<file path=ppt/slides/slide74.xml><?xml version="1.0" encoding="utf-8"?>
+<p:sld xmlns:a="http://schemas.openxmlformats.org/drawingml/2006/main" xmlns:r="http://schemas.openxmlformats.org/officeDocument/2006/relationships" xmlns:p="http://schemas.openxmlformats.org/presentationml/2006/main">
+  <p:cSld>
+    <p:spTree>
+      <p:nvGrpSpPr>
+        <p:cNvPr id="1" name=""/>
+        <p:cNvGrpSpPr/>
+        <p:nvPr/>
+      </p:nvGrpSpPr>
+      <p:grpSpPr>
+        <a:xfrm>
+          <a:off x="0" y="0"/>
+          <a:ext cx="0" cy="0"/>
+          <a:chOff x="0" y="0"/>
+          <a:chExt cx="0" cy="0"/>
+        </a:xfrm>
+      </p:grpSpPr>
+      <p:sp>
+        <p:nvSpPr>
+          <p:cNvPr id="2" name="Title 1"/>
+          <p:cNvSpPr>
+            <a:spLocks noGrp="1"/>
+          </p:cNvSpPr>
+          <p:nvPr>
+            <p:ph type="title"/>
+          </p:nvPr>
+        </p:nvSpPr>
+        <p:spPr/>
+        <p:txBody>
+          <a:bodyPr/>
+          <a:lstStyle/>
+          <a:p>
+            <a:r>
+              <a:rPr lang="en-US" smtClean="0"/>
+              <a:t>boost::intrusive_ptr</a:t>
+            </a:r>
+            <a:endParaRPr lang="en-US"/>
+          </a:p>
+        </p:txBody>
+      </p:sp>
+      <p:sp>
+        <p:nvSpPr>
+          <p:cNvPr id="3" name="Content Placeholder 2"/>
+          <p:cNvSpPr>
+            <a:spLocks noGrp="1"/>
+          </p:cNvSpPr>
+          <p:nvPr>
+            <p:ph idx="1"/>
+          </p:nvPr>
+        </p:nvSpPr>
+        <p:spPr/>
+        <p:txBody>
+          <a:bodyPr/>
+          <a:lstStyle/>
+          <a:p>
+            <a:r>
+              <a:rPr lang="ru-RU" smtClean="0"/>
+              <a:t>Пользователь предоставляет </a:t>
+            </a:r>
+            <a:r>
+              <a:rPr lang="en-US" smtClean="0"/>
+              <a:t>intrusive_ptr_add_rintrusive_ptr_release </a:t>
+            </a:r>
+            <a:r>
+              <a:rPr lang="ru-RU" smtClean="0"/>
+              <a:t>для своего типа </a:t>
+            </a:r>
+          </a:p>
+          <a:p>
+            <a:r>
+              <a:rPr lang="ru-RU" smtClean="0"/>
+              <a:t>Обычно реализация этих функций требует хранения в объекте счётчика ссылок</a:t>
+            </a:r>
+          </a:p>
+          <a:p>
+            <a:pPr marL="45720" indent="0">
+              <a:buNone/>
+            </a:pPr>
+            <a:r>
+              <a:rPr lang="en-US">
+                <a:latin typeface="Consolas" panose="020B0609020204030204" pitchFamily="49" charset="0"/>
+              </a:rPr>
+              <a:t>class </a:t>
+            </a:r>
+            <a:r>
+              <a:rPr lang="en-US" smtClean="0">
+                <a:latin typeface="Consolas" panose="020B0609020204030204" pitchFamily="49" charset="0"/>
+              </a:rPr>
+              <a:t>Resource {</a:t>
+            </a:r>
+            <a:br>
+              <a:rPr lang="en-US" smtClean="0">
+                <a:latin typeface="Consolas" panose="020B0609020204030204" pitchFamily="49" charset="0"/>
+              </a:rPr>
+            </a:br>
+            <a:r>
+              <a:rPr lang="en-US" smtClean="0">
+                <a:latin typeface="Consolas" panose="020B0609020204030204" pitchFamily="49" charset="0"/>
+              </a:rPr>
+              <a:t>  int </a:t>
+            </a:r>
+            <a:r>
+              <a:rPr lang="en-US">
+                <a:latin typeface="Consolas" panose="020B0609020204030204" pitchFamily="49" charset="0"/>
+              </a:rPr>
+              <a:t>ref_cnt</a:t>
+            </a:r>
+            <a:r>
+              <a:rPr lang="en-US" smtClean="0">
+                <a:latin typeface="Consolas" panose="020B0609020204030204" pitchFamily="49" charset="0"/>
+              </a:rPr>
+              <a:t>_; // </a:t>
+            </a:r>
+            <a:r>
+              <a:rPr lang="ru-RU" smtClean="0">
+                <a:latin typeface="Consolas" panose="020B0609020204030204" pitchFamily="49" charset="0"/>
+              </a:rPr>
+              <a:t>счётчик в каждом объекте</a:t>
+            </a:r>
+            <a:br>
+              <a:rPr lang="ru-RU" smtClean="0">
+                <a:latin typeface="Consolas" panose="020B0609020204030204" pitchFamily="49" charset="0"/>
+              </a:rPr>
+            </a:br>
+            <a:r>
+              <a:rPr lang="ru-RU" smtClean="0">
+                <a:latin typeface="Consolas" panose="020B0609020204030204" pitchFamily="49" charset="0"/>
+              </a:rPr>
+              <a:t>  </a:t>
+            </a:r>
+            <a:r>
+              <a:rPr lang="en-US" smtClean="0">
+                <a:latin typeface="Consolas" panose="020B0609020204030204" pitchFamily="49" charset="0"/>
+              </a:rPr>
+              <a:t>// </a:t>
+            </a:r>
+            <a:r>
+              <a:rPr lang="ru-RU" smtClean="0">
+                <a:latin typeface="Consolas" panose="020B0609020204030204" pitchFamily="49" charset="0"/>
+              </a:rPr>
+              <a:t>тут полезное состояние</a:t>
+            </a:r>
+          </a:p>
+          <a:p>
+            <a:pPr marL="45720" indent="0">
+              <a:buNone/>
+            </a:pPr>
+            <a:r>
+              <a:rPr lang="en-US" smtClean="0">
+                <a:latin typeface="Consolas" panose="020B0609020204030204" pitchFamily="49" charset="0"/>
+              </a:rPr>
+              <a:t>public:</a:t>
+            </a:r>
+            <a:r>
+              <a:rPr lang="ru-RU" smtClean="0">
+                <a:latin typeface="Consolas" panose="020B0609020204030204" pitchFamily="49" charset="0"/>
+              </a:rPr>
+              <a:t/>
+            </a:r>
+            <a:br>
+              <a:rPr lang="ru-RU" smtClean="0">
+                <a:latin typeface="Consolas" panose="020B0609020204030204" pitchFamily="49" charset="0"/>
+              </a:rPr>
+            </a:br>
+            <a:r>
+              <a:rPr lang="ru-RU" smtClean="0">
+                <a:latin typeface="Consolas" panose="020B0609020204030204" pitchFamily="49" charset="0"/>
+              </a:rPr>
+              <a:t>  </a:t>
+            </a:r>
+            <a:r>
+              <a:rPr lang="en-US" smtClean="0">
+                <a:latin typeface="Consolas" panose="020B0609020204030204" pitchFamily="49" charset="0"/>
+              </a:rPr>
+              <a:t>// </a:t>
+            </a:r>
+            <a:r>
+              <a:rPr lang="ru-RU" smtClean="0">
+                <a:latin typeface="Consolas" panose="020B0609020204030204" pitchFamily="49" charset="0"/>
+              </a:rPr>
+              <a:t>тут полезные методы</a:t>
+            </a:r>
+            <a:br>
+              <a:rPr lang="ru-RU" smtClean="0">
+                <a:latin typeface="Consolas" panose="020B0609020204030204" pitchFamily="49" charset="0"/>
+              </a:rPr>
+            </a:br>
+            <a:r>
+              <a:rPr lang="ru-RU" smtClean="0">
+                <a:latin typeface="Consolas" panose="020B0609020204030204" pitchFamily="49" charset="0"/>
+              </a:rPr>
+              <a:t>  </a:t>
+            </a:r>
+            <a:r>
+              <a:rPr lang="en-US" smtClean="0">
+                <a:latin typeface="Consolas" panose="020B0609020204030204" pitchFamily="49" charset="0"/>
+              </a:rPr>
+              <a:t>int </a:t>
+            </a:r>
+            <a:r>
+              <a:rPr lang="en-US">
+                <a:latin typeface="Consolas" panose="020B0609020204030204" pitchFamily="49" charset="0"/>
+              </a:rPr>
+              <a:t>add_ref() { return ++ref_cnt</a:t>
+            </a:r>
+            <a:r>
+              <a:rPr lang="en-US">
+                <a:latin typeface="Consolas" panose="020B0609020204030204" pitchFamily="49" charset="0"/>
+              </a:rPr>
+              <a:t>_; </a:t>
+            </a:r>
+            <a:r>
+              <a:rPr lang="en-US" smtClean="0">
+                <a:latin typeface="Consolas" panose="020B0609020204030204" pitchFamily="49" charset="0"/>
+              </a:rPr>
+              <a:t>}</a:t>
+            </a:r>
+            <a:r>
+              <a:rPr lang="ru-RU" smtClean="0">
+                <a:latin typeface="Consolas" panose="020B0609020204030204" pitchFamily="49" charset="0"/>
+              </a:rPr>
+              <a:t/>
+            </a:r>
+            <a:br>
+              <a:rPr lang="ru-RU" smtClean="0">
+                <a:latin typeface="Consolas" panose="020B0609020204030204" pitchFamily="49" charset="0"/>
+              </a:rPr>
+            </a:br>
+            <a:r>
+              <a:rPr lang="ru-RU" smtClean="0">
+                <a:latin typeface="Consolas" panose="020B0609020204030204" pitchFamily="49" charset="0"/>
+              </a:rPr>
+              <a:t>  </a:t>
+            </a:r>
+            <a:r>
+              <a:rPr lang="en-US" smtClean="0">
+                <a:latin typeface="Consolas" panose="020B0609020204030204" pitchFamily="49" charset="0"/>
+              </a:rPr>
+              <a:t>int </a:t>
+            </a:r>
+            <a:r>
+              <a:rPr lang="en-US">
+                <a:latin typeface="Consolas" panose="020B0609020204030204" pitchFamily="49" charset="0"/>
+              </a:rPr>
+              <a:t>release() { return --ref_cnt</a:t>
+            </a:r>
+            <a:r>
+              <a:rPr lang="en-US">
+                <a:latin typeface="Consolas" panose="020B0609020204030204" pitchFamily="49" charset="0"/>
+              </a:rPr>
+              <a:t>_; </a:t>
+            </a:r>
+            <a:r>
+              <a:rPr lang="en-US" smtClean="0">
+                <a:latin typeface="Consolas" panose="020B0609020204030204" pitchFamily="49" charset="0"/>
+              </a:rPr>
+              <a:t>}</a:t>
+            </a:r>
+            <a:r>
+              <a:rPr lang="ru-RU" smtClean="0">
+                <a:latin typeface="Consolas" panose="020B0609020204030204" pitchFamily="49" charset="0"/>
+              </a:rPr>
+              <a:t/>
+            </a:r>
+            <a:br>
+              <a:rPr lang="ru-RU" smtClean="0">
+                <a:latin typeface="Consolas" panose="020B0609020204030204" pitchFamily="49" charset="0"/>
+              </a:rPr>
+            </a:br>
+            <a:r>
+              <a:rPr lang="en-US" smtClean="0">
+                <a:latin typeface="Consolas" panose="020B0609020204030204" pitchFamily="49" charset="0"/>
+              </a:rPr>
+              <a:t>};</a:t>
+            </a:r>
+            <a:endParaRPr lang="en-US">
+              <a:latin typeface="Consolas" panose="020B0609020204030204" pitchFamily="49" charset="0"/>
+            </a:endParaRPr>
+          </a:p>
+          <a:p>
+            <a:pPr marL="45720" indent="0">
+              <a:buNone/>
+            </a:pPr>
+            <a:endParaRPr lang="en-US"/>
+          </a:p>
+        </p:txBody>
+      </p:sp>
+      <p:sp>
+        <p:nvSpPr>
+          <p:cNvPr id="4" name="Slide Number Placeholder 3"/>
+          <p:cNvSpPr>
+            <a:spLocks noGrp="1"/>
+          </p:cNvSpPr>
+          <p:nvPr>
+            <p:ph type="sldNum" sz="quarter" idx="12"/>
+          </p:nvPr>
+        </p:nvSpPr>
+        <p:spPr/>
+        <p:txBody>
+          <a:bodyPr/>
+          <a:lstStyle/>
+          <a:p>
+            <a:fld id="{4FAB73BC-B049-4115-A692-8D63A059BFB8}" type="slidenum">
+              <a:rPr lang="en-US" smtClean="0"/>
+              <a:t>74</a:t>
+            </a:fld>
+            <a:endParaRPr lang="en-US" dirty="0"/>
+          </a:p>
+        </p:txBody>
+      </p:sp>
+    </p:spTree>
+    <p:extLst>
+      <p:ext uri="{BB962C8B-B14F-4D97-AF65-F5344CB8AC3E}">
+        <p14:creationId xmlns:p14="http://schemas.microsoft.com/office/powerpoint/2010/main" val="2194204803"/>
+      </p:ext>
+    </p:extLst>
+  </p:cSld>
+  <p:clrMapOvr>
+    <a:masterClrMapping/>
+  </p:clrMapOvr>
+</p:sld>
+</file>
+
+<file path=ppt/slides/slide75.xml><?xml version="1.0" encoding="utf-8"?>
+<p:sld xmlns:a="http://schemas.openxmlformats.org/drawingml/2006/main" xmlns:r="http://schemas.openxmlformats.org/officeDocument/2006/relationships" xmlns:p="http://schemas.openxmlformats.org/presentationml/2006/main">
+  <p:cSld>
+    <p:spTree>
+      <p:nvGrpSpPr>
+        <p:cNvPr id="1" name=""/>
+        <p:cNvGrpSpPr/>
+        <p:nvPr/>
+      </p:nvGrpSpPr>
+      <p:grpSpPr>
+        <a:xfrm>
+          <a:off x="0" y="0"/>
+          <a:ext cx="0" cy="0"/>
+          <a:chOff x="0" y="0"/>
+          <a:chExt cx="0" cy="0"/>
+        </a:xfrm>
+      </p:grpSpPr>
+      <p:sp>
+        <p:nvSpPr>
+          <p:cNvPr id="2" name="Title 1"/>
+          <p:cNvSpPr>
+            <a:spLocks noGrp="1"/>
+          </p:cNvSpPr>
+          <p:nvPr>
+            <p:ph type="title"/>
+          </p:nvPr>
+        </p:nvSpPr>
+        <p:spPr/>
+        <p:txBody>
+          <a:bodyPr/>
+          <a:lstStyle/>
+          <a:p>
+            <a:r>
+              <a:rPr lang="ru-RU" smtClean="0"/>
+              <a:t>Обсуждение</a:t>
+            </a:r>
+            <a:endParaRPr lang="en-US"/>
+          </a:p>
+        </p:txBody>
+      </p:sp>
+      <p:sp>
+        <p:nvSpPr>
+          <p:cNvPr id="3" name="Content Placeholder 2"/>
+          <p:cNvSpPr>
+            <a:spLocks noGrp="1"/>
+          </p:cNvSpPr>
+          <p:nvPr>
+            <p:ph idx="1"/>
+          </p:nvPr>
+        </p:nvSpPr>
+        <p:spPr/>
+        <p:txBody>
+          <a:bodyPr/>
+          <a:lstStyle/>
+          <a:p>
+            <a:r>
+              <a:rPr lang="ru-RU" smtClean="0"/>
+              <a:t>Нужны ли слабые интрузивные указатели?</a:t>
+            </a:r>
+            <a:endParaRPr lang="en-US" smtClean="0"/>
+          </a:p>
+          <a:p>
+            <a:r>
+              <a:rPr lang="ru-RU" smtClean="0"/>
+              <a:t>Возможны ли слабые интрузивные указатели?</a:t>
+            </a:r>
+            <a:endParaRPr lang="en-US"/>
+          </a:p>
+        </p:txBody>
+      </p:sp>
+      <p:sp>
+        <p:nvSpPr>
+          <p:cNvPr id="4" name="Slide Number Placeholder 3"/>
+          <p:cNvSpPr>
+            <a:spLocks noGrp="1"/>
+          </p:cNvSpPr>
+          <p:nvPr>
+            <p:ph type="sldNum" sz="quarter" idx="12"/>
+          </p:nvPr>
+        </p:nvSpPr>
+        <p:spPr/>
+        <p:txBody>
+          <a:bodyPr/>
+          <a:lstStyle/>
+          <a:p>
+            <a:fld id="{4FAB73BC-B049-4115-A692-8D63A059BFB8}" type="slidenum">
+              <a:rPr lang="en-US" smtClean="0"/>
+              <a:t>75</a:t>
+            </a:fld>
+            <a:endParaRPr lang="en-US" dirty="0"/>
+          </a:p>
+        </p:txBody>
+      </p:sp>
+    </p:spTree>
+    <p:extLst>
+      <p:ext uri="{BB962C8B-B14F-4D97-AF65-F5344CB8AC3E}">
+        <p14:creationId xmlns:p14="http://schemas.microsoft.com/office/powerpoint/2010/main" val="511583701"/>
       </p:ext>
     </p:extLst>
   </p:cSld>
@@ -23277,6 +27412,29 @@
               <a:t>тут не надо делать велосипеда</a:t>
             </a:r>
             <a:endParaRPr lang="en-US"/>
+          </a:p>
+        </p:txBody>
+      </p:sp>
+      <p:sp>
+        <p:nvSpPr>
+          <p:cNvPr id="4" name="Slide Number Placeholder 3"/>
+          <p:cNvSpPr>
+            <a:spLocks noGrp="1"/>
+          </p:cNvSpPr>
+          <p:nvPr>
+            <p:ph type="sldNum" sz="quarter" idx="12"/>
+          </p:nvPr>
+        </p:nvSpPr>
+        <p:spPr/>
+        <p:txBody>
+          <a:bodyPr/>
+          <a:lstStyle/>
+          <a:p>
+            <a:fld id="{4FAB73BC-B049-4115-A692-8D63A059BFB8}" type="slidenum">
+              <a:rPr lang="en-US" smtClean="0"/>
+              <a:t>8</a:t>
+            </a:fld>
+            <a:endParaRPr lang="en-US" dirty="0"/>
           </a:p>
         </p:txBody>
       </p:sp>
@@ -23589,6 +27747,29 @@
               <a:t>вполне безопасен и профессионален, но ограничен пределами области видимости</a:t>
             </a:r>
             <a:endParaRPr lang="en-US"/>
+          </a:p>
+        </p:txBody>
+      </p:sp>
+      <p:sp>
+        <p:nvSpPr>
+          <p:cNvPr id="4" name="Slide Number Placeholder 3"/>
+          <p:cNvSpPr>
+            <a:spLocks noGrp="1"/>
+          </p:cNvSpPr>
+          <p:nvPr>
+            <p:ph type="sldNum" sz="quarter" idx="12"/>
+          </p:nvPr>
+        </p:nvSpPr>
+        <p:spPr/>
+        <p:txBody>
+          <a:bodyPr/>
+          <a:lstStyle/>
+          <a:p>
+            <a:fld id="{4FAB73BC-B049-4115-A692-8D63A059BFB8}" type="slidenum">
+              <a:rPr lang="en-US" smtClean="0"/>
+              <a:t>9</a:t>
+            </a:fld>
+            <a:endParaRPr lang="en-US" dirty="0"/>
           </a:p>
         </p:txBody>
       </p:sp>
@@ -23840,4 +28021,265 @@
     </a:ext>
   </a:extLst>
 </a:theme>
+</file>
+
+<file path=ppt/theme/theme2.xml><?xml version="1.0" encoding="utf-8"?>
+<a:theme xmlns:a="http://schemas.openxmlformats.org/drawingml/2006/main" name="Office Theme">
+  <a:themeElements>
+    <a:clrScheme name="Office">
+      <a:dk1>
+        <a:sysClr val="windowText" lastClr="000000"/>
+      </a:dk1>
+      <a:lt1>
+        <a:sysClr val="window" lastClr="FFFFFF"/>
+      </a:lt1>
+      <a:dk2>
+        <a:srgbClr val="44546A"/>
+      </a:dk2>
+      <a:lt2>
+        <a:srgbClr val="E7E6E6"/>
+      </a:lt2>
+      <a:accent1>
+        <a:srgbClr val="5B9BD5"/>
+      </a:accent1>
+      <a:accent2>
+        <a:srgbClr val="ED7D31"/>
+      </a:accent2>
+      <a:accent3>
+        <a:srgbClr val="A5A5A5"/>
+      </a:accent3>
+      <a:accent4>
+        <a:srgbClr val="FFC000"/>
+      </a:accent4>
+      <a:accent5>
+        <a:srgbClr val="4472C4"/>
+      </a:accent5>
+      <a:accent6>
+        <a:srgbClr val="70AD47"/>
+      </a:accent6>
+      <a:hlink>
+        <a:srgbClr val="0563C1"/>
+      </a:hlink>
+      <a:folHlink>
+        <a:srgbClr val="954F72"/>
+      </a:folHlink>
+    </a:clrScheme>
+    <a:fontScheme name="Office">
+      <a:majorFont>
+        <a:latin typeface="Calibri Light" panose="020F0302020204030204"/>
+        <a:ea typeface=""/>
+        <a:cs typeface=""/>
+        <a:font script="Jpan" typeface="ＭＳ Ｐゴシック"/>
+        <a:font script="Hang" typeface="맑은 고딕"/>
+        <a:font script="Hans" typeface="宋体"/>
+        <a:font script="Hant" typeface="新細明體"/>
+        <a:font script="Arab" typeface="Times New Roman"/>
+        <a:font script="Hebr" typeface="Times New Roman"/>
+        <a:font script="Thai" typeface="Angsana New"/>
+        <a:font script="Ethi" typeface="Nyala"/>
+        <a:font script="Beng" typeface="Vrinda"/>
+        <a:font script="Gujr" typeface="Shruti"/>
+        <a:font script="Khmr" typeface="MoolBoran"/>
+        <a:font script="Knda" typeface="Tunga"/>
+        <a:font script="Guru" typeface="Raavi"/>
+        <a:font script="Cans" typeface="Euphemia"/>
+        <a:font script="Cher" typeface="Plantagenet Cherokee"/>
+        <a:font script="Yiii" typeface="Microsoft Yi Baiti"/>
+        <a:font script="Tibt" typeface="Microsoft Himalaya"/>
+        <a:font script="Thaa" typeface="MV Boli"/>
+        <a:font script="Deva" typeface="Mangal"/>
+        <a:font script="Telu" typeface="Gautami"/>
+        <a:font script="Taml" typeface="Latha"/>
+        <a:font script="Syrc" typeface="Estrangelo Edessa"/>
+        <a:font script="Orya" typeface="Kalinga"/>
+        <a:font script="Mlym" typeface="Kartika"/>
+        <a:font script="Laoo" typeface="DokChampa"/>
+        <a:font script="Sinh" typeface="Iskoola Pota"/>
+        <a:font script="Mong" typeface="Mongolian Baiti"/>
+        <a:font script="Viet" typeface="Times New Roman"/>
+        <a:font script="Uigh" typeface="Microsoft Uighur"/>
+        <a:font script="Geor" typeface="Sylfaen"/>
+      </a:majorFont>
+      <a:minorFont>
+        <a:latin typeface="Calibri" panose="020F0502020204030204"/>
+        <a:ea typeface=""/>
+        <a:cs typeface=""/>
+        <a:font script="Jpan" typeface="ＭＳ Ｐゴシック"/>
+        <a:font script="Hang" typeface="맑은 고딕"/>
+        <a:font script="Hans" typeface="宋体"/>
+        <a:font script="Hant" typeface="新細明體"/>
+        <a:font script="Arab" typeface="Arial"/>
+        <a:font script="Hebr" typeface="Arial"/>
+        <a:font script="Thai" typeface="Cordia New"/>
+        <a:font script="Ethi" typeface="Nyala"/>
+        <a:font script="Beng" typeface="Vrinda"/>
+        <a:font script="Gujr" typeface="Shruti"/>
+        <a:font script="Khmr" typeface="DaunPenh"/>
+        <a:font script="Knda" typeface="Tunga"/>
+        <a:font script="Guru" typeface="Raavi"/>
+        <a:font script="Cans" typeface="Euphemia"/>
+        <a:font script="Cher" typeface="Plantagenet Cherokee"/>
+        <a:font script="Yiii" typeface="Microsoft Yi Baiti"/>
+        <a:font script="Tibt" typeface="Microsoft Himalaya"/>
+        <a:font script="Thaa" typeface="MV Boli"/>
+        <a:font script="Deva" typeface="Mangal"/>
+        <a:font script="Telu" typeface="Gautami"/>
+        <a:font script="Taml" typeface="Latha"/>
+        <a:font script="Syrc" typeface="Estrangelo Edessa"/>
+        <a:font script="Orya" typeface="Kalinga"/>
+        <a:font script="Mlym" typeface="Kartika"/>
+        <a:font script="Laoo" typeface="DokChampa"/>
+        <a:font script="Sinh" typeface="Iskoola Pota"/>
+        <a:font script="Mong" typeface="Mongolian Baiti"/>
+        <a:font script="Viet" typeface="Arial"/>
+        <a:font script="Uigh" typeface="Microsoft Uighur"/>
+        <a:font script="Geor" typeface="Sylfaen"/>
+      </a:minorFont>
+    </a:fontScheme>
+    <a:fmtScheme name="Office">
+      <a:fillStyleLst>
+        <a:solidFill>
+          <a:schemeClr val="phClr"/>
+        </a:solidFill>
+        <a:gradFill rotWithShape="1">
+          <a:gsLst>
+            <a:gs pos="0">
+              <a:schemeClr val="phClr">
+                <a:lumMod val="110000"/>
+                <a:satMod val="105000"/>
+                <a:tint val="67000"/>
+              </a:schemeClr>
+            </a:gs>
+            <a:gs pos="50000">
+              <a:schemeClr val="phClr">
+                <a:lumMod val="105000"/>
+                <a:satMod val="103000"/>
+                <a:tint val="73000"/>
+              </a:schemeClr>
+            </a:gs>
+            <a:gs pos="100000">
+              <a:schemeClr val="phClr">
+                <a:lumMod val="105000"/>
+                <a:satMod val="109000"/>
+                <a:tint val="81000"/>
+              </a:schemeClr>
+            </a:gs>
+          </a:gsLst>
+          <a:lin ang="5400000" scaled="0"/>
+        </a:gradFill>
+        <a:gradFill rotWithShape="1">
+          <a:gsLst>
+            <a:gs pos="0">
+              <a:schemeClr val="phClr">
+                <a:satMod val="103000"/>
+                <a:lumMod val="102000"/>
+                <a:tint val="94000"/>
+              </a:schemeClr>
+            </a:gs>
+            <a:gs pos="50000">
+              <a:schemeClr val="phClr">
+                <a:satMod val="110000"/>
+                <a:lumMod val="100000"/>
+                <a:shade val="100000"/>
+              </a:schemeClr>
+            </a:gs>
+            <a:gs pos="100000">
+              <a:schemeClr val="phClr">
+                <a:lumMod val="99000"/>
+                <a:satMod val="120000"/>
+                <a:shade val="78000"/>
+              </a:schemeClr>
+            </a:gs>
+          </a:gsLst>
+          <a:lin ang="5400000" scaled="0"/>
+        </a:gradFill>
+      </a:fillStyleLst>
+      <a:lnStyleLst>
+        <a:ln w="6350" cap="flat" cmpd="sng" algn="ctr">
+          <a:solidFill>
+            <a:schemeClr val="phClr"/>
+          </a:solidFill>
+          <a:prstDash val="solid"/>
+          <a:miter lim="800000"/>
+        </a:ln>
+        <a:ln w="12700" cap="flat" cmpd="sng" algn="ctr">
+          <a:solidFill>
+            <a:schemeClr val="phClr"/>
+          </a:solidFill>
+          <a:prstDash val="solid"/>
+          <a:miter lim="800000"/>
+        </a:ln>
+        <a:ln w="19050" cap="flat" cmpd="sng" algn="ctr">
+          <a:solidFill>
+            <a:schemeClr val="phClr"/>
+          </a:solidFill>
+          <a:prstDash val="solid"/>
+          <a:miter lim="800000"/>
+        </a:ln>
+      </a:lnStyleLst>
+      <a:effectStyleLst>
+        <a:effectStyle>
+          <a:effectLst/>
+        </a:effectStyle>
+        <a:effectStyle>
+          <a:effectLst/>
+        </a:effectStyle>
+        <a:effectStyle>
+          <a:effectLst>
+            <a:outerShdw blurRad="57150" dist="19050" dir="5400000" algn="ctr" rotWithShape="0">
+              <a:srgbClr val="000000">
+                <a:alpha val="63000"/>
+              </a:srgbClr>
+            </a:outerShdw>
+          </a:effectLst>
+        </a:effectStyle>
+      </a:effectStyleLst>
+      <a:bgFillStyleLst>
+        <a:solidFill>
+          <a:schemeClr val="phClr"/>
+        </a:solidFill>
+        <a:solidFill>
+          <a:schemeClr val="phClr">
+            <a:tint val="95000"/>
+            <a:satMod val="170000"/>
+          </a:schemeClr>
+        </a:solidFill>
+        <a:gradFill rotWithShape="1">
+          <a:gsLst>
+            <a:gs pos="0">
+              <a:schemeClr val="phClr">
+                <a:tint val="93000"/>
+                <a:satMod val="150000"/>
+                <a:shade val="98000"/>
+                <a:lumMod val="102000"/>
+              </a:schemeClr>
+            </a:gs>
+            <a:gs pos="50000">
+              <a:schemeClr val="phClr">
+                <a:tint val="98000"/>
+                <a:satMod val="130000"/>
+                <a:shade val="90000"/>
+                <a:lumMod val="103000"/>
+              </a:schemeClr>
+            </a:gs>
+            <a:gs pos="100000">
+              <a:schemeClr val="phClr">
+                <a:shade val="63000"/>
+                <a:satMod val="120000"/>
+              </a:schemeClr>
+            </a:gs>
+          </a:gsLst>
+          <a:lin ang="5400000" scaled="0"/>
+        </a:gradFill>
+      </a:bgFillStyleLst>
+    </a:fmtScheme>
+  </a:themeElements>
+  <a:objectDefaults/>
+  <a:extraClrSchemeLst/>
+  <a:extLst>
+    <a:ext uri="{05A4C25C-085E-4340-85A3-A5531E510DB2}">
+      <thm15:themeFamily xmlns:thm15="http://schemas.microsoft.com/office/thememl/2012/main" name="Office Theme" id="{62F939B6-93AF-4DB8-9C6B-D6C7DFDC589F}" vid="{4A3C46E8-61CC-4603-A589-7422A47A8E4A}"/>
+    </a:ext>
+  </a:extLst>
+</a:theme>
 </file>
--- a/trunk/slides/sep2017/05-smartptrs.pptx
+++ b/trunk/slides/sep2017/05-smartptrs.pptx
@@ -1,6 +1,6 @@
 
 <file path=ppt/presentation.xml><?xml version="1.0" encoding="utf-8"?>
-<p:presentation xmlns:a="http://schemas.openxmlformats.org/drawingml/2006/main" xmlns:r="http://schemas.openxmlformats.org/officeDocument/2006/relationships" xmlns:p="http://schemas.openxmlformats.org/presentationml/2006/main" autoCompressPictures="0">
+<p:presentation xmlns:a="http://schemas.openxmlformats.org/drawingml/2006/main" xmlns:r="http://schemas.openxmlformats.org/officeDocument/2006/relationships" xmlns:p="http://schemas.openxmlformats.org/presentationml/2006/main" showSpecialPlsOnTitleSld="0" autoCompressPictures="0">
   <p:sldMasterIdLst>
     <p:sldMasterId id="2147483684" r:id="rId1"/>
   </p:sldMasterIdLst>
@@ -271,7 +271,7 @@
           <a:p>
             <a:fld id="{21D50A72-3986-41CB-A137-28D80D9AC371}" type="datetimeFigureOut">
               <a:rPr lang="en-US" smtClean="0"/>
-              <a:t>10/24/2017</a:t>
+              <a:t>10/27/2017</a:t>
             </a:fld>
             <a:endParaRPr lang="en-US"/>
           </a:p>
@@ -604,6 +604,90 @@
           <a:p>
             <a:fld id="{B6EF97DC-3C71-40A2-B73C-10154085259A}" type="slidenum">
               <a:rPr lang="en-US" smtClean="0"/>
+              <a:t>1</a:t>
+            </a:fld>
+            <a:endParaRPr lang="en-US"/>
+          </a:p>
+        </p:txBody>
+      </p:sp>
+    </p:spTree>
+    <p:extLst>
+      <p:ext uri="{BB962C8B-B14F-4D97-AF65-F5344CB8AC3E}">
+        <p14:creationId xmlns:p14="http://schemas.microsoft.com/office/powerpoint/2010/main" val="578354619"/>
+      </p:ext>
+    </p:extLst>
+  </p:cSld>
+  <p:clrMapOvr>
+    <a:masterClrMapping/>
+  </p:clrMapOvr>
+</p:notes>
+</file>
+
+<file path=ppt/notesSlides/notesSlide2.xml><?xml version="1.0" encoding="utf-8"?>
+<p:notes xmlns:a="http://schemas.openxmlformats.org/drawingml/2006/main" xmlns:r="http://schemas.openxmlformats.org/officeDocument/2006/relationships" xmlns:p="http://schemas.openxmlformats.org/presentationml/2006/main">
+  <p:cSld>
+    <p:spTree>
+      <p:nvGrpSpPr>
+        <p:cNvPr id="1" name=""/>
+        <p:cNvGrpSpPr/>
+        <p:nvPr/>
+      </p:nvGrpSpPr>
+      <p:grpSpPr>
+        <a:xfrm>
+          <a:off x="0" y="0"/>
+          <a:ext cx="0" cy="0"/>
+          <a:chOff x="0" y="0"/>
+          <a:chExt cx="0" cy="0"/>
+        </a:xfrm>
+      </p:grpSpPr>
+      <p:sp>
+        <p:nvSpPr>
+          <p:cNvPr id="2" name="Slide Image Placeholder 1"/>
+          <p:cNvSpPr>
+            <a:spLocks noGrp="1" noRot="1" noChangeAspect="1"/>
+          </p:cNvSpPr>
+          <p:nvPr>
+            <p:ph type="sldImg"/>
+          </p:nvPr>
+        </p:nvSpPr>
+        <p:spPr/>
+      </p:sp>
+      <p:sp>
+        <p:nvSpPr>
+          <p:cNvPr id="3" name="Notes Placeholder 2"/>
+          <p:cNvSpPr>
+            <a:spLocks noGrp="1"/>
+          </p:cNvSpPr>
+          <p:nvPr>
+            <p:ph type="body" idx="1"/>
+          </p:nvPr>
+        </p:nvSpPr>
+        <p:spPr/>
+        <p:txBody>
+          <a:bodyPr/>
+          <a:lstStyle/>
+          <a:p>
+            <a:endParaRPr lang="en-US"/>
+          </a:p>
+        </p:txBody>
+      </p:sp>
+      <p:sp>
+        <p:nvSpPr>
+          <p:cNvPr id="4" name="Slide Number Placeholder 3"/>
+          <p:cNvSpPr>
+            <a:spLocks noGrp="1"/>
+          </p:cNvSpPr>
+          <p:nvPr>
+            <p:ph type="sldNum" sz="quarter" idx="10"/>
+          </p:nvPr>
+        </p:nvSpPr>
+        <p:spPr/>
+        <p:txBody>
+          <a:bodyPr/>
+          <a:lstStyle/>
+          <a:p>
+            <a:fld id="{B6EF97DC-3C71-40A2-B73C-10154085259A}" type="slidenum">
+              <a:rPr lang="en-US" smtClean="0"/>
               <a:t>25</a:t>
             </a:fld>
             <a:endParaRPr lang="en-US"/>
@@ -623,7 +707,7 @@
 </p:notes>
 </file>
 
-<file path=ppt/notesSlides/notesSlide2.xml><?xml version="1.0" encoding="utf-8"?>
+<file path=ppt/notesSlides/notesSlide3.xml><?xml version="1.0" encoding="utf-8"?>
 <p:notes xmlns:a="http://schemas.openxmlformats.org/drawingml/2006/main" xmlns:r="http://schemas.openxmlformats.org/officeDocument/2006/relationships" xmlns:p="http://schemas.openxmlformats.org/presentationml/2006/main">
   <p:cSld>
     <p:spTree>
@@ -903,7 +987,7 @@
           <a:p>
             <a:fld id="{49BDB67B-6C72-4CCB-8A1F-2E412310B470}" type="datetime1">
               <a:rPr lang="en-US" smtClean="0"/>
-              <a:t>10/24/2017</a:t>
+              <a:t>10/27/2017</a:t>
             </a:fld>
             <a:endParaRPr lang="en-US" dirty="0"/>
           </a:p>
@@ -1120,7 +1204,7 @@
           <a:p>
             <a:fld id="{857A66B1-B7CF-4260-A162-F8D02C31531B}" type="datetime1">
               <a:rPr lang="en-US" smtClean="0"/>
-              <a:t>10/24/2017</a:t>
+              <a:t>10/27/2017</a:t>
             </a:fld>
             <a:endParaRPr lang="en-US" dirty="0"/>
           </a:p>
@@ -1295,7 +1379,7 @@
           <a:p>
             <a:fld id="{6616E464-19A7-4248-BA9A-E861D3DD9D26}" type="datetime1">
               <a:rPr lang="en-US" smtClean="0"/>
-              <a:t>10/24/2017</a:t>
+              <a:t>10/27/2017</a:t>
             </a:fld>
             <a:endParaRPr lang="en-US" dirty="0"/>
           </a:p>
@@ -1460,7 +1544,7 @@
           <a:p>
             <a:fld id="{BC2C4D29-ADB5-4F1E-A930-55D627129F45}" type="datetime1">
               <a:rPr lang="en-US" smtClean="0"/>
-              <a:t>10/24/2017</a:t>
+              <a:t>10/27/2017</a:t>
             </a:fld>
             <a:endParaRPr lang="en-US" dirty="0"/>
           </a:p>
@@ -1706,7 +1790,7 @@
           <a:p>
             <a:fld id="{22F80F1B-91BE-4204-B307-6587AEFA64E3}" type="datetime1">
               <a:rPr lang="en-US" smtClean="0"/>
-              <a:t>10/24/2017</a:t>
+              <a:t>10/27/2017</a:t>
             </a:fld>
             <a:endParaRPr lang="en-US" dirty="0"/>
           </a:p>
@@ -2024,7 +2108,7 @@
           <a:p>
             <a:fld id="{D6401DB3-240C-40A3-A821-E0AB27FEBAF0}" type="datetime1">
               <a:rPr lang="en-US" smtClean="0"/>
-              <a:t>10/24/2017</a:t>
+              <a:t>10/27/2017</a:t>
             </a:fld>
             <a:endParaRPr lang="en-US" dirty="0"/>
           </a:p>
@@ -2443,7 +2527,7 @@
           <a:p>
             <a:fld id="{5CB5C491-5107-45D8-8222-EB7398509803}" type="datetime1">
               <a:rPr lang="en-US" smtClean="0"/>
-              <a:t>10/24/2017</a:t>
+              <a:t>10/27/2017</a:t>
             </a:fld>
             <a:endParaRPr lang="en-US" dirty="0"/>
           </a:p>
@@ -2556,7 +2640,7 @@
           <a:p>
             <a:fld id="{5ACD3623-5BE2-46C0-BBAE-C9322A0ECA23}" type="datetime1">
               <a:rPr lang="en-US" smtClean="0"/>
-              <a:t>10/24/2017</a:t>
+              <a:t>10/27/2017</a:t>
             </a:fld>
             <a:endParaRPr lang="en-US" dirty="0"/>
           </a:p>
@@ -2646,7 +2730,7 @@
           <a:p>
             <a:fld id="{4EC3E076-AE6A-4536-A835-5660B94EA114}" type="datetime1">
               <a:rPr lang="en-US" smtClean="0"/>
-              <a:t>10/24/2017</a:t>
+              <a:t>10/27/2017</a:t>
             </a:fld>
             <a:endParaRPr lang="en-US" dirty="0"/>
           </a:p>
@@ -2931,7 +3015,7 @@
           <a:p>
             <a:fld id="{6820825E-8767-4C41-BF4D-8C312262B11E}" type="datetime1">
               <a:rPr lang="en-US" smtClean="0"/>
-              <a:t>10/24/2017</a:t>
+              <a:t>10/27/2017</a:t>
             </a:fld>
             <a:endParaRPr lang="en-US" dirty="0"/>
           </a:p>
@@ -3198,7 +3282,7 @@
           <a:p>
             <a:fld id="{9DF75F72-1D4D-4EF1-AEC2-46725E799B2E}" type="datetime1">
               <a:rPr lang="en-US" smtClean="0"/>
-              <a:t>10/24/2017</a:t>
+              <a:t>10/27/2017</a:t>
             </a:fld>
             <a:endParaRPr lang="en-US" dirty="0"/>
           </a:p>
@@ -3446,7 +3530,7 @@
           <a:p>
             <a:fld id="{A4FD4E2A-358D-46EE-9DC1-13F591DDF835}" type="datetime1">
               <a:rPr lang="en-US" smtClean="0"/>
-              <a:t>10/24/2017</a:t>
+              <a:t>10/27/2017</a:t>
             </a:fld>
             <a:endParaRPr lang="en-US" dirty="0"/>
           </a:p>
@@ -4224,30 +4308,6 @@
           </a:p>
         </p:txBody>
       </p:sp>
-      <p:sp>
-        <p:nvSpPr>
-          <p:cNvPr id="5" name="Slide Number Placeholder 4"/>
-          <p:cNvSpPr>
-            <a:spLocks noGrp="1"/>
-          </p:cNvSpPr>
-          <p:nvPr>
-            <p:ph type="sldNum" sz="quarter" idx="12"/>
-          </p:nvPr>
-        </p:nvSpPr>
-        <p:spPr/>
-        <p:txBody>
-          <a:bodyPr/>
-          <a:lstStyle/>
-          <a:p>
-            <a:fld id="{4FAB73BC-B049-4115-A692-8D63A059BFB8}" type="slidenum">
-              <a:rPr lang="en-US" smtClean="0"/>
-              <a:pPr/>
-              <a:t>1</a:t>
-            </a:fld>
-            <a:endParaRPr lang="en-US" dirty="0"/>
-          </a:p>
-        </p:txBody>
-      </p:sp>
     </p:spTree>
     <p:extLst>
       <p:ext uri="{BB962C8B-B14F-4D97-AF65-F5344CB8AC3E}">
@@ -19125,19 +19185,7 @@
               <a:rPr lang="en-US" smtClean="0">
                 <a:latin typeface="Consolas" panose="020B0609020204030204" pitchFamily="49" charset="0"/>
               </a:rPr>
-              <a:t>  </a:t>
-            </a:r>
-            <a:r>
-              <a:rPr lang="en-US" smtClean="0">
-                <a:latin typeface="Consolas" panose="020B0609020204030204" pitchFamily="49" charset="0"/>
-              </a:rPr>
-              <a:t>slave-&gt;parent </a:t>
-            </a:r>
-            <a:r>
-              <a:rPr lang="en-US" smtClean="0">
-                <a:latin typeface="Consolas" panose="020B0609020204030204" pitchFamily="49" charset="0"/>
-              </a:rPr>
-              <a:t>= master;</a:t>
+              <a:t>  slave-&gt;parent = master;</a:t>
             </a:r>
             <a:r>
               <a:rPr lang="ru-RU" smtClean="0">
@@ -19172,19 +19220,7 @@
               <a:rPr lang="en-US" smtClean="0">
                 <a:latin typeface="Consolas" panose="020B0609020204030204" pitchFamily="49" charset="0"/>
               </a:rPr>
-              <a:t>  </a:t>
-            </a:r>
-            <a:r>
-              <a:rPr lang="en-US" smtClean="0">
-                <a:latin typeface="Consolas" panose="020B0609020204030204" pitchFamily="49" charset="0"/>
-              </a:rPr>
-              <a:t>master-&gt;left </a:t>
-            </a:r>
-            <a:r>
-              <a:rPr lang="en-US" smtClean="0">
-                <a:latin typeface="Consolas" panose="020B0609020204030204" pitchFamily="49" charset="0"/>
-              </a:rPr>
-              <a:t>= slave;</a:t>
+              <a:t>  master-&gt;left = slave;</a:t>
             </a:r>
             <a:r>
               <a:rPr lang="ru-RU" smtClean="0">
@@ -19528,19 +19564,7 @@
               <a:rPr lang="en-US" smtClean="0">
                 <a:latin typeface="Consolas" panose="020B0609020204030204" pitchFamily="49" charset="0"/>
               </a:rPr>
-              <a:t>  </a:t>
-            </a:r>
-            <a:r>
-              <a:rPr lang="en-US" smtClean="0">
-                <a:latin typeface="Consolas" panose="020B0609020204030204" pitchFamily="49" charset="0"/>
-              </a:rPr>
-              <a:t>slave-&gt;parent </a:t>
-            </a:r>
-            <a:r>
-              <a:rPr lang="en-US" smtClean="0">
-                <a:latin typeface="Consolas" panose="020B0609020204030204" pitchFamily="49" charset="0"/>
-              </a:rPr>
-              <a:t>= master;</a:t>
+              <a:t>  slave-&gt;parent = master;</a:t>
             </a:r>
             <a:r>
               <a:rPr lang="ru-RU" smtClean="0">
@@ -19590,19 +19614,7 @@
               <a:rPr lang="en-US" smtClean="0">
                 <a:latin typeface="Consolas" panose="020B0609020204030204" pitchFamily="49" charset="0"/>
               </a:rPr>
-              <a:t>  </a:t>
-            </a:r>
-            <a:r>
-              <a:rPr lang="en-US" smtClean="0">
-                <a:latin typeface="Consolas" panose="020B0609020204030204" pitchFamily="49" charset="0"/>
-              </a:rPr>
-              <a:t>master-&gt;left </a:t>
-            </a:r>
-            <a:r>
-              <a:rPr lang="en-US" smtClean="0">
-                <a:latin typeface="Consolas" panose="020B0609020204030204" pitchFamily="49" charset="0"/>
-              </a:rPr>
-              <a:t>= slave;</a:t>
+              <a:t>  master-&gt;left = slave;</a:t>
             </a:r>
             <a:r>
               <a:rPr lang="ru-RU" smtClean="0">
@@ -20003,7 +20015,15 @@
           <a:p>
             <a:r>
               <a:rPr lang="ru-RU" smtClean="0"/>
-              <a:t>Зато он может закончится. Типичный случай, приводящий к подвисанию обычных указателей</a:t>
+              <a:t>Зато он может закончит</a:t>
+            </a:r>
+            <a:r>
+              <a:rPr lang="ru-RU"/>
+              <a:t>ь</a:t>
+            </a:r>
+            <a:r>
+              <a:rPr lang="ru-RU" smtClean="0"/>
+              <a:t>ся. Типичный случай, приводящий к подвисанию обычных указателей</a:t>
             </a:r>
           </a:p>
           <a:p>
@@ -25141,7 +25161,15 @@
             </a:r>
             <a:r>
               <a:rPr lang="en-US" smtClean="0"/>
-              <a:t>shared_ptr&lt;char[], deleter&lt;char[]&gt;&gt;</a:t>
+              <a:t>shared_ptr&lt;char[], </a:t>
+            </a:r>
+            <a:r>
+              <a:rPr lang="en-US"/>
+              <a:t>default_delete&lt;char</a:t>
+            </a:r>
+            <a:r>
+              <a:rPr lang="en-US" smtClean="0"/>
+              <a:t>[]&gt;&gt;</a:t>
             </a:r>
             <a:r>
               <a:rPr lang="ru-RU" smtClean="0"/>
@@ -25264,7 +25292,7 @@
             </a:r>
             <a:r>
               <a:rPr lang="en-US" smtClean="0"/>
-              <a:t>shared_ptr&lt;char[], deleter&lt;char[]&gt;&gt;</a:t>
+              <a:t>shared_ptr&lt;char[], default_delete&lt;char[]&gt;&gt;</a:t>
             </a:r>
             <a:r>
               <a:rPr lang="ru-RU" smtClean="0"/>
@@ -25539,11 +25567,7 @@
             </a:r>
             <a:r>
               <a:rPr lang="en-US" sz="1800"/>
-              <a:t>technology </a:t>
-            </a:r>
-            <a:r>
-              <a:rPr lang="en-US" sz="1800"/>
-              <a:t>– </a:t>
+              <a:t>technology – </a:t>
             </a:r>
             <a:r>
               <a:rPr lang="en-US" sz="1800" dirty="0"/>
@@ -25582,33 +25606,16 @@
           <a:p>
             <a:r>
               <a:rPr lang="en-US" sz="1800" smtClean="0"/>
-              <a:t>Herb Sutter, "</a:t>
-            </a:r>
-            <a:r>
-              <a:rPr lang="en-US" sz="1800" smtClean="0"/>
-              <a:t>Leak-Freedom </a:t>
+              <a:t>Herb Sutter, "Leak-Freedom </a:t>
             </a:r>
             <a:r>
               <a:rPr lang="en-US" sz="1800"/>
-              <a:t>in C++... </a:t>
-            </a:r>
-            <a:r>
-              <a:rPr lang="en-US" sz="1800"/>
-              <a:t>By </a:t>
-            </a:r>
-            <a:r>
-              <a:rPr lang="en-US" sz="1800"/>
-              <a:t>Default", CppCon 2016, https</a:t>
-            </a:r>
-            <a:r>
-              <a:rPr lang="en-US" sz="1800"/>
-              <a:t>://</a:t>
+              <a:t>in C++... By Default", CppCon 2016, https://</a:t>
             </a:r>
             <a:r>
               <a:rPr lang="en-US" sz="1800" smtClean="0"/>
               <a:t>www.youtube.com/watch?v=JfmTagWcqoE</a:t>
             </a:r>
-            <a:endParaRPr lang="en-US" sz="1800" smtClean="0"/>
           </a:p>
           <a:p>
             <a:pPr lvl="0"/>
@@ -26183,17 +26190,7 @@
                   </a:solidFill>
                 </a:ln>
               </a:rPr>
-              <a:t>intrusive_ptr&lt;Data</a:t>
-            </a:r>
-            <a:r>
-              <a:rPr lang="en-US" smtClean="0">
-                <a:ln>
-                  <a:solidFill>
-                    <a:schemeClr val="tx1"/>
-                  </a:solidFill>
-                </a:ln>
-              </a:rPr>
-              <a:t>&gt;</a:t>
+              <a:t>intrusive_ptr&lt;Data&gt;</a:t>
             </a:r>
             <a:endParaRPr lang="en-US">
               <a:ln>
@@ -26413,42 +26410,30 @@
               <a:rPr lang="en-US">
                 <a:latin typeface="Consolas" panose="020B0609020204030204" pitchFamily="49" charset="0"/>
               </a:rPr>
-              <a:t>intrusive_ptr_add_ref(T* </a:t>
+              <a:t>intrusive_ptr_add_ref(T* ptr</a:t>
+            </a:r>
+            <a:r>
+              <a:rPr lang="en-US" smtClean="0">
+                <a:latin typeface="Consolas" panose="020B0609020204030204" pitchFamily="49" charset="0"/>
+              </a:rPr>
+              <a:t>) {</a:t>
+            </a:r>
+            <a:br>
+              <a:rPr lang="en-US" smtClean="0">
+                <a:latin typeface="Consolas" panose="020B0609020204030204" pitchFamily="49" charset="0"/>
+              </a:rPr>
+            </a:br>
+            <a:r>
+              <a:rPr lang="en-US" smtClean="0">
+                <a:latin typeface="Consolas" panose="020B0609020204030204" pitchFamily="49" charset="0"/>
+              </a:rPr>
+              <a:t>  ptr-</a:t>
             </a:r>
             <a:r>
               <a:rPr lang="en-US">
                 <a:latin typeface="Consolas" panose="020B0609020204030204" pitchFamily="49" charset="0"/>
               </a:rPr>
-              <a:t>ptr</a:t>
-            </a:r>
-            <a:r>
-              <a:rPr lang="en-US" smtClean="0">
-                <a:latin typeface="Consolas" panose="020B0609020204030204" pitchFamily="49" charset="0"/>
-              </a:rPr>
-              <a:t>) {</a:t>
-            </a:r>
-            <a:br>
-              <a:rPr lang="en-US" smtClean="0">
-                <a:latin typeface="Consolas" panose="020B0609020204030204" pitchFamily="49" charset="0"/>
-              </a:rPr>
-            </a:br>
-            <a:r>
-              <a:rPr lang="en-US" smtClean="0">
-                <a:latin typeface="Consolas" panose="020B0609020204030204" pitchFamily="49" charset="0"/>
-              </a:rPr>
-              <a:t>  ptr-</a:t>
-            </a:r>
-            <a:r>
-              <a:rPr lang="en-US">
-                <a:latin typeface="Consolas" panose="020B0609020204030204" pitchFamily="49" charset="0"/>
-              </a:rPr>
-              <a:t>&gt;</a:t>
-            </a:r>
-            <a:r>
-              <a:rPr lang="en-US">
-                <a:latin typeface="Consolas" panose="020B0609020204030204" pitchFamily="49" charset="0"/>
-              </a:rPr>
-              <a:t>add_ref</a:t>
+              <a:t>&gt;add_ref</a:t>
             </a:r>
             <a:r>
               <a:rPr lang="en-US" smtClean="0">
@@ -26485,19 +26470,36 @@
               <a:rPr lang="en-US">
                 <a:latin typeface="Consolas" panose="020B0609020204030204" pitchFamily="49" charset="0"/>
               </a:rPr>
-              <a:t>intrusive_ptr_release(T</a:t>
+              <a:t>intrusive_ptr_release(T* </a:t>
+            </a:r>
+            <a:r>
+              <a:rPr lang="en-US" smtClean="0">
+                <a:latin typeface="Consolas" panose="020B0609020204030204" pitchFamily="49" charset="0"/>
+              </a:rPr>
+              <a:t>ptr) {</a:t>
+            </a:r>
+            <a:br>
+              <a:rPr lang="en-US" smtClean="0">
+                <a:latin typeface="Consolas" panose="020B0609020204030204" pitchFamily="49" charset="0"/>
+              </a:rPr>
+            </a:br>
+            <a:r>
+              <a:rPr lang="en-US" smtClean="0">
+                <a:latin typeface="Consolas" panose="020B0609020204030204" pitchFamily="49" charset="0"/>
+              </a:rPr>
+              <a:t>  if</a:t>
             </a:r>
             <a:r>
               <a:rPr lang="en-US">
                 <a:latin typeface="Consolas" panose="020B0609020204030204" pitchFamily="49" charset="0"/>
               </a:rPr>
-              <a:t>* </a:t>
-            </a:r>
-            <a:r>
-              <a:rPr lang="en-US" smtClean="0">
-                <a:latin typeface="Consolas" panose="020B0609020204030204" pitchFamily="49" charset="0"/>
-              </a:rPr>
-              <a:t>ptr) {</a:t>
+              <a:t>(!ptr-&gt;release</a:t>
+            </a:r>
+            <a:r>
+              <a:rPr lang="en-US" smtClean="0">
+                <a:latin typeface="Consolas" panose="020B0609020204030204" pitchFamily="49" charset="0"/>
+              </a:rPr>
+              <a:t>())</a:t>
             </a:r>
             <a:br>
               <a:rPr lang="en-US" smtClean="0">
@@ -26508,48 +26510,13 @@
               <a:rPr lang="en-US" smtClean="0">
                 <a:latin typeface="Consolas" panose="020B0609020204030204" pitchFamily="49" charset="0"/>
               </a:rPr>
-              <a:t>  if</a:t>
+              <a:t>    </a:t>
             </a:r>
             <a:r>
               <a:rPr lang="en-US">
                 <a:latin typeface="Consolas" panose="020B0609020204030204" pitchFamily="49" charset="0"/>
               </a:rPr>
-              <a:t>(!ptr-&gt;</a:t>
-            </a:r>
-            <a:r>
-              <a:rPr lang="en-US">
-                <a:latin typeface="Consolas" panose="020B0609020204030204" pitchFamily="49" charset="0"/>
-              </a:rPr>
-              <a:t>release</a:t>
-            </a:r>
-            <a:r>
-              <a:rPr lang="en-US" smtClean="0">
-                <a:latin typeface="Consolas" panose="020B0609020204030204" pitchFamily="49" charset="0"/>
-              </a:rPr>
-              <a:t>())</a:t>
-            </a:r>
-            <a:br>
-              <a:rPr lang="en-US" smtClean="0">
-                <a:latin typeface="Consolas" panose="020B0609020204030204" pitchFamily="49" charset="0"/>
-              </a:rPr>
-            </a:br>
-            <a:r>
-              <a:rPr lang="en-US" smtClean="0">
-                <a:latin typeface="Consolas" panose="020B0609020204030204" pitchFamily="49" charset="0"/>
-              </a:rPr>
-              <a:t>    </a:t>
-            </a:r>
-            <a:r>
-              <a:rPr lang="en-US">
-                <a:latin typeface="Consolas" panose="020B0609020204030204" pitchFamily="49" charset="0"/>
-              </a:rPr>
-              <a:t>delete </a:t>
-            </a:r>
-            <a:r>
-              <a:rPr lang="en-US">
-                <a:latin typeface="Consolas" panose="020B0609020204030204" pitchFamily="49" charset="0"/>
-              </a:rPr>
-              <a:t>ptr</a:t>
+              <a:t>delete ptr</a:t>
             </a:r>
             <a:r>
               <a:rPr lang="en-US" smtClean="0">
@@ -26677,7 +26644,15 @@
             </a:r>
             <a:r>
               <a:rPr lang="en-US" smtClean="0"/>
-              <a:t>intrusive_ptr_add_rintrusive_ptr_release </a:t>
+              <a:t>intrusive_ptr_add_ref </a:t>
+            </a:r>
+            <a:r>
+              <a:rPr lang="ru-RU" smtClean="0"/>
+              <a:t>и </a:t>
+            </a:r>
+            <a:r>
+              <a:rPr lang="en-US" smtClean="0"/>
+              <a:t>intrusive_ptr_release </a:t>
             </a:r>
             <a:r>
               <a:rPr lang="ru-RU" smtClean="0"/>
@@ -26819,13 +26794,7 @@
               <a:rPr lang="en-US">
                 <a:latin typeface="Consolas" panose="020B0609020204030204" pitchFamily="49" charset="0"/>
               </a:rPr>
-              <a:t>add_ref() { return ++ref_cnt</a:t>
-            </a:r>
-            <a:r>
-              <a:rPr lang="en-US">
-                <a:latin typeface="Consolas" panose="020B0609020204030204" pitchFamily="49" charset="0"/>
-              </a:rPr>
-              <a:t>_; </a:t>
+              <a:t>add_ref() { return ++ref_cnt_; </a:t>
             </a:r>
             <a:r>
               <a:rPr lang="en-US" smtClean="0">
@@ -26860,13 +26829,7 @@
               <a:rPr lang="en-US">
                 <a:latin typeface="Consolas" panose="020B0609020204030204" pitchFamily="49" charset="0"/>
               </a:rPr>
-              <a:t>release() { return --ref_cnt</a:t>
-            </a:r>
-            <a:r>
-              <a:rPr lang="en-US">
-                <a:latin typeface="Consolas" panose="020B0609020204030204" pitchFamily="49" charset="0"/>
-              </a:rPr>
-              <a:t>_; </a:t>
+              <a:t>release() { return --ref_cnt_; </a:t>
             </a:r>
             <a:r>
               <a:rPr lang="en-US" smtClean="0">
